--- a/110 드론 멘토링 출결 현황 V1.1.pptx
+++ b/110 드론 멘토링 출결 현황 V1.1.pptx
@@ -11536,7 +11536,7 @@
             <p:ph idx="1"/>
             <p:extLst>
               <p:ext uri="{D42A27DB-BD31-4B8C-83A1-F6EECF244321}">
-                <p14:modId xmlns:p14="http://schemas.microsoft.com/office/powerpoint/2010/main" val="3206273667"/>
+                <p14:modId xmlns:p14="http://schemas.microsoft.com/office/powerpoint/2010/main" val="3540573936"/>
               </p:ext>
             </p:extLst>
           </p:nvPr>
@@ -12359,9 +12359,16 @@
                     <a:p>
                       <a:pPr algn="ctr"/>
                       <a:r>
-                        <a:rPr lang="en-US" sz="1400"/>
-                        <a:t>A</a:t>
+                        <a:rPr lang="en-US" sz="1400" dirty="0"/>
+                        <a:t>B</a:t>
                       </a:r>
+                      <a:endParaRPr lang="en-US" sz="1400" dirty="0">
+                        <a:solidFill>
+                          <a:schemeClr val="accent2">
+                            <a:lumMod val="75000"/>
+                          </a:schemeClr>
+                        </a:solidFill>
+                      </a:endParaRPr>
                     </a:p>
                   </a:txBody>
                   <a:tcPr marL="0" marR="0" marT="0" marB="0" anchor="ctr"/>
@@ -12374,9 +12381,15 @@
                       <a:pPr algn="ctr"/>
                       <a:r>
                         <a:rPr lang="ko-KR" altLang="en-US" sz="1400"/>
-                        <a:t>김기홍</a:t>
+                        <a:t>오지만</a:t>
                       </a:r>
-                      <a:endParaRPr lang="en-US" sz="1400"/>
+                      <a:endParaRPr lang="en-US" sz="1400">
+                        <a:solidFill>
+                          <a:schemeClr val="accent2">
+                            <a:lumMod val="75000"/>
+                          </a:schemeClr>
+                        </a:solidFill>
+                      </a:endParaRPr>
                     </a:p>
                   </a:txBody>
                   <a:tcPr marL="0" marR="0" marT="0" marB="0" anchor="ctr"/>
@@ -12404,30 +12417,22 @@
                         <a:defRPr/>
                       </a:pPr>
                       <a:r>
-                        <a:rPr kumimoji="0" lang="en-US" sz="1400" u="none" strike="noStrike" kern="1200" cap="none" spc="0" normalizeH="0" baseline="0" noProof="0" dirty="0">
+                        <a:rPr kumimoji="0" lang="en-US" sz="1400" b="0" i="0" u="none" strike="noStrike" kern="1200" cap="none" spc="0" normalizeH="0" baseline="0" noProof="0" dirty="0">
                           <a:ln>
                             <a:noFill/>
                           </a:ln>
+                          <a:solidFill>
+                            <a:prstClr val="black"/>
+                          </a:solidFill>
                           <a:effectLst/>
                           <a:uLnTx/>
                           <a:uFillTx/>
+                          <a:latin typeface="Calibri" panose="020F0502020204030204"/>
+                          <a:ea typeface="+mn-ea"/>
+                          <a:cs typeface="+mn-cs"/>
                         </a:rPr>
-                        <a:t>X</a:t>
+                        <a:t>O</a:t>
                       </a:r>
-                      <a:endParaRPr kumimoji="0" lang="en-US" sz="1400" b="0" i="0" u="none" strike="noStrike" kern="1200" cap="none" spc="0" normalizeH="0" baseline="0" noProof="0" dirty="0">
-                        <a:ln>
-                          <a:noFill/>
-                        </a:ln>
-                        <a:solidFill>
-                          <a:prstClr val="black"/>
-                        </a:solidFill>
-                        <a:effectLst/>
-                        <a:uLnTx/>
-                        <a:uFillTx/>
-                        <a:latin typeface="Calibri" panose="020F0502020204030204"/>
-                        <a:ea typeface="+mn-ea"/>
-                        <a:cs typeface="+mn-cs"/>
-                      </a:endParaRPr>
                     </a:p>
                   </a:txBody>
                   <a:tcPr marL="0" marR="0" marT="0" marB="0" anchor="ctr"/>
@@ -12455,30 +12460,22 @@
                         <a:defRPr/>
                       </a:pPr>
                       <a:r>
-                        <a:rPr kumimoji="0" lang="en-US" sz="1400" u="none" strike="noStrike" kern="1200" cap="none" spc="0" normalizeH="0" baseline="0" noProof="0" dirty="0">
+                        <a:rPr kumimoji="0" lang="en-US" sz="1400" b="0" i="0" u="none" strike="noStrike" kern="1200" cap="none" spc="0" normalizeH="0" baseline="0" noProof="0" dirty="0">
                           <a:ln>
                             <a:noFill/>
                           </a:ln>
+                          <a:solidFill>
+                            <a:prstClr val="black"/>
+                          </a:solidFill>
                           <a:effectLst/>
                           <a:uLnTx/>
                           <a:uFillTx/>
+                          <a:latin typeface="Calibri" panose="020F0502020204030204"/>
+                          <a:ea typeface="+mn-ea"/>
+                          <a:cs typeface="+mn-cs"/>
                         </a:rPr>
-                        <a:t>X</a:t>
+                        <a:t>O</a:t>
                       </a:r>
-                      <a:endParaRPr kumimoji="0" lang="en-US" sz="1400" b="0" i="0" u="none" strike="noStrike" kern="1200" cap="none" spc="0" normalizeH="0" baseline="0" noProof="0" dirty="0">
-                        <a:ln>
-                          <a:noFill/>
-                        </a:ln>
-                        <a:solidFill>
-                          <a:prstClr val="black"/>
-                        </a:solidFill>
-                        <a:effectLst/>
-                        <a:uLnTx/>
-                        <a:uFillTx/>
-                        <a:latin typeface="Calibri" panose="020F0502020204030204"/>
-                        <a:ea typeface="+mn-ea"/>
-                        <a:cs typeface="+mn-cs"/>
-                      </a:endParaRPr>
                     </a:p>
                   </a:txBody>
                   <a:tcPr marL="0" marR="0" marT="0" marB="0" anchor="ctr"/>
@@ -12506,30 +12503,22 @@
                         <a:defRPr/>
                       </a:pPr>
                       <a:r>
-                        <a:rPr kumimoji="0" lang="en-US" sz="1400" u="none" strike="noStrike" kern="1200" cap="none" spc="0" normalizeH="0" baseline="0" noProof="0" dirty="0">
+                        <a:rPr kumimoji="0" lang="en-US" sz="1400" b="0" i="0" u="none" strike="noStrike" kern="1200" cap="none" spc="0" normalizeH="0" baseline="0" noProof="0" dirty="0">
                           <a:ln>
                             <a:noFill/>
                           </a:ln>
+                          <a:solidFill>
+                            <a:prstClr val="black"/>
+                          </a:solidFill>
                           <a:effectLst/>
                           <a:uLnTx/>
                           <a:uFillTx/>
+                          <a:latin typeface="Calibri" panose="020F0502020204030204"/>
+                          <a:ea typeface="+mn-ea"/>
+                          <a:cs typeface="+mn-cs"/>
                         </a:rPr>
-                        <a:t>X</a:t>
+                        <a:t>O</a:t>
                       </a:r>
-                      <a:endParaRPr kumimoji="0" lang="en-US" sz="1400" b="0" i="0" u="none" strike="noStrike" kern="1200" cap="none" spc="0" normalizeH="0" baseline="0" noProof="0" dirty="0">
-                        <a:ln>
-                          <a:noFill/>
-                        </a:ln>
-                        <a:solidFill>
-                          <a:prstClr val="black"/>
-                        </a:solidFill>
-                        <a:effectLst/>
-                        <a:uLnTx/>
-                        <a:uFillTx/>
-                        <a:latin typeface="Calibri" panose="020F0502020204030204"/>
-                        <a:ea typeface="+mn-ea"/>
-                        <a:cs typeface="+mn-cs"/>
-                      </a:endParaRPr>
                     </a:p>
                   </a:txBody>
                   <a:tcPr marL="0" marR="0" marT="0" marB="0" anchor="ctr"/>
@@ -12557,30 +12546,22 @@
                         <a:defRPr/>
                       </a:pPr>
                       <a:r>
-                        <a:rPr kumimoji="0" lang="en-US" sz="1400" u="none" strike="noStrike" kern="1200" cap="none" spc="0" normalizeH="0" baseline="0" noProof="0" dirty="0">
+                        <a:rPr kumimoji="0" lang="en-US" sz="1400" b="0" i="0" u="none" strike="noStrike" kern="1200" cap="none" spc="0" normalizeH="0" baseline="0" noProof="0" dirty="0">
                           <a:ln>
                             <a:noFill/>
                           </a:ln>
+                          <a:solidFill>
+                            <a:prstClr val="black"/>
+                          </a:solidFill>
                           <a:effectLst/>
                           <a:uLnTx/>
                           <a:uFillTx/>
+                          <a:latin typeface="Calibri" panose="020F0502020204030204"/>
+                          <a:ea typeface="+mn-ea"/>
+                          <a:cs typeface="+mn-cs"/>
                         </a:rPr>
-                        <a:t>X</a:t>
+                        <a:t>O</a:t>
                       </a:r>
-                      <a:endParaRPr kumimoji="0" lang="en-US" sz="1400" b="0" i="0" u="none" strike="noStrike" kern="1200" cap="none" spc="0" normalizeH="0" baseline="0" noProof="0" dirty="0">
-                        <a:ln>
-                          <a:noFill/>
-                        </a:ln>
-                        <a:solidFill>
-                          <a:prstClr val="black"/>
-                        </a:solidFill>
-                        <a:effectLst/>
-                        <a:uLnTx/>
-                        <a:uFillTx/>
-                        <a:latin typeface="Calibri" panose="020F0502020204030204"/>
-                        <a:ea typeface="+mn-ea"/>
-                        <a:cs typeface="+mn-cs"/>
-                      </a:endParaRPr>
                     </a:p>
                   </a:txBody>
                   <a:tcPr marL="0" marR="0" marT="0" marB="0" anchor="ctr"/>
@@ -12608,30 +12589,1865 @@
                         <a:defRPr/>
                       </a:pPr>
                       <a:r>
-                        <a:rPr kumimoji="0" lang="en-US" sz="1400" u="none" strike="noStrike" kern="1200" cap="none" spc="0" normalizeH="0" baseline="0" noProof="0" dirty="0">
+                        <a:rPr kumimoji="0" lang="en-US" sz="1400" b="0" i="0" u="none" strike="noStrike" kern="1200" cap="none" spc="0" normalizeH="0" baseline="0" noProof="0" dirty="0">
                           <a:ln>
                             <a:noFill/>
                           </a:ln>
+                          <a:solidFill>
+                            <a:prstClr val="black"/>
+                          </a:solidFill>
                           <a:effectLst/>
                           <a:uLnTx/>
                           <a:uFillTx/>
+                          <a:latin typeface="Calibri" panose="020F0502020204030204"/>
+                          <a:ea typeface="+mn-ea"/>
+                          <a:cs typeface="+mn-cs"/>
                         </a:rPr>
+                        <a:t>O</a:t>
+                      </a:r>
+                    </a:p>
+                  </a:txBody>
+                  <a:tcPr marL="0" marR="0" marT="0" marB="0" anchor="ctr"/>
+                </a:tc>
+                <a:tc>
+                  <a:txBody>
+                    <a:bodyPr/>
+                    <a:lstStyle/>
+                    <a:p>
+                      <a:pPr marL="0" marR="0" lvl="0" indent="0" algn="ctr" defTabSz="914400" rtl="0" eaLnBrk="1" fontAlgn="auto" latinLnBrk="0" hangingPunct="1">
+                        <a:lnSpc>
+                          <a:spcPct val="100000"/>
+                        </a:lnSpc>
+                        <a:spcBef>
+                          <a:spcPts val="0"/>
+                        </a:spcBef>
+                        <a:spcAft>
+                          <a:spcPts val="0"/>
+                        </a:spcAft>
+                        <a:buClrTx/>
+                        <a:buSzTx/>
+                        <a:buFontTx/>
+                        <a:buNone/>
+                        <a:tabLst/>
+                        <a:defRPr/>
+                      </a:pPr>
+                      <a:r>
+                        <a:rPr kumimoji="0" lang="en-US" sz="1400" b="1" i="0" u="none" strike="noStrike" kern="1200" cap="none" spc="0" normalizeH="0" baseline="0" noProof="0" dirty="0">
+                          <a:ln>
+                            <a:noFill/>
+                          </a:ln>
+                          <a:solidFill>
+                            <a:schemeClr val="accent2">
+                              <a:lumMod val="75000"/>
+                            </a:schemeClr>
+                          </a:solidFill>
+                          <a:effectLst/>
+                          <a:uLnTx/>
+                          <a:uFillTx/>
+                          <a:latin typeface="Calibri" panose="020F0502020204030204"/>
+                          <a:ea typeface="+mn-ea"/>
+                          <a:cs typeface="+mn-cs"/>
+                        </a:rPr>
+                        <a:t>O</a:t>
+                      </a:r>
+                    </a:p>
+                  </a:txBody>
+                  <a:tcPr marL="0" marR="0" marT="0" marB="0" anchor="ctr"/>
+                </a:tc>
+                <a:tc>
+                  <a:txBody>
+                    <a:bodyPr/>
+                    <a:lstStyle/>
+                    <a:p>
+                      <a:pPr marL="0" marR="0" lvl="0" indent="0" algn="ctr" defTabSz="914400" rtl="0" eaLnBrk="1" fontAlgn="auto" latinLnBrk="0" hangingPunct="1">
+                        <a:lnSpc>
+                          <a:spcPct val="100000"/>
+                        </a:lnSpc>
+                        <a:spcBef>
+                          <a:spcPts val="0"/>
+                        </a:spcBef>
+                        <a:spcAft>
+                          <a:spcPts val="0"/>
+                        </a:spcAft>
+                        <a:buClrTx/>
+                        <a:buSzTx/>
+                        <a:buFontTx/>
+                        <a:buNone/>
+                        <a:tabLst/>
+                        <a:defRPr/>
+                      </a:pPr>
+                      <a:r>
+                        <a:rPr kumimoji="0" lang="en-US" sz="1400" b="1" i="0" u="none" strike="noStrike" kern="1200" cap="none" spc="0" normalizeH="0" baseline="0" noProof="0" dirty="0">
+                          <a:ln>
+                            <a:noFill/>
+                          </a:ln>
+                          <a:solidFill>
+                            <a:schemeClr val="accent2">
+                              <a:lumMod val="75000"/>
+                            </a:schemeClr>
+                          </a:solidFill>
+                          <a:effectLst/>
+                          <a:uLnTx/>
+                          <a:uFillTx/>
+                          <a:latin typeface="Calibri" panose="020F0502020204030204"/>
+                          <a:ea typeface="+mn-ea"/>
+                          <a:cs typeface="+mn-cs"/>
+                        </a:rPr>
+                        <a:t>O</a:t>
+                      </a:r>
+                    </a:p>
+                  </a:txBody>
+                  <a:tcPr marL="0" marR="0" marT="0" marB="0" anchor="ctr"/>
+                </a:tc>
+                <a:tc>
+                  <a:txBody>
+                    <a:bodyPr/>
+                    <a:lstStyle/>
+                    <a:p>
+                      <a:pPr marL="0" marR="0" lvl="0" indent="0" algn="ctr" defTabSz="914400" rtl="0" eaLnBrk="1" fontAlgn="auto" latinLnBrk="0" hangingPunct="1">
+                        <a:lnSpc>
+                          <a:spcPct val="100000"/>
+                        </a:lnSpc>
+                        <a:spcBef>
+                          <a:spcPts val="0"/>
+                        </a:spcBef>
+                        <a:spcAft>
+                          <a:spcPts val="0"/>
+                        </a:spcAft>
+                        <a:buClrTx/>
+                        <a:buSzTx/>
+                        <a:buFontTx/>
+                        <a:buNone/>
+                        <a:tabLst/>
+                        <a:defRPr/>
+                      </a:pPr>
+                      <a:r>
+                        <a:rPr kumimoji="0" lang="en-US" sz="1400" b="1" i="0" u="none" strike="noStrike" kern="1200" cap="none" spc="0" normalizeH="0" baseline="0" noProof="0" dirty="0">
+                          <a:ln>
+                            <a:noFill/>
+                          </a:ln>
+                          <a:solidFill>
+                            <a:schemeClr val="accent2">
+                              <a:lumMod val="75000"/>
+                            </a:schemeClr>
+                          </a:solidFill>
+                          <a:effectLst/>
+                          <a:uLnTx/>
+                          <a:uFillTx/>
+                          <a:latin typeface="Calibri" panose="020F0502020204030204"/>
+                          <a:ea typeface="+mn-ea"/>
+                          <a:cs typeface="+mn-cs"/>
+                        </a:rPr>
+                        <a:t>O</a:t>
+                      </a:r>
+                    </a:p>
+                  </a:txBody>
+                  <a:tcPr marL="0" marR="0" marT="0" marB="0" anchor="ctr"/>
+                </a:tc>
+                <a:tc>
+                  <a:txBody>
+                    <a:bodyPr/>
+                    <a:lstStyle/>
+                    <a:p>
+                      <a:pPr marL="0" marR="0" lvl="0" indent="0" algn="ctr" defTabSz="914400" rtl="0" eaLnBrk="1" fontAlgn="auto" latinLnBrk="0" hangingPunct="1">
+                        <a:lnSpc>
+                          <a:spcPct val="100000"/>
+                        </a:lnSpc>
+                        <a:spcBef>
+                          <a:spcPts val="0"/>
+                        </a:spcBef>
+                        <a:spcAft>
+                          <a:spcPts val="0"/>
+                        </a:spcAft>
+                        <a:buClrTx/>
+                        <a:buSzTx/>
+                        <a:buFontTx/>
+                        <a:buNone/>
+                        <a:tabLst/>
+                        <a:defRPr/>
+                      </a:pPr>
+                      <a:r>
+                        <a:rPr kumimoji="0" lang="en-US" sz="1400" b="1" i="0" u="none" strike="noStrike" kern="1200" cap="none" spc="0" normalizeH="0" baseline="0" noProof="0" dirty="0">
+                          <a:ln>
+                            <a:noFill/>
+                          </a:ln>
+                          <a:solidFill>
+                            <a:schemeClr val="accent2">
+                              <a:lumMod val="75000"/>
+                            </a:schemeClr>
+                          </a:solidFill>
+                          <a:effectLst/>
+                          <a:uLnTx/>
+                          <a:uFillTx/>
+                          <a:latin typeface="Calibri" panose="020F0502020204030204"/>
+                          <a:ea typeface="+mn-ea"/>
+                          <a:cs typeface="+mn-cs"/>
+                        </a:rPr>
+                        <a:t>O</a:t>
+                      </a:r>
+                    </a:p>
+                  </a:txBody>
+                  <a:tcPr marL="0" marR="0" marT="0" marB="0" anchor="ctr"/>
+                </a:tc>
+                <a:tc>
+                  <a:txBody>
+                    <a:bodyPr/>
+                    <a:lstStyle/>
+                    <a:p>
+                      <a:pPr marL="0" marR="0" lvl="0" indent="0" algn="ctr" defTabSz="914400" rtl="0" eaLnBrk="1" fontAlgn="auto" latinLnBrk="0" hangingPunct="1">
+                        <a:lnSpc>
+                          <a:spcPct val="100000"/>
+                        </a:lnSpc>
+                        <a:spcBef>
+                          <a:spcPts val="0"/>
+                        </a:spcBef>
+                        <a:spcAft>
+                          <a:spcPts val="0"/>
+                        </a:spcAft>
+                        <a:buClrTx/>
+                        <a:buSzTx/>
+                        <a:buFontTx/>
+                        <a:buNone/>
+                        <a:tabLst/>
+                        <a:defRPr/>
+                      </a:pPr>
+                      <a:r>
+                        <a:rPr kumimoji="0" lang="en-US" sz="1400" b="1" i="0" u="none" strike="noStrike" kern="1200" cap="none" spc="0" normalizeH="0" baseline="0" noProof="0" dirty="0">
+                          <a:ln>
+                            <a:noFill/>
+                          </a:ln>
+                          <a:solidFill>
+                            <a:schemeClr val="accent2">
+                              <a:lumMod val="75000"/>
+                            </a:schemeClr>
+                          </a:solidFill>
+                          <a:effectLst/>
+                          <a:uLnTx/>
+                          <a:uFillTx/>
+                          <a:latin typeface="Calibri" panose="020F0502020204030204"/>
+                          <a:ea typeface="+mn-ea"/>
+                          <a:cs typeface="+mn-cs"/>
+                        </a:rPr>
+                        <a:t>O</a:t>
+                      </a:r>
+                    </a:p>
+                  </a:txBody>
+                  <a:tcPr marL="0" marR="0" marT="0" marB="0" anchor="ctr"/>
+                </a:tc>
+                <a:tc>
+                  <a:txBody>
+                    <a:bodyPr/>
+                    <a:lstStyle/>
+                    <a:p>
+                      <a:pPr algn="ctr"/>
+                      <a:endParaRPr lang="en-US" sz="1400">
+                        <a:solidFill>
+                          <a:schemeClr val="accent2">
+                            <a:lumMod val="75000"/>
+                          </a:schemeClr>
+                        </a:solidFill>
+                      </a:endParaRPr>
+                    </a:p>
+                  </a:txBody>
+                  <a:tcPr marL="0" marR="0" marT="0" marB="0" anchor="ctr"/>
+                </a:tc>
+                <a:tc>
+                  <a:txBody>
+                    <a:bodyPr/>
+                    <a:lstStyle/>
+                    <a:p>
+                      <a:pPr algn="ctr"/>
+                      <a:endParaRPr lang="en-US" sz="1400">
+                        <a:solidFill>
+                          <a:schemeClr val="accent2">
+                            <a:lumMod val="75000"/>
+                          </a:schemeClr>
+                        </a:solidFill>
+                      </a:endParaRPr>
+                    </a:p>
+                  </a:txBody>
+                  <a:tcPr marL="0" marR="0" marT="0" marB="0" anchor="ctr"/>
+                </a:tc>
+                <a:tc>
+                  <a:txBody>
+                    <a:bodyPr/>
+                    <a:lstStyle/>
+                    <a:p>
+                      <a:pPr algn="ctr"/>
+                      <a:endParaRPr lang="en-US" sz="1400">
+                        <a:solidFill>
+                          <a:schemeClr val="accent2">
+                            <a:lumMod val="75000"/>
+                          </a:schemeClr>
+                        </a:solidFill>
+                      </a:endParaRPr>
+                    </a:p>
+                  </a:txBody>
+                  <a:tcPr marL="0" marR="0" marT="0" marB="0" anchor="ctr"/>
+                </a:tc>
+                <a:tc>
+                  <a:txBody>
+                    <a:bodyPr/>
+                    <a:lstStyle/>
+                    <a:p>
+                      <a:pPr algn="ctr"/>
+                      <a:endParaRPr lang="en-US" sz="1400">
+                        <a:solidFill>
+                          <a:schemeClr val="accent2">
+                            <a:lumMod val="75000"/>
+                          </a:schemeClr>
+                        </a:solidFill>
+                      </a:endParaRPr>
+                    </a:p>
+                  </a:txBody>
+                  <a:tcPr marL="0" marR="0" marT="0" marB="0" anchor="ctr"/>
+                </a:tc>
+                <a:tc>
+                  <a:txBody>
+                    <a:bodyPr/>
+                    <a:lstStyle/>
+                    <a:p>
+                      <a:pPr algn="ctr"/>
+                      <a:endParaRPr lang="en-US" sz="1400">
+                        <a:solidFill>
+                          <a:schemeClr val="accent2">
+                            <a:lumMod val="75000"/>
+                          </a:schemeClr>
+                        </a:solidFill>
+                      </a:endParaRPr>
+                    </a:p>
+                  </a:txBody>
+                  <a:tcPr marL="0" marR="0" marT="0" marB="0" anchor="ctr"/>
+                </a:tc>
+                <a:tc>
+                  <a:txBody>
+                    <a:bodyPr/>
+                    <a:lstStyle/>
+                    <a:p>
+                      <a:pPr algn="ctr"/>
+                      <a:endParaRPr lang="en-US" sz="1400">
+                        <a:solidFill>
+                          <a:schemeClr val="accent2">
+                            <a:lumMod val="75000"/>
+                          </a:schemeClr>
+                        </a:solidFill>
+                      </a:endParaRPr>
+                    </a:p>
+                  </a:txBody>
+                  <a:tcPr marL="0" marR="0" marT="0" marB="0" anchor="ctr"/>
+                </a:tc>
+                <a:tc>
+                  <a:txBody>
+                    <a:bodyPr/>
+                    <a:lstStyle/>
+                    <a:p>
+                      <a:pPr algn="ctr"/>
+                      <a:endParaRPr lang="en-US" sz="1400">
+                        <a:solidFill>
+                          <a:schemeClr val="accent2">
+                            <a:lumMod val="75000"/>
+                          </a:schemeClr>
+                        </a:solidFill>
+                      </a:endParaRPr>
+                    </a:p>
+                  </a:txBody>
+                  <a:tcPr marL="0" marR="0" marT="0" marB="0" anchor="ctr"/>
+                </a:tc>
+                <a:tc>
+                  <a:txBody>
+                    <a:bodyPr/>
+                    <a:lstStyle/>
+                    <a:p>
+                      <a:pPr algn="ctr"/>
+                      <a:endParaRPr lang="en-US" sz="1400">
+                        <a:solidFill>
+                          <a:schemeClr val="accent2">
+                            <a:lumMod val="75000"/>
+                          </a:schemeClr>
+                        </a:solidFill>
+                      </a:endParaRPr>
+                    </a:p>
+                  </a:txBody>
+                  <a:tcPr marL="0" marR="0" marT="0" marB="0" anchor="ctr"/>
+                </a:tc>
+                <a:tc>
+                  <a:txBody>
+                    <a:bodyPr/>
+                    <a:lstStyle/>
+                    <a:p>
+                      <a:pPr algn="ctr"/>
+                      <a:endParaRPr lang="en-US" sz="1400">
+                        <a:solidFill>
+                          <a:schemeClr val="accent2">
+                            <a:lumMod val="75000"/>
+                          </a:schemeClr>
+                        </a:solidFill>
+                      </a:endParaRPr>
+                    </a:p>
+                  </a:txBody>
+                  <a:tcPr marL="0" marR="0" marT="0" marB="0" anchor="ctr"/>
+                </a:tc>
+                <a:tc>
+                  <a:txBody>
+                    <a:bodyPr/>
+                    <a:lstStyle/>
+                    <a:p>
+                      <a:pPr algn="ctr"/>
+                      <a:endParaRPr lang="en-US" sz="1400">
+                        <a:solidFill>
+                          <a:schemeClr val="accent2">
+                            <a:lumMod val="75000"/>
+                          </a:schemeClr>
+                        </a:solidFill>
+                      </a:endParaRPr>
+                    </a:p>
+                  </a:txBody>
+                  <a:tcPr marL="0" marR="0" marT="0" marB="0" anchor="ctr"/>
+                </a:tc>
+                <a:extLst>
+                  <a:ext uri="{0D108BD9-81ED-4DB2-BD59-A6C34878D82A}">
+                    <a16:rowId xmlns:a16="http://schemas.microsoft.com/office/drawing/2014/main" val="3460836312"/>
+                  </a:ext>
+                </a:extLst>
+              </a:tr>
+              <a:tr h="512232">
+                <a:tc>
+                  <a:txBody>
+                    <a:bodyPr/>
+                    <a:lstStyle/>
+                    <a:p>
+                      <a:pPr algn="ctr"/>
+                      <a:r>
+                        <a:rPr lang="en-US" sz="1400" dirty="0"/>
+                        <a:t>B</a:t>
+                      </a:r>
+                      <a:endParaRPr lang="en-US" sz="1400" dirty="0">
+                        <a:solidFill>
+                          <a:schemeClr val="accent2">
+                            <a:lumMod val="75000"/>
+                          </a:schemeClr>
+                        </a:solidFill>
+                      </a:endParaRPr>
+                    </a:p>
+                  </a:txBody>
+                  <a:tcPr marL="0" marR="0" marT="0" marB="0" anchor="ctr"/>
+                </a:tc>
+                <a:tc>
+                  <a:txBody>
+                    <a:bodyPr/>
+                    <a:lstStyle/>
+                    <a:p>
+                      <a:pPr algn="ctr"/>
+                      <a:r>
+                        <a:rPr lang="ko-KR" altLang="en-US" sz="1400"/>
+                        <a:t>이지은</a:t>
+                      </a:r>
+                      <a:endParaRPr lang="en-US" sz="1400">
+                        <a:solidFill>
+                          <a:schemeClr val="accent2">
+                            <a:lumMod val="75000"/>
+                          </a:schemeClr>
+                        </a:solidFill>
+                      </a:endParaRPr>
+                    </a:p>
+                  </a:txBody>
+                  <a:tcPr marL="0" marR="0" marT="0" marB="0" anchor="ctr"/>
+                </a:tc>
+                <a:tc>
+                  <a:txBody>
+                    <a:bodyPr/>
+                    <a:lstStyle/>
+                    <a:p>
+                      <a:pPr algn="ctr"/>
+                      <a:r>
+                        <a:rPr lang="el-GR" sz="1400"/>
+                        <a:t>Δ</a:t>
+                      </a:r>
+                      <a:endParaRPr lang="en-US" sz="1400">
+                        <a:solidFill>
+                          <a:schemeClr val="accent2">
+                            <a:lumMod val="75000"/>
+                          </a:schemeClr>
+                        </a:solidFill>
+                      </a:endParaRPr>
+                    </a:p>
+                  </a:txBody>
+                  <a:tcPr marL="0" marR="0" marT="0" marB="0" anchor="ctr"/>
+                </a:tc>
+                <a:tc>
+                  <a:txBody>
+                    <a:bodyPr/>
+                    <a:lstStyle/>
+                    <a:p>
+                      <a:pPr marL="0" marR="0" lvl="0" indent="0" algn="ctr" defTabSz="914400" rtl="0" eaLnBrk="1" fontAlgn="auto" latinLnBrk="0" hangingPunct="1">
+                        <a:lnSpc>
+                          <a:spcPct val="100000"/>
+                        </a:lnSpc>
+                        <a:spcBef>
+                          <a:spcPts val="0"/>
+                        </a:spcBef>
+                        <a:spcAft>
+                          <a:spcPts val="0"/>
+                        </a:spcAft>
+                        <a:buClrTx/>
+                        <a:buSzTx/>
+                        <a:buFontTx/>
+                        <a:buNone/>
+                        <a:tabLst/>
+                        <a:defRPr/>
+                      </a:pPr>
+                      <a:r>
+                        <a:rPr kumimoji="0" lang="en-US" sz="1400" b="0" i="0" u="none" strike="noStrike" kern="1200" cap="none" spc="0" normalizeH="0" baseline="0" noProof="0">
+                          <a:ln>
+                            <a:noFill/>
+                          </a:ln>
+                          <a:solidFill>
+                            <a:prstClr val="black"/>
+                          </a:solidFill>
+                          <a:effectLst/>
+                          <a:uLnTx/>
+                          <a:uFillTx/>
+                          <a:latin typeface="Calibri" panose="020F0502020204030204"/>
+                          <a:ea typeface="+mn-ea"/>
+                          <a:cs typeface="+mn-cs"/>
+                        </a:rPr>
+                        <a:t>O</a:t>
+                      </a:r>
+                    </a:p>
+                  </a:txBody>
+                  <a:tcPr marL="0" marR="0" marT="0" marB="0" anchor="ctr"/>
+                </a:tc>
+                <a:tc>
+                  <a:txBody>
+                    <a:bodyPr/>
+                    <a:lstStyle/>
+                    <a:p>
+                      <a:pPr marL="0" marR="0" lvl="0" indent="0" algn="ctr" defTabSz="914400" rtl="0" eaLnBrk="1" fontAlgn="auto" latinLnBrk="0" hangingPunct="1">
+                        <a:lnSpc>
+                          <a:spcPct val="100000"/>
+                        </a:lnSpc>
+                        <a:spcBef>
+                          <a:spcPts val="0"/>
+                        </a:spcBef>
+                        <a:spcAft>
+                          <a:spcPts val="0"/>
+                        </a:spcAft>
+                        <a:buClrTx/>
+                        <a:buSzTx/>
+                        <a:buFontTx/>
+                        <a:buNone/>
+                        <a:tabLst/>
+                        <a:defRPr/>
+                      </a:pPr>
+                      <a:r>
+                        <a:rPr kumimoji="0" lang="en-US" sz="1400" b="0" i="0" u="none" strike="noStrike" kern="1200" cap="none" spc="0" normalizeH="0" baseline="0" noProof="0">
+                          <a:ln>
+                            <a:noFill/>
+                          </a:ln>
+                          <a:solidFill>
+                            <a:prstClr val="black"/>
+                          </a:solidFill>
+                          <a:effectLst/>
+                          <a:uLnTx/>
+                          <a:uFillTx/>
+                          <a:latin typeface="Calibri" panose="020F0502020204030204"/>
+                          <a:ea typeface="+mn-ea"/>
+                          <a:cs typeface="+mn-cs"/>
+                        </a:rPr>
+                        <a:t>O</a:t>
+                      </a:r>
+                    </a:p>
+                  </a:txBody>
+                  <a:tcPr marL="0" marR="0" marT="0" marB="0" anchor="ctr"/>
+                </a:tc>
+                <a:tc>
+                  <a:txBody>
+                    <a:bodyPr/>
+                    <a:lstStyle/>
+                    <a:p>
+                      <a:pPr marL="0" marR="0" lvl="0" indent="0" algn="ctr" defTabSz="914400" rtl="0" eaLnBrk="1" fontAlgn="auto" latinLnBrk="0" hangingPunct="1">
+                        <a:lnSpc>
+                          <a:spcPct val="100000"/>
+                        </a:lnSpc>
+                        <a:spcBef>
+                          <a:spcPts val="0"/>
+                        </a:spcBef>
+                        <a:spcAft>
+                          <a:spcPts val="0"/>
+                        </a:spcAft>
+                        <a:buClrTx/>
+                        <a:buSzTx/>
+                        <a:buFontTx/>
+                        <a:buNone/>
+                        <a:tabLst/>
+                        <a:defRPr/>
+                      </a:pPr>
+                      <a:r>
+                        <a:rPr lang="en-US" sz="1400"/>
                         <a:t>X</a:t>
                       </a:r>
-                      <a:endParaRPr kumimoji="0" lang="en-US" sz="1400" b="0" i="0" u="none" strike="noStrike" kern="1200" cap="none" spc="0" normalizeH="0" baseline="0" noProof="0" dirty="0">
-                        <a:ln>
-                          <a:noFill/>
-                        </a:ln>
+                    </a:p>
+                  </a:txBody>
+                  <a:tcPr marL="0" marR="0" marT="0" marB="0" anchor="ctr"/>
+                </a:tc>
+                <a:tc>
+                  <a:txBody>
+                    <a:bodyPr/>
+                    <a:lstStyle/>
+                    <a:p>
+                      <a:pPr marL="0" marR="0" lvl="0" indent="0" algn="ctr" defTabSz="914400" rtl="0" eaLnBrk="1" fontAlgn="auto" latinLnBrk="0" hangingPunct="1">
+                        <a:lnSpc>
+                          <a:spcPct val="100000"/>
+                        </a:lnSpc>
+                        <a:spcBef>
+                          <a:spcPts val="0"/>
+                        </a:spcBef>
+                        <a:spcAft>
+                          <a:spcPts val="0"/>
+                        </a:spcAft>
+                        <a:buClrTx/>
+                        <a:buSzTx/>
+                        <a:buFontTx/>
+                        <a:buNone/>
+                        <a:tabLst/>
+                        <a:defRPr/>
+                      </a:pPr>
+                      <a:r>
+                        <a:rPr lang="en-US" sz="1400"/>
+                        <a:t>X</a:t>
+                      </a:r>
+                    </a:p>
+                  </a:txBody>
+                  <a:tcPr marL="0" marR="0" marT="0" marB="0" anchor="ctr"/>
+                </a:tc>
+                <a:tc>
+                  <a:txBody>
+                    <a:bodyPr/>
+                    <a:lstStyle/>
+                    <a:p>
+                      <a:pPr marL="0" marR="0" lvl="0" indent="0" algn="ctr" defTabSz="914400" rtl="0" eaLnBrk="1" fontAlgn="auto" latinLnBrk="0" hangingPunct="1">
+                        <a:lnSpc>
+                          <a:spcPct val="100000"/>
+                        </a:lnSpc>
+                        <a:spcBef>
+                          <a:spcPts val="0"/>
+                        </a:spcBef>
+                        <a:spcAft>
+                          <a:spcPts val="0"/>
+                        </a:spcAft>
+                        <a:buClrTx/>
+                        <a:buSzTx/>
+                        <a:buFontTx/>
+                        <a:buNone/>
+                        <a:tabLst/>
+                        <a:defRPr/>
+                      </a:pPr>
+                      <a:r>
+                        <a:rPr kumimoji="0" lang="en-US" sz="1400" b="1" i="0" u="none" strike="noStrike" kern="1200" cap="none" spc="0" normalizeH="0" baseline="0" noProof="0" dirty="0">
+                          <a:ln>
+                            <a:noFill/>
+                          </a:ln>
+                          <a:solidFill>
+                            <a:schemeClr val="accent2">
+                              <a:lumMod val="75000"/>
+                            </a:schemeClr>
+                          </a:solidFill>
+                          <a:effectLst/>
+                          <a:uLnTx/>
+                          <a:uFillTx/>
+                          <a:latin typeface="Calibri" panose="020F0502020204030204"/>
+                          <a:ea typeface="+mn-ea"/>
+                          <a:cs typeface="+mn-cs"/>
+                        </a:rPr>
+                        <a:t>O</a:t>
+                      </a:r>
+                    </a:p>
+                  </a:txBody>
+                  <a:tcPr marL="0" marR="0" marT="0" marB="0" anchor="ctr"/>
+                </a:tc>
+                <a:tc>
+                  <a:txBody>
+                    <a:bodyPr/>
+                    <a:lstStyle/>
+                    <a:p>
+                      <a:pPr marL="0" marR="0" lvl="0" indent="0" algn="ctr" defTabSz="914400" rtl="0" eaLnBrk="1" fontAlgn="auto" latinLnBrk="0" hangingPunct="1">
+                        <a:lnSpc>
+                          <a:spcPct val="100000"/>
+                        </a:lnSpc>
+                        <a:spcBef>
+                          <a:spcPts val="0"/>
+                        </a:spcBef>
+                        <a:spcAft>
+                          <a:spcPts val="0"/>
+                        </a:spcAft>
+                        <a:buClrTx/>
+                        <a:buSzTx/>
+                        <a:buFontTx/>
+                        <a:buNone/>
+                        <a:tabLst/>
+                        <a:defRPr/>
+                      </a:pPr>
+                      <a:r>
+                        <a:rPr kumimoji="0" lang="en-US" sz="1400" b="1" i="0" u="none" strike="noStrike" kern="1200" cap="none" spc="0" normalizeH="0" baseline="0" noProof="0" dirty="0">
+                          <a:ln>
+                            <a:noFill/>
+                          </a:ln>
+                          <a:solidFill>
+                            <a:schemeClr val="accent2">
+                              <a:lumMod val="75000"/>
+                            </a:schemeClr>
+                          </a:solidFill>
+                          <a:effectLst/>
+                          <a:uLnTx/>
+                          <a:uFillTx/>
+                          <a:latin typeface="Calibri" panose="020F0502020204030204"/>
+                          <a:ea typeface="+mn-ea"/>
+                          <a:cs typeface="+mn-cs"/>
+                        </a:rPr>
+                        <a:t>O</a:t>
+                      </a:r>
+                    </a:p>
+                  </a:txBody>
+                  <a:tcPr marL="0" marR="0" marT="0" marB="0" anchor="ctr"/>
+                </a:tc>
+                <a:tc>
+                  <a:txBody>
+                    <a:bodyPr/>
+                    <a:lstStyle/>
+                    <a:p>
+                      <a:pPr marL="0" marR="0" lvl="0" indent="0" algn="ctr" defTabSz="914400" rtl="0" eaLnBrk="1" fontAlgn="auto" latinLnBrk="0" hangingPunct="1">
+                        <a:lnSpc>
+                          <a:spcPct val="100000"/>
+                        </a:lnSpc>
+                        <a:spcBef>
+                          <a:spcPts val="0"/>
+                        </a:spcBef>
+                        <a:spcAft>
+                          <a:spcPts val="0"/>
+                        </a:spcAft>
+                        <a:buClrTx/>
+                        <a:buSzTx/>
+                        <a:buFontTx/>
+                        <a:buNone/>
+                        <a:tabLst/>
+                        <a:defRPr/>
+                      </a:pPr>
+                      <a:r>
+                        <a:rPr kumimoji="0" lang="en-US" sz="1400" b="1" i="0" u="none" strike="noStrike" kern="1200" cap="none" spc="0" normalizeH="0" baseline="0" noProof="0" dirty="0">
+                          <a:ln>
+                            <a:noFill/>
+                          </a:ln>
+                          <a:solidFill>
+                            <a:schemeClr val="accent2">
+                              <a:lumMod val="75000"/>
+                            </a:schemeClr>
+                          </a:solidFill>
+                          <a:effectLst/>
+                          <a:uLnTx/>
+                          <a:uFillTx/>
+                          <a:latin typeface="Calibri" panose="020F0502020204030204"/>
+                          <a:ea typeface="+mn-ea"/>
+                          <a:cs typeface="+mn-cs"/>
+                        </a:rPr>
+                        <a:t>O</a:t>
+                      </a:r>
+                    </a:p>
+                  </a:txBody>
+                  <a:tcPr marL="0" marR="0" marT="0" marB="0" anchor="ctr"/>
+                </a:tc>
+                <a:tc>
+                  <a:txBody>
+                    <a:bodyPr/>
+                    <a:lstStyle/>
+                    <a:p>
+                      <a:pPr marL="0" marR="0" lvl="0" indent="0" algn="ctr" defTabSz="914400" rtl="0" eaLnBrk="1" fontAlgn="auto" latinLnBrk="0" hangingPunct="1">
+                        <a:lnSpc>
+                          <a:spcPct val="100000"/>
+                        </a:lnSpc>
+                        <a:spcBef>
+                          <a:spcPts val="0"/>
+                        </a:spcBef>
+                        <a:spcAft>
+                          <a:spcPts val="0"/>
+                        </a:spcAft>
+                        <a:buClrTx/>
+                        <a:buSzTx/>
+                        <a:buFontTx/>
+                        <a:buNone/>
+                        <a:tabLst/>
+                        <a:defRPr/>
+                      </a:pPr>
+                      <a:r>
+                        <a:rPr kumimoji="0" lang="en-US" sz="1400" b="1" i="0" u="none" strike="noStrike" kern="1200" cap="none" spc="0" normalizeH="0" baseline="0" noProof="0" dirty="0">
+                          <a:ln>
+                            <a:noFill/>
+                          </a:ln>
+                          <a:solidFill>
+                            <a:schemeClr val="accent2">
+                              <a:lumMod val="75000"/>
+                            </a:schemeClr>
+                          </a:solidFill>
+                          <a:effectLst/>
+                          <a:uLnTx/>
+                          <a:uFillTx/>
+                          <a:latin typeface="Calibri" panose="020F0502020204030204"/>
+                          <a:ea typeface="+mn-ea"/>
+                          <a:cs typeface="+mn-cs"/>
+                        </a:rPr>
+                        <a:t>O</a:t>
+                      </a:r>
+                    </a:p>
+                  </a:txBody>
+                  <a:tcPr marL="0" marR="0" marT="0" marB="0" anchor="ctr"/>
+                </a:tc>
+                <a:tc>
+                  <a:txBody>
+                    <a:bodyPr/>
+                    <a:lstStyle/>
+                    <a:p>
+                      <a:pPr marL="0" marR="0" lvl="0" indent="0" algn="ctr" defTabSz="914400" rtl="0" eaLnBrk="1" fontAlgn="auto" latinLnBrk="0" hangingPunct="1">
+                        <a:lnSpc>
+                          <a:spcPct val="100000"/>
+                        </a:lnSpc>
+                        <a:spcBef>
+                          <a:spcPts val="0"/>
+                        </a:spcBef>
+                        <a:spcAft>
+                          <a:spcPts val="0"/>
+                        </a:spcAft>
+                        <a:buClrTx/>
+                        <a:buSzTx/>
+                        <a:buFontTx/>
+                        <a:buNone/>
+                        <a:tabLst/>
+                        <a:defRPr/>
+                      </a:pPr>
+                      <a:r>
+                        <a:rPr kumimoji="0" lang="en-US" sz="1400" b="1" i="0" u="none" strike="noStrike" kern="1200" cap="none" spc="0" normalizeH="0" baseline="0" noProof="0" dirty="0">
+                          <a:ln>
+                            <a:noFill/>
+                          </a:ln>
+                          <a:solidFill>
+                            <a:schemeClr val="accent2">
+                              <a:lumMod val="75000"/>
+                            </a:schemeClr>
+                          </a:solidFill>
+                          <a:effectLst/>
+                          <a:uLnTx/>
+                          <a:uFillTx/>
+                          <a:latin typeface="Calibri" panose="020F0502020204030204"/>
+                          <a:ea typeface="+mn-ea"/>
+                          <a:cs typeface="+mn-cs"/>
+                        </a:rPr>
+                        <a:t>O</a:t>
+                      </a:r>
+                    </a:p>
+                  </a:txBody>
+                  <a:tcPr marL="0" marR="0" marT="0" marB="0" anchor="ctr"/>
+                </a:tc>
+                <a:tc>
+                  <a:txBody>
+                    <a:bodyPr/>
+                    <a:lstStyle/>
+                    <a:p>
+                      <a:pPr algn="ctr"/>
+                      <a:endParaRPr lang="en-US" sz="1400">
                         <a:solidFill>
-                          <a:prstClr val="black"/>
+                          <a:schemeClr val="accent2">
+                            <a:lumMod val="75000"/>
+                          </a:schemeClr>
                         </a:solidFill>
-                        <a:effectLst/>
-                        <a:uLnTx/>
-                        <a:uFillTx/>
-                        <a:latin typeface="Calibri" panose="020F0502020204030204"/>
-                        <a:ea typeface="+mn-ea"/>
-                        <a:cs typeface="+mn-cs"/>
                       </a:endParaRPr>
+                    </a:p>
+                  </a:txBody>
+                  <a:tcPr marL="0" marR="0" marT="0" marB="0" anchor="ctr"/>
+                </a:tc>
+                <a:tc>
+                  <a:txBody>
+                    <a:bodyPr/>
+                    <a:lstStyle/>
+                    <a:p>
+                      <a:pPr algn="ctr"/>
+                      <a:endParaRPr lang="en-US" sz="1400">
+                        <a:solidFill>
+                          <a:schemeClr val="accent2">
+                            <a:lumMod val="75000"/>
+                          </a:schemeClr>
+                        </a:solidFill>
+                      </a:endParaRPr>
+                    </a:p>
+                  </a:txBody>
+                  <a:tcPr marL="0" marR="0" marT="0" marB="0" anchor="ctr"/>
+                </a:tc>
+                <a:tc>
+                  <a:txBody>
+                    <a:bodyPr/>
+                    <a:lstStyle/>
+                    <a:p>
+                      <a:pPr algn="ctr"/>
+                      <a:endParaRPr lang="en-US" sz="1400">
+                        <a:solidFill>
+                          <a:schemeClr val="accent2">
+                            <a:lumMod val="75000"/>
+                          </a:schemeClr>
+                        </a:solidFill>
+                      </a:endParaRPr>
+                    </a:p>
+                  </a:txBody>
+                  <a:tcPr marL="0" marR="0" marT="0" marB="0" anchor="ctr"/>
+                </a:tc>
+                <a:tc>
+                  <a:txBody>
+                    <a:bodyPr/>
+                    <a:lstStyle/>
+                    <a:p>
+                      <a:pPr algn="ctr"/>
+                      <a:endParaRPr lang="en-US" sz="1400">
+                        <a:solidFill>
+                          <a:schemeClr val="accent2">
+                            <a:lumMod val="75000"/>
+                          </a:schemeClr>
+                        </a:solidFill>
+                      </a:endParaRPr>
+                    </a:p>
+                  </a:txBody>
+                  <a:tcPr marL="0" marR="0" marT="0" marB="0" anchor="ctr"/>
+                </a:tc>
+                <a:tc>
+                  <a:txBody>
+                    <a:bodyPr/>
+                    <a:lstStyle/>
+                    <a:p>
+                      <a:pPr algn="ctr"/>
+                      <a:endParaRPr lang="en-US" sz="1400">
+                        <a:solidFill>
+                          <a:schemeClr val="accent2">
+                            <a:lumMod val="75000"/>
+                          </a:schemeClr>
+                        </a:solidFill>
+                      </a:endParaRPr>
+                    </a:p>
+                  </a:txBody>
+                  <a:tcPr marL="0" marR="0" marT="0" marB="0" anchor="ctr"/>
+                </a:tc>
+                <a:tc>
+                  <a:txBody>
+                    <a:bodyPr/>
+                    <a:lstStyle/>
+                    <a:p>
+                      <a:pPr algn="ctr"/>
+                      <a:endParaRPr lang="en-US" sz="1400">
+                        <a:solidFill>
+                          <a:schemeClr val="accent2">
+                            <a:lumMod val="75000"/>
+                          </a:schemeClr>
+                        </a:solidFill>
+                      </a:endParaRPr>
+                    </a:p>
+                  </a:txBody>
+                  <a:tcPr marL="0" marR="0" marT="0" marB="0" anchor="ctr"/>
+                </a:tc>
+                <a:tc>
+                  <a:txBody>
+                    <a:bodyPr/>
+                    <a:lstStyle/>
+                    <a:p>
+                      <a:pPr algn="ctr"/>
+                      <a:endParaRPr lang="en-US" sz="1400">
+                        <a:solidFill>
+                          <a:schemeClr val="accent2">
+                            <a:lumMod val="75000"/>
+                          </a:schemeClr>
+                        </a:solidFill>
+                      </a:endParaRPr>
+                    </a:p>
+                  </a:txBody>
+                  <a:tcPr marL="0" marR="0" marT="0" marB="0" anchor="ctr"/>
+                </a:tc>
+                <a:tc>
+                  <a:txBody>
+                    <a:bodyPr/>
+                    <a:lstStyle/>
+                    <a:p>
+                      <a:pPr algn="ctr"/>
+                      <a:endParaRPr lang="en-US" sz="1400">
+                        <a:solidFill>
+                          <a:schemeClr val="accent2">
+                            <a:lumMod val="75000"/>
+                          </a:schemeClr>
+                        </a:solidFill>
+                      </a:endParaRPr>
+                    </a:p>
+                  </a:txBody>
+                  <a:tcPr marL="0" marR="0" marT="0" marB="0" anchor="ctr"/>
+                </a:tc>
+                <a:tc>
+                  <a:txBody>
+                    <a:bodyPr/>
+                    <a:lstStyle/>
+                    <a:p>
+                      <a:pPr algn="ctr"/>
+                      <a:endParaRPr lang="en-US" sz="1400">
+                        <a:solidFill>
+                          <a:schemeClr val="accent2">
+                            <a:lumMod val="75000"/>
+                          </a:schemeClr>
+                        </a:solidFill>
+                      </a:endParaRPr>
+                    </a:p>
+                  </a:txBody>
+                  <a:tcPr marL="0" marR="0" marT="0" marB="0" anchor="ctr"/>
+                </a:tc>
+                <a:tc>
+                  <a:txBody>
+                    <a:bodyPr/>
+                    <a:lstStyle/>
+                    <a:p>
+                      <a:pPr algn="ctr"/>
+                      <a:endParaRPr lang="en-US" sz="1400">
+                        <a:solidFill>
+                          <a:schemeClr val="accent2">
+                            <a:lumMod val="75000"/>
+                          </a:schemeClr>
+                        </a:solidFill>
+                      </a:endParaRPr>
+                    </a:p>
+                  </a:txBody>
+                  <a:tcPr marL="0" marR="0" marT="0" marB="0" anchor="ctr"/>
+                </a:tc>
+                <a:extLst>
+                  <a:ext uri="{0D108BD9-81ED-4DB2-BD59-A6C34878D82A}">
+                    <a16:rowId xmlns:a16="http://schemas.microsoft.com/office/drawing/2014/main" val="337826805"/>
+                  </a:ext>
+                </a:extLst>
+              </a:tr>
+              <a:tr h="512232">
+                <a:tc>
+                  <a:txBody>
+                    <a:bodyPr/>
+                    <a:lstStyle/>
+                    <a:p>
+                      <a:pPr algn="ctr"/>
+                      <a:r>
+                        <a:rPr lang="en-US" sz="1400"/>
+                        <a:t>C</a:t>
+                      </a:r>
+                    </a:p>
+                  </a:txBody>
+                  <a:tcPr marL="0" marR="0" marT="0" marB="0" anchor="ctr"/>
+                </a:tc>
+                <a:tc>
+                  <a:txBody>
+                    <a:bodyPr/>
+                    <a:lstStyle/>
+                    <a:p>
+                      <a:pPr algn="ctr"/>
+                      <a:r>
+                        <a:rPr lang="ko-KR" altLang="en-US" sz="1400"/>
+                        <a:t>김자경</a:t>
+                      </a:r>
+                      <a:endParaRPr lang="en-US" sz="1400"/>
+                    </a:p>
+                  </a:txBody>
+                  <a:tcPr marL="0" marR="0" marT="0" marB="0" anchor="ctr"/>
+                </a:tc>
+                <a:tc>
+                  <a:txBody>
+                    <a:bodyPr/>
+                    <a:lstStyle/>
+                    <a:p>
+                      <a:pPr marL="0" marR="0" lvl="0" indent="0" algn="ctr" defTabSz="914400" rtl="0" eaLnBrk="1" fontAlgn="auto" latinLnBrk="0" hangingPunct="1">
+                        <a:lnSpc>
+                          <a:spcPct val="100000"/>
+                        </a:lnSpc>
+                        <a:spcBef>
+                          <a:spcPts val="0"/>
+                        </a:spcBef>
+                        <a:spcAft>
+                          <a:spcPts val="0"/>
+                        </a:spcAft>
+                        <a:buClrTx/>
+                        <a:buSzTx/>
+                        <a:buFontTx/>
+                        <a:buNone/>
+                        <a:tabLst/>
+                        <a:defRPr/>
+                      </a:pPr>
+                      <a:r>
+                        <a:rPr kumimoji="0" lang="en-US" sz="1400" b="0" i="0" u="none" strike="noStrike" kern="1200" cap="none" spc="0" normalizeH="0" baseline="0" noProof="0">
+                          <a:ln>
+                            <a:noFill/>
+                          </a:ln>
+                          <a:solidFill>
+                            <a:prstClr val="black"/>
+                          </a:solidFill>
+                          <a:effectLst/>
+                          <a:uLnTx/>
+                          <a:uFillTx/>
+                          <a:latin typeface="Calibri" panose="020F0502020204030204"/>
+                          <a:ea typeface="+mn-ea"/>
+                          <a:cs typeface="+mn-cs"/>
+                        </a:rPr>
+                        <a:t>O</a:t>
+                      </a:r>
+                    </a:p>
+                  </a:txBody>
+                  <a:tcPr marL="0" marR="0" marT="0" marB="0" anchor="ctr"/>
+                </a:tc>
+                <a:tc>
+                  <a:txBody>
+                    <a:bodyPr/>
+                    <a:lstStyle/>
+                    <a:p>
+                      <a:pPr marL="0" marR="0" lvl="0" indent="0" algn="ctr" defTabSz="914400" rtl="0" eaLnBrk="1" fontAlgn="auto" latinLnBrk="0" hangingPunct="1">
+                        <a:lnSpc>
+                          <a:spcPct val="100000"/>
+                        </a:lnSpc>
+                        <a:spcBef>
+                          <a:spcPts val="0"/>
+                        </a:spcBef>
+                        <a:spcAft>
+                          <a:spcPts val="0"/>
+                        </a:spcAft>
+                        <a:buClrTx/>
+                        <a:buSzTx/>
+                        <a:buFontTx/>
+                        <a:buNone/>
+                        <a:tabLst/>
+                        <a:defRPr/>
+                      </a:pPr>
+                      <a:r>
+                        <a:rPr kumimoji="0" lang="en-US" sz="1400" b="0" i="0" u="none" strike="noStrike" kern="1200" cap="none" spc="0" normalizeH="0" baseline="0" noProof="0">
+                          <a:ln>
+                            <a:noFill/>
+                          </a:ln>
+                          <a:solidFill>
+                            <a:prstClr val="black"/>
+                          </a:solidFill>
+                          <a:effectLst/>
+                          <a:uLnTx/>
+                          <a:uFillTx/>
+                          <a:latin typeface="Calibri" panose="020F0502020204030204"/>
+                          <a:ea typeface="+mn-ea"/>
+                          <a:cs typeface="+mn-cs"/>
+                        </a:rPr>
+                        <a:t>O</a:t>
+                      </a:r>
+                    </a:p>
+                  </a:txBody>
+                  <a:tcPr marL="0" marR="0" marT="0" marB="0" anchor="ctr"/>
+                </a:tc>
+                <a:tc>
+                  <a:txBody>
+                    <a:bodyPr/>
+                    <a:lstStyle/>
+                    <a:p>
+                      <a:pPr marL="0" marR="0" lvl="0" indent="0" algn="ctr" defTabSz="914400" rtl="0" eaLnBrk="1" fontAlgn="auto" latinLnBrk="0" hangingPunct="1">
+                        <a:lnSpc>
+                          <a:spcPct val="100000"/>
+                        </a:lnSpc>
+                        <a:spcBef>
+                          <a:spcPts val="0"/>
+                        </a:spcBef>
+                        <a:spcAft>
+                          <a:spcPts val="0"/>
+                        </a:spcAft>
+                        <a:buClrTx/>
+                        <a:buSzTx/>
+                        <a:buFontTx/>
+                        <a:buNone/>
+                        <a:tabLst/>
+                        <a:defRPr/>
+                      </a:pPr>
+                      <a:r>
+                        <a:rPr kumimoji="0" lang="en-US" sz="1400" b="0" i="0" u="none" strike="noStrike" kern="1200" cap="none" spc="0" normalizeH="0" baseline="0" noProof="0">
+                          <a:ln>
+                            <a:noFill/>
+                          </a:ln>
+                          <a:solidFill>
+                            <a:prstClr val="black"/>
+                          </a:solidFill>
+                          <a:effectLst/>
+                          <a:uLnTx/>
+                          <a:uFillTx/>
+                          <a:latin typeface="Calibri" panose="020F0502020204030204"/>
+                          <a:ea typeface="+mn-ea"/>
+                          <a:cs typeface="+mn-cs"/>
+                        </a:rPr>
+                        <a:t>O</a:t>
+                      </a:r>
+                    </a:p>
+                  </a:txBody>
+                  <a:tcPr marL="0" marR="0" marT="0" marB="0" anchor="ctr"/>
+                </a:tc>
+                <a:tc>
+                  <a:txBody>
+                    <a:bodyPr/>
+                    <a:lstStyle/>
+                    <a:p>
+                      <a:pPr marL="0" marR="0" lvl="0" indent="0" algn="ctr" defTabSz="914400" rtl="0" eaLnBrk="1" fontAlgn="auto" latinLnBrk="0" hangingPunct="1">
+                        <a:lnSpc>
+                          <a:spcPct val="100000"/>
+                        </a:lnSpc>
+                        <a:spcBef>
+                          <a:spcPts val="0"/>
+                        </a:spcBef>
+                        <a:spcAft>
+                          <a:spcPts val="0"/>
+                        </a:spcAft>
+                        <a:buClrTx/>
+                        <a:buSzTx/>
+                        <a:buFontTx/>
+                        <a:buNone/>
+                        <a:tabLst/>
+                        <a:defRPr/>
+                      </a:pPr>
+                      <a:r>
+                        <a:rPr kumimoji="0" lang="en-US" sz="1400" b="0" i="0" u="none" strike="noStrike" kern="1200" cap="none" spc="0" normalizeH="0" baseline="0" noProof="0">
+                          <a:ln>
+                            <a:noFill/>
+                          </a:ln>
+                          <a:solidFill>
+                            <a:prstClr val="black"/>
+                          </a:solidFill>
+                          <a:effectLst/>
+                          <a:uLnTx/>
+                          <a:uFillTx/>
+                          <a:latin typeface="Calibri" panose="020F0502020204030204"/>
+                          <a:ea typeface="+mn-ea"/>
+                          <a:cs typeface="+mn-cs"/>
+                        </a:rPr>
+                        <a:t>O</a:t>
+                      </a:r>
+                    </a:p>
+                  </a:txBody>
+                  <a:tcPr marL="0" marR="0" marT="0" marB="0" anchor="ctr"/>
+                </a:tc>
+                <a:tc>
+                  <a:txBody>
+                    <a:bodyPr/>
+                    <a:lstStyle/>
+                    <a:p>
+                      <a:pPr marL="0" marR="0" lvl="0" indent="0" algn="ctr" defTabSz="914400" rtl="0" eaLnBrk="1" fontAlgn="auto" latinLnBrk="0" hangingPunct="1">
+                        <a:lnSpc>
+                          <a:spcPct val="100000"/>
+                        </a:lnSpc>
+                        <a:spcBef>
+                          <a:spcPts val="0"/>
+                        </a:spcBef>
+                        <a:spcAft>
+                          <a:spcPts val="0"/>
+                        </a:spcAft>
+                        <a:buClrTx/>
+                        <a:buSzTx/>
+                        <a:buFontTx/>
+                        <a:buNone/>
+                        <a:tabLst/>
+                        <a:defRPr/>
+                      </a:pPr>
+                      <a:r>
+                        <a:rPr kumimoji="0" lang="en-US" sz="1400" b="0" i="0" u="none" strike="noStrike" kern="1200" cap="none" spc="0" normalizeH="0" baseline="0" noProof="0">
+                          <a:ln>
+                            <a:noFill/>
+                          </a:ln>
+                          <a:solidFill>
+                            <a:prstClr val="black"/>
+                          </a:solidFill>
+                          <a:effectLst/>
+                          <a:uLnTx/>
+                          <a:uFillTx/>
+                          <a:latin typeface="Calibri" panose="020F0502020204030204"/>
+                          <a:ea typeface="+mn-ea"/>
+                          <a:cs typeface="+mn-cs"/>
+                        </a:rPr>
+                        <a:t>O</a:t>
+                      </a:r>
+                    </a:p>
+                  </a:txBody>
+                  <a:tcPr marL="0" marR="0" marT="0" marB="0" anchor="ctr"/>
+                </a:tc>
+                <a:tc>
+                  <a:txBody>
+                    <a:bodyPr/>
+                    <a:lstStyle/>
+                    <a:p>
+                      <a:pPr marL="0" marR="0" lvl="0" indent="0" algn="ctr" defTabSz="914400" rtl="0" eaLnBrk="1" fontAlgn="auto" latinLnBrk="0" hangingPunct="1">
+                        <a:lnSpc>
+                          <a:spcPct val="100000"/>
+                        </a:lnSpc>
+                        <a:spcBef>
+                          <a:spcPts val="0"/>
+                        </a:spcBef>
+                        <a:spcAft>
+                          <a:spcPts val="0"/>
+                        </a:spcAft>
+                        <a:buClrTx/>
+                        <a:buSzTx/>
+                        <a:buFontTx/>
+                        <a:buNone/>
+                        <a:tabLst/>
+                        <a:defRPr/>
+                      </a:pPr>
+                      <a:r>
+                        <a:rPr kumimoji="0" lang="en-US" sz="1400" b="1" i="0" u="none" strike="noStrike" kern="1200" cap="none" spc="0" normalizeH="0" baseline="0" noProof="0" dirty="0">
+                          <a:ln>
+                            <a:noFill/>
+                          </a:ln>
+                          <a:solidFill>
+                            <a:schemeClr val="accent2">
+                              <a:lumMod val="75000"/>
+                            </a:schemeClr>
+                          </a:solidFill>
+                          <a:effectLst/>
+                          <a:uLnTx/>
+                          <a:uFillTx/>
+                          <a:latin typeface="Calibri" panose="020F0502020204030204"/>
+                          <a:ea typeface="+mn-ea"/>
+                          <a:cs typeface="+mn-cs"/>
+                        </a:rPr>
+                        <a:t>O</a:t>
+                      </a:r>
+                    </a:p>
+                  </a:txBody>
+                  <a:tcPr marL="0" marR="0" marT="0" marB="0" anchor="ctr"/>
+                </a:tc>
+                <a:tc>
+                  <a:txBody>
+                    <a:bodyPr/>
+                    <a:lstStyle/>
+                    <a:p>
+                      <a:pPr marL="0" marR="0" lvl="0" indent="0" algn="ctr" defTabSz="914400" rtl="0" eaLnBrk="1" fontAlgn="auto" latinLnBrk="0" hangingPunct="1">
+                        <a:lnSpc>
+                          <a:spcPct val="100000"/>
+                        </a:lnSpc>
+                        <a:spcBef>
+                          <a:spcPts val="0"/>
+                        </a:spcBef>
+                        <a:spcAft>
+                          <a:spcPts val="0"/>
+                        </a:spcAft>
+                        <a:buClrTx/>
+                        <a:buSzTx/>
+                        <a:buFontTx/>
+                        <a:buNone/>
+                        <a:tabLst/>
+                        <a:defRPr/>
+                      </a:pPr>
+                      <a:r>
+                        <a:rPr kumimoji="0" lang="en-US" sz="1400" b="1" i="0" u="none" strike="noStrike" kern="1200" cap="none" spc="0" normalizeH="0" baseline="0" noProof="0" dirty="0">
+                          <a:ln>
+                            <a:noFill/>
+                          </a:ln>
+                          <a:solidFill>
+                            <a:schemeClr val="accent2">
+                              <a:lumMod val="75000"/>
+                            </a:schemeClr>
+                          </a:solidFill>
+                          <a:effectLst/>
+                          <a:uLnTx/>
+                          <a:uFillTx/>
+                          <a:latin typeface="Calibri" panose="020F0502020204030204"/>
+                          <a:ea typeface="+mn-ea"/>
+                          <a:cs typeface="+mn-cs"/>
+                        </a:rPr>
+                        <a:t>O</a:t>
+                      </a:r>
+                    </a:p>
+                  </a:txBody>
+                  <a:tcPr marL="0" marR="0" marT="0" marB="0" anchor="ctr"/>
+                </a:tc>
+                <a:tc>
+                  <a:txBody>
+                    <a:bodyPr/>
+                    <a:lstStyle/>
+                    <a:p>
+                      <a:pPr marL="0" marR="0" lvl="0" indent="0" algn="ctr" defTabSz="914400" rtl="0" eaLnBrk="1" fontAlgn="auto" latinLnBrk="0" hangingPunct="1">
+                        <a:lnSpc>
+                          <a:spcPct val="100000"/>
+                        </a:lnSpc>
+                        <a:spcBef>
+                          <a:spcPts val="0"/>
+                        </a:spcBef>
+                        <a:spcAft>
+                          <a:spcPts val="0"/>
+                        </a:spcAft>
+                        <a:buClrTx/>
+                        <a:buSzTx/>
+                        <a:buFontTx/>
+                        <a:buNone/>
+                        <a:tabLst/>
+                        <a:defRPr/>
+                      </a:pPr>
+                      <a:r>
+                        <a:rPr kumimoji="0" lang="en-US" sz="1400" b="1" i="0" u="none" strike="noStrike" kern="1200" cap="none" spc="0" normalizeH="0" baseline="0" noProof="0" dirty="0">
+                          <a:ln>
+                            <a:noFill/>
+                          </a:ln>
+                          <a:solidFill>
+                            <a:schemeClr val="accent2">
+                              <a:lumMod val="75000"/>
+                            </a:schemeClr>
+                          </a:solidFill>
+                          <a:effectLst/>
+                          <a:uLnTx/>
+                          <a:uFillTx/>
+                          <a:latin typeface="Calibri" panose="020F0502020204030204"/>
+                          <a:ea typeface="+mn-ea"/>
+                          <a:cs typeface="+mn-cs"/>
+                        </a:rPr>
+                        <a:t>O</a:t>
+                      </a:r>
+                    </a:p>
+                  </a:txBody>
+                  <a:tcPr marL="0" marR="0" marT="0" marB="0" anchor="ctr"/>
+                </a:tc>
+                <a:tc>
+                  <a:txBody>
+                    <a:bodyPr/>
+                    <a:lstStyle/>
+                    <a:p>
+                      <a:pPr marL="0" marR="0" lvl="0" indent="0" algn="ctr" defTabSz="914400" rtl="0" eaLnBrk="1" fontAlgn="auto" latinLnBrk="0" hangingPunct="1">
+                        <a:lnSpc>
+                          <a:spcPct val="100000"/>
+                        </a:lnSpc>
+                        <a:spcBef>
+                          <a:spcPts val="0"/>
+                        </a:spcBef>
+                        <a:spcAft>
+                          <a:spcPts val="0"/>
+                        </a:spcAft>
+                        <a:buClrTx/>
+                        <a:buSzTx/>
+                        <a:buFontTx/>
+                        <a:buNone/>
+                        <a:tabLst/>
+                        <a:defRPr/>
+                      </a:pPr>
+                      <a:r>
+                        <a:rPr kumimoji="0" lang="en-US" sz="1400" b="1" i="0" u="none" strike="noStrike" kern="1200" cap="none" spc="0" normalizeH="0" baseline="0" noProof="0" dirty="0">
+                          <a:ln>
+                            <a:noFill/>
+                          </a:ln>
+                          <a:solidFill>
+                            <a:schemeClr val="accent2">
+                              <a:lumMod val="75000"/>
+                            </a:schemeClr>
+                          </a:solidFill>
+                          <a:effectLst/>
+                          <a:uLnTx/>
+                          <a:uFillTx/>
+                          <a:latin typeface="Calibri" panose="020F0502020204030204"/>
+                          <a:ea typeface="+mn-ea"/>
+                          <a:cs typeface="+mn-cs"/>
+                        </a:rPr>
+                        <a:t>O</a:t>
+                      </a:r>
+                    </a:p>
+                  </a:txBody>
+                  <a:tcPr marL="0" marR="0" marT="0" marB="0" anchor="ctr"/>
+                </a:tc>
+                <a:tc>
+                  <a:txBody>
+                    <a:bodyPr/>
+                    <a:lstStyle/>
+                    <a:p>
+                      <a:pPr marL="0" marR="0" lvl="0" indent="0" algn="ctr" defTabSz="914400" rtl="0" eaLnBrk="1" fontAlgn="auto" latinLnBrk="0" hangingPunct="1">
+                        <a:lnSpc>
+                          <a:spcPct val="100000"/>
+                        </a:lnSpc>
+                        <a:spcBef>
+                          <a:spcPts val="0"/>
+                        </a:spcBef>
+                        <a:spcAft>
+                          <a:spcPts val="0"/>
+                        </a:spcAft>
+                        <a:buClrTx/>
+                        <a:buSzTx/>
+                        <a:buFontTx/>
+                        <a:buNone/>
+                        <a:tabLst/>
+                        <a:defRPr/>
+                      </a:pPr>
+                      <a:r>
+                        <a:rPr kumimoji="0" lang="en-US" sz="1400" b="1" i="0" u="none" strike="noStrike" kern="1200" cap="none" spc="0" normalizeH="0" baseline="0" noProof="0" dirty="0">
+                          <a:ln>
+                            <a:noFill/>
+                          </a:ln>
+                          <a:solidFill>
+                            <a:schemeClr val="accent2">
+                              <a:lumMod val="75000"/>
+                            </a:schemeClr>
+                          </a:solidFill>
+                          <a:effectLst/>
+                          <a:uLnTx/>
+                          <a:uFillTx/>
+                          <a:latin typeface="Calibri" panose="020F0502020204030204"/>
+                          <a:ea typeface="+mn-ea"/>
+                          <a:cs typeface="+mn-cs"/>
+                        </a:rPr>
+                        <a:t>O</a:t>
+                      </a:r>
+                    </a:p>
+                  </a:txBody>
+                  <a:tcPr marL="0" marR="0" marT="0" marB="0" anchor="ctr"/>
+                </a:tc>
+                <a:tc>
+                  <a:txBody>
+                    <a:bodyPr/>
+                    <a:lstStyle/>
+                    <a:p>
+                      <a:pPr algn="ctr"/>
+                      <a:endParaRPr lang="en-US" sz="1400"/>
+                    </a:p>
+                  </a:txBody>
+                  <a:tcPr marL="0" marR="0" marT="0" marB="0" anchor="ctr"/>
+                </a:tc>
+                <a:tc>
+                  <a:txBody>
+                    <a:bodyPr/>
+                    <a:lstStyle/>
+                    <a:p>
+                      <a:pPr algn="ctr"/>
+                      <a:endParaRPr lang="en-US" sz="1400"/>
+                    </a:p>
+                  </a:txBody>
+                  <a:tcPr marL="0" marR="0" marT="0" marB="0" anchor="ctr"/>
+                </a:tc>
+                <a:tc>
+                  <a:txBody>
+                    <a:bodyPr/>
+                    <a:lstStyle/>
+                    <a:p>
+                      <a:pPr algn="ctr"/>
+                      <a:endParaRPr lang="en-US" sz="1400"/>
+                    </a:p>
+                  </a:txBody>
+                  <a:tcPr marL="0" marR="0" marT="0" marB="0" anchor="ctr"/>
+                </a:tc>
+                <a:tc>
+                  <a:txBody>
+                    <a:bodyPr/>
+                    <a:lstStyle/>
+                    <a:p>
+                      <a:pPr algn="ctr"/>
+                      <a:endParaRPr lang="en-US" sz="1400"/>
+                    </a:p>
+                  </a:txBody>
+                  <a:tcPr marL="0" marR="0" marT="0" marB="0" anchor="ctr"/>
+                </a:tc>
+                <a:tc>
+                  <a:txBody>
+                    <a:bodyPr/>
+                    <a:lstStyle/>
+                    <a:p>
+                      <a:pPr algn="ctr"/>
+                      <a:endParaRPr lang="en-US" sz="1400"/>
+                    </a:p>
+                  </a:txBody>
+                  <a:tcPr marL="0" marR="0" marT="0" marB="0" anchor="ctr"/>
+                </a:tc>
+                <a:tc>
+                  <a:txBody>
+                    <a:bodyPr/>
+                    <a:lstStyle/>
+                    <a:p>
+                      <a:pPr algn="ctr"/>
+                      <a:endParaRPr lang="en-US" sz="1400"/>
+                    </a:p>
+                  </a:txBody>
+                  <a:tcPr marL="0" marR="0" marT="0" marB="0" anchor="ctr"/>
+                </a:tc>
+                <a:tc>
+                  <a:txBody>
+                    <a:bodyPr/>
+                    <a:lstStyle/>
+                    <a:p>
+                      <a:pPr algn="ctr"/>
+                      <a:endParaRPr lang="en-US" sz="1400"/>
+                    </a:p>
+                  </a:txBody>
+                  <a:tcPr marL="0" marR="0" marT="0" marB="0" anchor="ctr"/>
+                </a:tc>
+                <a:tc>
+                  <a:txBody>
+                    <a:bodyPr/>
+                    <a:lstStyle/>
+                    <a:p>
+                      <a:pPr algn="ctr"/>
+                      <a:endParaRPr lang="en-US" sz="1400"/>
+                    </a:p>
+                  </a:txBody>
+                  <a:tcPr marL="0" marR="0" marT="0" marB="0" anchor="ctr"/>
+                </a:tc>
+                <a:tc>
+                  <a:txBody>
+                    <a:bodyPr/>
+                    <a:lstStyle/>
+                    <a:p>
+                      <a:pPr algn="ctr"/>
+                      <a:endParaRPr lang="en-US" sz="1400"/>
+                    </a:p>
+                  </a:txBody>
+                  <a:tcPr marL="0" marR="0" marT="0" marB="0" anchor="ctr"/>
+                </a:tc>
+                <a:tc>
+                  <a:txBody>
+                    <a:bodyPr/>
+                    <a:lstStyle/>
+                    <a:p>
+                      <a:pPr algn="ctr"/>
+                      <a:endParaRPr lang="en-US" sz="1400"/>
+                    </a:p>
+                  </a:txBody>
+                  <a:tcPr marL="0" marR="0" marT="0" marB="0" anchor="ctr"/>
+                </a:tc>
+                <a:extLst>
+                  <a:ext uri="{0D108BD9-81ED-4DB2-BD59-A6C34878D82A}">
+                    <a16:rowId xmlns:a16="http://schemas.microsoft.com/office/drawing/2014/main" val="430785648"/>
+                  </a:ext>
+                </a:extLst>
+              </a:tr>
+              <a:tr h="512232">
+                <a:tc>
+                  <a:txBody>
+                    <a:bodyPr/>
+                    <a:lstStyle/>
+                    <a:p>
+                      <a:pPr algn="ctr"/>
+                      <a:r>
+                        <a:rPr lang="en-US" sz="1400"/>
+                        <a:t>C</a:t>
+                      </a:r>
+                    </a:p>
+                  </a:txBody>
+                  <a:tcPr marL="0" marR="0" marT="0" marB="0" anchor="ctr"/>
+                </a:tc>
+                <a:tc>
+                  <a:txBody>
+                    <a:bodyPr/>
+                    <a:lstStyle/>
+                    <a:p>
+                      <a:pPr algn="ctr"/>
+                      <a:r>
+                        <a:rPr lang="ko-KR" altLang="en-US" sz="1400"/>
+                        <a:t>박영세</a:t>
+                      </a:r>
+                      <a:endParaRPr lang="en-US" sz="1400"/>
+                    </a:p>
+                  </a:txBody>
+                  <a:tcPr marL="0" marR="0" marT="0" marB="0" anchor="ctr"/>
+                </a:tc>
+                <a:tc>
+                  <a:txBody>
+                    <a:bodyPr/>
+                    <a:lstStyle/>
+                    <a:p>
+                      <a:pPr marL="0" marR="0" lvl="0" indent="0" algn="ctr" defTabSz="914400" rtl="0" eaLnBrk="1" fontAlgn="auto" latinLnBrk="0" hangingPunct="1">
+                        <a:lnSpc>
+                          <a:spcPct val="100000"/>
+                        </a:lnSpc>
+                        <a:spcBef>
+                          <a:spcPts val="0"/>
+                        </a:spcBef>
+                        <a:spcAft>
+                          <a:spcPts val="0"/>
+                        </a:spcAft>
+                        <a:buClrTx/>
+                        <a:buSzTx/>
+                        <a:buFontTx/>
+                        <a:buNone/>
+                        <a:tabLst/>
+                        <a:defRPr/>
+                      </a:pPr>
+                      <a:r>
+                        <a:rPr kumimoji="0" lang="en-US" sz="1400" b="0" i="0" u="none" strike="noStrike" kern="1200" cap="none" spc="0" normalizeH="0" baseline="0" noProof="0">
+                          <a:ln>
+                            <a:noFill/>
+                          </a:ln>
+                          <a:solidFill>
+                            <a:prstClr val="black"/>
+                          </a:solidFill>
+                          <a:effectLst/>
+                          <a:uLnTx/>
+                          <a:uFillTx/>
+                          <a:latin typeface="Calibri" panose="020F0502020204030204"/>
+                          <a:ea typeface="+mn-ea"/>
+                          <a:cs typeface="+mn-cs"/>
+                        </a:rPr>
+                        <a:t>O</a:t>
+                      </a:r>
+                    </a:p>
+                  </a:txBody>
+                  <a:tcPr marL="0" marR="0" marT="0" marB="0" anchor="ctr"/>
+                </a:tc>
+                <a:tc>
+                  <a:txBody>
+                    <a:bodyPr/>
+                    <a:lstStyle/>
+                    <a:p>
+                      <a:pPr marL="0" marR="0" lvl="0" indent="0" algn="ctr" defTabSz="914400" rtl="0" eaLnBrk="1" fontAlgn="auto" latinLnBrk="0" hangingPunct="1">
+                        <a:lnSpc>
+                          <a:spcPct val="100000"/>
+                        </a:lnSpc>
+                        <a:spcBef>
+                          <a:spcPts val="0"/>
+                        </a:spcBef>
+                        <a:spcAft>
+                          <a:spcPts val="0"/>
+                        </a:spcAft>
+                        <a:buClrTx/>
+                        <a:buSzTx/>
+                        <a:buFontTx/>
+                        <a:buNone/>
+                        <a:tabLst/>
+                        <a:defRPr/>
+                      </a:pPr>
+                      <a:r>
+                        <a:rPr kumimoji="0" lang="en-US" sz="1400" b="0" i="0" u="none" strike="noStrike" kern="1200" cap="none" spc="0" normalizeH="0" baseline="0" noProof="0">
+                          <a:ln>
+                            <a:noFill/>
+                          </a:ln>
+                          <a:solidFill>
+                            <a:prstClr val="black"/>
+                          </a:solidFill>
+                          <a:effectLst/>
+                          <a:uLnTx/>
+                          <a:uFillTx/>
+                          <a:latin typeface="Calibri" panose="020F0502020204030204"/>
+                          <a:ea typeface="+mn-ea"/>
+                          <a:cs typeface="+mn-cs"/>
+                        </a:rPr>
+                        <a:t>O</a:t>
+                      </a:r>
+                    </a:p>
+                  </a:txBody>
+                  <a:tcPr marL="0" marR="0" marT="0" marB="0" anchor="ctr"/>
+                </a:tc>
+                <a:tc>
+                  <a:txBody>
+                    <a:bodyPr/>
+                    <a:lstStyle/>
+                    <a:p>
+                      <a:pPr marL="0" marR="0" lvl="0" indent="0" algn="ctr" defTabSz="914400" rtl="0" eaLnBrk="1" fontAlgn="auto" latinLnBrk="0" hangingPunct="1">
+                        <a:lnSpc>
+                          <a:spcPct val="100000"/>
+                        </a:lnSpc>
+                        <a:spcBef>
+                          <a:spcPts val="0"/>
+                        </a:spcBef>
+                        <a:spcAft>
+                          <a:spcPts val="0"/>
+                        </a:spcAft>
+                        <a:buClrTx/>
+                        <a:buSzTx/>
+                        <a:buFontTx/>
+                        <a:buNone/>
+                        <a:tabLst/>
+                        <a:defRPr/>
+                      </a:pPr>
+                      <a:r>
+                        <a:rPr kumimoji="0" lang="en-US" sz="1400" b="0" i="0" u="none" strike="noStrike" kern="1200" cap="none" spc="0" normalizeH="0" baseline="0" noProof="0">
+                          <a:ln>
+                            <a:noFill/>
+                          </a:ln>
+                          <a:solidFill>
+                            <a:prstClr val="black"/>
+                          </a:solidFill>
+                          <a:effectLst/>
+                          <a:uLnTx/>
+                          <a:uFillTx/>
+                          <a:latin typeface="Calibri" panose="020F0502020204030204"/>
+                          <a:ea typeface="+mn-ea"/>
+                          <a:cs typeface="+mn-cs"/>
+                        </a:rPr>
+                        <a:t>O</a:t>
+                      </a:r>
+                    </a:p>
+                  </a:txBody>
+                  <a:tcPr marL="0" marR="0" marT="0" marB="0" anchor="ctr"/>
+                </a:tc>
+                <a:tc>
+                  <a:txBody>
+                    <a:bodyPr/>
+                    <a:lstStyle/>
+                    <a:p>
+                      <a:pPr marL="0" marR="0" lvl="0" indent="0" algn="ctr" defTabSz="914400" rtl="0" eaLnBrk="1" fontAlgn="auto" latinLnBrk="0" hangingPunct="1">
+                        <a:lnSpc>
+                          <a:spcPct val="100000"/>
+                        </a:lnSpc>
+                        <a:spcBef>
+                          <a:spcPts val="0"/>
+                        </a:spcBef>
+                        <a:spcAft>
+                          <a:spcPts val="0"/>
+                        </a:spcAft>
+                        <a:buClrTx/>
+                        <a:buSzTx/>
+                        <a:buFontTx/>
+                        <a:buNone/>
+                        <a:tabLst/>
+                        <a:defRPr/>
+                      </a:pPr>
+                      <a:r>
+                        <a:rPr kumimoji="0" lang="en-US" sz="1400" b="0" i="0" u="none" strike="noStrike" kern="1200" cap="none" spc="0" normalizeH="0" baseline="0" noProof="0">
+                          <a:ln>
+                            <a:noFill/>
+                          </a:ln>
+                          <a:solidFill>
+                            <a:prstClr val="black"/>
+                          </a:solidFill>
+                          <a:effectLst/>
+                          <a:uLnTx/>
+                          <a:uFillTx/>
+                          <a:latin typeface="Calibri" panose="020F0502020204030204"/>
+                          <a:ea typeface="+mn-ea"/>
+                          <a:cs typeface="+mn-cs"/>
+                        </a:rPr>
+                        <a:t>O</a:t>
+                      </a:r>
+                    </a:p>
+                  </a:txBody>
+                  <a:tcPr marL="0" marR="0" marT="0" marB="0" anchor="ctr"/>
+                </a:tc>
+                <a:tc>
+                  <a:txBody>
+                    <a:bodyPr/>
+                    <a:lstStyle/>
+                    <a:p>
+                      <a:pPr marL="0" marR="0" lvl="0" indent="0" algn="ctr" defTabSz="914400" rtl="0" eaLnBrk="1" fontAlgn="auto" latinLnBrk="0" hangingPunct="1">
+                        <a:lnSpc>
+                          <a:spcPct val="100000"/>
+                        </a:lnSpc>
+                        <a:spcBef>
+                          <a:spcPts val="0"/>
+                        </a:spcBef>
+                        <a:spcAft>
+                          <a:spcPts val="0"/>
+                        </a:spcAft>
+                        <a:buClrTx/>
+                        <a:buSzTx/>
+                        <a:buFontTx/>
+                        <a:buNone/>
+                        <a:tabLst/>
+                        <a:defRPr/>
+                      </a:pPr>
+                      <a:r>
+                        <a:rPr kumimoji="0" lang="en-US" sz="1400" b="0" i="0" u="none" strike="noStrike" kern="1200" cap="none" spc="0" normalizeH="0" baseline="0" noProof="0">
+                          <a:ln>
+                            <a:noFill/>
+                          </a:ln>
+                          <a:solidFill>
+                            <a:prstClr val="black"/>
+                          </a:solidFill>
+                          <a:effectLst/>
+                          <a:uLnTx/>
+                          <a:uFillTx/>
+                          <a:latin typeface="Calibri" panose="020F0502020204030204"/>
+                          <a:ea typeface="+mn-ea"/>
+                          <a:cs typeface="+mn-cs"/>
+                        </a:rPr>
+                        <a:t>O</a:t>
+                      </a:r>
                     </a:p>
                   </a:txBody>
                   <a:tcPr marL="0" marR="0" marT="0" marB="0" anchor="ctr"/>
@@ -13031,14 +14847,14 @@
                     <a:lstStyle/>
                     <a:p>
                       <a:pPr algn="ctr"/>
-                      <a:endParaRPr lang="en-US" sz="1400"/>
+                      <a:endParaRPr lang="en-US" sz="1400" dirty="0"/>
                     </a:p>
                   </a:txBody>
                   <a:tcPr marL="0" marR="0" marT="0" marB="0" anchor="ctr"/>
                 </a:tc>
                 <a:extLst>
                   <a:ext uri="{0D108BD9-81ED-4DB2-BD59-A6C34878D82A}">
-                    <a16:rowId xmlns:a16="http://schemas.microsoft.com/office/drawing/2014/main" val="549253980"/>
+                    <a16:rowId xmlns:a16="http://schemas.microsoft.com/office/drawing/2014/main" val="479172299"/>
                   </a:ext>
                 </a:extLst>
               </a:tr>
@@ -13050,7 +14866,7 @@
                     <a:p>
                       <a:pPr algn="ctr"/>
                       <a:r>
-                        <a:rPr lang="en-US" sz="1400"/>
+                        <a:rPr lang="en-US" sz="1400" dirty="0"/>
                         <a:t>A</a:t>
                       </a:r>
                     </a:p>
@@ -13181,7 +14997,7 @@
                         <a:defRPr/>
                       </a:pPr>
                       <a:r>
-                        <a:rPr kumimoji="0" lang="en-US" sz="1400" b="0" i="0" u="none" strike="noStrike" kern="1200" cap="none" spc="0" normalizeH="0" baseline="0" noProof="0">
+                        <a:rPr kumimoji="0" lang="en-US" sz="1400" b="0" i="0" u="none" strike="noStrike" kern="1200" cap="none" spc="0" normalizeH="0" baseline="0" noProof="0" dirty="0">
                           <a:ln>
                             <a:noFill/>
                           </a:ln>
@@ -13224,7 +15040,7 @@
                         <a:defRPr/>
                       </a:pPr>
                       <a:r>
-                        <a:rPr kumimoji="0" lang="en-US" sz="1400" b="0" i="0" u="none" strike="noStrike" kern="1200" cap="none" spc="0" normalizeH="0" baseline="0" noProof="0">
+                        <a:rPr kumimoji="0" lang="en-US" sz="1400" b="0" i="0" u="none" strike="noStrike" kern="1200" cap="none" spc="0" normalizeH="0" baseline="0" noProof="0" dirty="0">
                           <a:ln>
                             <a:noFill/>
                           </a:ln>
@@ -13583,6 +15399,28 @@
                     <a:lstStyle/>
                     <a:p>
                       <a:pPr algn="ctr"/>
+                      <a:endParaRPr lang="en-US" sz="1400" dirty="0"/>
+                    </a:p>
+                  </a:txBody>
+                  <a:tcPr marL="0" marR="0" marT="0" marB="0" anchor="ctr"/>
+                </a:tc>
+                <a:tc>
+                  <a:txBody>
+                    <a:bodyPr/>
+                    <a:lstStyle/>
+                    <a:p>
+                      <a:pPr algn="ctr"/>
+                      <a:endParaRPr lang="en-US" sz="1400" dirty="0"/>
+                    </a:p>
+                  </a:txBody>
+                  <a:tcPr marL="0" marR="0" marT="0" marB="0" anchor="ctr"/>
+                </a:tc>
+                <a:tc>
+                  <a:txBody>
+                    <a:bodyPr/>
+                    <a:lstStyle/>
+                    <a:p>
+                      <a:pPr algn="ctr"/>
                       <a:endParaRPr lang="en-US" sz="1400"/>
                     </a:p>
                   </a:txBody>
@@ -13605,6 +15443,17 @@
                     <a:lstStyle/>
                     <a:p>
                       <a:pPr algn="ctr"/>
+                      <a:endParaRPr lang="en-US" sz="1400" dirty="0"/>
+                    </a:p>
+                  </a:txBody>
+                  <a:tcPr marL="0" marR="0" marT="0" marB="0" anchor="ctr"/>
+                </a:tc>
+                <a:tc>
+                  <a:txBody>
+                    <a:bodyPr/>
+                    <a:lstStyle/>
+                    <a:p>
+                      <a:pPr algn="ctr"/>
                       <a:endParaRPr lang="en-US" sz="1400"/>
                     </a:p>
                   </a:txBody>
@@ -13627,6 +15476,17 @@
                     <a:lstStyle/>
                     <a:p>
                       <a:pPr algn="ctr"/>
+                      <a:endParaRPr lang="en-US" sz="1400" dirty="0"/>
+                    </a:p>
+                  </a:txBody>
+                  <a:tcPr marL="0" marR="0" marT="0" marB="0" anchor="ctr"/>
+                </a:tc>
+                <a:tc>
+                  <a:txBody>
+                    <a:bodyPr/>
+                    <a:lstStyle/>
+                    <a:p>
+                      <a:pPr algn="ctr"/>
                       <a:endParaRPr lang="en-US" sz="1400"/>
                     </a:p>
                   </a:txBody>
@@ -13638,58 +15498,14 @@
                     <a:lstStyle/>
                     <a:p>
                       <a:pPr algn="ctr"/>
-                      <a:endParaRPr lang="en-US" sz="1400"/>
-                    </a:p>
-                  </a:txBody>
-                  <a:tcPr marL="0" marR="0" marT="0" marB="0" anchor="ctr"/>
-                </a:tc>
-                <a:tc>
-                  <a:txBody>
-                    <a:bodyPr/>
-                    <a:lstStyle/>
-                    <a:p>
-                      <a:pPr algn="ctr"/>
-                      <a:endParaRPr lang="en-US" sz="1400"/>
-                    </a:p>
-                  </a:txBody>
-                  <a:tcPr marL="0" marR="0" marT="0" marB="0" anchor="ctr"/>
-                </a:tc>
-                <a:tc>
-                  <a:txBody>
-                    <a:bodyPr/>
-                    <a:lstStyle/>
-                    <a:p>
-                      <a:pPr algn="ctr"/>
-                      <a:endParaRPr lang="en-US" sz="1400"/>
-                    </a:p>
-                  </a:txBody>
-                  <a:tcPr marL="0" marR="0" marT="0" marB="0" anchor="ctr"/>
-                </a:tc>
-                <a:tc>
-                  <a:txBody>
-                    <a:bodyPr/>
-                    <a:lstStyle/>
-                    <a:p>
-                      <a:pPr algn="ctr"/>
-                      <a:endParaRPr lang="en-US" sz="1400"/>
-                    </a:p>
-                  </a:txBody>
-                  <a:tcPr marL="0" marR="0" marT="0" marB="0" anchor="ctr"/>
-                </a:tc>
-                <a:tc>
-                  <a:txBody>
-                    <a:bodyPr/>
-                    <a:lstStyle/>
-                    <a:p>
-                      <a:pPr algn="ctr"/>
-                      <a:endParaRPr lang="en-US" sz="1400"/>
+                      <a:endParaRPr lang="en-US" sz="1400" dirty="0"/>
                     </a:p>
                   </a:txBody>
                   <a:tcPr marL="0" marR="0" marT="0" marB="0" anchor="ctr"/>
                 </a:tc>
                 <a:extLst>
                   <a:ext uri="{0D108BD9-81ED-4DB2-BD59-A6C34878D82A}">
-                    <a16:rowId xmlns:a16="http://schemas.microsoft.com/office/drawing/2014/main" val="1550429612"/>
+                    <a16:rowId xmlns:a16="http://schemas.microsoft.com/office/drawing/2014/main" val="1117610235"/>
                   </a:ext>
                 </a:extLst>
               </a:tr>
@@ -13701,34 +15517,33 @@
                     <a:p>
                       <a:pPr algn="ctr"/>
                       <a:r>
-                        <a:rPr lang="en-US" sz="1400"/>
-                        <a:t>B</a:t>
+                        <a:rPr lang="en-US" sz="1400" dirty="0"/>
+                        <a:t>A</a:t>
                       </a:r>
-                      <a:endParaRPr lang="en-US" sz="1400">
+                    </a:p>
+                  </a:txBody>
+                  <a:tcPr marL="0" marR="0" marT="0" marB="0" anchor="ctr"/>
+                </a:tc>
+                <a:tc>
+                  <a:txBody>
+                    <a:bodyPr/>
+                    <a:lstStyle/>
+                    <a:p>
+                      <a:pPr algn="ctr"/>
+                      <a:r>
+                        <a:rPr lang="ko-KR" altLang="en-US" sz="1400" strike="sngStrike" dirty="0">
+                          <a:solidFill>
+                            <a:schemeClr val="bg1">
+                              <a:lumMod val="50000"/>
+                            </a:schemeClr>
+                          </a:solidFill>
+                        </a:rPr>
+                        <a:t>김기홍</a:t>
+                      </a:r>
+                      <a:endParaRPr lang="en-US" sz="1400" strike="sngStrike" dirty="0">
                         <a:solidFill>
-                          <a:schemeClr val="accent2">
-                            <a:lumMod val="75000"/>
-                          </a:schemeClr>
-                        </a:solidFill>
-                      </a:endParaRPr>
-                    </a:p>
-                  </a:txBody>
-                  <a:tcPr marL="0" marR="0" marT="0" marB="0" anchor="ctr"/>
-                </a:tc>
-                <a:tc>
-                  <a:txBody>
-                    <a:bodyPr/>
-                    <a:lstStyle/>
-                    <a:p>
-                      <a:pPr algn="ctr"/>
-                      <a:r>
-                        <a:rPr lang="ko-KR" altLang="en-US" sz="1400"/>
-                        <a:t>오지만</a:t>
-                      </a:r>
-                      <a:endParaRPr lang="en-US" sz="1400">
-                        <a:solidFill>
-                          <a:schemeClr val="accent2">
-                            <a:lumMod val="75000"/>
+                          <a:schemeClr val="bg1">
+                            <a:lumMod val="50000"/>
                           </a:schemeClr>
                         </a:solidFill>
                       </a:endParaRPr>
@@ -13759,22 +15574,30 @@
                         <a:defRPr/>
                       </a:pPr>
                       <a:r>
-                        <a:rPr kumimoji="0" lang="en-US" sz="1400" b="0" i="0" u="none" strike="noStrike" kern="1200" cap="none" spc="0" normalizeH="0" baseline="0" noProof="0" dirty="0">
+                        <a:rPr kumimoji="0" lang="en-US" sz="1400" u="none" strike="sngStrike" kern="1200" cap="none" spc="0" normalizeH="0" baseline="0" noProof="0" dirty="0">
                           <a:ln>
                             <a:noFill/>
                           </a:ln>
-                          <a:solidFill>
-                            <a:prstClr val="black"/>
-                          </a:solidFill>
                           <a:effectLst/>
                           <a:uLnTx/>
                           <a:uFillTx/>
-                          <a:latin typeface="Calibri" panose="020F0502020204030204"/>
-                          <a:ea typeface="+mn-ea"/>
-                          <a:cs typeface="+mn-cs"/>
                         </a:rPr>
-                        <a:t>O</a:t>
+                        <a:t>X</a:t>
                       </a:r>
+                      <a:endParaRPr kumimoji="0" lang="en-US" sz="1400" b="0" i="0" u="none" strike="sngStrike" kern="1200" cap="none" spc="0" normalizeH="0" baseline="0" noProof="0" dirty="0">
+                        <a:ln>
+                          <a:noFill/>
+                        </a:ln>
+                        <a:solidFill>
+                          <a:prstClr val="black"/>
+                        </a:solidFill>
+                        <a:effectLst/>
+                        <a:uLnTx/>
+                        <a:uFillTx/>
+                        <a:latin typeface="Calibri" panose="020F0502020204030204"/>
+                        <a:ea typeface="+mn-ea"/>
+                        <a:cs typeface="+mn-cs"/>
+                      </a:endParaRPr>
                     </a:p>
                   </a:txBody>
                   <a:tcPr marL="0" marR="0" marT="0" marB="0" anchor="ctr"/>
@@ -13802,22 +15625,30 @@
                         <a:defRPr/>
                       </a:pPr>
                       <a:r>
-                        <a:rPr kumimoji="0" lang="en-US" sz="1400" b="0" i="0" u="none" strike="noStrike" kern="1200" cap="none" spc="0" normalizeH="0" baseline="0" noProof="0" dirty="0">
+                        <a:rPr kumimoji="0" lang="en-US" sz="1400" u="none" strike="sngStrike" kern="1200" cap="none" spc="0" normalizeH="0" baseline="0" noProof="0" dirty="0">
                           <a:ln>
                             <a:noFill/>
                           </a:ln>
-                          <a:solidFill>
-                            <a:prstClr val="black"/>
-                          </a:solidFill>
                           <a:effectLst/>
                           <a:uLnTx/>
                           <a:uFillTx/>
-                          <a:latin typeface="Calibri" panose="020F0502020204030204"/>
-                          <a:ea typeface="+mn-ea"/>
-                          <a:cs typeface="+mn-cs"/>
                         </a:rPr>
-                        <a:t>O</a:t>
+                        <a:t>X</a:t>
                       </a:r>
+                      <a:endParaRPr kumimoji="0" lang="en-US" sz="1400" b="0" i="0" u="none" strike="sngStrike" kern="1200" cap="none" spc="0" normalizeH="0" baseline="0" noProof="0" dirty="0">
+                        <a:ln>
+                          <a:noFill/>
+                        </a:ln>
+                        <a:solidFill>
+                          <a:prstClr val="black"/>
+                        </a:solidFill>
+                        <a:effectLst/>
+                        <a:uLnTx/>
+                        <a:uFillTx/>
+                        <a:latin typeface="Calibri" panose="020F0502020204030204"/>
+                        <a:ea typeface="+mn-ea"/>
+                        <a:cs typeface="+mn-cs"/>
+                      </a:endParaRPr>
                     </a:p>
                   </a:txBody>
                   <a:tcPr marL="0" marR="0" marT="0" marB="0" anchor="ctr"/>
@@ -13845,22 +15676,30 @@
                         <a:defRPr/>
                       </a:pPr>
                       <a:r>
-                        <a:rPr kumimoji="0" lang="en-US" sz="1400" b="0" i="0" u="none" strike="noStrike" kern="1200" cap="none" spc="0" normalizeH="0" baseline="0" noProof="0" dirty="0">
+                        <a:rPr kumimoji="0" lang="en-US" sz="1400" u="none" strike="sngStrike" kern="1200" cap="none" spc="0" normalizeH="0" baseline="0" noProof="0" dirty="0">
                           <a:ln>
                             <a:noFill/>
                           </a:ln>
-                          <a:solidFill>
-                            <a:prstClr val="black"/>
-                          </a:solidFill>
                           <a:effectLst/>
                           <a:uLnTx/>
                           <a:uFillTx/>
-                          <a:latin typeface="Calibri" panose="020F0502020204030204"/>
-                          <a:ea typeface="+mn-ea"/>
-                          <a:cs typeface="+mn-cs"/>
                         </a:rPr>
-                        <a:t>O</a:t>
+                        <a:t>X</a:t>
                       </a:r>
+                      <a:endParaRPr kumimoji="0" lang="en-US" sz="1400" b="0" i="0" u="none" strike="sngStrike" kern="1200" cap="none" spc="0" normalizeH="0" baseline="0" noProof="0" dirty="0">
+                        <a:ln>
+                          <a:noFill/>
+                        </a:ln>
+                        <a:solidFill>
+                          <a:prstClr val="black"/>
+                        </a:solidFill>
+                        <a:effectLst/>
+                        <a:uLnTx/>
+                        <a:uFillTx/>
+                        <a:latin typeface="Calibri" panose="020F0502020204030204"/>
+                        <a:ea typeface="+mn-ea"/>
+                        <a:cs typeface="+mn-cs"/>
+                      </a:endParaRPr>
                     </a:p>
                   </a:txBody>
                   <a:tcPr marL="0" marR="0" marT="0" marB="0" anchor="ctr"/>
@@ -13888,22 +15727,30 @@
                         <a:defRPr/>
                       </a:pPr>
                       <a:r>
-                        <a:rPr kumimoji="0" lang="en-US" sz="1400" b="0" i="0" u="none" strike="noStrike" kern="1200" cap="none" spc="0" normalizeH="0" baseline="0" noProof="0" dirty="0">
+                        <a:rPr kumimoji="0" lang="en-US" sz="1400" u="none" strike="sngStrike" kern="1200" cap="none" spc="0" normalizeH="0" baseline="0" noProof="0" dirty="0">
                           <a:ln>
                             <a:noFill/>
                           </a:ln>
-                          <a:solidFill>
-                            <a:prstClr val="black"/>
-                          </a:solidFill>
                           <a:effectLst/>
                           <a:uLnTx/>
                           <a:uFillTx/>
-                          <a:latin typeface="Calibri" panose="020F0502020204030204"/>
-                          <a:ea typeface="+mn-ea"/>
-                          <a:cs typeface="+mn-cs"/>
                         </a:rPr>
-                        <a:t>O</a:t>
+                        <a:t>X</a:t>
                       </a:r>
+                      <a:endParaRPr kumimoji="0" lang="en-US" sz="1400" b="0" i="0" u="none" strike="sngStrike" kern="1200" cap="none" spc="0" normalizeH="0" baseline="0" noProof="0" dirty="0">
+                        <a:ln>
+                          <a:noFill/>
+                        </a:ln>
+                        <a:solidFill>
+                          <a:prstClr val="black"/>
+                        </a:solidFill>
+                        <a:effectLst/>
+                        <a:uLnTx/>
+                        <a:uFillTx/>
+                        <a:latin typeface="Calibri" panose="020F0502020204030204"/>
+                        <a:ea typeface="+mn-ea"/>
+                        <a:cs typeface="+mn-cs"/>
+                      </a:endParaRPr>
                     </a:p>
                   </a:txBody>
                   <a:tcPr marL="0" marR="0" marT="0" marB="0" anchor="ctr"/>
@@ -13931,22 +15778,30 @@
                         <a:defRPr/>
                       </a:pPr>
                       <a:r>
-                        <a:rPr kumimoji="0" lang="en-US" sz="1400" b="0" i="0" u="none" strike="noStrike" kern="1200" cap="none" spc="0" normalizeH="0" baseline="0" noProof="0" dirty="0">
+                        <a:rPr kumimoji="0" lang="en-US" sz="1400" u="none" strike="sngStrike" kern="1200" cap="none" spc="0" normalizeH="0" baseline="0" noProof="0" dirty="0">
                           <a:ln>
                             <a:noFill/>
                           </a:ln>
-                          <a:solidFill>
-                            <a:prstClr val="black"/>
-                          </a:solidFill>
                           <a:effectLst/>
                           <a:uLnTx/>
                           <a:uFillTx/>
-                          <a:latin typeface="Calibri" panose="020F0502020204030204"/>
-                          <a:ea typeface="+mn-ea"/>
-                          <a:cs typeface="+mn-cs"/>
                         </a:rPr>
-                        <a:t>O</a:t>
+                        <a:t>X</a:t>
                       </a:r>
+                      <a:endParaRPr kumimoji="0" lang="en-US" sz="1400" b="0" i="0" u="none" strike="sngStrike" kern="1200" cap="none" spc="0" normalizeH="0" baseline="0" noProof="0" dirty="0">
+                        <a:ln>
+                          <a:noFill/>
+                        </a:ln>
+                        <a:solidFill>
+                          <a:prstClr val="black"/>
+                        </a:solidFill>
+                        <a:effectLst/>
+                        <a:uLnTx/>
+                        <a:uFillTx/>
+                        <a:latin typeface="Calibri" panose="020F0502020204030204"/>
+                        <a:ea typeface="+mn-ea"/>
+                        <a:cs typeface="+mn-cs"/>
+                      </a:endParaRPr>
                     </a:p>
                   </a:txBody>
                   <a:tcPr marL="0" marR="0" marT="0" marB="0" anchor="ctr"/>
@@ -13974,7 +15829,7 @@
                         <a:defRPr/>
                       </a:pPr>
                       <a:r>
-                        <a:rPr kumimoji="0" lang="en-US" sz="1400" b="1" i="0" u="none" strike="noStrike" kern="1200" cap="none" spc="0" normalizeH="0" baseline="0" noProof="0" dirty="0">
+                        <a:rPr kumimoji="0" lang="en-US" sz="1400" b="1" u="none" strike="sngStrike" kern="1200" cap="none" spc="0" normalizeH="0" baseline="0" noProof="0" dirty="0">
                           <a:ln>
                             <a:noFill/>
                           </a:ln>
@@ -13986,12 +15841,25 @@
                           <a:effectLst/>
                           <a:uLnTx/>
                           <a:uFillTx/>
-                          <a:latin typeface="Calibri" panose="020F0502020204030204"/>
-                          <a:ea typeface="+mn-ea"/>
-                          <a:cs typeface="+mn-cs"/>
                         </a:rPr>
-                        <a:t>O</a:t>
+                        <a:t>X</a:t>
                       </a:r>
+                      <a:endParaRPr kumimoji="0" lang="en-US" sz="1400" b="1" i="0" u="none" strike="sngStrike" kern="1200" cap="none" spc="0" normalizeH="0" baseline="0" noProof="0" dirty="0">
+                        <a:ln>
+                          <a:noFill/>
+                        </a:ln>
+                        <a:solidFill>
+                          <a:schemeClr val="accent2">
+                            <a:lumMod val="75000"/>
+                          </a:schemeClr>
+                        </a:solidFill>
+                        <a:effectLst/>
+                        <a:uLnTx/>
+                        <a:uFillTx/>
+                        <a:latin typeface="Calibri" panose="020F0502020204030204"/>
+                        <a:ea typeface="+mn-ea"/>
+                        <a:cs typeface="+mn-cs"/>
+                      </a:endParaRPr>
                     </a:p>
                   </a:txBody>
                   <a:tcPr marL="0" marR="0" marT="0" marB="0" anchor="ctr"/>
@@ -14019,7 +15887,7 @@
                         <a:defRPr/>
                       </a:pPr>
                       <a:r>
-                        <a:rPr kumimoji="0" lang="en-US" sz="1400" b="1" i="0" u="none" strike="noStrike" kern="1200" cap="none" spc="0" normalizeH="0" baseline="0" noProof="0" dirty="0">
+                        <a:rPr kumimoji="0" lang="en-US" sz="1400" b="1" u="none" strike="sngStrike" kern="1200" cap="none" spc="0" normalizeH="0" baseline="0" noProof="0" dirty="0">
                           <a:ln>
                             <a:noFill/>
                           </a:ln>
@@ -14031,12 +15899,25 @@
                           <a:effectLst/>
                           <a:uLnTx/>
                           <a:uFillTx/>
-                          <a:latin typeface="Calibri" panose="020F0502020204030204"/>
-                          <a:ea typeface="+mn-ea"/>
-                          <a:cs typeface="+mn-cs"/>
                         </a:rPr>
-                        <a:t>O</a:t>
+                        <a:t>X</a:t>
                       </a:r>
+                      <a:endParaRPr kumimoji="0" lang="en-US" sz="1400" b="1" i="0" u="none" strike="sngStrike" kern="1200" cap="none" spc="0" normalizeH="0" baseline="0" noProof="0" dirty="0">
+                        <a:ln>
+                          <a:noFill/>
+                        </a:ln>
+                        <a:solidFill>
+                          <a:schemeClr val="accent2">
+                            <a:lumMod val="75000"/>
+                          </a:schemeClr>
+                        </a:solidFill>
+                        <a:effectLst/>
+                        <a:uLnTx/>
+                        <a:uFillTx/>
+                        <a:latin typeface="Calibri" panose="020F0502020204030204"/>
+                        <a:ea typeface="+mn-ea"/>
+                        <a:cs typeface="+mn-cs"/>
+                      </a:endParaRPr>
                     </a:p>
                   </a:txBody>
                   <a:tcPr marL="0" marR="0" marT="0" marB="0" anchor="ctr"/>
@@ -14064,7 +15945,7 @@
                         <a:defRPr/>
                       </a:pPr>
                       <a:r>
-                        <a:rPr kumimoji="0" lang="en-US" sz="1400" b="1" i="0" u="none" strike="noStrike" kern="1200" cap="none" spc="0" normalizeH="0" baseline="0" noProof="0" dirty="0">
+                        <a:rPr kumimoji="0" lang="en-US" sz="1400" b="1" u="none" strike="sngStrike" kern="1200" cap="none" spc="0" normalizeH="0" baseline="0" noProof="0" dirty="0">
                           <a:ln>
                             <a:noFill/>
                           </a:ln>
@@ -14076,12 +15957,25 @@
                           <a:effectLst/>
                           <a:uLnTx/>
                           <a:uFillTx/>
-                          <a:latin typeface="Calibri" panose="020F0502020204030204"/>
-                          <a:ea typeface="+mn-ea"/>
-                          <a:cs typeface="+mn-cs"/>
                         </a:rPr>
-                        <a:t>O</a:t>
+                        <a:t>X</a:t>
                       </a:r>
+                      <a:endParaRPr kumimoji="0" lang="en-US" sz="1400" b="1" i="0" u="none" strike="sngStrike" kern="1200" cap="none" spc="0" normalizeH="0" baseline="0" noProof="0" dirty="0">
+                        <a:ln>
+                          <a:noFill/>
+                        </a:ln>
+                        <a:solidFill>
+                          <a:schemeClr val="accent2">
+                            <a:lumMod val="75000"/>
+                          </a:schemeClr>
+                        </a:solidFill>
+                        <a:effectLst/>
+                        <a:uLnTx/>
+                        <a:uFillTx/>
+                        <a:latin typeface="Calibri" panose="020F0502020204030204"/>
+                        <a:ea typeface="+mn-ea"/>
+                        <a:cs typeface="+mn-cs"/>
+                      </a:endParaRPr>
                     </a:p>
                   </a:txBody>
                   <a:tcPr marL="0" marR="0" marT="0" marB="0" anchor="ctr"/>
@@ -14109,7 +16003,7 @@
                         <a:defRPr/>
                       </a:pPr>
                       <a:r>
-                        <a:rPr kumimoji="0" lang="en-US" sz="1400" b="1" i="0" u="none" strike="noStrike" kern="1200" cap="none" spc="0" normalizeH="0" baseline="0" noProof="0" dirty="0">
+                        <a:rPr kumimoji="0" lang="en-US" sz="1400" b="1" u="none" strike="sngStrike" kern="1200" cap="none" spc="0" normalizeH="0" baseline="0" noProof="0" dirty="0">
                           <a:ln>
                             <a:noFill/>
                           </a:ln>
@@ -14121,12 +16015,25 @@
                           <a:effectLst/>
                           <a:uLnTx/>
                           <a:uFillTx/>
-                          <a:latin typeface="Calibri" panose="020F0502020204030204"/>
-                          <a:ea typeface="+mn-ea"/>
-                          <a:cs typeface="+mn-cs"/>
                         </a:rPr>
-                        <a:t>O</a:t>
+                        <a:t>X</a:t>
                       </a:r>
+                      <a:endParaRPr kumimoji="0" lang="en-US" sz="1400" b="1" i="0" u="none" strike="sngStrike" kern="1200" cap="none" spc="0" normalizeH="0" baseline="0" noProof="0" dirty="0">
+                        <a:ln>
+                          <a:noFill/>
+                        </a:ln>
+                        <a:solidFill>
+                          <a:schemeClr val="accent2">
+                            <a:lumMod val="75000"/>
+                          </a:schemeClr>
+                        </a:solidFill>
+                        <a:effectLst/>
+                        <a:uLnTx/>
+                        <a:uFillTx/>
+                        <a:latin typeface="Calibri" panose="020F0502020204030204"/>
+                        <a:ea typeface="+mn-ea"/>
+                        <a:cs typeface="+mn-cs"/>
+                      </a:endParaRPr>
                     </a:p>
                   </a:txBody>
                   <a:tcPr marL="0" marR="0" marT="0" marB="0" anchor="ctr"/>
@@ -14154,7 +16061,7 @@
                         <a:defRPr/>
                       </a:pPr>
                       <a:r>
-                        <a:rPr kumimoji="0" lang="en-US" sz="1400" b="1" i="0" u="none" strike="noStrike" kern="1200" cap="none" spc="0" normalizeH="0" baseline="0" noProof="0" dirty="0">
+                        <a:rPr kumimoji="0" lang="en-US" sz="1400" b="1" u="none" strike="sngStrike" kern="1200" cap="none" spc="0" normalizeH="0" baseline="0" noProof="0" dirty="0">
                           <a:ln>
                             <a:noFill/>
                           </a:ln>
@@ -14166,23 +16073,157 @@
                           <a:effectLst/>
                           <a:uLnTx/>
                           <a:uFillTx/>
-                          <a:latin typeface="Calibri" panose="020F0502020204030204"/>
-                          <a:ea typeface="+mn-ea"/>
-                          <a:cs typeface="+mn-cs"/>
                         </a:rPr>
-                        <a:t>O</a:t>
+                        <a:t>X</a:t>
                       </a:r>
-                    </a:p>
-                  </a:txBody>
-                  <a:tcPr marL="0" marR="0" marT="0" marB="0" anchor="ctr"/>
-                </a:tc>
-                <a:tc>
-                  <a:txBody>
-                    <a:bodyPr/>
-                    <a:lstStyle/>
-                    <a:p>
-                      <a:pPr algn="ctr"/>
-                      <a:endParaRPr lang="en-US" sz="1400">
+                      <a:endParaRPr kumimoji="0" lang="en-US" sz="1400" b="1" i="0" u="none" strike="sngStrike" kern="1200" cap="none" spc="0" normalizeH="0" baseline="0" noProof="0" dirty="0">
+                        <a:ln>
+                          <a:noFill/>
+                        </a:ln>
+                        <a:solidFill>
+                          <a:schemeClr val="accent2">
+                            <a:lumMod val="75000"/>
+                          </a:schemeClr>
+                        </a:solidFill>
+                        <a:effectLst/>
+                        <a:uLnTx/>
+                        <a:uFillTx/>
+                        <a:latin typeface="Calibri" panose="020F0502020204030204"/>
+                        <a:ea typeface="+mn-ea"/>
+                        <a:cs typeface="+mn-cs"/>
+                      </a:endParaRPr>
+                    </a:p>
+                  </a:txBody>
+                  <a:tcPr marL="0" marR="0" marT="0" marB="0" anchor="ctr"/>
+                </a:tc>
+                <a:tc>
+                  <a:txBody>
+                    <a:bodyPr/>
+                    <a:lstStyle/>
+                    <a:p>
+                      <a:pPr algn="ctr"/>
+                      <a:endParaRPr lang="en-US" sz="1400"/>
+                    </a:p>
+                  </a:txBody>
+                  <a:tcPr marL="0" marR="0" marT="0" marB="0" anchor="ctr"/>
+                </a:tc>
+                <a:tc>
+                  <a:txBody>
+                    <a:bodyPr/>
+                    <a:lstStyle/>
+                    <a:p>
+                      <a:pPr algn="ctr"/>
+                      <a:endParaRPr lang="en-US" sz="1400" dirty="0"/>
+                    </a:p>
+                  </a:txBody>
+                  <a:tcPr marL="0" marR="0" marT="0" marB="0" anchor="ctr"/>
+                </a:tc>
+                <a:tc>
+                  <a:txBody>
+                    <a:bodyPr/>
+                    <a:lstStyle/>
+                    <a:p>
+                      <a:pPr algn="ctr"/>
+                      <a:endParaRPr lang="en-US" sz="1400"/>
+                    </a:p>
+                  </a:txBody>
+                  <a:tcPr marL="0" marR="0" marT="0" marB="0" anchor="ctr"/>
+                </a:tc>
+                <a:tc>
+                  <a:txBody>
+                    <a:bodyPr/>
+                    <a:lstStyle/>
+                    <a:p>
+                      <a:pPr algn="ctr"/>
+                      <a:endParaRPr lang="en-US" sz="1400"/>
+                    </a:p>
+                  </a:txBody>
+                  <a:tcPr marL="0" marR="0" marT="0" marB="0" anchor="ctr"/>
+                </a:tc>
+                <a:tc>
+                  <a:txBody>
+                    <a:bodyPr/>
+                    <a:lstStyle/>
+                    <a:p>
+                      <a:pPr algn="ctr"/>
+                      <a:endParaRPr lang="en-US" sz="1400" dirty="0"/>
+                    </a:p>
+                  </a:txBody>
+                  <a:tcPr marL="0" marR="0" marT="0" marB="0" anchor="ctr"/>
+                </a:tc>
+                <a:tc>
+                  <a:txBody>
+                    <a:bodyPr/>
+                    <a:lstStyle/>
+                    <a:p>
+                      <a:pPr algn="ctr"/>
+                      <a:endParaRPr lang="en-US" sz="1400"/>
+                    </a:p>
+                  </a:txBody>
+                  <a:tcPr marL="0" marR="0" marT="0" marB="0" anchor="ctr"/>
+                </a:tc>
+                <a:tc>
+                  <a:txBody>
+                    <a:bodyPr/>
+                    <a:lstStyle/>
+                    <a:p>
+                      <a:pPr algn="ctr"/>
+                      <a:endParaRPr lang="en-US" sz="1400" dirty="0"/>
+                    </a:p>
+                  </a:txBody>
+                  <a:tcPr marL="0" marR="0" marT="0" marB="0" anchor="ctr"/>
+                </a:tc>
+                <a:tc>
+                  <a:txBody>
+                    <a:bodyPr/>
+                    <a:lstStyle/>
+                    <a:p>
+                      <a:pPr algn="ctr"/>
+                      <a:endParaRPr lang="en-US" sz="1400" dirty="0"/>
+                    </a:p>
+                  </a:txBody>
+                  <a:tcPr marL="0" marR="0" marT="0" marB="0" anchor="ctr"/>
+                </a:tc>
+                <a:tc>
+                  <a:txBody>
+                    <a:bodyPr/>
+                    <a:lstStyle/>
+                    <a:p>
+                      <a:pPr algn="ctr"/>
+                      <a:endParaRPr lang="en-US" sz="1400" dirty="0"/>
+                    </a:p>
+                  </a:txBody>
+                  <a:tcPr marL="0" marR="0" marT="0" marB="0" anchor="ctr"/>
+                </a:tc>
+                <a:tc>
+                  <a:txBody>
+                    <a:bodyPr/>
+                    <a:lstStyle/>
+                    <a:p>
+                      <a:pPr algn="ctr"/>
+                      <a:endParaRPr lang="en-US" sz="1400" dirty="0"/>
+                    </a:p>
+                  </a:txBody>
+                  <a:tcPr marL="0" marR="0" marT="0" marB="0" anchor="ctr"/>
+                </a:tc>
+                <a:extLst>
+                  <a:ext uri="{0D108BD9-81ED-4DB2-BD59-A6C34878D82A}">
+                    <a16:rowId xmlns:a16="http://schemas.microsoft.com/office/drawing/2014/main" val="3012010536"/>
+                  </a:ext>
+                </a:extLst>
+              </a:tr>
+              <a:tr h="512232">
+                <a:tc>
+                  <a:txBody>
+                    <a:bodyPr/>
+                    <a:lstStyle/>
+                    <a:p>
+                      <a:pPr algn="ctr"/>
+                      <a:r>
+                        <a:rPr lang="en-US" sz="1400" dirty="0"/>
+                        <a:t>B</a:t>
+                      </a:r>
+                      <a:endParaRPr lang="en-US" sz="1400" dirty="0">
                         <a:solidFill>
                           <a:schemeClr val="accent2">
                             <a:lumMod val="75000"/>
@@ -14199,192 +16240,11 @@
                     <a:lstStyle/>
                     <a:p>
                       <a:pPr algn="ctr"/>
-                      <a:endParaRPr lang="en-US" sz="1400">
-                        <a:solidFill>
-                          <a:schemeClr val="accent2">
-                            <a:lumMod val="75000"/>
-                          </a:schemeClr>
-                        </a:solidFill>
-                      </a:endParaRPr>
-                    </a:p>
-                  </a:txBody>
-                  <a:tcPr marL="0" marR="0" marT="0" marB="0" anchor="ctr"/>
-                </a:tc>
-                <a:tc>
-                  <a:txBody>
-                    <a:bodyPr/>
-                    <a:lstStyle/>
-                    <a:p>
-                      <a:pPr algn="ctr"/>
-                      <a:endParaRPr lang="en-US" sz="1400">
-                        <a:solidFill>
-                          <a:schemeClr val="accent2">
-                            <a:lumMod val="75000"/>
-                          </a:schemeClr>
-                        </a:solidFill>
-                      </a:endParaRPr>
-                    </a:p>
-                  </a:txBody>
-                  <a:tcPr marL="0" marR="0" marT="0" marB="0" anchor="ctr"/>
-                </a:tc>
-                <a:tc>
-                  <a:txBody>
-                    <a:bodyPr/>
-                    <a:lstStyle/>
-                    <a:p>
-                      <a:pPr algn="ctr"/>
-                      <a:endParaRPr lang="en-US" sz="1400">
-                        <a:solidFill>
-                          <a:schemeClr val="accent2">
-                            <a:lumMod val="75000"/>
-                          </a:schemeClr>
-                        </a:solidFill>
-                      </a:endParaRPr>
-                    </a:p>
-                  </a:txBody>
-                  <a:tcPr marL="0" marR="0" marT="0" marB="0" anchor="ctr"/>
-                </a:tc>
-                <a:tc>
-                  <a:txBody>
-                    <a:bodyPr/>
-                    <a:lstStyle/>
-                    <a:p>
-                      <a:pPr algn="ctr"/>
-                      <a:endParaRPr lang="en-US" sz="1400">
-                        <a:solidFill>
-                          <a:schemeClr val="accent2">
-                            <a:lumMod val="75000"/>
-                          </a:schemeClr>
-                        </a:solidFill>
-                      </a:endParaRPr>
-                    </a:p>
-                  </a:txBody>
-                  <a:tcPr marL="0" marR="0" marT="0" marB="0" anchor="ctr"/>
-                </a:tc>
-                <a:tc>
-                  <a:txBody>
-                    <a:bodyPr/>
-                    <a:lstStyle/>
-                    <a:p>
-                      <a:pPr algn="ctr"/>
-                      <a:endParaRPr lang="en-US" sz="1400">
-                        <a:solidFill>
-                          <a:schemeClr val="accent2">
-                            <a:lumMod val="75000"/>
-                          </a:schemeClr>
-                        </a:solidFill>
-                      </a:endParaRPr>
-                    </a:p>
-                  </a:txBody>
-                  <a:tcPr marL="0" marR="0" marT="0" marB="0" anchor="ctr"/>
-                </a:tc>
-                <a:tc>
-                  <a:txBody>
-                    <a:bodyPr/>
-                    <a:lstStyle/>
-                    <a:p>
-                      <a:pPr algn="ctr"/>
-                      <a:endParaRPr lang="en-US" sz="1400">
-                        <a:solidFill>
-                          <a:schemeClr val="accent2">
-                            <a:lumMod val="75000"/>
-                          </a:schemeClr>
-                        </a:solidFill>
-                      </a:endParaRPr>
-                    </a:p>
-                  </a:txBody>
-                  <a:tcPr marL="0" marR="0" marT="0" marB="0" anchor="ctr"/>
-                </a:tc>
-                <a:tc>
-                  <a:txBody>
-                    <a:bodyPr/>
-                    <a:lstStyle/>
-                    <a:p>
-                      <a:pPr algn="ctr"/>
-                      <a:endParaRPr lang="en-US" sz="1400">
-                        <a:solidFill>
-                          <a:schemeClr val="accent2">
-                            <a:lumMod val="75000"/>
-                          </a:schemeClr>
-                        </a:solidFill>
-                      </a:endParaRPr>
-                    </a:p>
-                  </a:txBody>
-                  <a:tcPr marL="0" marR="0" marT="0" marB="0" anchor="ctr"/>
-                </a:tc>
-                <a:tc>
-                  <a:txBody>
-                    <a:bodyPr/>
-                    <a:lstStyle/>
-                    <a:p>
-                      <a:pPr algn="ctr"/>
-                      <a:endParaRPr lang="en-US" sz="1400">
-                        <a:solidFill>
-                          <a:schemeClr val="accent2">
-                            <a:lumMod val="75000"/>
-                          </a:schemeClr>
-                        </a:solidFill>
-                      </a:endParaRPr>
-                    </a:p>
-                  </a:txBody>
-                  <a:tcPr marL="0" marR="0" marT="0" marB="0" anchor="ctr"/>
-                </a:tc>
-                <a:tc>
-                  <a:txBody>
-                    <a:bodyPr/>
-                    <a:lstStyle/>
-                    <a:p>
-                      <a:pPr algn="ctr"/>
-                      <a:endParaRPr lang="en-US" sz="1400">
-                        <a:solidFill>
-                          <a:schemeClr val="accent2">
-                            <a:lumMod val="75000"/>
-                          </a:schemeClr>
-                        </a:solidFill>
-                      </a:endParaRPr>
-                    </a:p>
-                  </a:txBody>
-                  <a:tcPr marL="0" marR="0" marT="0" marB="0" anchor="ctr"/>
-                </a:tc>
-                <a:extLst>
-                  <a:ext uri="{0D108BD9-81ED-4DB2-BD59-A6C34878D82A}">
-                    <a16:rowId xmlns:a16="http://schemas.microsoft.com/office/drawing/2014/main" val="3460836312"/>
-                  </a:ext>
-                </a:extLst>
-              </a:tr>
-              <a:tr h="512232">
-                <a:tc>
-                  <a:txBody>
-                    <a:bodyPr/>
-                    <a:lstStyle/>
-                    <a:p>
-                      <a:pPr algn="ctr"/>
                       <a:r>
-                        <a:rPr lang="en-US" sz="1400"/>
-                        <a:t>B</a:t>
-                      </a:r>
-                      <a:endParaRPr lang="en-US" sz="1400">
-                        <a:solidFill>
-                          <a:schemeClr val="accent2">
-                            <a:lumMod val="75000"/>
-                          </a:schemeClr>
-                        </a:solidFill>
-                      </a:endParaRPr>
-                    </a:p>
-                  </a:txBody>
-                  <a:tcPr marL="0" marR="0" marT="0" marB="0" anchor="ctr"/>
-                </a:tc>
-                <a:tc>
-                  <a:txBody>
-                    <a:bodyPr/>
-                    <a:lstStyle/>
-                    <a:p>
-                      <a:pPr algn="ctr"/>
-                      <a:r>
-                        <a:rPr lang="ko-KR" altLang="en-US" sz="1400"/>
+                        <a:rPr lang="ko-KR" altLang="en-US" sz="1400" strike="sngStrike" dirty="0"/>
                         <a:t>김희준</a:t>
                       </a:r>
-                      <a:endParaRPr lang="en-US" sz="1400">
+                      <a:endParaRPr lang="en-US" sz="1400" strike="sngStrike" dirty="0">
                         <a:solidFill>
                           <a:schemeClr val="accent2">
                             <a:lumMod val="75000"/>
@@ -14418,7 +16278,7 @@
                         <a:defRPr/>
                       </a:pPr>
                       <a:r>
-                        <a:rPr kumimoji="0" lang="en-US" sz="1400" u="none" strike="noStrike" kern="1200" cap="none" spc="0" normalizeH="0" baseline="0" noProof="0">
+                        <a:rPr kumimoji="0" lang="en-US" sz="1400" u="none" strike="sngStrike" kern="1200" cap="none" spc="0" normalizeH="0" baseline="0" noProof="0" dirty="0">
                           <a:ln>
                             <a:noFill/>
                           </a:ln>
@@ -14428,7 +16288,7 @@
                         </a:rPr>
                         <a:t>X</a:t>
                       </a:r>
-                      <a:endParaRPr kumimoji="0" lang="en-US" sz="1400" b="0" i="0" u="none" strike="noStrike" kern="1200" cap="none" spc="0" normalizeH="0" baseline="0" noProof="0">
+                      <a:endParaRPr kumimoji="0" lang="en-US" sz="1400" b="0" i="0" u="none" strike="sngStrike" kern="1200" cap="none" spc="0" normalizeH="0" baseline="0" noProof="0" dirty="0">
                         <a:ln>
                           <a:noFill/>
                         </a:ln>
@@ -14469,7 +16329,7 @@
                         <a:defRPr/>
                       </a:pPr>
                       <a:r>
-                        <a:rPr kumimoji="0" lang="en-US" sz="1400" u="none" strike="noStrike" kern="1200" cap="none" spc="0" normalizeH="0" baseline="0" noProof="0">
+                        <a:rPr kumimoji="0" lang="en-US" sz="1400" u="none" strike="sngStrike" kern="1200" cap="none" spc="0" normalizeH="0" baseline="0" noProof="0" dirty="0">
                           <a:ln>
                             <a:noFill/>
                           </a:ln>
@@ -14479,7 +16339,7 @@
                         </a:rPr>
                         <a:t>X</a:t>
                       </a:r>
-                      <a:endParaRPr kumimoji="0" lang="en-US" sz="1400" b="0" i="0" u="none" strike="noStrike" kern="1200" cap="none" spc="0" normalizeH="0" baseline="0" noProof="0">
+                      <a:endParaRPr kumimoji="0" lang="en-US" sz="1400" b="0" i="0" u="none" strike="sngStrike" kern="1200" cap="none" spc="0" normalizeH="0" baseline="0" noProof="0" dirty="0">
                         <a:ln>
                           <a:noFill/>
                         </a:ln>
@@ -14520,7 +16380,7 @@
                         <a:defRPr/>
                       </a:pPr>
                       <a:r>
-                        <a:rPr kumimoji="0" lang="en-US" sz="1400" u="none" strike="noStrike" kern="1200" cap="none" spc="0" normalizeH="0" baseline="0" noProof="0">
+                        <a:rPr kumimoji="0" lang="en-US" sz="1400" u="none" strike="sngStrike" kern="1200" cap="none" spc="0" normalizeH="0" baseline="0" noProof="0">
                           <a:ln>
                             <a:noFill/>
                           </a:ln>
@@ -14530,7 +16390,7 @@
                         </a:rPr>
                         <a:t>X</a:t>
                       </a:r>
-                      <a:endParaRPr kumimoji="0" lang="en-US" sz="1400" b="0" i="0" u="none" strike="noStrike" kern="1200" cap="none" spc="0" normalizeH="0" baseline="0" noProof="0">
+                      <a:endParaRPr kumimoji="0" lang="en-US" sz="1400" b="0" i="0" u="none" strike="sngStrike" kern="1200" cap="none" spc="0" normalizeH="0" baseline="0" noProof="0">
                         <a:ln>
                           <a:noFill/>
                         </a:ln>
@@ -14571,7 +16431,7 @@
                         <a:defRPr/>
                       </a:pPr>
                       <a:r>
-                        <a:rPr kumimoji="0" lang="en-US" sz="1400" u="none" strike="noStrike" kern="1200" cap="none" spc="0" normalizeH="0" baseline="0" noProof="0">
+                        <a:rPr kumimoji="0" lang="en-US" sz="1400" u="none" strike="sngStrike" kern="1200" cap="none" spc="0" normalizeH="0" baseline="0" noProof="0">
                           <a:ln>
                             <a:noFill/>
                           </a:ln>
@@ -14581,7 +16441,7 @@
                         </a:rPr>
                         <a:t>X</a:t>
                       </a:r>
-                      <a:endParaRPr kumimoji="0" lang="en-US" sz="1400" b="0" i="0" u="none" strike="noStrike" kern="1200" cap="none" spc="0" normalizeH="0" baseline="0" noProof="0">
+                      <a:endParaRPr kumimoji="0" lang="en-US" sz="1400" b="0" i="0" u="none" strike="sngStrike" kern="1200" cap="none" spc="0" normalizeH="0" baseline="0" noProof="0">
                         <a:ln>
                           <a:noFill/>
                         </a:ln>
@@ -14622,7 +16482,7 @@
                         <a:defRPr/>
                       </a:pPr>
                       <a:r>
-                        <a:rPr kumimoji="0" lang="en-US" sz="1400" u="none" strike="noStrike" kern="1200" cap="none" spc="0" normalizeH="0" baseline="0" noProof="0">
+                        <a:rPr kumimoji="0" lang="en-US" sz="1400" u="none" strike="sngStrike" kern="1200" cap="none" spc="0" normalizeH="0" baseline="0" noProof="0" dirty="0">
                           <a:ln>
                             <a:noFill/>
                           </a:ln>
@@ -14632,7 +16492,7 @@
                         </a:rPr>
                         <a:t>X</a:t>
                       </a:r>
-                      <a:endParaRPr kumimoji="0" lang="en-US" sz="1400" b="0" i="0" u="none" strike="noStrike" kern="1200" cap="none" spc="0" normalizeH="0" baseline="0" noProof="0">
+                      <a:endParaRPr kumimoji="0" lang="en-US" sz="1400" b="0" i="0" u="none" strike="sngStrike" kern="1200" cap="none" spc="0" normalizeH="0" baseline="0" noProof="0" dirty="0">
                         <a:ln>
                           <a:noFill/>
                         </a:ln>
@@ -14673,7 +16533,7 @@
                         <a:defRPr/>
                       </a:pPr>
                       <a:r>
-                        <a:rPr kumimoji="0" lang="en-US" sz="1400" b="1" u="none" strike="noStrike" kern="1200" cap="none" spc="0" normalizeH="0" baseline="0" noProof="0" dirty="0">
+                        <a:rPr kumimoji="0" lang="en-US" sz="1400" b="1" u="none" strike="sngStrike" kern="1200" cap="none" spc="0" normalizeH="0" baseline="0" noProof="0" dirty="0">
                           <a:ln>
                             <a:noFill/>
                           </a:ln>
@@ -14688,7 +16548,7 @@
                         </a:rPr>
                         <a:t>X</a:t>
                       </a:r>
-                      <a:endParaRPr kumimoji="0" lang="en-US" sz="1400" b="1" i="0" u="none" strike="noStrike" kern="1200" cap="none" spc="0" normalizeH="0" baseline="0" noProof="0" dirty="0">
+                      <a:endParaRPr kumimoji="0" lang="en-US" sz="1400" b="1" i="0" u="none" strike="sngStrike" kern="1200" cap="none" spc="0" normalizeH="0" baseline="0" noProof="0" dirty="0">
                         <a:ln>
                           <a:noFill/>
                         </a:ln>
@@ -14731,7 +16591,7 @@
                         <a:defRPr/>
                       </a:pPr>
                       <a:r>
-                        <a:rPr kumimoji="0" lang="en-US" sz="1400" b="1" u="none" strike="noStrike" kern="1200" cap="none" spc="0" normalizeH="0" baseline="0" noProof="0" dirty="0">
+                        <a:rPr kumimoji="0" lang="en-US" sz="1400" b="1" u="none" strike="sngStrike" kern="1200" cap="none" spc="0" normalizeH="0" baseline="0" noProof="0" dirty="0">
                           <a:ln>
                             <a:noFill/>
                           </a:ln>
@@ -14746,7 +16606,7 @@
                         </a:rPr>
                         <a:t>X</a:t>
                       </a:r>
-                      <a:endParaRPr kumimoji="0" lang="en-US" sz="1400" b="1" i="0" u="none" strike="noStrike" kern="1200" cap="none" spc="0" normalizeH="0" baseline="0" noProof="0" dirty="0">
+                      <a:endParaRPr kumimoji="0" lang="en-US" sz="1400" b="1" i="0" u="none" strike="sngStrike" kern="1200" cap="none" spc="0" normalizeH="0" baseline="0" noProof="0" dirty="0">
                         <a:ln>
                           <a:noFill/>
                         </a:ln>
@@ -14789,7 +16649,7 @@
                         <a:defRPr/>
                       </a:pPr>
                       <a:r>
-                        <a:rPr kumimoji="0" lang="en-US" sz="1400" b="1" u="none" strike="noStrike" kern="1200" cap="none" spc="0" normalizeH="0" baseline="0" noProof="0" dirty="0">
+                        <a:rPr kumimoji="0" lang="en-US" sz="1400" b="1" u="none" strike="sngStrike" kern="1200" cap="none" spc="0" normalizeH="0" baseline="0" noProof="0" dirty="0">
                           <a:ln>
                             <a:noFill/>
                           </a:ln>
@@ -14804,7 +16664,7 @@
                         </a:rPr>
                         <a:t>X</a:t>
                       </a:r>
-                      <a:endParaRPr kumimoji="0" lang="en-US" sz="1400" b="1" i="0" u="none" strike="noStrike" kern="1200" cap="none" spc="0" normalizeH="0" baseline="0" noProof="0" dirty="0">
+                      <a:endParaRPr kumimoji="0" lang="en-US" sz="1400" b="1" i="0" u="none" strike="sngStrike" kern="1200" cap="none" spc="0" normalizeH="0" baseline="0" noProof="0" dirty="0">
                         <a:ln>
                           <a:noFill/>
                         </a:ln>
@@ -14847,7 +16707,7 @@
                         <a:defRPr/>
                       </a:pPr>
                       <a:r>
-                        <a:rPr kumimoji="0" lang="en-US" sz="1400" b="1" u="none" strike="noStrike" kern="1200" cap="none" spc="0" normalizeH="0" baseline="0" noProof="0" dirty="0">
+                        <a:rPr kumimoji="0" lang="en-US" sz="1400" b="1" u="none" strike="sngStrike" kern="1200" cap="none" spc="0" normalizeH="0" baseline="0" noProof="0" dirty="0">
                           <a:ln>
                             <a:noFill/>
                           </a:ln>
@@ -14862,7 +16722,7 @@
                         </a:rPr>
                         <a:t>X</a:t>
                       </a:r>
-                      <a:endParaRPr kumimoji="0" lang="en-US" sz="1400" b="1" i="0" u="none" strike="noStrike" kern="1200" cap="none" spc="0" normalizeH="0" baseline="0" noProof="0" dirty="0">
+                      <a:endParaRPr kumimoji="0" lang="en-US" sz="1400" b="1" i="0" u="none" strike="sngStrike" kern="1200" cap="none" spc="0" normalizeH="0" baseline="0" noProof="0" dirty="0">
                         <a:ln>
                           <a:noFill/>
                         </a:ln>
@@ -14905,7 +16765,7 @@
                         <a:defRPr/>
                       </a:pPr>
                       <a:r>
-                        <a:rPr kumimoji="0" lang="en-US" sz="1400" b="1" u="none" strike="noStrike" kern="1200" cap="none" spc="0" normalizeH="0" baseline="0" noProof="0" dirty="0">
+                        <a:rPr kumimoji="0" lang="en-US" sz="1400" b="1" u="none" strike="sngStrike" kern="1200" cap="none" spc="0" normalizeH="0" baseline="0" noProof="0" dirty="0">
                           <a:ln>
                             <a:noFill/>
                           </a:ln>
@@ -14920,7 +16780,7 @@
                         </a:rPr>
                         <a:t>X</a:t>
                       </a:r>
-                      <a:endParaRPr kumimoji="0" lang="en-US" sz="1400" b="1" i="0" u="none" strike="noStrike" kern="1200" cap="none" spc="0" normalizeH="0" baseline="0" noProof="0" dirty="0">
+                      <a:endParaRPr kumimoji="0" lang="en-US" sz="1400" b="1" i="0" u="none" strike="sngStrike" kern="1200" cap="none" spc="0" normalizeH="0" baseline="0" noProof="0" dirty="0">
                         <a:ln>
                           <a:noFill/>
                         </a:ln>
@@ -14980,6 +16840,40 @@
                     <a:lstStyle/>
                     <a:p>
                       <a:pPr algn="ctr"/>
+                      <a:endParaRPr lang="en-US" sz="1400" dirty="0">
+                        <a:solidFill>
+                          <a:schemeClr val="accent2">
+                            <a:lumMod val="75000"/>
+                          </a:schemeClr>
+                        </a:solidFill>
+                      </a:endParaRPr>
+                    </a:p>
+                  </a:txBody>
+                  <a:tcPr marL="0" marR="0" marT="0" marB="0" anchor="ctr"/>
+                </a:tc>
+                <a:tc>
+                  <a:txBody>
+                    <a:bodyPr/>
+                    <a:lstStyle/>
+                    <a:p>
+                      <a:pPr algn="ctr"/>
+                      <a:endParaRPr lang="en-US" sz="1400" dirty="0">
+                        <a:solidFill>
+                          <a:schemeClr val="accent2">
+                            <a:lumMod val="75000"/>
+                          </a:schemeClr>
+                        </a:solidFill>
+                      </a:endParaRPr>
+                    </a:p>
+                  </a:txBody>
+                  <a:tcPr marL="0" marR="0" marT="0" marB="0" anchor="ctr"/>
+                </a:tc>
+                <a:tc>
+                  <a:txBody>
+                    <a:bodyPr/>
+                    <a:lstStyle/>
+                    <a:p>
+                      <a:pPr algn="ctr"/>
                       <a:endParaRPr lang="en-US" sz="1400">
                         <a:solidFill>
                           <a:schemeClr val="accent2">
@@ -14997,7 +16891,7 @@
                     <a:lstStyle/>
                     <a:p>
                       <a:pPr algn="ctr"/>
-                      <a:endParaRPr lang="en-US" sz="1400">
+                      <a:endParaRPr lang="en-US" sz="1400" dirty="0">
                         <a:solidFill>
                           <a:schemeClr val="accent2">
                             <a:lumMod val="75000"/>
@@ -15014,7 +16908,7 @@
                     <a:lstStyle/>
                     <a:p>
                       <a:pPr algn="ctr"/>
-                      <a:endParaRPr lang="en-US" sz="1400">
+                      <a:endParaRPr lang="en-US" sz="1400" dirty="0">
                         <a:solidFill>
                           <a:schemeClr val="accent2">
                             <a:lumMod val="75000"/>
@@ -15031,7 +16925,7 @@
                     <a:lstStyle/>
                     <a:p>
                       <a:pPr algn="ctr"/>
-                      <a:endParaRPr lang="en-US" sz="1400">
+                      <a:endParaRPr lang="en-US" sz="1400" dirty="0">
                         <a:solidFill>
                           <a:schemeClr val="accent2">
                             <a:lumMod val="75000"/>
@@ -15048,7 +16942,7 @@
                     <a:lstStyle/>
                     <a:p>
                       <a:pPr algn="ctr"/>
-                      <a:endParaRPr lang="en-US" sz="1400">
+                      <a:endParaRPr lang="en-US" sz="1400" dirty="0">
                         <a:solidFill>
                           <a:schemeClr val="accent2">
                             <a:lumMod val="75000"/>
@@ -15065,7 +16959,7 @@
                     <a:lstStyle/>
                     <a:p>
                       <a:pPr algn="ctr"/>
-                      <a:endParaRPr lang="en-US" sz="1400">
+                      <a:endParaRPr lang="en-US" sz="1400" dirty="0">
                         <a:solidFill>
                           <a:schemeClr val="accent2">
                             <a:lumMod val="75000"/>
@@ -15076,1891 +16970,9 @@
                   </a:txBody>
                   <a:tcPr marL="0" marR="0" marT="0" marB="0" anchor="ctr"/>
                 </a:tc>
-                <a:tc>
-                  <a:txBody>
-                    <a:bodyPr/>
-                    <a:lstStyle/>
-                    <a:p>
-                      <a:pPr algn="ctr"/>
-                      <a:endParaRPr lang="en-US" sz="1400">
-                        <a:solidFill>
-                          <a:schemeClr val="accent2">
-                            <a:lumMod val="75000"/>
-                          </a:schemeClr>
-                        </a:solidFill>
-                      </a:endParaRPr>
-                    </a:p>
-                  </a:txBody>
-                  <a:tcPr marL="0" marR="0" marT="0" marB="0" anchor="ctr"/>
-                </a:tc>
-                <a:tc>
-                  <a:txBody>
-                    <a:bodyPr/>
-                    <a:lstStyle/>
-                    <a:p>
-                      <a:pPr algn="ctr"/>
-                      <a:endParaRPr lang="en-US" sz="1400">
-                        <a:solidFill>
-                          <a:schemeClr val="accent2">
-                            <a:lumMod val="75000"/>
-                          </a:schemeClr>
-                        </a:solidFill>
-                      </a:endParaRPr>
-                    </a:p>
-                  </a:txBody>
-                  <a:tcPr marL="0" marR="0" marT="0" marB="0" anchor="ctr"/>
-                </a:tc>
                 <a:extLst>
                   <a:ext uri="{0D108BD9-81ED-4DB2-BD59-A6C34878D82A}">
-                    <a16:rowId xmlns:a16="http://schemas.microsoft.com/office/drawing/2014/main" val="1719542100"/>
-                  </a:ext>
-                </a:extLst>
-              </a:tr>
-              <a:tr h="512232">
-                <a:tc>
-                  <a:txBody>
-                    <a:bodyPr/>
-                    <a:lstStyle/>
-                    <a:p>
-                      <a:pPr algn="ctr"/>
-                      <a:r>
-                        <a:rPr lang="en-US" sz="1400"/>
-                        <a:t>B</a:t>
-                      </a:r>
-                      <a:endParaRPr lang="en-US" sz="1400">
-                        <a:solidFill>
-                          <a:schemeClr val="accent2">
-                            <a:lumMod val="75000"/>
-                          </a:schemeClr>
-                        </a:solidFill>
-                      </a:endParaRPr>
-                    </a:p>
-                  </a:txBody>
-                  <a:tcPr marL="0" marR="0" marT="0" marB="0" anchor="ctr"/>
-                </a:tc>
-                <a:tc>
-                  <a:txBody>
-                    <a:bodyPr/>
-                    <a:lstStyle/>
-                    <a:p>
-                      <a:pPr algn="ctr"/>
-                      <a:r>
-                        <a:rPr lang="ko-KR" altLang="en-US" sz="1400"/>
-                        <a:t>이지은</a:t>
-                      </a:r>
-                      <a:endParaRPr lang="en-US" sz="1400">
-                        <a:solidFill>
-                          <a:schemeClr val="accent2">
-                            <a:lumMod val="75000"/>
-                          </a:schemeClr>
-                        </a:solidFill>
-                      </a:endParaRPr>
-                    </a:p>
-                  </a:txBody>
-                  <a:tcPr marL="0" marR="0" marT="0" marB="0" anchor="ctr"/>
-                </a:tc>
-                <a:tc>
-                  <a:txBody>
-                    <a:bodyPr/>
-                    <a:lstStyle/>
-                    <a:p>
-                      <a:pPr algn="ctr"/>
-                      <a:r>
-                        <a:rPr lang="el-GR" sz="1400"/>
-                        <a:t>Δ</a:t>
-                      </a:r>
-                      <a:endParaRPr lang="en-US" sz="1400">
-                        <a:solidFill>
-                          <a:schemeClr val="accent2">
-                            <a:lumMod val="75000"/>
-                          </a:schemeClr>
-                        </a:solidFill>
-                      </a:endParaRPr>
-                    </a:p>
-                  </a:txBody>
-                  <a:tcPr marL="0" marR="0" marT="0" marB="0" anchor="ctr"/>
-                </a:tc>
-                <a:tc>
-                  <a:txBody>
-                    <a:bodyPr/>
-                    <a:lstStyle/>
-                    <a:p>
-                      <a:pPr marL="0" marR="0" lvl="0" indent="0" algn="ctr" defTabSz="914400" rtl="0" eaLnBrk="1" fontAlgn="auto" latinLnBrk="0" hangingPunct="1">
-                        <a:lnSpc>
-                          <a:spcPct val="100000"/>
-                        </a:lnSpc>
-                        <a:spcBef>
-                          <a:spcPts val="0"/>
-                        </a:spcBef>
-                        <a:spcAft>
-                          <a:spcPts val="0"/>
-                        </a:spcAft>
-                        <a:buClrTx/>
-                        <a:buSzTx/>
-                        <a:buFontTx/>
-                        <a:buNone/>
-                        <a:tabLst/>
-                        <a:defRPr/>
-                      </a:pPr>
-                      <a:r>
-                        <a:rPr kumimoji="0" lang="en-US" sz="1400" b="0" i="0" u="none" strike="noStrike" kern="1200" cap="none" spc="0" normalizeH="0" baseline="0" noProof="0">
-                          <a:ln>
-                            <a:noFill/>
-                          </a:ln>
-                          <a:solidFill>
-                            <a:prstClr val="black"/>
-                          </a:solidFill>
-                          <a:effectLst/>
-                          <a:uLnTx/>
-                          <a:uFillTx/>
-                          <a:latin typeface="Calibri" panose="020F0502020204030204"/>
-                          <a:ea typeface="+mn-ea"/>
-                          <a:cs typeface="+mn-cs"/>
-                        </a:rPr>
-                        <a:t>O</a:t>
-                      </a:r>
-                    </a:p>
-                  </a:txBody>
-                  <a:tcPr marL="0" marR="0" marT="0" marB="0" anchor="ctr"/>
-                </a:tc>
-                <a:tc>
-                  <a:txBody>
-                    <a:bodyPr/>
-                    <a:lstStyle/>
-                    <a:p>
-                      <a:pPr marL="0" marR="0" lvl="0" indent="0" algn="ctr" defTabSz="914400" rtl="0" eaLnBrk="1" fontAlgn="auto" latinLnBrk="0" hangingPunct="1">
-                        <a:lnSpc>
-                          <a:spcPct val="100000"/>
-                        </a:lnSpc>
-                        <a:spcBef>
-                          <a:spcPts val="0"/>
-                        </a:spcBef>
-                        <a:spcAft>
-                          <a:spcPts val="0"/>
-                        </a:spcAft>
-                        <a:buClrTx/>
-                        <a:buSzTx/>
-                        <a:buFontTx/>
-                        <a:buNone/>
-                        <a:tabLst/>
-                        <a:defRPr/>
-                      </a:pPr>
-                      <a:r>
-                        <a:rPr kumimoji="0" lang="en-US" sz="1400" b="0" i="0" u="none" strike="noStrike" kern="1200" cap="none" spc="0" normalizeH="0" baseline="0" noProof="0">
-                          <a:ln>
-                            <a:noFill/>
-                          </a:ln>
-                          <a:solidFill>
-                            <a:prstClr val="black"/>
-                          </a:solidFill>
-                          <a:effectLst/>
-                          <a:uLnTx/>
-                          <a:uFillTx/>
-                          <a:latin typeface="Calibri" panose="020F0502020204030204"/>
-                          <a:ea typeface="+mn-ea"/>
-                          <a:cs typeface="+mn-cs"/>
-                        </a:rPr>
-                        <a:t>O</a:t>
-                      </a:r>
-                    </a:p>
-                  </a:txBody>
-                  <a:tcPr marL="0" marR="0" marT="0" marB="0" anchor="ctr"/>
-                </a:tc>
-                <a:tc>
-                  <a:txBody>
-                    <a:bodyPr/>
-                    <a:lstStyle/>
-                    <a:p>
-                      <a:pPr marL="0" marR="0" lvl="0" indent="0" algn="ctr" defTabSz="914400" rtl="0" eaLnBrk="1" fontAlgn="auto" latinLnBrk="0" hangingPunct="1">
-                        <a:lnSpc>
-                          <a:spcPct val="100000"/>
-                        </a:lnSpc>
-                        <a:spcBef>
-                          <a:spcPts val="0"/>
-                        </a:spcBef>
-                        <a:spcAft>
-                          <a:spcPts val="0"/>
-                        </a:spcAft>
-                        <a:buClrTx/>
-                        <a:buSzTx/>
-                        <a:buFontTx/>
-                        <a:buNone/>
-                        <a:tabLst/>
-                        <a:defRPr/>
-                      </a:pPr>
-                      <a:r>
-                        <a:rPr lang="en-US" sz="1400"/>
-                        <a:t>X</a:t>
-                      </a:r>
-                    </a:p>
-                  </a:txBody>
-                  <a:tcPr marL="0" marR="0" marT="0" marB="0" anchor="ctr"/>
-                </a:tc>
-                <a:tc>
-                  <a:txBody>
-                    <a:bodyPr/>
-                    <a:lstStyle/>
-                    <a:p>
-                      <a:pPr marL="0" marR="0" lvl="0" indent="0" algn="ctr" defTabSz="914400" rtl="0" eaLnBrk="1" fontAlgn="auto" latinLnBrk="0" hangingPunct="1">
-                        <a:lnSpc>
-                          <a:spcPct val="100000"/>
-                        </a:lnSpc>
-                        <a:spcBef>
-                          <a:spcPts val="0"/>
-                        </a:spcBef>
-                        <a:spcAft>
-                          <a:spcPts val="0"/>
-                        </a:spcAft>
-                        <a:buClrTx/>
-                        <a:buSzTx/>
-                        <a:buFontTx/>
-                        <a:buNone/>
-                        <a:tabLst/>
-                        <a:defRPr/>
-                      </a:pPr>
-                      <a:r>
-                        <a:rPr lang="en-US" sz="1400"/>
-                        <a:t>X</a:t>
-                      </a:r>
-                    </a:p>
-                  </a:txBody>
-                  <a:tcPr marL="0" marR="0" marT="0" marB="0" anchor="ctr"/>
-                </a:tc>
-                <a:tc>
-                  <a:txBody>
-                    <a:bodyPr/>
-                    <a:lstStyle/>
-                    <a:p>
-                      <a:pPr marL="0" marR="0" lvl="0" indent="0" algn="ctr" defTabSz="914400" rtl="0" eaLnBrk="1" fontAlgn="auto" latinLnBrk="0" hangingPunct="1">
-                        <a:lnSpc>
-                          <a:spcPct val="100000"/>
-                        </a:lnSpc>
-                        <a:spcBef>
-                          <a:spcPts val="0"/>
-                        </a:spcBef>
-                        <a:spcAft>
-                          <a:spcPts val="0"/>
-                        </a:spcAft>
-                        <a:buClrTx/>
-                        <a:buSzTx/>
-                        <a:buFontTx/>
-                        <a:buNone/>
-                        <a:tabLst/>
-                        <a:defRPr/>
-                      </a:pPr>
-                      <a:r>
-                        <a:rPr kumimoji="0" lang="en-US" sz="1400" b="1" i="0" u="none" strike="noStrike" kern="1200" cap="none" spc="0" normalizeH="0" baseline="0" noProof="0" dirty="0">
-                          <a:ln>
-                            <a:noFill/>
-                          </a:ln>
-                          <a:solidFill>
-                            <a:schemeClr val="accent2">
-                              <a:lumMod val="75000"/>
-                            </a:schemeClr>
-                          </a:solidFill>
-                          <a:effectLst/>
-                          <a:uLnTx/>
-                          <a:uFillTx/>
-                          <a:latin typeface="Calibri" panose="020F0502020204030204"/>
-                          <a:ea typeface="+mn-ea"/>
-                          <a:cs typeface="+mn-cs"/>
-                        </a:rPr>
-                        <a:t>O</a:t>
-                      </a:r>
-                    </a:p>
-                  </a:txBody>
-                  <a:tcPr marL="0" marR="0" marT="0" marB="0" anchor="ctr"/>
-                </a:tc>
-                <a:tc>
-                  <a:txBody>
-                    <a:bodyPr/>
-                    <a:lstStyle/>
-                    <a:p>
-                      <a:pPr marL="0" marR="0" lvl="0" indent="0" algn="ctr" defTabSz="914400" rtl="0" eaLnBrk="1" fontAlgn="auto" latinLnBrk="0" hangingPunct="1">
-                        <a:lnSpc>
-                          <a:spcPct val="100000"/>
-                        </a:lnSpc>
-                        <a:spcBef>
-                          <a:spcPts val="0"/>
-                        </a:spcBef>
-                        <a:spcAft>
-                          <a:spcPts val="0"/>
-                        </a:spcAft>
-                        <a:buClrTx/>
-                        <a:buSzTx/>
-                        <a:buFontTx/>
-                        <a:buNone/>
-                        <a:tabLst/>
-                        <a:defRPr/>
-                      </a:pPr>
-                      <a:r>
-                        <a:rPr kumimoji="0" lang="en-US" sz="1400" b="1" i="0" u="none" strike="noStrike" kern="1200" cap="none" spc="0" normalizeH="0" baseline="0" noProof="0" dirty="0">
-                          <a:ln>
-                            <a:noFill/>
-                          </a:ln>
-                          <a:solidFill>
-                            <a:schemeClr val="accent2">
-                              <a:lumMod val="75000"/>
-                            </a:schemeClr>
-                          </a:solidFill>
-                          <a:effectLst/>
-                          <a:uLnTx/>
-                          <a:uFillTx/>
-                          <a:latin typeface="Calibri" panose="020F0502020204030204"/>
-                          <a:ea typeface="+mn-ea"/>
-                          <a:cs typeface="+mn-cs"/>
-                        </a:rPr>
-                        <a:t>O</a:t>
-                      </a:r>
-                    </a:p>
-                  </a:txBody>
-                  <a:tcPr marL="0" marR="0" marT="0" marB="0" anchor="ctr"/>
-                </a:tc>
-                <a:tc>
-                  <a:txBody>
-                    <a:bodyPr/>
-                    <a:lstStyle/>
-                    <a:p>
-                      <a:pPr marL="0" marR="0" lvl="0" indent="0" algn="ctr" defTabSz="914400" rtl="0" eaLnBrk="1" fontAlgn="auto" latinLnBrk="0" hangingPunct="1">
-                        <a:lnSpc>
-                          <a:spcPct val="100000"/>
-                        </a:lnSpc>
-                        <a:spcBef>
-                          <a:spcPts val="0"/>
-                        </a:spcBef>
-                        <a:spcAft>
-                          <a:spcPts val="0"/>
-                        </a:spcAft>
-                        <a:buClrTx/>
-                        <a:buSzTx/>
-                        <a:buFontTx/>
-                        <a:buNone/>
-                        <a:tabLst/>
-                        <a:defRPr/>
-                      </a:pPr>
-                      <a:r>
-                        <a:rPr kumimoji="0" lang="en-US" sz="1400" b="1" i="0" u="none" strike="noStrike" kern="1200" cap="none" spc="0" normalizeH="0" baseline="0" noProof="0" dirty="0">
-                          <a:ln>
-                            <a:noFill/>
-                          </a:ln>
-                          <a:solidFill>
-                            <a:schemeClr val="accent2">
-                              <a:lumMod val="75000"/>
-                            </a:schemeClr>
-                          </a:solidFill>
-                          <a:effectLst/>
-                          <a:uLnTx/>
-                          <a:uFillTx/>
-                          <a:latin typeface="Calibri" panose="020F0502020204030204"/>
-                          <a:ea typeface="+mn-ea"/>
-                          <a:cs typeface="+mn-cs"/>
-                        </a:rPr>
-                        <a:t>O</a:t>
-                      </a:r>
-                    </a:p>
-                  </a:txBody>
-                  <a:tcPr marL="0" marR="0" marT="0" marB="0" anchor="ctr"/>
-                </a:tc>
-                <a:tc>
-                  <a:txBody>
-                    <a:bodyPr/>
-                    <a:lstStyle/>
-                    <a:p>
-                      <a:pPr marL="0" marR="0" lvl="0" indent="0" algn="ctr" defTabSz="914400" rtl="0" eaLnBrk="1" fontAlgn="auto" latinLnBrk="0" hangingPunct="1">
-                        <a:lnSpc>
-                          <a:spcPct val="100000"/>
-                        </a:lnSpc>
-                        <a:spcBef>
-                          <a:spcPts val="0"/>
-                        </a:spcBef>
-                        <a:spcAft>
-                          <a:spcPts val="0"/>
-                        </a:spcAft>
-                        <a:buClrTx/>
-                        <a:buSzTx/>
-                        <a:buFontTx/>
-                        <a:buNone/>
-                        <a:tabLst/>
-                        <a:defRPr/>
-                      </a:pPr>
-                      <a:r>
-                        <a:rPr kumimoji="0" lang="en-US" sz="1400" b="1" i="0" u="none" strike="noStrike" kern="1200" cap="none" spc="0" normalizeH="0" baseline="0" noProof="0" dirty="0">
-                          <a:ln>
-                            <a:noFill/>
-                          </a:ln>
-                          <a:solidFill>
-                            <a:schemeClr val="accent2">
-                              <a:lumMod val="75000"/>
-                            </a:schemeClr>
-                          </a:solidFill>
-                          <a:effectLst/>
-                          <a:uLnTx/>
-                          <a:uFillTx/>
-                          <a:latin typeface="Calibri" panose="020F0502020204030204"/>
-                          <a:ea typeface="+mn-ea"/>
-                          <a:cs typeface="+mn-cs"/>
-                        </a:rPr>
-                        <a:t>O</a:t>
-                      </a:r>
-                    </a:p>
-                  </a:txBody>
-                  <a:tcPr marL="0" marR="0" marT="0" marB="0" anchor="ctr"/>
-                </a:tc>
-                <a:tc>
-                  <a:txBody>
-                    <a:bodyPr/>
-                    <a:lstStyle/>
-                    <a:p>
-                      <a:pPr marL="0" marR="0" lvl="0" indent="0" algn="ctr" defTabSz="914400" rtl="0" eaLnBrk="1" fontAlgn="auto" latinLnBrk="0" hangingPunct="1">
-                        <a:lnSpc>
-                          <a:spcPct val="100000"/>
-                        </a:lnSpc>
-                        <a:spcBef>
-                          <a:spcPts val="0"/>
-                        </a:spcBef>
-                        <a:spcAft>
-                          <a:spcPts val="0"/>
-                        </a:spcAft>
-                        <a:buClrTx/>
-                        <a:buSzTx/>
-                        <a:buFontTx/>
-                        <a:buNone/>
-                        <a:tabLst/>
-                        <a:defRPr/>
-                      </a:pPr>
-                      <a:r>
-                        <a:rPr kumimoji="0" lang="en-US" sz="1400" b="1" i="0" u="none" strike="noStrike" kern="1200" cap="none" spc="0" normalizeH="0" baseline="0" noProof="0" dirty="0">
-                          <a:ln>
-                            <a:noFill/>
-                          </a:ln>
-                          <a:solidFill>
-                            <a:schemeClr val="accent2">
-                              <a:lumMod val="75000"/>
-                            </a:schemeClr>
-                          </a:solidFill>
-                          <a:effectLst/>
-                          <a:uLnTx/>
-                          <a:uFillTx/>
-                          <a:latin typeface="Calibri" panose="020F0502020204030204"/>
-                          <a:ea typeface="+mn-ea"/>
-                          <a:cs typeface="+mn-cs"/>
-                        </a:rPr>
-                        <a:t>O</a:t>
-                      </a:r>
-                    </a:p>
-                  </a:txBody>
-                  <a:tcPr marL="0" marR="0" marT="0" marB="0" anchor="ctr"/>
-                </a:tc>
-                <a:tc>
-                  <a:txBody>
-                    <a:bodyPr/>
-                    <a:lstStyle/>
-                    <a:p>
-                      <a:pPr algn="ctr"/>
-                      <a:endParaRPr lang="en-US" sz="1400">
-                        <a:solidFill>
-                          <a:schemeClr val="accent2">
-                            <a:lumMod val="75000"/>
-                          </a:schemeClr>
-                        </a:solidFill>
-                      </a:endParaRPr>
-                    </a:p>
-                  </a:txBody>
-                  <a:tcPr marL="0" marR="0" marT="0" marB="0" anchor="ctr"/>
-                </a:tc>
-                <a:tc>
-                  <a:txBody>
-                    <a:bodyPr/>
-                    <a:lstStyle/>
-                    <a:p>
-                      <a:pPr algn="ctr"/>
-                      <a:endParaRPr lang="en-US" sz="1400">
-                        <a:solidFill>
-                          <a:schemeClr val="accent2">
-                            <a:lumMod val="75000"/>
-                          </a:schemeClr>
-                        </a:solidFill>
-                      </a:endParaRPr>
-                    </a:p>
-                  </a:txBody>
-                  <a:tcPr marL="0" marR="0" marT="0" marB="0" anchor="ctr"/>
-                </a:tc>
-                <a:tc>
-                  <a:txBody>
-                    <a:bodyPr/>
-                    <a:lstStyle/>
-                    <a:p>
-                      <a:pPr algn="ctr"/>
-                      <a:endParaRPr lang="en-US" sz="1400">
-                        <a:solidFill>
-                          <a:schemeClr val="accent2">
-                            <a:lumMod val="75000"/>
-                          </a:schemeClr>
-                        </a:solidFill>
-                      </a:endParaRPr>
-                    </a:p>
-                  </a:txBody>
-                  <a:tcPr marL="0" marR="0" marT="0" marB="0" anchor="ctr"/>
-                </a:tc>
-                <a:tc>
-                  <a:txBody>
-                    <a:bodyPr/>
-                    <a:lstStyle/>
-                    <a:p>
-                      <a:pPr algn="ctr"/>
-                      <a:endParaRPr lang="en-US" sz="1400">
-                        <a:solidFill>
-                          <a:schemeClr val="accent2">
-                            <a:lumMod val="75000"/>
-                          </a:schemeClr>
-                        </a:solidFill>
-                      </a:endParaRPr>
-                    </a:p>
-                  </a:txBody>
-                  <a:tcPr marL="0" marR="0" marT="0" marB="0" anchor="ctr"/>
-                </a:tc>
-                <a:tc>
-                  <a:txBody>
-                    <a:bodyPr/>
-                    <a:lstStyle/>
-                    <a:p>
-                      <a:pPr algn="ctr"/>
-                      <a:endParaRPr lang="en-US" sz="1400">
-                        <a:solidFill>
-                          <a:schemeClr val="accent2">
-                            <a:lumMod val="75000"/>
-                          </a:schemeClr>
-                        </a:solidFill>
-                      </a:endParaRPr>
-                    </a:p>
-                  </a:txBody>
-                  <a:tcPr marL="0" marR="0" marT="0" marB="0" anchor="ctr"/>
-                </a:tc>
-                <a:tc>
-                  <a:txBody>
-                    <a:bodyPr/>
-                    <a:lstStyle/>
-                    <a:p>
-                      <a:pPr algn="ctr"/>
-                      <a:endParaRPr lang="en-US" sz="1400">
-                        <a:solidFill>
-                          <a:schemeClr val="accent2">
-                            <a:lumMod val="75000"/>
-                          </a:schemeClr>
-                        </a:solidFill>
-                      </a:endParaRPr>
-                    </a:p>
-                  </a:txBody>
-                  <a:tcPr marL="0" marR="0" marT="0" marB="0" anchor="ctr"/>
-                </a:tc>
-                <a:tc>
-                  <a:txBody>
-                    <a:bodyPr/>
-                    <a:lstStyle/>
-                    <a:p>
-                      <a:pPr algn="ctr"/>
-                      <a:endParaRPr lang="en-US" sz="1400">
-                        <a:solidFill>
-                          <a:schemeClr val="accent2">
-                            <a:lumMod val="75000"/>
-                          </a:schemeClr>
-                        </a:solidFill>
-                      </a:endParaRPr>
-                    </a:p>
-                  </a:txBody>
-                  <a:tcPr marL="0" marR="0" marT="0" marB="0" anchor="ctr"/>
-                </a:tc>
-                <a:tc>
-                  <a:txBody>
-                    <a:bodyPr/>
-                    <a:lstStyle/>
-                    <a:p>
-                      <a:pPr algn="ctr"/>
-                      <a:endParaRPr lang="en-US" sz="1400">
-                        <a:solidFill>
-                          <a:schemeClr val="accent2">
-                            <a:lumMod val="75000"/>
-                          </a:schemeClr>
-                        </a:solidFill>
-                      </a:endParaRPr>
-                    </a:p>
-                  </a:txBody>
-                  <a:tcPr marL="0" marR="0" marT="0" marB="0" anchor="ctr"/>
-                </a:tc>
-                <a:tc>
-                  <a:txBody>
-                    <a:bodyPr/>
-                    <a:lstStyle/>
-                    <a:p>
-                      <a:pPr algn="ctr"/>
-                      <a:endParaRPr lang="en-US" sz="1400">
-                        <a:solidFill>
-                          <a:schemeClr val="accent2">
-                            <a:lumMod val="75000"/>
-                          </a:schemeClr>
-                        </a:solidFill>
-                      </a:endParaRPr>
-                    </a:p>
-                  </a:txBody>
-                  <a:tcPr marL="0" marR="0" marT="0" marB="0" anchor="ctr"/>
-                </a:tc>
-                <a:tc>
-                  <a:txBody>
-                    <a:bodyPr/>
-                    <a:lstStyle/>
-                    <a:p>
-                      <a:pPr algn="ctr"/>
-                      <a:endParaRPr lang="en-US" sz="1400">
-                        <a:solidFill>
-                          <a:schemeClr val="accent2">
-                            <a:lumMod val="75000"/>
-                          </a:schemeClr>
-                        </a:solidFill>
-                      </a:endParaRPr>
-                    </a:p>
-                  </a:txBody>
-                  <a:tcPr marL="0" marR="0" marT="0" marB="0" anchor="ctr"/>
-                </a:tc>
-                <a:extLst>
-                  <a:ext uri="{0D108BD9-81ED-4DB2-BD59-A6C34878D82A}">
-                    <a16:rowId xmlns:a16="http://schemas.microsoft.com/office/drawing/2014/main" val="337826805"/>
-                  </a:ext>
-                </a:extLst>
-              </a:tr>
-              <a:tr h="512232">
-                <a:tc>
-                  <a:txBody>
-                    <a:bodyPr/>
-                    <a:lstStyle/>
-                    <a:p>
-                      <a:pPr algn="ctr"/>
-                      <a:r>
-                        <a:rPr lang="en-US" sz="1400"/>
-                        <a:t>C</a:t>
-                      </a:r>
-                    </a:p>
-                  </a:txBody>
-                  <a:tcPr marL="0" marR="0" marT="0" marB="0" anchor="ctr"/>
-                </a:tc>
-                <a:tc>
-                  <a:txBody>
-                    <a:bodyPr/>
-                    <a:lstStyle/>
-                    <a:p>
-                      <a:pPr algn="ctr"/>
-                      <a:r>
-                        <a:rPr lang="ko-KR" altLang="en-US" sz="1400"/>
-                        <a:t>김자경</a:t>
-                      </a:r>
-                      <a:endParaRPr lang="en-US" sz="1400"/>
-                    </a:p>
-                  </a:txBody>
-                  <a:tcPr marL="0" marR="0" marT="0" marB="0" anchor="ctr"/>
-                </a:tc>
-                <a:tc>
-                  <a:txBody>
-                    <a:bodyPr/>
-                    <a:lstStyle/>
-                    <a:p>
-                      <a:pPr marL="0" marR="0" lvl="0" indent="0" algn="ctr" defTabSz="914400" rtl="0" eaLnBrk="1" fontAlgn="auto" latinLnBrk="0" hangingPunct="1">
-                        <a:lnSpc>
-                          <a:spcPct val="100000"/>
-                        </a:lnSpc>
-                        <a:spcBef>
-                          <a:spcPts val="0"/>
-                        </a:spcBef>
-                        <a:spcAft>
-                          <a:spcPts val="0"/>
-                        </a:spcAft>
-                        <a:buClrTx/>
-                        <a:buSzTx/>
-                        <a:buFontTx/>
-                        <a:buNone/>
-                        <a:tabLst/>
-                        <a:defRPr/>
-                      </a:pPr>
-                      <a:r>
-                        <a:rPr kumimoji="0" lang="en-US" sz="1400" b="0" i="0" u="none" strike="noStrike" kern="1200" cap="none" spc="0" normalizeH="0" baseline="0" noProof="0">
-                          <a:ln>
-                            <a:noFill/>
-                          </a:ln>
-                          <a:solidFill>
-                            <a:prstClr val="black"/>
-                          </a:solidFill>
-                          <a:effectLst/>
-                          <a:uLnTx/>
-                          <a:uFillTx/>
-                          <a:latin typeface="Calibri" panose="020F0502020204030204"/>
-                          <a:ea typeface="+mn-ea"/>
-                          <a:cs typeface="+mn-cs"/>
-                        </a:rPr>
-                        <a:t>O</a:t>
-                      </a:r>
-                    </a:p>
-                  </a:txBody>
-                  <a:tcPr marL="0" marR="0" marT="0" marB="0" anchor="ctr"/>
-                </a:tc>
-                <a:tc>
-                  <a:txBody>
-                    <a:bodyPr/>
-                    <a:lstStyle/>
-                    <a:p>
-                      <a:pPr marL="0" marR="0" lvl="0" indent="0" algn="ctr" defTabSz="914400" rtl="0" eaLnBrk="1" fontAlgn="auto" latinLnBrk="0" hangingPunct="1">
-                        <a:lnSpc>
-                          <a:spcPct val="100000"/>
-                        </a:lnSpc>
-                        <a:spcBef>
-                          <a:spcPts val="0"/>
-                        </a:spcBef>
-                        <a:spcAft>
-                          <a:spcPts val="0"/>
-                        </a:spcAft>
-                        <a:buClrTx/>
-                        <a:buSzTx/>
-                        <a:buFontTx/>
-                        <a:buNone/>
-                        <a:tabLst/>
-                        <a:defRPr/>
-                      </a:pPr>
-                      <a:r>
-                        <a:rPr kumimoji="0" lang="en-US" sz="1400" b="0" i="0" u="none" strike="noStrike" kern="1200" cap="none" spc="0" normalizeH="0" baseline="0" noProof="0">
-                          <a:ln>
-                            <a:noFill/>
-                          </a:ln>
-                          <a:solidFill>
-                            <a:prstClr val="black"/>
-                          </a:solidFill>
-                          <a:effectLst/>
-                          <a:uLnTx/>
-                          <a:uFillTx/>
-                          <a:latin typeface="Calibri" panose="020F0502020204030204"/>
-                          <a:ea typeface="+mn-ea"/>
-                          <a:cs typeface="+mn-cs"/>
-                        </a:rPr>
-                        <a:t>O</a:t>
-                      </a:r>
-                    </a:p>
-                  </a:txBody>
-                  <a:tcPr marL="0" marR="0" marT="0" marB="0" anchor="ctr"/>
-                </a:tc>
-                <a:tc>
-                  <a:txBody>
-                    <a:bodyPr/>
-                    <a:lstStyle/>
-                    <a:p>
-                      <a:pPr marL="0" marR="0" lvl="0" indent="0" algn="ctr" defTabSz="914400" rtl="0" eaLnBrk="1" fontAlgn="auto" latinLnBrk="0" hangingPunct="1">
-                        <a:lnSpc>
-                          <a:spcPct val="100000"/>
-                        </a:lnSpc>
-                        <a:spcBef>
-                          <a:spcPts val="0"/>
-                        </a:spcBef>
-                        <a:spcAft>
-                          <a:spcPts val="0"/>
-                        </a:spcAft>
-                        <a:buClrTx/>
-                        <a:buSzTx/>
-                        <a:buFontTx/>
-                        <a:buNone/>
-                        <a:tabLst/>
-                        <a:defRPr/>
-                      </a:pPr>
-                      <a:r>
-                        <a:rPr kumimoji="0" lang="en-US" sz="1400" b="0" i="0" u="none" strike="noStrike" kern="1200" cap="none" spc="0" normalizeH="0" baseline="0" noProof="0">
-                          <a:ln>
-                            <a:noFill/>
-                          </a:ln>
-                          <a:solidFill>
-                            <a:prstClr val="black"/>
-                          </a:solidFill>
-                          <a:effectLst/>
-                          <a:uLnTx/>
-                          <a:uFillTx/>
-                          <a:latin typeface="Calibri" panose="020F0502020204030204"/>
-                          <a:ea typeface="+mn-ea"/>
-                          <a:cs typeface="+mn-cs"/>
-                        </a:rPr>
-                        <a:t>O</a:t>
-                      </a:r>
-                    </a:p>
-                  </a:txBody>
-                  <a:tcPr marL="0" marR="0" marT="0" marB="0" anchor="ctr"/>
-                </a:tc>
-                <a:tc>
-                  <a:txBody>
-                    <a:bodyPr/>
-                    <a:lstStyle/>
-                    <a:p>
-                      <a:pPr marL="0" marR="0" lvl="0" indent="0" algn="ctr" defTabSz="914400" rtl="0" eaLnBrk="1" fontAlgn="auto" latinLnBrk="0" hangingPunct="1">
-                        <a:lnSpc>
-                          <a:spcPct val="100000"/>
-                        </a:lnSpc>
-                        <a:spcBef>
-                          <a:spcPts val="0"/>
-                        </a:spcBef>
-                        <a:spcAft>
-                          <a:spcPts val="0"/>
-                        </a:spcAft>
-                        <a:buClrTx/>
-                        <a:buSzTx/>
-                        <a:buFontTx/>
-                        <a:buNone/>
-                        <a:tabLst/>
-                        <a:defRPr/>
-                      </a:pPr>
-                      <a:r>
-                        <a:rPr kumimoji="0" lang="en-US" sz="1400" b="0" i="0" u="none" strike="noStrike" kern="1200" cap="none" spc="0" normalizeH="0" baseline="0" noProof="0">
-                          <a:ln>
-                            <a:noFill/>
-                          </a:ln>
-                          <a:solidFill>
-                            <a:prstClr val="black"/>
-                          </a:solidFill>
-                          <a:effectLst/>
-                          <a:uLnTx/>
-                          <a:uFillTx/>
-                          <a:latin typeface="Calibri" panose="020F0502020204030204"/>
-                          <a:ea typeface="+mn-ea"/>
-                          <a:cs typeface="+mn-cs"/>
-                        </a:rPr>
-                        <a:t>O</a:t>
-                      </a:r>
-                    </a:p>
-                  </a:txBody>
-                  <a:tcPr marL="0" marR="0" marT="0" marB="0" anchor="ctr"/>
-                </a:tc>
-                <a:tc>
-                  <a:txBody>
-                    <a:bodyPr/>
-                    <a:lstStyle/>
-                    <a:p>
-                      <a:pPr marL="0" marR="0" lvl="0" indent="0" algn="ctr" defTabSz="914400" rtl="0" eaLnBrk="1" fontAlgn="auto" latinLnBrk="0" hangingPunct="1">
-                        <a:lnSpc>
-                          <a:spcPct val="100000"/>
-                        </a:lnSpc>
-                        <a:spcBef>
-                          <a:spcPts val="0"/>
-                        </a:spcBef>
-                        <a:spcAft>
-                          <a:spcPts val="0"/>
-                        </a:spcAft>
-                        <a:buClrTx/>
-                        <a:buSzTx/>
-                        <a:buFontTx/>
-                        <a:buNone/>
-                        <a:tabLst/>
-                        <a:defRPr/>
-                      </a:pPr>
-                      <a:r>
-                        <a:rPr kumimoji="0" lang="en-US" sz="1400" b="0" i="0" u="none" strike="noStrike" kern="1200" cap="none" spc="0" normalizeH="0" baseline="0" noProof="0">
-                          <a:ln>
-                            <a:noFill/>
-                          </a:ln>
-                          <a:solidFill>
-                            <a:prstClr val="black"/>
-                          </a:solidFill>
-                          <a:effectLst/>
-                          <a:uLnTx/>
-                          <a:uFillTx/>
-                          <a:latin typeface="Calibri" panose="020F0502020204030204"/>
-                          <a:ea typeface="+mn-ea"/>
-                          <a:cs typeface="+mn-cs"/>
-                        </a:rPr>
-                        <a:t>O</a:t>
-                      </a:r>
-                    </a:p>
-                  </a:txBody>
-                  <a:tcPr marL="0" marR="0" marT="0" marB="0" anchor="ctr"/>
-                </a:tc>
-                <a:tc>
-                  <a:txBody>
-                    <a:bodyPr/>
-                    <a:lstStyle/>
-                    <a:p>
-                      <a:pPr marL="0" marR="0" lvl="0" indent="0" algn="ctr" defTabSz="914400" rtl="0" eaLnBrk="1" fontAlgn="auto" latinLnBrk="0" hangingPunct="1">
-                        <a:lnSpc>
-                          <a:spcPct val="100000"/>
-                        </a:lnSpc>
-                        <a:spcBef>
-                          <a:spcPts val="0"/>
-                        </a:spcBef>
-                        <a:spcAft>
-                          <a:spcPts val="0"/>
-                        </a:spcAft>
-                        <a:buClrTx/>
-                        <a:buSzTx/>
-                        <a:buFontTx/>
-                        <a:buNone/>
-                        <a:tabLst/>
-                        <a:defRPr/>
-                      </a:pPr>
-                      <a:r>
-                        <a:rPr kumimoji="0" lang="en-US" sz="1400" b="1" i="0" u="none" strike="noStrike" kern="1200" cap="none" spc="0" normalizeH="0" baseline="0" noProof="0" dirty="0">
-                          <a:ln>
-                            <a:noFill/>
-                          </a:ln>
-                          <a:solidFill>
-                            <a:schemeClr val="accent2">
-                              <a:lumMod val="75000"/>
-                            </a:schemeClr>
-                          </a:solidFill>
-                          <a:effectLst/>
-                          <a:uLnTx/>
-                          <a:uFillTx/>
-                          <a:latin typeface="Calibri" panose="020F0502020204030204"/>
-                          <a:ea typeface="+mn-ea"/>
-                          <a:cs typeface="+mn-cs"/>
-                        </a:rPr>
-                        <a:t>O</a:t>
-                      </a:r>
-                    </a:p>
-                  </a:txBody>
-                  <a:tcPr marL="0" marR="0" marT="0" marB="0" anchor="ctr"/>
-                </a:tc>
-                <a:tc>
-                  <a:txBody>
-                    <a:bodyPr/>
-                    <a:lstStyle/>
-                    <a:p>
-                      <a:pPr marL="0" marR="0" lvl="0" indent="0" algn="ctr" defTabSz="914400" rtl="0" eaLnBrk="1" fontAlgn="auto" latinLnBrk="0" hangingPunct="1">
-                        <a:lnSpc>
-                          <a:spcPct val="100000"/>
-                        </a:lnSpc>
-                        <a:spcBef>
-                          <a:spcPts val="0"/>
-                        </a:spcBef>
-                        <a:spcAft>
-                          <a:spcPts val="0"/>
-                        </a:spcAft>
-                        <a:buClrTx/>
-                        <a:buSzTx/>
-                        <a:buFontTx/>
-                        <a:buNone/>
-                        <a:tabLst/>
-                        <a:defRPr/>
-                      </a:pPr>
-                      <a:r>
-                        <a:rPr kumimoji="0" lang="en-US" sz="1400" b="1" i="0" u="none" strike="noStrike" kern="1200" cap="none" spc="0" normalizeH="0" baseline="0" noProof="0" dirty="0">
-                          <a:ln>
-                            <a:noFill/>
-                          </a:ln>
-                          <a:solidFill>
-                            <a:schemeClr val="accent2">
-                              <a:lumMod val="75000"/>
-                            </a:schemeClr>
-                          </a:solidFill>
-                          <a:effectLst/>
-                          <a:uLnTx/>
-                          <a:uFillTx/>
-                          <a:latin typeface="Calibri" panose="020F0502020204030204"/>
-                          <a:ea typeface="+mn-ea"/>
-                          <a:cs typeface="+mn-cs"/>
-                        </a:rPr>
-                        <a:t>O</a:t>
-                      </a:r>
-                    </a:p>
-                  </a:txBody>
-                  <a:tcPr marL="0" marR="0" marT="0" marB="0" anchor="ctr"/>
-                </a:tc>
-                <a:tc>
-                  <a:txBody>
-                    <a:bodyPr/>
-                    <a:lstStyle/>
-                    <a:p>
-                      <a:pPr marL="0" marR="0" lvl="0" indent="0" algn="ctr" defTabSz="914400" rtl="0" eaLnBrk="1" fontAlgn="auto" latinLnBrk="0" hangingPunct="1">
-                        <a:lnSpc>
-                          <a:spcPct val="100000"/>
-                        </a:lnSpc>
-                        <a:spcBef>
-                          <a:spcPts val="0"/>
-                        </a:spcBef>
-                        <a:spcAft>
-                          <a:spcPts val="0"/>
-                        </a:spcAft>
-                        <a:buClrTx/>
-                        <a:buSzTx/>
-                        <a:buFontTx/>
-                        <a:buNone/>
-                        <a:tabLst/>
-                        <a:defRPr/>
-                      </a:pPr>
-                      <a:r>
-                        <a:rPr kumimoji="0" lang="en-US" sz="1400" b="1" i="0" u="none" strike="noStrike" kern="1200" cap="none" spc="0" normalizeH="0" baseline="0" noProof="0" dirty="0">
-                          <a:ln>
-                            <a:noFill/>
-                          </a:ln>
-                          <a:solidFill>
-                            <a:schemeClr val="accent2">
-                              <a:lumMod val="75000"/>
-                            </a:schemeClr>
-                          </a:solidFill>
-                          <a:effectLst/>
-                          <a:uLnTx/>
-                          <a:uFillTx/>
-                          <a:latin typeface="Calibri" panose="020F0502020204030204"/>
-                          <a:ea typeface="+mn-ea"/>
-                          <a:cs typeface="+mn-cs"/>
-                        </a:rPr>
-                        <a:t>O</a:t>
-                      </a:r>
-                    </a:p>
-                  </a:txBody>
-                  <a:tcPr marL="0" marR="0" marT="0" marB="0" anchor="ctr"/>
-                </a:tc>
-                <a:tc>
-                  <a:txBody>
-                    <a:bodyPr/>
-                    <a:lstStyle/>
-                    <a:p>
-                      <a:pPr marL="0" marR="0" lvl="0" indent="0" algn="ctr" defTabSz="914400" rtl="0" eaLnBrk="1" fontAlgn="auto" latinLnBrk="0" hangingPunct="1">
-                        <a:lnSpc>
-                          <a:spcPct val="100000"/>
-                        </a:lnSpc>
-                        <a:spcBef>
-                          <a:spcPts val="0"/>
-                        </a:spcBef>
-                        <a:spcAft>
-                          <a:spcPts val="0"/>
-                        </a:spcAft>
-                        <a:buClrTx/>
-                        <a:buSzTx/>
-                        <a:buFontTx/>
-                        <a:buNone/>
-                        <a:tabLst/>
-                        <a:defRPr/>
-                      </a:pPr>
-                      <a:r>
-                        <a:rPr kumimoji="0" lang="en-US" sz="1400" b="1" i="0" u="none" strike="noStrike" kern="1200" cap="none" spc="0" normalizeH="0" baseline="0" noProof="0" dirty="0">
-                          <a:ln>
-                            <a:noFill/>
-                          </a:ln>
-                          <a:solidFill>
-                            <a:schemeClr val="accent2">
-                              <a:lumMod val="75000"/>
-                            </a:schemeClr>
-                          </a:solidFill>
-                          <a:effectLst/>
-                          <a:uLnTx/>
-                          <a:uFillTx/>
-                          <a:latin typeface="Calibri" panose="020F0502020204030204"/>
-                          <a:ea typeface="+mn-ea"/>
-                          <a:cs typeface="+mn-cs"/>
-                        </a:rPr>
-                        <a:t>O</a:t>
-                      </a:r>
-                    </a:p>
-                  </a:txBody>
-                  <a:tcPr marL="0" marR="0" marT="0" marB="0" anchor="ctr"/>
-                </a:tc>
-                <a:tc>
-                  <a:txBody>
-                    <a:bodyPr/>
-                    <a:lstStyle/>
-                    <a:p>
-                      <a:pPr marL="0" marR="0" lvl="0" indent="0" algn="ctr" defTabSz="914400" rtl="0" eaLnBrk="1" fontAlgn="auto" latinLnBrk="0" hangingPunct="1">
-                        <a:lnSpc>
-                          <a:spcPct val="100000"/>
-                        </a:lnSpc>
-                        <a:spcBef>
-                          <a:spcPts val="0"/>
-                        </a:spcBef>
-                        <a:spcAft>
-                          <a:spcPts val="0"/>
-                        </a:spcAft>
-                        <a:buClrTx/>
-                        <a:buSzTx/>
-                        <a:buFontTx/>
-                        <a:buNone/>
-                        <a:tabLst/>
-                        <a:defRPr/>
-                      </a:pPr>
-                      <a:r>
-                        <a:rPr kumimoji="0" lang="en-US" sz="1400" b="1" i="0" u="none" strike="noStrike" kern="1200" cap="none" spc="0" normalizeH="0" baseline="0" noProof="0" dirty="0">
-                          <a:ln>
-                            <a:noFill/>
-                          </a:ln>
-                          <a:solidFill>
-                            <a:schemeClr val="accent2">
-                              <a:lumMod val="75000"/>
-                            </a:schemeClr>
-                          </a:solidFill>
-                          <a:effectLst/>
-                          <a:uLnTx/>
-                          <a:uFillTx/>
-                          <a:latin typeface="Calibri" panose="020F0502020204030204"/>
-                          <a:ea typeface="+mn-ea"/>
-                          <a:cs typeface="+mn-cs"/>
-                        </a:rPr>
-                        <a:t>O</a:t>
-                      </a:r>
-                    </a:p>
-                  </a:txBody>
-                  <a:tcPr marL="0" marR="0" marT="0" marB="0" anchor="ctr"/>
-                </a:tc>
-                <a:tc>
-                  <a:txBody>
-                    <a:bodyPr/>
-                    <a:lstStyle/>
-                    <a:p>
-                      <a:pPr algn="ctr"/>
-                      <a:endParaRPr lang="en-US" sz="1400"/>
-                    </a:p>
-                  </a:txBody>
-                  <a:tcPr marL="0" marR="0" marT="0" marB="0" anchor="ctr"/>
-                </a:tc>
-                <a:tc>
-                  <a:txBody>
-                    <a:bodyPr/>
-                    <a:lstStyle/>
-                    <a:p>
-                      <a:pPr algn="ctr"/>
-                      <a:endParaRPr lang="en-US" sz="1400"/>
-                    </a:p>
-                  </a:txBody>
-                  <a:tcPr marL="0" marR="0" marT="0" marB="0" anchor="ctr"/>
-                </a:tc>
-                <a:tc>
-                  <a:txBody>
-                    <a:bodyPr/>
-                    <a:lstStyle/>
-                    <a:p>
-                      <a:pPr algn="ctr"/>
-                      <a:endParaRPr lang="en-US" sz="1400"/>
-                    </a:p>
-                  </a:txBody>
-                  <a:tcPr marL="0" marR="0" marT="0" marB="0" anchor="ctr"/>
-                </a:tc>
-                <a:tc>
-                  <a:txBody>
-                    <a:bodyPr/>
-                    <a:lstStyle/>
-                    <a:p>
-                      <a:pPr algn="ctr"/>
-                      <a:endParaRPr lang="en-US" sz="1400"/>
-                    </a:p>
-                  </a:txBody>
-                  <a:tcPr marL="0" marR="0" marT="0" marB="0" anchor="ctr"/>
-                </a:tc>
-                <a:tc>
-                  <a:txBody>
-                    <a:bodyPr/>
-                    <a:lstStyle/>
-                    <a:p>
-                      <a:pPr algn="ctr"/>
-                      <a:endParaRPr lang="en-US" sz="1400"/>
-                    </a:p>
-                  </a:txBody>
-                  <a:tcPr marL="0" marR="0" marT="0" marB="0" anchor="ctr"/>
-                </a:tc>
-                <a:tc>
-                  <a:txBody>
-                    <a:bodyPr/>
-                    <a:lstStyle/>
-                    <a:p>
-                      <a:pPr algn="ctr"/>
-                      <a:endParaRPr lang="en-US" sz="1400"/>
-                    </a:p>
-                  </a:txBody>
-                  <a:tcPr marL="0" marR="0" marT="0" marB="0" anchor="ctr"/>
-                </a:tc>
-                <a:tc>
-                  <a:txBody>
-                    <a:bodyPr/>
-                    <a:lstStyle/>
-                    <a:p>
-                      <a:pPr algn="ctr"/>
-                      <a:endParaRPr lang="en-US" sz="1400"/>
-                    </a:p>
-                  </a:txBody>
-                  <a:tcPr marL="0" marR="0" marT="0" marB="0" anchor="ctr"/>
-                </a:tc>
-                <a:tc>
-                  <a:txBody>
-                    <a:bodyPr/>
-                    <a:lstStyle/>
-                    <a:p>
-                      <a:pPr algn="ctr"/>
-                      <a:endParaRPr lang="en-US" sz="1400"/>
-                    </a:p>
-                  </a:txBody>
-                  <a:tcPr marL="0" marR="0" marT="0" marB="0" anchor="ctr"/>
-                </a:tc>
-                <a:tc>
-                  <a:txBody>
-                    <a:bodyPr/>
-                    <a:lstStyle/>
-                    <a:p>
-                      <a:pPr algn="ctr"/>
-                      <a:endParaRPr lang="en-US" sz="1400"/>
-                    </a:p>
-                  </a:txBody>
-                  <a:tcPr marL="0" marR="0" marT="0" marB="0" anchor="ctr"/>
-                </a:tc>
-                <a:tc>
-                  <a:txBody>
-                    <a:bodyPr/>
-                    <a:lstStyle/>
-                    <a:p>
-                      <a:pPr algn="ctr"/>
-                      <a:endParaRPr lang="en-US" sz="1400"/>
-                    </a:p>
-                  </a:txBody>
-                  <a:tcPr marL="0" marR="0" marT="0" marB="0" anchor="ctr"/>
-                </a:tc>
-                <a:extLst>
-                  <a:ext uri="{0D108BD9-81ED-4DB2-BD59-A6C34878D82A}">
-                    <a16:rowId xmlns:a16="http://schemas.microsoft.com/office/drawing/2014/main" val="430785648"/>
-                  </a:ext>
-                </a:extLst>
-              </a:tr>
-              <a:tr h="512232">
-                <a:tc>
-                  <a:txBody>
-                    <a:bodyPr/>
-                    <a:lstStyle/>
-                    <a:p>
-                      <a:pPr algn="ctr"/>
-                      <a:r>
-                        <a:rPr lang="en-US" sz="1400"/>
-                        <a:t>C</a:t>
-                      </a:r>
-                    </a:p>
-                  </a:txBody>
-                  <a:tcPr marL="0" marR="0" marT="0" marB="0" anchor="ctr"/>
-                </a:tc>
-                <a:tc>
-                  <a:txBody>
-                    <a:bodyPr/>
-                    <a:lstStyle/>
-                    <a:p>
-                      <a:pPr algn="ctr"/>
-                      <a:r>
-                        <a:rPr lang="ko-KR" altLang="en-US" sz="1400"/>
-                        <a:t>박영세</a:t>
-                      </a:r>
-                      <a:endParaRPr lang="en-US" sz="1400"/>
-                    </a:p>
-                  </a:txBody>
-                  <a:tcPr marL="0" marR="0" marT="0" marB="0" anchor="ctr"/>
-                </a:tc>
-                <a:tc>
-                  <a:txBody>
-                    <a:bodyPr/>
-                    <a:lstStyle/>
-                    <a:p>
-                      <a:pPr marL="0" marR="0" lvl="0" indent="0" algn="ctr" defTabSz="914400" rtl="0" eaLnBrk="1" fontAlgn="auto" latinLnBrk="0" hangingPunct="1">
-                        <a:lnSpc>
-                          <a:spcPct val="100000"/>
-                        </a:lnSpc>
-                        <a:spcBef>
-                          <a:spcPts val="0"/>
-                        </a:spcBef>
-                        <a:spcAft>
-                          <a:spcPts val="0"/>
-                        </a:spcAft>
-                        <a:buClrTx/>
-                        <a:buSzTx/>
-                        <a:buFontTx/>
-                        <a:buNone/>
-                        <a:tabLst/>
-                        <a:defRPr/>
-                      </a:pPr>
-                      <a:r>
-                        <a:rPr kumimoji="0" lang="en-US" sz="1400" b="0" i="0" u="none" strike="noStrike" kern="1200" cap="none" spc="0" normalizeH="0" baseline="0" noProof="0">
-                          <a:ln>
-                            <a:noFill/>
-                          </a:ln>
-                          <a:solidFill>
-                            <a:prstClr val="black"/>
-                          </a:solidFill>
-                          <a:effectLst/>
-                          <a:uLnTx/>
-                          <a:uFillTx/>
-                          <a:latin typeface="Calibri" panose="020F0502020204030204"/>
-                          <a:ea typeface="+mn-ea"/>
-                          <a:cs typeface="+mn-cs"/>
-                        </a:rPr>
-                        <a:t>O</a:t>
-                      </a:r>
-                    </a:p>
-                  </a:txBody>
-                  <a:tcPr marL="0" marR="0" marT="0" marB="0" anchor="ctr"/>
-                </a:tc>
-                <a:tc>
-                  <a:txBody>
-                    <a:bodyPr/>
-                    <a:lstStyle/>
-                    <a:p>
-                      <a:pPr marL="0" marR="0" lvl="0" indent="0" algn="ctr" defTabSz="914400" rtl="0" eaLnBrk="1" fontAlgn="auto" latinLnBrk="0" hangingPunct="1">
-                        <a:lnSpc>
-                          <a:spcPct val="100000"/>
-                        </a:lnSpc>
-                        <a:spcBef>
-                          <a:spcPts val="0"/>
-                        </a:spcBef>
-                        <a:spcAft>
-                          <a:spcPts val="0"/>
-                        </a:spcAft>
-                        <a:buClrTx/>
-                        <a:buSzTx/>
-                        <a:buFontTx/>
-                        <a:buNone/>
-                        <a:tabLst/>
-                        <a:defRPr/>
-                      </a:pPr>
-                      <a:r>
-                        <a:rPr kumimoji="0" lang="en-US" sz="1400" b="0" i="0" u="none" strike="noStrike" kern="1200" cap="none" spc="0" normalizeH="0" baseline="0" noProof="0">
-                          <a:ln>
-                            <a:noFill/>
-                          </a:ln>
-                          <a:solidFill>
-                            <a:prstClr val="black"/>
-                          </a:solidFill>
-                          <a:effectLst/>
-                          <a:uLnTx/>
-                          <a:uFillTx/>
-                          <a:latin typeface="Calibri" panose="020F0502020204030204"/>
-                          <a:ea typeface="+mn-ea"/>
-                          <a:cs typeface="+mn-cs"/>
-                        </a:rPr>
-                        <a:t>O</a:t>
-                      </a:r>
-                    </a:p>
-                  </a:txBody>
-                  <a:tcPr marL="0" marR="0" marT="0" marB="0" anchor="ctr"/>
-                </a:tc>
-                <a:tc>
-                  <a:txBody>
-                    <a:bodyPr/>
-                    <a:lstStyle/>
-                    <a:p>
-                      <a:pPr marL="0" marR="0" lvl="0" indent="0" algn="ctr" defTabSz="914400" rtl="0" eaLnBrk="1" fontAlgn="auto" latinLnBrk="0" hangingPunct="1">
-                        <a:lnSpc>
-                          <a:spcPct val="100000"/>
-                        </a:lnSpc>
-                        <a:spcBef>
-                          <a:spcPts val="0"/>
-                        </a:spcBef>
-                        <a:spcAft>
-                          <a:spcPts val="0"/>
-                        </a:spcAft>
-                        <a:buClrTx/>
-                        <a:buSzTx/>
-                        <a:buFontTx/>
-                        <a:buNone/>
-                        <a:tabLst/>
-                        <a:defRPr/>
-                      </a:pPr>
-                      <a:r>
-                        <a:rPr kumimoji="0" lang="en-US" sz="1400" b="0" i="0" u="none" strike="noStrike" kern="1200" cap="none" spc="0" normalizeH="0" baseline="0" noProof="0">
-                          <a:ln>
-                            <a:noFill/>
-                          </a:ln>
-                          <a:solidFill>
-                            <a:prstClr val="black"/>
-                          </a:solidFill>
-                          <a:effectLst/>
-                          <a:uLnTx/>
-                          <a:uFillTx/>
-                          <a:latin typeface="Calibri" panose="020F0502020204030204"/>
-                          <a:ea typeface="+mn-ea"/>
-                          <a:cs typeface="+mn-cs"/>
-                        </a:rPr>
-                        <a:t>O</a:t>
-                      </a:r>
-                    </a:p>
-                  </a:txBody>
-                  <a:tcPr marL="0" marR="0" marT="0" marB="0" anchor="ctr"/>
-                </a:tc>
-                <a:tc>
-                  <a:txBody>
-                    <a:bodyPr/>
-                    <a:lstStyle/>
-                    <a:p>
-                      <a:pPr marL="0" marR="0" lvl="0" indent="0" algn="ctr" defTabSz="914400" rtl="0" eaLnBrk="1" fontAlgn="auto" latinLnBrk="0" hangingPunct="1">
-                        <a:lnSpc>
-                          <a:spcPct val="100000"/>
-                        </a:lnSpc>
-                        <a:spcBef>
-                          <a:spcPts val="0"/>
-                        </a:spcBef>
-                        <a:spcAft>
-                          <a:spcPts val="0"/>
-                        </a:spcAft>
-                        <a:buClrTx/>
-                        <a:buSzTx/>
-                        <a:buFontTx/>
-                        <a:buNone/>
-                        <a:tabLst/>
-                        <a:defRPr/>
-                      </a:pPr>
-                      <a:r>
-                        <a:rPr kumimoji="0" lang="en-US" sz="1400" b="0" i="0" u="none" strike="noStrike" kern="1200" cap="none" spc="0" normalizeH="0" baseline="0" noProof="0">
-                          <a:ln>
-                            <a:noFill/>
-                          </a:ln>
-                          <a:solidFill>
-                            <a:prstClr val="black"/>
-                          </a:solidFill>
-                          <a:effectLst/>
-                          <a:uLnTx/>
-                          <a:uFillTx/>
-                          <a:latin typeface="Calibri" panose="020F0502020204030204"/>
-                          <a:ea typeface="+mn-ea"/>
-                          <a:cs typeface="+mn-cs"/>
-                        </a:rPr>
-                        <a:t>O</a:t>
-                      </a:r>
-                    </a:p>
-                  </a:txBody>
-                  <a:tcPr marL="0" marR="0" marT="0" marB="0" anchor="ctr"/>
-                </a:tc>
-                <a:tc>
-                  <a:txBody>
-                    <a:bodyPr/>
-                    <a:lstStyle/>
-                    <a:p>
-                      <a:pPr marL="0" marR="0" lvl="0" indent="0" algn="ctr" defTabSz="914400" rtl="0" eaLnBrk="1" fontAlgn="auto" latinLnBrk="0" hangingPunct="1">
-                        <a:lnSpc>
-                          <a:spcPct val="100000"/>
-                        </a:lnSpc>
-                        <a:spcBef>
-                          <a:spcPts val="0"/>
-                        </a:spcBef>
-                        <a:spcAft>
-                          <a:spcPts val="0"/>
-                        </a:spcAft>
-                        <a:buClrTx/>
-                        <a:buSzTx/>
-                        <a:buFontTx/>
-                        <a:buNone/>
-                        <a:tabLst/>
-                        <a:defRPr/>
-                      </a:pPr>
-                      <a:r>
-                        <a:rPr kumimoji="0" lang="en-US" sz="1400" b="0" i="0" u="none" strike="noStrike" kern="1200" cap="none" spc="0" normalizeH="0" baseline="0" noProof="0">
-                          <a:ln>
-                            <a:noFill/>
-                          </a:ln>
-                          <a:solidFill>
-                            <a:prstClr val="black"/>
-                          </a:solidFill>
-                          <a:effectLst/>
-                          <a:uLnTx/>
-                          <a:uFillTx/>
-                          <a:latin typeface="Calibri" panose="020F0502020204030204"/>
-                          <a:ea typeface="+mn-ea"/>
-                          <a:cs typeface="+mn-cs"/>
-                        </a:rPr>
-                        <a:t>O</a:t>
-                      </a:r>
-                    </a:p>
-                  </a:txBody>
-                  <a:tcPr marL="0" marR="0" marT="0" marB="0" anchor="ctr"/>
-                </a:tc>
-                <a:tc>
-                  <a:txBody>
-                    <a:bodyPr/>
-                    <a:lstStyle/>
-                    <a:p>
-                      <a:pPr marL="0" marR="0" lvl="0" indent="0" algn="ctr" defTabSz="914400" rtl="0" eaLnBrk="1" fontAlgn="auto" latinLnBrk="0" hangingPunct="1">
-                        <a:lnSpc>
-                          <a:spcPct val="100000"/>
-                        </a:lnSpc>
-                        <a:spcBef>
-                          <a:spcPts val="0"/>
-                        </a:spcBef>
-                        <a:spcAft>
-                          <a:spcPts val="0"/>
-                        </a:spcAft>
-                        <a:buClrTx/>
-                        <a:buSzTx/>
-                        <a:buFontTx/>
-                        <a:buNone/>
-                        <a:tabLst/>
-                        <a:defRPr/>
-                      </a:pPr>
-                      <a:r>
-                        <a:rPr kumimoji="0" lang="en-US" sz="1400" b="1" u="none" strike="noStrike" kern="1200" cap="none" spc="0" normalizeH="0" baseline="0" noProof="0" dirty="0">
-                          <a:ln>
-                            <a:noFill/>
-                          </a:ln>
-                          <a:solidFill>
-                            <a:schemeClr val="accent2">
-                              <a:lumMod val="75000"/>
-                            </a:schemeClr>
-                          </a:solidFill>
-                          <a:effectLst/>
-                          <a:uLnTx/>
-                          <a:uFillTx/>
-                        </a:rPr>
-                        <a:t>X</a:t>
-                      </a:r>
-                      <a:endParaRPr kumimoji="0" lang="en-US" sz="1400" b="1" i="0" u="none" strike="noStrike" kern="1200" cap="none" spc="0" normalizeH="0" baseline="0" noProof="0" dirty="0">
-                        <a:ln>
-                          <a:noFill/>
-                        </a:ln>
-                        <a:solidFill>
-                          <a:schemeClr val="accent2">
-                            <a:lumMod val="75000"/>
-                          </a:schemeClr>
-                        </a:solidFill>
-                        <a:effectLst/>
-                        <a:uLnTx/>
-                        <a:uFillTx/>
-                        <a:latin typeface="Calibri" panose="020F0502020204030204"/>
-                        <a:ea typeface="+mn-ea"/>
-                        <a:cs typeface="+mn-cs"/>
-                      </a:endParaRPr>
-                    </a:p>
-                  </a:txBody>
-                  <a:tcPr marL="0" marR="0" marT="0" marB="0" anchor="ctr"/>
-                </a:tc>
-                <a:tc>
-                  <a:txBody>
-                    <a:bodyPr/>
-                    <a:lstStyle/>
-                    <a:p>
-                      <a:pPr marL="0" marR="0" lvl="0" indent="0" algn="ctr" defTabSz="914400" rtl="0" eaLnBrk="1" fontAlgn="auto" latinLnBrk="0" hangingPunct="1">
-                        <a:lnSpc>
-                          <a:spcPct val="100000"/>
-                        </a:lnSpc>
-                        <a:spcBef>
-                          <a:spcPts val="0"/>
-                        </a:spcBef>
-                        <a:spcAft>
-                          <a:spcPts val="0"/>
-                        </a:spcAft>
-                        <a:buClrTx/>
-                        <a:buSzTx/>
-                        <a:buFontTx/>
-                        <a:buNone/>
-                        <a:tabLst/>
-                        <a:defRPr/>
-                      </a:pPr>
-                      <a:r>
-                        <a:rPr kumimoji="0" lang="en-US" sz="1400" b="1" u="none" strike="noStrike" kern="1200" cap="none" spc="0" normalizeH="0" baseline="0" noProof="0" dirty="0">
-                          <a:ln>
-                            <a:noFill/>
-                          </a:ln>
-                          <a:solidFill>
-                            <a:schemeClr val="accent2">
-                              <a:lumMod val="75000"/>
-                            </a:schemeClr>
-                          </a:solidFill>
-                          <a:effectLst/>
-                          <a:uLnTx/>
-                          <a:uFillTx/>
-                        </a:rPr>
-                        <a:t>X</a:t>
-                      </a:r>
-                      <a:endParaRPr kumimoji="0" lang="en-US" sz="1400" b="1" i="0" u="none" strike="noStrike" kern="1200" cap="none" spc="0" normalizeH="0" baseline="0" noProof="0" dirty="0">
-                        <a:ln>
-                          <a:noFill/>
-                        </a:ln>
-                        <a:solidFill>
-                          <a:schemeClr val="accent2">
-                            <a:lumMod val="75000"/>
-                          </a:schemeClr>
-                        </a:solidFill>
-                        <a:effectLst/>
-                        <a:uLnTx/>
-                        <a:uFillTx/>
-                        <a:latin typeface="Calibri" panose="020F0502020204030204"/>
-                        <a:ea typeface="+mn-ea"/>
-                        <a:cs typeface="+mn-cs"/>
-                      </a:endParaRPr>
-                    </a:p>
-                  </a:txBody>
-                  <a:tcPr marL="0" marR="0" marT="0" marB="0" anchor="ctr"/>
-                </a:tc>
-                <a:tc>
-                  <a:txBody>
-                    <a:bodyPr/>
-                    <a:lstStyle/>
-                    <a:p>
-                      <a:pPr marL="0" marR="0" lvl="0" indent="0" algn="ctr" defTabSz="914400" rtl="0" eaLnBrk="1" fontAlgn="auto" latinLnBrk="0" hangingPunct="1">
-                        <a:lnSpc>
-                          <a:spcPct val="100000"/>
-                        </a:lnSpc>
-                        <a:spcBef>
-                          <a:spcPts val="0"/>
-                        </a:spcBef>
-                        <a:spcAft>
-                          <a:spcPts val="0"/>
-                        </a:spcAft>
-                        <a:buClrTx/>
-                        <a:buSzTx/>
-                        <a:buFontTx/>
-                        <a:buNone/>
-                        <a:tabLst/>
-                        <a:defRPr/>
-                      </a:pPr>
-                      <a:r>
-                        <a:rPr kumimoji="0" lang="en-US" sz="1400" b="1" u="none" strike="noStrike" kern="1200" cap="none" spc="0" normalizeH="0" baseline="0" noProof="0" dirty="0">
-                          <a:ln>
-                            <a:noFill/>
-                          </a:ln>
-                          <a:solidFill>
-                            <a:schemeClr val="accent2">
-                              <a:lumMod val="75000"/>
-                            </a:schemeClr>
-                          </a:solidFill>
-                          <a:effectLst/>
-                          <a:uLnTx/>
-                          <a:uFillTx/>
-                        </a:rPr>
-                        <a:t>X</a:t>
-                      </a:r>
-                      <a:endParaRPr kumimoji="0" lang="en-US" sz="1400" b="1" i="0" u="none" strike="noStrike" kern="1200" cap="none" spc="0" normalizeH="0" baseline="0" noProof="0" dirty="0">
-                        <a:ln>
-                          <a:noFill/>
-                        </a:ln>
-                        <a:solidFill>
-                          <a:schemeClr val="accent2">
-                            <a:lumMod val="75000"/>
-                          </a:schemeClr>
-                        </a:solidFill>
-                        <a:effectLst/>
-                        <a:uLnTx/>
-                        <a:uFillTx/>
-                        <a:latin typeface="Calibri" panose="020F0502020204030204"/>
-                        <a:ea typeface="+mn-ea"/>
-                        <a:cs typeface="+mn-cs"/>
-                      </a:endParaRPr>
-                    </a:p>
-                  </a:txBody>
-                  <a:tcPr marL="0" marR="0" marT="0" marB="0" anchor="ctr"/>
-                </a:tc>
-                <a:tc>
-                  <a:txBody>
-                    <a:bodyPr/>
-                    <a:lstStyle/>
-                    <a:p>
-                      <a:pPr marL="0" marR="0" lvl="0" indent="0" algn="ctr" defTabSz="914400" rtl="0" eaLnBrk="1" fontAlgn="auto" latinLnBrk="0" hangingPunct="1">
-                        <a:lnSpc>
-                          <a:spcPct val="100000"/>
-                        </a:lnSpc>
-                        <a:spcBef>
-                          <a:spcPts val="0"/>
-                        </a:spcBef>
-                        <a:spcAft>
-                          <a:spcPts val="0"/>
-                        </a:spcAft>
-                        <a:buClrTx/>
-                        <a:buSzTx/>
-                        <a:buFontTx/>
-                        <a:buNone/>
-                        <a:tabLst/>
-                        <a:defRPr/>
-                      </a:pPr>
-                      <a:r>
-                        <a:rPr kumimoji="0" lang="en-US" sz="1400" b="1" u="none" strike="noStrike" kern="1200" cap="none" spc="0" normalizeH="0" baseline="0" noProof="0" dirty="0">
-                          <a:ln>
-                            <a:noFill/>
-                          </a:ln>
-                          <a:solidFill>
-                            <a:schemeClr val="accent2">
-                              <a:lumMod val="75000"/>
-                            </a:schemeClr>
-                          </a:solidFill>
-                          <a:effectLst/>
-                          <a:uLnTx/>
-                          <a:uFillTx/>
-                        </a:rPr>
-                        <a:t>X</a:t>
-                      </a:r>
-                      <a:endParaRPr kumimoji="0" lang="en-US" sz="1400" b="1" i="0" u="none" strike="noStrike" kern="1200" cap="none" spc="0" normalizeH="0" baseline="0" noProof="0" dirty="0">
-                        <a:ln>
-                          <a:noFill/>
-                        </a:ln>
-                        <a:solidFill>
-                          <a:schemeClr val="accent2">
-                            <a:lumMod val="75000"/>
-                          </a:schemeClr>
-                        </a:solidFill>
-                        <a:effectLst/>
-                        <a:uLnTx/>
-                        <a:uFillTx/>
-                        <a:latin typeface="Calibri" panose="020F0502020204030204"/>
-                        <a:ea typeface="+mn-ea"/>
-                        <a:cs typeface="+mn-cs"/>
-                      </a:endParaRPr>
-                    </a:p>
-                  </a:txBody>
-                  <a:tcPr marL="0" marR="0" marT="0" marB="0" anchor="ctr"/>
-                </a:tc>
-                <a:tc>
-                  <a:txBody>
-                    <a:bodyPr/>
-                    <a:lstStyle/>
-                    <a:p>
-                      <a:pPr marL="0" marR="0" lvl="0" indent="0" algn="ctr" defTabSz="914400" rtl="0" eaLnBrk="1" fontAlgn="auto" latinLnBrk="0" hangingPunct="1">
-                        <a:lnSpc>
-                          <a:spcPct val="100000"/>
-                        </a:lnSpc>
-                        <a:spcBef>
-                          <a:spcPts val="0"/>
-                        </a:spcBef>
-                        <a:spcAft>
-                          <a:spcPts val="0"/>
-                        </a:spcAft>
-                        <a:buClrTx/>
-                        <a:buSzTx/>
-                        <a:buFontTx/>
-                        <a:buNone/>
-                        <a:tabLst/>
-                        <a:defRPr/>
-                      </a:pPr>
-                      <a:r>
-                        <a:rPr kumimoji="0" lang="en-US" sz="1400" b="1" u="none" strike="noStrike" kern="1200" cap="none" spc="0" normalizeH="0" baseline="0" noProof="0" dirty="0">
-                          <a:ln>
-                            <a:noFill/>
-                          </a:ln>
-                          <a:solidFill>
-                            <a:schemeClr val="accent2">
-                              <a:lumMod val="75000"/>
-                            </a:schemeClr>
-                          </a:solidFill>
-                          <a:effectLst/>
-                          <a:uLnTx/>
-                          <a:uFillTx/>
-                        </a:rPr>
-                        <a:t>X</a:t>
-                      </a:r>
-                      <a:endParaRPr kumimoji="0" lang="en-US" sz="1400" b="1" i="0" u="none" strike="noStrike" kern="1200" cap="none" spc="0" normalizeH="0" baseline="0" noProof="0" dirty="0">
-                        <a:ln>
-                          <a:noFill/>
-                        </a:ln>
-                        <a:solidFill>
-                          <a:schemeClr val="accent2">
-                            <a:lumMod val="75000"/>
-                          </a:schemeClr>
-                        </a:solidFill>
-                        <a:effectLst/>
-                        <a:uLnTx/>
-                        <a:uFillTx/>
-                        <a:latin typeface="Calibri" panose="020F0502020204030204"/>
-                        <a:ea typeface="+mn-ea"/>
-                        <a:cs typeface="+mn-cs"/>
-                      </a:endParaRPr>
-                    </a:p>
-                  </a:txBody>
-                  <a:tcPr marL="0" marR="0" marT="0" marB="0" anchor="ctr"/>
-                </a:tc>
-                <a:tc>
-                  <a:txBody>
-                    <a:bodyPr/>
-                    <a:lstStyle/>
-                    <a:p>
-                      <a:pPr algn="ctr"/>
-                      <a:endParaRPr lang="en-US" sz="1400"/>
-                    </a:p>
-                  </a:txBody>
-                  <a:tcPr marL="0" marR="0" marT="0" marB="0" anchor="ctr"/>
-                </a:tc>
-                <a:tc>
-                  <a:txBody>
-                    <a:bodyPr/>
-                    <a:lstStyle/>
-                    <a:p>
-                      <a:pPr algn="ctr"/>
-                      <a:endParaRPr lang="en-US" sz="1400"/>
-                    </a:p>
-                  </a:txBody>
-                  <a:tcPr marL="0" marR="0" marT="0" marB="0" anchor="ctr"/>
-                </a:tc>
-                <a:tc>
-                  <a:txBody>
-                    <a:bodyPr/>
-                    <a:lstStyle/>
-                    <a:p>
-                      <a:pPr algn="ctr"/>
-                      <a:endParaRPr lang="en-US" sz="1400"/>
-                    </a:p>
-                  </a:txBody>
-                  <a:tcPr marL="0" marR="0" marT="0" marB="0" anchor="ctr"/>
-                </a:tc>
-                <a:tc>
-                  <a:txBody>
-                    <a:bodyPr/>
-                    <a:lstStyle/>
-                    <a:p>
-                      <a:pPr algn="ctr"/>
-                      <a:endParaRPr lang="en-US" sz="1400"/>
-                    </a:p>
-                  </a:txBody>
-                  <a:tcPr marL="0" marR="0" marT="0" marB="0" anchor="ctr"/>
-                </a:tc>
-                <a:tc>
-                  <a:txBody>
-                    <a:bodyPr/>
-                    <a:lstStyle/>
-                    <a:p>
-                      <a:pPr algn="ctr"/>
-                      <a:endParaRPr lang="en-US" sz="1400"/>
-                    </a:p>
-                  </a:txBody>
-                  <a:tcPr marL="0" marR="0" marT="0" marB="0" anchor="ctr"/>
-                </a:tc>
-                <a:tc>
-                  <a:txBody>
-                    <a:bodyPr/>
-                    <a:lstStyle/>
-                    <a:p>
-                      <a:pPr algn="ctr"/>
-                      <a:endParaRPr lang="en-US" sz="1400"/>
-                    </a:p>
-                  </a:txBody>
-                  <a:tcPr marL="0" marR="0" marT="0" marB="0" anchor="ctr"/>
-                </a:tc>
-                <a:tc>
-                  <a:txBody>
-                    <a:bodyPr/>
-                    <a:lstStyle/>
-                    <a:p>
-                      <a:pPr algn="ctr"/>
-                      <a:endParaRPr lang="en-US" sz="1400"/>
-                    </a:p>
-                  </a:txBody>
-                  <a:tcPr marL="0" marR="0" marT="0" marB="0" anchor="ctr"/>
-                </a:tc>
-                <a:tc>
-                  <a:txBody>
-                    <a:bodyPr/>
-                    <a:lstStyle/>
-                    <a:p>
-                      <a:pPr algn="ctr"/>
-                      <a:endParaRPr lang="en-US" sz="1400"/>
-                    </a:p>
-                  </a:txBody>
-                  <a:tcPr marL="0" marR="0" marT="0" marB="0" anchor="ctr"/>
-                </a:tc>
-                <a:tc>
-                  <a:txBody>
-                    <a:bodyPr/>
-                    <a:lstStyle/>
-                    <a:p>
-                      <a:pPr algn="ctr"/>
-                      <a:endParaRPr lang="en-US" sz="1400"/>
-                    </a:p>
-                  </a:txBody>
-                  <a:tcPr marL="0" marR="0" marT="0" marB="0" anchor="ctr"/>
-                </a:tc>
-                <a:tc>
-                  <a:txBody>
-                    <a:bodyPr/>
-                    <a:lstStyle/>
-                    <a:p>
-                      <a:pPr algn="ctr"/>
-                      <a:endParaRPr lang="en-US" sz="1400" dirty="0"/>
-                    </a:p>
-                  </a:txBody>
-                  <a:tcPr marL="0" marR="0" marT="0" marB="0" anchor="ctr"/>
-                </a:tc>
-                <a:extLst>
-                  <a:ext uri="{0D108BD9-81ED-4DB2-BD59-A6C34878D82A}">
-                    <a16:rowId xmlns:a16="http://schemas.microsoft.com/office/drawing/2014/main" val="479172299"/>
+                    <a16:rowId xmlns:a16="http://schemas.microsoft.com/office/drawing/2014/main" val="83743892"/>
                   </a:ext>
                 </a:extLst>
               </a:tr>
@@ -17204,7 +17216,7 @@
             <p:ph idx="1"/>
             <p:extLst>
               <p:ext uri="{D42A27DB-BD31-4B8C-83A1-F6EECF244321}">
-                <p14:modId xmlns:p14="http://schemas.microsoft.com/office/powerpoint/2010/main" val="3276542807"/>
+                <p14:modId xmlns:p14="http://schemas.microsoft.com/office/powerpoint/2010/main" val="2879588742"/>
               </p:ext>
             </p:extLst>
           </p:nvPr>
@@ -17979,522 +17991,10 @@
                     <a:p>
                       <a:pPr algn="ctr"/>
                       <a:r>
-                        <a:rPr lang="en-US" sz="1400"/>
-                        <a:t>A</a:t>
-                      </a:r>
-                    </a:p>
-                  </a:txBody>
-                  <a:tcPr marL="0" marR="0" marT="0" marB="0" anchor="ctr"/>
-                </a:tc>
-                <a:tc>
-                  <a:txBody>
-                    <a:bodyPr/>
-                    <a:lstStyle/>
-                    <a:p>
-                      <a:pPr algn="ctr"/>
-                      <a:r>
-                        <a:rPr lang="ko-KR" altLang="en-US" sz="1400"/>
-                        <a:t>김기홍</a:t>
-                      </a:r>
-                      <a:endParaRPr lang="en-US" sz="1400"/>
-                    </a:p>
-                  </a:txBody>
-                  <a:tcPr marL="0" marR="0" marT="0" marB="0" anchor="ctr"/>
-                </a:tc>
-                <a:tc>
-                  <a:txBody>
-                    <a:bodyPr/>
-                    <a:lstStyle/>
-                    <a:p>
-                      <a:pPr algn="ctr"/>
-                      <a:endParaRPr lang="en-US" sz="1400"/>
-                    </a:p>
-                  </a:txBody>
-                  <a:tcPr marL="0" marR="0" marT="0" marB="0" anchor="ctr"/>
-                </a:tc>
-                <a:tc>
-                  <a:txBody>
-                    <a:bodyPr/>
-                    <a:lstStyle/>
-                    <a:p>
-                      <a:pPr algn="ctr"/>
-                      <a:endParaRPr lang="en-US" sz="1400"/>
-                    </a:p>
-                  </a:txBody>
-                  <a:tcPr marL="0" marR="0" marT="0" marB="0" anchor="ctr"/>
-                </a:tc>
-                <a:tc>
-                  <a:txBody>
-                    <a:bodyPr/>
-                    <a:lstStyle/>
-                    <a:p>
-                      <a:pPr algn="ctr"/>
-                      <a:endParaRPr lang="en-US" sz="1400"/>
-                    </a:p>
-                  </a:txBody>
-                  <a:tcPr marL="0" marR="0" marT="0" marB="0" anchor="ctr"/>
-                </a:tc>
-                <a:tc>
-                  <a:txBody>
-                    <a:bodyPr/>
-                    <a:lstStyle/>
-                    <a:p>
-                      <a:pPr algn="ctr"/>
-                      <a:endParaRPr lang="en-US" sz="1400"/>
-                    </a:p>
-                  </a:txBody>
-                  <a:tcPr marL="0" marR="0" marT="0" marB="0" anchor="ctr"/>
-                </a:tc>
-                <a:tc>
-                  <a:txBody>
-                    <a:bodyPr/>
-                    <a:lstStyle/>
-                    <a:p>
-                      <a:pPr algn="ctr"/>
-                      <a:endParaRPr lang="en-US" sz="1400"/>
-                    </a:p>
-                  </a:txBody>
-                  <a:tcPr marL="0" marR="0" marT="0" marB="0" anchor="ctr"/>
-                </a:tc>
-                <a:tc>
-                  <a:txBody>
-                    <a:bodyPr/>
-                    <a:lstStyle/>
-                    <a:p>
-                      <a:pPr algn="ctr"/>
-                      <a:endParaRPr lang="en-US" sz="1400"/>
-                    </a:p>
-                  </a:txBody>
-                  <a:tcPr marL="0" marR="0" marT="0" marB="0" anchor="ctr"/>
-                </a:tc>
-                <a:tc>
-                  <a:txBody>
-                    <a:bodyPr/>
-                    <a:lstStyle/>
-                    <a:p>
-                      <a:pPr algn="ctr"/>
-                      <a:endParaRPr lang="en-US" sz="1400"/>
-                    </a:p>
-                  </a:txBody>
-                  <a:tcPr marL="0" marR="0" marT="0" marB="0" anchor="ctr"/>
-                </a:tc>
-                <a:tc>
-                  <a:txBody>
-                    <a:bodyPr/>
-                    <a:lstStyle/>
-                    <a:p>
-                      <a:pPr algn="ctr"/>
-                      <a:endParaRPr lang="en-US" sz="1400"/>
-                    </a:p>
-                  </a:txBody>
-                  <a:tcPr marL="0" marR="0" marT="0" marB="0" anchor="ctr"/>
-                </a:tc>
-                <a:tc>
-                  <a:txBody>
-                    <a:bodyPr/>
-                    <a:lstStyle/>
-                    <a:p>
-                      <a:pPr algn="ctr"/>
-                      <a:endParaRPr lang="en-US" sz="1400"/>
-                    </a:p>
-                  </a:txBody>
-                  <a:tcPr marL="0" marR="0" marT="0" marB="0" anchor="ctr"/>
-                </a:tc>
-                <a:tc>
-                  <a:txBody>
-                    <a:bodyPr/>
-                    <a:lstStyle/>
-                    <a:p>
-                      <a:pPr algn="ctr"/>
-                      <a:endParaRPr lang="en-US" sz="1400"/>
-                    </a:p>
-                  </a:txBody>
-                  <a:tcPr marL="0" marR="0" marT="0" marB="0" anchor="ctr"/>
-                </a:tc>
-                <a:tc>
-                  <a:txBody>
-                    <a:bodyPr/>
-                    <a:lstStyle/>
-                    <a:p>
-                      <a:pPr algn="ctr"/>
-                      <a:endParaRPr lang="en-US" sz="1400"/>
-                    </a:p>
-                  </a:txBody>
-                  <a:tcPr marL="0" marR="0" marT="0" marB="0" anchor="ctr"/>
-                </a:tc>
-                <a:tc>
-                  <a:txBody>
-                    <a:bodyPr/>
-                    <a:lstStyle/>
-                    <a:p>
-                      <a:pPr algn="ctr"/>
-                      <a:endParaRPr lang="en-US" sz="1400"/>
-                    </a:p>
-                  </a:txBody>
-                  <a:tcPr marL="0" marR="0" marT="0" marB="0" anchor="ctr"/>
-                </a:tc>
-                <a:tc>
-                  <a:txBody>
-                    <a:bodyPr/>
-                    <a:lstStyle/>
-                    <a:p>
-                      <a:pPr algn="ctr"/>
-                      <a:endParaRPr lang="en-US" sz="1400"/>
-                    </a:p>
-                  </a:txBody>
-                  <a:tcPr marL="0" marR="0" marT="0" marB="0" anchor="ctr"/>
-                </a:tc>
-                <a:tc>
-                  <a:txBody>
-                    <a:bodyPr/>
-                    <a:lstStyle/>
-                    <a:p>
-                      <a:pPr algn="ctr"/>
-                      <a:endParaRPr lang="en-US" sz="1400"/>
-                    </a:p>
-                  </a:txBody>
-                  <a:tcPr marL="0" marR="0" marT="0" marB="0" anchor="ctr"/>
-                </a:tc>
-                <a:tc>
-                  <a:txBody>
-                    <a:bodyPr/>
-                    <a:lstStyle/>
-                    <a:p>
-                      <a:pPr algn="ctr"/>
-                      <a:endParaRPr lang="en-US" sz="1400"/>
-                    </a:p>
-                  </a:txBody>
-                  <a:tcPr marL="0" marR="0" marT="0" marB="0" anchor="ctr"/>
-                </a:tc>
-                <a:tc>
-                  <a:txBody>
-                    <a:bodyPr/>
-                    <a:lstStyle/>
-                    <a:p>
-                      <a:pPr algn="ctr"/>
-                      <a:endParaRPr lang="en-US" sz="1400"/>
-                    </a:p>
-                  </a:txBody>
-                  <a:tcPr marL="0" marR="0" marT="0" marB="0" anchor="ctr"/>
-                </a:tc>
-                <a:tc>
-                  <a:txBody>
-                    <a:bodyPr/>
-                    <a:lstStyle/>
-                    <a:p>
-                      <a:pPr algn="ctr"/>
-                      <a:endParaRPr lang="en-US" sz="1400"/>
-                    </a:p>
-                  </a:txBody>
-                  <a:tcPr marL="0" marR="0" marT="0" marB="0" anchor="ctr"/>
-                </a:tc>
-                <a:tc>
-                  <a:txBody>
-                    <a:bodyPr/>
-                    <a:lstStyle/>
-                    <a:p>
-                      <a:pPr algn="ctr"/>
-                      <a:endParaRPr lang="en-US" sz="1400"/>
-                    </a:p>
-                  </a:txBody>
-                  <a:tcPr marL="0" marR="0" marT="0" marB="0" anchor="ctr"/>
-                </a:tc>
-                <a:tc>
-                  <a:txBody>
-                    <a:bodyPr/>
-                    <a:lstStyle/>
-                    <a:p>
-                      <a:pPr algn="ctr"/>
-                      <a:endParaRPr lang="en-US" sz="1400"/>
-                    </a:p>
-                  </a:txBody>
-                  <a:tcPr marL="0" marR="0" marT="0" marB="0" anchor="ctr"/>
-                </a:tc>
-                <a:tc>
-                  <a:txBody>
-                    <a:bodyPr/>
-                    <a:lstStyle/>
-                    <a:p>
-                      <a:pPr algn="ctr"/>
-                      <a:endParaRPr lang="en-US" sz="1400"/>
-                    </a:p>
-                  </a:txBody>
-                  <a:tcPr marL="0" marR="0" marT="0" marB="0" anchor="ctr"/>
-                </a:tc>
-                <a:extLst>
-                  <a:ext uri="{0D108BD9-81ED-4DB2-BD59-A6C34878D82A}">
-                    <a16:rowId xmlns:a16="http://schemas.microsoft.com/office/drawing/2014/main" val="549253980"/>
-                  </a:ext>
-                </a:extLst>
-              </a:tr>
-              <a:tr h="512232">
-                <a:tc>
-                  <a:txBody>
-                    <a:bodyPr/>
-                    <a:lstStyle/>
-                    <a:p>
-                      <a:pPr algn="ctr"/>
-                      <a:r>
-                        <a:rPr lang="en-US" sz="1400"/>
-                        <a:t>A</a:t>
-                      </a:r>
-                    </a:p>
-                  </a:txBody>
-                  <a:tcPr marL="0" marR="0" marT="0" marB="0" anchor="ctr"/>
-                </a:tc>
-                <a:tc>
-                  <a:txBody>
-                    <a:bodyPr/>
-                    <a:lstStyle/>
-                    <a:p>
-                      <a:pPr algn="ctr"/>
-                      <a:r>
-                        <a:rPr lang="ko-KR" altLang="en-US" sz="1400"/>
-                        <a:t>오민희</a:t>
-                      </a:r>
-                      <a:endParaRPr lang="en-US" sz="1400"/>
-                    </a:p>
-                  </a:txBody>
-                  <a:tcPr marL="0" marR="0" marT="0" marB="0" anchor="ctr"/>
-                </a:tc>
-                <a:tc>
-                  <a:txBody>
-                    <a:bodyPr/>
-                    <a:lstStyle/>
-                    <a:p>
-                      <a:pPr algn="ctr"/>
-                      <a:endParaRPr lang="en-US" sz="1400"/>
-                    </a:p>
-                  </a:txBody>
-                  <a:tcPr marL="0" marR="0" marT="0" marB="0" anchor="ctr"/>
-                </a:tc>
-                <a:tc>
-                  <a:txBody>
-                    <a:bodyPr/>
-                    <a:lstStyle/>
-                    <a:p>
-                      <a:pPr algn="ctr"/>
-                      <a:endParaRPr lang="en-US" sz="1400"/>
-                    </a:p>
-                  </a:txBody>
-                  <a:tcPr marL="0" marR="0" marT="0" marB="0" anchor="ctr"/>
-                </a:tc>
-                <a:tc>
-                  <a:txBody>
-                    <a:bodyPr/>
-                    <a:lstStyle/>
-                    <a:p>
-                      <a:pPr algn="ctr"/>
-                      <a:endParaRPr lang="en-US" sz="1400"/>
-                    </a:p>
-                  </a:txBody>
-                  <a:tcPr marL="0" marR="0" marT="0" marB="0" anchor="ctr"/>
-                </a:tc>
-                <a:tc>
-                  <a:txBody>
-                    <a:bodyPr/>
-                    <a:lstStyle/>
-                    <a:p>
-                      <a:pPr algn="ctr"/>
-                      <a:endParaRPr lang="en-US" sz="1400"/>
-                    </a:p>
-                  </a:txBody>
-                  <a:tcPr marL="0" marR="0" marT="0" marB="0" anchor="ctr"/>
-                </a:tc>
-                <a:tc>
-                  <a:txBody>
-                    <a:bodyPr/>
-                    <a:lstStyle/>
-                    <a:p>
-                      <a:pPr algn="ctr"/>
-                      <a:endParaRPr lang="en-US" sz="1400"/>
-                    </a:p>
-                  </a:txBody>
-                  <a:tcPr marL="0" marR="0" marT="0" marB="0" anchor="ctr"/>
-                </a:tc>
-                <a:tc>
-                  <a:txBody>
-                    <a:bodyPr/>
-                    <a:lstStyle/>
-                    <a:p>
-                      <a:pPr algn="ctr"/>
-                      <a:endParaRPr lang="en-US" sz="1400"/>
-                    </a:p>
-                  </a:txBody>
-                  <a:tcPr marL="0" marR="0" marT="0" marB="0" anchor="ctr"/>
-                </a:tc>
-                <a:tc>
-                  <a:txBody>
-                    <a:bodyPr/>
-                    <a:lstStyle/>
-                    <a:p>
-                      <a:pPr algn="ctr"/>
-                      <a:endParaRPr lang="en-US" sz="1400"/>
-                    </a:p>
-                  </a:txBody>
-                  <a:tcPr marL="0" marR="0" marT="0" marB="0" anchor="ctr"/>
-                </a:tc>
-                <a:tc>
-                  <a:txBody>
-                    <a:bodyPr/>
-                    <a:lstStyle/>
-                    <a:p>
-                      <a:pPr algn="ctr"/>
-                      <a:endParaRPr lang="en-US" sz="1400"/>
-                    </a:p>
-                  </a:txBody>
-                  <a:tcPr marL="0" marR="0" marT="0" marB="0" anchor="ctr"/>
-                </a:tc>
-                <a:tc>
-                  <a:txBody>
-                    <a:bodyPr/>
-                    <a:lstStyle/>
-                    <a:p>
-                      <a:pPr algn="ctr"/>
-                      <a:endParaRPr lang="en-US" sz="1400"/>
-                    </a:p>
-                  </a:txBody>
-                  <a:tcPr marL="0" marR="0" marT="0" marB="0" anchor="ctr"/>
-                </a:tc>
-                <a:tc>
-                  <a:txBody>
-                    <a:bodyPr/>
-                    <a:lstStyle/>
-                    <a:p>
-                      <a:pPr algn="ctr"/>
-                      <a:endParaRPr lang="en-US" sz="1400"/>
-                    </a:p>
-                  </a:txBody>
-                  <a:tcPr marL="0" marR="0" marT="0" marB="0" anchor="ctr"/>
-                </a:tc>
-                <a:tc>
-                  <a:txBody>
-                    <a:bodyPr/>
-                    <a:lstStyle/>
-                    <a:p>
-                      <a:pPr algn="ctr"/>
-                      <a:endParaRPr lang="en-US" sz="1400"/>
-                    </a:p>
-                  </a:txBody>
-                  <a:tcPr marL="0" marR="0" marT="0" marB="0" anchor="ctr"/>
-                </a:tc>
-                <a:tc>
-                  <a:txBody>
-                    <a:bodyPr/>
-                    <a:lstStyle/>
-                    <a:p>
-                      <a:pPr algn="ctr"/>
-                      <a:endParaRPr lang="en-US" sz="1400"/>
-                    </a:p>
-                  </a:txBody>
-                  <a:tcPr marL="0" marR="0" marT="0" marB="0" anchor="ctr"/>
-                </a:tc>
-                <a:tc>
-                  <a:txBody>
-                    <a:bodyPr/>
-                    <a:lstStyle/>
-                    <a:p>
-                      <a:pPr algn="ctr"/>
-                      <a:endParaRPr lang="en-US" sz="1400"/>
-                    </a:p>
-                  </a:txBody>
-                  <a:tcPr marL="0" marR="0" marT="0" marB="0" anchor="ctr"/>
-                </a:tc>
-                <a:tc>
-                  <a:txBody>
-                    <a:bodyPr/>
-                    <a:lstStyle/>
-                    <a:p>
-                      <a:pPr algn="ctr"/>
-                      <a:endParaRPr lang="en-US" sz="1400"/>
-                    </a:p>
-                  </a:txBody>
-                  <a:tcPr marL="0" marR="0" marT="0" marB="0" anchor="ctr"/>
-                </a:tc>
-                <a:tc>
-                  <a:txBody>
-                    <a:bodyPr/>
-                    <a:lstStyle/>
-                    <a:p>
-                      <a:pPr algn="ctr"/>
-                      <a:endParaRPr lang="en-US" sz="1400"/>
-                    </a:p>
-                  </a:txBody>
-                  <a:tcPr marL="0" marR="0" marT="0" marB="0" anchor="ctr"/>
-                </a:tc>
-                <a:tc>
-                  <a:txBody>
-                    <a:bodyPr/>
-                    <a:lstStyle/>
-                    <a:p>
-                      <a:pPr algn="ctr"/>
-                      <a:endParaRPr lang="en-US" sz="1400"/>
-                    </a:p>
-                  </a:txBody>
-                  <a:tcPr marL="0" marR="0" marT="0" marB="0" anchor="ctr"/>
-                </a:tc>
-                <a:tc>
-                  <a:txBody>
-                    <a:bodyPr/>
-                    <a:lstStyle/>
-                    <a:p>
-                      <a:pPr algn="ctr"/>
-                      <a:endParaRPr lang="en-US" sz="1400"/>
-                    </a:p>
-                  </a:txBody>
-                  <a:tcPr marL="0" marR="0" marT="0" marB="0" anchor="ctr"/>
-                </a:tc>
-                <a:tc>
-                  <a:txBody>
-                    <a:bodyPr/>
-                    <a:lstStyle/>
-                    <a:p>
-                      <a:pPr algn="ctr"/>
-                      <a:endParaRPr lang="en-US" sz="1400"/>
-                    </a:p>
-                  </a:txBody>
-                  <a:tcPr marL="0" marR="0" marT="0" marB="0" anchor="ctr"/>
-                </a:tc>
-                <a:tc>
-                  <a:txBody>
-                    <a:bodyPr/>
-                    <a:lstStyle/>
-                    <a:p>
-                      <a:pPr algn="ctr"/>
-                      <a:endParaRPr lang="en-US" sz="1400"/>
-                    </a:p>
-                  </a:txBody>
-                  <a:tcPr marL="0" marR="0" marT="0" marB="0" anchor="ctr"/>
-                </a:tc>
-                <a:tc>
-                  <a:txBody>
-                    <a:bodyPr/>
-                    <a:lstStyle/>
-                    <a:p>
-                      <a:pPr algn="ctr"/>
-                      <a:endParaRPr lang="en-US" sz="1400"/>
-                    </a:p>
-                  </a:txBody>
-                  <a:tcPr marL="0" marR="0" marT="0" marB="0" anchor="ctr"/>
-                </a:tc>
-                <a:extLst>
-                  <a:ext uri="{0D108BD9-81ED-4DB2-BD59-A6C34878D82A}">
-                    <a16:rowId xmlns:a16="http://schemas.microsoft.com/office/drawing/2014/main" val="1550429612"/>
-                  </a:ext>
-                </a:extLst>
-              </a:tr>
-              <a:tr h="512232">
-                <a:tc>
-                  <a:txBody>
-                    <a:bodyPr/>
-                    <a:lstStyle/>
-                    <a:p>
-                      <a:pPr algn="ctr"/>
-                      <a:r>
-                        <a:rPr lang="en-US" sz="1400"/>
+                        <a:rPr lang="en-US" sz="1400" dirty="0"/>
                         <a:t>B</a:t>
                       </a:r>
-                      <a:endParaRPr lang="en-US" sz="1400">
+                      <a:endParaRPr lang="en-US" sz="1400" dirty="0">
                         <a:solidFill>
                           <a:schemeClr val="accent2">
                             <a:lumMod val="75000"/>
@@ -18880,399 +18380,10 @@
                     <a:p>
                       <a:pPr algn="ctr"/>
                       <a:r>
-                        <a:rPr lang="en-US" sz="1400"/>
+                        <a:rPr lang="en-US" sz="1400" dirty="0"/>
                         <a:t>B</a:t>
                       </a:r>
-                      <a:endParaRPr lang="en-US" sz="1400">
-                        <a:solidFill>
-                          <a:schemeClr val="accent2">
-                            <a:lumMod val="75000"/>
-                          </a:schemeClr>
-                        </a:solidFill>
-                      </a:endParaRPr>
-                    </a:p>
-                  </a:txBody>
-                  <a:tcPr marL="0" marR="0" marT="0" marB="0" anchor="ctr"/>
-                </a:tc>
-                <a:tc>
-                  <a:txBody>
-                    <a:bodyPr/>
-                    <a:lstStyle/>
-                    <a:p>
-                      <a:pPr algn="ctr"/>
-                      <a:r>
-                        <a:rPr lang="ko-KR" altLang="en-US" sz="1400"/>
-                        <a:t>김희준</a:t>
-                      </a:r>
-                      <a:endParaRPr lang="en-US" sz="1400">
-                        <a:solidFill>
-                          <a:schemeClr val="accent2">
-                            <a:lumMod val="75000"/>
-                          </a:schemeClr>
-                        </a:solidFill>
-                      </a:endParaRPr>
-                    </a:p>
-                  </a:txBody>
-                  <a:tcPr marL="0" marR="0" marT="0" marB="0" anchor="ctr"/>
-                </a:tc>
-                <a:tc>
-                  <a:txBody>
-                    <a:bodyPr/>
-                    <a:lstStyle/>
-                    <a:p>
-                      <a:pPr algn="ctr"/>
-                      <a:endParaRPr lang="en-US" sz="1400">
-                        <a:solidFill>
-                          <a:schemeClr val="accent2">
-                            <a:lumMod val="75000"/>
-                          </a:schemeClr>
-                        </a:solidFill>
-                      </a:endParaRPr>
-                    </a:p>
-                  </a:txBody>
-                  <a:tcPr marL="0" marR="0" marT="0" marB="0" anchor="ctr"/>
-                </a:tc>
-                <a:tc>
-                  <a:txBody>
-                    <a:bodyPr/>
-                    <a:lstStyle/>
-                    <a:p>
-                      <a:pPr algn="ctr"/>
-                      <a:endParaRPr lang="en-US" sz="1400">
-                        <a:solidFill>
-                          <a:schemeClr val="accent2">
-                            <a:lumMod val="75000"/>
-                          </a:schemeClr>
-                        </a:solidFill>
-                      </a:endParaRPr>
-                    </a:p>
-                  </a:txBody>
-                  <a:tcPr marL="0" marR="0" marT="0" marB="0" anchor="ctr"/>
-                </a:tc>
-                <a:tc>
-                  <a:txBody>
-                    <a:bodyPr/>
-                    <a:lstStyle/>
-                    <a:p>
-                      <a:pPr algn="ctr"/>
-                      <a:endParaRPr lang="en-US" sz="1400">
-                        <a:solidFill>
-                          <a:schemeClr val="accent2">
-                            <a:lumMod val="75000"/>
-                          </a:schemeClr>
-                        </a:solidFill>
-                      </a:endParaRPr>
-                    </a:p>
-                  </a:txBody>
-                  <a:tcPr marL="0" marR="0" marT="0" marB="0" anchor="ctr"/>
-                </a:tc>
-                <a:tc>
-                  <a:txBody>
-                    <a:bodyPr/>
-                    <a:lstStyle/>
-                    <a:p>
-                      <a:pPr algn="ctr"/>
-                      <a:endParaRPr lang="en-US" sz="1400">
-                        <a:solidFill>
-                          <a:schemeClr val="accent2">
-                            <a:lumMod val="75000"/>
-                          </a:schemeClr>
-                        </a:solidFill>
-                      </a:endParaRPr>
-                    </a:p>
-                  </a:txBody>
-                  <a:tcPr marL="0" marR="0" marT="0" marB="0" anchor="ctr"/>
-                </a:tc>
-                <a:tc>
-                  <a:txBody>
-                    <a:bodyPr/>
-                    <a:lstStyle/>
-                    <a:p>
-                      <a:pPr algn="ctr"/>
-                      <a:endParaRPr lang="en-US" sz="1400">
-                        <a:solidFill>
-                          <a:schemeClr val="accent2">
-                            <a:lumMod val="75000"/>
-                          </a:schemeClr>
-                        </a:solidFill>
-                      </a:endParaRPr>
-                    </a:p>
-                  </a:txBody>
-                  <a:tcPr marL="0" marR="0" marT="0" marB="0" anchor="ctr"/>
-                </a:tc>
-                <a:tc>
-                  <a:txBody>
-                    <a:bodyPr/>
-                    <a:lstStyle/>
-                    <a:p>
-                      <a:pPr algn="ctr"/>
-                      <a:endParaRPr lang="en-US" sz="1400">
-                        <a:solidFill>
-                          <a:schemeClr val="accent2">
-                            <a:lumMod val="75000"/>
-                          </a:schemeClr>
-                        </a:solidFill>
-                      </a:endParaRPr>
-                    </a:p>
-                  </a:txBody>
-                  <a:tcPr marL="0" marR="0" marT="0" marB="0" anchor="ctr"/>
-                </a:tc>
-                <a:tc>
-                  <a:txBody>
-                    <a:bodyPr/>
-                    <a:lstStyle/>
-                    <a:p>
-                      <a:pPr algn="ctr"/>
-                      <a:endParaRPr lang="en-US" sz="1400">
-                        <a:solidFill>
-                          <a:schemeClr val="accent2">
-                            <a:lumMod val="75000"/>
-                          </a:schemeClr>
-                        </a:solidFill>
-                      </a:endParaRPr>
-                    </a:p>
-                  </a:txBody>
-                  <a:tcPr marL="0" marR="0" marT="0" marB="0" anchor="ctr"/>
-                </a:tc>
-                <a:tc>
-                  <a:txBody>
-                    <a:bodyPr/>
-                    <a:lstStyle/>
-                    <a:p>
-                      <a:pPr algn="ctr"/>
-                      <a:endParaRPr lang="en-US" sz="1400">
-                        <a:solidFill>
-                          <a:schemeClr val="accent2">
-                            <a:lumMod val="75000"/>
-                          </a:schemeClr>
-                        </a:solidFill>
-                      </a:endParaRPr>
-                    </a:p>
-                  </a:txBody>
-                  <a:tcPr marL="0" marR="0" marT="0" marB="0" anchor="ctr"/>
-                </a:tc>
-                <a:tc>
-                  <a:txBody>
-                    <a:bodyPr/>
-                    <a:lstStyle/>
-                    <a:p>
-                      <a:pPr algn="ctr"/>
-                      <a:endParaRPr lang="en-US" sz="1400">
-                        <a:solidFill>
-                          <a:schemeClr val="accent2">
-                            <a:lumMod val="75000"/>
-                          </a:schemeClr>
-                        </a:solidFill>
-                      </a:endParaRPr>
-                    </a:p>
-                  </a:txBody>
-                  <a:tcPr marL="0" marR="0" marT="0" marB="0" anchor="ctr"/>
-                </a:tc>
-                <a:tc>
-                  <a:txBody>
-                    <a:bodyPr/>
-                    <a:lstStyle/>
-                    <a:p>
-                      <a:pPr algn="ctr"/>
-                      <a:endParaRPr lang="en-US" sz="1400">
-                        <a:solidFill>
-                          <a:schemeClr val="accent2">
-                            <a:lumMod val="75000"/>
-                          </a:schemeClr>
-                        </a:solidFill>
-                      </a:endParaRPr>
-                    </a:p>
-                  </a:txBody>
-                  <a:tcPr marL="0" marR="0" marT="0" marB="0" anchor="ctr"/>
-                </a:tc>
-                <a:tc>
-                  <a:txBody>
-                    <a:bodyPr/>
-                    <a:lstStyle/>
-                    <a:p>
-                      <a:pPr algn="ctr"/>
-                      <a:endParaRPr lang="en-US" sz="1400">
-                        <a:solidFill>
-                          <a:schemeClr val="accent2">
-                            <a:lumMod val="75000"/>
-                          </a:schemeClr>
-                        </a:solidFill>
-                      </a:endParaRPr>
-                    </a:p>
-                  </a:txBody>
-                  <a:tcPr marL="0" marR="0" marT="0" marB="0" anchor="ctr"/>
-                </a:tc>
-                <a:tc>
-                  <a:txBody>
-                    <a:bodyPr/>
-                    <a:lstStyle/>
-                    <a:p>
-                      <a:pPr algn="ctr"/>
-                      <a:endParaRPr lang="en-US" sz="1400">
-                        <a:solidFill>
-                          <a:schemeClr val="accent2">
-                            <a:lumMod val="75000"/>
-                          </a:schemeClr>
-                        </a:solidFill>
-                      </a:endParaRPr>
-                    </a:p>
-                  </a:txBody>
-                  <a:tcPr marL="0" marR="0" marT="0" marB="0" anchor="ctr"/>
-                </a:tc>
-                <a:tc>
-                  <a:txBody>
-                    <a:bodyPr/>
-                    <a:lstStyle/>
-                    <a:p>
-                      <a:pPr algn="ctr"/>
-                      <a:endParaRPr lang="en-US" sz="1400">
-                        <a:solidFill>
-                          <a:schemeClr val="accent2">
-                            <a:lumMod val="75000"/>
-                          </a:schemeClr>
-                        </a:solidFill>
-                      </a:endParaRPr>
-                    </a:p>
-                  </a:txBody>
-                  <a:tcPr marL="0" marR="0" marT="0" marB="0" anchor="ctr"/>
-                </a:tc>
-                <a:tc>
-                  <a:txBody>
-                    <a:bodyPr/>
-                    <a:lstStyle/>
-                    <a:p>
-                      <a:pPr algn="ctr"/>
-                      <a:endParaRPr lang="en-US" sz="1400">
-                        <a:solidFill>
-                          <a:schemeClr val="accent2">
-                            <a:lumMod val="75000"/>
-                          </a:schemeClr>
-                        </a:solidFill>
-                      </a:endParaRPr>
-                    </a:p>
-                  </a:txBody>
-                  <a:tcPr marL="0" marR="0" marT="0" marB="0" anchor="ctr"/>
-                </a:tc>
-                <a:tc>
-                  <a:txBody>
-                    <a:bodyPr/>
-                    <a:lstStyle/>
-                    <a:p>
-                      <a:pPr algn="ctr"/>
-                      <a:endParaRPr lang="en-US" sz="1400">
-                        <a:solidFill>
-                          <a:schemeClr val="accent2">
-                            <a:lumMod val="75000"/>
-                          </a:schemeClr>
-                        </a:solidFill>
-                      </a:endParaRPr>
-                    </a:p>
-                  </a:txBody>
-                  <a:tcPr marL="0" marR="0" marT="0" marB="0" anchor="ctr"/>
-                </a:tc>
-                <a:tc>
-                  <a:txBody>
-                    <a:bodyPr/>
-                    <a:lstStyle/>
-                    <a:p>
-                      <a:pPr algn="ctr"/>
-                      <a:endParaRPr lang="en-US" sz="1400">
-                        <a:solidFill>
-                          <a:schemeClr val="accent2">
-                            <a:lumMod val="75000"/>
-                          </a:schemeClr>
-                        </a:solidFill>
-                      </a:endParaRPr>
-                    </a:p>
-                  </a:txBody>
-                  <a:tcPr marL="0" marR="0" marT="0" marB="0" anchor="ctr"/>
-                </a:tc>
-                <a:tc>
-                  <a:txBody>
-                    <a:bodyPr/>
-                    <a:lstStyle/>
-                    <a:p>
-                      <a:pPr algn="ctr"/>
-                      <a:endParaRPr lang="en-US" sz="1400">
-                        <a:solidFill>
-                          <a:schemeClr val="accent2">
-                            <a:lumMod val="75000"/>
-                          </a:schemeClr>
-                        </a:solidFill>
-                      </a:endParaRPr>
-                    </a:p>
-                  </a:txBody>
-                  <a:tcPr marL="0" marR="0" marT="0" marB="0" anchor="ctr"/>
-                </a:tc>
-                <a:tc>
-                  <a:txBody>
-                    <a:bodyPr/>
-                    <a:lstStyle/>
-                    <a:p>
-                      <a:pPr algn="ctr"/>
-                      <a:endParaRPr lang="en-US" sz="1400">
-                        <a:solidFill>
-                          <a:schemeClr val="accent2">
-                            <a:lumMod val="75000"/>
-                          </a:schemeClr>
-                        </a:solidFill>
-                      </a:endParaRPr>
-                    </a:p>
-                  </a:txBody>
-                  <a:tcPr marL="0" marR="0" marT="0" marB="0" anchor="ctr"/>
-                </a:tc>
-                <a:tc>
-                  <a:txBody>
-                    <a:bodyPr/>
-                    <a:lstStyle/>
-                    <a:p>
-                      <a:pPr algn="ctr"/>
-                      <a:endParaRPr lang="en-US" sz="1400">
-                        <a:solidFill>
-                          <a:schemeClr val="accent2">
-                            <a:lumMod val="75000"/>
-                          </a:schemeClr>
-                        </a:solidFill>
-                      </a:endParaRPr>
-                    </a:p>
-                  </a:txBody>
-                  <a:tcPr marL="0" marR="0" marT="0" marB="0" anchor="ctr"/>
-                </a:tc>
-                <a:tc>
-                  <a:txBody>
-                    <a:bodyPr/>
-                    <a:lstStyle/>
-                    <a:p>
-                      <a:pPr algn="ctr"/>
-                      <a:endParaRPr lang="en-US" sz="1400">
-                        <a:solidFill>
-                          <a:schemeClr val="accent2">
-                            <a:lumMod val="75000"/>
-                          </a:schemeClr>
-                        </a:solidFill>
-                      </a:endParaRPr>
-                    </a:p>
-                  </a:txBody>
-                  <a:tcPr marL="0" marR="0" marT="0" marB="0" anchor="ctr"/>
-                </a:tc>
-                <a:extLst>
-                  <a:ext uri="{0D108BD9-81ED-4DB2-BD59-A6C34878D82A}">
-                    <a16:rowId xmlns:a16="http://schemas.microsoft.com/office/drawing/2014/main" val="1719542100"/>
-                  </a:ext>
-                </a:extLst>
-              </a:tr>
-              <a:tr h="512232">
-                <a:tc>
-                  <a:txBody>
-                    <a:bodyPr/>
-                    <a:lstStyle/>
-                    <a:p>
-                      <a:pPr algn="ctr"/>
-                      <a:r>
-                        <a:rPr lang="en-US" sz="1400"/>
-                        <a:t>B</a:t>
-                      </a:r>
-                      <a:endParaRPr lang="en-US" sz="1400">
+                      <a:endParaRPr lang="en-US" sz="1400" dirty="0">
                         <a:solidFill>
                           <a:schemeClr val="accent2">
                             <a:lumMod val="75000"/>
@@ -20151,7 +19262,7 @@
                     <a:lstStyle/>
                     <a:p>
                       <a:pPr algn="ctr"/>
-                      <a:endParaRPr lang="en-US" sz="1400"/>
+                      <a:endParaRPr lang="en-US" sz="1400" dirty="0"/>
                     </a:p>
                   </a:txBody>
                   <a:tcPr marL="0" marR="0" marT="0" marB="0" anchor="ctr"/>
@@ -20159,6 +19270,2579 @@
                 <a:extLst>
                   <a:ext uri="{0D108BD9-81ED-4DB2-BD59-A6C34878D82A}">
                     <a16:rowId xmlns:a16="http://schemas.microsoft.com/office/drawing/2014/main" val="479172299"/>
+                  </a:ext>
+                </a:extLst>
+              </a:tr>
+              <a:tr h="512232">
+                <a:tc>
+                  <a:txBody>
+                    <a:bodyPr/>
+                    <a:lstStyle/>
+                    <a:p>
+                      <a:pPr algn="ctr"/>
+                      <a:r>
+                        <a:rPr lang="en-US" sz="1400" strike="sngStrike" dirty="0"/>
+                        <a:t>A</a:t>
+                      </a:r>
+                    </a:p>
+                  </a:txBody>
+                  <a:tcPr marL="0" marR="0" marT="0" marB="0" anchor="ctr"/>
+                </a:tc>
+                <a:tc>
+                  <a:txBody>
+                    <a:bodyPr/>
+                    <a:lstStyle/>
+                    <a:p>
+                      <a:pPr algn="ctr"/>
+                      <a:r>
+                        <a:rPr lang="ko-KR" altLang="en-US" sz="1400" strike="sngStrike" dirty="0"/>
+                        <a:t>김기홍</a:t>
+                      </a:r>
+                      <a:endParaRPr lang="en-US" sz="1400" strike="sngStrike" dirty="0"/>
+                    </a:p>
+                  </a:txBody>
+                  <a:tcPr marL="0" marR="0" marT="0" marB="0" anchor="ctr"/>
+                </a:tc>
+                <a:tc>
+                  <a:txBody>
+                    <a:bodyPr/>
+                    <a:lstStyle/>
+                    <a:p>
+                      <a:pPr marL="0" marR="0" lvl="0" indent="0" algn="ctr" defTabSz="914400" rtl="0" eaLnBrk="1" fontAlgn="auto" latinLnBrk="0" hangingPunct="1">
+                        <a:lnSpc>
+                          <a:spcPct val="100000"/>
+                        </a:lnSpc>
+                        <a:spcBef>
+                          <a:spcPts val="0"/>
+                        </a:spcBef>
+                        <a:spcAft>
+                          <a:spcPts val="0"/>
+                        </a:spcAft>
+                        <a:buClrTx/>
+                        <a:buSzTx/>
+                        <a:buFontTx/>
+                        <a:buNone/>
+                        <a:tabLst/>
+                        <a:defRPr/>
+                      </a:pPr>
+                      <a:r>
+                        <a:rPr kumimoji="0" lang="en-US" sz="1400" b="0" i="0" u="none" strike="sngStrike" kern="1200" cap="none" spc="0" normalizeH="0" baseline="0" noProof="0">
+                          <a:ln>
+                            <a:noFill/>
+                          </a:ln>
+                          <a:solidFill>
+                            <a:prstClr val="black"/>
+                          </a:solidFill>
+                          <a:effectLst/>
+                          <a:uLnTx/>
+                          <a:uFillTx/>
+                          <a:latin typeface="Calibri" panose="020F0502020204030204"/>
+                          <a:ea typeface="+mn-ea"/>
+                          <a:cs typeface="+mn-cs"/>
+                        </a:rPr>
+                        <a:t> </a:t>
+                      </a:r>
+                      <a:endParaRPr kumimoji="0" lang="en-US" sz="1400" b="0" i="0" u="none" strike="sngStrike" kern="1200" cap="none" spc="0" normalizeH="0" baseline="0" noProof="0" dirty="0">
+                        <a:ln>
+                          <a:noFill/>
+                        </a:ln>
+                        <a:solidFill>
+                          <a:prstClr val="black"/>
+                        </a:solidFill>
+                        <a:effectLst/>
+                        <a:uLnTx/>
+                        <a:uFillTx/>
+                        <a:latin typeface="Calibri" panose="020F0502020204030204"/>
+                        <a:ea typeface="+mn-ea"/>
+                        <a:cs typeface="+mn-cs"/>
+                      </a:endParaRPr>
+                    </a:p>
+                  </a:txBody>
+                  <a:tcPr marL="0" marR="0" marT="0" marB="0" anchor="ctr"/>
+                </a:tc>
+                <a:tc>
+                  <a:txBody>
+                    <a:bodyPr/>
+                    <a:lstStyle/>
+                    <a:p>
+                      <a:pPr marL="0" marR="0" lvl="0" indent="0" algn="ctr" defTabSz="914400" rtl="0" eaLnBrk="1" fontAlgn="auto" latinLnBrk="0" hangingPunct="1">
+                        <a:lnSpc>
+                          <a:spcPct val="100000"/>
+                        </a:lnSpc>
+                        <a:spcBef>
+                          <a:spcPts val="0"/>
+                        </a:spcBef>
+                        <a:spcAft>
+                          <a:spcPts val="0"/>
+                        </a:spcAft>
+                        <a:buClrTx/>
+                        <a:buSzTx/>
+                        <a:buFontTx/>
+                        <a:buNone/>
+                        <a:tabLst/>
+                        <a:defRPr/>
+                      </a:pPr>
+                      <a:r>
+                        <a:rPr kumimoji="0" lang="en-US" sz="1400" b="0" i="0" u="none" strike="sngStrike" kern="1200" cap="none" spc="0" normalizeH="0" baseline="0" noProof="0">
+                          <a:ln>
+                            <a:noFill/>
+                          </a:ln>
+                          <a:solidFill>
+                            <a:prstClr val="black"/>
+                          </a:solidFill>
+                          <a:effectLst/>
+                          <a:uLnTx/>
+                          <a:uFillTx/>
+                          <a:latin typeface="Calibri" panose="020F0502020204030204"/>
+                          <a:ea typeface="+mn-ea"/>
+                          <a:cs typeface="+mn-cs"/>
+                        </a:rPr>
+                        <a:t> </a:t>
+                      </a:r>
+                      <a:endParaRPr kumimoji="0" lang="en-US" sz="1400" b="0" i="0" u="none" strike="sngStrike" kern="1200" cap="none" spc="0" normalizeH="0" baseline="0" noProof="0" dirty="0">
+                        <a:ln>
+                          <a:noFill/>
+                        </a:ln>
+                        <a:solidFill>
+                          <a:prstClr val="black"/>
+                        </a:solidFill>
+                        <a:effectLst/>
+                        <a:uLnTx/>
+                        <a:uFillTx/>
+                        <a:latin typeface="Calibri" panose="020F0502020204030204"/>
+                        <a:ea typeface="+mn-ea"/>
+                        <a:cs typeface="+mn-cs"/>
+                      </a:endParaRPr>
+                    </a:p>
+                  </a:txBody>
+                  <a:tcPr marL="0" marR="0" marT="0" marB="0" anchor="ctr"/>
+                </a:tc>
+                <a:tc>
+                  <a:txBody>
+                    <a:bodyPr/>
+                    <a:lstStyle/>
+                    <a:p>
+                      <a:pPr marL="0" marR="0" lvl="0" indent="0" algn="ctr" defTabSz="914400" rtl="0" eaLnBrk="1" fontAlgn="auto" latinLnBrk="0" hangingPunct="1">
+                        <a:lnSpc>
+                          <a:spcPct val="100000"/>
+                        </a:lnSpc>
+                        <a:spcBef>
+                          <a:spcPts val="0"/>
+                        </a:spcBef>
+                        <a:spcAft>
+                          <a:spcPts val="0"/>
+                        </a:spcAft>
+                        <a:buClrTx/>
+                        <a:buSzTx/>
+                        <a:buFontTx/>
+                        <a:buNone/>
+                        <a:tabLst/>
+                        <a:defRPr/>
+                      </a:pPr>
+                      <a:r>
+                        <a:rPr kumimoji="0" lang="en-US" sz="1400" b="0" i="0" u="none" strike="sngStrike" kern="1200" cap="none" spc="0" normalizeH="0" baseline="0" noProof="0">
+                          <a:ln>
+                            <a:noFill/>
+                          </a:ln>
+                          <a:solidFill>
+                            <a:prstClr val="black"/>
+                          </a:solidFill>
+                          <a:effectLst/>
+                          <a:uLnTx/>
+                          <a:uFillTx/>
+                          <a:latin typeface="Calibri" panose="020F0502020204030204"/>
+                          <a:ea typeface="+mn-ea"/>
+                          <a:cs typeface="+mn-cs"/>
+                        </a:rPr>
+                        <a:t> </a:t>
+                      </a:r>
+                      <a:endParaRPr kumimoji="0" lang="en-US" sz="1400" b="0" i="0" u="none" strike="sngStrike" kern="1200" cap="none" spc="0" normalizeH="0" baseline="0" noProof="0" dirty="0">
+                        <a:ln>
+                          <a:noFill/>
+                        </a:ln>
+                        <a:solidFill>
+                          <a:prstClr val="black"/>
+                        </a:solidFill>
+                        <a:effectLst/>
+                        <a:uLnTx/>
+                        <a:uFillTx/>
+                        <a:latin typeface="Calibri" panose="020F0502020204030204"/>
+                        <a:ea typeface="+mn-ea"/>
+                        <a:cs typeface="+mn-cs"/>
+                      </a:endParaRPr>
+                    </a:p>
+                  </a:txBody>
+                  <a:tcPr marL="0" marR="0" marT="0" marB="0" anchor="ctr"/>
+                </a:tc>
+                <a:tc>
+                  <a:txBody>
+                    <a:bodyPr/>
+                    <a:lstStyle/>
+                    <a:p>
+                      <a:pPr marL="0" marR="0" lvl="0" indent="0" algn="ctr" defTabSz="914400" rtl="0" eaLnBrk="1" fontAlgn="auto" latinLnBrk="0" hangingPunct="1">
+                        <a:lnSpc>
+                          <a:spcPct val="100000"/>
+                        </a:lnSpc>
+                        <a:spcBef>
+                          <a:spcPts val="0"/>
+                        </a:spcBef>
+                        <a:spcAft>
+                          <a:spcPts val="0"/>
+                        </a:spcAft>
+                        <a:buClrTx/>
+                        <a:buSzTx/>
+                        <a:buFontTx/>
+                        <a:buNone/>
+                        <a:tabLst/>
+                        <a:defRPr/>
+                      </a:pPr>
+                      <a:r>
+                        <a:rPr kumimoji="0" lang="en-US" sz="1400" b="0" i="0" u="none" strike="sngStrike" kern="1200" cap="none" spc="0" normalizeH="0" baseline="0" noProof="0">
+                          <a:ln>
+                            <a:noFill/>
+                          </a:ln>
+                          <a:solidFill>
+                            <a:prstClr val="black"/>
+                          </a:solidFill>
+                          <a:effectLst/>
+                          <a:uLnTx/>
+                          <a:uFillTx/>
+                          <a:latin typeface="Calibri" panose="020F0502020204030204"/>
+                          <a:ea typeface="+mn-ea"/>
+                          <a:cs typeface="+mn-cs"/>
+                        </a:rPr>
+                        <a:t> </a:t>
+                      </a:r>
+                      <a:endParaRPr kumimoji="0" lang="en-US" sz="1400" b="0" i="0" u="none" strike="sngStrike" kern="1200" cap="none" spc="0" normalizeH="0" baseline="0" noProof="0" dirty="0">
+                        <a:ln>
+                          <a:noFill/>
+                        </a:ln>
+                        <a:solidFill>
+                          <a:prstClr val="black"/>
+                        </a:solidFill>
+                        <a:effectLst/>
+                        <a:uLnTx/>
+                        <a:uFillTx/>
+                        <a:latin typeface="Calibri" panose="020F0502020204030204"/>
+                        <a:ea typeface="+mn-ea"/>
+                        <a:cs typeface="+mn-cs"/>
+                      </a:endParaRPr>
+                    </a:p>
+                  </a:txBody>
+                  <a:tcPr marL="0" marR="0" marT="0" marB="0" anchor="ctr"/>
+                </a:tc>
+                <a:tc>
+                  <a:txBody>
+                    <a:bodyPr/>
+                    <a:lstStyle/>
+                    <a:p>
+                      <a:pPr marL="0" marR="0" lvl="0" indent="0" algn="ctr" defTabSz="914400" rtl="0" eaLnBrk="1" fontAlgn="auto" latinLnBrk="0" hangingPunct="1">
+                        <a:lnSpc>
+                          <a:spcPct val="100000"/>
+                        </a:lnSpc>
+                        <a:spcBef>
+                          <a:spcPts val="0"/>
+                        </a:spcBef>
+                        <a:spcAft>
+                          <a:spcPts val="0"/>
+                        </a:spcAft>
+                        <a:buClrTx/>
+                        <a:buSzTx/>
+                        <a:buFontTx/>
+                        <a:buNone/>
+                        <a:tabLst/>
+                        <a:defRPr/>
+                      </a:pPr>
+                      <a:r>
+                        <a:rPr kumimoji="0" lang="en-US" sz="1400" b="0" i="0" u="none" strike="sngStrike" kern="1200" cap="none" spc="0" normalizeH="0" baseline="0" noProof="0">
+                          <a:ln>
+                            <a:noFill/>
+                          </a:ln>
+                          <a:solidFill>
+                            <a:prstClr val="black"/>
+                          </a:solidFill>
+                          <a:effectLst/>
+                          <a:uLnTx/>
+                          <a:uFillTx/>
+                          <a:latin typeface="Calibri" panose="020F0502020204030204"/>
+                          <a:ea typeface="+mn-ea"/>
+                          <a:cs typeface="+mn-cs"/>
+                        </a:rPr>
+                        <a:t> </a:t>
+                      </a:r>
+                      <a:endParaRPr kumimoji="0" lang="en-US" sz="1400" b="0" i="0" u="none" strike="sngStrike" kern="1200" cap="none" spc="0" normalizeH="0" baseline="0" noProof="0" dirty="0">
+                        <a:ln>
+                          <a:noFill/>
+                        </a:ln>
+                        <a:solidFill>
+                          <a:prstClr val="black"/>
+                        </a:solidFill>
+                        <a:effectLst/>
+                        <a:uLnTx/>
+                        <a:uFillTx/>
+                        <a:latin typeface="Calibri" panose="020F0502020204030204"/>
+                        <a:ea typeface="+mn-ea"/>
+                        <a:cs typeface="+mn-cs"/>
+                      </a:endParaRPr>
+                    </a:p>
+                  </a:txBody>
+                  <a:tcPr marL="0" marR="0" marT="0" marB="0" anchor="ctr"/>
+                </a:tc>
+                <a:tc>
+                  <a:txBody>
+                    <a:bodyPr/>
+                    <a:lstStyle/>
+                    <a:p>
+                      <a:pPr marL="0" marR="0" lvl="0" indent="0" algn="ctr" defTabSz="914400" rtl="0" eaLnBrk="1" fontAlgn="auto" latinLnBrk="0" hangingPunct="1">
+                        <a:lnSpc>
+                          <a:spcPct val="100000"/>
+                        </a:lnSpc>
+                        <a:spcBef>
+                          <a:spcPts val="0"/>
+                        </a:spcBef>
+                        <a:spcAft>
+                          <a:spcPts val="0"/>
+                        </a:spcAft>
+                        <a:buClrTx/>
+                        <a:buSzTx/>
+                        <a:buFontTx/>
+                        <a:buNone/>
+                        <a:tabLst/>
+                        <a:defRPr/>
+                      </a:pPr>
+                      <a:r>
+                        <a:rPr kumimoji="0" lang="en-US" sz="1400" b="0" i="0" u="none" strike="sngStrike" kern="1200" cap="none" spc="0" normalizeH="0" baseline="0" noProof="0">
+                          <a:ln>
+                            <a:noFill/>
+                          </a:ln>
+                          <a:solidFill>
+                            <a:prstClr val="black"/>
+                          </a:solidFill>
+                          <a:effectLst/>
+                          <a:uLnTx/>
+                          <a:uFillTx/>
+                          <a:latin typeface="Calibri" panose="020F0502020204030204"/>
+                          <a:ea typeface="+mn-ea"/>
+                          <a:cs typeface="+mn-cs"/>
+                        </a:rPr>
+                        <a:t> </a:t>
+                      </a:r>
+                      <a:endParaRPr kumimoji="0" lang="en-US" sz="1400" b="0" i="0" u="none" strike="sngStrike" kern="1200" cap="none" spc="0" normalizeH="0" baseline="0" noProof="0" dirty="0">
+                        <a:ln>
+                          <a:noFill/>
+                        </a:ln>
+                        <a:solidFill>
+                          <a:prstClr val="black"/>
+                        </a:solidFill>
+                        <a:effectLst/>
+                        <a:uLnTx/>
+                        <a:uFillTx/>
+                        <a:latin typeface="Calibri" panose="020F0502020204030204"/>
+                        <a:ea typeface="+mn-ea"/>
+                        <a:cs typeface="+mn-cs"/>
+                      </a:endParaRPr>
+                    </a:p>
+                  </a:txBody>
+                  <a:tcPr marL="0" marR="0" marT="0" marB="0" anchor="ctr"/>
+                </a:tc>
+                <a:tc>
+                  <a:txBody>
+                    <a:bodyPr/>
+                    <a:lstStyle/>
+                    <a:p>
+                      <a:pPr marL="0" marR="0" lvl="0" indent="0" algn="ctr" defTabSz="914400" rtl="0" eaLnBrk="1" fontAlgn="auto" latinLnBrk="0" hangingPunct="1">
+                        <a:lnSpc>
+                          <a:spcPct val="100000"/>
+                        </a:lnSpc>
+                        <a:spcBef>
+                          <a:spcPts val="0"/>
+                        </a:spcBef>
+                        <a:spcAft>
+                          <a:spcPts val="0"/>
+                        </a:spcAft>
+                        <a:buClrTx/>
+                        <a:buSzTx/>
+                        <a:buFontTx/>
+                        <a:buNone/>
+                        <a:tabLst/>
+                        <a:defRPr/>
+                      </a:pPr>
+                      <a:r>
+                        <a:rPr kumimoji="0" lang="en-US" sz="1400" b="0" i="0" u="none" strike="sngStrike" kern="1200" cap="none" spc="0" normalizeH="0" baseline="0" noProof="0">
+                          <a:ln>
+                            <a:noFill/>
+                          </a:ln>
+                          <a:solidFill>
+                            <a:prstClr val="black"/>
+                          </a:solidFill>
+                          <a:effectLst/>
+                          <a:uLnTx/>
+                          <a:uFillTx/>
+                          <a:latin typeface="Calibri" panose="020F0502020204030204"/>
+                          <a:ea typeface="+mn-ea"/>
+                          <a:cs typeface="+mn-cs"/>
+                        </a:rPr>
+                        <a:t> </a:t>
+                      </a:r>
+                      <a:endParaRPr kumimoji="0" lang="en-US" sz="1400" b="0" i="0" u="none" strike="sngStrike" kern="1200" cap="none" spc="0" normalizeH="0" baseline="0" noProof="0" dirty="0">
+                        <a:ln>
+                          <a:noFill/>
+                        </a:ln>
+                        <a:solidFill>
+                          <a:prstClr val="black"/>
+                        </a:solidFill>
+                        <a:effectLst/>
+                        <a:uLnTx/>
+                        <a:uFillTx/>
+                        <a:latin typeface="Calibri" panose="020F0502020204030204"/>
+                        <a:ea typeface="+mn-ea"/>
+                        <a:cs typeface="+mn-cs"/>
+                      </a:endParaRPr>
+                    </a:p>
+                  </a:txBody>
+                  <a:tcPr marL="0" marR="0" marT="0" marB="0" anchor="ctr"/>
+                </a:tc>
+                <a:tc>
+                  <a:txBody>
+                    <a:bodyPr/>
+                    <a:lstStyle/>
+                    <a:p>
+                      <a:pPr marL="0" marR="0" lvl="0" indent="0" algn="ctr" defTabSz="914400" rtl="0" eaLnBrk="1" fontAlgn="auto" latinLnBrk="0" hangingPunct="1">
+                        <a:lnSpc>
+                          <a:spcPct val="100000"/>
+                        </a:lnSpc>
+                        <a:spcBef>
+                          <a:spcPts val="0"/>
+                        </a:spcBef>
+                        <a:spcAft>
+                          <a:spcPts val="0"/>
+                        </a:spcAft>
+                        <a:buClrTx/>
+                        <a:buSzTx/>
+                        <a:buFontTx/>
+                        <a:buNone/>
+                        <a:tabLst/>
+                        <a:defRPr/>
+                      </a:pPr>
+                      <a:r>
+                        <a:rPr kumimoji="0" lang="en-US" sz="1400" b="0" i="0" u="none" strike="sngStrike" kern="1200" cap="none" spc="0" normalizeH="0" baseline="0" noProof="0">
+                          <a:ln>
+                            <a:noFill/>
+                          </a:ln>
+                          <a:solidFill>
+                            <a:prstClr val="black"/>
+                          </a:solidFill>
+                          <a:effectLst/>
+                          <a:uLnTx/>
+                          <a:uFillTx/>
+                          <a:latin typeface="Calibri" panose="020F0502020204030204"/>
+                          <a:ea typeface="+mn-ea"/>
+                          <a:cs typeface="+mn-cs"/>
+                        </a:rPr>
+                        <a:t> </a:t>
+                      </a:r>
+                      <a:endParaRPr kumimoji="0" lang="en-US" sz="1400" b="0" i="0" u="none" strike="sngStrike" kern="1200" cap="none" spc="0" normalizeH="0" baseline="0" noProof="0" dirty="0">
+                        <a:ln>
+                          <a:noFill/>
+                        </a:ln>
+                        <a:solidFill>
+                          <a:prstClr val="black"/>
+                        </a:solidFill>
+                        <a:effectLst/>
+                        <a:uLnTx/>
+                        <a:uFillTx/>
+                        <a:latin typeface="Calibri" panose="020F0502020204030204"/>
+                        <a:ea typeface="+mn-ea"/>
+                        <a:cs typeface="+mn-cs"/>
+                      </a:endParaRPr>
+                    </a:p>
+                  </a:txBody>
+                  <a:tcPr marL="0" marR="0" marT="0" marB="0" anchor="ctr"/>
+                </a:tc>
+                <a:tc>
+                  <a:txBody>
+                    <a:bodyPr/>
+                    <a:lstStyle/>
+                    <a:p>
+                      <a:pPr marL="0" marR="0" lvl="0" indent="0" algn="ctr" defTabSz="914400" rtl="0" eaLnBrk="1" fontAlgn="auto" latinLnBrk="0" hangingPunct="1">
+                        <a:lnSpc>
+                          <a:spcPct val="100000"/>
+                        </a:lnSpc>
+                        <a:spcBef>
+                          <a:spcPts val="0"/>
+                        </a:spcBef>
+                        <a:spcAft>
+                          <a:spcPts val="0"/>
+                        </a:spcAft>
+                        <a:buClrTx/>
+                        <a:buSzTx/>
+                        <a:buFontTx/>
+                        <a:buNone/>
+                        <a:tabLst/>
+                        <a:defRPr/>
+                      </a:pPr>
+                      <a:r>
+                        <a:rPr kumimoji="0" lang="en-US" sz="1400" b="0" i="0" u="none" strike="sngStrike" kern="1200" cap="none" spc="0" normalizeH="0" baseline="0" noProof="0">
+                          <a:ln>
+                            <a:noFill/>
+                          </a:ln>
+                          <a:solidFill>
+                            <a:prstClr val="black"/>
+                          </a:solidFill>
+                          <a:effectLst/>
+                          <a:uLnTx/>
+                          <a:uFillTx/>
+                          <a:latin typeface="Calibri" panose="020F0502020204030204"/>
+                          <a:ea typeface="+mn-ea"/>
+                          <a:cs typeface="+mn-cs"/>
+                        </a:rPr>
+                        <a:t> </a:t>
+                      </a:r>
+                      <a:endParaRPr kumimoji="0" lang="en-US" sz="1400" b="0" i="0" u="none" strike="sngStrike" kern="1200" cap="none" spc="0" normalizeH="0" baseline="0" noProof="0" dirty="0">
+                        <a:ln>
+                          <a:noFill/>
+                        </a:ln>
+                        <a:solidFill>
+                          <a:prstClr val="black"/>
+                        </a:solidFill>
+                        <a:effectLst/>
+                        <a:uLnTx/>
+                        <a:uFillTx/>
+                        <a:latin typeface="Calibri" panose="020F0502020204030204"/>
+                        <a:ea typeface="+mn-ea"/>
+                        <a:cs typeface="+mn-cs"/>
+                      </a:endParaRPr>
+                    </a:p>
+                  </a:txBody>
+                  <a:tcPr marL="0" marR="0" marT="0" marB="0" anchor="ctr"/>
+                </a:tc>
+                <a:tc>
+                  <a:txBody>
+                    <a:bodyPr/>
+                    <a:lstStyle/>
+                    <a:p>
+                      <a:pPr marL="0" marR="0" lvl="0" indent="0" algn="ctr" defTabSz="914400" rtl="0" eaLnBrk="1" fontAlgn="auto" latinLnBrk="0" hangingPunct="1">
+                        <a:lnSpc>
+                          <a:spcPct val="100000"/>
+                        </a:lnSpc>
+                        <a:spcBef>
+                          <a:spcPts val="0"/>
+                        </a:spcBef>
+                        <a:spcAft>
+                          <a:spcPts val="0"/>
+                        </a:spcAft>
+                        <a:buClrTx/>
+                        <a:buSzTx/>
+                        <a:buFontTx/>
+                        <a:buNone/>
+                        <a:tabLst/>
+                        <a:defRPr/>
+                      </a:pPr>
+                      <a:r>
+                        <a:rPr kumimoji="0" lang="en-US" sz="1400" b="0" i="0" u="none" strike="sngStrike" kern="1200" cap="none" spc="0" normalizeH="0" baseline="0" noProof="0">
+                          <a:ln>
+                            <a:noFill/>
+                          </a:ln>
+                          <a:solidFill>
+                            <a:prstClr val="black"/>
+                          </a:solidFill>
+                          <a:effectLst/>
+                          <a:uLnTx/>
+                          <a:uFillTx/>
+                          <a:latin typeface="Calibri" panose="020F0502020204030204"/>
+                          <a:ea typeface="+mn-ea"/>
+                          <a:cs typeface="+mn-cs"/>
+                        </a:rPr>
+                        <a:t> </a:t>
+                      </a:r>
+                      <a:endParaRPr kumimoji="0" lang="en-US" sz="1400" b="0" i="0" u="none" strike="sngStrike" kern="1200" cap="none" spc="0" normalizeH="0" baseline="0" noProof="0" dirty="0">
+                        <a:ln>
+                          <a:noFill/>
+                        </a:ln>
+                        <a:solidFill>
+                          <a:prstClr val="black"/>
+                        </a:solidFill>
+                        <a:effectLst/>
+                        <a:uLnTx/>
+                        <a:uFillTx/>
+                        <a:latin typeface="Calibri" panose="020F0502020204030204"/>
+                        <a:ea typeface="+mn-ea"/>
+                        <a:cs typeface="+mn-cs"/>
+                      </a:endParaRPr>
+                    </a:p>
+                  </a:txBody>
+                  <a:tcPr marL="0" marR="0" marT="0" marB="0" anchor="ctr"/>
+                </a:tc>
+                <a:tc>
+                  <a:txBody>
+                    <a:bodyPr/>
+                    <a:lstStyle/>
+                    <a:p>
+                      <a:pPr marL="0" marR="0" lvl="0" indent="0" algn="ctr" defTabSz="914400" rtl="0" eaLnBrk="1" fontAlgn="auto" latinLnBrk="0" hangingPunct="1">
+                        <a:lnSpc>
+                          <a:spcPct val="100000"/>
+                        </a:lnSpc>
+                        <a:spcBef>
+                          <a:spcPts val="0"/>
+                        </a:spcBef>
+                        <a:spcAft>
+                          <a:spcPts val="0"/>
+                        </a:spcAft>
+                        <a:buClrTx/>
+                        <a:buSzTx/>
+                        <a:buFontTx/>
+                        <a:buNone/>
+                        <a:tabLst/>
+                        <a:defRPr/>
+                      </a:pPr>
+                      <a:r>
+                        <a:rPr kumimoji="0" lang="en-US" sz="1400" b="0" i="0" u="none" strike="sngStrike" kern="1200" cap="none" spc="0" normalizeH="0" baseline="0" noProof="0">
+                          <a:ln>
+                            <a:noFill/>
+                          </a:ln>
+                          <a:solidFill>
+                            <a:prstClr val="black"/>
+                          </a:solidFill>
+                          <a:effectLst/>
+                          <a:uLnTx/>
+                          <a:uFillTx/>
+                          <a:latin typeface="Calibri" panose="020F0502020204030204"/>
+                          <a:ea typeface="+mn-ea"/>
+                          <a:cs typeface="+mn-cs"/>
+                        </a:rPr>
+                        <a:t> </a:t>
+                      </a:r>
+                      <a:endParaRPr kumimoji="0" lang="en-US" sz="1400" b="0" i="0" u="none" strike="sngStrike" kern="1200" cap="none" spc="0" normalizeH="0" baseline="0" noProof="0" dirty="0">
+                        <a:ln>
+                          <a:noFill/>
+                        </a:ln>
+                        <a:solidFill>
+                          <a:prstClr val="black"/>
+                        </a:solidFill>
+                        <a:effectLst/>
+                        <a:uLnTx/>
+                        <a:uFillTx/>
+                        <a:latin typeface="Calibri" panose="020F0502020204030204"/>
+                        <a:ea typeface="+mn-ea"/>
+                        <a:cs typeface="+mn-cs"/>
+                      </a:endParaRPr>
+                    </a:p>
+                  </a:txBody>
+                  <a:tcPr marL="0" marR="0" marT="0" marB="0" anchor="ctr"/>
+                </a:tc>
+                <a:tc>
+                  <a:txBody>
+                    <a:bodyPr/>
+                    <a:lstStyle/>
+                    <a:p>
+                      <a:pPr marL="0" marR="0" lvl="0" indent="0" algn="ctr" defTabSz="914400" rtl="0" eaLnBrk="1" fontAlgn="auto" latinLnBrk="0" hangingPunct="1">
+                        <a:lnSpc>
+                          <a:spcPct val="100000"/>
+                        </a:lnSpc>
+                        <a:spcBef>
+                          <a:spcPts val="0"/>
+                        </a:spcBef>
+                        <a:spcAft>
+                          <a:spcPts val="0"/>
+                        </a:spcAft>
+                        <a:buClrTx/>
+                        <a:buSzTx/>
+                        <a:buFontTx/>
+                        <a:buNone/>
+                        <a:tabLst/>
+                        <a:defRPr/>
+                      </a:pPr>
+                      <a:r>
+                        <a:rPr kumimoji="0" lang="en-US" sz="1400" b="0" i="0" u="none" strike="sngStrike" kern="1200" cap="none" spc="0" normalizeH="0" baseline="0" noProof="0">
+                          <a:ln>
+                            <a:noFill/>
+                          </a:ln>
+                          <a:solidFill>
+                            <a:prstClr val="black"/>
+                          </a:solidFill>
+                          <a:effectLst/>
+                          <a:uLnTx/>
+                          <a:uFillTx/>
+                          <a:latin typeface="Calibri" panose="020F0502020204030204"/>
+                          <a:ea typeface="+mn-ea"/>
+                          <a:cs typeface="+mn-cs"/>
+                        </a:rPr>
+                        <a:t> </a:t>
+                      </a:r>
+                      <a:endParaRPr kumimoji="0" lang="en-US" sz="1400" b="0" i="0" u="none" strike="sngStrike" kern="1200" cap="none" spc="0" normalizeH="0" baseline="0" noProof="0" dirty="0">
+                        <a:ln>
+                          <a:noFill/>
+                        </a:ln>
+                        <a:solidFill>
+                          <a:prstClr val="black"/>
+                        </a:solidFill>
+                        <a:effectLst/>
+                        <a:uLnTx/>
+                        <a:uFillTx/>
+                        <a:latin typeface="Calibri" panose="020F0502020204030204"/>
+                        <a:ea typeface="+mn-ea"/>
+                        <a:cs typeface="+mn-cs"/>
+                      </a:endParaRPr>
+                    </a:p>
+                  </a:txBody>
+                  <a:tcPr marL="0" marR="0" marT="0" marB="0" anchor="ctr"/>
+                </a:tc>
+                <a:tc>
+                  <a:txBody>
+                    <a:bodyPr/>
+                    <a:lstStyle/>
+                    <a:p>
+                      <a:pPr marL="0" marR="0" lvl="0" indent="0" algn="ctr" defTabSz="914400" rtl="0" eaLnBrk="1" fontAlgn="auto" latinLnBrk="0" hangingPunct="1">
+                        <a:lnSpc>
+                          <a:spcPct val="100000"/>
+                        </a:lnSpc>
+                        <a:spcBef>
+                          <a:spcPts val="0"/>
+                        </a:spcBef>
+                        <a:spcAft>
+                          <a:spcPts val="0"/>
+                        </a:spcAft>
+                        <a:buClrTx/>
+                        <a:buSzTx/>
+                        <a:buFontTx/>
+                        <a:buNone/>
+                        <a:tabLst/>
+                        <a:defRPr/>
+                      </a:pPr>
+                      <a:r>
+                        <a:rPr kumimoji="0" lang="en-US" sz="1400" b="0" i="0" u="none" strike="sngStrike" kern="1200" cap="none" spc="0" normalizeH="0" baseline="0" noProof="0">
+                          <a:ln>
+                            <a:noFill/>
+                          </a:ln>
+                          <a:solidFill>
+                            <a:prstClr val="black"/>
+                          </a:solidFill>
+                          <a:effectLst/>
+                          <a:uLnTx/>
+                          <a:uFillTx/>
+                          <a:latin typeface="Calibri" panose="020F0502020204030204"/>
+                          <a:ea typeface="+mn-ea"/>
+                          <a:cs typeface="+mn-cs"/>
+                        </a:rPr>
+                        <a:t> </a:t>
+                      </a:r>
+                      <a:endParaRPr kumimoji="0" lang="en-US" sz="1400" b="0" i="0" u="none" strike="sngStrike" kern="1200" cap="none" spc="0" normalizeH="0" baseline="0" noProof="0" dirty="0">
+                        <a:ln>
+                          <a:noFill/>
+                        </a:ln>
+                        <a:solidFill>
+                          <a:prstClr val="black"/>
+                        </a:solidFill>
+                        <a:effectLst/>
+                        <a:uLnTx/>
+                        <a:uFillTx/>
+                        <a:latin typeface="Calibri" panose="020F0502020204030204"/>
+                        <a:ea typeface="+mn-ea"/>
+                        <a:cs typeface="+mn-cs"/>
+                      </a:endParaRPr>
+                    </a:p>
+                  </a:txBody>
+                  <a:tcPr marL="0" marR="0" marT="0" marB="0" anchor="ctr"/>
+                </a:tc>
+                <a:tc>
+                  <a:txBody>
+                    <a:bodyPr/>
+                    <a:lstStyle/>
+                    <a:p>
+                      <a:pPr marL="0" marR="0" lvl="0" indent="0" algn="ctr" defTabSz="914400" rtl="0" eaLnBrk="1" fontAlgn="auto" latinLnBrk="0" hangingPunct="1">
+                        <a:lnSpc>
+                          <a:spcPct val="100000"/>
+                        </a:lnSpc>
+                        <a:spcBef>
+                          <a:spcPts val="0"/>
+                        </a:spcBef>
+                        <a:spcAft>
+                          <a:spcPts val="0"/>
+                        </a:spcAft>
+                        <a:buClrTx/>
+                        <a:buSzTx/>
+                        <a:buFontTx/>
+                        <a:buNone/>
+                        <a:tabLst/>
+                        <a:defRPr/>
+                      </a:pPr>
+                      <a:r>
+                        <a:rPr kumimoji="0" lang="en-US" sz="1400" b="0" i="0" u="none" strike="sngStrike" kern="1200" cap="none" spc="0" normalizeH="0" baseline="0" noProof="0">
+                          <a:ln>
+                            <a:noFill/>
+                          </a:ln>
+                          <a:solidFill>
+                            <a:prstClr val="black"/>
+                          </a:solidFill>
+                          <a:effectLst/>
+                          <a:uLnTx/>
+                          <a:uFillTx/>
+                          <a:latin typeface="Calibri" panose="020F0502020204030204"/>
+                          <a:ea typeface="+mn-ea"/>
+                          <a:cs typeface="+mn-cs"/>
+                        </a:rPr>
+                        <a:t> </a:t>
+                      </a:r>
+                      <a:endParaRPr kumimoji="0" lang="en-US" sz="1400" b="0" i="0" u="none" strike="sngStrike" kern="1200" cap="none" spc="0" normalizeH="0" baseline="0" noProof="0" dirty="0">
+                        <a:ln>
+                          <a:noFill/>
+                        </a:ln>
+                        <a:solidFill>
+                          <a:prstClr val="black"/>
+                        </a:solidFill>
+                        <a:effectLst/>
+                        <a:uLnTx/>
+                        <a:uFillTx/>
+                        <a:latin typeface="Calibri" panose="020F0502020204030204"/>
+                        <a:ea typeface="+mn-ea"/>
+                        <a:cs typeface="+mn-cs"/>
+                      </a:endParaRPr>
+                    </a:p>
+                  </a:txBody>
+                  <a:tcPr marL="0" marR="0" marT="0" marB="0" anchor="ctr"/>
+                </a:tc>
+                <a:tc>
+                  <a:txBody>
+                    <a:bodyPr/>
+                    <a:lstStyle/>
+                    <a:p>
+                      <a:pPr marL="0" marR="0" lvl="0" indent="0" algn="ctr" defTabSz="914400" rtl="0" eaLnBrk="1" fontAlgn="auto" latinLnBrk="0" hangingPunct="1">
+                        <a:lnSpc>
+                          <a:spcPct val="100000"/>
+                        </a:lnSpc>
+                        <a:spcBef>
+                          <a:spcPts val="0"/>
+                        </a:spcBef>
+                        <a:spcAft>
+                          <a:spcPts val="0"/>
+                        </a:spcAft>
+                        <a:buClrTx/>
+                        <a:buSzTx/>
+                        <a:buFontTx/>
+                        <a:buNone/>
+                        <a:tabLst/>
+                        <a:defRPr/>
+                      </a:pPr>
+                      <a:r>
+                        <a:rPr kumimoji="0" lang="en-US" sz="1400" b="0" i="0" u="none" strike="sngStrike" kern="1200" cap="none" spc="0" normalizeH="0" baseline="0" noProof="0">
+                          <a:ln>
+                            <a:noFill/>
+                          </a:ln>
+                          <a:solidFill>
+                            <a:prstClr val="black"/>
+                          </a:solidFill>
+                          <a:effectLst/>
+                          <a:uLnTx/>
+                          <a:uFillTx/>
+                          <a:latin typeface="Calibri" panose="020F0502020204030204"/>
+                          <a:ea typeface="+mn-ea"/>
+                          <a:cs typeface="+mn-cs"/>
+                        </a:rPr>
+                        <a:t> </a:t>
+                      </a:r>
+                      <a:endParaRPr kumimoji="0" lang="en-US" sz="1400" b="0" i="0" u="none" strike="sngStrike" kern="1200" cap="none" spc="0" normalizeH="0" baseline="0" noProof="0" dirty="0">
+                        <a:ln>
+                          <a:noFill/>
+                        </a:ln>
+                        <a:solidFill>
+                          <a:prstClr val="black"/>
+                        </a:solidFill>
+                        <a:effectLst/>
+                        <a:uLnTx/>
+                        <a:uFillTx/>
+                        <a:latin typeface="Calibri" panose="020F0502020204030204"/>
+                        <a:ea typeface="+mn-ea"/>
+                        <a:cs typeface="+mn-cs"/>
+                      </a:endParaRPr>
+                    </a:p>
+                  </a:txBody>
+                  <a:tcPr marL="0" marR="0" marT="0" marB="0" anchor="ctr"/>
+                </a:tc>
+                <a:tc>
+                  <a:txBody>
+                    <a:bodyPr/>
+                    <a:lstStyle/>
+                    <a:p>
+                      <a:pPr marL="0" marR="0" lvl="0" indent="0" algn="ctr" defTabSz="914400" rtl="0" eaLnBrk="1" fontAlgn="auto" latinLnBrk="0" hangingPunct="1">
+                        <a:lnSpc>
+                          <a:spcPct val="100000"/>
+                        </a:lnSpc>
+                        <a:spcBef>
+                          <a:spcPts val="0"/>
+                        </a:spcBef>
+                        <a:spcAft>
+                          <a:spcPts val="0"/>
+                        </a:spcAft>
+                        <a:buClrTx/>
+                        <a:buSzTx/>
+                        <a:buFontTx/>
+                        <a:buNone/>
+                        <a:tabLst/>
+                        <a:defRPr/>
+                      </a:pPr>
+                      <a:r>
+                        <a:rPr kumimoji="0" lang="en-US" sz="1400" b="0" i="0" u="none" strike="sngStrike" kern="1200" cap="none" spc="0" normalizeH="0" baseline="0" noProof="0">
+                          <a:ln>
+                            <a:noFill/>
+                          </a:ln>
+                          <a:solidFill>
+                            <a:prstClr val="black"/>
+                          </a:solidFill>
+                          <a:effectLst/>
+                          <a:uLnTx/>
+                          <a:uFillTx/>
+                          <a:latin typeface="Calibri" panose="020F0502020204030204"/>
+                          <a:ea typeface="+mn-ea"/>
+                          <a:cs typeface="+mn-cs"/>
+                        </a:rPr>
+                        <a:t> </a:t>
+                      </a:r>
+                      <a:endParaRPr kumimoji="0" lang="en-US" sz="1400" b="0" i="0" u="none" strike="sngStrike" kern="1200" cap="none" spc="0" normalizeH="0" baseline="0" noProof="0" dirty="0">
+                        <a:ln>
+                          <a:noFill/>
+                        </a:ln>
+                        <a:solidFill>
+                          <a:prstClr val="black"/>
+                        </a:solidFill>
+                        <a:effectLst/>
+                        <a:uLnTx/>
+                        <a:uFillTx/>
+                        <a:latin typeface="Calibri" panose="020F0502020204030204"/>
+                        <a:ea typeface="+mn-ea"/>
+                        <a:cs typeface="+mn-cs"/>
+                      </a:endParaRPr>
+                    </a:p>
+                  </a:txBody>
+                  <a:tcPr marL="0" marR="0" marT="0" marB="0" anchor="ctr"/>
+                </a:tc>
+                <a:tc>
+                  <a:txBody>
+                    <a:bodyPr/>
+                    <a:lstStyle/>
+                    <a:p>
+                      <a:pPr marL="0" marR="0" lvl="0" indent="0" algn="ctr" defTabSz="914400" rtl="0" eaLnBrk="1" fontAlgn="auto" latinLnBrk="0" hangingPunct="1">
+                        <a:lnSpc>
+                          <a:spcPct val="100000"/>
+                        </a:lnSpc>
+                        <a:spcBef>
+                          <a:spcPts val="0"/>
+                        </a:spcBef>
+                        <a:spcAft>
+                          <a:spcPts val="0"/>
+                        </a:spcAft>
+                        <a:buClrTx/>
+                        <a:buSzTx/>
+                        <a:buFontTx/>
+                        <a:buNone/>
+                        <a:tabLst/>
+                        <a:defRPr/>
+                      </a:pPr>
+                      <a:r>
+                        <a:rPr kumimoji="0" lang="en-US" sz="1400" b="0" i="0" u="none" strike="sngStrike" kern="1200" cap="none" spc="0" normalizeH="0" baseline="0" noProof="0">
+                          <a:ln>
+                            <a:noFill/>
+                          </a:ln>
+                          <a:solidFill>
+                            <a:prstClr val="black"/>
+                          </a:solidFill>
+                          <a:effectLst/>
+                          <a:uLnTx/>
+                          <a:uFillTx/>
+                          <a:latin typeface="Calibri" panose="020F0502020204030204"/>
+                          <a:ea typeface="+mn-ea"/>
+                          <a:cs typeface="+mn-cs"/>
+                        </a:rPr>
+                        <a:t> </a:t>
+                      </a:r>
+                      <a:endParaRPr kumimoji="0" lang="en-US" sz="1400" b="0" i="0" u="none" strike="sngStrike" kern="1200" cap="none" spc="0" normalizeH="0" baseline="0" noProof="0" dirty="0">
+                        <a:ln>
+                          <a:noFill/>
+                        </a:ln>
+                        <a:solidFill>
+                          <a:prstClr val="black"/>
+                        </a:solidFill>
+                        <a:effectLst/>
+                        <a:uLnTx/>
+                        <a:uFillTx/>
+                        <a:latin typeface="Calibri" panose="020F0502020204030204"/>
+                        <a:ea typeface="+mn-ea"/>
+                        <a:cs typeface="+mn-cs"/>
+                      </a:endParaRPr>
+                    </a:p>
+                  </a:txBody>
+                  <a:tcPr marL="0" marR="0" marT="0" marB="0" anchor="ctr"/>
+                </a:tc>
+                <a:tc>
+                  <a:txBody>
+                    <a:bodyPr/>
+                    <a:lstStyle/>
+                    <a:p>
+                      <a:pPr marL="0" marR="0" lvl="0" indent="0" algn="ctr" defTabSz="914400" rtl="0" eaLnBrk="1" fontAlgn="auto" latinLnBrk="0" hangingPunct="1">
+                        <a:lnSpc>
+                          <a:spcPct val="100000"/>
+                        </a:lnSpc>
+                        <a:spcBef>
+                          <a:spcPts val="0"/>
+                        </a:spcBef>
+                        <a:spcAft>
+                          <a:spcPts val="0"/>
+                        </a:spcAft>
+                        <a:buClrTx/>
+                        <a:buSzTx/>
+                        <a:buFontTx/>
+                        <a:buNone/>
+                        <a:tabLst/>
+                        <a:defRPr/>
+                      </a:pPr>
+                      <a:r>
+                        <a:rPr kumimoji="0" lang="en-US" sz="1400" b="0" i="0" u="none" strike="sngStrike" kern="1200" cap="none" spc="0" normalizeH="0" baseline="0" noProof="0">
+                          <a:ln>
+                            <a:noFill/>
+                          </a:ln>
+                          <a:solidFill>
+                            <a:prstClr val="black"/>
+                          </a:solidFill>
+                          <a:effectLst/>
+                          <a:uLnTx/>
+                          <a:uFillTx/>
+                          <a:latin typeface="Calibri" panose="020F0502020204030204"/>
+                          <a:ea typeface="+mn-ea"/>
+                          <a:cs typeface="+mn-cs"/>
+                        </a:rPr>
+                        <a:t> </a:t>
+                      </a:r>
+                      <a:endParaRPr kumimoji="0" lang="en-US" sz="1400" b="0" i="0" u="none" strike="sngStrike" kern="1200" cap="none" spc="0" normalizeH="0" baseline="0" noProof="0" dirty="0">
+                        <a:ln>
+                          <a:noFill/>
+                        </a:ln>
+                        <a:solidFill>
+                          <a:prstClr val="black"/>
+                        </a:solidFill>
+                        <a:effectLst/>
+                        <a:uLnTx/>
+                        <a:uFillTx/>
+                        <a:latin typeface="Calibri" panose="020F0502020204030204"/>
+                        <a:ea typeface="+mn-ea"/>
+                        <a:cs typeface="+mn-cs"/>
+                      </a:endParaRPr>
+                    </a:p>
+                  </a:txBody>
+                  <a:tcPr marL="0" marR="0" marT="0" marB="0" anchor="ctr"/>
+                </a:tc>
+                <a:tc>
+                  <a:txBody>
+                    <a:bodyPr/>
+                    <a:lstStyle/>
+                    <a:p>
+                      <a:pPr marL="0" marR="0" lvl="0" indent="0" algn="ctr" defTabSz="914400" rtl="0" eaLnBrk="1" fontAlgn="auto" latinLnBrk="0" hangingPunct="1">
+                        <a:lnSpc>
+                          <a:spcPct val="100000"/>
+                        </a:lnSpc>
+                        <a:spcBef>
+                          <a:spcPts val="0"/>
+                        </a:spcBef>
+                        <a:spcAft>
+                          <a:spcPts val="0"/>
+                        </a:spcAft>
+                        <a:buClrTx/>
+                        <a:buSzTx/>
+                        <a:buFontTx/>
+                        <a:buNone/>
+                        <a:tabLst/>
+                        <a:defRPr/>
+                      </a:pPr>
+                      <a:r>
+                        <a:rPr kumimoji="0" lang="en-US" sz="1400" b="0" i="0" u="none" strike="sngStrike" kern="1200" cap="none" spc="0" normalizeH="0" baseline="0" noProof="0">
+                          <a:ln>
+                            <a:noFill/>
+                          </a:ln>
+                          <a:solidFill>
+                            <a:prstClr val="black"/>
+                          </a:solidFill>
+                          <a:effectLst/>
+                          <a:uLnTx/>
+                          <a:uFillTx/>
+                          <a:latin typeface="Calibri" panose="020F0502020204030204"/>
+                          <a:ea typeface="+mn-ea"/>
+                          <a:cs typeface="+mn-cs"/>
+                        </a:rPr>
+                        <a:t> </a:t>
+                      </a:r>
+                      <a:endParaRPr kumimoji="0" lang="en-US" sz="1400" b="0" i="0" u="none" strike="sngStrike" kern="1200" cap="none" spc="0" normalizeH="0" baseline="0" noProof="0" dirty="0">
+                        <a:ln>
+                          <a:noFill/>
+                        </a:ln>
+                        <a:solidFill>
+                          <a:prstClr val="black"/>
+                        </a:solidFill>
+                        <a:effectLst/>
+                        <a:uLnTx/>
+                        <a:uFillTx/>
+                        <a:latin typeface="Calibri" panose="020F0502020204030204"/>
+                        <a:ea typeface="+mn-ea"/>
+                        <a:cs typeface="+mn-cs"/>
+                      </a:endParaRPr>
+                    </a:p>
+                  </a:txBody>
+                  <a:tcPr marL="0" marR="0" marT="0" marB="0" anchor="ctr"/>
+                </a:tc>
+                <a:tc>
+                  <a:txBody>
+                    <a:bodyPr/>
+                    <a:lstStyle/>
+                    <a:p>
+                      <a:pPr marL="0" marR="0" lvl="0" indent="0" algn="ctr" defTabSz="914400" rtl="0" eaLnBrk="1" fontAlgn="auto" latinLnBrk="0" hangingPunct="1">
+                        <a:lnSpc>
+                          <a:spcPct val="100000"/>
+                        </a:lnSpc>
+                        <a:spcBef>
+                          <a:spcPts val="0"/>
+                        </a:spcBef>
+                        <a:spcAft>
+                          <a:spcPts val="0"/>
+                        </a:spcAft>
+                        <a:buClrTx/>
+                        <a:buSzTx/>
+                        <a:buFontTx/>
+                        <a:buNone/>
+                        <a:tabLst/>
+                        <a:defRPr/>
+                      </a:pPr>
+                      <a:r>
+                        <a:rPr kumimoji="0" lang="en-US" sz="1400" b="0" i="0" u="none" strike="sngStrike" kern="1200" cap="none" spc="0" normalizeH="0" baseline="0" noProof="0">
+                          <a:ln>
+                            <a:noFill/>
+                          </a:ln>
+                          <a:solidFill>
+                            <a:prstClr val="black"/>
+                          </a:solidFill>
+                          <a:effectLst/>
+                          <a:uLnTx/>
+                          <a:uFillTx/>
+                          <a:latin typeface="Calibri" panose="020F0502020204030204"/>
+                          <a:ea typeface="+mn-ea"/>
+                          <a:cs typeface="+mn-cs"/>
+                        </a:rPr>
+                        <a:t> </a:t>
+                      </a:r>
+                      <a:endParaRPr kumimoji="0" lang="en-US" sz="1400" b="0" i="0" u="none" strike="sngStrike" kern="1200" cap="none" spc="0" normalizeH="0" baseline="0" noProof="0" dirty="0">
+                        <a:ln>
+                          <a:noFill/>
+                        </a:ln>
+                        <a:solidFill>
+                          <a:prstClr val="black"/>
+                        </a:solidFill>
+                        <a:effectLst/>
+                        <a:uLnTx/>
+                        <a:uFillTx/>
+                        <a:latin typeface="Calibri" panose="020F0502020204030204"/>
+                        <a:ea typeface="+mn-ea"/>
+                        <a:cs typeface="+mn-cs"/>
+                      </a:endParaRPr>
+                    </a:p>
+                  </a:txBody>
+                  <a:tcPr marL="0" marR="0" marT="0" marB="0" anchor="ctr"/>
+                </a:tc>
+                <a:extLst>
+                  <a:ext uri="{0D108BD9-81ED-4DB2-BD59-A6C34878D82A}">
+                    <a16:rowId xmlns:a16="http://schemas.microsoft.com/office/drawing/2014/main" val="2123116039"/>
+                  </a:ext>
+                </a:extLst>
+              </a:tr>
+              <a:tr h="512232">
+                <a:tc>
+                  <a:txBody>
+                    <a:bodyPr/>
+                    <a:lstStyle/>
+                    <a:p>
+                      <a:pPr algn="ctr"/>
+                      <a:r>
+                        <a:rPr lang="en-US" sz="1400" strike="sngStrike"/>
+                        <a:t>A</a:t>
+                      </a:r>
+                    </a:p>
+                  </a:txBody>
+                  <a:tcPr marL="0" marR="0" marT="0" marB="0" anchor="ctr"/>
+                </a:tc>
+                <a:tc>
+                  <a:txBody>
+                    <a:bodyPr/>
+                    <a:lstStyle/>
+                    <a:p>
+                      <a:pPr algn="ctr"/>
+                      <a:r>
+                        <a:rPr lang="ko-KR" altLang="en-US" sz="1400" strike="sngStrike" dirty="0"/>
+                        <a:t>오민희</a:t>
+                      </a:r>
+                      <a:endParaRPr lang="en-US" sz="1400" strike="sngStrike" dirty="0"/>
+                    </a:p>
+                  </a:txBody>
+                  <a:tcPr marL="0" marR="0" marT="0" marB="0" anchor="ctr"/>
+                </a:tc>
+                <a:tc>
+                  <a:txBody>
+                    <a:bodyPr/>
+                    <a:lstStyle/>
+                    <a:p>
+                      <a:pPr marL="0" marR="0" lvl="0" indent="0" algn="ctr" defTabSz="914400" rtl="0" eaLnBrk="1" fontAlgn="auto" latinLnBrk="0" hangingPunct="1">
+                        <a:lnSpc>
+                          <a:spcPct val="100000"/>
+                        </a:lnSpc>
+                        <a:spcBef>
+                          <a:spcPts val="0"/>
+                        </a:spcBef>
+                        <a:spcAft>
+                          <a:spcPts val="0"/>
+                        </a:spcAft>
+                        <a:buClrTx/>
+                        <a:buSzTx/>
+                        <a:buFontTx/>
+                        <a:buNone/>
+                        <a:tabLst/>
+                        <a:defRPr/>
+                      </a:pPr>
+                      <a:r>
+                        <a:rPr kumimoji="0" lang="en-US" sz="1400" b="0" i="0" u="none" strike="sngStrike" kern="1200" cap="none" spc="0" normalizeH="0" baseline="0" noProof="0" dirty="0">
+                          <a:ln>
+                            <a:noFill/>
+                          </a:ln>
+                          <a:solidFill>
+                            <a:prstClr val="black"/>
+                          </a:solidFill>
+                          <a:effectLst/>
+                          <a:uLnTx/>
+                          <a:uFillTx/>
+                          <a:latin typeface="Calibri" panose="020F0502020204030204"/>
+                          <a:ea typeface="+mn-ea"/>
+                          <a:cs typeface="+mn-cs"/>
+                        </a:rPr>
+                        <a:t> </a:t>
+                      </a:r>
+                    </a:p>
+                  </a:txBody>
+                  <a:tcPr marL="0" marR="0" marT="0" marB="0" anchor="ctr"/>
+                </a:tc>
+                <a:tc>
+                  <a:txBody>
+                    <a:bodyPr/>
+                    <a:lstStyle/>
+                    <a:p>
+                      <a:pPr marL="0" marR="0" lvl="0" indent="0" algn="ctr" defTabSz="914400" rtl="0" eaLnBrk="1" fontAlgn="auto" latinLnBrk="0" hangingPunct="1">
+                        <a:lnSpc>
+                          <a:spcPct val="100000"/>
+                        </a:lnSpc>
+                        <a:spcBef>
+                          <a:spcPts val="0"/>
+                        </a:spcBef>
+                        <a:spcAft>
+                          <a:spcPts val="0"/>
+                        </a:spcAft>
+                        <a:buClrTx/>
+                        <a:buSzTx/>
+                        <a:buFontTx/>
+                        <a:buNone/>
+                        <a:tabLst/>
+                        <a:defRPr/>
+                      </a:pPr>
+                      <a:r>
+                        <a:rPr kumimoji="0" lang="en-US" sz="1400" b="0" i="0" u="none" strike="sngStrike" kern="1200" cap="none" spc="0" normalizeH="0" baseline="0" noProof="0">
+                          <a:ln>
+                            <a:noFill/>
+                          </a:ln>
+                          <a:solidFill>
+                            <a:prstClr val="black"/>
+                          </a:solidFill>
+                          <a:effectLst/>
+                          <a:uLnTx/>
+                          <a:uFillTx/>
+                          <a:latin typeface="Calibri" panose="020F0502020204030204"/>
+                          <a:ea typeface="+mn-ea"/>
+                          <a:cs typeface="+mn-cs"/>
+                        </a:rPr>
+                        <a:t> </a:t>
+                      </a:r>
+                      <a:endParaRPr kumimoji="0" lang="en-US" sz="1400" b="0" i="0" u="none" strike="sngStrike" kern="1200" cap="none" spc="0" normalizeH="0" baseline="0" noProof="0" dirty="0">
+                        <a:ln>
+                          <a:noFill/>
+                        </a:ln>
+                        <a:solidFill>
+                          <a:prstClr val="black"/>
+                        </a:solidFill>
+                        <a:effectLst/>
+                        <a:uLnTx/>
+                        <a:uFillTx/>
+                        <a:latin typeface="Calibri" panose="020F0502020204030204"/>
+                        <a:ea typeface="+mn-ea"/>
+                        <a:cs typeface="+mn-cs"/>
+                      </a:endParaRPr>
+                    </a:p>
+                  </a:txBody>
+                  <a:tcPr marL="0" marR="0" marT="0" marB="0" anchor="ctr"/>
+                </a:tc>
+                <a:tc>
+                  <a:txBody>
+                    <a:bodyPr/>
+                    <a:lstStyle/>
+                    <a:p>
+                      <a:pPr marL="0" marR="0" lvl="0" indent="0" algn="ctr" defTabSz="914400" rtl="0" eaLnBrk="1" fontAlgn="auto" latinLnBrk="0" hangingPunct="1">
+                        <a:lnSpc>
+                          <a:spcPct val="100000"/>
+                        </a:lnSpc>
+                        <a:spcBef>
+                          <a:spcPts val="0"/>
+                        </a:spcBef>
+                        <a:spcAft>
+                          <a:spcPts val="0"/>
+                        </a:spcAft>
+                        <a:buClrTx/>
+                        <a:buSzTx/>
+                        <a:buFontTx/>
+                        <a:buNone/>
+                        <a:tabLst/>
+                        <a:defRPr/>
+                      </a:pPr>
+                      <a:r>
+                        <a:rPr kumimoji="0" lang="en-US" sz="1400" b="0" i="0" u="none" strike="sngStrike" kern="1200" cap="none" spc="0" normalizeH="0" baseline="0" noProof="0">
+                          <a:ln>
+                            <a:noFill/>
+                          </a:ln>
+                          <a:solidFill>
+                            <a:prstClr val="black"/>
+                          </a:solidFill>
+                          <a:effectLst/>
+                          <a:uLnTx/>
+                          <a:uFillTx/>
+                          <a:latin typeface="Calibri" panose="020F0502020204030204"/>
+                          <a:ea typeface="+mn-ea"/>
+                          <a:cs typeface="+mn-cs"/>
+                        </a:rPr>
+                        <a:t> </a:t>
+                      </a:r>
+                      <a:endParaRPr kumimoji="0" lang="en-US" sz="1400" b="0" i="0" u="none" strike="sngStrike" kern="1200" cap="none" spc="0" normalizeH="0" baseline="0" noProof="0" dirty="0">
+                        <a:ln>
+                          <a:noFill/>
+                        </a:ln>
+                        <a:solidFill>
+                          <a:prstClr val="black"/>
+                        </a:solidFill>
+                        <a:effectLst/>
+                        <a:uLnTx/>
+                        <a:uFillTx/>
+                        <a:latin typeface="Calibri" panose="020F0502020204030204"/>
+                        <a:ea typeface="+mn-ea"/>
+                        <a:cs typeface="+mn-cs"/>
+                      </a:endParaRPr>
+                    </a:p>
+                  </a:txBody>
+                  <a:tcPr marL="0" marR="0" marT="0" marB="0" anchor="ctr"/>
+                </a:tc>
+                <a:tc>
+                  <a:txBody>
+                    <a:bodyPr/>
+                    <a:lstStyle/>
+                    <a:p>
+                      <a:pPr marL="0" marR="0" lvl="0" indent="0" algn="ctr" defTabSz="914400" rtl="0" eaLnBrk="1" fontAlgn="auto" latinLnBrk="0" hangingPunct="1">
+                        <a:lnSpc>
+                          <a:spcPct val="100000"/>
+                        </a:lnSpc>
+                        <a:spcBef>
+                          <a:spcPts val="0"/>
+                        </a:spcBef>
+                        <a:spcAft>
+                          <a:spcPts val="0"/>
+                        </a:spcAft>
+                        <a:buClrTx/>
+                        <a:buSzTx/>
+                        <a:buFontTx/>
+                        <a:buNone/>
+                        <a:tabLst/>
+                        <a:defRPr/>
+                      </a:pPr>
+                      <a:r>
+                        <a:rPr kumimoji="0" lang="en-US" sz="1400" b="0" i="0" u="none" strike="sngStrike" kern="1200" cap="none" spc="0" normalizeH="0" baseline="0" noProof="0" dirty="0">
+                          <a:ln>
+                            <a:noFill/>
+                          </a:ln>
+                          <a:solidFill>
+                            <a:prstClr val="black"/>
+                          </a:solidFill>
+                          <a:effectLst/>
+                          <a:uLnTx/>
+                          <a:uFillTx/>
+                          <a:latin typeface="Calibri" panose="020F0502020204030204"/>
+                          <a:ea typeface="+mn-ea"/>
+                          <a:cs typeface="+mn-cs"/>
+                        </a:rPr>
+                        <a:t> </a:t>
+                      </a:r>
+                    </a:p>
+                  </a:txBody>
+                  <a:tcPr marL="0" marR="0" marT="0" marB="0" anchor="ctr"/>
+                </a:tc>
+                <a:tc>
+                  <a:txBody>
+                    <a:bodyPr/>
+                    <a:lstStyle/>
+                    <a:p>
+                      <a:pPr marL="0" marR="0" lvl="0" indent="0" algn="ctr" defTabSz="914400" rtl="0" eaLnBrk="1" fontAlgn="auto" latinLnBrk="0" hangingPunct="1">
+                        <a:lnSpc>
+                          <a:spcPct val="100000"/>
+                        </a:lnSpc>
+                        <a:spcBef>
+                          <a:spcPts val="0"/>
+                        </a:spcBef>
+                        <a:spcAft>
+                          <a:spcPts val="0"/>
+                        </a:spcAft>
+                        <a:buClrTx/>
+                        <a:buSzTx/>
+                        <a:buFontTx/>
+                        <a:buNone/>
+                        <a:tabLst/>
+                        <a:defRPr/>
+                      </a:pPr>
+                      <a:r>
+                        <a:rPr kumimoji="0" lang="en-US" sz="1400" b="0" i="0" u="none" strike="sngStrike" kern="1200" cap="none" spc="0" normalizeH="0" baseline="0" noProof="0">
+                          <a:ln>
+                            <a:noFill/>
+                          </a:ln>
+                          <a:solidFill>
+                            <a:prstClr val="black"/>
+                          </a:solidFill>
+                          <a:effectLst/>
+                          <a:uLnTx/>
+                          <a:uFillTx/>
+                          <a:latin typeface="Calibri" panose="020F0502020204030204"/>
+                          <a:ea typeface="+mn-ea"/>
+                          <a:cs typeface="+mn-cs"/>
+                        </a:rPr>
+                        <a:t> </a:t>
+                      </a:r>
+                      <a:endParaRPr kumimoji="0" lang="en-US" sz="1400" b="0" i="0" u="none" strike="sngStrike" kern="1200" cap="none" spc="0" normalizeH="0" baseline="0" noProof="0" dirty="0">
+                        <a:ln>
+                          <a:noFill/>
+                        </a:ln>
+                        <a:solidFill>
+                          <a:prstClr val="black"/>
+                        </a:solidFill>
+                        <a:effectLst/>
+                        <a:uLnTx/>
+                        <a:uFillTx/>
+                        <a:latin typeface="Calibri" panose="020F0502020204030204"/>
+                        <a:ea typeface="+mn-ea"/>
+                        <a:cs typeface="+mn-cs"/>
+                      </a:endParaRPr>
+                    </a:p>
+                  </a:txBody>
+                  <a:tcPr marL="0" marR="0" marT="0" marB="0" anchor="ctr"/>
+                </a:tc>
+                <a:tc>
+                  <a:txBody>
+                    <a:bodyPr/>
+                    <a:lstStyle/>
+                    <a:p>
+                      <a:pPr marL="0" marR="0" lvl="0" indent="0" algn="ctr" defTabSz="914400" rtl="0" eaLnBrk="1" fontAlgn="auto" latinLnBrk="0" hangingPunct="1">
+                        <a:lnSpc>
+                          <a:spcPct val="100000"/>
+                        </a:lnSpc>
+                        <a:spcBef>
+                          <a:spcPts val="0"/>
+                        </a:spcBef>
+                        <a:spcAft>
+                          <a:spcPts val="0"/>
+                        </a:spcAft>
+                        <a:buClrTx/>
+                        <a:buSzTx/>
+                        <a:buFontTx/>
+                        <a:buNone/>
+                        <a:tabLst/>
+                        <a:defRPr/>
+                      </a:pPr>
+                      <a:r>
+                        <a:rPr kumimoji="0" lang="en-US" sz="1400" b="0" i="0" u="none" strike="sngStrike" kern="1200" cap="none" spc="0" normalizeH="0" baseline="0" noProof="0">
+                          <a:ln>
+                            <a:noFill/>
+                          </a:ln>
+                          <a:solidFill>
+                            <a:prstClr val="black"/>
+                          </a:solidFill>
+                          <a:effectLst/>
+                          <a:uLnTx/>
+                          <a:uFillTx/>
+                          <a:latin typeface="Calibri" panose="020F0502020204030204"/>
+                          <a:ea typeface="+mn-ea"/>
+                          <a:cs typeface="+mn-cs"/>
+                        </a:rPr>
+                        <a:t> </a:t>
+                      </a:r>
+                      <a:endParaRPr kumimoji="0" lang="en-US" sz="1400" b="0" i="0" u="none" strike="sngStrike" kern="1200" cap="none" spc="0" normalizeH="0" baseline="0" noProof="0" dirty="0">
+                        <a:ln>
+                          <a:noFill/>
+                        </a:ln>
+                        <a:solidFill>
+                          <a:prstClr val="black"/>
+                        </a:solidFill>
+                        <a:effectLst/>
+                        <a:uLnTx/>
+                        <a:uFillTx/>
+                        <a:latin typeface="Calibri" panose="020F0502020204030204"/>
+                        <a:ea typeface="+mn-ea"/>
+                        <a:cs typeface="+mn-cs"/>
+                      </a:endParaRPr>
+                    </a:p>
+                  </a:txBody>
+                  <a:tcPr marL="0" marR="0" marT="0" marB="0" anchor="ctr"/>
+                </a:tc>
+                <a:tc>
+                  <a:txBody>
+                    <a:bodyPr/>
+                    <a:lstStyle/>
+                    <a:p>
+                      <a:pPr marL="0" marR="0" lvl="0" indent="0" algn="ctr" defTabSz="914400" rtl="0" eaLnBrk="1" fontAlgn="auto" latinLnBrk="0" hangingPunct="1">
+                        <a:lnSpc>
+                          <a:spcPct val="100000"/>
+                        </a:lnSpc>
+                        <a:spcBef>
+                          <a:spcPts val="0"/>
+                        </a:spcBef>
+                        <a:spcAft>
+                          <a:spcPts val="0"/>
+                        </a:spcAft>
+                        <a:buClrTx/>
+                        <a:buSzTx/>
+                        <a:buFontTx/>
+                        <a:buNone/>
+                        <a:tabLst/>
+                        <a:defRPr/>
+                      </a:pPr>
+                      <a:r>
+                        <a:rPr kumimoji="0" lang="en-US" sz="1400" b="0" i="0" u="none" strike="sngStrike" kern="1200" cap="none" spc="0" normalizeH="0" baseline="0" noProof="0" dirty="0">
+                          <a:ln>
+                            <a:noFill/>
+                          </a:ln>
+                          <a:solidFill>
+                            <a:prstClr val="black"/>
+                          </a:solidFill>
+                          <a:effectLst/>
+                          <a:uLnTx/>
+                          <a:uFillTx/>
+                          <a:latin typeface="Calibri" panose="020F0502020204030204"/>
+                          <a:ea typeface="+mn-ea"/>
+                          <a:cs typeface="+mn-cs"/>
+                        </a:rPr>
+                        <a:t> </a:t>
+                      </a:r>
+                    </a:p>
+                  </a:txBody>
+                  <a:tcPr marL="0" marR="0" marT="0" marB="0" anchor="ctr"/>
+                </a:tc>
+                <a:tc>
+                  <a:txBody>
+                    <a:bodyPr/>
+                    <a:lstStyle/>
+                    <a:p>
+                      <a:pPr marL="0" marR="0" lvl="0" indent="0" algn="ctr" defTabSz="914400" rtl="0" eaLnBrk="1" fontAlgn="auto" latinLnBrk="0" hangingPunct="1">
+                        <a:lnSpc>
+                          <a:spcPct val="100000"/>
+                        </a:lnSpc>
+                        <a:spcBef>
+                          <a:spcPts val="0"/>
+                        </a:spcBef>
+                        <a:spcAft>
+                          <a:spcPts val="0"/>
+                        </a:spcAft>
+                        <a:buClrTx/>
+                        <a:buSzTx/>
+                        <a:buFontTx/>
+                        <a:buNone/>
+                        <a:tabLst/>
+                        <a:defRPr/>
+                      </a:pPr>
+                      <a:r>
+                        <a:rPr kumimoji="0" lang="en-US" sz="1400" b="0" i="0" u="none" strike="sngStrike" kern="1200" cap="none" spc="0" normalizeH="0" baseline="0" noProof="0">
+                          <a:ln>
+                            <a:noFill/>
+                          </a:ln>
+                          <a:solidFill>
+                            <a:prstClr val="black"/>
+                          </a:solidFill>
+                          <a:effectLst/>
+                          <a:uLnTx/>
+                          <a:uFillTx/>
+                          <a:latin typeface="Calibri" panose="020F0502020204030204"/>
+                          <a:ea typeface="+mn-ea"/>
+                          <a:cs typeface="+mn-cs"/>
+                        </a:rPr>
+                        <a:t> </a:t>
+                      </a:r>
+                      <a:endParaRPr kumimoji="0" lang="en-US" sz="1400" b="0" i="0" u="none" strike="sngStrike" kern="1200" cap="none" spc="0" normalizeH="0" baseline="0" noProof="0" dirty="0">
+                        <a:ln>
+                          <a:noFill/>
+                        </a:ln>
+                        <a:solidFill>
+                          <a:prstClr val="black"/>
+                        </a:solidFill>
+                        <a:effectLst/>
+                        <a:uLnTx/>
+                        <a:uFillTx/>
+                        <a:latin typeface="Calibri" panose="020F0502020204030204"/>
+                        <a:ea typeface="+mn-ea"/>
+                        <a:cs typeface="+mn-cs"/>
+                      </a:endParaRPr>
+                    </a:p>
+                  </a:txBody>
+                  <a:tcPr marL="0" marR="0" marT="0" marB="0" anchor="ctr"/>
+                </a:tc>
+                <a:tc>
+                  <a:txBody>
+                    <a:bodyPr/>
+                    <a:lstStyle/>
+                    <a:p>
+                      <a:pPr marL="0" marR="0" lvl="0" indent="0" algn="ctr" defTabSz="914400" rtl="0" eaLnBrk="1" fontAlgn="auto" latinLnBrk="0" hangingPunct="1">
+                        <a:lnSpc>
+                          <a:spcPct val="100000"/>
+                        </a:lnSpc>
+                        <a:spcBef>
+                          <a:spcPts val="0"/>
+                        </a:spcBef>
+                        <a:spcAft>
+                          <a:spcPts val="0"/>
+                        </a:spcAft>
+                        <a:buClrTx/>
+                        <a:buSzTx/>
+                        <a:buFontTx/>
+                        <a:buNone/>
+                        <a:tabLst/>
+                        <a:defRPr/>
+                      </a:pPr>
+                      <a:r>
+                        <a:rPr kumimoji="0" lang="en-US" sz="1400" b="0" i="0" u="none" strike="sngStrike" kern="1200" cap="none" spc="0" normalizeH="0" baseline="0" noProof="0" dirty="0">
+                          <a:ln>
+                            <a:noFill/>
+                          </a:ln>
+                          <a:solidFill>
+                            <a:prstClr val="black"/>
+                          </a:solidFill>
+                          <a:effectLst/>
+                          <a:uLnTx/>
+                          <a:uFillTx/>
+                          <a:latin typeface="Calibri" panose="020F0502020204030204"/>
+                          <a:ea typeface="+mn-ea"/>
+                          <a:cs typeface="+mn-cs"/>
+                        </a:rPr>
+                        <a:t> </a:t>
+                      </a:r>
+                    </a:p>
+                  </a:txBody>
+                  <a:tcPr marL="0" marR="0" marT="0" marB="0" anchor="ctr"/>
+                </a:tc>
+                <a:tc>
+                  <a:txBody>
+                    <a:bodyPr/>
+                    <a:lstStyle/>
+                    <a:p>
+                      <a:pPr marL="0" marR="0" lvl="0" indent="0" algn="ctr" defTabSz="914400" rtl="0" eaLnBrk="1" fontAlgn="auto" latinLnBrk="0" hangingPunct="1">
+                        <a:lnSpc>
+                          <a:spcPct val="100000"/>
+                        </a:lnSpc>
+                        <a:spcBef>
+                          <a:spcPts val="0"/>
+                        </a:spcBef>
+                        <a:spcAft>
+                          <a:spcPts val="0"/>
+                        </a:spcAft>
+                        <a:buClrTx/>
+                        <a:buSzTx/>
+                        <a:buFontTx/>
+                        <a:buNone/>
+                        <a:tabLst/>
+                        <a:defRPr/>
+                      </a:pPr>
+                      <a:r>
+                        <a:rPr kumimoji="0" lang="en-US" sz="1400" b="0" i="0" u="none" strike="sngStrike" kern="1200" cap="none" spc="0" normalizeH="0" baseline="0" noProof="0" dirty="0">
+                          <a:ln>
+                            <a:noFill/>
+                          </a:ln>
+                          <a:solidFill>
+                            <a:prstClr val="black"/>
+                          </a:solidFill>
+                          <a:effectLst/>
+                          <a:uLnTx/>
+                          <a:uFillTx/>
+                          <a:latin typeface="Calibri" panose="020F0502020204030204"/>
+                          <a:ea typeface="+mn-ea"/>
+                          <a:cs typeface="+mn-cs"/>
+                        </a:rPr>
+                        <a:t> </a:t>
+                      </a:r>
+                    </a:p>
+                  </a:txBody>
+                  <a:tcPr marL="0" marR="0" marT="0" marB="0" anchor="ctr"/>
+                </a:tc>
+                <a:tc>
+                  <a:txBody>
+                    <a:bodyPr/>
+                    <a:lstStyle/>
+                    <a:p>
+                      <a:pPr marL="0" marR="0" lvl="0" indent="0" algn="ctr" defTabSz="914400" rtl="0" eaLnBrk="1" fontAlgn="auto" latinLnBrk="0" hangingPunct="1">
+                        <a:lnSpc>
+                          <a:spcPct val="100000"/>
+                        </a:lnSpc>
+                        <a:spcBef>
+                          <a:spcPts val="0"/>
+                        </a:spcBef>
+                        <a:spcAft>
+                          <a:spcPts val="0"/>
+                        </a:spcAft>
+                        <a:buClrTx/>
+                        <a:buSzTx/>
+                        <a:buFontTx/>
+                        <a:buNone/>
+                        <a:tabLst/>
+                        <a:defRPr/>
+                      </a:pPr>
+                      <a:r>
+                        <a:rPr kumimoji="0" lang="en-US" sz="1400" b="0" i="0" u="none" strike="sngStrike" kern="1200" cap="none" spc="0" normalizeH="0" baseline="0" noProof="0">
+                          <a:ln>
+                            <a:noFill/>
+                          </a:ln>
+                          <a:solidFill>
+                            <a:prstClr val="black"/>
+                          </a:solidFill>
+                          <a:effectLst/>
+                          <a:uLnTx/>
+                          <a:uFillTx/>
+                          <a:latin typeface="Calibri" panose="020F0502020204030204"/>
+                          <a:ea typeface="+mn-ea"/>
+                          <a:cs typeface="+mn-cs"/>
+                        </a:rPr>
+                        <a:t> </a:t>
+                      </a:r>
+                      <a:endParaRPr kumimoji="0" lang="en-US" sz="1400" b="0" i="0" u="none" strike="sngStrike" kern="1200" cap="none" spc="0" normalizeH="0" baseline="0" noProof="0" dirty="0">
+                        <a:ln>
+                          <a:noFill/>
+                        </a:ln>
+                        <a:solidFill>
+                          <a:prstClr val="black"/>
+                        </a:solidFill>
+                        <a:effectLst/>
+                        <a:uLnTx/>
+                        <a:uFillTx/>
+                        <a:latin typeface="Calibri" panose="020F0502020204030204"/>
+                        <a:ea typeface="+mn-ea"/>
+                        <a:cs typeface="+mn-cs"/>
+                      </a:endParaRPr>
+                    </a:p>
+                  </a:txBody>
+                  <a:tcPr marL="0" marR="0" marT="0" marB="0" anchor="ctr"/>
+                </a:tc>
+                <a:tc>
+                  <a:txBody>
+                    <a:bodyPr/>
+                    <a:lstStyle/>
+                    <a:p>
+                      <a:pPr marL="0" marR="0" lvl="0" indent="0" algn="ctr" defTabSz="914400" rtl="0" eaLnBrk="1" fontAlgn="auto" latinLnBrk="0" hangingPunct="1">
+                        <a:lnSpc>
+                          <a:spcPct val="100000"/>
+                        </a:lnSpc>
+                        <a:spcBef>
+                          <a:spcPts val="0"/>
+                        </a:spcBef>
+                        <a:spcAft>
+                          <a:spcPts val="0"/>
+                        </a:spcAft>
+                        <a:buClrTx/>
+                        <a:buSzTx/>
+                        <a:buFontTx/>
+                        <a:buNone/>
+                        <a:tabLst/>
+                        <a:defRPr/>
+                      </a:pPr>
+                      <a:r>
+                        <a:rPr kumimoji="0" lang="en-US" sz="1400" b="0" i="0" u="none" strike="sngStrike" kern="1200" cap="none" spc="0" normalizeH="0" baseline="0" noProof="0" dirty="0">
+                          <a:ln>
+                            <a:noFill/>
+                          </a:ln>
+                          <a:solidFill>
+                            <a:prstClr val="black"/>
+                          </a:solidFill>
+                          <a:effectLst/>
+                          <a:uLnTx/>
+                          <a:uFillTx/>
+                          <a:latin typeface="Calibri" panose="020F0502020204030204"/>
+                          <a:ea typeface="+mn-ea"/>
+                          <a:cs typeface="+mn-cs"/>
+                        </a:rPr>
+                        <a:t> </a:t>
+                      </a:r>
+                    </a:p>
+                  </a:txBody>
+                  <a:tcPr marL="0" marR="0" marT="0" marB="0" anchor="ctr"/>
+                </a:tc>
+                <a:tc>
+                  <a:txBody>
+                    <a:bodyPr/>
+                    <a:lstStyle/>
+                    <a:p>
+                      <a:pPr marL="0" marR="0" lvl="0" indent="0" algn="ctr" defTabSz="914400" rtl="0" eaLnBrk="1" fontAlgn="auto" latinLnBrk="0" hangingPunct="1">
+                        <a:lnSpc>
+                          <a:spcPct val="100000"/>
+                        </a:lnSpc>
+                        <a:spcBef>
+                          <a:spcPts val="0"/>
+                        </a:spcBef>
+                        <a:spcAft>
+                          <a:spcPts val="0"/>
+                        </a:spcAft>
+                        <a:buClrTx/>
+                        <a:buSzTx/>
+                        <a:buFontTx/>
+                        <a:buNone/>
+                        <a:tabLst/>
+                        <a:defRPr/>
+                      </a:pPr>
+                      <a:r>
+                        <a:rPr kumimoji="0" lang="en-US" sz="1400" b="0" i="0" u="none" strike="sngStrike" kern="1200" cap="none" spc="0" normalizeH="0" baseline="0" noProof="0">
+                          <a:ln>
+                            <a:noFill/>
+                          </a:ln>
+                          <a:solidFill>
+                            <a:prstClr val="black"/>
+                          </a:solidFill>
+                          <a:effectLst/>
+                          <a:uLnTx/>
+                          <a:uFillTx/>
+                          <a:latin typeface="Calibri" panose="020F0502020204030204"/>
+                          <a:ea typeface="+mn-ea"/>
+                          <a:cs typeface="+mn-cs"/>
+                        </a:rPr>
+                        <a:t> </a:t>
+                      </a:r>
+                      <a:endParaRPr kumimoji="0" lang="en-US" sz="1400" b="0" i="0" u="none" strike="sngStrike" kern="1200" cap="none" spc="0" normalizeH="0" baseline="0" noProof="0" dirty="0">
+                        <a:ln>
+                          <a:noFill/>
+                        </a:ln>
+                        <a:solidFill>
+                          <a:prstClr val="black"/>
+                        </a:solidFill>
+                        <a:effectLst/>
+                        <a:uLnTx/>
+                        <a:uFillTx/>
+                        <a:latin typeface="Calibri" panose="020F0502020204030204"/>
+                        <a:ea typeface="+mn-ea"/>
+                        <a:cs typeface="+mn-cs"/>
+                      </a:endParaRPr>
+                    </a:p>
+                  </a:txBody>
+                  <a:tcPr marL="0" marR="0" marT="0" marB="0" anchor="ctr"/>
+                </a:tc>
+                <a:tc>
+                  <a:txBody>
+                    <a:bodyPr/>
+                    <a:lstStyle/>
+                    <a:p>
+                      <a:pPr marL="0" marR="0" lvl="0" indent="0" algn="ctr" defTabSz="914400" rtl="0" eaLnBrk="1" fontAlgn="auto" latinLnBrk="0" hangingPunct="1">
+                        <a:lnSpc>
+                          <a:spcPct val="100000"/>
+                        </a:lnSpc>
+                        <a:spcBef>
+                          <a:spcPts val="0"/>
+                        </a:spcBef>
+                        <a:spcAft>
+                          <a:spcPts val="0"/>
+                        </a:spcAft>
+                        <a:buClrTx/>
+                        <a:buSzTx/>
+                        <a:buFontTx/>
+                        <a:buNone/>
+                        <a:tabLst/>
+                        <a:defRPr/>
+                      </a:pPr>
+                      <a:r>
+                        <a:rPr kumimoji="0" lang="en-US" sz="1400" b="0" i="0" u="none" strike="sngStrike" kern="1200" cap="none" spc="0" normalizeH="0" baseline="0" noProof="0" dirty="0">
+                          <a:ln>
+                            <a:noFill/>
+                          </a:ln>
+                          <a:solidFill>
+                            <a:prstClr val="black"/>
+                          </a:solidFill>
+                          <a:effectLst/>
+                          <a:uLnTx/>
+                          <a:uFillTx/>
+                          <a:latin typeface="Calibri" panose="020F0502020204030204"/>
+                          <a:ea typeface="+mn-ea"/>
+                          <a:cs typeface="+mn-cs"/>
+                        </a:rPr>
+                        <a:t> </a:t>
+                      </a:r>
+                    </a:p>
+                  </a:txBody>
+                  <a:tcPr marL="0" marR="0" marT="0" marB="0" anchor="ctr"/>
+                </a:tc>
+                <a:tc>
+                  <a:txBody>
+                    <a:bodyPr/>
+                    <a:lstStyle/>
+                    <a:p>
+                      <a:pPr marL="0" marR="0" lvl="0" indent="0" algn="ctr" defTabSz="914400" rtl="0" eaLnBrk="1" fontAlgn="auto" latinLnBrk="0" hangingPunct="1">
+                        <a:lnSpc>
+                          <a:spcPct val="100000"/>
+                        </a:lnSpc>
+                        <a:spcBef>
+                          <a:spcPts val="0"/>
+                        </a:spcBef>
+                        <a:spcAft>
+                          <a:spcPts val="0"/>
+                        </a:spcAft>
+                        <a:buClrTx/>
+                        <a:buSzTx/>
+                        <a:buFontTx/>
+                        <a:buNone/>
+                        <a:tabLst/>
+                        <a:defRPr/>
+                      </a:pPr>
+                      <a:r>
+                        <a:rPr kumimoji="0" lang="en-US" sz="1400" b="0" i="0" u="none" strike="sngStrike" kern="1200" cap="none" spc="0" normalizeH="0" baseline="0" noProof="0">
+                          <a:ln>
+                            <a:noFill/>
+                          </a:ln>
+                          <a:solidFill>
+                            <a:prstClr val="black"/>
+                          </a:solidFill>
+                          <a:effectLst/>
+                          <a:uLnTx/>
+                          <a:uFillTx/>
+                          <a:latin typeface="Calibri" panose="020F0502020204030204"/>
+                          <a:ea typeface="+mn-ea"/>
+                          <a:cs typeface="+mn-cs"/>
+                        </a:rPr>
+                        <a:t> </a:t>
+                      </a:r>
+                      <a:endParaRPr kumimoji="0" lang="en-US" sz="1400" b="0" i="0" u="none" strike="sngStrike" kern="1200" cap="none" spc="0" normalizeH="0" baseline="0" noProof="0" dirty="0">
+                        <a:ln>
+                          <a:noFill/>
+                        </a:ln>
+                        <a:solidFill>
+                          <a:prstClr val="black"/>
+                        </a:solidFill>
+                        <a:effectLst/>
+                        <a:uLnTx/>
+                        <a:uFillTx/>
+                        <a:latin typeface="Calibri" panose="020F0502020204030204"/>
+                        <a:ea typeface="+mn-ea"/>
+                        <a:cs typeface="+mn-cs"/>
+                      </a:endParaRPr>
+                    </a:p>
+                  </a:txBody>
+                  <a:tcPr marL="0" marR="0" marT="0" marB="0" anchor="ctr"/>
+                </a:tc>
+                <a:tc>
+                  <a:txBody>
+                    <a:bodyPr/>
+                    <a:lstStyle/>
+                    <a:p>
+                      <a:pPr marL="0" marR="0" lvl="0" indent="0" algn="ctr" defTabSz="914400" rtl="0" eaLnBrk="1" fontAlgn="auto" latinLnBrk="0" hangingPunct="1">
+                        <a:lnSpc>
+                          <a:spcPct val="100000"/>
+                        </a:lnSpc>
+                        <a:spcBef>
+                          <a:spcPts val="0"/>
+                        </a:spcBef>
+                        <a:spcAft>
+                          <a:spcPts val="0"/>
+                        </a:spcAft>
+                        <a:buClrTx/>
+                        <a:buSzTx/>
+                        <a:buFontTx/>
+                        <a:buNone/>
+                        <a:tabLst/>
+                        <a:defRPr/>
+                      </a:pPr>
+                      <a:r>
+                        <a:rPr kumimoji="0" lang="en-US" sz="1400" b="0" i="0" u="none" strike="sngStrike" kern="1200" cap="none" spc="0" normalizeH="0" baseline="0" noProof="0" dirty="0">
+                          <a:ln>
+                            <a:noFill/>
+                          </a:ln>
+                          <a:solidFill>
+                            <a:prstClr val="black"/>
+                          </a:solidFill>
+                          <a:effectLst/>
+                          <a:uLnTx/>
+                          <a:uFillTx/>
+                          <a:latin typeface="Calibri" panose="020F0502020204030204"/>
+                          <a:ea typeface="+mn-ea"/>
+                          <a:cs typeface="+mn-cs"/>
+                        </a:rPr>
+                        <a:t> </a:t>
+                      </a:r>
+                    </a:p>
+                  </a:txBody>
+                  <a:tcPr marL="0" marR="0" marT="0" marB="0" anchor="ctr"/>
+                </a:tc>
+                <a:tc>
+                  <a:txBody>
+                    <a:bodyPr/>
+                    <a:lstStyle/>
+                    <a:p>
+                      <a:pPr marL="0" marR="0" lvl="0" indent="0" algn="ctr" defTabSz="914400" rtl="0" eaLnBrk="1" fontAlgn="auto" latinLnBrk="0" hangingPunct="1">
+                        <a:lnSpc>
+                          <a:spcPct val="100000"/>
+                        </a:lnSpc>
+                        <a:spcBef>
+                          <a:spcPts val="0"/>
+                        </a:spcBef>
+                        <a:spcAft>
+                          <a:spcPts val="0"/>
+                        </a:spcAft>
+                        <a:buClrTx/>
+                        <a:buSzTx/>
+                        <a:buFontTx/>
+                        <a:buNone/>
+                        <a:tabLst/>
+                        <a:defRPr/>
+                      </a:pPr>
+                      <a:r>
+                        <a:rPr kumimoji="0" lang="en-US" sz="1400" b="0" i="0" u="none" strike="sngStrike" kern="1200" cap="none" spc="0" normalizeH="0" baseline="0" noProof="0" dirty="0">
+                          <a:ln>
+                            <a:noFill/>
+                          </a:ln>
+                          <a:solidFill>
+                            <a:prstClr val="black"/>
+                          </a:solidFill>
+                          <a:effectLst/>
+                          <a:uLnTx/>
+                          <a:uFillTx/>
+                          <a:latin typeface="Calibri" panose="020F0502020204030204"/>
+                          <a:ea typeface="+mn-ea"/>
+                          <a:cs typeface="+mn-cs"/>
+                        </a:rPr>
+                        <a:t> </a:t>
+                      </a:r>
+                    </a:p>
+                  </a:txBody>
+                  <a:tcPr marL="0" marR="0" marT="0" marB="0" anchor="ctr"/>
+                </a:tc>
+                <a:tc>
+                  <a:txBody>
+                    <a:bodyPr/>
+                    <a:lstStyle/>
+                    <a:p>
+                      <a:pPr marL="0" marR="0" lvl="0" indent="0" algn="ctr" defTabSz="914400" rtl="0" eaLnBrk="1" fontAlgn="auto" latinLnBrk="0" hangingPunct="1">
+                        <a:lnSpc>
+                          <a:spcPct val="100000"/>
+                        </a:lnSpc>
+                        <a:spcBef>
+                          <a:spcPts val="0"/>
+                        </a:spcBef>
+                        <a:spcAft>
+                          <a:spcPts val="0"/>
+                        </a:spcAft>
+                        <a:buClrTx/>
+                        <a:buSzTx/>
+                        <a:buFontTx/>
+                        <a:buNone/>
+                        <a:tabLst/>
+                        <a:defRPr/>
+                      </a:pPr>
+                      <a:r>
+                        <a:rPr kumimoji="0" lang="en-US" sz="1400" b="0" i="0" u="none" strike="sngStrike" kern="1200" cap="none" spc="0" normalizeH="0" baseline="0" noProof="0" dirty="0">
+                          <a:ln>
+                            <a:noFill/>
+                          </a:ln>
+                          <a:solidFill>
+                            <a:prstClr val="black"/>
+                          </a:solidFill>
+                          <a:effectLst/>
+                          <a:uLnTx/>
+                          <a:uFillTx/>
+                          <a:latin typeface="Calibri" panose="020F0502020204030204"/>
+                          <a:ea typeface="+mn-ea"/>
+                          <a:cs typeface="+mn-cs"/>
+                        </a:rPr>
+                        <a:t> </a:t>
+                      </a:r>
+                    </a:p>
+                  </a:txBody>
+                  <a:tcPr marL="0" marR="0" marT="0" marB="0" anchor="ctr"/>
+                </a:tc>
+                <a:tc>
+                  <a:txBody>
+                    <a:bodyPr/>
+                    <a:lstStyle/>
+                    <a:p>
+                      <a:pPr marL="0" marR="0" lvl="0" indent="0" algn="ctr" defTabSz="914400" rtl="0" eaLnBrk="1" fontAlgn="auto" latinLnBrk="0" hangingPunct="1">
+                        <a:lnSpc>
+                          <a:spcPct val="100000"/>
+                        </a:lnSpc>
+                        <a:spcBef>
+                          <a:spcPts val="0"/>
+                        </a:spcBef>
+                        <a:spcAft>
+                          <a:spcPts val="0"/>
+                        </a:spcAft>
+                        <a:buClrTx/>
+                        <a:buSzTx/>
+                        <a:buFontTx/>
+                        <a:buNone/>
+                        <a:tabLst/>
+                        <a:defRPr/>
+                      </a:pPr>
+                      <a:r>
+                        <a:rPr kumimoji="0" lang="en-US" sz="1400" b="0" i="0" u="none" strike="sngStrike" kern="1200" cap="none" spc="0" normalizeH="0" baseline="0" noProof="0" dirty="0">
+                          <a:ln>
+                            <a:noFill/>
+                          </a:ln>
+                          <a:solidFill>
+                            <a:prstClr val="black"/>
+                          </a:solidFill>
+                          <a:effectLst/>
+                          <a:uLnTx/>
+                          <a:uFillTx/>
+                          <a:latin typeface="Calibri" panose="020F0502020204030204"/>
+                          <a:ea typeface="+mn-ea"/>
+                          <a:cs typeface="+mn-cs"/>
+                        </a:rPr>
+                        <a:t> </a:t>
+                      </a:r>
+                    </a:p>
+                  </a:txBody>
+                  <a:tcPr marL="0" marR="0" marT="0" marB="0" anchor="ctr"/>
+                </a:tc>
+                <a:tc>
+                  <a:txBody>
+                    <a:bodyPr/>
+                    <a:lstStyle/>
+                    <a:p>
+                      <a:pPr marL="0" marR="0" lvl="0" indent="0" algn="ctr" defTabSz="914400" rtl="0" eaLnBrk="1" fontAlgn="auto" latinLnBrk="0" hangingPunct="1">
+                        <a:lnSpc>
+                          <a:spcPct val="100000"/>
+                        </a:lnSpc>
+                        <a:spcBef>
+                          <a:spcPts val="0"/>
+                        </a:spcBef>
+                        <a:spcAft>
+                          <a:spcPts val="0"/>
+                        </a:spcAft>
+                        <a:buClrTx/>
+                        <a:buSzTx/>
+                        <a:buFontTx/>
+                        <a:buNone/>
+                        <a:tabLst/>
+                        <a:defRPr/>
+                      </a:pPr>
+                      <a:r>
+                        <a:rPr kumimoji="0" lang="en-US" sz="1400" b="0" i="0" u="none" strike="sngStrike" kern="1200" cap="none" spc="0" normalizeH="0" baseline="0" noProof="0" dirty="0">
+                          <a:ln>
+                            <a:noFill/>
+                          </a:ln>
+                          <a:solidFill>
+                            <a:prstClr val="black"/>
+                          </a:solidFill>
+                          <a:effectLst/>
+                          <a:uLnTx/>
+                          <a:uFillTx/>
+                          <a:latin typeface="Calibri" panose="020F0502020204030204"/>
+                          <a:ea typeface="+mn-ea"/>
+                          <a:cs typeface="+mn-cs"/>
+                        </a:rPr>
+                        <a:t> </a:t>
+                      </a:r>
+                    </a:p>
+                  </a:txBody>
+                  <a:tcPr marL="0" marR="0" marT="0" marB="0" anchor="ctr"/>
+                </a:tc>
+                <a:extLst>
+                  <a:ext uri="{0D108BD9-81ED-4DB2-BD59-A6C34878D82A}">
+                    <a16:rowId xmlns:a16="http://schemas.microsoft.com/office/drawing/2014/main" val="2745847095"/>
+                  </a:ext>
+                </a:extLst>
+              </a:tr>
+              <a:tr h="512232">
+                <a:tc>
+                  <a:txBody>
+                    <a:bodyPr/>
+                    <a:lstStyle/>
+                    <a:p>
+                      <a:pPr algn="ctr"/>
+                      <a:r>
+                        <a:rPr lang="en-US" sz="1400" strike="sngStrike" dirty="0"/>
+                        <a:t>B</a:t>
+                      </a:r>
+                      <a:endParaRPr lang="en-US" sz="1400" strike="sngStrike" dirty="0">
+                        <a:solidFill>
+                          <a:schemeClr val="accent2">
+                            <a:lumMod val="75000"/>
+                          </a:schemeClr>
+                        </a:solidFill>
+                      </a:endParaRPr>
+                    </a:p>
+                  </a:txBody>
+                  <a:tcPr marL="0" marR="0" marT="0" marB="0" anchor="ctr"/>
+                </a:tc>
+                <a:tc>
+                  <a:txBody>
+                    <a:bodyPr/>
+                    <a:lstStyle/>
+                    <a:p>
+                      <a:pPr algn="ctr"/>
+                      <a:r>
+                        <a:rPr lang="ko-KR" altLang="en-US" sz="1400" strike="sngStrike" dirty="0"/>
+                        <a:t>김희준</a:t>
+                      </a:r>
+                      <a:endParaRPr lang="en-US" sz="1400" strike="sngStrike" dirty="0">
+                        <a:solidFill>
+                          <a:schemeClr val="accent2">
+                            <a:lumMod val="75000"/>
+                          </a:schemeClr>
+                        </a:solidFill>
+                      </a:endParaRPr>
+                    </a:p>
+                  </a:txBody>
+                  <a:tcPr marL="0" marR="0" marT="0" marB="0" anchor="ctr"/>
+                </a:tc>
+                <a:tc>
+                  <a:txBody>
+                    <a:bodyPr/>
+                    <a:lstStyle/>
+                    <a:p>
+                      <a:pPr algn="ctr"/>
+                      <a:endParaRPr lang="en-US" sz="1400" dirty="0">
+                        <a:solidFill>
+                          <a:schemeClr val="accent2">
+                            <a:lumMod val="75000"/>
+                          </a:schemeClr>
+                        </a:solidFill>
+                      </a:endParaRPr>
+                    </a:p>
+                  </a:txBody>
+                  <a:tcPr marL="0" marR="0" marT="0" marB="0" anchor="ctr"/>
+                </a:tc>
+                <a:tc>
+                  <a:txBody>
+                    <a:bodyPr/>
+                    <a:lstStyle/>
+                    <a:p>
+                      <a:pPr algn="ctr"/>
+                      <a:endParaRPr lang="en-US" sz="1400">
+                        <a:solidFill>
+                          <a:schemeClr val="accent2">
+                            <a:lumMod val="75000"/>
+                          </a:schemeClr>
+                        </a:solidFill>
+                      </a:endParaRPr>
+                    </a:p>
+                  </a:txBody>
+                  <a:tcPr marL="0" marR="0" marT="0" marB="0" anchor="ctr"/>
+                </a:tc>
+                <a:tc>
+                  <a:txBody>
+                    <a:bodyPr/>
+                    <a:lstStyle/>
+                    <a:p>
+                      <a:pPr algn="ctr"/>
+                      <a:endParaRPr lang="en-US" sz="1400" dirty="0">
+                        <a:solidFill>
+                          <a:schemeClr val="accent2">
+                            <a:lumMod val="75000"/>
+                          </a:schemeClr>
+                        </a:solidFill>
+                      </a:endParaRPr>
+                    </a:p>
+                  </a:txBody>
+                  <a:tcPr marL="0" marR="0" marT="0" marB="0" anchor="ctr"/>
+                </a:tc>
+                <a:tc>
+                  <a:txBody>
+                    <a:bodyPr/>
+                    <a:lstStyle/>
+                    <a:p>
+                      <a:pPr algn="ctr"/>
+                      <a:endParaRPr lang="en-US" sz="1400">
+                        <a:solidFill>
+                          <a:schemeClr val="accent2">
+                            <a:lumMod val="75000"/>
+                          </a:schemeClr>
+                        </a:solidFill>
+                      </a:endParaRPr>
+                    </a:p>
+                  </a:txBody>
+                  <a:tcPr marL="0" marR="0" marT="0" marB="0" anchor="ctr"/>
+                </a:tc>
+                <a:tc>
+                  <a:txBody>
+                    <a:bodyPr/>
+                    <a:lstStyle/>
+                    <a:p>
+                      <a:pPr algn="ctr"/>
+                      <a:endParaRPr lang="en-US" sz="1400" dirty="0">
+                        <a:solidFill>
+                          <a:schemeClr val="accent2">
+                            <a:lumMod val="75000"/>
+                          </a:schemeClr>
+                        </a:solidFill>
+                      </a:endParaRPr>
+                    </a:p>
+                  </a:txBody>
+                  <a:tcPr marL="0" marR="0" marT="0" marB="0" anchor="ctr"/>
+                </a:tc>
+                <a:tc>
+                  <a:txBody>
+                    <a:bodyPr/>
+                    <a:lstStyle/>
+                    <a:p>
+                      <a:pPr algn="ctr"/>
+                      <a:endParaRPr lang="en-US" sz="1400" dirty="0">
+                        <a:solidFill>
+                          <a:schemeClr val="accent2">
+                            <a:lumMod val="75000"/>
+                          </a:schemeClr>
+                        </a:solidFill>
+                      </a:endParaRPr>
+                    </a:p>
+                  </a:txBody>
+                  <a:tcPr marL="0" marR="0" marT="0" marB="0" anchor="ctr"/>
+                </a:tc>
+                <a:tc>
+                  <a:txBody>
+                    <a:bodyPr/>
+                    <a:lstStyle/>
+                    <a:p>
+                      <a:pPr algn="ctr"/>
+                      <a:endParaRPr lang="en-US" sz="1400" dirty="0">
+                        <a:solidFill>
+                          <a:schemeClr val="accent2">
+                            <a:lumMod val="75000"/>
+                          </a:schemeClr>
+                        </a:solidFill>
+                      </a:endParaRPr>
+                    </a:p>
+                  </a:txBody>
+                  <a:tcPr marL="0" marR="0" marT="0" marB="0" anchor="ctr"/>
+                </a:tc>
+                <a:tc>
+                  <a:txBody>
+                    <a:bodyPr/>
+                    <a:lstStyle/>
+                    <a:p>
+                      <a:pPr algn="ctr"/>
+                      <a:endParaRPr lang="en-US" sz="1400" dirty="0">
+                        <a:solidFill>
+                          <a:schemeClr val="accent2">
+                            <a:lumMod val="75000"/>
+                          </a:schemeClr>
+                        </a:solidFill>
+                      </a:endParaRPr>
+                    </a:p>
+                  </a:txBody>
+                  <a:tcPr marL="0" marR="0" marT="0" marB="0" anchor="ctr"/>
+                </a:tc>
+                <a:tc>
+                  <a:txBody>
+                    <a:bodyPr/>
+                    <a:lstStyle/>
+                    <a:p>
+                      <a:pPr algn="ctr"/>
+                      <a:endParaRPr lang="en-US" sz="1400" dirty="0">
+                        <a:solidFill>
+                          <a:schemeClr val="accent2">
+                            <a:lumMod val="75000"/>
+                          </a:schemeClr>
+                        </a:solidFill>
+                      </a:endParaRPr>
+                    </a:p>
+                  </a:txBody>
+                  <a:tcPr marL="0" marR="0" marT="0" marB="0" anchor="ctr"/>
+                </a:tc>
+                <a:tc>
+                  <a:txBody>
+                    <a:bodyPr/>
+                    <a:lstStyle/>
+                    <a:p>
+                      <a:pPr algn="ctr"/>
+                      <a:endParaRPr lang="en-US" sz="1400" dirty="0">
+                        <a:solidFill>
+                          <a:schemeClr val="accent2">
+                            <a:lumMod val="75000"/>
+                          </a:schemeClr>
+                        </a:solidFill>
+                      </a:endParaRPr>
+                    </a:p>
+                  </a:txBody>
+                  <a:tcPr marL="0" marR="0" marT="0" marB="0" anchor="ctr"/>
+                </a:tc>
+                <a:tc>
+                  <a:txBody>
+                    <a:bodyPr/>
+                    <a:lstStyle/>
+                    <a:p>
+                      <a:pPr algn="ctr"/>
+                      <a:endParaRPr lang="en-US" sz="1400" dirty="0">
+                        <a:solidFill>
+                          <a:schemeClr val="accent2">
+                            <a:lumMod val="75000"/>
+                          </a:schemeClr>
+                        </a:solidFill>
+                      </a:endParaRPr>
+                    </a:p>
+                  </a:txBody>
+                  <a:tcPr marL="0" marR="0" marT="0" marB="0" anchor="ctr"/>
+                </a:tc>
+                <a:tc>
+                  <a:txBody>
+                    <a:bodyPr/>
+                    <a:lstStyle/>
+                    <a:p>
+                      <a:pPr algn="ctr"/>
+                      <a:endParaRPr lang="en-US" sz="1400" dirty="0">
+                        <a:solidFill>
+                          <a:schemeClr val="accent2">
+                            <a:lumMod val="75000"/>
+                          </a:schemeClr>
+                        </a:solidFill>
+                      </a:endParaRPr>
+                    </a:p>
+                  </a:txBody>
+                  <a:tcPr marL="0" marR="0" marT="0" marB="0" anchor="ctr"/>
+                </a:tc>
+                <a:tc>
+                  <a:txBody>
+                    <a:bodyPr/>
+                    <a:lstStyle/>
+                    <a:p>
+                      <a:pPr algn="ctr"/>
+                      <a:endParaRPr lang="en-US" sz="1400" dirty="0">
+                        <a:solidFill>
+                          <a:schemeClr val="accent2">
+                            <a:lumMod val="75000"/>
+                          </a:schemeClr>
+                        </a:solidFill>
+                      </a:endParaRPr>
+                    </a:p>
+                  </a:txBody>
+                  <a:tcPr marL="0" marR="0" marT="0" marB="0" anchor="ctr"/>
+                </a:tc>
+                <a:tc>
+                  <a:txBody>
+                    <a:bodyPr/>
+                    <a:lstStyle/>
+                    <a:p>
+                      <a:pPr algn="ctr"/>
+                      <a:endParaRPr lang="en-US" sz="1400" dirty="0">
+                        <a:solidFill>
+                          <a:schemeClr val="accent2">
+                            <a:lumMod val="75000"/>
+                          </a:schemeClr>
+                        </a:solidFill>
+                      </a:endParaRPr>
+                    </a:p>
+                  </a:txBody>
+                  <a:tcPr marL="0" marR="0" marT="0" marB="0" anchor="ctr"/>
+                </a:tc>
+                <a:tc>
+                  <a:txBody>
+                    <a:bodyPr/>
+                    <a:lstStyle/>
+                    <a:p>
+                      <a:pPr algn="ctr"/>
+                      <a:endParaRPr lang="en-US" sz="1400" dirty="0">
+                        <a:solidFill>
+                          <a:schemeClr val="accent2">
+                            <a:lumMod val="75000"/>
+                          </a:schemeClr>
+                        </a:solidFill>
+                      </a:endParaRPr>
+                    </a:p>
+                  </a:txBody>
+                  <a:tcPr marL="0" marR="0" marT="0" marB="0" anchor="ctr"/>
+                </a:tc>
+                <a:tc>
+                  <a:txBody>
+                    <a:bodyPr/>
+                    <a:lstStyle/>
+                    <a:p>
+                      <a:pPr algn="ctr"/>
+                      <a:endParaRPr lang="en-US" sz="1400" dirty="0">
+                        <a:solidFill>
+                          <a:schemeClr val="accent2">
+                            <a:lumMod val="75000"/>
+                          </a:schemeClr>
+                        </a:solidFill>
+                      </a:endParaRPr>
+                    </a:p>
+                  </a:txBody>
+                  <a:tcPr marL="0" marR="0" marT="0" marB="0" anchor="ctr"/>
+                </a:tc>
+                <a:tc>
+                  <a:txBody>
+                    <a:bodyPr/>
+                    <a:lstStyle/>
+                    <a:p>
+                      <a:pPr algn="ctr"/>
+                      <a:endParaRPr lang="en-US" sz="1400" dirty="0">
+                        <a:solidFill>
+                          <a:schemeClr val="accent2">
+                            <a:lumMod val="75000"/>
+                          </a:schemeClr>
+                        </a:solidFill>
+                      </a:endParaRPr>
+                    </a:p>
+                  </a:txBody>
+                  <a:tcPr marL="0" marR="0" marT="0" marB="0" anchor="ctr"/>
+                </a:tc>
+                <a:tc>
+                  <a:txBody>
+                    <a:bodyPr/>
+                    <a:lstStyle/>
+                    <a:p>
+                      <a:pPr algn="ctr"/>
+                      <a:endParaRPr lang="en-US" sz="1400" dirty="0">
+                        <a:solidFill>
+                          <a:schemeClr val="accent2">
+                            <a:lumMod val="75000"/>
+                          </a:schemeClr>
+                        </a:solidFill>
+                      </a:endParaRPr>
+                    </a:p>
+                  </a:txBody>
+                  <a:tcPr marL="0" marR="0" marT="0" marB="0" anchor="ctr"/>
+                </a:tc>
+                <a:tc>
+                  <a:txBody>
+                    <a:bodyPr/>
+                    <a:lstStyle/>
+                    <a:p>
+                      <a:pPr algn="ctr"/>
+                      <a:endParaRPr lang="en-US" sz="1400" dirty="0">
+                        <a:solidFill>
+                          <a:schemeClr val="accent2">
+                            <a:lumMod val="75000"/>
+                          </a:schemeClr>
+                        </a:solidFill>
+                      </a:endParaRPr>
+                    </a:p>
+                  </a:txBody>
+                  <a:tcPr marL="0" marR="0" marT="0" marB="0" anchor="ctr"/>
+                </a:tc>
+                <a:tc>
+                  <a:txBody>
+                    <a:bodyPr/>
+                    <a:lstStyle/>
+                    <a:p>
+                      <a:pPr algn="ctr"/>
+                      <a:endParaRPr lang="en-US" sz="1400" dirty="0">
+                        <a:solidFill>
+                          <a:schemeClr val="accent2">
+                            <a:lumMod val="75000"/>
+                          </a:schemeClr>
+                        </a:solidFill>
+                      </a:endParaRPr>
+                    </a:p>
+                  </a:txBody>
+                  <a:tcPr marL="0" marR="0" marT="0" marB="0" anchor="ctr"/>
+                </a:tc>
+                <a:extLst>
+                  <a:ext uri="{0D108BD9-81ED-4DB2-BD59-A6C34878D82A}">
+                    <a16:rowId xmlns:a16="http://schemas.microsoft.com/office/drawing/2014/main" val="3403495089"/>
                   </a:ext>
                 </a:extLst>
               </a:tr>

--- a/110 드론 멘토링 출결 현황 V1.1.pptx
+++ b/110 드론 멘토링 출결 현황 V1.1.pptx
@@ -7964,7 +7964,7 @@
           <a:p>
             <a:fld id="{60456C2F-1F67-44A5-80B0-9C3A6CA33C82}" type="datetimeFigureOut">
               <a:rPr lang="en-US" smtClean="0"/>
-              <a:t>7/14/2019</a:t>
+              <a:t>7/21/2019</a:t>
             </a:fld>
             <a:endParaRPr lang="en-US"/>
           </a:p>
@@ -8363,7 +8363,7 @@
           <a:p>
             <a:fld id="{319B1230-C6B6-4309-80C9-CAB93D465649}" type="datetime1">
               <a:rPr lang="ko-KR" altLang="en-US" smtClean="0"/>
-              <a:t>2019-07-14</a:t>
+              <a:t>2019-07-21</a:t>
             </a:fld>
             <a:endParaRPr lang="en-US"/>
           </a:p>
@@ -8474,7 +8474,7 @@
           <a:p>
             <a:fld id="{924A5E96-5228-467F-80D0-2ECBCC17D15E}" type="datetime1">
               <a:rPr lang="ko-KR" altLang="en-US" smtClean="0"/>
-              <a:t>2019-07-14</a:t>
+              <a:t>2019-07-21</a:t>
             </a:fld>
             <a:endParaRPr lang="en-US"/>
           </a:p>
@@ -8660,7 +8660,7 @@
           <a:p>
             <a:fld id="{BE0357B1-0FDD-482C-A9DC-A4587093D4A9}" type="datetime1">
               <a:rPr lang="ko-KR" altLang="en-US" smtClean="0"/>
-              <a:t>2019-07-14</a:t>
+              <a:t>2019-07-21</a:t>
             </a:fld>
             <a:endParaRPr lang="en-US"/>
           </a:p>
@@ -8923,7 +8923,7 @@
           <a:p>
             <a:fld id="{0D94B2E5-B4C8-4FE9-8181-FA32C14418EE}" type="datetime1">
               <a:rPr lang="ko-KR" altLang="en-US" smtClean="0"/>
-              <a:t>2019-07-14</a:t>
+              <a:t>2019-07-21</a:t>
             </a:fld>
             <a:endParaRPr lang="en-US"/>
           </a:p>
@@ -9251,7 +9251,7 @@
           <a:p>
             <a:fld id="{8F5C8F60-763C-4F84-8F24-DD737445852F}" type="datetime1">
               <a:rPr lang="ko-KR" altLang="en-US" smtClean="0"/>
-              <a:t>2019-07-14</a:t>
+              <a:t>2019-07-21</a:t>
             </a:fld>
             <a:endParaRPr lang="en-US"/>
           </a:p>
@@ -9599,7 +9599,7 @@
           <a:p>
             <a:fld id="{4CC14437-CE76-4CAA-B57D-74630AAA1A81}" type="datetime1">
               <a:rPr lang="ko-KR" altLang="en-US" smtClean="0"/>
-              <a:t>2019-07-14</a:t>
+              <a:t>2019-07-21</a:t>
             </a:fld>
             <a:endParaRPr lang="en-US"/>
           </a:p>
@@ -9890,7 +9890,7 @@
           <a:p>
             <a:fld id="{834AA384-6E8E-4FED-B7E7-E5A1E24200AC}" type="datetime1">
               <a:rPr lang="ko-KR" altLang="en-US" smtClean="0"/>
-              <a:t>2019-07-14</a:t>
+              <a:t>2019-07-21</a:t>
             </a:fld>
             <a:endParaRPr lang="en-US"/>
           </a:p>
@@ -10218,7 +10218,7 @@
           <a:p>
             <a:fld id="{7917DF62-74E6-4230-B273-D0D3CCDE7E84}" type="datetime1">
               <a:rPr lang="ko-KR" altLang="en-US" smtClean="0"/>
-              <a:t>2019-07-14</a:t>
+              <a:t>2019-07-21</a:t>
             </a:fld>
             <a:endParaRPr lang="en-US"/>
           </a:p>
@@ -10644,7 +10644,7 @@
           <a:p>
             <a:fld id="{6B67E599-38F1-4810-B40C-4564238E6F55}" type="datetime1">
               <a:rPr lang="ko-KR" altLang="en-US" smtClean="0"/>
-              <a:t>2019-07-14</a:t>
+              <a:t>2019-07-21</a:t>
             </a:fld>
             <a:endParaRPr lang="en-US"/>
           </a:p>
@@ -10778,7 +10778,7 @@
           <a:p>
             <a:fld id="{FED29414-8F33-4E3F-A952-9544504CA7EE}" type="datetime1">
               <a:rPr lang="ko-KR" altLang="en-US" smtClean="0"/>
-              <a:t>2019-07-14</a:t>
+              <a:t>2019-07-21</a:t>
             </a:fld>
             <a:endParaRPr lang="en-US"/>
           </a:p>
@@ -11057,7 +11057,7 @@
           <a:p>
             <a:fld id="{2605756E-71AC-4422-8513-6CA67E389392}" type="datetime1">
               <a:rPr lang="ko-KR" altLang="en-US" smtClean="0"/>
-              <a:t>2019-07-14</a:t>
+              <a:t>2019-07-21</a:t>
             </a:fld>
             <a:endParaRPr lang="en-US"/>
           </a:p>
@@ -11536,7 +11536,7 @@
             <p:ph idx="1"/>
             <p:extLst>
               <p:ext uri="{D42A27DB-BD31-4B8C-83A1-F6EECF244321}">
-                <p14:modId xmlns:p14="http://schemas.microsoft.com/office/powerpoint/2010/main" val="3540573936"/>
+                <p14:modId xmlns:p14="http://schemas.microsoft.com/office/powerpoint/2010/main" val="381804181"/>
               </p:ext>
             </p:extLst>
           </p:nvPr>
@@ -12360,7 +12360,7 @@
                       <a:pPr algn="ctr"/>
                       <a:r>
                         <a:rPr lang="en-US" sz="1400" dirty="0"/>
-                        <a:t>B</a:t>
+                        <a:t>A</a:t>
                       </a:r>
                       <a:endParaRPr lang="en-US" sz="1400" dirty="0">
                         <a:solidFill>
@@ -12839,6 +12839,231 @@
                     <a:bodyPr/>
                     <a:lstStyle/>
                     <a:p>
+                      <a:pPr marL="0" marR="0" lvl="0" indent="0" algn="ctr" defTabSz="914400" rtl="0" eaLnBrk="1" fontAlgn="auto" latinLnBrk="0" hangingPunct="1">
+                        <a:lnSpc>
+                          <a:spcPct val="100000"/>
+                        </a:lnSpc>
+                        <a:spcBef>
+                          <a:spcPts val="0"/>
+                        </a:spcBef>
+                        <a:spcAft>
+                          <a:spcPts val="0"/>
+                        </a:spcAft>
+                        <a:buClrTx/>
+                        <a:buSzTx/>
+                        <a:buFontTx/>
+                        <a:buNone/>
+                        <a:tabLst/>
+                        <a:defRPr/>
+                      </a:pPr>
+                      <a:r>
+                        <a:rPr kumimoji="0" lang="en-US" sz="1400" b="1" i="0" u="none" strike="noStrike" kern="1200" cap="none" spc="0" normalizeH="0" baseline="0" noProof="0" dirty="0">
+                          <a:ln>
+                            <a:noFill/>
+                          </a:ln>
+                          <a:solidFill>
+                            <a:schemeClr val="accent6">
+                              <a:lumMod val="75000"/>
+                            </a:schemeClr>
+                          </a:solidFill>
+                          <a:effectLst/>
+                          <a:uLnTx/>
+                          <a:uFillTx/>
+                          <a:latin typeface="Calibri" panose="020F0502020204030204"/>
+                          <a:ea typeface="+mn-ea"/>
+                          <a:cs typeface="+mn-cs"/>
+                        </a:rPr>
+                        <a:t>O</a:t>
+                      </a:r>
+                    </a:p>
+                  </a:txBody>
+                  <a:tcPr marL="0" marR="0" marT="0" marB="0" anchor="ctr"/>
+                </a:tc>
+                <a:tc>
+                  <a:txBody>
+                    <a:bodyPr/>
+                    <a:lstStyle/>
+                    <a:p>
+                      <a:pPr marL="0" marR="0" lvl="0" indent="0" algn="ctr" defTabSz="914400" rtl="0" eaLnBrk="1" fontAlgn="auto" latinLnBrk="0" hangingPunct="1">
+                        <a:lnSpc>
+                          <a:spcPct val="100000"/>
+                        </a:lnSpc>
+                        <a:spcBef>
+                          <a:spcPts val="0"/>
+                        </a:spcBef>
+                        <a:spcAft>
+                          <a:spcPts val="0"/>
+                        </a:spcAft>
+                        <a:buClrTx/>
+                        <a:buSzTx/>
+                        <a:buFontTx/>
+                        <a:buNone/>
+                        <a:tabLst/>
+                        <a:defRPr/>
+                      </a:pPr>
+                      <a:r>
+                        <a:rPr kumimoji="0" lang="en-US" sz="1400" b="1" i="0" u="none" strike="noStrike" kern="1200" cap="none" spc="0" normalizeH="0" baseline="0" noProof="0" dirty="0">
+                          <a:ln>
+                            <a:noFill/>
+                          </a:ln>
+                          <a:solidFill>
+                            <a:schemeClr val="accent6">
+                              <a:lumMod val="75000"/>
+                            </a:schemeClr>
+                          </a:solidFill>
+                          <a:effectLst/>
+                          <a:uLnTx/>
+                          <a:uFillTx/>
+                          <a:latin typeface="Calibri" panose="020F0502020204030204"/>
+                          <a:ea typeface="+mn-ea"/>
+                          <a:cs typeface="+mn-cs"/>
+                        </a:rPr>
+                        <a:t>O</a:t>
+                      </a:r>
+                    </a:p>
+                  </a:txBody>
+                  <a:tcPr marL="0" marR="0" marT="0" marB="0" anchor="ctr"/>
+                </a:tc>
+                <a:tc>
+                  <a:txBody>
+                    <a:bodyPr/>
+                    <a:lstStyle/>
+                    <a:p>
+                      <a:pPr marL="0" marR="0" lvl="0" indent="0" algn="ctr" defTabSz="914400" rtl="0" eaLnBrk="1" fontAlgn="auto" latinLnBrk="0" hangingPunct="1">
+                        <a:lnSpc>
+                          <a:spcPct val="100000"/>
+                        </a:lnSpc>
+                        <a:spcBef>
+                          <a:spcPts val="0"/>
+                        </a:spcBef>
+                        <a:spcAft>
+                          <a:spcPts val="0"/>
+                        </a:spcAft>
+                        <a:buClrTx/>
+                        <a:buSzTx/>
+                        <a:buFontTx/>
+                        <a:buNone/>
+                        <a:tabLst/>
+                        <a:defRPr/>
+                      </a:pPr>
+                      <a:r>
+                        <a:rPr kumimoji="0" lang="en-US" sz="1400" b="1" i="0" u="none" strike="noStrike" kern="1200" cap="none" spc="0" normalizeH="0" baseline="0" noProof="0" dirty="0">
+                          <a:ln>
+                            <a:noFill/>
+                          </a:ln>
+                          <a:solidFill>
+                            <a:schemeClr val="accent6">
+                              <a:lumMod val="75000"/>
+                            </a:schemeClr>
+                          </a:solidFill>
+                          <a:effectLst/>
+                          <a:uLnTx/>
+                          <a:uFillTx/>
+                          <a:latin typeface="Calibri" panose="020F0502020204030204"/>
+                          <a:ea typeface="+mn-ea"/>
+                          <a:cs typeface="+mn-cs"/>
+                        </a:rPr>
+                        <a:t>O</a:t>
+                      </a:r>
+                    </a:p>
+                  </a:txBody>
+                  <a:tcPr marL="0" marR="0" marT="0" marB="0" anchor="ctr"/>
+                </a:tc>
+                <a:tc>
+                  <a:txBody>
+                    <a:bodyPr/>
+                    <a:lstStyle/>
+                    <a:p>
+                      <a:pPr marL="0" marR="0" lvl="0" indent="0" algn="ctr" defTabSz="914400" rtl="0" eaLnBrk="1" fontAlgn="auto" latinLnBrk="0" hangingPunct="1">
+                        <a:lnSpc>
+                          <a:spcPct val="100000"/>
+                        </a:lnSpc>
+                        <a:spcBef>
+                          <a:spcPts val="0"/>
+                        </a:spcBef>
+                        <a:spcAft>
+                          <a:spcPts val="0"/>
+                        </a:spcAft>
+                        <a:buClrTx/>
+                        <a:buSzTx/>
+                        <a:buFontTx/>
+                        <a:buNone/>
+                        <a:tabLst/>
+                        <a:defRPr/>
+                      </a:pPr>
+                      <a:r>
+                        <a:rPr kumimoji="0" lang="en-US" sz="1400" b="1" i="0" u="none" strike="noStrike" kern="1200" cap="none" spc="0" normalizeH="0" baseline="0" noProof="0" dirty="0">
+                          <a:ln>
+                            <a:noFill/>
+                          </a:ln>
+                          <a:solidFill>
+                            <a:schemeClr val="accent6">
+                              <a:lumMod val="75000"/>
+                            </a:schemeClr>
+                          </a:solidFill>
+                          <a:effectLst/>
+                          <a:uLnTx/>
+                          <a:uFillTx/>
+                          <a:latin typeface="Calibri" panose="020F0502020204030204"/>
+                          <a:ea typeface="+mn-ea"/>
+                          <a:cs typeface="+mn-cs"/>
+                        </a:rPr>
+                        <a:t>O</a:t>
+                      </a:r>
+                    </a:p>
+                  </a:txBody>
+                  <a:tcPr marL="0" marR="0" marT="0" marB="0" anchor="ctr"/>
+                </a:tc>
+                <a:tc>
+                  <a:txBody>
+                    <a:bodyPr/>
+                    <a:lstStyle/>
+                    <a:p>
+                      <a:pPr marL="0" marR="0" lvl="0" indent="0" algn="ctr" defTabSz="914400" rtl="0" eaLnBrk="1" fontAlgn="auto" latinLnBrk="0" hangingPunct="1">
+                        <a:lnSpc>
+                          <a:spcPct val="100000"/>
+                        </a:lnSpc>
+                        <a:spcBef>
+                          <a:spcPts val="0"/>
+                        </a:spcBef>
+                        <a:spcAft>
+                          <a:spcPts val="0"/>
+                        </a:spcAft>
+                        <a:buClrTx/>
+                        <a:buSzTx/>
+                        <a:buFontTx/>
+                        <a:buNone/>
+                        <a:tabLst/>
+                        <a:defRPr/>
+                      </a:pPr>
+                      <a:r>
+                        <a:rPr kumimoji="0" lang="en-US" sz="1400" b="1" i="0" u="none" strike="noStrike" kern="1200" cap="none" spc="0" normalizeH="0" baseline="0" noProof="0" dirty="0">
+                          <a:ln>
+                            <a:noFill/>
+                          </a:ln>
+                          <a:solidFill>
+                            <a:schemeClr val="accent6">
+                              <a:lumMod val="75000"/>
+                            </a:schemeClr>
+                          </a:solidFill>
+                          <a:effectLst/>
+                          <a:uLnTx/>
+                          <a:uFillTx/>
+                          <a:latin typeface="Calibri" panose="020F0502020204030204"/>
+                          <a:ea typeface="+mn-ea"/>
+                          <a:cs typeface="+mn-cs"/>
+                        </a:rPr>
+                        <a:t>O</a:t>
+                      </a:r>
+                    </a:p>
+                  </a:txBody>
+                  <a:tcPr marL="0" marR="0" marT="0" marB="0" anchor="ctr"/>
+                </a:tc>
+                <a:tc>
+                  <a:txBody>
+                    <a:bodyPr/>
+                    <a:lstStyle/>
+                    <a:p>
                       <a:pPr algn="ctr"/>
                       <a:endParaRPr lang="en-US" sz="1400">
                         <a:solidFill>
@@ -12919,91 +13144,6 @@
                   </a:txBody>
                   <a:tcPr marL="0" marR="0" marT="0" marB="0" anchor="ctr"/>
                 </a:tc>
-                <a:tc>
-                  <a:txBody>
-                    <a:bodyPr/>
-                    <a:lstStyle/>
-                    <a:p>
-                      <a:pPr algn="ctr"/>
-                      <a:endParaRPr lang="en-US" sz="1400">
-                        <a:solidFill>
-                          <a:schemeClr val="accent2">
-                            <a:lumMod val="75000"/>
-                          </a:schemeClr>
-                        </a:solidFill>
-                      </a:endParaRPr>
-                    </a:p>
-                  </a:txBody>
-                  <a:tcPr marL="0" marR="0" marT="0" marB="0" anchor="ctr"/>
-                </a:tc>
-                <a:tc>
-                  <a:txBody>
-                    <a:bodyPr/>
-                    <a:lstStyle/>
-                    <a:p>
-                      <a:pPr algn="ctr"/>
-                      <a:endParaRPr lang="en-US" sz="1400">
-                        <a:solidFill>
-                          <a:schemeClr val="accent2">
-                            <a:lumMod val="75000"/>
-                          </a:schemeClr>
-                        </a:solidFill>
-                      </a:endParaRPr>
-                    </a:p>
-                  </a:txBody>
-                  <a:tcPr marL="0" marR="0" marT="0" marB="0" anchor="ctr"/>
-                </a:tc>
-                <a:tc>
-                  <a:txBody>
-                    <a:bodyPr/>
-                    <a:lstStyle/>
-                    <a:p>
-                      <a:pPr algn="ctr"/>
-                      <a:endParaRPr lang="en-US" sz="1400">
-                        <a:solidFill>
-                          <a:schemeClr val="accent2">
-                            <a:lumMod val="75000"/>
-                          </a:schemeClr>
-                        </a:solidFill>
-                      </a:endParaRPr>
-                    </a:p>
-                  </a:txBody>
-                  <a:tcPr marL="0" marR="0" marT="0" marB="0" anchor="ctr"/>
-                </a:tc>
-                <a:tc>
-                  <a:txBody>
-                    <a:bodyPr/>
-                    <a:lstStyle/>
-                    <a:p>
-                      <a:pPr algn="ctr"/>
-                      <a:endParaRPr lang="en-US" sz="1400">
-                        <a:solidFill>
-                          <a:schemeClr val="accent2">
-                            <a:lumMod val="75000"/>
-                          </a:schemeClr>
-                        </a:solidFill>
-                      </a:endParaRPr>
-                    </a:p>
-                  </a:txBody>
-                  <a:tcPr marL="0" marR="0" marT="0" marB="0" anchor="ctr"/>
-                </a:tc>
-                <a:tc>
-                  <a:txBody>
-                    <a:bodyPr/>
-                    <a:lstStyle/>
-                    <a:p>
-                      <a:pPr algn="ctr"/>
-                      <a:endParaRPr lang="en-US" sz="1400">
-                        <a:solidFill>
-                          <a:schemeClr val="accent2">
-                            <a:lumMod val="75000"/>
-                          </a:schemeClr>
-                        </a:solidFill>
-                      </a:endParaRPr>
-                    </a:p>
-                  </a:txBody>
-                  <a:tcPr marL="0" marR="0" marT="0" marB="0" anchor="ctr"/>
-                </a:tc>
                 <a:extLst>
                   <a:ext uri="{0D108BD9-81ED-4DB2-BD59-A6C34878D82A}">
                     <a16:rowId xmlns:a16="http://schemas.microsoft.com/office/drawing/2014/main" val="3460836312"/>
@@ -13019,7 +13159,7 @@
                       <a:pPr algn="ctr"/>
                       <a:r>
                         <a:rPr lang="en-US" sz="1400" dirty="0"/>
-                        <a:t>B</a:t>
+                        <a:t>A</a:t>
                       </a:r>
                       <a:endParaRPr lang="en-US" sz="1400" dirty="0">
                         <a:solidFill>
@@ -13450,6 +13590,231 @@
                     <a:bodyPr/>
                     <a:lstStyle/>
                     <a:p>
+                      <a:pPr marL="0" marR="0" lvl="0" indent="0" algn="ctr" defTabSz="914400" rtl="0" eaLnBrk="1" fontAlgn="auto" latinLnBrk="0" hangingPunct="1">
+                        <a:lnSpc>
+                          <a:spcPct val="100000"/>
+                        </a:lnSpc>
+                        <a:spcBef>
+                          <a:spcPts val="0"/>
+                        </a:spcBef>
+                        <a:spcAft>
+                          <a:spcPts val="0"/>
+                        </a:spcAft>
+                        <a:buClrTx/>
+                        <a:buSzTx/>
+                        <a:buFontTx/>
+                        <a:buNone/>
+                        <a:tabLst/>
+                        <a:defRPr/>
+                      </a:pPr>
+                      <a:r>
+                        <a:rPr kumimoji="0" lang="en-US" sz="1400" b="1" i="0" u="none" strike="noStrike" kern="1200" cap="none" spc="0" normalizeH="0" baseline="0" noProof="0" dirty="0">
+                          <a:ln>
+                            <a:noFill/>
+                          </a:ln>
+                          <a:solidFill>
+                            <a:schemeClr val="accent6">
+                              <a:lumMod val="75000"/>
+                            </a:schemeClr>
+                          </a:solidFill>
+                          <a:effectLst/>
+                          <a:uLnTx/>
+                          <a:uFillTx/>
+                          <a:latin typeface="Calibri" panose="020F0502020204030204"/>
+                          <a:ea typeface="+mn-ea"/>
+                          <a:cs typeface="+mn-cs"/>
+                        </a:rPr>
+                        <a:t>O</a:t>
+                      </a:r>
+                    </a:p>
+                  </a:txBody>
+                  <a:tcPr marL="0" marR="0" marT="0" marB="0" anchor="ctr"/>
+                </a:tc>
+                <a:tc>
+                  <a:txBody>
+                    <a:bodyPr/>
+                    <a:lstStyle/>
+                    <a:p>
+                      <a:pPr marL="0" marR="0" lvl="0" indent="0" algn="ctr" defTabSz="914400" rtl="0" eaLnBrk="1" fontAlgn="auto" latinLnBrk="0" hangingPunct="1">
+                        <a:lnSpc>
+                          <a:spcPct val="100000"/>
+                        </a:lnSpc>
+                        <a:spcBef>
+                          <a:spcPts val="0"/>
+                        </a:spcBef>
+                        <a:spcAft>
+                          <a:spcPts val="0"/>
+                        </a:spcAft>
+                        <a:buClrTx/>
+                        <a:buSzTx/>
+                        <a:buFontTx/>
+                        <a:buNone/>
+                        <a:tabLst/>
+                        <a:defRPr/>
+                      </a:pPr>
+                      <a:r>
+                        <a:rPr kumimoji="0" lang="en-US" sz="1400" b="1" i="0" u="none" strike="noStrike" kern="1200" cap="none" spc="0" normalizeH="0" baseline="0" noProof="0" dirty="0">
+                          <a:ln>
+                            <a:noFill/>
+                          </a:ln>
+                          <a:solidFill>
+                            <a:schemeClr val="accent6">
+                              <a:lumMod val="75000"/>
+                            </a:schemeClr>
+                          </a:solidFill>
+                          <a:effectLst/>
+                          <a:uLnTx/>
+                          <a:uFillTx/>
+                          <a:latin typeface="Calibri" panose="020F0502020204030204"/>
+                          <a:ea typeface="+mn-ea"/>
+                          <a:cs typeface="+mn-cs"/>
+                        </a:rPr>
+                        <a:t>O</a:t>
+                      </a:r>
+                    </a:p>
+                  </a:txBody>
+                  <a:tcPr marL="0" marR="0" marT="0" marB="0" anchor="ctr"/>
+                </a:tc>
+                <a:tc>
+                  <a:txBody>
+                    <a:bodyPr/>
+                    <a:lstStyle/>
+                    <a:p>
+                      <a:pPr marL="0" marR="0" lvl="0" indent="0" algn="ctr" defTabSz="914400" rtl="0" eaLnBrk="1" fontAlgn="auto" latinLnBrk="0" hangingPunct="1">
+                        <a:lnSpc>
+                          <a:spcPct val="100000"/>
+                        </a:lnSpc>
+                        <a:spcBef>
+                          <a:spcPts val="0"/>
+                        </a:spcBef>
+                        <a:spcAft>
+                          <a:spcPts val="0"/>
+                        </a:spcAft>
+                        <a:buClrTx/>
+                        <a:buSzTx/>
+                        <a:buFontTx/>
+                        <a:buNone/>
+                        <a:tabLst/>
+                        <a:defRPr/>
+                      </a:pPr>
+                      <a:r>
+                        <a:rPr kumimoji="0" lang="en-US" sz="1400" b="1" i="0" u="none" strike="noStrike" kern="1200" cap="none" spc="0" normalizeH="0" baseline="0" noProof="0" dirty="0">
+                          <a:ln>
+                            <a:noFill/>
+                          </a:ln>
+                          <a:solidFill>
+                            <a:schemeClr val="accent6">
+                              <a:lumMod val="75000"/>
+                            </a:schemeClr>
+                          </a:solidFill>
+                          <a:effectLst/>
+                          <a:uLnTx/>
+                          <a:uFillTx/>
+                          <a:latin typeface="Calibri" panose="020F0502020204030204"/>
+                          <a:ea typeface="+mn-ea"/>
+                          <a:cs typeface="+mn-cs"/>
+                        </a:rPr>
+                        <a:t>O</a:t>
+                      </a:r>
+                    </a:p>
+                  </a:txBody>
+                  <a:tcPr marL="0" marR="0" marT="0" marB="0" anchor="ctr"/>
+                </a:tc>
+                <a:tc>
+                  <a:txBody>
+                    <a:bodyPr/>
+                    <a:lstStyle/>
+                    <a:p>
+                      <a:pPr marL="0" marR="0" lvl="0" indent="0" algn="ctr" defTabSz="914400" rtl="0" eaLnBrk="1" fontAlgn="auto" latinLnBrk="0" hangingPunct="1">
+                        <a:lnSpc>
+                          <a:spcPct val="100000"/>
+                        </a:lnSpc>
+                        <a:spcBef>
+                          <a:spcPts val="0"/>
+                        </a:spcBef>
+                        <a:spcAft>
+                          <a:spcPts val="0"/>
+                        </a:spcAft>
+                        <a:buClrTx/>
+                        <a:buSzTx/>
+                        <a:buFontTx/>
+                        <a:buNone/>
+                        <a:tabLst/>
+                        <a:defRPr/>
+                      </a:pPr>
+                      <a:r>
+                        <a:rPr kumimoji="0" lang="en-US" sz="1400" b="1" i="0" u="none" strike="noStrike" kern="1200" cap="none" spc="0" normalizeH="0" baseline="0" noProof="0" dirty="0">
+                          <a:ln>
+                            <a:noFill/>
+                          </a:ln>
+                          <a:solidFill>
+                            <a:schemeClr val="accent6">
+                              <a:lumMod val="75000"/>
+                            </a:schemeClr>
+                          </a:solidFill>
+                          <a:effectLst/>
+                          <a:uLnTx/>
+                          <a:uFillTx/>
+                          <a:latin typeface="Calibri" panose="020F0502020204030204"/>
+                          <a:ea typeface="+mn-ea"/>
+                          <a:cs typeface="+mn-cs"/>
+                        </a:rPr>
+                        <a:t>O</a:t>
+                      </a:r>
+                    </a:p>
+                  </a:txBody>
+                  <a:tcPr marL="0" marR="0" marT="0" marB="0" anchor="ctr"/>
+                </a:tc>
+                <a:tc>
+                  <a:txBody>
+                    <a:bodyPr/>
+                    <a:lstStyle/>
+                    <a:p>
+                      <a:pPr marL="0" marR="0" lvl="0" indent="0" algn="ctr" defTabSz="914400" rtl="0" eaLnBrk="1" fontAlgn="auto" latinLnBrk="0" hangingPunct="1">
+                        <a:lnSpc>
+                          <a:spcPct val="100000"/>
+                        </a:lnSpc>
+                        <a:spcBef>
+                          <a:spcPts val="0"/>
+                        </a:spcBef>
+                        <a:spcAft>
+                          <a:spcPts val="0"/>
+                        </a:spcAft>
+                        <a:buClrTx/>
+                        <a:buSzTx/>
+                        <a:buFontTx/>
+                        <a:buNone/>
+                        <a:tabLst/>
+                        <a:defRPr/>
+                      </a:pPr>
+                      <a:r>
+                        <a:rPr kumimoji="0" lang="en-US" sz="1400" b="1" i="0" u="none" strike="noStrike" kern="1200" cap="none" spc="0" normalizeH="0" baseline="0" noProof="0" dirty="0">
+                          <a:ln>
+                            <a:noFill/>
+                          </a:ln>
+                          <a:solidFill>
+                            <a:schemeClr val="accent6">
+                              <a:lumMod val="75000"/>
+                            </a:schemeClr>
+                          </a:solidFill>
+                          <a:effectLst/>
+                          <a:uLnTx/>
+                          <a:uFillTx/>
+                          <a:latin typeface="Calibri" panose="020F0502020204030204"/>
+                          <a:ea typeface="+mn-ea"/>
+                          <a:cs typeface="+mn-cs"/>
+                        </a:rPr>
+                        <a:t>O</a:t>
+                      </a:r>
+                    </a:p>
+                  </a:txBody>
+                  <a:tcPr marL="0" marR="0" marT="0" marB="0" anchor="ctr"/>
+                </a:tc>
+                <a:tc>
+                  <a:txBody>
+                    <a:bodyPr/>
+                    <a:lstStyle/>
+                    <a:p>
                       <a:pPr algn="ctr"/>
                       <a:endParaRPr lang="en-US" sz="1400">
                         <a:solidFill>
@@ -13530,91 +13895,6 @@
                   </a:txBody>
                   <a:tcPr marL="0" marR="0" marT="0" marB="0" anchor="ctr"/>
                 </a:tc>
-                <a:tc>
-                  <a:txBody>
-                    <a:bodyPr/>
-                    <a:lstStyle/>
-                    <a:p>
-                      <a:pPr algn="ctr"/>
-                      <a:endParaRPr lang="en-US" sz="1400">
-                        <a:solidFill>
-                          <a:schemeClr val="accent2">
-                            <a:lumMod val="75000"/>
-                          </a:schemeClr>
-                        </a:solidFill>
-                      </a:endParaRPr>
-                    </a:p>
-                  </a:txBody>
-                  <a:tcPr marL="0" marR="0" marT="0" marB="0" anchor="ctr"/>
-                </a:tc>
-                <a:tc>
-                  <a:txBody>
-                    <a:bodyPr/>
-                    <a:lstStyle/>
-                    <a:p>
-                      <a:pPr algn="ctr"/>
-                      <a:endParaRPr lang="en-US" sz="1400">
-                        <a:solidFill>
-                          <a:schemeClr val="accent2">
-                            <a:lumMod val="75000"/>
-                          </a:schemeClr>
-                        </a:solidFill>
-                      </a:endParaRPr>
-                    </a:p>
-                  </a:txBody>
-                  <a:tcPr marL="0" marR="0" marT="0" marB="0" anchor="ctr"/>
-                </a:tc>
-                <a:tc>
-                  <a:txBody>
-                    <a:bodyPr/>
-                    <a:lstStyle/>
-                    <a:p>
-                      <a:pPr algn="ctr"/>
-                      <a:endParaRPr lang="en-US" sz="1400">
-                        <a:solidFill>
-                          <a:schemeClr val="accent2">
-                            <a:lumMod val="75000"/>
-                          </a:schemeClr>
-                        </a:solidFill>
-                      </a:endParaRPr>
-                    </a:p>
-                  </a:txBody>
-                  <a:tcPr marL="0" marR="0" marT="0" marB="0" anchor="ctr"/>
-                </a:tc>
-                <a:tc>
-                  <a:txBody>
-                    <a:bodyPr/>
-                    <a:lstStyle/>
-                    <a:p>
-                      <a:pPr algn="ctr"/>
-                      <a:endParaRPr lang="en-US" sz="1400">
-                        <a:solidFill>
-                          <a:schemeClr val="accent2">
-                            <a:lumMod val="75000"/>
-                          </a:schemeClr>
-                        </a:solidFill>
-                      </a:endParaRPr>
-                    </a:p>
-                  </a:txBody>
-                  <a:tcPr marL="0" marR="0" marT="0" marB="0" anchor="ctr"/>
-                </a:tc>
-                <a:tc>
-                  <a:txBody>
-                    <a:bodyPr/>
-                    <a:lstStyle/>
-                    <a:p>
-                      <a:pPr algn="ctr"/>
-                      <a:endParaRPr lang="en-US" sz="1400">
-                        <a:solidFill>
-                          <a:schemeClr val="accent2">
-                            <a:lumMod val="75000"/>
-                          </a:schemeClr>
-                        </a:solidFill>
-                      </a:endParaRPr>
-                    </a:p>
-                  </a:txBody>
-                  <a:tcPr marL="0" marR="0" marT="0" marB="0" anchor="ctr"/>
-                </a:tc>
                 <a:extLst>
                   <a:ext uri="{0D108BD9-81ED-4DB2-BD59-A6C34878D82A}">
                     <a16:rowId xmlns:a16="http://schemas.microsoft.com/office/drawing/2014/main" val="337826805"/>
@@ -13629,8 +13909,8 @@
                     <a:p>
                       <a:pPr algn="ctr"/>
                       <a:r>
-                        <a:rPr lang="en-US" sz="1400"/>
-                        <a:t>C</a:t>
+                        <a:rPr lang="en-US" sz="1400" dirty="0"/>
+                        <a:t>B</a:t>
                       </a:r>
                     </a:p>
                   </a:txBody>
@@ -14096,52 +14376,222 @@
                     <a:bodyPr/>
                     <a:lstStyle/>
                     <a:p>
-                      <a:pPr algn="ctr"/>
-                      <a:endParaRPr lang="en-US" sz="1400"/>
-                    </a:p>
-                  </a:txBody>
-                  <a:tcPr marL="0" marR="0" marT="0" marB="0" anchor="ctr"/>
-                </a:tc>
-                <a:tc>
-                  <a:txBody>
-                    <a:bodyPr/>
-                    <a:lstStyle/>
-                    <a:p>
-                      <a:pPr algn="ctr"/>
-                      <a:endParaRPr lang="en-US" sz="1400"/>
-                    </a:p>
-                  </a:txBody>
-                  <a:tcPr marL="0" marR="0" marT="0" marB="0" anchor="ctr"/>
-                </a:tc>
-                <a:tc>
-                  <a:txBody>
-                    <a:bodyPr/>
-                    <a:lstStyle/>
-                    <a:p>
-                      <a:pPr algn="ctr"/>
-                      <a:endParaRPr lang="en-US" sz="1400"/>
-                    </a:p>
-                  </a:txBody>
-                  <a:tcPr marL="0" marR="0" marT="0" marB="0" anchor="ctr"/>
-                </a:tc>
-                <a:tc>
-                  <a:txBody>
-                    <a:bodyPr/>
-                    <a:lstStyle/>
-                    <a:p>
-                      <a:pPr algn="ctr"/>
-                      <a:endParaRPr lang="en-US" sz="1400"/>
-                    </a:p>
-                  </a:txBody>
-                  <a:tcPr marL="0" marR="0" marT="0" marB="0" anchor="ctr"/>
-                </a:tc>
-                <a:tc>
-                  <a:txBody>
-                    <a:bodyPr/>
-                    <a:lstStyle/>
-                    <a:p>
-                      <a:pPr algn="ctr"/>
-                      <a:endParaRPr lang="en-US" sz="1400"/>
+                      <a:pPr marL="0" marR="0" lvl="0" indent="0" algn="ctr" defTabSz="914400" rtl="0" eaLnBrk="1" fontAlgn="auto" latinLnBrk="0" hangingPunct="1">
+                        <a:lnSpc>
+                          <a:spcPct val="100000"/>
+                        </a:lnSpc>
+                        <a:spcBef>
+                          <a:spcPts val="0"/>
+                        </a:spcBef>
+                        <a:spcAft>
+                          <a:spcPts val="0"/>
+                        </a:spcAft>
+                        <a:buClrTx/>
+                        <a:buSzTx/>
+                        <a:buFontTx/>
+                        <a:buNone/>
+                        <a:tabLst/>
+                        <a:defRPr/>
+                      </a:pPr>
+                      <a:r>
+                        <a:rPr kumimoji="0" lang="en-US" sz="1400" b="1" i="0" u="none" strike="noStrike" kern="1200" cap="none" spc="0" normalizeH="0" baseline="0" noProof="0" dirty="0">
+                          <a:ln>
+                            <a:noFill/>
+                          </a:ln>
+                          <a:solidFill>
+                            <a:schemeClr val="accent6">
+                              <a:lumMod val="75000"/>
+                            </a:schemeClr>
+                          </a:solidFill>
+                          <a:effectLst/>
+                          <a:uLnTx/>
+                          <a:uFillTx/>
+                          <a:latin typeface="Calibri" panose="020F0502020204030204"/>
+                          <a:ea typeface="+mn-ea"/>
+                          <a:cs typeface="+mn-cs"/>
+                        </a:rPr>
+                        <a:t>O</a:t>
+                      </a:r>
+                    </a:p>
+                  </a:txBody>
+                  <a:tcPr marL="0" marR="0" marT="0" marB="0" anchor="ctr"/>
+                </a:tc>
+                <a:tc>
+                  <a:txBody>
+                    <a:bodyPr/>
+                    <a:lstStyle/>
+                    <a:p>
+                      <a:pPr marL="0" marR="0" lvl="0" indent="0" algn="ctr" defTabSz="914400" rtl="0" eaLnBrk="1" fontAlgn="auto" latinLnBrk="0" hangingPunct="1">
+                        <a:lnSpc>
+                          <a:spcPct val="100000"/>
+                        </a:lnSpc>
+                        <a:spcBef>
+                          <a:spcPts val="0"/>
+                        </a:spcBef>
+                        <a:spcAft>
+                          <a:spcPts val="0"/>
+                        </a:spcAft>
+                        <a:buClrTx/>
+                        <a:buSzTx/>
+                        <a:buFontTx/>
+                        <a:buNone/>
+                        <a:tabLst/>
+                        <a:defRPr/>
+                      </a:pPr>
+                      <a:r>
+                        <a:rPr kumimoji="0" lang="en-US" sz="1400" b="1" i="0" u="none" strike="noStrike" kern="1200" cap="none" spc="0" normalizeH="0" baseline="0" noProof="0" dirty="0">
+                          <a:ln>
+                            <a:noFill/>
+                          </a:ln>
+                          <a:solidFill>
+                            <a:schemeClr val="accent6">
+                              <a:lumMod val="75000"/>
+                            </a:schemeClr>
+                          </a:solidFill>
+                          <a:effectLst/>
+                          <a:uLnTx/>
+                          <a:uFillTx/>
+                          <a:latin typeface="Calibri" panose="020F0502020204030204"/>
+                          <a:ea typeface="+mn-ea"/>
+                          <a:cs typeface="+mn-cs"/>
+                        </a:rPr>
+                        <a:t>O</a:t>
+                      </a:r>
+                    </a:p>
+                  </a:txBody>
+                  <a:tcPr marL="0" marR="0" marT="0" marB="0" anchor="ctr"/>
+                </a:tc>
+                <a:tc>
+                  <a:txBody>
+                    <a:bodyPr/>
+                    <a:lstStyle/>
+                    <a:p>
+                      <a:pPr marL="0" marR="0" lvl="0" indent="0" algn="ctr" defTabSz="914400" rtl="0" eaLnBrk="1" fontAlgn="auto" latinLnBrk="0" hangingPunct="1">
+                        <a:lnSpc>
+                          <a:spcPct val="100000"/>
+                        </a:lnSpc>
+                        <a:spcBef>
+                          <a:spcPts val="0"/>
+                        </a:spcBef>
+                        <a:spcAft>
+                          <a:spcPts val="0"/>
+                        </a:spcAft>
+                        <a:buClrTx/>
+                        <a:buSzTx/>
+                        <a:buFontTx/>
+                        <a:buNone/>
+                        <a:tabLst/>
+                        <a:defRPr/>
+                      </a:pPr>
+                      <a:r>
+                        <a:rPr kumimoji="0" lang="en-US" sz="1400" b="1" i="0" u="none" strike="noStrike" kern="1200" cap="none" spc="0" normalizeH="0" baseline="0" noProof="0" dirty="0">
+                          <a:ln>
+                            <a:noFill/>
+                          </a:ln>
+                          <a:solidFill>
+                            <a:schemeClr val="accent6">
+                              <a:lumMod val="75000"/>
+                            </a:schemeClr>
+                          </a:solidFill>
+                          <a:effectLst/>
+                          <a:uLnTx/>
+                          <a:uFillTx/>
+                          <a:latin typeface="Calibri" panose="020F0502020204030204"/>
+                          <a:ea typeface="+mn-ea"/>
+                          <a:cs typeface="+mn-cs"/>
+                        </a:rPr>
+                        <a:t>O</a:t>
+                      </a:r>
+                    </a:p>
+                  </a:txBody>
+                  <a:tcPr marL="0" marR="0" marT="0" marB="0" anchor="ctr"/>
+                </a:tc>
+                <a:tc>
+                  <a:txBody>
+                    <a:bodyPr/>
+                    <a:lstStyle/>
+                    <a:p>
+                      <a:pPr marL="0" marR="0" lvl="0" indent="0" algn="ctr" defTabSz="914400" rtl="0" eaLnBrk="1" fontAlgn="auto" latinLnBrk="0" hangingPunct="1">
+                        <a:lnSpc>
+                          <a:spcPct val="100000"/>
+                        </a:lnSpc>
+                        <a:spcBef>
+                          <a:spcPts val="0"/>
+                        </a:spcBef>
+                        <a:spcAft>
+                          <a:spcPts val="0"/>
+                        </a:spcAft>
+                        <a:buClrTx/>
+                        <a:buSzTx/>
+                        <a:buFontTx/>
+                        <a:buNone/>
+                        <a:tabLst/>
+                        <a:defRPr/>
+                      </a:pPr>
+                      <a:r>
+                        <a:rPr kumimoji="0" lang="en-US" sz="1400" b="1" i="0" u="none" strike="noStrike" kern="1200" cap="none" spc="0" normalizeH="0" baseline="0" noProof="0" dirty="0">
+                          <a:ln>
+                            <a:noFill/>
+                          </a:ln>
+                          <a:solidFill>
+                            <a:schemeClr val="accent6">
+                              <a:lumMod val="75000"/>
+                            </a:schemeClr>
+                          </a:solidFill>
+                          <a:effectLst/>
+                          <a:uLnTx/>
+                          <a:uFillTx/>
+                          <a:latin typeface="Calibri" panose="020F0502020204030204"/>
+                          <a:ea typeface="+mn-ea"/>
+                          <a:cs typeface="+mn-cs"/>
+                        </a:rPr>
+                        <a:t>O</a:t>
+                      </a:r>
+                    </a:p>
+                  </a:txBody>
+                  <a:tcPr marL="0" marR="0" marT="0" marB="0" anchor="ctr"/>
+                </a:tc>
+                <a:tc>
+                  <a:txBody>
+                    <a:bodyPr/>
+                    <a:lstStyle/>
+                    <a:p>
+                      <a:pPr marL="0" marR="0" lvl="0" indent="0" algn="ctr" defTabSz="914400" rtl="0" eaLnBrk="1" fontAlgn="auto" latinLnBrk="0" hangingPunct="1">
+                        <a:lnSpc>
+                          <a:spcPct val="100000"/>
+                        </a:lnSpc>
+                        <a:spcBef>
+                          <a:spcPts val="0"/>
+                        </a:spcBef>
+                        <a:spcAft>
+                          <a:spcPts val="0"/>
+                        </a:spcAft>
+                        <a:buClrTx/>
+                        <a:buSzTx/>
+                        <a:buFontTx/>
+                        <a:buNone/>
+                        <a:tabLst/>
+                        <a:defRPr/>
+                      </a:pPr>
+                      <a:r>
+                        <a:rPr kumimoji="0" lang="en-US" sz="1400" b="1" i="0" u="none" strike="noStrike" kern="1200" cap="none" spc="0" normalizeH="0" baseline="0" noProof="0" dirty="0">
+                          <a:ln>
+                            <a:noFill/>
+                          </a:ln>
+                          <a:solidFill>
+                            <a:schemeClr val="accent6">
+                              <a:lumMod val="75000"/>
+                            </a:schemeClr>
+                          </a:solidFill>
+                          <a:effectLst/>
+                          <a:uLnTx/>
+                          <a:uFillTx/>
+                          <a:latin typeface="Calibri" panose="020F0502020204030204"/>
+                          <a:ea typeface="+mn-ea"/>
+                          <a:cs typeface="+mn-cs"/>
+                        </a:rPr>
+                        <a:t>O</a:t>
+                      </a:r>
                     </a:p>
                   </a:txBody>
                   <a:tcPr marL="0" marR="0" marT="0" marB="0" anchor="ctr"/>
@@ -14215,8 +14665,8 @@
                     <a:p>
                       <a:pPr algn="ctr"/>
                       <a:r>
-                        <a:rPr lang="en-US" sz="1400"/>
-                        <a:t>C</a:t>
+                        <a:rPr lang="en-US" sz="1400" dirty="0"/>
+                        <a:t>B</a:t>
                       </a:r>
                     </a:p>
                   </a:txBody>
@@ -14747,152 +15197,6 @@
                     <a:bodyPr/>
                     <a:lstStyle/>
                     <a:p>
-                      <a:pPr algn="ctr"/>
-                      <a:endParaRPr lang="en-US" sz="1400"/>
-                    </a:p>
-                  </a:txBody>
-                  <a:tcPr marL="0" marR="0" marT="0" marB="0" anchor="ctr"/>
-                </a:tc>
-                <a:tc>
-                  <a:txBody>
-                    <a:bodyPr/>
-                    <a:lstStyle/>
-                    <a:p>
-                      <a:pPr algn="ctr"/>
-                      <a:endParaRPr lang="en-US" sz="1400"/>
-                    </a:p>
-                  </a:txBody>
-                  <a:tcPr marL="0" marR="0" marT="0" marB="0" anchor="ctr"/>
-                </a:tc>
-                <a:tc>
-                  <a:txBody>
-                    <a:bodyPr/>
-                    <a:lstStyle/>
-                    <a:p>
-                      <a:pPr algn="ctr"/>
-                      <a:endParaRPr lang="en-US" sz="1400"/>
-                    </a:p>
-                  </a:txBody>
-                  <a:tcPr marL="0" marR="0" marT="0" marB="0" anchor="ctr"/>
-                </a:tc>
-                <a:tc>
-                  <a:txBody>
-                    <a:bodyPr/>
-                    <a:lstStyle/>
-                    <a:p>
-                      <a:pPr algn="ctr"/>
-                      <a:endParaRPr lang="en-US" sz="1400"/>
-                    </a:p>
-                  </a:txBody>
-                  <a:tcPr marL="0" marR="0" marT="0" marB="0" anchor="ctr"/>
-                </a:tc>
-                <a:tc>
-                  <a:txBody>
-                    <a:bodyPr/>
-                    <a:lstStyle/>
-                    <a:p>
-                      <a:pPr algn="ctr"/>
-                      <a:endParaRPr lang="en-US" sz="1400"/>
-                    </a:p>
-                  </a:txBody>
-                  <a:tcPr marL="0" marR="0" marT="0" marB="0" anchor="ctr"/>
-                </a:tc>
-                <a:tc>
-                  <a:txBody>
-                    <a:bodyPr/>
-                    <a:lstStyle/>
-                    <a:p>
-                      <a:pPr algn="ctr"/>
-                      <a:endParaRPr lang="en-US" sz="1400"/>
-                    </a:p>
-                  </a:txBody>
-                  <a:tcPr marL="0" marR="0" marT="0" marB="0" anchor="ctr"/>
-                </a:tc>
-                <a:tc>
-                  <a:txBody>
-                    <a:bodyPr/>
-                    <a:lstStyle/>
-                    <a:p>
-                      <a:pPr algn="ctr"/>
-                      <a:endParaRPr lang="en-US" sz="1400"/>
-                    </a:p>
-                  </a:txBody>
-                  <a:tcPr marL="0" marR="0" marT="0" marB="0" anchor="ctr"/>
-                </a:tc>
-                <a:tc>
-                  <a:txBody>
-                    <a:bodyPr/>
-                    <a:lstStyle/>
-                    <a:p>
-                      <a:pPr algn="ctr"/>
-                      <a:endParaRPr lang="en-US" sz="1400"/>
-                    </a:p>
-                  </a:txBody>
-                  <a:tcPr marL="0" marR="0" marT="0" marB="0" anchor="ctr"/>
-                </a:tc>
-                <a:tc>
-                  <a:txBody>
-                    <a:bodyPr/>
-                    <a:lstStyle/>
-                    <a:p>
-                      <a:pPr algn="ctr"/>
-                      <a:endParaRPr lang="en-US" sz="1400"/>
-                    </a:p>
-                  </a:txBody>
-                  <a:tcPr marL="0" marR="0" marT="0" marB="0" anchor="ctr"/>
-                </a:tc>
-                <a:tc>
-                  <a:txBody>
-                    <a:bodyPr/>
-                    <a:lstStyle/>
-                    <a:p>
-                      <a:pPr algn="ctr"/>
-                      <a:endParaRPr lang="en-US" sz="1400" dirty="0"/>
-                    </a:p>
-                  </a:txBody>
-                  <a:tcPr marL="0" marR="0" marT="0" marB="0" anchor="ctr"/>
-                </a:tc>
-                <a:extLst>
-                  <a:ext uri="{0D108BD9-81ED-4DB2-BD59-A6C34878D82A}">
-                    <a16:rowId xmlns:a16="http://schemas.microsoft.com/office/drawing/2014/main" val="479172299"/>
-                  </a:ext>
-                </a:extLst>
-              </a:tr>
-              <a:tr h="512232">
-                <a:tc>
-                  <a:txBody>
-                    <a:bodyPr/>
-                    <a:lstStyle/>
-                    <a:p>
-                      <a:pPr algn="ctr"/>
-                      <a:r>
-                        <a:rPr lang="en-US" sz="1400" dirty="0"/>
-                        <a:t>A</a:t>
-                      </a:r>
-                    </a:p>
-                  </a:txBody>
-                  <a:tcPr marL="0" marR="0" marT="0" marB="0" anchor="ctr"/>
-                </a:tc>
-                <a:tc>
-                  <a:txBody>
-                    <a:bodyPr/>
-                    <a:lstStyle/>
-                    <a:p>
-                      <a:pPr algn="ctr"/>
-                      <a:r>
-                        <a:rPr lang="ko-KR" altLang="en-US" sz="1400"/>
-                        <a:t>오민희</a:t>
-                      </a:r>
-                      <a:endParaRPr lang="en-US" sz="1400"/>
-                    </a:p>
-                  </a:txBody>
-                  <a:tcPr marL="0" marR="0" marT="0" marB="0" anchor="ctr"/>
-                </a:tc>
-                <a:tc>
-                  <a:txBody>
-                    <a:bodyPr/>
-                    <a:lstStyle/>
-                    <a:p>
                       <a:pPr marL="0" marR="0" lvl="0" indent="0" algn="ctr" defTabSz="914400" rtl="0" eaLnBrk="1" fontAlgn="auto" latinLnBrk="0" hangingPunct="1">
                         <a:lnSpc>
                           <a:spcPct val="100000"/>
@@ -14911,7 +15215,320 @@
                         <a:defRPr/>
                       </a:pPr>
                       <a:r>
-                        <a:rPr kumimoji="0" lang="en-US" sz="1400" b="0" i="0" u="none" strike="noStrike" kern="1200" cap="none" spc="0" normalizeH="0" baseline="0" noProof="0">
+                        <a:rPr kumimoji="0" lang="en-US" sz="1400" b="1" i="0" u="none" strike="noStrike" kern="1200" cap="none" spc="0" normalizeH="0" baseline="0" noProof="0" dirty="0">
+                          <a:ln>
+                            <a:noFill/>
+                          </a:ln>
+                          <a:solidFill>
+                            <a:schemeClr val="accent6">
+                              <a:lumMod val="75000"/>
+                            </a:schemeClr>
+                          </a:solidFill>
+                          <a:effectLst/>
+                          <a:uLnTx/>
+                          <a:uFillTx/>
+                          <a:latin typeface="Calibri" panose="020F0502020204030204"/>
+                          <a:ea typeface="+mn-ea"/>
+                          <a:cs typeface="+mn-cs"/>
+                        </a:rPr>
+                        <a:t>O</a:t>
+                      </a:r>
+                    </a:p>
+                  </a:txBody>
+                  <a:tcPr marL="0" marR="0" marT="0" marB="0" anchor="ctr"/>
+                </a:tc>
+                <a:tc>
+                  <a:txBody>
+                    <a:bodyPr/>
+                    <a:lstStyle/>
+                    <a:p>
+                      <a:pPr marL="0" marR="0" lvl="0" indent="0" algn="ctr" defTabSz="914400" rtl="0" eaLnBrk="1" fontAlgn="auto" latinLnBrk="0" hangingPunct="1">
+                        <a:lnSpc>
+                          <a:spcPct val="100000"/>
+                        </a:lnSpc>
+                        <a:spcBef>
+                          <a:spcPts val="0"/>
+                        </a:spcBef>
+                        <a:spcAft>
+                          <a:spcPts val="0"/>
+                        </a:spcAft>
+                        <a:buClrTx/>
+                        <a:buSzTx/>
+                        <a:buFontTx/>
+                        <a:buNone/>
+                        <a:tabLst/>
+                        <a:defRPr/>
+                      </a:pPr>
+                      <a:r>
+                        <a:rPr kumimoji="0" lang="en-US" sz="1400" b="1" i="0" u="none" strike="noStrike" kern="1200" cap="none" spc="0" normalizeH="0" baseline="0" noProof="0" dirty="0">
+                          <a:ln>
+                            <a:noFill/>
+                          </a:ln>
+                          <a:solidFill>
+                            <a:schemeClr val="accent6">
+                              <a:lumMod val="75000"/>
+                            </a:schemeClr>
+                          </a:solidFill>
+                          <a:effectLst/>
+                          <a:uLnTx/>
+                          <a:uFillTx/>
+                          <a:latin typeface="Calibri" panose="020F0502020204030204"/>
+                          <a:ea typeface="+mn-ea"/>
+                          <a:cs typeface="+mn-cs"/>
+                        </a:rPr>
+                        <a:t>O</a:t>
+                      </a:r>
+                    </a:p>
+                  </a:txBody>
+                  <a:tcPr marL="0" marR="0" marT="0" marB="0" anchor="ctr"/>
+                </a:tc>
+                <a:tc>
+                  <a:txBody>
+                    <a:bodyPr/>
+                    <a:lstStyle/>
+                    <a:p>
+                      <a:pPr marL="0" marR="0" lvl="0" indent="0" algn="ctr" defTabSz="914400" rtl="0" eaLnBrk="1" fontAlgn="auto" latinLnBrk="0" hangingPunct="1">
+                        <a:lnSpc>
+                          <a:spcPct val="100000"/>
+                        </a:lnSpc>
+                        <a:spcBef>
+                          <a:spcPts val="0"/>
+                        </a:spcBef>
+                        <a:spcAft>
+                          <a:spcPts val="0"/>
+                        </a:spcAft>
+                        <a:buClrTx/>
+                        <a:buSzTx/>
+                        <a:buFontTx/>
+                        <a:buNone/>
+                        <a:tabLst/>
+                        <a:defRPr/>
+                      </a:pPr>
+                      <a:r>
+                        <a:rPr kumimoji="0" lang="en-US" sz="1400" b="1" i="0" u="none" strike="noStrike" kern="1200" cap="none" spc="0" normalizeH="0" baseline="0" noProof="0" dirty="0">
+                          <a:ln>
+                            <a:noFill/>
+                          </a:ln>
+                          <a:solidFill>
+                            <a:schemeClr val="accent6">
+                              <a:lumMod val="75000"/>
+                            </a:schemeClr>
+                          </a:solidFill>
+                          <a:effectLst/>
+                          <a:uLnTx/>
+                          <a:uFillTx/>
+                          <a:latin typeface="Calibri" panose="020F0502020204030204"/>
+                          <a:ea typeface="+mn-ea"/>
+                          <a:cs typeface="+mn-cs"/>
+                        </a:rPr>
+                        <a:t>O</a:t>
+                      </a:r>
+                    </a:p>
+                  </a:txBody>
+                  <a:tcPr marL="0" marR="0" marT="0" marB="0" anchor="ctr"/>
+                </a:tc>
+                <a:tc>
+                  <a:txBody>
+                    <a:bodyPr/>
+                    <a:lstStyle/>
+                    <a:p>
+                      <a:pPr marL="0" marR="0" lvl="0" indent="0" algn="ctr" defTabSz="914400" rtl="0" eaLnBrk="1" fontAlgn="auto" latinLnBrk="0" hangingPunct="1">
+                        <a:lnSpc>
+                          <a:spcPct val="100000"/>
+                        </a:lnSpc>
+                        <a:spcBef>
+                          <a:spcPts val="0"/>
+                        </a:spcBef>
+                        <a:spcAft>
+                          <a:spcPts val="0"/>
+                        </a:spcAft>
+                        <a:buClrTx/>
+                        <a:buSzTx/>
+                        <a:buFontTx/>
+                        <a:buNone/>
+                        <a:tabLst/>
+                        <a:defRPr/>
+                      </a:pPr>
+                      <a:r>
+                        <a:rPr kumimoji="0" lang="en-US" sz="1400" b="1" i="0" u="none" strike="noStrike" kern="1200" cap="none" spc="0" normalizeH="0" baseline="0" noProof="0" dirty="0">
+                          <a:ln>
+                            <a:noFill/>
+                          </a:ln>
+                          <a:solidFill>
+                            <a:schemeClr val="accent6">
+                              <a:lumMod val="75000"/>
+                            </a:schemeClr>
+                          </a:solidFill>
+                          <a:effectLst/>
+                          <a:uLnTx/>
+                          <a:uFillTx/>
+                          <a:latin typeface="Calibri" panose="020F0502020204030204"/>
+                          <a:ea typeface="+mn-ea"/>
+                          <a:cs typeface="+mn-cs"/>
+                        </a:rPr>
+                        <a:t>O</a:t>
+                      </a:r>
+                    </a:p>
+                  </a:txBody>
+                  <a:tcPr marL="0" marR="0" marT="0" marB="0" anchor="ctr"/>
+                </a:tc>
+                <a:tc>
+                  <a:txBody>
+                    <a:bodyPr/>
+                    <a:lstStyle/>
+                    <a:p>
+                      <a:pPr marL="0" marR="0" lvl="0" indent="0" algn="ctr" defTabSz="914400" rtl="0" eaLnBrk="1" fontAlgn="auto" latinLnBrk="0" hangingPunct="1">
+                        <a:lnSpc>
+                          <a:spcPct val="100000"/>
+                        </a:lnSpc>
+                        <a:spcBef>
+                          <a:spcPts val="0"/>
+                        </a:spcBef>
+                        <a:spcAft>
+                          <a:spcPts val="0"/>
+                        </a:spcAft>
+                        <a:buClrTx/>
+                        <a:buSzTx/>
+                        <a:buFontTx/>
+                        <a:buNone/>
+                        <a:tabLst/>
+                        <a:defRPr/>
+                      </a:pPr>
+                      <a:r>
+                        <a:rPr kumimoji="0" lang="en-US" sz="1400" b="1" i="0" u="none" strike="noStrike" kern="1200" cap="none" spc="0" normalizeH="0" baseline="0" noProof="0" dirty="0">
+                          <a:ln>
+                            <a:noFill/>
+                          </a:ln>
+                          <a:solidFill>
+                            <a:schemeClr val="accent6">
+                              <a:lumMod val="75000"/>
+                            </a:schemeClr>
+                          </a:solidFill>
+                          <a:effectLst/>
+                          <a:uLnTx/>
+                          <a:uFillTx/>
+                          <a:latin typeface="Calibri" panose="020F0502020204030204"/>
+                          <a:ea typeface="+mn-ea"/>
+                          <a:cs typeface="+mn-cs"/>
+                        </a:rPr>
+                        <a:t>O</a:t>
+                      </a:r>
+                    </a:p>
+                  </a:txBody>
+                  <a:tcPr marL="0" marR="0" marT="0" marB="0" anchor="ctr"/>
+                </a:tc>
+                <a:tc>
+                  <a:txBody>
+                    <a:bodyPr/>
+                    <a:lstStyle/>
+                    <a:p>
+                      <a:pPr algn="ctr"/>
+                      <a:endParaRPr lang="en-US" sz="1400"/>
+                    </a:p>
+                  </a:txBody>
+                  <a:tcPr marL="0" marR="0" marT="0" marB="0" anchor="ctr"/>
+                </a:tc>
+                <a:tc>
+                  <a:txBody>
+                    <a:bodyPr/>
+                    <a:lstStyle/>
+                    <a:p>
+                      <a:pPr algn="ctr"/>
+                      <a:endParaRPr lang="en-US" sz="1400"/>
+                    </a:p>
+                  </a:txBody>
+                  <a:tcPr marL="0" marR="0" marT="0" marB="0" anchor="ctr"/>
+                </a:tc>
+                <a:tc>
+                  <a:txBody>
+                    <a:bodyPr/>
+                    <a:lstStyle/>
+                    <a:p>
+                      <a:pPr algn="ctr"/>
+                      <a:endParaRPr lang="en-US" sz="1400"/>
+                    </a:p>
+                  </a:txBody>
+                  <a:tcPr marL="0" marR="0" marT="0" marB="0" anchor="ctr"/>
+                </a:tc>
+                <a:tc>
+                  <a:txBody>
+                    <a:bodyPr/>
+                    <a:lstStyle/>
+                    <a:p>
+                      <a:pPr algn="ctr"/>
+                      <a:endParaRPr lang="en-US" sz="1400"/>
+                    </a:p>
+                  </a:txBody>
+                  <a:tcPr marL="0" marR="0" marT="0" marB="0" anchor="ctr"/>
+                </a:tc>
+                <a:tc>
+                  <a:txBody>
+                    <a:bodyPr/>
+                    <a:lstStyle/>
+                    <a:p>
+                      <a:pPr algn="ctr"/>
+                      <a:endParaRPr lang="en-US" sz="1400" dirty="0"/>
+                    </a:p>
+                  </a:txBody>
+                  <a:tcPr marL="0" marR="0" marT="0" marB="0" anchor="ctr"/>
+                </a:tc>
+                <a:extLst>
+                  <a:ext uri="{0D108BD9-81ED-4DB2-BD59-A6C34878D82A}">
+                    <a16:rowId xmlns:a16="http://schemas.microsoft.com/office/drawing/2014/main" val="479172299"/>
+                  </a:ext>
+                </a:extLst>
+              </a:tr>
+              <a:tr h="512232">
+                <a:tc>
+                  <a:txBody>
+                    <a:bodyPr/>
+                    <a:lstStyle/>
+                    <a:p>
+                      <a:pPr algn="ctr"/>
+                      <a:endParaRPr lang="en-US" sz="1400" dirty="0"/>
+                    </a:p>
+                  </a:txBody>
+                  <a:tcPr marL="0" marR="0" marT="0" marB="0" anchor="ctr"/>
+                </a:tc>
+                <a:tc>
+                  <a:txBody>
+                    <a:bodyPr/>
+                    <a:lstStyle/>
+                    <a:p>
+                      <a:pPr algn="ctr"/>
+                      <a:r>
+                        <a:rPr lang="ko-KR" altLang="en-US" sz="1400" strike="sngStrike" dirty="0"/>
+                        <a:t>오민희</a:t>
+                      </a:r>
+                      <a:endParaRPr lang="en-US" sz="1400" strike="sngStrike" dirty="0"/>
+                    </a:p>
+                  </a:txBody>
+                  <a:tcPr marL="0" marR="0" marT="0" marB="0" anchor="ctr"/>
+                </a:tc>
+                <a:tc>
+                  <a:txBody>
+                    <a:bodyPr/>
+                    <a:lstStyle/>
+                    <a:p>
+                      <a:pPr marL="0" marR="0" lvl="0" indent="0" algn="ctr" defTabSz="914400" rtl="0" eaLnBrk="1" fontAlgn="auto" latinLnBrk="0" hangingPunct="1">
+                        <a:lnSpc>
+                          <a:spcPct val="100000"/>
+                        </a:lnSpc>
+                        <a:spcBef>
+                          <a:spcPts val="0"/>
+                        </a:spcBef>
+                        <a:spcAft>
+                          <a:spcPts val="0"/>
+                        </a:spcAft>
+                        <a:buClrTx/>
+                        <a:buSzTx/>
+                        <a:buFontTx/>
+                        <a:buNone/>
+                        <a:tabLst/>
+                        <a:defRPr/>
+                      </a:pPr>
+                      <a:r>
+                        <a:rPr kumimoji="0" lang="en-US" sz="1400" b="0" i="0" u="none" strike="sngStrike" kern="1200" cap="none" spc="0" normalizeH="0" baseline="0" noProof="0" dirty="0">
                           <a:ln>
                             <a:noFill/>
                           </a:ln>
@@ -14954,7 +15571,7 @@
                         <a:defRPr/>
                       </a:pPr>
                       <a:r>
-                        <a:rPr kumimoji="0" lang="en-US" sz="1400" b="0" i="0" u="none" strike="noStrike" kern="1200" cap="none" spc="0" normalizeH="0" baseline="0" noProof="0">
+                        <a:rPr kumimoji="0" lang="en-US" sz="1400" b="0" i="0" u="none" strike="sngStrike" kern="1200" cap="none" spc="0" normalizeH="0" baseline="0" noProof="0">
                           <a:ln>
                             <a:noFill/>
                           </a:ln>
@@ -14997,7 +15614,7 @@
                         <a:defRPr/>
                       </a:pPr>
                       <a:r>
-                        <a:rPr kumimoji="0" lang="en-US" sz="1400" b="0" i="0" u="none" strike="noStrike" kern="1200" cap="none" spc="0" normalizeH="0" baseline="0" noProof="0" dirty="0">
+                        <a:rPr kumimoji="0" lang="en-US" sz="1400" b="0" i="0" u="none" strike="sngStrike" kern="1200" cap="none" spc="0" normalizeH="0" baseline="0" noProof="0" dirty="0">
                           <a:ln>
                             <a:noFill/>
                           </a:ln>
@@ -15040,7 +15657,7 @@
                         <a:defRPr/>
                       </a:pPr>
                       <a:r>
-                        <a:rPr kumimoji="0" lang="en-US" sz="1400" b="0" i="0" u="none" strike="noStrike" kern="1200" cap="none" spc="0" normalizeH="0" baseline="0" noProof="0" dirty="0">
+                        <a:rPr kumimoji="0" lang="en-US" sz="1400" b="0" i="0" u="none" strike="sngStrike" kern="1200" cap="none" spc="0" normalizeH="0" baseline="0" noProof="0" dirty="0">
                           <a:ln>
                             <a:noFill/>
                           </a:ln>
@@ -15083,7 +15700,7 @@
                         <a:defRPr/>
                       </a:pPr>
                       <a:r>
-                        <a:rPr kumimoji="0" lang="en-US" sz="1400" b="0" i="0" u="none" strike="noStrike" kern="1200" cap="none" spc="0" normalizeH="0" baseline="0" noProof="0">
+                        <a:rPr kumimoji="0" lang="en-US" sz="1400" b="0" i="0" u="none" strike="sngStrike" kern="1200" cap="none" spc="0" normalizeH="0" baseline="0" noProof="0">
                           <a:ln>
                             <a:noFill/>
                           </a:ln>
@@ -15099,709 +15716,6 @@
                         </a:rPr>
                         <a:t>O</a:t>
                       </a:r>
-                    </a:p>
-                  </a:txBody>
-                  <a:tcPr marL="0" marR="0" marT="0" marB="0" anchor="ctr"/>
-                </a:tc>
-                <a:tc>
-                  <a:txBody>
-                    <a:bodyPr/>
-                    <a:lstStyle/>
-                    <a:p>
-                      <a:pPr marL="0" marR="0" lvl="0" indent="0" algn="ctr" defTabSz="914400" rtl="0" eaLnBrk="1" fontAlgn="auto" latinLnBrk="0" hangingPunct="1">
-                        <a:lnSpc>
-                          <a:spcPct val="100000"/>
-                        </a:lnSpc>
-                        <a:spcBef>
-                          <a:spcPts val="0"/>
-                        </a:spcBef>
-                        <a:spcAft>
-                          <a:spcPts val="0"/>
-                        </a:spcAft>
-                        <a:buClrTx/>
-                        <a:buSzTx/>
-                        <a:buFontTx/>
-                        <a:buNone/>
-                        <a:tabLst/>
-                        <a:defRPr/>
-                      </a:pPr>
-                      <a:r>
-                        <a:rPr kumimoji="0" lang="en-US" sz="1400" b="1" u="none" strike="noStrike" kern="1200" cap="none" spc="0" normalizeH="0" baseline="0" noProof="0" dirty="0">
-                          <a:ln>
-                            <a:noFill/>
-                          </a:ln>
-                          <a:solidFill>
-                            <a:schemeClr val="accent2">
-                              <a:lumMod val="75000"/>
-                            </a:schemeClr>
-                          </a:solidFill>
-                          <a:effectLst/>
-                          <a:uLnTx/>
-                          <a:uFillTx/>
-                        </a:rPr>
-                        <a:t>X</a:t>
-                      </a:r>
-                      <a:endParaRPr kumimoji="0" lang="en-US" sz="1400" b="1" i="0" u="none" strike="noStrike" kern="1200" cap="none" spc="0" normalizeH="0" baseline="0" noProof="0" dirty="0">
-                        <a:ln>
-                          <a:noFill/>
-                        </a:ln>
-                        <a:solidFill>
-                          <a:schemeClr val="accent2">
-                            <a:lumMod val="75000"/>
-                          </a:schemeClr>
-                        </a:solidFill>
-                        <a:effectLst/>
-                        <a:uLnTx/>
-                        <a:uFillTx/>
-                        <a:latin typeface="Calibri" panose="020F0502020204030204"/>
-                        <a:ea typeface="+mn-ea"/>
-                        <a:cs typeface="+mn-cs"/>
-                      </a:endParaRPr>
-                    </a:p>
-                  </a:txBody>
-                  <a:tcPr marL="0" marR="0" marT="0" marB="0" anchor="ctr"/>
-                </a:tc>
-                <a:tc>
-                  <a:txBody>
-                    <a:bodyPr/>
-                    <a:lstStyle/>
-                    <a:p>
-                      <a:pPr marL="0" marR="0" lvl="0" indent="0" algn="ctr" defTabSz="914400" rtl="0" eaLnBrk="1" fontAlgn="auto" latinLnBrk="0" hangingPunct="1">
-                        <a:lnSpc>
-                          <a:spcPct val="100000"/>
-                        </a:lnSpc>
-                        <a:spcBef>
-                          <a:spcPts val="0"/>
-                        </a:spcBef>
-                        <a:spcAft>
-                          <a:spcPts val="0"/>
-                        </a:spcAft>
-                        <a:buClrTx/>
-                        <a:buSzTx/>
-                        <a:buFontTx/>
-                        <a:buNone/>
-                        <a:tabLst/>
-                        <a:defRPr/>
-                      </a:pPr>
-                      <a:r>
-                        <a:rPr kumimoji="0" lang="en-US" sz="1400" b="1" u="none" strike="noStrike" kern="1200" cap="none" spc="0" normalizeH="0" baseline="0" noProof="0" dirty="0">
-                          <a:ln>
-                            <a:noFill/>
-                          </a:ln>
-                          <a:solidFill>
-                            <a:schemeClr val="accent2">
-                              <a:lumMod val="75000"/>
-                            </a:schemeClr>
-                          </a:solidFill>
-                          <a:effectLst/>
-                          <a:uLnTx/>
-                          <a:uFillTx/>
-                        </a:rPr>
-                        <a:t>X</a:t>
-                      </a:r>
-                      <a:endParaRPr kumimoji="0" lang="en-US" sz="1400" b="1" i="0" u="none" strike="noStrike" kern="1200" cap="none" spc="0" normalizeH="0" baseline="0" noProof="0" dirty="0">
-                        <a:ln>
-                          <a:noFill/>
-                        </a:ln>
-                        <a:solidFill>
-                          <a:schemeClr val="accent2">
-                            <a:lumMod val="75000"/>
-                          </a:schemeClr>
-                        </a:solidFill>
-                        <a:effectLst/>
-                        <a:uLnTx/>
-                        <a:uFillTx/>
-                        <a:latin typeface="Calibri" panose="020F0502020204030204"/>
-                        <a:ea typeface="+mn-ea"/>
-                        <a:cs typeface="+mn-cs"/>
-                      </a:endParaRPr>
-                    </a:p>
-                  </a:txBody>
-                  <a:tcPr marL="0" marR="0" marT="0" marB="0" anchor="ctr"/>
-                </a:tc>
-                <a:tc>
-                  <a:txBody>
-                    <a:bodyPr/>
-                    <a:lstStyle/>
-                    <a:p>
-                      <a:pPr marL="0" marR="0" lvl="0" indent="0" algn="ctr" defTabSz="914400" rtl="0" eaLnBrk="1" fontAlgn="auto" latinLnBrk="0" hangingPunct="1">
-                        <a:lnSpc>
-                          <a:spcPct val="100000"/>
-                        </a:lnSpc>
-                        <a:spcBef>
-                          <a:spcPts val="0"/>
-                        </a:spcBef>
-                        <a:spcAft>
-                          <a:spcPts val="0"/>
-                        </a:spcAft>
-                        <a:buClrTx/>
-                        <a:buSzTx/>
-                        <a:buFontTx/>
-                        <a:buNone/>
-                        <a:tabLst/>
-                        <a:defRPr/>
-                      </a:pPr>
-                      <a:r>
-                        <a:rPr kumimoji="0" lang="en-US" sz="1400" b="1" u="none" strike="noStrike" kern="1200" cap="none" spc="0" normalizeH="0" baseline="0" noProof="0" dirty="0">
-                          <a:ln>
-                            <a:noFill/>
-                          </a:ln>
-                          <a:solidFill>
-                            <a:schemeClr val="accent2">
-                              <a:lumMod val="75000"/>
-                            </a:schemeClr>
-                          </a:solidFill>
-                          <a:effectLst/>
-                          <a:uLnTx/>
-                          <a:uFillTx/>
-                        </a:rPr>
-                        <a:t>X</a:t>
-                      </a:r>
-                      <a:endParaRPr kumimoji="0" lang="en-US" sz="1400" b="1" i="0" u="none" strike="noStrike" kern="1200" cap="none" spc="0" normalizeH="0" baseline="0" noProof="0" dirty="0">
-                        <a:ln>
-                          <a:noFill/>
-                        </a:ln>
-                        <a:solidFill>
-                          <a:schemeClr val="accent2">
-                            <a:lumMod val="75000"/>
-                          </a:schemeClr>
-                        </a:solidFill>
-                        <a:effectLst/>
-                        <a:uLnTx/>
-                        <a:uFillTx/>
-                        <a:latin typeface="Calibri" panose="020F0502020204030204"/>
-                        <a:ea typeface="+mn-ea"/>
-                        <a:cs typeface="+mn-cs"/>
-                      </a:endParaRPr>
-                    </a:p>
-                  </a:txBody>
-                  <a:tcPr marL="0" marR="0" marT="0" marB="0" anchor="ctr"/>
-                </a:tc>
-                <a:tc>
-                  <a:txBody>
-                    <a:bodyPr/>
-                    <a:lstStyle/>
-                    <a:p>
-                      <a:pPr marL="0" marR="0" lvl="0" indent="0" algn="ctr" defTabSz="914400" rtl="0" eaLnBrk="1" fontAlgn="auto" latinLnBrk="0" hangingPunct="1">
-                        <a:lnSpc>
-                          <a:spcPct val="100000"/>
-                        </a:lnSpc>
-                        <a:spcBef>
-                          <a:spcPts val="0"/>
-                        </a:spcBef>
-                        <a:spcAft>
-                          <a:spcPts val="0"/>
-                        </a:spcAft>
-                        <a:buClrTx/>
-                        <a:buSzTx/>
-                        <a:buFontTx/>
-                        <a:buNone/>
-                        <a:tabLst/>
-                        <a:defRPr/>
-                      </a:pPr>
-                      <a:r>
-                        <a:rPr kumimoji="0" lang="en-US" sz="1400" b="1" u="none" strike="noStrike" kern="1200" cap="none" spc="0" normalizeH="0" baseline="0" noProof="0" dirty="0">
-                          <a:ln>
-                            <a:noFill/>
-                          </a:ln>
-                          <a:solidFill>
-                            <a:schemeClr val="accent2">
-                              <a:lumMod val="75000"/>
-                            </a:schemeClr>
-                          </a:solidFill>
-                          <a:effectLst/>
-                          <a:uLnTx/>
-                          <a:uFillTx/>
-                        </a:rPr>
-                        <a:t>X</a:t>
-                      </a:r>
-                      <a:endParaRPr kumimoji="0" lang="en-US" sz="1400" b="1" i="0" u="none" strike="noStrike" kern="1200" cap="none" spc="0" normalizeH="0" baseline="0" noProof="0" dirty="0">
-                        <a:ln>
-                          <a:noFill/>
-                        </a:ln>
-                        <a:solidFill>
-                          <a:schemeClr val="accent2">
-                            <a:lumMod val="75000"/>
-                          </a:schemeClr>
-                        </a:solidFill>
-                        <a:effectLst/>
-                        <a:uLnTx/>
-                        <a:uFillTx/>
-                        <a:latin typeface="Calibri" panose="020F0502020204030204"/>
-                        <a:ea typeface="+mn-ea"/>
-                        <a:cs typeface="+mn-cs"/>
-                      </a:endParaRPr>
-                    </a:p>
-                  </a:txBody>
-                  <a:tcPr marL="0" marR="0" marT="0" marB="0" anchor="ctr"/>
-                </a:tc>
-                <a:tc>
-                  <a:txBody>
-                    <a:bodyPr/>
-                    <a:lstStyle/>
-                    <a:p>
-                      <a:pPr marL="0" marR="0" lvl="0" indent="0" algn="ctr" defTabSz="914400" rtl="0" eaLnBrk="1" fontAlgn="auto" latinLnBrk="0" hangingPunct="1">
-                        <a:lnSpc>
-                          <a:spcPct val="100000"/>
-                        </a:lnSpc>
-                        <a:spcBef>
-                          <a:spcPts val="0"/>
-                        </a:spcBef>
-                        <a:spcAft>
-                          <a:spcPts val="0"/>
-                        </a:spcAft>
-                        <a:buClrTx/>
-                        <a:buSzTx/>
-                        <a:buFontTx/>
-                        <a:buNone/>
-                        <a:tabLst/>
-                        <a:defRPr/>
-                      </a:pPr>
-                      <a:r>
-                        <a:rPr kumimoji="0" lang="en-US" sz="1400" b="1" u="none" strike="noStrike" kern="1200" cap="none" spc="0" normalizeH="0" baseline="0" noProof="0" dirty="0">
-                          <a:ln>
-                            <a:noFill/>
-                          </a:ln>
-                          <a:solidFill>
-                            <a:schemeClr val="accent2">
-                              <a:lumMod val="75000"/>
-                            </a:schemeClr>
-                          </a:solidFill>
-                          <a:effectLst/>
-                          <a:uLnTx/>
-                          <a:uFillTx/>
-                        </a:rPr>
-                        <a:t>X</a:t>
-                      </a:r>
-                      <a:endParaRPr kumimoji="0" lang="en-US" sz="1400" b="1" i="0" u="none" strike="noStrike" kern="1200" cap="none" spc="0" normalizeH="0" baseline="0" noProof="0" dirty="0">
-                        <a:ln>
-                          <a:noFill/>
-                        </a:ln>
-                        <a:solidFill>
-                          <a:schemeClr val="accent2">
-                            <a:lumMod val="75000"/>
-                          </a:schemeClr>
-                        </a:solidFill>
-                        <a:effectLst/>
-                        <a:uLnTx/>
-                        <a:uFillTx/>
-                        <a:latin typeface="Calibri" panose="020F0502020204030204"/>
-                        <a:ea typeface="+mn-ea"/>
-                        <a:cs typeface="+mn-cs"/>
-                      </a:endParaRPr>
-                    </a:p>
-                  </a:txBody>
-                  <a:tcPr marL="0" marR="0" marT="0" marB="0" anchor="ctr"/>
-                </a:tc>
-                <a:tc>
-                  <a:txBody>
-                    <a:bodyPr/>
-                    <a:lstStyle/>
-                    <a:p>
-                      <a:pPr algn="ctr"/>
-                      <a:endParaRPr lang="en-US" sz="1400" dirty="0"/>
-                    </a:p>
-                  </a:txBody>
-                  <a:tcPr marL="0" marR="0" marT="0" marB="0" anchor="ctr"/>
-                </a:tc>
-                <a:tc>
-                  <a:txBody>
-                    <a:bodyPr/>
-                    <a:lstStyle/>
-                    <a:p>
-                      <a:pPr algn="ctr"/>
-                      <a:endParaRPr lang="en-US" sz="1400" dirty="0"/>
-                    </a:p>
-                  </a:txBody>
-                  <a:tcPr marL="0" marR="0" marT="0" marB="0" anchor="ctr"/>
-                </a:tc>
-                <a:tc>
-                  <a:txBody>
-                    <a:bodyPr/>
-                    <a:lstStyle/>
-                    <a:p>
-                      <a:pPr algn="ctr"/>
-                      <a:endParaRPr lang="en-US" sz="1400"/>
-                    </a:p>
-                  </a:txBody>
-                  <a:tcPr marL="0" marR="0" marT="0" marB="0" anchor="ctr"/>
-                </a:tc>
-                <a:tc>
-                  <a:txBody>
-                    <a:bodyPr/>
-                    <a:lstStyle/>
-                    <a:p>
-                      <a:pPr algn="ctr"/>
-                      <a:endParaRPr lang="en-US" sz="1400"/>
-                    </a:p>
-                  </a:txBody>
-                  <a:tcPr marL="0" marR="0" marT="0" marB="0" anchor="ctr"/>
-                </a:tc>
-                <a:tc>
-                  <a:txBody>
-                    <a:bodyPr/>
-                    <a:lstStyle/>
-                    <a:p>
-                      <a:pPr algn="ctr"/>
-                      <a:endParaRPr lang="en-US" sz="1400" dirty="0"/>
-                    </a:p>
-                  </a:txBody>
-                  <a:tcPr marL="0" marR="0" marT="0" marB="0" anchor="ctr"/>
-                </a:tc>
-                <a:tc>
-                  <a:txBody>
-                    <a:bodyPr/>
-                    <a:lstStyle/>
-                    <a:p>
-                      <a:pPr algn="ctr"/>
-                      <a:endParaRPr lang="en-US" sz="1400"/>
-                    </a:p>
-                  </a:txBody>
-                  <a:tcPr marL="0" marR="0" marT="0" marB="0" anchor="ctr"/>
-                </a:tc>
-                <a:tc>
-                  <a:txBody>
-                    <a:bodyPr/>
-                    <a:lstStyle/>
-                    <a:p>
-                      <a:pPr algn="ctr"/>
-                      <a:endParaRPr lang="en-US" sz="1400"/>
-                    </a:p>
-                  </a:txBody>
-                  <a:tcPr marL="0" marR="0" marT="0" marB="0" anchor="ctr"/>
-                </a:tc>
-                <a:tc>
-                  <a:txBody>
-                    <a:bodyPr/>
-                    <a:lstStyle/>
-                    <a:p>
-                      <a:pPr algn="ctr"/>
-                      <a:endParaRPr lang="en-US" sz="1400" dirty="0"/>
-                    </a:p>
-                  </a:txBody>
-                  <a:tcPr marL="0" marR="0" marT="0" marB="0" anchor="ctr"/>
-                </a:tc>
-                <a:tc>
-                  <a:txBody>
-                    <a:bodyPr/>
-                    <a:lstStyle/>
-                    <a:p>
-                      <a:pPr algn="ctr"/>
-                      <a:endParaRPr lang="en-US" sz="1400"/>
-                    </a:p>
-                  </a:txBody>
-                  <a:tcPr marL="0" marR="0" marT="0" marB="0" anchor="ctr"/>
-                </a:tc>
-                <a:tc>
-                  <a:txBody>
-                    <a:bodyPr/>
-                    <a:lstStyle/>
-                    <a:p>
-                      <a:pPr algn="ctr"/>
-                      <a:endParaRPr lang="en-US" sz="1400" dirty="0"/>
-                    </a:p>
-                  </a:txBody>
-                  <a:tcPr marL="0" marR="0" marT="0" marB="0" anchor="ctr"/>
-                </a:tc>
-                <a:extLst>
-                  <a:ext uri="{0D108BD9-81ED-4DB2-BD59-A6C34878D82A}">
-                    <a16:rowId xmlns:a16="http://schemas.microsoft.com/office/drawing/2014/main" val="1117610235"/>
-                  </a:ext>
-                </a:extLst>
-              </a:tr>
-              <a:tr h="512232">
-                <a:tc>
-                  <a:txBody>
-                    <a:bodyPr/>
-                    <a:lstStyle/>
-                    <a:p>
-                      <a:pPr algn="ctr"/>
-                      <a:r>
-                        <a:rPr lang="en-US" sz="1400" dirty="0"/>
-                        <a:t>A</a:t>
-                      </a:r>
-                    </a:p>
-                  </a:txBody>
-                  <a:tcPr marL="0" marR="0" marT="0" marB="0" anchor="ctr"/>
-                </a:tc>
-                <a:tc>
-                  <a:txBody>
-                    <a:bodyPr/>
-                    <a:lstStyle/>
-                    <a:p>
-                      <a:pPr algn="ctr"/>
-                      <a:r>
-                        <a:rPr lang="ko-KR" altLang="en-US" sz="1400" strike="sngStrike" dirty="0">
-                          <a:solidFill>
-                            <a:schemeClr val="bg1">
-                              <a:lumMod val="50000"/>
-                            </a:schemeClr>
-                          </a:solidFill>
-                        </a:rPr>
-                        <a:t>김기홍</a:t>
-                      </a:r>
-                      <a:endParaRPr lang="en-US" sz="1400" strike="sngStrike" dirty="0">
-                        <a:solidFill>
-                          <a:schemeClr val="bg1">
-                            <a:lumMod val="50000"/>
-                          </a:schemeClr>
-                        </a:solidFill>
-                      </a:endParaRPr>
-                    </a:p>
-                  </a:txBody>
-                  <a:tcPr marL="0" marR="0" marT="0" marB="0" anchor="ctr"/>
-                </a:tc>
-                <a:tc>
-                  <a:txBody>
-                    <a:bodyPr/>
-                    <a:lstStyle/>
-                    <a:p>
-                      <a:pPr marL="0" marR="0" lvl="0" indent="0" algn="ctr" defTabSz="914400" rtl="0" eaLnBrk="1" fontAlgn="auto" latinLnBrk="0" hangingPunct="1">
-                        <a:lnSpc>
-                          <a:spcPct val="100000"/>
-                        </a:lnSpc>
-                        <a:spcBef>
-                          <a:spcPts val="0"/>
-                        </a:spcBef>
-                        <a:spcAft>
-                          <a:spcPts val="0"/>
-                        </a:spcAft>
-                        <a:buClrTx/>
-                        <a:buSzTx/>
-                        <a:buFontTx/>
-                        <a:buNone/>
-                        <a:tabLst/>
-                        <a:defRPr/>
-                      </a:pPr>
-                      <a:r>
-                        <a:rPr kumimoji="0" lang="en-US" sz="1400" u="none" strike="sngStrike" kern="1200" cap="none" spc="0" normalizeH="0" baseline="0" noProof="0" dirty="0">
-                          <a:ln>
-                            <a:noFill/>
-                          </a:ln>
-                          <a:effectLst/>
-                          <a:uLnTx/>
-                          <a:uFillTx/>
-                        </a:rPr>
-                        <a:t>X</a:t>
-                      </a:r>
-                      <a:endParaRPr kumimoji="0" lang="en-US" sz="1400" b="0" i="0" u="none" strike="sngStrike" kern="1200" cap="none" spc="0" normalizeH="0" baseline="0" noProof="0" dirty="0">
-                        <a:ln>
-                          <a:noFill/>
-                        </a:ln>
-                        <a:solidFill>
-                          <a:prstClr val="black"/>
-                        </a:solidFill>
-                        <a:effectLst/>
-                        <a:uLnTx/>
-                        <a:uFillTx/>
-                        <a:latin typeface="Calibri" panose="020F0502020204030204"/>
-                        <a:ea typeface="+mn-ea"/>
-                        <a:cs typeface="+mn-cs"/>
-                      </a:endParaRPr>
-                    </a:p>
-                  </a:txBody>
-                  <a:tcPr marL="0" marR="0" marT="0" marB="0" anchor="ctr"/>
-                </a:tc>
-                <a:tc>
-                  <a:txBody>
-                    <a:bodyPr/>
-                    <a:lstStyle/>
-                    <a:p>
-                      <a:pPr marL="0" marR="0" lvl="0" indent="0" algn="ctr" defTabSz="914400" rtl="0" eaLnBrk="1" fontAlgn="auto" latinLnBrk="0" hangingPunct="1">
-                        <a:lnSpc>
-                          <a:spcPct val="100000"/>
-                        </a:lnSpc>
-                        <a:spcBef>
-                          <a:spcPts val="0"/>
-                        </a:spcBef>
-                        <a:spcAft>
-                          <a:spcPts val="0"/>
-                        </a:spcAft>
-                        <a:buClrTx/>
-                        <a:buSzTx/>
-                        <a:buFontTx/>
-                        <a:buNone/>
-                        <a:tabLst/>
-                        <a:defRPr/>
-                      </a:pPr>
-                      <a:r>
-                        <a:rPr kumimoji="0" lang="en-US" sz="1400" u="none" strike="sngStrike" kern="1200" cap="none" spc="0" normalizeH="0" baseline="0" noProof="0" dirty="0">
-                          <a:ln>
-                            <a:noFill/>
-                          </a:ln>
-                          <a:effectLst/>
-                          <a:uLnTx/>
-                          <a:uFillTx/>
-                        </a:rPr>
-                        <a:t>X</a:t>
-                      </a:r>
-                      <a:endParaRPr kumimoji="0" lang="en-US" sz="1400" b="0" i="0" u="none" strike="sngStrike" kern="1200" cap="none" spc="0" normalizeH="0" baseline="0" noProof="0" dirty="0">
-                        <a:ln>
-                          <a:noFill/>
-                        </a:ln>
-                        <a:solidFill>
-                          <a:prstClr val="black"/>
-                        </a:solidFill>
-                        <a:effectLst/>
-                        <a:uLnTx/>
-                        <a:uFillTx/>
-                        <a:latin typeface="Calibri" panose="020F0502020204030204"/>
-                        <a:ea typeface="+mn-ea"/>
-                        <a:cs typeface="+mn-cs"/>
-                      </a:endParaRPr>
-                    </a:p>
-                  </a:txBody>
-                  <a:tcPr marL="0" marR="0" marT="0" marB="0" anchor="ctr"/>
-                </a:tc>
-                <a:tc>
-                  <a:txBody>
-                    <a:bodyPr/>
-                    <a:lstStyle/>
-                    <a:p>
-                      <a:pPr marL="0" marR="0" lvl="0" indent="0" algn="ctr" defTabSz="914400" rtl="0" eaLnBrk="1" fontAlgn="auto" latinLnBrk="0" hangingPunct="1">
-                        <a:lnSpc>
-                          <a:spcPct val="100000"/>
-                        </a:lnSpc>
-                        <a:spcBef>
-                          <a:spcPts val="0"/>
-                        </a:spcBef>
-                        <a:spcAft>
-                          <a:spcPts val="0"/>
-                        </a:spcAft>
-                        <a:buClrTx/>
-                        <a:buSzTx/>
-                        <a:buFontTx/>
-                        <a:buNone/>
-                        <a:tabLst/>
-                        <a:defRPr/>
-                      </a:pPr>
-                      <a:r>
-                        <a:rPr kumimoji="0" lang="en-US" sz="1400" u="none" strike="sngStrike" kern="1200" cap="none" spc="0" normalizeH="0" baseline="0" noProof="0" dirty="0">
-                          <a:ln>
-                            <a:noFill/>
-                          </a:ln>
-                          <a:effectLst/>
-                          <a:uLnTx/>
-                          <a:uFillTx/>
-                        </a:rPr>
-                        <a:t>X</a:t>
-                      </a:r>
-                      <a:endParaRPr kumimoji="0" lang="en-US" sz="1400" b="0" i="0" u="none" strike="sngStrike" kern="1200" cap="none" spc="0" normalizeH="0" baseline="0" noProof="0" dirty="0">
-                        <a:ln>
-                          <a:noFill/>
-                        </a:ln>
-                        <a:solidFill>
-                          <a:prstClr val="black"/>
-                        </a:solidFill>
-                        <a:effectLst/>
-                        <a:uLnTx/>
-                        <a:uFillTx/>
-                        <a:latin typeface="Calibri" panose="020F0502020204030204"/>
-                        <a:ea typeface="+mn-ea"/>
-                        <a:cs typeface="+mn-cs"/>
-                      </a:endParaRPr>
-                    </a:p>
-                  </a:txBody>
-                  <a:tcPr marL="0" marR="0" marT="0" marB="0" anchor="ctr"/>
-                </a:tc>
-                <a:tc>
-                  <a:txBody>
-                    <a:bodyPr/>
-                    <a:lstStyle/>
-                    <a:p>
-                      <a:pPr marL="0" marR="0" lvl="0" indent="0" algn="ctr" defTabSz="914400" rtl="0" eaLnBrk="1" fontAlgn="auto" latinLnBrk="0" hangingPunct="1">
-                        <a:lnSpc>
-                          <a:spcPct val="100000"/>
-                        </a:lnSpc>
-                        <a:spcBef>
-                          <a:spcPts val="0"/>
-                        </a:spcBef>
-                        <a:spcAft>
-                          <a:spcPts val="0"/>
-                        </a:spcAft>
-                        <a:buClrTx/>
-                        <a:buSzTx/>
-                        <a:buFontTx/>
-                        <a:buNone/>
-                        <a:tabLst/>
-                        <a:defRPr/>
-                      </a:pPr>
-                      <a:r>
-                        <a:rPr kumimoji="0" lang="en-US" sz="1400" u="none" strike="sngStrike" kern="1200" cap="none" spc="0" normalizeH="0" baseline="0" noProof="0" dirty="0">
-                          <a:ln>
-                            <a:noFill/>
-                          </a:ln>
-                          <a:effectLst/>
-                          <a:uLnTx/>
-                          <a:uFillTx/>
-                        </a:rPr>
-                        <a:t>X</a:t>
-                      </a:r>
-                      <a:endParaRPr kumimoji="0" lang="en-US" sz="1400" b="0" i="0" u="none" strike="sngStrike" kern="1200" cap="none" spc="0" normalizeH="0" baseline="0" noProof="0" dirty="0">
-                        <a:ln>
-                          <a:noFill/>
-                        </a:ln>
-                        <a:solidFill>
-                          <a:prstClr val="black"/>
-                        </a:solidFill>
-                        <a:effectLst/>
-                        <a:uLnTx/>
-                        <a:uFillTx/>
-                        <a:latin typeface="Calibri" panose="020F0502020204030204"/>
-                        <a:ea typeface="+mn-ea"/>
-                        <a:cs typeface="+mn-cs"/>
-                      </a:endParaRPr>
-                    </a:p>
-                  </a:txBody>
-                  <a:tcPr marL="0" marR="0" marT="0" marB="0" anchor="ctr"/>
-                </a:tc>
-                <a:tc>
-                  <a:txBody>
-                    <a:bodyPr/>
-                    <a:lstStyle/>
-                    <a:p>
-                      <a:pPr marL="0" marR="0" lvl="0" indent="0" algn="ctr" defTabSz="914400" rtl="0" eaLnBrk="1" fontAlgn="auto" latinLnBrk="0" hangingPunct="1">
-                        <a:lnSpc>
-                          <a:spcPct val="100000"/>
-                        </a:lnSpc>
-                        <a:spcBef>
-                          <a:spcPts val="0"/>
-                        </a:spcBef>
-                        <a:spcAft>
-                          <a:spcPts val="0"/>
-                        </a:spcAft>
-                        <a:buClrTx/>
-                        <a:buSzTx/>
-                        <a:buFontTx/>
-                        <a:buNone/>
-                        <a:tabLst/>
-                        <a:defRPr/>
-                      </a:pPr>
-                      <a:r>
-                        <a:rPr kumimoji="0" lang="en-US" sz="1400" u="none" strike="sngStrike" kern="1200" cap="none" spc="0" normalizeH="0" baseline="0" noProof="0" dirty="0">
-                          <a:ln>
-                            <a:noFill/>
-                          </a:ln>
-                          <a:effectLst/>
-                          <a:uLnTx/>
-                          <a:uFillTx/>
-                        </a:rPr>
-                        <a:t>X</a:t>
-                      </a:r>
-                      <a:endParaRPr kumimoji="0" lang="en-US" sz="1400" b="0" i="0" u="none" strike="sngStrike" kern="1200" cap="none" spc="0" normalizeH="0" baseline="0" noProof="0" dirty="0">
-                        <a:ln>
-                          <a:noFill/>
-                        </a:ln>
-                        <a:solidFill>
-                          <a:prstClr val="black"/>
-                        </a:solidFill>
-                        <a:effectLst/>
-                        <a:uLnTx/>
-                        <a:uFillTx/>
-                        <a:latin typeface="Calibri" panose="020F0502020204030204"/>
-                        <a:ea typeface="+mn-ea"/>
-                        <a:cs typeface="+mn-cs"/>
-                      </a:endParaRPr>
                     </a:p>
                   </a:txBody>
                   <a:tcPr marL="0" marR="0" marT="0" marB="0" anchor="ctr"/>
@@ -16101,6 +16015,307 @@
                     <a:bodyPr/>
                     <a:lstStyle/>
                     <a:p>
+                      <a:pPr marL="0" marR="0" lvl="0" indent="0" algn="ctr" defTabSz="914400" rtl="0" eaLnBrk="1" fontAlgn="auto" latinLnBrk="0" hangingPunct="1">
+                        <a:lnSpc>
+                          <a:spcPct val="100000"/>
+                        </a:lnSpc>
+                        <a:spcBef>
+                          <a:spcPts val="0"/>
+                        </a:spcBef>
+                        <a:spcAft>
+                          <a:spcPts val="0"/>
+                        </a:spcAft>
+                        <a:buClrTx/>
+                        <a:buSzTx/>
+                        <a:buFontTx/>
+                        <a:buNone/>
+                        <a:tabLst/>
+                        <a:defRPr/>
+                      </a:pPr>
+                      <a:r>
+                        <a:rPr kumimoji="0" lang="en-US" sz="1400" b="1" u="none" strike="sngStrike" kern="1200" cap="none" spc="0" normalizeH="0" baseline="0" noProof="0" dirty="0">
+                          <a:ln>
+                            <a:noFill/>
+                          </a:ln>
+                          <a:solidFill>
+                            <a:schemeClr val="accent6">
+                              <a:lumMod val="75000"/>
+                            </a:schemeClr>
+                          </a:solidFill>
+                          <a:effectLst/>
+                          <a:uLnTx/>
+                          <a:uFillTx/>
+                        </a:rPr>
+                        <a:t>X</a:t>
+                      </a:r>
+                      <a:endParaRPr kumimoji="0" lang="en-US" sz="1400" b="1" i="0" u="none" strike="sngStrike" kern="1200" cap="none" spc="0" normalizeH="0" baseline="0" noProof="0" dirty="0">
+                        <a:ln>
+                          <a:noFill/>
+                        </a:ln>
+                        <a:solidFill>
+                          <a:schemeClr val="accent6">
+                            <a:lumMod val="75000"/>
+                          </a:schemeClr>
+                        </a:solidFill>
+                        <a:effectLst/>
+                        <a:uLnTx/>
+                        <a:uFillTx/>
+                        <a:latin typeface="Calibri" panose="020F0502020204030204"/>
+                        <a:ea typeface="+mn-ea"/>
+                        <a:cs typeface="+mn-cs"/>
+                      </a:endParaRPr>
+                    </a:p>
+                  </a:txBody>
+                  <a:tcPr marL="0" marR="0" marT="0" marB="0" anchor="ctr"/>
+                </a:tc>
+                <a:tc>
+                  <a:txBody>
+                    <a:bodyPr/>
+                    <a:lstStyle/>
+                    <a:p>
+                      <a:pPr marL="0" marR="0" lvl="0" indent="0" algn="ctr" defTabSz="914400" rtl="0" eaLnBrk="1" fontAlgn="auto" latinLnBrk="0" hangingPunct="1">
+                        <a:lnSpc>
+                          <a:spcPct val="100000"/>
+                        </a:lnSpc>
+                        <a:spcBef>
+                          <a:spcPts val="0"/>
+                        </a:spcBef>
+                        <a:spcAft>
+                          <a:spcPts val="0"/>
+                        </a:spcAft>
+                        <a:buClrTx/>
+                        <a:buSzTx/>
+                        <a:buFontTx/>
+                        <a:buNone/>
+                        <a:tabLst/>
+                        <a:defRPr/>
+                      </a:pPr>
+                      <a:r>
+                        <a:rPr kumimoji="0" lang="en-US" sz="1400" b="1" u="none" strike="sngStrike" kern="1200" cap="none" spc="0" normalizeH="0" baseline="0" noProof="0" dirty="0">
+                          <a:ln>
+                            <a:noFill/>
+                          </a:ln>
+                          <a:solidFill>
+                            <a:schemeClr val="accent6">
+                              <a:lumMod val="75000"/>
+                            </a:schemeClr>
+                          </a:solidFill>
+                          <a:effectLst/>
+                          <a:uLnTx/>
+                          <a:uFillTx/>
+                        </a:rPr>
+                        <a:t>X</a:t>
+                      </a:r>
+                      <a:endParaRPr kumimoji="0" lang="en-US" sz="1400" b="1" i="0" u="none" strike="sngStrike" kern="1200" cap="none" spc="0" normalizeH="0" baseline="0" noProof="0" dirty="0">
+                        <a:ln>
+                          <a:noFill/>
+                        </a:ln>
+                        <a:solidFill>
+                          <a:schemeClr val="accent6">
+                            <a:lumMod val="75000"/>
+                          </a:schemeClr>
+                        </a:solidFill>
+                        <a:effectLst/>
+                        <a:uLnTx/>
+                        <a:uFillTx/>
+                        <a:latin typeface="Calibri" panose="020F0502020204030204"/>
+                        <a:ea typeface="+mn-ea"/>
+                        <a:cs typeface="+mn-cs"/>
+                      </a:endParaRPr>
+                    </a:p>
+                  </a:txBody>
+                  <a:tcPr marL="0" marR="0" marT="0" marB="0" anchor="ctr"/>
+                </a:tc>
+                <a:tc>
+                  <a:txBody>
+                    <a:bodyPr/>
+                    <a:lstStyle/>
+                    <a:p>
+                      <a:pPr marL="0" marR="0" lvl="0" indent="0" algn="ctr" defTabSz="914400" rtl="0" eaLnBrk="1" fontAlgn="auto" latinLnBrk="0" hangingPunct="1">
+                        <a:lnSpc>
+                          <a:spcPct val="100000"/>
+                        </a:lnSpc>
+                        <a:spcBef>
+                          <a:spcPts val="0"/>
+                        </a:spcBef>
+                        <a:spcAft>
+                          <a:spcPts val="0"/>
+                        </a:spcAft>
+                        <a:buClrTx/>
+                        <a:buSzTx/>
+                        <a:buFontTx/>
+                        <a:buNone/>
+                        <a:tabLst/>
+                        <a:defRPr/>
+                      </a:pPr>
+                      <a:r>
+                        <a:rPr kumimoji="0" lang="en-US" sz="1400" b="1" u="none" strike="sngStrike" kern="1200" cap="none" spc="0" normalizeH="0" baseline="0" noProof="0" dirty="0">
+                          <a:ln>
+                            <a:noFill/>
+                          </a:ln>
+                          <a:solidFill>
+                            <a:schemeClr val="accent6">
+                              <a:lumMod val="75000"/>
+                            </a:schemeClr>
+                          </a:solidFill>
+                          <a:effectLst/>
+                          <a:uLnTx/>
+                          <a:uFillTx/>
+                        </a:rPr>
+                        <a:t>X</a:t>
+                      </a:r>
+                      <a:endParaRPr kumimoji="0" lang="en-US" sz="1400" b="1" i="0" u="none" strike="sngStrike" kern="1200" cap="none" spc="0" normalizeH="0" baseline="0" noProof="0" dirty="0">
+                        <a:ln>
+                          <a:noFill/>
+                        </a:ln>
+                        <a:solidFill>
+                          <a:schemeClr val="accent6">
+                            <a:lumMod val="75000"/>
+                          </a:schemeClr>
+                        </a:solidFill>
+                        <a:effectLst/>
+                        <a:uLnTx/>
+                        <a:uFillTx/>
+                        <a:latin typeface="Calibri" panose="020F0502020204030204"/>
+                        <a:ea typeface="+mn-ea"/>
+                        <a:cs typeface="+mn-cs"/>
+                      </a:endParaRPr>
+                    </a:p>
+                  </a:txBody>
+                  <a:tcPr marL="0" marR="0" marT="0" marB="0" anchor="ctr"/>
+                </a:tc>
+                <a:tc>
+                  <a:txBody>
+                    <a:bodyPr/>
+                    <a:lstStyle/>
+                    <a:p>
+                      <a:pPr marL="0" marR="0" lvl="0" indent="0" algn="ctr" defTabSz="914400" rtl="0" eaLnBrk="1" fontAlgn="auto" latinLnBrk="0" hangingPunct="1">
+                        <a:lnSpc>
+                          <a:spcPct val="100000"/>
+                        </a:lnSpc>
+                        <a:spcBef>
+                          <a:spcPts val="0"/>
+                        </a:spcBef>
+                        <a:spcAft>
+                          <a:spcPts val="0"/>
+                        </a:spcAft>
+                        <a:buClrTx/>
+                        <a:buSzTx/>
+                        <a:buFontTx/>
+                        <a:buNone/>
+                        <a:tabLst/>
+                        <a:defRPr/>
+                      </a:pPr>
+                      <a:r>
+                        <a:rPr kumimoji="0" lang="en-US" sz="1400" b="1" u="none" strike="sngStrike" kern="1200" cap="none" spc="0" normalizeH="0" baseline="0" noProof="0" dirty="0">
+                          <a:ln>
+                            <a:noFill/>
+                          </a:ln>
+                          <a:solidFill>
+                            <a:schemeClr val="accent6">
+                              <a:lumMod val="75000"/>
+                            </a:schemeClr>
+                          </a:solidFill>
+                          <a:effectLst/>
+                          <a:uLnTx/>
+                          <a:uFillTx/>
+                        </a:rPr>
+                        <a:t>X</a:t>
+                      </a:r>
+                      <a:endParaRPr kumimoji="0" lang="en-US" sz="1400" b="1" i="0" u="none" strike="sngStrike" kern="1200" cap="none" spc="0" normalizeH="0" baseline="0" noProof="0" dirty="0">
+                        <a:ln>
+                          <a:noFill/>
+                        </a:ln>
+                        <a:solidFill>
+                          <a:schemeClr val="accent6">
+                            <a:lumMod val="75000"/>
+                          </a:schemeClr>
+                        </a:solidFill>
+                        <a:effectLst/>
+                        <a:uLnTx/>
+                        <a:uFillTx/>
+                        <a:latin typeface="Calibri" panose="020F0502020204030204"/>
+                        <a:ea typeface="+mn-ea"/>
+                        <a:cs typeface="+mn-cs"/>
+                      </a:endParaRPr>
+                    </a:p>
+                  </a:txBody>
+                  <a:tcPr marL="0" marR="0" marT="0" marB="0" anchor="ctr"/>
+                </a:tc>
+                <a:tc>
+                  <a:txBody>
+                    <a:bodyPr/>
+                    <a:lstStyle/>
+                    <a:p>
+                      <a:pPr marL="0" marR="0" lvl="0" indent="0" algn="ctr" defTabSz="914400" rtl="0" eaLnBrk="1" fontAlgn="auto" latinLnBrk="0" hangingPunct="1">
+                        <a:lnSpc>
+                          <a:spcPct val="100000"/>
+                        </a:lnSpc>
+                        <a:spcBef>
+                          <a:spcPts val="0"/>
+                        </a:spcBef>
+                        <a:spcAft>
+                          <a:spcPts val="0"/>
+                        </a:spcAft>
+                        <a:buClrTx/>
+                        <a:buSzTx/>
+                        <a:buFontTx/>
+                        <a:buNone/>
+                        <a:tabLst/>
+                        <a:defRPr/>
+                      </a:pPr>
+                      <a:r>
+                        <a:rPr kumimoji="0" lang="en-US" sz="1400" b="1" u="none" strike="sngStrike" kern="1200" cap="none" spc="0" normalizeH="0" baseline="0" noProof="0" dirty="0">
+                          <a:ln>
+                            <a:noFill/>
+                          </a:ln>
+                          <a:solidFill>
+                            <a:schemeClr val="accent6">
+                              <a:lumMod val="75000"/>
+                            </a:schemeClr>
+                          </a:solidFill>
+                          <a:effectLst/>
+                          <a:uLnTx/>
+                          <a:uFillTx/>
+                        </a:rPr>
+                        <a:t>X</a:t>
+                      </a:r>
+                      <a:endParaRPr kumimoji="0" lang="en-US" sz="1400" b="1" i="0" u="none" strike="sngStrike" kern="1200" cap="none" spc="0" normalizeH="0" baseline="0" noProof="0" dirty="0">
+                        <a:ln>
+                          <a:noFill/>
+                        </a:ln>
+                        <a:solidFill>
+                          <a:schemeClr val="accent6">
+                            <a:lumMod val="75000"/>
+                          </a:schemeClr>
+                        </a:solidFill>
+                        <a:effectLst/>
+                        <a:uLnTx/>
+                        <a:uFillTx/>
+                        <a:latin typeface="Calibri" panose="020F0502020204030204"/>
+                        <a:ea typeface="+mn-ea"/>
+                        <a:cs typeface="+mn-cs"/>
+                      </a:endParaRPr>
+                    </a:p>
+                  </a:txBody>
+                  <a:tcPr marL="0" marR="0" marT="0" marB="0" anchor="ctr"/>
+                </a:tc>
+                <a:tc>
+                  <a:txBody>
+                    <a:bodyPr/>
+                    <a:lstStyle/>
+                    <a:p>
+                      <a:pPr algn="ctr"/>
+                      <a:endParaRPr lang="en-US" sz="1400" dirty="0"/>
+                    </a:p>
+                  </a:txBody>
+                  <a:tcPr marL="0" marR="0" marT="0" marB="0" anchor="ctr"/>
+                </a:tc>
+                <a:tc>
+                  <a:txBody>
+                    <a:bodyPr/>
+                    <a:lstStyle/>
+                    <a:p>
                       <a:pPr algn="ctr"/>
                       <a:endParaRPr lang="en-US" sz="1400"/>
                     </a:p>
@@ -16125,72 +16340,6 @@
                     <a:p>
                       <a:pPr algn="ctr"/>
                       <a:endParaRPr lang="en-US" sz="1400"/>
-                    </a:p>
-                  </a:txBody>
-                  <a:tcPr marL="0" marR="0" marT="0" marB="0" anchor="ctr"/>
-                </a:tc>
-                <a:tc>
-                  <a:txBody>
-                    <a:bodyPr/>
-                    <a:lstStyle/>
-                    <a:p>
-                      <a:pPr algn="ctr"/>
-                      <a:endParaRPr lang="en-US" sz="1400"/>
-                    </a:p>
-                  </a:txBody>
-                  <a:tcPr marL="0" marR="0" marT="0" marB="0" anchor="ctr"/>
-                </a:tc>
-                <a:tc>
-                  <a:txBody>
-                    <a:bodyPr/>
-                    <a:lstStyle/>
-                    <a:p>
-                      <a:pPr algn="ctr"/>
-                      <a:endParaRPr lang="en-US" sz="1400" dirty="0"/>
-                    </a:p>
-                  </a:txBody>
-                  <a:tcPr marL="0" marR="0" marT="0" marB="0" anchor="ctr"/>
-                </a:tc>
-                <a:tc>
-                  <a:txBody>
-                    <a:bodyPr/>
-                    <a:lstStyle/>
-                    <a:p>
-                      <a:pPr algn="ctr"/>
-                      <a:endParaRPr lang="en-US" sz="1400"/>
-                    </a:p>
-                  </a:txBody>
-                  <a:tcPr marL="0" marR="0" marT="0" marB="0" anchor="ctr"/>
-                </a:tc>
-                <a:tc>
-                  <a:txBody>
-                    <a:bodyPr/>
-                    <a:lstStyle/>
-                    <a:p>
-                      <a:pPr algn="ctr"/>
-                      <a:endParaRPr lang="en-US" sz="1400" dirty="0"/>
-                    </a:p>
-                  </a:txBody>
-                  <a:tcPr marL="0" marR="0" marT="0" marB="0" anchor="ctr"/>
-                </a:tc>
-                <a:tc>
-                  <a:txBody>
-                    <a:bodyPr/>
-                    <a:lstStyle/>
-                    <a:p>
-                      <a:pPr algn="ctr"/>
-                      <a:endParaRPr lang="en-US" sz="1400" dirty="0"/>
-                    </a:p>
-                  </a:txBody>
-                  <a:tcPr marL="0" marR="0" marT="0" marB="0" anchor="ctr"/>
-                </a:tc>
-                <a:tc>
-                  <a:txBody>
-                    <a:bodyPr/>
-                    <a:lstStyle/>
-                    <a:p>
-                      <a:pPr algn="ctr"/>
-                      <a:endParaRPr lang="en-US" sz="1400" dirty="0"/>
                     </a:p>
                   </a:txBody>
                   <a:tcPr marL="0" marR="0" marT="0" marB="0" anchor="ctr"/>
@@ -16208,7 +16357,7 @@
                 </a:tc>
                 <a:extLst>
                   <a:ext uri="{0D108BD9-81ED-4DB2-BD59-A6C34878D82A}">
-                    <a16:rowId xmlns:a16="http://schemas.microsoft.com/office/drawing/2014/main" val="3012010536"/>
+                    <a16:rowId xmlns:a16="http://schemas.microsoft.com/office/drawing/2014/main" val="1117610235"/>
                   </a:ext>
                 </a:extLst>
               </a:tr>
@@ -16219,35 +16368,31 @@
                     <a:lstStyle/>
                     <a:p>
                       <a:pPr algn="ctr"/>
+                      <a:endParaRPr lang="en-US" sz="1400" dirty="0"/>
+                    </a:p>
+                  </a:txBody>
+                  <a:tcPr marL="0" marR="0" marT="0" marB="0" anchor="ctr"/>
+                </a:tc>
+                <a:tc>
+                  <a:txBody>
+                    <a:bodyPr/>
+                    <a:lstStyle/>
+                    <a:p>
+                      <a:pPr algn="ctr"/>
                       <a:r>
-                        <a:rPr lang="en-US" sz="1400" dirty="0"/>
-                        <a:t>B</a:t>
-                      </a:r>
-                      <a:endParaRPr lang="en-US" sz="1400" dirty="0">
-                        <a:solidFill>
-                          <a:schemeClr val="accent2">
-                            <a:lumMod val="75000"/>
-                          </a:schemeClr>
-                        </a:solidFill>
-                      </a:endParaRPr>
-                    </a:p>
-                  </a:txBody>
-                  <a:tcPr marL="0" marR="0" marT="0" marB="0" anchor="ctr"/>
-                </a:tc>
-                <a:tc>
-                  <a:txBody>
-                    <a:bodyPr/>
-                    <a:lstStyle/>
-                    <a:p>
-                      <a:pPr algn="ctr"/>
-                      <a:r>
-                        <a:rPr lang="ko-KR" altLang="en-US" sz="1400" strike="sngStrike" dirty="0"/>
-                        <a:t>김희준</a:t>
+                        <a:rPr lang="ko-KR" altLang="en-US" sz="1400" strike="sngStrike" dirty="0">
+                          <a:solidFill>
+                            <a:schemeClr val="bg1">
+                              <a:lumMod val="50000"/>
+                            </a:schemeClr>
+                          </a:solidFill>
+                        </a:rPr>
+                        <a:t>김기홍</a:t>
                       </a:r>
                       <a:endParaRPr lang="en-US" sz="1400" strike="sngStrike" dirty="0">
                         <a:solidFill>
-                          <a:schemeClr val="accent2">
-                            <a:lumMod val="75000"/>
+                          <a:schemeClr val="bg1">
+                            <a:lumMod val="50000"/>
                           </a:schemeClr>
                         </a:solidFill>
                       </a:endParaRPr>
@@ -16380,7 +16525,7 @@
                         <a:defRPr/>
                       </a:pPr>
                       <a:r>
-                        <a:rPr kumimoji="0" lang="en-US" sz="1400" u="none" strike="sngStrike" kern="1200" cap="none" spc="0" normalizeH="0" baseline="0" noProof="0">
+                        <a:rPr kumimoji="0" lang="en-US" sz="1400" u="none" strike="sngStrike" kern="1200" cap="none" spc="0" normalizeH="0" baseline="0" noProof="0" dirty="0">
                           <a:ln>
                             <a:noFill/>
                           </a:ln>
@@ -16390,7 +16535,7 @@
                         </a:rPr>
                         <a:t>X</a:t>
                       </a:r>
-                      <a:endParaRPr kumimoji="0" lang="en-US" sz="1400" b="0" i="0" u="none" strike="sngStrike" kern="1200" cap="none" spc="0" normalizeH="0" baseline="0" noProof="0">
+                      <a:endParaRPr kumimoji="0" lang="en-US" sz="1400" b="0" i="0" u="none" strike="sngStrike" kern="1200" cap="none" spc="0" normalizeH="0" baseline="0" noProof="0" dirty="0">
                         <a:ln>
                           <a:noFill/>
                         </a:ln>
@@ -16431,7 +16576,7 @@
                         <a:defRPr/>
                       </a:pPr>
                       <a:r>
-                        <a:rPr kumimoji="0" lang="en-US" sz="1400" u="none" strike="sngStrike" kern="1200" cap="none" spc="0" normalizeH="0" baseline="0" noProof="0">
+                        <a:rPr kumimoji="0" lang="en-US" sz="1400" u="none" strike="sngStrike" kern="1200" cap="none" spc="0" normalizeH="0" baseline="0" noProof="0" dirty="0">
                           <a:ln>
                             <a:noFill/>
                           </a:ln>
@@ -16441,7 +16586,7 @@
                         </a:rPr>
                         <a:t>X</a:t>
                       </a:r>
-                      <a:endParaRPr kumimoji="0" lang="en-US" sz="1400" b="0" i="0" u="none" strike="sngStrike" kern="1200" cap="none" spc="0" normalizeH="0" baseline="0" noProof="0">
+                      <a:endParaRPr kumimoji="0" lang="en-US" sz="1400" b="0" i="0" u="none" strike="sngStrike" kern="1200" cap="none" spc="0" normalizeH="0" baseline="0" noProof="0" dirty="0">
                         <a:ln>
                           <a:noFill/>
                         </a:ln>
@@ -16806,6 +16951,706 @@
                     <a:lstStyle/>
                     <a:p>
                       <a:pPr algn="ctr"/>
+                      <a:endParaRPr lang="en-US" sz="1400" dirty="0"/>
+                    </a:p>
+                  </a:txBody>
+                  <a:tcPr marL="0" marR="0" marT="0" marB="0" anchor="ctr"/>
+                </a:tc>
+                <a:tc>
+                  <a:txBody>
+                    <a:bodyPr/>
+                    <a:lstStyle/>
+                    <a:p>
+                      <a:pPr algn="ctr"/>
+                      <a:endParaRPr lang="en-US" sz="1400" dirty="0"/>
+                    </a:p>
+                  </a:txBody>
+                  <a:tcPr marL="0" marR="0" marT="0" marB="0" anchor="ctr"/>
+                </a:tc>
+                <a:tc>
+                  <a:txBody>
+                    <a:bodyPr/>
+                    <a:lstStyle/>
+                    <a:p>
+                      <a:pPr algn="ctr"/>
+                      <a:endParaRPr lang="en-US" sz="1400"/>
+                    </a:p>
+                  </a:txBody>
+                  <a:tcPr marL="0" marR="0" marT="0" marB="0" anchor="ctr"/>
+                </a:tc>
+                <a:tc>
+                  <a:txBody>
+                    <a:bodyPr/>
+                    <a:lstStyle/>
+                    <a:p>
+                      <a:pPr algn="ctr"/>
+                      <a:endParaRPr lang="en-US" sz="1400"/>
+                    </a:p>
+                  </a:txBody>
+                  <a:tcPr marL="0" marR="0" marT="0" marB="0" anchor="ctr"/>
+                </a:tc>
+                <a:tc>
+                  <a:txBody>
+                    <a:bodyPr/>
+                    <a:lstStyle/>
+                    <a:p>
+                      <a:pPr algn="ctr"/>
+                      <a:endParaRPr lang="en-US" sz="1400" dirty="0"/>
+                    </a:p>
+                  </a:txBody>
+                  <a:tcPr marL="0" marR="0" marT="0" marB="0" anchor="ctr"/>
+                </a:tc>
+                <a:tc>
+                  <a:txBody>
+                    <a:bodyPr/>
+                    <a:lstStyle/>
+                    <a:p>
+                      <a:pPr algn="ctr"/>
+                      <a:endParaRPr lang="en-US" sz="1400"/>
+                    </a:p>
+                  </a:txBody>
+                  <a:tcPr marL="0" marR="0" marT="0" marB="0" anchor="ctr"/>
+                </a:tc>
+                <a:tc>
+                  <a:txBody>
+                    <a:bodyPr/>
+                    <a:lstStyle/>
+                    <a:p>
+                      <a:pPr algn="ctr"/>
+                      <a:endParaRPr lang="en-US" sz="1400" dirty="0"/>
+                    </a:p>
+                  </a:txBody>
+                  <a:tcPr marL="0" marR="0" marT="0" marB="0" anchor="ctr"/>
+                </a:tc>
+                <a:tc>
+                  <a:txBody>
+                    <a:bodyPr/>
+                    <a:lstStyle/>
+                    <a:p>
+                      <a:pPr algn="ctr"/>
+                      <a:endParaRPr lang="en-US" sz="1400" dirty="0"/>
+                    </a:p>
+                  </a:txBody>
+                  <a:tcPr marL="0" marR="0" marT="0" marB="0" anchor="ctr"/>
+                </a:tc>
+                <a:tc>
+                  <a:txBody>
+                    <a:bodyPr/>
+                    <a:lstStyle/>
+                    <a:p>
+                      <a:pPr algn="ctr"/>
+                      <a:endParaRPr lang="en-US" sz="1400" dirty="0"/>
+                    </a:p>
+                  </a:txBody>
+                  <a:tcPr marL="0" marR="0" marT="0" marB="0" anchor="ctr"/>
+                </a:tc>
+                <a:tc>
+                  <a:txBody>
+                    <a:bodyPr/>
+                    <a:lstStyle/>
+                    <a:p>
+                      <a:pPr algn="ctr"/>
+                      <a:endParaRPr lang="en-US" sz="1400" dirty="0"/>
+                    </a:p>
+                  </a:txBody>
+                  <a:tcPr marL="0" marR="0" marT="0" marB="0" anchor="ctr"/>
+                </a:tc>
+                <a:extLst>
+                  <a:ext uri="{0D108BD9-81ED-4DB2-BD59-A6C34878D82A}">
+                    <a16:rowId xmlns:a16="http://schemas.microsoft.com/office/drawing/2014/main" val="3012010536"/>
+                  </a:ext>
+                </a:extLst>
+              </a:tr>
+              <a:tr h="512232">
+                <a:tc>
+                  <a:txBody>
+                    <a:bodyPr/>
+                    <a:lstStyle/>
+                    <a:p>
+                      <a:pPr algn="ctr"/>
+                      <a:endParaRPr lang="en-US" sz="1400" dirty="0">
+                        <a:solidFill>
+                          <a:schemeClr val="accent2">
+                            <a:lumMod val="75000"/>
+                          </a:schemeClr>
+                        </a:solidFill>
+                      </a:endParaRPr>
+                    </a:p>
+                  </a:txBody>
+                  <a:tcPr marL="0" marR="0" marT="0" marB="0" anchor="ctr"/>
+                </a:tc>
+                <a:tc>
+                  <a:txBody>
+                    <a:bodyPr/>
+                    <a:lstStyle/>
+                    <a:p>
+                      <a:pPr algn="ctr"/>
+                      <a:r>
+                        <a:rPr lang="ko-KR" altLang="en-US" sz="1400" strike="sngStrike" dirty="0"/>
+                        <a:t>김희준</a:t>
+                      </a:r>
+                      <a:endParaRPr lang="en-US" sz="1400" strike="sngStrike" dirty="0">
+                        <a:solidFill>
+                          <a:schemeClr val="accent2">
+                            <a:lumMod val="75000"/>
+                          </a:schemeClr>
+                        </a:solidFill>
+                      </a:endParaRPr>
+                    </a:p>
+                  </a:txBody>
+                  <a:tcPr marL="0" marR="0" marT="0" marB="0" anchor="ctr"/>
+                </a:tc>
+                <a:tc>
+                  <a:txBody>
+                    <a:bodyPr/>
+                    <a:lstStyle/>
+                    <a:p>
+                      <a:pPr marL="0" marR="0" lvl="0" indent="0" algn="ctr" defTabSz="914400" rtl="0" eaLnBrk="1" fontAlgn="auto" latinLnBrk="0" hangingPunct="1">
+                        <a:lnSpc>
+                          <a:spcPct val="100000"/>
+                        </a:lnSpc>
+                        <a:spcBef>
+                          <a:spcPts val="0"/>
+                        </a:spcBef>
+                        <a:spcAft>
+                          <a:spcPts val="0"/>
+                        </a:spcAft>
+                        <a:buClrTx/>
+                        <a:buSzTx/>
+                        <a:buFontTx/>
+                        <a:buNone/>
+                        <a:tabLst/>
+                        <a:defRPr/>
+                      </a:pPr>
+                      <a:r>
+                        <a:rPr kumimoji="0" lang="en-US" sz="1400" u="none" strike="sngStrike" kern="1200" cap="none" spc="0" normalizeH="0" baseline="0" noProof="0" dirty="0">
+                          <a:ln>
+                            <a:noFill/>
+                          </a:ln>
+                          <a:effectLst/>
+                          <a:uLnTx/>
+                          <a:uFillTx/>
+                        </a:rPr>
+                        <a:t>X</a:t>
+                      </a:r>
+                      <a:endParaRPr kumimoji="0" lang="en-US" sz="1400" b="0" i="0" u="none" strike="sngStrike" kern="1200" cap="none" spc="0" normalizeH="0" baseline="0" noProof="0" dirty="0">
+                        <a:ln>
+                          <a:noFill/>
+                        </a:ln>
+                        <a:solidFill>
+                          <a:prstClr val="black"/>
+                        </a:solidFill>
+                        <a:effectLst/>
+                        <a:uLnTx/>
+                        <a:uFillTx/>
+                        <a:latin typeface="Calibri" panose="020F0502020204030204"/>
+                        <a:ea typeface="+mn-ea"/>
+                        <a:cs typeface="+mn-cs"/>
+                      </a:endParaRPr>
+                    </a:p>
+                  </a:txBody>
+                  <a:tcPr marL="0" marR="0" marT="0" marB="0" anchor="ctr"/>
+                </a:tc>
+                <a:tc>
+                  <a:txBody>
+                    <a:bodyPr/>
+                    <a:lstStyle/>
+                    <a:p>
+                      <a:pPr marL="0" marR="0" lvl="0" indent="0" algn="ctr" defTabSz="914400" rtl="0" eaLnBrk="1" fontAlgn="auto" latinLnBrk="0" hangingPunct="1">
+                        <a:lnSpc>
+                          <a:spcPct val="100000"/>
+                        </a:lnSpc>
+                        <a:spcBef>
+                          <a:spcPts val="0"/>
+                        </a:spcBef>
+                        <a:spcAft>
+                          <a:spcPts val="0"/>
+                        </a:spcAft>
+                        <a:buClrTx/>
+                        <a:buSzTx/>
+                        <a:buFontTx/>
+                        <a:buNone/>
+                        <a:tabLst/>
+                        <a:defRPr/>
+                      </a:pPr>
+                      <a:r>
+                        <a:rPr kumimoji="0" lang="en-US" sz="1400" u="none" strike="sngStrike" kern="1200" cap="none" spc="0" normalizeH="0" baseline="0" noProof="0" dirty="0">
+                          <a:ln>
+                            <a:noFill/>
+                          </a:ln>
+                          <a:effectLst/>
+                          <a:uLnTx/>
+                          <a:uFillTx/>
+                        </a:rPr>
+                        <a:t>X</a:t>
+                      </a:r>
+                      <a:endParaRPr kumimoji="0" lang="en-US" sz="1400" b="0" i="0" u="none" strike="sngStrike" kern="1200" cap="none" spc="0" normalizeH="0" baseline="0" noProof="0" dirty="0">
+                        <a:ln>
+                          <a:noFill/>
+                        </a:ln>
+                        <a:solidFill>
+                          <a:prstClr val="black"/>
+                        </a:solidFill>
+                        <a:effectLst/>
+                        <a:uLnTx/>
+                        <a:uFillTx/>
+                        <a:latin typeface="Calibri" panose="020F0502020204030204"/>
+                        <a:ea typeface="+mn-ea"/>
+                        <a:cs typeface="+mn-cs"/>
+                      </a:endParaRPr>
+                    </a:p>
+                  </a:txBody>
+                  <a:tcPr marL="0" marR="0" marT="0" marB="0" anchor="ctr"/>
+                </a:tc>
+                <a:tc>
+                  <a:txBody>
+                    <a:bodyPr/>
+                    <a:lstStyle/>
+                    <a:p>
+                      <a:pPr marL="0" marR="0" lvl="0" indent="0" algn="ctr" defTabSz="914400" rtl="0" eaLnBrk="1" fontAlgn="auto" latinLnBrk="0" hangingPunct="1">
+                        <a:lnSpc>
+                          <a:spcPct val="100000"/>
+                        </a:lnSpc>
+                        <a:spcBef>
+                          <a:spcPts val="0"/>
+                        </a:spcBef>
+                        <a:spcAft>
+                          <a:spcPts val="0"/>
+                        </a:spcAft>
+                        <a:buClrTx/>
+                        <a:buSzTx/>
+                        <a:buFontTx/>
+                        <a:buNone/>
+                        <a:tabLst/>
+                        <a:defRPr/>
+                      </a:pPr>
+                      <a:r>
+                        <a:rPr kumimoji="0" lang="en-US" sz="1400" u="none" strike="sngStrike" kern="1200" cap="none" spc="0" normalizeH="0" baseline="0" noProof="0">
+                          <a:ln>
+                            <a:noFill/>
+                          </a:ln>
+                          <a:effectLst/>
+                          <a:uLnTx/>
+                          <a:uFillTx/>
+                        </a:rPr>
+                        <a:t>X</a:t>
+                      </a:r>
+                      <a:endParaRPr kumimoji="0" lang="en-US" sz="1400" b="0" i="0" u="none" strike="sngStrike" kern="1200" cap="none" spc="0" normalizeH="0" baseline="0" noProof="0">
+                        <a:ln>
+                          <a:noFill/>
+                        </a:ln>
+                        <a:solidFill>
+                          <a:prstClr val="black"/>
+                        </a:solidFill>
+                        <a:effectLst/>
+                        <a:uLnTx/>
+                        <a:uFillTx/>
+                        <a:latin typeface="Calibri" panose="020F0502020204030204"/>
+                        <a:ea typeface="+mn-ea"/>
+                        <a:cs typeface="+mn-cs"/>
+                      </a:endParaRPr>
+                    </a:p>
+                  </a:txBody>
+                  <a:tcPr marL="0" marR="0" marT="0" marB="0" anchor="ctr"/>
+                </a:tc>
+                <a:tc>
+                  <a:txBody>
+                    <a:bodyPr/>
+                    <a:lstStyle/>
+                    <a:p>
+                      <a:pPr marL="0" marR="0" lvl="0" indent="0" algn="ctr" defTabSz="914400" rtl="0" eaLnBrk="1" fontAlgn="auto" latinLnBrk="0" hangingPunct="1">
+                        <a:lnSpc>
+                          <a:spcPct val="100000"/>
+                        </a:lnSpc>
+                        <a:spcBef>
+                          <a:spcPts val="0"/>
+                        </a:spcBef>
+                        <a:spcAft>
+                          <a:spcPts val="0"/>
+                        </a:spcAft>
+                        <a:buClrTx/>
+                        <a:buSzTx/>
+                        <a:buFontTx/>
+                        <a:buNone/>
+                        <a:tabLst/>
+                        <a:defRPr/>
+                      </a:pPr>
+                      <a:r>
+                        <a:rPr kumimoji="0" lang="en-US" sz="1400" u="none" strike="sngStrike" kern="1200" cap="none" spc="0" normalizeH="0" baseline="0" noProof="0">
+                          <a:ln>
+                            <a:noFill/>
+                          </a:ln>
+                          <a:effectLst/>
+                          <a:uLnTx/>
+                          <a:uFillTx/>
+                        </a:rPr>
+                        <a:t>X</a:t>
+                      </a:r>
+                      <a:endParaRPr kumimoji="0" lang="en-US" sz="1400" b="0" i="0" u="none" strike="sngStrike" kern="1200" cap="none" spc="0" normalizeH="0" baseline="0" noProof="0">
+                        <a:ln>
+                          <a:noFill/>
+                        </a:ln>
+                        <a:solidFill>
+                          <a:prstClr val="black"/>
+                        </a:solidFill>
+                        <a:effectLst/>
+                        <a:uLnTx/>
+                        <a:uFillTx/>
+                        <a:latin typeface="Calibri" panose="020F0502020204030204"/>
+                        <a:ea typeface="+mn-ea"/>
+                        <a:cs typeface="+mn-cs"/>
+                      </a:endParaRPr>
+                    </a:p>
+                  </a:txBody>
+                  <a:tcPr marL="0" marR="0" marT="0" marB="0" anchor="ctr"/>
+                </a:tc>
+                <a:tc>
+                  <a:txBody>
+                    <a:bodyPr/>
+                    <a:lstStyle/>
+                    <a:p>
+                      <a:pPr marL="0" marR="0" lvl="0" indent="0" algn="ctr" defTabSz="914400" rtl="0" eaLnBrk="1" fontAlgn="auto" latinLnBrk="0" hangingPunct="1">
+                        <a:lnSpc>
+                          <a:spcPct val="100000"/>
+                        </a:lnSpc>
+                        <a:spcBef>
+                          <a:spcPts val="0"/>
+                        </a:spcBef>
+                        <a:spcAft>
+                          <a:spcPts val="0"/>
+                        </a:spcAft>
+                        <a:buClrTx/>
+                        <a:buSzTx/>
+                        <a:buFontTx/>
+                        <a:buNone/>
+                        <a:tabLst/>
+                        <a:defRPr/>
+                      </a:pPr>
+                      <a:r>
+                        <a:rPr kumimoji="0" lang="en-US" sz="1400" u="none" strike="sngStrike" kern="1200" cap="none" spc="0" normalizeH="0" baseline="0" noProof="0" dirty="0">
+                          <a:ln>
+                            <a:noFill/>
+                          </a:ln>
+                          <a:effectLst/>
+                          <a:uLnTx/>
+                          <a:uFillTx/>
+                        </a:rPr>
+                        <a:t>X</a:t>
+                      </a:r>
+                      <a:endParaRPr kumimoji="0" lang="en-US" sz="1400" b="0" i="0" u="none" strike="sngStrike" kern="1200" cap="none" spc="0" normalizeH="0" baseline="0" noProof="0" dirty="0">
+                        <a:ln>
+                          <a:noFill/>
+                        </a:ln>
+                        <a:solidFill>
+                          <a:prstClr val="black"/>
+                        </a:solidFill>
+                        <a:effectLst/>
+                        <a:uLnTx/>
+                        <a:uFillTx/>
+                        <a:latin typeface="Calibri" panose="020F0502020204030204"/>
+                        <a:ea typeface="+mn-ea"/>
+                        <a:cs typeface="+mn-cs"/>
+                      </a:endParaRPr>
+                    </a:p>
+                  </a:txBody>
+                  <a:tcPr marL="0" marR="0" marT="0" marB="0" anchor="ctr"/>
+                </a:tc>
+                <a:tc>
+                  <a:txBody>
+                    <a:bodyPr/>
+                    <a:lstStyle/>
+                    <a:p>
+                      <a:pPr marL="0" marR="0" lvl="0" indent="0" algn="ctr" defTabSz="914400" rtl="0" eaLnBrk="1" fontAlgn="auto" latinLnBrk="0" hangingPunct="1">
+                        <a:lnSpc>
+                          <a:spcPct val="100000"/>
+                        </a:lnSpc>
+                        <a:spcBef>
+                          <a:spcPts val="0"/>
+                        </a:spcBef>
+                        <a:spcAft>
+                          <a:spcPts val="0"/>
+                        </a:spcAft>
+                        <a:buClrTx/>
+                        <a:buSzTx/>
+                        <a:buFontTx/>
+                        <a:buNone/>
+                        <a:tabLst/>
+                        <a:defRPr/>
+                      </a:pPr>
+                      <a:r>
+                        <a:rPr kumimoji="0" lang="en-US" sz="1400" b="1" u="none" strike="sngStrike" kern="1200" cap="none" spc="0" normalizeH="0" baseline="0" noProof="0" dirty="0">
+                          <a:ln>
+                            <a:noFill/>
+                          </a:ln>
+                          <a:solidFill>
+                            <a:schemeClr val="accent2">
+                              <a:lumMod val="75000"/>
+                            </a:schemeClr>
+                          </a:solidFill>
+                          <a:effectLst/>
+                          <a:uLnTx/>
+                          <a:uFillTx/>
+                        </a:rPr>
+                        <a:t>X</a:t>
+                      </a:r>
+                      <a:endParaRPr kumimoji="0" lang="en-US" sz="1400" b="1" i="0" u="none" strike="sngStrike" kern="1200" cap="none" spc="0" normalizeH="0" baseline="0" noProof="0" dirty="0">
+                        <a:ln>
+                          <a:noFill/>
+                        </a:ln>
+                        <a:solidFill>
+                          <a:schemeClr val="accent2">
+                            <a:lumMod val="75000"/>
+                          </a:schemeClr>
+                        </a:solidFill>
+                        <a:effectLst/>
+                        <a:uLnTx/>
+                        <a:uFillTx/>
+                        <a:latin typeface="Calibri" panose="020F0502020204030204"/>
+                        <a:ea typeface="+mn-ea"/>
+                        <a:cs typeface="+mn-cs"/>
+                      </a:endParaRPr>
+                    </a:p>
+                  </a:txBody>
+                  <a:tcPr marL="0" marR="0" marT="0" marB="0" anchor="ctr"/>
+                </a:tc>
+                <a:tc>
+                  <a:txBody>
+                    <a:bodyPr/>
+                    <a:lstStyle/>
+                    <a:p>
+                      <a:pPr marL="0" marR="0" lvl="0" indent="0" algn="ctr" defTabSz="914400" rtl="0" eaLnBrk="1" fontAlgn="auto" latinLnBrk="0" hangingPunct="1">
+                        <a:lnSpc>
+                          <a:spcPct val="100000"/>
+                        </a:lnSpc>
+                        <a:spcBef>
+                          <a:spcPts val="0"/>
+                        </a:spcBef>
+                        <a:spcAft>
+                          <a:spcPts val="0"/>
+                        </a:spcAft>
+                        <a:buClrTx/>
+                        <a:buSzTx/>
+                        <a:buFontTx/>
+                        <a:buNone/>
+                        <a:tabLst/>
+                        <a:defRPr/>
+                      </a:pPr>
+                      <a:r>
+                        <a:rPr kumimoji="0" lang="en-US" sz="1400" b="1" u="none" strike="sngStrike" kern="1200" cap="none" spc="0" normalizeH="0" baseline="0" noProof="0" dirty="0">
+                          <a:ln>
+                            <a:noFill/>
+                          </a:ln>
+                          <a:solidFill>
+                            <a:schemeClr val="accent2">
+                              <a:lumMod val="75000"/>
+                            </a:schemeClr>
+                          </a:solidFill>
+                          <a:effectLst/>
+                          <a:uLnTx/>
+                          <a:uFillTx/>
+                        </a:rPr>
+                        <a:t>X</a:t>
+                      </a:r>
+                      <a:endParaRPr kumimoji="0" lang="en-US" sz="1400" b="1" i="0" u="none" strike="sngStrike" kern="1200" cap="none" spc="0" normalizeH="0" baseline="0" noProof="0" dirty="0">
+                        <a:ln>
+                          <a:noFill/>
+                        </a:ln>
+                        <a:solidFill>
+                          <a:schemeClr val="accent2">
+                            <a:lumMod val="75000"/>
+                          </a:schemeClr>
+                        </a:solidFill>
+                        <a:effectLst/>
+                        <a:uLnTx/>
+                        <a:uFillTx/>
+                        <a:latin typeface="Calibri" panose="020F0502020204030204"/>
+                        <a:ea typeface="+mn-ea"/>
+                        <a:cs typeface="+mn-cs"/>
+                      </a:endParaRPr>
+                    </a:p>
+                  </a:txBody>
+                  <a:tcPr marL="0" marR="0" marT="0" marB="0" anchor="ctr"/>
+                </a:tc>
+                <a:tc>
+                  <a:txBody>
+                    <a:bodyPr/>
+                    <a:lstStyle/>
+                    <a:p>
+                      <a:pPr marL="0" marR="0" lvl="0" indent="0" algn="ctr" defTabSz="914400" rtl="0" eaLnBrk="1" fontAlgn="auto" latinLnBrk="0" hangingPunct="1">
+                        <a:lnSpc>
+                          <a:spcPct val="100000"/>
+                        </a:lnSpc>
+                        <a:spcBef>
+                          <a:spcPts val="0"/>
+                        </a:spcBef>
+                        <a:spcAft>
+                          <a:spcPts val="0"/>
+                        </a:spcAft>
+                        <a:buClrTx/>
+                        <a:buSzTx/>
+                        <a:buFontTx/>
+                        <a:buNone/>
+                        <a:tabLst/>
+                        <a:defRPr/>
+                      </a:pPr>
+                      <a:r>
+                        <a:rPr kumimoji="0" lang="en-US" sz="1400" b="1" u="none" strike="sngStrike" kern="1200" cap="none" spc="0" normalizeH="0" baseline="0" noProof="0" dirty="0">
+                          <a:ln>
+                            <a:noFill/>
+                          </a:ln>
+                          <a:solidFill>
+                            <a:schemeClr val="accent2">
+                              <a:lumMod val="75000"/>
+                            </a:schemeClr>
+                          </a:solidFill>
+                          <a:effectLst/>
+                          <a:uLnTx/>
+                          <a:uFillTx/>
+                        </a:rPr>
+                        <a:t>X</a:t>
+                      </a:r>
+                      <a:endParaRPr kumimoji="0" lang="en-US" sz="1400" b="1" i="0" u="none" strike="sngStrike" kern="1200" cap="none" spc="0" normalizeH="0" baseline="0" noProof="0" dirty="0">
+                        <a:ln>
+                          <a:noFill/>
+                        </a:ln>
+                        <a:solidFill>
+                          <a:schemeClr val="accent2">
+                            <a:lumMod val="75000"/>
+                          </a:schemeClr>
+                        </a:solidFill>
+                        <a:effectLst/>
+                        <a:uLnTx/>
+                        <a:uFillTx/>
+                        <a:latin typeface="Calibri" panose="020F0502020204030204"/>
+                        <a:ea typeface="+mn-ea"/>
+                        <a:cs typeface="+mn-cs"/>
+                      </a:endParaRPr>
+                    </a:p>
+                  </a:txBody>
+                  <a:tcPr marL="0" marR="0" marT="0" marB="0" anchor="ctr"/>
+                </a:tc>
+                <a:tc>
+                  <a:txBody>
+                    <a:bodyPr/>
+                    <a:lstStyle/>
+                    <a:p>
+                      <a:pPr marL="0" marR="0" lvl="0" indent="0" algn="ctr" defTabSz="914400" rtl="0" eaLnBrk="1" fontAlgn="auto" latinLnBrk="0" hangingPunct="1">
+                        <a:lnSpc>
+                          <a:spcPct val="100000"/>
+                        </a:lnSpc>
+                        <a:spcBef>
+                          <a:spcPts val="0"/>
+                        </a:spcBef>
+                        <a:spcAft>
+                          <a:spcPts val="0"/>
+                        </a:spcAft>
+                        <a:buClrTx/>
+                        <a:buSzTx/>
+                        <a:buFontTx/>
+                        <a:buNone/>
+                        <a:tabLst/>
+                        <a:defRPr/>
+                      </a:pPr>
+                      <a:r>
+                        <a:rPr kumimoji="0" lang="en-US" sz="1400" b="1" u="none" strike="sngStrike" kern="1200" cap="none" spc="0" normalizeH="0" baseline="0" noProof="0" dirty="0">
+                          <a:ln>
+                            <a:noFill/>
+                          </a:ln>
+                          <a:solidFill>
+                            <a:schemeClr val="accent2">
+                              <a:lumMod val="75000"/>
+                            </a:schemeClr>
+                          </a:solidFill>
+                          <a:effectLst/>
+                          <a:uLnTx/>
+                          <a:uFillTx/>
+                        </a:rPr>
+                        <a:t>X</a:t>
+                      </a:r>
+                      <a:endParaRPr kumimoji="0" lang="en-US" sz="1400" b="1" i="0" u="none" strike="sngStrike" kern="1200" cap="none" spc="0" normalizeH="0" baseline="0" noProof="0" dirty="0">
+                        <a:ln>
+                          <a:noFill/>
+                        </a:ln>
+                        <a:solidFill>
+                          <a:schemeClr val="accent2">
+                            <a:lumMod val="75000"/>
+                          </a:schemeClr>
+                        </a:solidFill>
+                        <a:effectLst/>
+                        <a:uLnTx/>
+                        <a:uFillTx/>
+                        <a:latin typeface="Calibri" panose="020F0502020204030204"/>
+                        <a:ea typeface="+mn-ea"/>
+                        <a:cs typeface="+mn-cs"/>
+                      </a:endParaRPr>
+                    </a:p>
+                  </a:txBody>
+                  <a:tcPr marL="0" marR="0" marT="0" marB="0" anchor="ctr"/>
+                </a:tc>
+                <a:tc>
+                  <a:txBody>
+                    <a:bodyPr/>
+                    <a:lstStyle/>
+                    <a:p>
+                      <a:pPr marL="0" marR="0" lvl="0" indent="0" algn="ctr" defTabSz="914400" rtl="0" eaLnBrk="1" fontAlgn="auto" latinLnBrk="0" hangingPunct="1">
+                        <a:lnSpc>
+                          <a:spcPct val="100000"/>
+                        </a:lnSpc>
+                        <a:spcBef>
+                          <a:spcPts val="0"/>
+                        </a:spcBef>
+                        <a:spcAft>
+                          <a:spcPts val="0"/>
+                        </a:spcAft>
+                        <a:buClrTx/>
+                        <a:buSzTx/>
+                        <a:buFontTx/>
+                        <a:buNone/>
+                        <a:tabLst/>
+                        <a:defRPr/>
+                      </a:pPr>
+                      <a:r>
+                        <a:rPr kumimoji="0" lang="en-US" sz="1400" b="1" u="none" strike="sngStrike" kern="1200" cap="none" spc="0" normalizeH="0" baseline="0" noProof="0" dirty="0">
+                          <a:ln>
+                            <a:noFill/>
+                          </a:ln>
+                          <a:solidFill>
+                            <a:schemeClr val="accent2">
+                              <a:lumMod val="75000"/>
+                            </a:schemeClr>
+                          </a:solidFill>
+                          <a:effectLst/>
+                          <a:uLnTx/>
+                          <a:uFillTx/>
+                        </a:rPr>
+                        <a:t>X</a:t>
+                      </a:r>
+                      <a:endParaRPr kumimoji="0" lang="en-US" sz="1400" b="1" i="0" u="none" strike="sngStrike" kern="1200" cap="none" spc="0" normalizeH="0" baseline="0" noProof="0" dirty="0">
+                        <a:ln>
+                          <a:noFill/>
+                        </a:ln>
+                        <a:solidFill>
+                          <a:schemeClr val="accent2">
+                            <a:lumMod val="75000"/>
+                          </a:schemeClr>
+                        </a:solidFill>
+                        <a:effectLst/>
+                        <a:uLnTx/>
+                        <a:uFillTx/>
+                        <a:latin typeface="Calibri" panose="020F0502020204030204"/>
+                        <a:ea typeface="+mn-ea"/>
+                        <a:cs typeface="+mn-cs"/>
+                      </a:endParaRPr>
+                    </a:p>
+                  </a:txBody>
+                  <a:tcPr marL="0" marR="0" marT="0" marB="0" anchor="ctr"/>
+                </a:tc>
+                <a:tc>
+                  <a:txBody>
+                    <a:bodyPr/>
+                    <a:lstStyle/>
+                    <a:p>
+                      <a:pPr algn="ctr"/>
                       <a:endParaRPr lang="en-US" sz="1400">
                         <a:solidFill>
                           <a:schemeClr val="accent2">
@@ -16997,7 +17842,7 @@
           <a:p>
             <a:fld id="{BE0357B1-0FDD-482C-A9DC-A4587093D4A9}" type="datetime1">
               <a:rPr lang="ko-KR" altLang="en-US" smtClean="0"/>
-              <a:t>2019-07-14</a:t>
+              <a:t>2019-07-21</a:t>
             </a:fld>
             <a:endParaRPr lang="en-US"/>
           </a:p>
@@ -17216,7 +18061,7 @@
             <p:ph idx="1"/>
             <p:extLst>
               <p:ext uri="{D42A27DB-BD31-4B8C-83A1-F6EECF244321}">
-                <p14:modId xmlns:p14="http://schemas.microsoft.com/office/powerpoint/2010/main" val="2879588742"/>
+                <p14:modId xmlns:p14="http://schemas.microsoft.com/office/powerpoint/2010/main" val="1512565224"/>
               </p:ext>
             </p:extLst>
           </p:nvPr>
@@ -17992,7 +18837,7 @@
                       <a:pPr algn="ctr"/>
                       <a:r>
                         <a:rPr lang="en-US" sz="1400" dirty="0"/>
-                        <a:t>B</a:t>
+                        <a:t>A</a:t>
                       </a:r>
                       <a:endParaRPr lang="en-US" sz="1400" dirty="0">
                         <a:solidFill>
@@ -18381,7 +19226,7 @@
                       <a:pPr algn="ctr"/>
                       <a:r>
                         <a:rPr lang="en-US" sz="1400" dirty="0"/>
-                        <a:t>B</a:t>
+                        <a:t>A</a:t>
                       </a:r>
                       <a:endParaRPr lang="en-US" sz="1400" dirty="0">
                         <a:solidFill>
@@ -18769,8 +19614,8 @@
                     <a:p>
                       <a:pPr algn="ctr"/>
                       <a:r>
-                        <a:rPr lang="en-US" sz="1400"/>
-                        <a:t>C</a:t>
+                        <a:rPr lang="en-US" sz="1400" dirty="0"/>
+                        <a:t>B</a:t>
                       </a:r>
                     </a:p>
                   </a:txBody>
@@ -19025,8 +19870,8 @@
                     <a:p>
                       <a:pPr algn="ctr"/>
                       <a:r>
-                        <a:rPr lang="en-US" sz="1400"/>
-                        <a:t>C</a:t>
+                        <a:rPr lang="en-US" sz="1400" dirty="0"/>
+                        <a:t>B</a:t>
                       </a:r>
                     </a:p>
                   </a:txBody>
@@ -19280,10 +20125,7 @@
                     <a:lstStyle/>
                     <a:p>
                       <a:pPr algn="ctr"/>
-                      <a:r>
-                        <a:rPr lang="en-US" sz="1400" strike="sngStrike" dirty="0"/>
-                        <a:t>A</a:t>
-                      </a:r>
+                      <a:endParaRPr lang="en-US" sz="1400" dirty="0"/>
                     </a:p>
                   </a:txBody>
                   <a:tcPr marL="0" marR="0" marT="0" marB="0" anchor="ctr"/>
@@ -20456,10 +21298,7 @@
                     <a:lstStyle/>
                     <a:p>
                       <a:pPr algn="ctr"/>
-                      <a:r>
-                        <a:rPr lang="en-US" sz="1400" strike="sngStrike"/>
-                        <a:t>A</a:t>
-                      </a:r>
+                      <a:endParaRPr lang="en-US" sz="1400" dirty="0"/>
                     </a:p>
                   </a:txBody>
                   <a:tcPr marL="0" marR="0" marT="0" marB="0" anchor="ctr"/>
@@ -21464,11 +22303,7 @@
                     <a:lstStyle/>
                     <a:p>
                       <a:pPr algn="ctr"/>
-                      <a:r>
-                        <a:rPr lang="en-US" sz="1400" strike="sngStrike" dirty="0"/>
-                        <a:t>B</a:t>
-                      </a:r>
-                      <a:endParaRPr lang="en-US" sz="1400" strike="sngStrike" dirty="0">
+                      <a:endParaRPr lang="en-US" sz="1400" dirty="0">
                         <a:solidFill>
                           <a:schemeClr val="accent2">
                             <a:lumMod val="75000"/>
@@ -21867,7 +22702,7 @@
           <a:p>
             <a:fld id="{BE0357B1-0FDD-482C-A9DC-A4587093D4A9}" type="datetime1">
               <a:rPr lang="ko-KR" altLang="en-US" smtClean="0"/>
-              <a:t>2019-07-14</a:t>
+              <a:t>2019-07-21</a:t>
             </a:fld>
             <a:endParaRPr lang="en-US"/>
           </a:p>

--- a/110 드론 멘토링 출결 현황 V1.1.pptx
+++ b/110 드론 멘토링 출결 현황 V1.1.pptx
@@ -7964,7 +7964,7 @@
           <a:p>
             <a:fld id="{60456C2F-1F67-44A5-80B0-9C3A6CA33C82}" type="datetimeFigureOut">
               <a:rPr lang="en-US" smtClean="0"/>
-              <a:t>7/21/2019</a:t>
+              <a:t>7/27/2019</a:t>
             </a:fld>
             <a:endParaRPr lang="en-US"/>
           </a:p>
@@ -8363,7 +8363,7 @@
           <a:p>
             <a:fld id="{319B1230-C6B6-4309-80C9-CAB93D465649}" type="datetime1">
               <a:rPr lang="ko-KR" altLang="en-US" smtClean="0"/>
-              <a:t>2019-07-21</a:t>
+              <a:t>2019-07-27</a:t>
             </a:fld>
             <a:endParaRPr lang="en-US"/>
           </a:p>
@@ -8474,7 +8474,7 @@
           <a:p>
             <a:fld id="{924A5E96-5228-467F-80D0-2ECBCC17D15E}" type="datetime1">
               <a:rPr lang="ko-KR" altLang="en-US" smtClean="0"/>
-              <a:t>2019-07-21</a:t>
+              <a:t>2019-07-27</a:t>
             </a:fld>
             <a:endParaRPr lang="en-US"/>
           </a:p>
@@ -8660,7 +8660,7 @@
           <a:p>
             <a:fld id="{BE0357B1-0FDD-482C-A9DC-A4587093D4A9}" type="datetime1">
               <a:rPr lang="ko-KR" altLang="en-US" smtClean="0"/>
-              <a:t>2019-07-21</a:t>
+              <a:t>2019-07-27</a:t>
             </a:fld>
             <a:endParaRPr lang="en-US"/>
           </a:p>
@@ -8923,7 +8923,7 @@
           <a:p>
             <a:fld id="{0D94B2E5-B4C8-4FE9-8181-FA32C14418EE}" type="datetime1">
               <a:rPr lang="ko-KR" altLang="en-US" smtClean="0"/>
-              <a:t>2019-07-21</a:t>
+              <a:t>2019-07-27</a:t>
             </a:fld>
             <a:endParaRPr lang="en-US"/>
           </a:p>
@@ -9251,7 +9251,7 @@
           <a:p>
             <a:fld id="{8F5C8F60-763C-4F84-8F24-DD737445852F}" type="datetime1">
               <a:rPr lang="ko-KR" altLang="en-US" smtClean="0"/>
-              <a:t>2019-07-21</a:t>
+              <a:t>2019-07-27</a:t>
             </a:fld>
             <a:endParaRPr lang="en-US"/>
           </a:p>
@@ -9599,7 +9599,7 @@
           <a:p>
             <a:fld id="{4CC14437-CE76-4CAA-B57D-74630AAA1A81}" type="datetime1">
               <a:rPr lang="ko-KR" altLang="en-US" smtClean="0"/>
-              <a:t>2019-07-21</a:t>
+              <a:t>2019-07-27</a:t>
             </a:fld>
             <a:endParaRPr lang="en-US"/>
           </a:p>
@@ -9890,7 +9890,7 @@
           <a:p>
             <a:fld id="{834AA384-6E8E-4FED-B7E7-E5A1E24200AC}" type="datetime1">
               <a:rPr lang="ko-KR" altLang="en-US" smtClean="0"/>
-              <a:t>2019-07-21</a:t>
+              <a:t>2019-07-27</a:t>
             </a:fld>
             <a:endParaRPr lang="en-US"/>
           </a:p>
@@ -10218,7 +10218,7 @@
           <a:p>
             <a:fld id="{7917DF62-74E6-4230-B273-D0D3CCDE7E84}" type="datetime1">
               <a:rPr lang="ko-KR" altLang="en-US" smtClean="0"/>
-              <a:t>2019-07-21</a:t>
+              <a:t>2019-07-27</a:t>
             </a:fld>
             <a:endParaRPr lang="en-US"/>
           </a:p>
@@ -10644,7 +10644,7 @@
           <a:p>
             <a:fld id="{6B67E599-38F1-4810-B40C-4564238E6F55}" type="datetime1">
               <a:rPr lang="ko-KR" altLang="en-US" smtClean="0"/>
-              <a:t>2019-07-21</a:t>
+              <a:t>2019-07-27</a:t>
             </a:fld>
             <a:endParaRPr lang="en-US"/>
           </a:p>
@@ -10778,7 +10778,7 @@
           <a:p>
             <a:fld id="{FED29414-8F33-4E3F-A952-9544504CA7EE}" type="datetime1">
               <a:rPr lang="ko-KR" altLang="en-US" smtClean="0"/>
-              <a:t>2019-07-21</a:t>
+              <a:t>2019-07-27</a:t>
             </a:fld>
             <a:endParaRPr lang="en-US"/>
           </a:p>
@@ -11057,7 +11057,7 @@
           <a:p>
             <a:fld id="{2605756E-71AC-4422-8513-6CA67E389392}" type="datetime1">
               <a:rPr lang="ko-KR" altLang="en-US" smtClean="0"/>
-              <a:t>2019-07-21</a:t>
+              <a:t>2019-07-27</a:t>
             </a:fld>
             <a:endParaRPr lang="en-US"/>
           </a:p>
@@ -11536,7 +11536,7 @@
             <p:ph idx="1"/>
             <p:extLst>
               <p:ext uri="{D42A27DB-BD31-4B8C-83A1-F6EECF244321}">
-                <p14:modId xmlns:p14="http://schemas.microsoft.com/office/powerpoint/2010/main" val="381804181"/>
+                <p14:modId xmlns:p14="http://schemas.microsoft.com/office/powerpoint/2010/main" val="1615452696"/>
               </p:ext>
             </p:extLst>
           </p:nvPr>
@@ -13064,82 +13064,212 @@
                     <a:bodyPr/>
                     <a:lstStyle/>
                     <a:p>
-                      <a:pPr algn="ctr"/>
-                      <a:endParaRPr lang="en-US" sz="1400">
-                        <a:solidFill>
-                          <a:schemeClr val="accent2">
-                            <a:lumMod val="75000"/>
-                          </a:schemeClr>
-                        </a:solidFill>
-                      </a:endParaRPr>
-                    </a:p>
-                  </a:txBody>
-                  <a:tcPr marL="0" marR="0" marT="0" marB="0" anchor="ctr"/>
-                </a:tc>
-                <a:tc>
-                  <a:txBody>
-                    <a:bodyPr/>
-                    <a:lstStyle/>
-                    <a:p>
-                      <a:pPr algn="ctr"/>
-                      <a:endParaRPr lang="en-US" sz="1400">
-                        <a:solidFill>
-                          <a:schemeClr val="accent2">
-                            <a:lumMod val="75000"/>
-                          </a:schemeClr>
-                        </a:solidFill>
-                      </a:endParaRPr>
-                    </a:p>
-                  </a:txBody>
-                  <a:tcPr marL="0" marR="0" marT="0" marB="0" anchor="ctr"/>
-                </a:tc>
-                <a:tc>
-                  <a:txBody>
-                    <a:bodyPr/>
-                    <a:lstStyle/>
-                    <a:p>
-                      <a:pPr algn="ctr"/>
-                      <a:endParaRPr lang="en-US" sz="1400">
-                        <a:solidFill>
-                          <a:schemeClr val="accent2">
-                            <a:lumMod val="75000"/>
-                          </a:schemeClr>
-                        </a:solidFill>
-                      </a:endParaRPr>
-                    </a:p>
-                  </a:txBody>
-                  <a:tcPr marL="0" marR="0" marT="0" marB="0" anchor="ctr"/>
-                </a:tc>
-                <a:tc>
-                  <a:txBody>
-                    <a:bodyPr/>
-                    <a:lstStyle/>
-                    <a:p>
-                      <a:pPr algn="ctr"/>
-                      <a:endParaRPr lang="en-US" sz="1400">
-                        <a:solidFill>
-                          <a:schemeClr val="accent2">
-                            <a:lumMod val="75000"/>
-                          </a:schemeClr>
-                        </a:solidFill>
-                      </a:endParaRPr>
-                    </a:p>
-                  </a:txBody>
-                  <a:tcPr marL="0" marR="0" marT="0" marB="0" anchor="ctr"/>
-                </a:tc>
-                <a:tc>
-                  <a:txBody>
-                    <a:bodyPr/>
-                    <a:lstStyle/>
-                    <a:p>
-                      <a:pPr algn="ctr"/>
-                      <a:endParaRPr lang="en-US" sz="1400">
-                        <a:solidFill>
-                          <a:schemeClr val="accent2">
-                            <a:lumMod val="75000"/>
-                          </a:schemeClr>
-                        </a:solidFill>
-                      </a:endParaRPr>
+                      <a:pPr marL="0" marR="0" lvl="0" indent="0" algn="ctr" defTabSz="914400" rtl="0" eaLnBrk="1" fontAlgn="auto" latinLnBrk="0" hangingPunct="1">
+                        <a:lnSpc>
+                          <a:spcPct val="100000"/>
+                        </a:lnSpc>
+                        <a:spcBef>
+                          <a:spcPts val="0"/>
+                        </a:spcBef>
+                        <a:spcAft>
+                          <a:spcPts val="0"/>
+                        </a:spcAft>
+                        <a:buClrTx/>
+                        <a:buSzTx/>
+                        <a:buFontTx/>
+                        <a:buNone/>
+                        <a:tabLst/>
+                        <a:defRPr/>
+                      </a:pPr>
+                      <a:r>
+                        <a:rPr kumimoji="0" lang="en-US" sz="1400" b="1" i="0" u="none" strike="noStrike" kern="1200" cap="none" spc="0" normalizeH="0" baseline="0" noProof="0" dirty="0">
+                          <a:ln>
+                            <a:noFill/>
+                          </a:ln>
+                          <a:solidFill>
+                            <a:schemeClr val="accent2"/>
+                          </a:solidFill>
+                          <a:effectLst/>
+                          <a:uLnTx/>
+                          <a:uFillTx/>
+                          <a:latin typeface="Calibri" panose="020F0502020204030204"/>
+                          <a:ea typeface="+mn-ea"/>
+                          <a:cs typeface="+mn-cs"/>
+                        </a:rPr>
+                        <a:t>O</a:t>
+                      </a:r>
+                    </a:p>
+                  </a:txBody>
+                  <a:tcPr marL="0" marR="0" marT="0" marB="0" anchor="ctr"/>
+                </a:tc>
+                <a:tc>
+                  <a:txBody>
+                    <a:bodyPr/>
+                    <a:lstStyle/>
+                    <a:p>
+                      <a:pPr marL="0" marR="0" lvl="0" indent="0" algn="ctr" defTabSz="914400" rtl="0" eaLnBrk="1" fontAlgn="auto" latinLnBrk="0" hangingPunct="1">
+                        <a:lnSpc>
+                          <a:spcPct val="100000"/>
+                        </a:lnSpc>
+                        <a:spcBef>
+                          <a:spcPts val="0"/>
+                        </a:spcBef>
+                        <a:spcAft>
+                          <a:spcPts val="0"/>
+                        </a:spcAft>
+                        <a:buClrTx/>
+                        <a:buSzTx/>
+                        <a:buFontTx/>
+                        <a:buNone/>
+                        <a:tabLst/>
+                        <a:defRPr/>
+                      </a:pPr>
+                      <a:r>
+                        <a:rPr kumimoji="0" lang="en-US" sz="1400" b="1" i="0" u="none" strike="noStrike" kern="1200" cap="none" spc="0" normalizeH="0" baseline="0" noProof="0" dirty="0">
+                          <a:ln>
+                            <a:noFill/>
+                          </a:ln>
+                          <a:solidFill>
+                            <a:schemeClr val="accent2"/>
+                          </a:solidFill>
+                          <a:effectLst/>
+                          <a:uLnTx/>
+                          <a:uFillTx/>
+                          <a:latin typeface="Calibri" panose="020F0502020204030204"/>
+                          <a:ea typeface="+mn-ea"/>
+                          <a:cs typeface="+mn-cs"/>
+                        </a:rPr>
+                        <a:t>O</a:t>
+                      </a:r>
+                    </a:p>
+                  </a:txBody>
+                  <a:tcPr marL="0" marR="0" marT="0" marB="0" anchor="ctr"/>
+                </a:tc>
+                <a:tc>
+                  <a:txBody>
+                    <a:bodyPr/>
+                    <a:lstStyle/>
+                    <a:p>
+                      <a:pPr marL="0" marR="0" lvl="0" indent="0" algn="ctr" defTabSz="914400" rtl="0" eaLnBrk="1" fontAlgn="auto" latinLnBrk="0" hangingPunct="1">
+                        <a:lnSpc>
+                          <a:spcPct val="100000"/>
+                        </a:lnSpc>
+                        <a:spcBef>
+                          <a:spcPts val="0"/>
+                        </a:spcBef>
+                        <a:spcAft>
+                          <a:spcPts val="0"/>
+                        </a:spcAft>
+                        <a:buClrTx/>
+                        <a:buSzTx/>
+                        <a:buFontTx/>
+                        <a:buNone/>
+                        <a:tabLst/>
+                        <a:defRPr/>
+                      </a:pPr>
+                      <a:r>
+                        <a:rPr kumimoji="0" lang="en-US" sz="1400" b="1" i="0" u="none" strike="noStrike" kern="1200" cap="none" spc="0" normalizeH="0" baseline="0" noProof="0" dirty="0">
+                          <a:ln>
+                            <a:noFill/>
+                          </a:ln>
+                          <a:solidFill>
+                            <a:schemeClr val="accent2"/>
+                          </a:solidFill>
+                          <a:effectLst/>
+                          <a:uLnTx/>
+                          <a:uFillTx/>
+                          <a:latin typeface="Calibri" panose="020F0502020204030204"/>
+                          <a:ea typeface="+mn-ea"/>
+                          <a:cs typeface="+mn-cs"/>
+                        </a:rPr>
+                        <a:t>O</a:t>
+                      </a:r>
+                    </a:p>
+                  </a:txBody>
+                  <a:tcPr marL="0" marR="0" marT="0" marB="0" anchor="ctr"/>
+                </a:tc>
+                <a:tc>
+                  <a:txBody>
+                    <a:bodyPr/>
+                    <a:lstStyle/>
+                    <a:p>
+                      <a:pPr marL="0" marR="0" lvl="0" indent="0" algn="ctr" defTabSz="914400" rtl="0" eaLnBrk="1" fontAlgn="auto" latinLnBrk="0" hangingPunct="1">
+                        <a:lnSpc>
+                          <a:spcPct val="100000"/>
+                        </a:lnSpc>
+                        <a:spcBef>
+                          <a:spcPts val="0"/>
+                        </a:spcBef>
+                        <a:spcAft>
+                          <a:spcPts val="0"/>
+                        </a:spcAft>
+                        <a:buClrTx/>
+                        <a:buSzTx/>
+                        <a:buFontTx/>
+                        <a:buNone/>
+                        <a:tabLst/>
+                        <a:defRPr/>
+                      </a:pPr>
+                      <a:r>
+                        <a:rPr kumimoji="0" lang="en-US" sz="1400" b="1" i="0" u="none" strike="noStrike" kern="1200" cap="none" spc="0" normalizeH="0" baseline="0" noProof="0" dirty="0">
+                          <a:ln>
+                            <a:noFill/>
+                          </a:ln>
+                          <a:solidFill>
+                            <a:schemeClr val="accent2"/>
+                          </a:solidFill>
+                          <a:effectLst/>
+                          <a:uLnTx/>
+                          <a:uFillTx/>
+                          <a:latin typeface="Calibri" panose="020F0502020204030204"/>
+                          <a:ea typeface="+mn-ea"/>
+                          <a:cs typeface="+mn-cs"/>
+                        </a:rPr>
+                        <a:t>O</a:t>
+                      </a:r>
+                    </a:p>
+                  </a:txBody>
+                  <a:tcPr marL="0" marR="0" marT="0" marB="0" anchor="ctr"/>
+                </a:tc>
+                <a:tc>
+                  <a:txBody>
+                    <a:bodyPr/>
+                    <a:lstStyle/>
+                    <a:p>
+                      <a:pPr marL="0" marR="0" lvl="0" indent="0" algn="ctr" defTabSz="914400" rtl="0" eaLnBrk="1" fontAlgn="auto" latinLnBrk="0" hangingPunct="1">
+                        <a:lnSpc>
+                          <a:spcPct val="100000"/>
+                        </a:lnSpc>
+                        <a:spcBef>
+                          <a:spcPts val="0"/>
+                        </a:spcBef>
+                        <a:spcAft>
+                          <a:spcPts val="0"/>
+                        </a:spcAft>
+                        <a:buClrTx/>
+                        <a:buSzTx/>
+                        <a:buFontTx/>
+                        <a:buNone/>
+                        <a:tabLst/>
+                        <a:defRPr/>
+                      </a:pPr>
+                      <a:r>
+                        <a:rPr kumimoji="0" lang="en-US" sz="1400" b="1" i="0" u="none" strike="noStrike" kern="1200" cap="none" spc="0" normalizeH="0" baseline="0" noProof="0" dirty="0">
+                          <a:ln>
+                            <a:noFill/>
+                          </a:ln>
+                          <a:solidFill>
+                            <a:schemeClr val="accent2"/>
+                          </a:solidFill>
+                          <a:effectLst/>
+                          <a:uLnTx/>
+                          <a:uFillTx/>
+                          <a:latin typeface="Calibri" panose="020F0502020204030204"/>
+                          <a:ea typeface="+mn-ea"/>
+                          <a:cs typeface="+mn-cs"/>
+                        </a:rPr>
+                        <a:t>O</a:t>
+                      </a:r>
                     </a:p>
                   </a:txBody>
                   <a:tcPr marL="0" marR="0" marT="0" marB="0" anchor="ctr"/>
@@ -13815,13 +13945,52 @@
                     <a:bodyPr/>
                     <a:lstStyle/>
                     <a:p>
-                      <a:pPr algn="ctr"/>
-                      <a:endParaRPr lang="en-US" sz="1400">
+                      <a:pPr marL="0" marR="0" lvl="0" indent="0" algn="ctr" defTabSz="914400" rtl="0" eaLnBrk="1" fontAlgn="auto" latinLnBrk="0" hangingPunct="1">
+                        <a:lnSpc>
+                          <a:spcPct val="100000"/>
+                        </a:lnSpc>
+                        <a:spcBef>
+                          <a:spcPts val="0"/>
+                        </a:spcBef>
+                        <a:spcAft>
+                          <a:spcPts val="0"/>
+                        </a:spcAft>
+                        <a:buClrTx/>
+                        <a:buSzTx/>
+                        <a:buFontTx/>
+                        <a:buNone/>
+                        <a:tabLst/>
+                        <a:defRPr/>
+                      </a:pPr>
+                      <a:r>
+                        <a:rPr kumimoji="0" lang="en-US" sz="1400" b="1" u="none" strike="noStrike" kern="1200" cap="none" spc="0" normalizeH="0" baseline="0" noProof="0" smtClean="0">
+                          <a:ln>
+                            <a:noFill/>
+                          </a:ln>
+                          <a:solidFill>
+                            <a:schemeClr val="accent2">
+                              <a:lumMod val="75000"/>
+                            </a:schemeClr>
+                          </a:solidFill>
+                          <a:effectLst/>
+                          <a:uLnTx/>
+                          <a:uFillTx/>
+                        </a:rPr>
+                        <a:t>X</a:t>
+                      </a:r>
+                      <a:endParaRPr kumimoji="0" lang="en-US" sz="1400" b="1" i="0" u="none" strike="noStrike" kern="1200" cap="none" spc="0" normalizeH="0" baseline="0" noProof="0" dirty="0">
+                        <a:ln>
+                          <a:noFill/>
+                        </a:ln>
                         <a:solidFill>
-                          <a:schemeClr val="accent2">
-                            <a:lumMod val="75000"/>
-                          </a:schemeClr>
+                          <a:schemeClr val="accent2"/>
                         </a:solidFill>
+                        <a:effectLst/>
+                        <a:uLnTx/>
+                        <a:uFillTx/>
+                        <a:latin typeface="Calibri" panose="020F0502020204030204"/>
+                        <a:ea typeface="+mn-ea"/>
+                        <a:cs typeface="+mn-cs"/>
                       </a:endParaRPr>
                     </a:p>
                   </a:txBody>
@@ -13832,65 +14001,169 @@
                     <a:bodyPr/>
                     <a:lstStyle/>
                     <a:p>
-                      <a:pPr algn="ctr"/>
-                      <a:endParaRPr lang="en-US" sz="1400">
-                        <a:solidFill>
-                          <a:schemeClr val="accent2">
-                            <a:lumMod val="75000"/>
-                          </a:schemeClr>
-                        </a:solidFill>
-                      </a:endParaRPr>
-                    </a:p>
-                  </a:txBody>
-                  <a:tcPr marL="0" marR="0" marT="0" marB="0" anchor="ctr"/>
-                </a:tc>
-                <a:tc>
-                  <a:txBody>
-                    <a:bodyPr/>
-                    <a:lstStyle/>
-                    <a:p>
-                      <a:pPr algn="ctr"/>
-                      <a:endParaRPr lang="en-US" sz="1400">
-                        <a:solidFill>
-                          <a:schemeClr val="accent2">
-                            <a:lumMod val="75000"/>
-                          </a:schemeClr>
-                        </a:solidFill>
-                      </a:endParaRPr>
-                    </a:p>
-                  </a:txBody>
-                  <a:tcPr marL="0" marR="0" marT="0" marB="0" anchor="ctr"/>
-                </a:tc>
-                <a:tc>
-                  <a:txBody>
-                    <a:bodyPr/>
-                    <a:lstStyle/>
-                    <a:p>
-                      <a:pPr algn="ctr"/>
-                      <a:endParaRPr lang="en-US" sz="1400">
-                        <a:solidFill>
-                          <a:schemeClr val="accent2">
-                            <a:lumMod val="75000"/>
-                          </a:schemeClr>
-                        </a:solidFill>
-                      </a:endParaRPr>
-                    </a:p>
-                  </a:txBody>
-                  <a:tcPr marL="0" marR="0" marT="0" marB="0" anchor="ctr"/>
-                </a:tc>
-                <a:tc>
-                  <a:txBody>
-                    <a:bodyPr/>
-                    <a:lstStyle/>
-                    <a:p>
-                      <a:pPr algn="ctr"/>
-                      <a:endParaRPr lang="en-US" sz="1400">
-                        <a:solidFill>
-                          <a:schemeClr val="accent2">
-                            <a:lumMod val="75000"/>
-                          </a:schemeClr>
-                        </a:solidFill>
-                      </a:endParaRPr>
+                      <a:pPr marL="0" marR="0" lvl="0" indent="0" algn="ctr" defTabSz="914400" rtl="0" eaLnBrk="1" fontAlgn="auto" latinLnBrk="0" hangingPunct="1">
+                        <a:lnSpc>
+                          <a:spcPct val="100000"/>
+                        </a:lnSpc>
+                        <a:spcBef>
+                          <a:spcPts val="0"/>
+                        </a:spcBef>
+                        <a:spcAft>
+                          <a:spcPts val="0"/>
+                        </a:spcAft>
+                        <a:buClrTx/>
+                        <a:buSzTx/>
+                        <a:buFontTx/>
+                        <a:buNone/>
+                        <a:tabLst/>
+                        <a:defRPr/>
+                      </a:pPr>
+                      <a:r>
+                        <a:rPr kumimoji="0" lang="en-US" sz="1400" b="1" i="0" u="none" strike="noStrike" kern="1200" cap="none" spc="0" normalizeH="0" baseline="0" noProof="0" dirty="0">
+                          <a:ln>
+                            <a:noFill/>
+                          </a:ln>
+                          <a:solidFill>
+                            <a:schemeClr val="accent2"/>
+                          </a:solidFill>
+                          <a:effectLst/>
+                          <a:uLnTx/>
+                          <a:uFillTx/>
+                          <a:latin typeface="Calibri" panose="020F0502020204030204"/>
+                          <a:ea typeface="+mn-ea"/>
+                          <a:cs typeface="+mn-cs"/>
+                        </a:rPr>
+                        <a:t>O</a:t>
+                      </a:r>
+                    </a:p>
+                  </a:txBody>
+                  <a:tcPr marL="0" marR="0" marT="0" marB="0" anchor="ctr"/>
+                </a:tc>
+                <a:tc>
+                  <a:txBody>
+                    <a:bodyPr/>
+                    <a:lstStyle/>
+                    <a:p>
+                      <a:pPr marL="0" marR="0" lvl="0" indent="0" algn="ctr" defTabSz="914400" rtl="0" eaLnBrk="1" fontAlgn="auto" latinLnBrk="0" hangingPunct="1">
+                        <a:lnSpc>
+                          <a:spcPct val="100000"/>
+                        </a:lnSpc>
+                        <a:spcBef>
+                          <a:spcPts val="0"/>
+                        </a:spcBef>
+                        <a:spcAft>
+                          <a:spcPts val="0"/>
+                        </a:spcAft>
+                        <a:buClrTx/>
+                        <a:buSzTx/>
+                        <a:buFontTx/>
+                        <a:buNone/>
+                        <a:tabLst/>
+                        <a:defRPr/>
+                      </a:pPr>
+                      <a:r>
+                        <a:rPr kumimoji="0" lang="en-US" sz="1400" b="1" i="0" u="none" strike="noStrike" kern="1200" cap="none" spc="0" normalizeH="0" baseline="0" noProof="0" dirty="0">
+                          <a:ln>
+                            <a:noFill/>
+                          </a:ln>
+                          <a:solidFill>
+                            <a:schemeClr val="accent2"/>
+                          </a:solidFill>
+                          <a:effectLst/>
+                          <a:uLnTx/>
+                          <a:uFillTx/>
+                          <a:latin typeface="Calibri" panose="020F0502020204030204"/>
+                          <a:ea typeface="+mn-ea"/>
+                          <a:cs typeface="+mn-cs"/>
+                        </a:rPr>
+                        <a:t>O</a:t>
+                      </a:r>
+                    </a:p>
+                  </a:txBody>
+                  <a:tcPr marL="0" marR="0" marT="0" marB="0" anchor="ctr"/>
+                </a:tc>
+                <a:tc>
+                  <a:txBody>
+                    <a:bodyPr/>
+                    <a:lstStyle/>
+                    <a:p>
+                      <a:pPr marL="0" marR="0" lvl="0" indent="0" algn="ctr" defTabSz="914400" rtl="0" eaLnBrk="1" fontAlgn="auto" latinLnBrk="0" hangingPunct="1">
+                        <a:lnSpc>
+                          <a:spcPct val="100000"/>
+                        </a:lnSpc>
+                        <a:spcBef>
+                          <a:spcPts val="0"/>
+                        </a:spcBef>
+                        <a:spcAft>
+                          <a:spcPts val="0"/>
+                        </a:spcAft>
+                        <a:buClrTx/>
+                        <a:buSzTx/>
+                        <a:buFontTx/>
+                        <a:buNone/>
+                        <a:tabLst/>
+                        <a:defRPr/>
+                      </a:pPr>
+                      <a:r>
+                        <a:rPr kumimoji="0" lang="en-US" sz="1400" b="1" i="0" u="none" strike="noStrike" kern="1200" cap="none" spc="0" normalizeH="0" baseline="0" noProof="0" dirty="0">
+                          <a:ln>
+                            <a:noFill/>
+                          </a:ln>
+                          <a:solidFill>
+                            <a:schemeClr val="accent2"/>
+                          </a:solidFill>
+                          <a:effectLst/>
+                          <a:uLnTx/>
+                          <a:uFillTx/>
+                          <a:latin typeface="Calibri" panose="020F0502020204030204"/>
+                          <a:ea typeface="+mn-ea"/>
+                          <a:cs typeface="+mn-cs"/>
+                        </a:rPr>
+                        <a:t>O</a:t>
+                      </a:r>
+                    </a:p>
+                  </a:txBody>
+                  <a:tcPr marL="0" marR="0" marT="0" marB="0" anchor="ctr"/>
+                </a:tc>
+                <a:tc>
+                  <a:txBody>
+                    <a:bodyPr/>
+                    <a:lstStyle/>
+                    <a:p>
+                      <a:pPr marL="0" marR="0" lvl="0" indent="0" algn="ctr" defTabSz="914400" rtl="0" eaLnBrk="1" fontAlgn="auto" latinLnBrk="0" hangingPunct="1">
+                        <a:lnSpc>
+                          <a:spcPct val="100000"/>
+                        </a:lnSpc>
+                        <a:spcBef>
+                          <a:spcPts val="0"/>
+                        </a:spcBef>
+                        <a:spcAft>
+                          <a:spcPts val="0"/>
+                        </a:spcAft>
+                        <a:buClrTx/>
+                        <a:buSzTx/>
+                        <a:buFontTx/>
+                        <a:buNone/>
+                        <a:tabLst/>
+                        <a:defRPr/>
+                      </a:pPr>
+                      <a:r>
+                        <a:rPr kumimoji="0" lang="en-US" sz="1400" b="1" i="0" u="none" strike="noStrike" kern="1200" cap="none" spc="0" normalizeH="0" baseline="0" noProof="0" dirty="0">
+                          <a:ln>
+                            <a:noFill/>
+                          </a:ln>
+                          <a:solidFill>
+                            <a:schemeClr val="accent2"/>
+                          </a:solidFill>
+                          <a:effectLst/>
+                          <a:uLnTx/>
+                          <a:uFillTx/>
+                          <a:latin typeface="Calibri" panose="020F0502020204030204"/>
+                          <a:ea typeface="+mn-ea"/>
+                          <a:cs typeface="+mn-cs"/>
+                        </a:rPr>
+                        <a:t>O</a:t>
+                      </a:r>
                     </a:p>
                   </a:txBody>
                   <a:tcPr marL="0" marR="0" marT="0" marB="0" anchor="ctr"/>
@@ -14601,52 +14874,212 @@
                     <a:bodyPr/>
                     <a:lstStyle/>
                     <a:p>
-                      <a:pPr algn="ctr"/>
-                      <a:endParaRPr lang="en-US" sz="1400"/>
-                    </a:p>
-                  </a:txBody>
-                  <a:tcPr marL="0" marR="0" marT="0" marB="0" anchor="ctr"/>
-                </a:tc>
-                <a:tc>
-                  <a:txBody>
-                    <a:bodyPr/>
-                    <a:lstStyle/>
-                    <a:p>
-                      <a:pPr algn="ctr"/>
-                      <a:endParaRPr lang="en-US" sz="1400"/>
-                    </a:p>
-                  </a:txBody>
-                  <a:tcPr marL="0" marR="0" marT="0" marB="0" anchor="ctr"/>
-                </a:tc>
-                <a:tc>
-                  <a:txBody>
-                    <a:bodyPr/>
-                    <a:lstStyle/>
-                    <a:p>
-                      <a:pPr algn="ctr"/>
-                      <a:endParaRPr lang="en-US" sz="1400"/>
-                    </a:p>
-                  </a:txBody>
-                  <a:tcPr marL="0" marR="0" marT="0" marB="0" anchor="ctr"/>
-                </a:tc>
-                <a:tc>
-                  <a:txBody>
-                    <a:bodyPr/>
-                    <a:lstStyle/>
-                    <a:p>
-                      <a:pPr algn="ctr"/>
-                      <a:endParaRPr lang="en-US" sz="1400"/>
-                    </a:p>
-                  </a:txBody>
-                  <a:tcPr marL="0" marR="0" marT="0" marB="0" anchor="ctr"/>
-                </a:tc>
-                <a:tc>
-                  <a:txBody>
-                    <a:bodyPr/>
-                    <a:lstStyle/>
-                    <a:p>
-                      <a:pPr algn="ctr"/>
-                      <a:endParaRPr lang="en-US" sz="1400"/>
+                      <a:pPr marL="0" marR="0" lvl="0" indent="0" algn="ctr" defTabSz="914400" rtl="0" eaLnBrk="1" fontAlgn="auto" latinLnBrk="0" hangingPunct="1">
+                        <a:lnSpc>
+                          <a:spcPct val="100000"/>
+                        </a:lnSpc>
+                        <a:spcBef>
+                          <a:spcPts val="0"/>
+                        </a:spcBef>
+                        <a:spcAft>
+                          <a:spcPts val="0"/>
+                        </a:spcAft>
+                        <a:buClrTx/>
+                        <a:buSzTx/>
+                        <a:buFontTx/>
+                        <a:buNone/>
+                        <a:tabLst/>
+                        <a:defRPr/>
+                      </a:pPr>
+                      <a:r>
+                        <a:rPr kumimoji="0" lang="en-US" sz="1400" b="1" i="0" u="none" strike="noStrike" kern="1200" cap="none" spc="0" normalizeH="0" baseline="0" noProof="0" dirty="0">
+                          <a:ln>
+                            <a:noFill/>
+                          </a:ln>
+                          <a:solidFill>
+                            <a:schemeClr val="accent2"/>
+                          </a:solidFill>
+                          <a:effectLst/>
+                          <a:uLnTx/>
+                          <a:uFillTx/>
+                          <a:latin typeface="Calibri" panose="020F0502020204030204"/>
+                          <a:ea typeface="+mn-ea"/>
+                          <a:cs typeface="+mn-cs"/>
+                        </a:rPr>
+                        <a:t>O</a:t>
+                      </a:r>
+                    </a:p>
+                  </a:txBody>
+                  <a:tcPr marL="0" marR="0" marT="0" marB="0" anchor="ctr"/>
+                </a:tc>
+                <a:tc>
+                  <a:txBody>
+                    <a:bodyPr/>
+                    <a:lstStyle/>
+                    <a:p>
+                      <a:pPr marL="0" marR="0" lvl="0" indent="0" algn="ctr" defTabSz="914400" rtl="0" eaLnBrk="1" fontAlgn="auto" latinLnBrk="0" hangingPunct="1">
+                        <a:lnSpc>
+                          <a:spcPct val="100000"/>
+                        </a:lnSpc>
+                        <a:spcBef>
+                          <a:spcPts val="0"/>
+                        </a:spcBef>
+                        <a:spcAft>
+                          <a:spcPts val="0"/>
+                        </a:spcAft>
+                        <a:buClrTx/>
+                        <a:buSzTx/>
+                        <a:buFontTx/>
+                        <a:buNone/>
+                        <a:tabLst/>
+                        <a:defRPr/>
+                      </a:pPr>
+                      <a:r>
+                        <a:rPr kumimoji="0" lang="en-US" sz="1400" b="1" i="0" u="none" strike="noStrike" kern="1200" cap="none" spc="0" normalizeH="0" baseline="0" noProof="0" dirty="0">
+                          <a:ln>
+                            <a:noFill/>
+                          </a:ln>
+                          <a:solidFill>
+                            <a:schemeClr val="accent2"/>
+                          </a:solidFill>
+                          <a:effectLst/>
+                          <a:uLnTx/>
+                          <a:uFillTx/>
+                          <a:latin typeface="Calibri" panose="020F0502020204030204"/>
+                          <a:ea typeface="+mn-ea"/>
+                          <a:cs typeface="+mn-cs"/>
+                        </a:rPr>
+                        <a:t>O</a:t>
+                      </a:r>
+                    </a:p>
+                  </a:txBody>
+                  <a:tcPr marL="0" marR="0" marT="0" marB="0" anchor="ctr"/>
+                </a:tc>
+                <a:tc>
+                  <a:txBody>
+                    <a:bodyPr/>
+                    <a:lstStyle/>
+                    <a:p>
+                      <a:pPr marL="0" marR="0" lvl="0" indent="0" algn="ctr" defTabSz="914400" rtl="0" eaLnBrk="1" fontAlgn="auto" latinLnBrk="0" hangingPunct="1">
+                        <a:lnSpc>
+                          <a:spcPct val="100000"/>
+                        </a:lnSpc>
+                        <a:spcBef>
+                          <a:spcPts val="0"/>
+                        </a:spcBef>
+                        <a:spcAft>
+                          <a:spcPts val="0"/>
+                        </a:spcAft>
+                        <a:buClrTx/>
+                        <a:buSzTx/>
+                        <a:buFontTx/>
+                        <a:buNone/>
+                        <a:tabLst/>
+                        <a:defRPr/>
+                      </a:pPr>
+                      <a:r>
+                        <a:rPr kumimoji="0" lang="en-US" sz="1400" b="1" i="0" u="none" strike="noStrike" kern="1200" cap="none" spc="0" normalizeH="0" baseline="0" noProof="0" dirty="0">
+                          <a:ln>
+                            <a:noFill/>
+                          </a:ln>
+                          <a:solidFill>
+                            <a:schemeClr val="accent2"/>
+                          </a:solidFill>
+                          <a:effectLst/>
+                          <a:uLnTx/>
+                          <a:uFillTx/>
+                          <a:latin typeface="Calibri" panose="020F0502020204030204"/>
+                          <a:ea typeface="+mn-ea"/>
+                          <a:cs typeface="+mn-cs"/>
+                        </a:rPr>
+                        <a:t>O</a:t>
+                      </a:r>
+                    </a:p>
+                  </a:txBody>
+                  <a:tcPr marL="0" marR="0" marT="0" marB="0" anchor="ctr"/>
+                </a:tc>
+                <a:tc>
+                  <a:txBody>
+                    <a:bodyPr/>
+                    <a:lstStyle/>
+                    <a:p>
+                      <a:pPr marL="0" marR="0" lvl="0" indent="0" algn="ctr" defTabSz="914400" rtl="0" eaLnBrk="1" fontAlgn="auto" latinLnBrk="0" hangingPunct="1">
+                        <a:lnSpc>
+                          <a:spcPct val="100000"/>
+                        </a:lnSpc>
+                        <a:spcBef>
+                          <a:spcPts val="0"/>
+                        </a:spcBef>
+                        <a:spcAft>
+                          <a:spcPts val="0"/>
+                        </a:spcAft>
+                        <a:buClrTx/>
+                        <a:buSzTx/>
+                        <a:buFontTx/>
+                        <a:buNone/>
+                        <a:tabLst/>
+                        <a:defRPr/>
+                      </a:pPr>
+                      <a:r>
+                        <a:rPr kumimoji="0" lang="en-US" sz="1400" b="1" i="0" u="none" strike="noStrike" kern="1200" cap="none" spc="0" normalizeH="0" baseline="0" noProof="0" dirty="0">
+                          <a:ln>
+                            <a:noFill/>
+                          </a:ln>
+                          <a:solidFill>
+                            <a:schemeClr val="accent2"/>
+                          </a:solidFill>
+                          <a:effectLst/>
+                          <a:uLnTx/>
+                          <a:uFillTx/>
+                          <a:latin typeface="Calibri" panose="020F0502020204030204"/>
+                          <a:ea typeface="+mn-ea"/>
+                          <a:cs typeface="+mn-cs"/>
+                        </a:rPr>
+                        <a:t>O</a:t>
+                      </a:r>
+                    </a:p>
+                  </a:txBody>
+                  <a:tcPr marL="0" marR="0" marT="0" marB="0" anchor="ctr"/>
+                </a:tc>
+                <a:tc>
+                  <a:txBody>
+                    <a:bodyPr/>
+                    <a:lstStyle/>
+                    <a:p>
+                      <a:pPr marL="0" marR="0" lvl="0" indent="0" algn="ctr" defTabSz="914400" rtl="0" eaLnBrk="1" fontAlgn="auto" latinLnBrk="0" hangingPunct="1">
+                        <a:lnSpc>
+                          <a:spcPct val="100000"/>
+                        </a:lnSpc>
+                        <a:spcBef>
+                          <a:spcPts val="0"/>
+                        </a:spcBef>
+                        <a:spcAft>
+                          <a:spcPts val="0"/>
+                        </a:spcAft>
+                        <a:buClrTx/>
+                        <a:buSzTx/>
+                        <a:buFontTx/>
+                        <a:buNone/>
+                        <a:tabLst/>
+                        <a:defRPr/>
+                      </a:pPr>
+                      <a:r>
+                        <a:rPr kumimoji="0" lang="en-US" sz="1400" b="1" i="0" u="none" strike="noStrike" kern="1200" cap="none" spc="0" normalizeH="0" baseline="0" noProof="0" dirty="0">
+                          <a:ln>
+                            <a:noFill/>
+                          </a:ln>
+                          <a:solidFill>
+                            <a:schemeClr val="accent2"/>
+                          </a:solidFill>
+                          <a:effectLst/>
+                          <a:uLnTx/>
+                          <a:uFillTx/>
+                          <a:latin typeface="Calibri" panose="020F0502020204030204"/>
+                          <a:ea typeface="+mn-ea"/>
+                          <a:cs typeface="+mn-cs"/>
+                        </a:rPr>
+                        <a:t>O</a:t>
+                      </a:r>
                     </a:p>
                   </a:txBody>
                   <a:tcPr marL="0" marR="0" marT="0" marB="0" anchor="ctr"/>
@@ -15422,52 +15855,212 @@
                     <a:bodyPr/>
                     <a:lstStyle/>
                     <a:p>
-                      <a:pPr algn="ctr"/>
-                      <a:endParaRPr lang="en-US" sz="1400"/>
-                    </a:p>
-                  </a:txBody>
-                  <a:tcPr marL="0" marR="0" marT="0" marB="0" anchor="ctr"/>
-                </a:tc>
-                <a:tc>
-                  <a:txBody>
-                    <a:bodyPr/>
-                    <a:lstStyle/>
-                    <a:p>
-                      <a:pPr algn="ctr"/>
-                      <a:endParaRPr lang="en-US" sz="1400"/>
-                    </a:p>
-                  </a:txBody>
-                  <a:tcPr marL="0" marR="0" marT="0" marB="0" anchor="ctr"/>
-                </a:tc>
-                <a:tc>
-                  <a:txBody>
-                    <a:bodyPr/>
-                    <a:lstStyle/>
-                    <a:p>
-                      <a:pPr algn="ctr"/>
-                      <a:endParaRPr lang="en-US" sz="1400"/>
-                    </a:p>
-                  </a:txBody>
-                  <a:tcPr marL="0" marR="0" marT="0" marB="0" anchor="ctr"/>
-                </a:tc>
-                <a:tc>
-                  <a:txBody>
-                    <a:bodyPr/>
-                    <a:lstStyle/>
-                    <a:p>
-                      <a:pPr algn="ctr"/>
-                      <a:endParaRPr lang="en-US" sz="1400"/>
-                    </a:p>
-                  </a:txBody>
-                  <a:tcPr marL="0" marR="0" marT="0" marB="0" anchor="ctr"/>
-                </a:tc>
-                <a:tc>
-                  <a:txBody>
-                    <a:bodyPr/>
-                    <a:lstStyle/>
-                    <a:p>
-                      <a:pPr algn="ctr"/>
-                      <a:endParaRPr lang="en-US" sz="1400" dirty="0"/>
+                      <a:pPr marL="0" marR="0" lvl="0" indent="0" algn="ctr" defTabSz="914400" rtl="0" eaLnBrk="1" fontAlgn="auto" latinLnBrk="0" hangingPunct="1">
+                        <a:lnSpc>
+                          <a:spcPct val="100000"/>
+                        </a:lnSpc>
+                        <a:spcBef>
+                          <a:spcPts val="0"/>
+                        </a:spcBef>
+                        <a:spcAft>
+                          <a:spcPts val="0"/>
+                        </a:spcAft>
+                        <a:buClrTx/>
+                        <a:buSzTx/>
+                        <a:buFontTx/>
+                        <a:buNone/>
+                        <a:tabLst/>
+                        <a:defRPr/>
+                      </a:pPr>
+                      <a:r>
+                        <a:rPr kumimoji="0" lang="en-US" sz="1400" b="1" i="0" u="none" strike="noStrike" kern="1200" cap="none" spc="0" normalizeH="0" baseline="0" noProof="0" dirty="0">
+                          <a:ln>
+                            <a:noFill/>
+                          </a:ln>
+                          <a:solidFill>
+                            <a:schemeClr val="accent2"/>
+                          </a:solidFill>
+                          <a:effectLst/>
+                          <a:uLnTx/>
+                          <a:uFillTx/>
+                          <a:latin typeface="Calibri" panose="020F0502020204030204"/>
+                          <a:ea typeface="+mn-ea"/>
+                          <a:cs typeface="+mn-cs"/>
+                        </a:rPr>
+                        <a:t>O</a:t>
+                      </a:r>
+                    </a:p>
+                  </a:txBody>
+                  <a:tcPr marL="0" marR="0" marT="0" marB="0" anchor="ctr"/>
+                </a:tc>
+                <a:tc>
+                  <a:txBody>
+                    <a:bodyPr/>
+                    <a:lstStyle/>
+                    <a:p>
+                      <a:pPr marL="0" marR="0" lvl="0" indent="0" algn="ctr" defTabSz="914400" rtl="0" eaLnBrk="1" fontAlgn="auto" latinLnBrk="0" hangingPunct="1">
+                        <a:lnSpc>
+                          <a:spcPct val="100000"/>
+                        </a:lnSpc>
+                        <a:spcBef>
+                          <a:spcPts val="0"/>
+                        </a:spcBef>
+                        <a:spcAft>
+                          <a:spcPts val="0"/>
+                        </a:spcAft>
+                        <a:buClrTx/>
+                        <a:buSzTx/>
+                        <a:buFontTx/>
+                        <a:buNone/>
+                        <a:tabLst/>
+                        <a:defRPr/>
+                      </a:pPr>
+                      <a:r>
+                        <a:rPr kumimoji="0" lang="en-US" sz="1400" b="1" i="0" u="none" strike="noStrike" kern="1200" cap="none" spc="0" normalizeH="0" baseline="0" noProof="0" dirty="0">
+                          <a:ln>
+                            <a:noFill/>
+                          </a:ln>
+                          <a:solidFill>
+                            <a:schemeClr val="accent2"/>
+                          </a:solidFill>
+                          <a:effectLst/>
+                          <a:uLnTx/>
+                          <a:uFillTx/>
+                          <a:latin typeface="Calibri" panose="020F0502020204030204"/>
+                          <a:ea typeface="+mn-ea"/>
+                          <a:cs typeface="+mn-cs"/>
+                        </a:rPr>
+                        <a:t>O</a:t>
+                      </a:r>
+                    </a:p>
+                  </a:txBody>
+                  <a:tcPr marL="0" marR="0" marT="0" marB="0" anchor="ctr"/>
+                </a:tc>
+                <a:tc>
+                  <a:txBody>
+                    <a:bodyPr/>
+                    <a:lstStyle/>
+                    <a:p>
+                      <a:pPr marL="0" marR="0" lvl="0" indent="0" algn="ctr" defTabSz="914400" rtl="0" eaLnBrk="1" fontAlgn="auto" latinLnBrk="0" hangingPunct="1">
+                        <a:lnSpc>
+                          <a:spcPct val="100000"/>
+                        </a:lnSpc>
+                        <a:spcBef>
+                          <a:spcPts val="0"/>
+                        </a:spcBef>
+                        <a:spcAft>
+                          <a:spcPts val="0"/>
+                        </a:spcAft>
+                        <a:buClrTx/>
+                        <a:buSzTx/>
+                        <a:buFontTx/>
+                        <a:buNone/>
+                        <a:tabLst/>
+                        <a:defRPr/>
+                      </a:pPr>
+                      <a:r>
+                        <a:rPr kumimoji="0" lang="en-US" sz="1400" b="1" i="0" u="none" strike="noStrike" kern="1200" cap="none" spc="0" normalizeH="0" baseline="0" noProof="0" dirty="0">
+                          <a:ln>
+                            <a:noFill/>
+                          </a:ln>
+                          <a:solidFill>
+                            <a:schemeClr val="accent2"/>
+                          </a:solidFill>
+                          <a:effectLst/>
+                          <a:uLnTx/>
+                          <a:uFillTx/>
+                          <a:latin typeface="Calibri" panose="020F0502020204030204"/>
+                          <a:ea typeface="+mn-ea"/>
+                          <a:cs typeface="+mn-cs"/>
+                        </a:rPr>
+                        <a:t>O</a:t>
+                      </a:r>
+                    </a:p>
+                  </a:txBody>
+                  <a:tcPr marL="0" marR="0" marT="0" marB="0" anchor="ctr"/>
+                </a:tc>
+                <a:tc>
+                  <a:txBody>
+                    <a:bodyPr/>
+                    <a:lstStyle/>
+                    <a:p>
+                      <a:pPr marL="0" marR="0" lvl="0" indent="0" algn="ctr" defTabSz="914400" rtl="0" eaLnBrk="1" fontAlgn="auto" latinLnBrk="0" hangingPunct="1">
+                        <a:lnSpc>
+                          <a:spcPct val="100000"/>
+                        </a:lnSpc>
+                        <a:spcBef>
+                          <a:spcPts val="0"/>
+                        </a:spcBef>
+                        <a:spcAft>
+                          <a:spcPts val="0"/>
+                        </a:spcAft>
+                        <a:buClrTx/>
+                        <a:buSzTx/>
+                        <a:buFontTx/>
+                        <a:buNone/>
+                        <a:tabLst/>
+                        <a:defRPr/>
+                      </a:pPr>
+                      <a:r>
+                        <a:rPr kumimoji="0" lang="en-US" sz="1400" b="1" i="0" u="none" strike="noStrike" kern="1200" cap="none" spc="0" normalizeH="0" baseline="0" noProof="0" dirty="0">
+                          <a:ln>
+                            <a:noFill/>
+                          </a:ln>
+                          <a:solidFill>
+                            <a:schemeClr val="accent2"/>
+                          </a:solidFill>
+                          <a:effectLst/>
+                          <a:uLnTx/>
+                          <a:uFillTx/>
+                          <a:latin typeface="Calibri" panose="020F0502020204030204"/>
+                          <a:ea typeface="+mn-ea"/>
+                          <a:cs typeface="+mn-cs"/>
+                        </a:rPr>
+                        <a:t>O</a:t>
+                      </a:r>
+                    </a:p>
+                  </a:txBody>
+                  <a:tcPr marL="0" marR="0" marT="0" marB="0" anchor="ctr"/>
+                </a:tc>
+                <a:tc>
+                  <a:txBody>
+                    <a:bodyPr/>
+                    <a:lstStyle/>
+                    <a:p>
+                      <a:pPr marL="0" marR="0" lvl="0" indent="0" algn="ctr" defTabSz="914400" rtl="0" eaLnBrk="1" fontAlgn="auto" latinLnBrk="0" hangingPunct="1">
+                        <a:lnSpc>
+                          <a:spcPct val="100000"/>
+                        </a:lnSpc>
+                        <a:spcBef>
+                          <a:spcPts val="0"/>
+                        </a:spcBef>
+                        <a:spcAft>
+                          <a:spcPts val="0"/>
+                        </a:spcAft>
+                        <a:buClrTx/>
+                        <a:buSzTx/>
+                        <a:buFontTx/>
+                        <a:buNone/>
+                        <a:tabLst/>
+                        <a:defRPr/>
+                      </a:pPr>
+                      <a:r>
+                        <a:rPr kumimoji="0" lang="en-US" sz="1400" b="1" i="0" u="none" strike="noStrike" kern="1200" cap="none" spc="0" normalizeH="0" baseline="0" noProof="0" dirty="0">
+                          <a:ln>
+                            <a:noFill/>
+                          </a:ln>
+                          <a:solidFill>
+                            <a:schemeClr val="accent2"/>
+                          </a:solidFill>
+                          <a:effectLst/>
+                          <a:uLnTx/>
+                          <a:uFillTx/>
+                          <a:latin typeface="Calibri" panose="020F0502020204030204"/>
+                          <a:ea typeface="+mn-ea"/>
+                          <a:cs typeface="+mn-cs"/>
+                        </a:rPr>
+                        <a:t>O</a:t>
+                      </a:r>
                     </a:p>
                   </a:txBody>
                   <a:tcPr marL="0" marR="0" marT="0" marB="0" anchor="ctr"/>
@@ -17842,7 +18435,7 @@
           <a:p>
             <a:fld id="{BE0357B1-0FDD-482C-A9DC-A4587093D4A9}" type="datetime1">
               <a:rPr lang="ko-KR" altLang="en-US" smtClean="0"/>
-              <a:t>2019-07-21</a:t>
+              <a:t>2019-07-27</a:t>
             </a:fld>
             <a:endParaRPr lang="en-US"/>
           </a:p>
@@ -18061,14 +18654,14 @@
             <p:ph idx="1"/>
             <p:extLst>
               <p:ext uri="{D42A27DB-BD31-4B8C-83A1-F6EECF244321}">
-                <p14:modId xmlns:p14="http://schemas.microsoft.com/office/powerpoint/2010/main" val="1512565224"/>
+                <p14:modId xmlns:p14="http://schemas.microsoft.com/office/powerpoint/2010/main" val="2050294148"/>
               </p:ext>
             </p:extLst>
           </p:nvPr>
         </p:nvGraphicFramePr>
         <p:xfrm>
           <a:off x="681038" y="1255712"/>
-          <a:ext cx="8543931" cy="4433980"/>
+          <a:ext cx="8543931" cy="2897284"/>
         </p:xfrm>
         <a:graphic>
           <a:graphicData uri="http://schemas.openxmlformats.org/drawingml/2006/table">
@@ -20118,2569 +20711,6 @@
                   </a:ext>
                 </a:extLst>
               </a:tr>
-              <a:tr h="512232">
-                <a:tc>
-                  <a:txBody>
-                    <a:bodyPr/>
-                    <a:lstStyle/>
-                    <a:p>
-                      <a:pPr algn="ctr"/>
-                      <a:endParaRPr lang="en-US" sz="1400" dirty="0"/>
-                    </a:p>
-                  </a:txBody>
-                  <a:tcPr marL="0" marR="0" marT="0" marB="0" anchor="ctr"/>
-                </a:tc>
-                <a:tc>
-                  <a:txBody>
-                    <a:bodyPr/>
-                    <a:lstStyle/>
-                    <a:p>
-                      <a:pPr algn="ctr"/>
-                      <a:r>
-                        <a:rPr lang="ko-KR" altLang="en-US" sz="1400" strike="sngStrike" dirty="0"/>
-                        <a:t>김기홍</a:t>
-                      </a:r>
-                      <a:endParaRPr lang="en-US" sz="1400" strike="sngStrike" dirty="0"/>
-                    </a:p>
-                  </a:txBody>
-                  <a:tcPr marL="0" marR="0" marT="0" marB="0" anchor="ctr"/>
-                </a:tc>
-                <a:tc>
-                  <a:txBody>
-                    <a:bodyPr/>
-                    <a:lstStyle/>
-                    <a:p>
-                      <a:pPr marL="0" marR="0" lvl="0" indent="0" algn="ctr" defTabSz="914400" rtl="0" eaLnBrk="1" fontAlgn="auto" latinLnBrk="0" hangingPunct="1">
-                        <a:lnSpc>
-                          <a:spcPct val="100000"/>
-                        </a:lnSpc>
-                        <a:spcBef>
-                          <a:spcPts val="0"/>
-                        </a:spcBef>
-                        <a:spcAft>
-                          <a:spcPts val="0"/>
-                        </a:spcAft>
-                        <a:buClrTx/>
-                        <a:buSzTx/>
-                        <a:buFontTx/>
-                        <a:buNone/>
-                        <a:tabLst/>
-                        <a:defRPr/>
-                      </a:pPr>
-                      <a:r>
-                        <a:rPr kumimoji="0" lang="en-US" sz="1400" b="0" i="0" u="none" strike="sngStrike" kern="1200" cap="none" spc="0" normalizeH="0" baseline="0" noProof="0">
-                          <a:ln>
-                            <a:noFill/>
-                          </a:ln>
-                          <a:solidFill>
-                            <a:prstClr val="black"/>
-                          </a:solidFill>
-                          <a:effectLst/>
-                          <a:uLnTx/>
-                          <a:uFillTx/>
-                          <a:latin typeface="Calibri" panose="020F0502020204030204"/>
-                          <a:ea typeface="+mn-ea"/>
-                          <a:cs typeface="+mn-cs"/>
-                        </a:rPr>
-                        <a:t> </a:t>
-                      </a:r>
-                      <a:endParaRPr kumimoji="0" lang="en-US" sz="1400" b="0" i="0" u="none" strike="sngStrike" kern="1200" cap="none" spc="0" normalizeH="0" baseline="0" noProof="0" dirty="0">
-                        <a:ln>
-                          <a:noFill/>
-                        </a:ln>
-                        <a:solidFill>
-                          <a:prstClr val="black"/>
-                        </a:solidFill>
-                        <a:effectLst/>
-                        <a:uLnTx/>
-                        <a:uFillTx/>
-                        <a:latin typeface="Calibri" panose="020F0502020204030204"/>
-                        <a:ea typeface="+mn-ea"/>
-                        <a:cs typeface="+mn-cs"/>
-                      </a:endParaRPr>
-                    </a:p>
-                  </a:txBody>
-                  <a:tcPr marL="0" marR="0" marT="0" marB="0" anchor="ctr"/>
-                </a:tc>
-                <a:tc>
-                  <a:txBody>
-                    <a:bodyPr/>
-                    <a:lstStyle/>
-                    <a:p>
-                      <a:pPr marL="0" marR="0" lvl="0" indent="0" algn="ctr" defTabSz="914400" rtl="0" eaLnBrk="1" fontAlgn="auto" latinLnBrk="0" hangingPunct="1">
-                        <a:lnSpc>
-                          <a:spcPct val="100000"/>
-                        </a:lnSpc>
-                        <a:spcBef>
-                          <a:spcPts val="0"/>
-                        </a:spcBef>
-                        <a:spcAft>
-                          <a:spcPts val="0"/>
-                        </a:spcAft>
-                        <a:buClrTx/>
-                        <a:buSzTx/>
-                        <a:buFontTx/>
-                        <a:buNone/>
-                        <a:tabLst/>
-                        <a:defRPr/>
-                      </a:pPr>
-                      <a:r>
-                        <a:rPr kumimoji="0" lang="en-US" sz="1400" b="0" i="0" u="none" strike="sngStrike" kern="1200" cap="none" spc="0" normalizeH="0" baseline="0" noProof="0">
-                          <a:ln>
-                            <a:noFill/>
-                          </a:ln>
-                          <a:solidFill>
-                            <a:prstClr val="black"/>
-                          </a:solidFill>
-                          <a:effectLst/>
-                          <a:uLnTx/>
-                          <a:uFillTx/>
-                          <a:latin typeface="Calibri" panose="020F0502020204030204"/>
-                          <a:ea typeface="+mn-ea"/>
-                          <a:cs typeface="+mn-cs"/>
-                        </a:rPr>
-                        <a:t> </a:t>
-                      </a:r>
-                      <a:endParaRPr kumimoji="0" lang="en-US" sz="1400" b="0" i="0" u="none" strike="sngStrike" kern="1200" cap="none" spc="0" normalizeH="0" baseline="0" noProof="0" dirty="0">
-                        <a:ln>
-                          <a:noFill/>
-                        </a:ln>
-                        <a:solidFill>
-                          <a:prstClr val="black"/>
-                        </a:solidFill>
-                        <a:effectLst/>
-                        <a:uLnTx/>
-                        <a:uFillTx/>
-                        <a:latin typeface="Calibri" panose="020F0502020204030204"/>
-                        <a:ea typeface="+mn-ea"/>
-                        <a:cs typeface="+mn-cs"/>
-                      </a:endParaRPr>
-                    </a:p>
-                  </a:txBody>
-                  <a:tcPr marL="0" marR="0" marT="0" marB="0" anchor="ctr"/>
-                </a:tc>
-                <a:tc>
-                  <a:txBody>
-                    <a:bodyPr/>
-                    <a:lstStyle/>
-                    <a:p>
-                      <a:pPr marL="0" marR="0" lvl="0" indent="0" algn="ctr" defTabSz="914400" rtl="0" eaLnBrk="1" fontAlgn="auto" latinLnBrk="0" hangingPunct="1">
-                        <a:lnSpc>
-                          <a:spcPct val="100000"/>
-                        </a:lnSpc>
-                        <a:spcBef>
-                          <a:spcPts val="0"/>
-                        </a:spcBef>
-                        <a:spcAft>
-                          <a:spcPts val="0"/>
-                        </a:spcAft>
-                        <a:buClrTx/>
-                        <a:buSzTx/>
-                        <a:buFontTx/>
-                        <a:buNone/>
-                        <a:tabLst/>
-                        <a:defRPr/>
-                      </a:pPr>
-                      <a:r>
-                        <a:rPr kumimoji="0" lang="en-US" sz="1400" b="0" i="0" u="none" strike="sngStrike" kern="1200" cap="none" spc="0" normalizeH="0" baseline="0" noProof="0">
-                          <a:ln>
-                            <a:noFill/>
-                          </a:ln>
-                          <a:solidFill>
-                            <a:prstClr val="black"/>
-                          </a:solidFill>
-                          <a:effectLst/>
-                          <a:uLnTx/>
-                          <a:uFillTx/>
-                          <a:latin typeface="Calibri" panose="020F0502020204030204"/>
-                          <a:ea typeface="+mn-ea"/>
-                          <a:cs typeface="+mn-cs"/>
-                        </a:rPr>
-                        <a:t> </a:t>
-                      </a:r>
-                      <a:endParaRPr kumimoji="0" lang="en-US" sz="1400" b="0" i="0" u="none" strike="sngStrike" kern="1200" cap="none" spc="0" normalizeH="0" baseline="0" noProof="0" dirty="0">
-                        <a:ln>
-                          <a:noFill/>
-                        </a:ln>
-                        <a:solidFill>
-                          <a:prstClr val="black"/>
-                        </a:solidFill>
-                        <a:effectLst/>
-                        <a:uLnTx/>
-                        <a:uFillTx/>
-                        <a:latin typeface="Calibri" panose="020F0502020204030204"/>
-                        <a:ea typeface="+mn-ea"/>
-                        <a:cs typeface="+mn-cs"/>
-                      </a:endParaRPr>
-                    </a:p>
-                  </a:txBody>
-                  <a:tcPr marL="0" marR="0" marT="0" marB="0" anchor="ctr"/>
-                </a:tc>
-                <a:tc>
-                  <a:txBody>
-                    <a:bodyPr/>
-                    <a:lstStyle/>
-                    <a:p>
-                      <a:pPr marL="0" marR="0" lvl="0" indent="0" algn="ctr" defTabSz="914400" rtl="0" eaLnBrk="1" fontAlgn="auto" latinLnBrk="0" hangingPunct="1">
-                        <a:lnSpc>
-                          <a:spcPct val="100000"/>
-                        </a:lnSpc>
-                        <a:spcBef>
-                          <a:spcPts val="0"/>
-                        </a:spcBef>
-                        <a:spcAft>
-                          <a:spcPts val="0"/>
-                        </a:spcAft>
-                        <a:buClrTx/>
-                        <a:buSzTx/>
-                        <a:buFontTx/>
-                        <a:buNone/>
-                        <a:tabLst/>
-                        <a:defRPr/>
-                      </a:pPr>
-                      <a:r>
-                        <a:rPr kumimoji="0" lang="en-US" sz="1400" b="0" i="0" u="none" strike="sngStrike" kern="1200" cap="none" spc="0" normalizeH="0" baseline="0" noProof="0">
-                          <a:ln>
-                            <a:noFill/>
-                          </a:ln>
-                          <a:solidFill>
-                            <a:prstClr val="black"/>
-                          </a:solidFill>
-                          <a:effectLst/>
-                          <a:uLnTx/>
-                          <a:uFillTx/>
-                          <a:latin typeface="Calibri" panose="020F0502020204030204"/>
-                          <a:ea typeface="+mn-ea"/>
-                          <a:cs typeface="+mn-cs"/>
-                        </a:rPr>
-                        <a:t> </a:t>
-                      </a:r>
-                      <a:endParaRPr kumimoji="0" lang="en-US" sz="1400" b="0" i="0" u="none" strike="sngStrike" kern="1200" cap="none" spc="0" normalizeH="0" baseline="0" noProof="0" dirty="0">
-                        <a:ln>
-                          <a:noFill/>
-                        </a:ln>
-                        <a:solidFill>
-                          <a:prstClr val="black"/>
-                        </a:solidFill>
-                        <a:effectLst/>
-                        <a:uLnTx/>
-                        <a:uFillTx/>
-                        <a:latin typeface="Calibri" panose="020F0502020204030204"/>
-                        <a:ea typeface="+mn-ea"/>
-                        <a:cs typeface="+mn-cs"/>
-                      </a:endParaRPr>
-                    </a:p>
-                  </a:txBody>
-                  <a:tcPr marL="0" marR="0" marT="0" marB="0" anchor="ctr"/>
-                </a:tc>
-                <a:tc>
-                  <a:txBody>
-                    <a:bodyPr/>
-                    <a:lstStyle/>
-                    <a:p>
-                      <a:pPr marL="0" marR="0" lvl="0" indent="0" algn="ctr" defTabSz="914400" rtl="0" eaLnBrk="1" fontAlgn="auto" latinLnBrk="0" hangingPunct="1">
-                        <a:lnSpc>
-                          <a:spcPct val="100000"/>
-                        </a:lnSpc>
-                        <a:spcBef>
-                          <a:spcPts val="0"/>
-                        </a:spcBef>
-                        <a:spcAft>
-                          <a:spcPts val="0"/>
-                        </a:spcAft>
-                        <a:buClrTx/>
-                        <a:buSzTx/>
-                        <a:buFontTx/>
-                        <a:buNone/>
-                        <a:tabLst/>
-                        <a:defRPr/>
-                      </a:pPr>
-                      <a:r>
-                        <a:rPr kumimoji="0" lang="en-US" sz="1400" b="0" i="0" u="none" strike="sngStrike" kern="1200" cap="none" spc="0" normalizeH="0" baseline="0" noProof="0">
-                          <a:ln>
-                            <a:noFill/>
-                          </a:ln>
-                          <a:solidFill>
-                            <a:prstClr val="black"/>
-                          </a:solidFill>
-                          <a:effectLst/>
-                          <a:uLnTx/>
-                          <a:uFillTx/>
-                          <a:latin typeface="Calibri" panose="020F0502020204030204"/>
-                          <a:ea typeface="+mn-ea"/>
-                          <a:cs typeface="+mn-cs"/>
-                        </a:rPr>
-                        <a:t> </a:t>
-                      </a:r>
-                      <a:endParaRPr kumimoji="0" lang="en-US" sz="1400" b="0" i="0" u="none" strike="sngStrike" kern="1200" cap="none" spc="0" normalizeH="0" baseline="0" noProof="0" dirty="0">
-                        <a:ln>
-                          <a:noFill/>
-                        </a:ln>
-                        <a:solidFill>
-                          <a:prstClr val="black"/>
-                        </a:solidFill>
-                        <a:effectLst/>
-                        <a:uLnTx/>
-                        <a:uFillTx/>
-                        <a:latin typeface="Calibri" panose="020F0502020204030204"/>
-                        <a:ea typeface="+mn-ea"/>
-                        <a:cs typeface="+mn-cs"/>
-                      </a:endParaRPr>
-                    </a:p>
-                  </a:txBody>
-                  <a:tcPr marL="0" marR="0" marT="0" marB="0" anchor="ctr"/>
-                </a:tc>
-                <a:tc>
-                  <a:txBody>
-                    <a:bodyPr/>
-                    <a:lstStyle/>
-                    <a:p>
-                      <a:pPr marL="0" marR="0" lvl="0" indent="0" algn="ctr" defTabSz="914400" rtl="0" eaLnBrk="1" fontAlgn="auto" latinLnBrk="0" hangingPunct="1">
-                        <a:lnSpc>
-                          <a:spcPct val="100000"/>
-                        </a:lnSpc>
-                        <a:spcBef>
-                          <a:spcPts val="0"/>
-                        </a:spcBef>
-                        <a:spcAft>
-                          <a:spcPts val="0"/>
-                        </a:spcAft>
-                        <a:buClrTx/>
-                        <a:buSzTx/>
-                        <a:buFontTx/>
-                        <a:buNone/>
-                        <a:tabLst/>
-                        <a:defRPr/>
-                      </a:pPr>
-                      <a:r>
-                        <a:rPr kumimoji="0" lang="en-US" sz="1400" b="0" i="0" u="none" strike="sngStrike" kern="1200" cap="none" spc="0" normalizeH="0" baseline="0" noProof="0">
-                          <a:ln>
-                            <a:noFill/>
-                          </a:ln>
-                          <a:solidFill>
-                            <a:prstClr val="black"/>
-                          </a:solidFill>
-                          <a:effectLst/>
-                          <a:uLnTx/>
-                          <a:uFillTx/>
-                          <a:latin typeface="Calibri" panose="020F0502020204030204"/>
-                          <a:ea typeface="+mn-ea"/>
-                          <a:cs typeface="+mn-cs"/>
-                        </a:rPr>
-                        <a:t> </a:t>
-                      </a:r>
-                      <a:endParaRPr kumimoji="0" lang="en-US" sz="1400" b="0" i="0" u="none" strike="sngStrike" kern="1200" cap="none" spc="0" normalizeH="0" baseline="0" noProof="0" dirty="0">
-                        <a:ln>
-                          <a:noFill/>
-                        </a:ln>
-                        <a:solidFill>
-                          <a:prstClr val="black"/>
-                        </a:solidFill>
-                        <a:effectLst/>
-                        <a:uLnTx/>
-                        <a:uFillTx/>
-                        <a:latin typeface="Calibri" panose="020F0502020204030204"/>
-                        <a:ea typeface="+mn-ea"/>
-                        <a:cs typeface="+mn-cs"/>
-                      </a:endParaRPr>
-                    </a:p>
-                  </a:txBody>
-                  <a:tcPr marL="0" marR="0" marT="0" marB="0" anchor="ctr"/>
-                </a:tc>
-                <a:tc>
-                  <a:txBody>
-                    <a:bodyPr/>
-                    <a:lstStyle/>
-                    <a:p>
-                      <a:pPr marL="0" marR="0" lvl="0" indent="0" algn="ctr" defTabSz="914400" rtl="0" eaLnBrk="1" fontAlgn="auto" latinLnBrk="0" hangingPunct="1">
-                        <a:lnSpc>
-                          <a:spcPct val="100000"/>
-                        </a:lnSpc>
-                        <a:spcBef>
-                          <a:spcPts val="0"/>
-                        </a:spcBef>
-                        <a:spcAft>
-                          <a:spcPts val="0"/>
-                        </a:spcAft>
-                        <a:buClrTx/>
-                        <a:buSzTx/>
-                        <a:buFontTx/>
-                        <a:buNone/>
-                        <a:tabLst/>
-                        <a:defRPr/>
-                      </a:pPr>
-                      <a:r>
-                        <a:rPr kumimoji="0" lang="en-US" sz="1400" b="0" i="0" u="none" strike="sngStrike" kern="1200" cap="none" spc="0" normalizeH="0" baseline="0" noProof="0">
-                          <a:ln>
-                            <a:noFill/>
-                          </a:ln>
-                          <a:solidFill>
-                            <a:prstClr val="black"/>
-                          </a:solidFill>
-                          <a:effectLst/>
-                          <a:uLnTx/>
-                          <a:uFillTx/>
-                          <a:latin typeface="Calibri" panose="020F0502020204030204"/>
-                          <a:ea typeface="+mn-ea"/>
-                          <a:cs typeface="+mn-cs"/>
-                        </a:rPr>
-                        <a:t> </a:t>
-                      </a:r>
-                      <a:endParaRPr kumimoji="0" lang="en-US" sz="1400" b="0" i="0" u="none" strike="sngStrike" kern="1200" cap="none" spc="0" normalizeH="0" baseline="0" noProof="0" dirty="0">
-                        <a:ln>
-                          <a:noFill/>
-                        </a:ln>
-                        <a:solidFill>
-                          <a:prstClr val="black"/>
-                        </a:solidFill>
-                        <a:effectLst/>
-                        <a:uLnTx/>
-                        <a:uFillTx/>
-                        <a:latin typeface="Calibri" panose="020F0502020204030204"/>
-                        <a:ea typeface="+mn-ea"/>
-                        <a:cs typeface="+mn-cs"/>
-                      </a:endParaRPr>
-                    </a:p>
-                  </a:txBody>
-                  <a:tcPr marL="0" marR="0" marT="0" marB="0" anchor="ctr"/>
-                </a:tc>
-                <a:tc>
-                  <a:txBody>
-                    <a:bodyPr/>
-                    <a:lstStyle/>
-                    <a:p>
-                      <a:pPr marL="0" marR="0" lvl="0" indent="0" algn="ctr" defTabSz="914400" rtl="0" eaLnBrk="1" fontAlgn="auto" latinLnBrk="0" hangingPunct="1">
-                        <a:lnSpc>
-                          <a:spcPct val="100000"/>
-                        </a:lnSpc>
-                        <a:spcBef>
-                          <a:spcPts val="0"/>
-                        </a:spcBef>
-                        <a:spcAft>
-                          <a:spcPts val="0"/>
-                        </a:spcAft>
-                        <a:buClrTx/>
-                        <a:buSzTx/>
-                        <a:buFontTx/>
-                        <a:buNone/>
-                        <a:tabLst/>
-                        <a:defRPr/>
-                      </a:pPr>
-                      <a:r>
-                        <a:rPr kumimoji="0" lang="en-US" sz="1400" b="0" i="0" u="none" strike="sngStrike" kern="1200" cap="none" spc="0" normalizeH="0" baseline="0" noProof="0">
-                          <a:ln>
-                            <a:noFill/>
-                          </a:ln>
-                          <a:solidFill>
-                            <a:prstClr val="black"/>
-                          </a:solidFill>
-                          <a:effectLst/>
-                          <a:uLnTx/>
-                          <a:uFillTx/>
-                          <a:latin typeface="Calibri" panose="020F0502020204030204"/>
-                          <a:ea typeface="+mn-ea"/>
-                          <a:cs typeface="+mn-cs"/>
-                        </a:rPr>
-                        <a:t> </a:t>
-                      </a:r>
-                      <a:endParaRPr kumimoji="0" lang="en-US" sz="1400" b="0" i="0" u="none" strike="sngStrike" kern="1200" cap="none" spc="0" normalizeH="0" baseline="0" noProof="0" dirty="0">
-                        <a:ln>
-                          <a:noFill/>
-                        </a:ln>
-                        <a:solidFill>
-                          <a:prstClr val="black"/>
-                        </a:solidFill>
-                        <a:effectLst/>
-                        <a:uLnTx/>
-                        <a:uFillTx/>
-                        <a:latin typeface="Calibri" panose="020F0502020204030204"/>
-                        <a:ea typeface="+mn-ea"/>
-                        <a:cs typeface="+mn-cs"/>
-                      </a:endParaRPr>
-                    </a:p>
-                  </a:txBody>
-                  <a:tcPr marL="0" marR="0" marT="0" marB="0" anchor="ctr"/>
-                </a:tc>
-                <a:tc>
-                  <a:txBody>
-                    <a:bodyPr/>
-                    <a:lstStyle/>
-                    <a:p>
-                      <a:pPr marL="0" marR="0" lvl="0" indent="0" algn="ctr" defTabSz="914400" rtl="0" eaLnBrk="1" fontAlgn="auto" latinLnBrk="0" hangingPunct="1">
-                        <a:lnSpc>
-                          <a:spcPct val="100000"/>
-                        </a:lnSpc>
-                        <a:spcBef>
-                          <a:spcPts val="0"/>
-                        </a:spcBef>
-                        <a:spcAft>
-                          <a:spcPts val="0"/>
-                        </a:spcAft>
-                        <a:buClrTx/>
-                        <a:buSzTx/>
-                        <a:buFontTx/>
-                        <a:buNone/>
-                        <a:tabLst/>
-                        <a:defRPr/>
-                      </a:pPr>
-                      <a:r>
-                        <a:rPr kumimoji="0" lang="en-US" sz="1400" b="0" i="0" u="none" strike="sngStrike" kern="1200" cap="none" spc="0" normalizeH="0" baseline="0" noProof="0">
-                          <a:ln>
-                            <a:noFill/>
-                          </a:ln>
-                          <a:solidFill>
-                            <a:prstClr val="black"/>
-                          </a:solidFill>
-                          <a:effectLst/>
-                          <a:uLnTx/>
-                          <a:uFillTx/>
-                          <a:latin typeface="Calibri" panose="020F0502020204030204"/>
-                          <a:ea typeface="+mn-ea"/>
-                          <a:cs typeface="+mn-cs"/>
-                        </a:rPr>
-                        <a:t> </a:t>
-                      </a:r>
-                      <a:endParaRPr kumimoji="0" lang="en-US" sz="1400" b="0" i="0" u="none" strike="sngStrike" kern="1200" cap="none" spc="0" normalizeH="0" baseline="0" noProof="0" dirty="0">
-                        <a:ln>
-                          <a:noFill/>
-                        </a:ln>
-                        <a:solidFill>
-                          <a:prstClr val="black"/>
-                        </a:solidFill>
-                        <a:effectLst/>
-                        <a:uLnTx/>
-                        <a:uFillTx/>
-                        <a:latin typeface="Calibri" panose="020F0502020204030204"/>
-                        <a:ea typeface="+mn-ea"/>
-                        <a:cs typeface="+mn-cs"/>
-                      </a:endParaRPr>
-                    </a:p>
-                  </a:txBody>
-                  <a:tcPr marL="0" marR="0" marT="0" marB="0" anchor="ctr"/>
-                </a:tc>
-                <a:tc>
-                  <a:txBody>
-                    <a:bodyPr/>
-                    <a:lstStyle/>
-                    <a:p>
-                      <a:pPr marL="0" marR="0" lvl="0" indent="0" algn="ctr" defTabSz="914400" rtl="0" eaLnBrk="1" fontAlgn="auto" latinLnBrk="0" hangingPunct="1">
-                        <a:lnSpc>
-                          <a:spcPct val="100000"/>
-                        </a:lnSpc>
-                        <a:spcBef>
-                          <a:spcPts val="0"/>
-                        </a:spcBef>
-                        <a:spcAft>
-                          <a:spcPts val="0"/>
-                        </a:spcAft>
-                        <a:buClrTx/>
-                        <a:buSzTx/>
-                        <a:buFontTx/>
-                        <a:buNone/>
-                        <a:tabLst/>
-                        <a:defRPr/>
-                      </a:pPr>
-                      <a:r>
-                        <a:rPr kumimoji="0" lang="en-US" sz="1400" b="0" i="0" u="none" strike="sngStrike" kern="1200" cap="none" spc="0" normalizeH="0" baseline="0" noProof="0">
-                          <a:ln>
-                            <a:noFill/>
-                          </a:ln>
-                          <a:solidFill>
-                            <a:prstClr val="black"/>
-                          </a:solidFill>
-                          <a:effectLst/>
-                          <a:uLnTx/>
-                          <a:uFillTx/>
-                          <a:latin typeface="Calibri" panose="020F0502020204030204"/>
-                          <a:ea typeface="+mn-ea"/>
-                          <a:cs typeface="+mn-cs"/>
-                        </a:rPr>
-                        <a:t> </a:t>
-                      </a:r>
-                      <a:endParaRPr kumimoji="0" lang="en-US" sz="1400" b="0" i="0" u="none" strike="sngStrike" kern="1200" cap="none" spc="0" normalizeH="0" baseline="0" noProof="0" dirty="0">
-                        <a:ln>
-                          <a:noFill/>
-                        </a:ln>
-                        <a:solidFill>
-                          <a:prstClr val="black"/>
-                        </a:solidFill>
-                        <a:effectLst/>
-                        <a:uLnTx/>
-                        <a:uFillTx/>
-                        <a:latin typeface="Calibri" panose="020F0502020204030204"/>
-                        <a:ea typeface="+mn-ea"/>
-                        <a:cs typeface="+mn-cs"/>
-                      </a:endParaRPr>
-                    </a:p>
-                  </a:txBody>
-                  <a:tcPr marL="0" marR="0" marT="0" marB="0" anchor="ctr"/>
-                </a:tc>
-                <a:tc>
-                  <a:txBody>
-                    <a:bodyPr/>
-                    <a:lstStyle/>
-                    <a:p>
-                      <a:pPr marL="0" marR="0" lvl="0" indent="0" algn="ctr" defTabSz="914400" rtl="0" eaLnBrk="1" fontAlgn="auto" latinLnBrk="0" hangingPunct="1">
-                        <a:lnSpc>
-                          <a:spcPct val="100000"/>
-                        </a:lnSpc>
-                        <a:spcBef>
-                          <a:spcPts val="0"/>
-                        </a:spcBef>
-                        <a:spcAft>
-                          <a:spcPts val="0"/>
-                        </a:spcAft>
-                        <a:buClrTx/>
-                        <a:buSzTx/>
-                        <a:buFontTx/>
-                        <a:buNone/>
-                        <a:tabLst/>
-                        <a:defRPr/>
-                      </a:pPr>
-                      <a:r>
-                        <a:rPr kumimoji="0" lang="en-US" sz="1400" b="0" i="0" u="none" strike="sngStrike" kern="1200" cap="none" spc="0" normalizeH="0" baseline="0" noProof="0">
-                          <a:ln>
-                            <a:noFill/>
-                          </a:ln>
-                          <a:solidFill>
-                            <a:prstClr val="black"/>
-                          </a:solidFill>
-                          <a:effectLst/>
-                          <a:uLnTx/>
-                          <a:uFillTx/>
-                          <a:latin typeface="Calibri" panose="020F0502020204030204"/>
-                          <a:ea typeface="+mn-ea"/>
-                          <a:cs typeface="+mn-cs"/>
-                        </a:rPr>
-                        <a:t> </a:t>
-                      </a:r>
-                      <a:endParaRPr kumimoji="0" lang="en-US" sz="1400" b="0" i="0" u="none" strike="sngStrike" kern="1200" cap="none" spc="0" normalizeH="0" baseline="0" noProof="0" dirty="0">
-                        <a:ln>
-                          <a:noFill/>
-                        </a:ln>
-                        <a:solidFill>
-                          <a:prstClr val="black"/>
-                        </a:solidFill>
-                        <a:effectLst/>
-                        <a:uLnTx/>
-                        <a:uFillTx/>
-                        <a:latin typeface="Calibri" panose="020F0502020204030204"/>
-                        <a:ea typeface="+mn-ea"/>
-                        <a:cs typeface="+mn-cs"/>
-                      </a:endParaRPr>
-                    </a:p>
-                  </a:txBody>
-                  <a:tcPr marL="0" marR="0" marT="0" marB="0" anchor="ctr"/>
-                </a:tc>
-                <a:tc>
-                  <a:txBody>
-                    <a:bodyPr/>
-                    <a:lstStyle/>
-                    <a:p>
-                      <a:pPr marL="0" marR="0" lvl="0" indent="0" algn="ctr" defTabSz="914400" rtl="0" eaLnBrk="1" fontAlgn="auto" latinLnBrk="0" hangingPunct="1">
-                        <a:lnSpc>
-                          <a:spcPct val="100000"/>
-                        </a:lnSpc>
-                        <a:spcBef>
-                          <a:spcPts val="0"/>
-                        </a:spcBef>
-                        <a:spcAft>
-                          <a:spcPts val="0"/>
-                        </a:spcAft>
-                        <a:buClrTx/>
-                        <a:buSzTx/>
-                        <a:buFontTx/>
-                        <a:buNone/>
-                        <a:tabLst/>
-                        <a:defRPr/>
-                      </a:pPr>
-                      <a:r>
-                        <a:rPr kumimoji="0" lang="en-US" sz="1400" b="0" i="0" u="none" strike="sngStrike" kern="1200" cap="none" spc="0" normalizeH="0" baseline="0" noProof="0">
-                          <a:ln>
-                            <a:noFill/>
-                          </a:ln>
-                          <a:solidFill>
-                            <a:prstClr val="black"/>
-                          </a:solidFill>
-                          <a:effectLst/>
-                          <a:uLnTx/>
-                          <a:uFillTx/>
-                          <a:latin typeface="Calibri" panose="020F0502020204030204"/>
-                          <a:ea typeface="+mn-ea"/>
-                          <a:cs typeface="+mn-cs"/>
-                        </a:rPr>
-                        <a:t> </a:t>
-                      </a:r>
-                      <a:endParaRPr kumimoji="0" lang="en-US" sz="1400" b="0" i="0" u="none" strike="sngStrike" kern="1200" cap="none" spc="0" normalizeH="0" baseline="0" noProof="0" dirty="0">
-                        <a:ln>
-                          <a:noFill/>
-                        </a:ln>
-                        <a:solidFill>
-                          <a:prstClr val="black"/>
-                        </a:solidFill>
-                        <a:effectLst/>
-                        <a:uLnTx/>
-                        <a:uFillTx/>
-                        <a:latin typeface="Calibri" panose="020F0502020204030204"/>
-                        <a:ea typeface="+mn-ea"/>
-                        <a:cs typeface="+mn-cs"/>
-                      </a:endParaRPr>
-                    </a:p>
-                  </a:txBody>
-                  <a:tcPr marL="0" marR="0" marT="0" marB="0" anchor="ctr"/>
-                </a:tc>
-                <a:tc>
-                  <a:txBody>
-                    <a:bodyPr/>
-                    <a:lstStyle/>
-                    <a:p>
-                      <a:pPr marL="0" marR="0" lvl="0" indent="0" algn="ctr" defTabSz="914400" rtl="0" eaLnBrk="1" fontAlgn="auto" latinLnBrk="0" hangingPunct="1">
-                        <a:lnSpc>
-                          <a:spcPct val="100000"/>
-                        </a:lnSpc>
-                        <a:spcBef>
-                          <a:spcPts val="0"/>
-                        </a:spcBef>
-                        <a:spcAft>
-                          <a:spcPts val="0"/>
-                        </a:spcAft>
-                        <a:buClrTx/>
-                        <a:buSzTx/>
-                        <a:buFontTx/>
-                        <a:buNone/>
-                        <a:tabLst/>
-                        <a:defRPr/>
-                      </a:pPr>
-                      <a:r>
-                        <a:rPr kumimoji="0" lang="en-US" sz="1400" b="0" i="0" u="none" strike="sngStrike" kern="1200" cap="none" spc="0" normalizeH="0" baseline="0" noProof="0">
-                          <a:ln>
-                            <a:noFill/>
-                          </a:ln>
-                          <a:solidFill>
-                            <a:prstClr val="black"/>
-                          </a:solidFill>
-                          <a:effectLst/>
-                          <a:uLnTx/>
-                          <a:uFillTx/>
-                          <a:latin typeface="Calibri" panose="020F0502020204030204"/>
-                          <a:ea typeface="+mn-ea"/>
-                          <a:cs typeface="+mn-cs"/>
-                        </a:rPr>
-                        <a:t> </a:t>
-                      </a:r>
-                      <a:endParaRPr kumimoji="0" lang="en-US" sz="1400" b="0" i="0" u="none" strike="sngStrike" kern="1200" cap="none" spc="0" normalizeH="0" baseline="0" noProof="0" dirty="0">
-                        <a:ln>
-                          <a:noFill/>
-                        </a:ln>
-                        <a:solidFill>
-                          <a:prstClr val="black"/>
-                        </a:solidFill>
-                        <a:effectLst/>
-                        <a:uLnTx/>
-                        <a:uFillTx/>
-                        <a:latin typeface="Calibri" panose="020F0502020204030204"/>
-                        <a:ea typeface="+mn-ea"/>
-                        <a:cs typeface="+mn-cs"/>
-                      </a:endParaRPr>
-                    </a:p>
-                  </a:txBody>
-                  <a:tcPr marL="0" marR="0" marT="0" marB="0" anchor="ctr"/>
-                </a:tc>
-                <a:tc>
-                  <a:txBody>
-                    <a:bodyPr/>
-                    <a:lstStyle/>
-                    <a:p>
-                      <a:pPr marL="0" marR="0" lvl="0" indent="0" algn="ctr" defTabSz="914400" rtl="0" eaLnBrk="1" fontAlgn="auto" latinLnBrk="0" hangingPunct="1">
-                        <a:lnSpc>
-                          <a:spcPct val="100000"/>
-                        </a:lnSpc>
-                        <a:spcBef>
-                          <a:spcPts val="0"/>
-                        </a:spcBef>
-                        <a:spcAft>
-                          <a:spcPts val="0"/>
-                        </a:spcAft>
-                        <a:buClrTx/>
-                        <a:buSzTx/>
-                        <a:buFontTx/>
-                        <a:buNone/>
-                        <a:tabLst/>
-                        <a:defRPr/>
-                      </a:pPr>
-                      <a:r>
-                        <a:rPr kumimoji="0" lang="en-US" sz="1400" b="0" i="0" u="none" strike="sngStrike" kern="1200" cap="none" spc="0" normalizeH="0" baseline="0" noProof="0">
-                          <a:ln>
-                            <a:noFill/>
-                          </a:ln>
-                          <a:solidFill>
-                            <a:prstClr val="black"/>
-                          </a:solidFill>
-                          <a:effectLst/>
-                          <a:uLnTx/>
-                          <a:uFillTx/>
-                          <a:latin typeface="Calibri" panose="020F0502020204030204"/>
-                          <a:ea typeface="+mn-ea"/>
-                          <a:cs typeface="+mn-cs"/>
-                        </a:rPr>
-                        <a:t> </a:t>
-                      </a:r>
-                      <a:endParaRPr kumimoji="0" lang="en-US" sz="1400" b="0" i="0" u="none" strike="sngStrike" kern="1200" cap="none" spc="0" normalizeH="0" baseline="0" noProof="0" dirty="0">
-                        <a:ln>
-                          <a:noFill/>
-                        </a:ln>
-                        <a:solidFill>
-                          <a:prstClr val="black"/>
-                        </a:solidFill>
-                        <a:effectLst/>
-                        <a:uLnTx/>
-                        <a:uFillTx/>
-                        <a:latin typeface="Calibri" panose="020F0502020204030204"/>
-                        <a:ea typeface="+mn-ea"/>
-                        <a:cs typeface="+mn-cs"/>
-                      </a:endParaRPr>
-                    </a:p>
-                  </a:txBody>
-                  <a:tcPr marL="0" marR="0" marT="0" marB="0" anchor="ctr"/>
-                </a:tc>
-                <a:tc>
-                  <a:txBody>
-                    <a:bodyPr/>
-                    <a:lstStyle/>
-                    <a:p>
-                      <a:pPr marL="0" marR="0" lvl="0" indent="0" algn="ctr" defTabSz="914400" rtl="0" eaLnBrk="1" fontAlgn="auto" latinLnBrk="0" hangingPunct="1">
-                        <a:lnSpc>
-                          <a:spcPct val="100000"/>
-                        </a:lnSpc>
-                        <a:spcBef>
-                          <a:spcPts val="0"/>
-                        </a:spcBef>
-                        <a:spcAft>
-                          <a:spcPts val="0"/>
-                        </a:spcAft>
-                        <a:buClrTx/>
-                        <a:buSzTx/>
-                        <a:buFontTx/>
-                        <a:buNone/>
-                        <a:tabLst/>
-                        <a:defRPr/>
-                      </a:pPr>
-                      <a:r>
-                        <a:rPr kumimoji="0" lang="en-US" sz="1400" b="0" i="0" u="none" strike="sngStrike" kern="1200" cap="none" spc="0" normalizeH="0" baseline="0" noProof="0">
-                          <a:ln>
-                            <a:noFill/>
-                          </a:ln>
-                          <a:solidFill>
-                            <a:prstClr val="black"/>
-                          </a:solidFill>
-                          <a:effectLst/>
-                          <a:uLnTx/>
-                          <a:uFillTx/>
-                          <a:latin typeface="Calibri" panose="020F0502020204030204"/>
-                          <a:ea typeface="+mn-ea"/>
-                          <a:cs typeface="+mn-cs"/>
-                        </a:rPr>
-                        <a:t> </a:t>
-                      </a:r>
-                      <a:endParaRPr kumimoji="0" lang="en-US" sz="1400" b="0" i="0" u="none" strike="sngStrike" kern="1200" cap="none" spc="0" normalizeH="0" baseline="0" noProof="0" dirty="0">
-                        <a:ln>
-                          <a:noFill/>
-                        </a:ln>
-                        <a:solidFill>
-                          <a:prstClr val="black"/>
-                        </a:solidFill>
-                        <a:effectLst/>
-                        <a:uLnTx/>
-                        <a:uFillTx/>
-                        <a:latin typeface="Calibri" panose="020F0502020204030204"/>
-                        <a:ea typeface="+mn-ea"/>
-                        <a:cs typeface="+mn-cs"/>
-                      </a:endParaRPr>
-                    </a:p>
-                  </a:txBody>
-                  <a:tcPr marL="0" marR="0" marT="0" marB="0" anchor="ctr"/>
-                </a:tc>
-                <a:tc>
-                  <a:txBody>
-                    <a:bodyPr/>
-                    <a:lstStyle/>
-                    <a:p>
-                      <a:pPr marL="0" marR="0" lvl="0" indent="0" algn="ctr" defTabSz="914400" rtl="0" eaLnBrk="1" fontAlgn="auto" latinLnBrk="0" hangingPunct="1">
-                        <a:lnSpc>
-                          <a:spcPct val="100000"/>
-                        </a:lnSpc>
-                        <a:spcBef>
-                          <a:spcPts val="0"/>
-                        </a:spcBef>
-                        <a:spcAft>
-                          <a:spcPts val="0"/>
-                        </a:spcAft>
-                        <a:buClrTx/>
-                        <a:buSzTx/>
-                        <a:buFontTx/>
-                        <a:buNone/>
-                        <a:tabLst/>
-                        <a:defRPr/>
-                      </a:pPr>
-                      <a:r>
-                        <a:rPr kumimoji="0" lang="en-US" sz="1400" b="0" i="0" u="none" strike="sngStrike" kern="1200" cap="none" spc="0" normalizeH="0" baseline="0" noProof="0">
-                          <a:ln>
-                            <a:noFill/>
-                          </a:ln>
-                          <a:solidFill>
-                            <a:prstClr val="black"/>
-                          </a:solidFill>
-                          <a:effectLst/>
-                          <a:uLnTx/>
-                          <a:uFillTx/>
-                          <a:latin typeface="Calibri" panose="020F0502020204030204"/>
-                          <a:ea typeface="+mn-ea"/>
-                          <a:cs typeface="+mn-cs"/>
-                        </a:rPr>
-                        <a:t> </a:t>
-                      </a:r>
-                      <a:endParaRPr kumimoji="0" lang="en-US" sz="1400" b="0" i="0" u="none" strike="sngStrike" kern="1200" cap="none" spc="0" normalizeH="0" baseline="0" noProof="0" dirty="0">
-                        <a:ln>
-                          <a:noFill/>
-                        </a:ln>
-                        <a:solidFill>
-                          <a:prstClr val="black"/>
-                        </a:solidFill>
-                        <a:effectLst/>
-                        <a:uLnTx/>
-                        <a:uFillTx/>
-                        <a:latin typeface="Calibri" panose="020F0502020204030204"/>
-                        <a:ea typeface="+mn-ea"/>
-                        <a:cs typeface="+mn-cs"/>
-                      </a:endParaRPr>
-                    </a:p>
-                  </a:txBody>
-                  <a:tcPr marL="0" marR="0" marT="0" marB="0" anchor="ctr"/>
-                </a:tc>
-                <a:tc>
-                  <a:txBody>
-                    <a:bodyPr/>
-                    <a:lstStyle/>
-                    <a:p>
-                      <a:pPr marL="0" marR="0" lvl="0" indent="0" algn="ctr" defTabSz="914400" rtl="0" eaLnBrk="1" fontAlgn="auto" latinLnBrk="0" hangingPunct="1">
-                        <a:lnSpc>
-                          <a:spcPct val="100000"/>
-                        </a:lnSpc>
-                        <a:spcBef>
-                          <a:spcPts val="0"/>
-                        </a:spcBef>
-                        <a:spcAft>
-                          <a:spcPts val="0"/>
-                        </a:spcAft>
-                        <a:buClrTx/>
-                        <a:buSzTx/>
-                        <a:buFontTx/>
-                        <a:buNone/>
-                        <a:tabLst/>
-                        <a:defRPr/>
-                      </a:pPr>
-                      <a:r>
-                        <a:rPr kumimoji="0" lang="en-US" sz="1400" b="0" i="0" u="none" strike="sngStrike" kern="1200" cap="none" spc="0" normalizeH="0" baseline="0" noProof="0">
-                          <a:ln>
-                            <a:noFill/>
-                          </a:ln>
-                          <a:solidFill>
-                            <a:prstClr val="black"/>
-                          </a:solidFill>
-                          <a:effectLst/>
-                          <a:uLnTx/>
-                          <a:uFillTx/>
-                          <a:latin typeface="Calibri" panose="020F0502020204030204"/>
-                          <a:ea typeface="+mn-ea"/>
-                          <a:cs typeface="+mn-cs"/>
-                        </a:rPr>
-                        <a:t> </a:t>
-                      </a:r>
-                      <a:endParaRPr kumimoji="0" lang="en-US" sz="1400" b="0" i="0" u="none" strike="sngStrike" kern="1200" cap="none" spc="0" normalizeH="0" baseline="0" noProof="0" dirty="0">
-                        <a:ln>
-                          <a:noFill/>
-                        </a:ln>
-                        <a:solidFill>
-                          <a:prstClr val="black"/>
-                        </a:solidFill>
-                        <a:effectLst/>
-                        <a:uLnTx/>
-                        <a:uFillTx/>
-                        <a:latin typeface="Calibri" panose="020F0502020204030204"/>
-                        <a:ea typeface="+mn-ea"/>
-                        <a:cs typeface="+mn-cs"/>
-                      </a:endParaRPr>
-                    </a:p>
-                  </a:txBody>
-                  <a:tcPr marL="0" marR="0" marT="0" marB="0" anchor="ctr"/>
-                </a:tc>
-                <a:tc>
-                  <a:txBody>
-                    <a:bodyPr/>
-                    <a:lstStyle/>
-                    <a:p>
-                      <a:pPr marL="0" marR="0" lvl="0" indent="0" algn="ctr" defTabSz="914400" rtl="0" eaLnBrk="1" fontAlgn="auto" latinLnBrk="0" hangingPunct="1">
-                        <a:lnSpc>
-                          <a:spcPct val="100000"/>
-                        </a:lnSpc>
-                        <a:spcBef>
-                          <a:spcPts val="0"/>
-                        </a:spcBef>
-                        <a:spcAft>
-                          <a:spcPts val="0"/>
-                        </a:spcAft>
-                        <a:buClrTx/>
-                        <a:buSzTx/>
-                        <a:buFontTx/>
-                        <a:buNone/>
-                        <a:tabLst/>
-                        <a:defRPr/>
-                      </a:pPr>
-                      <a:r>
-                        <a:rPr kumimoji="0" lang="en-US" sz="1400" b="0" i="0" u="none" strike="sngStrike" kern="1200" cap="none" spc="0" normalizeH="0" baseline="0" noProof="0">
-                          <a:ln>
-                            <a:noFill/>
-                          </a:ln>
-                          <a:solidFill>
-                            <a:prstClr val="black"/>
-                          </a:solidFill>
-                          <a:effectLst/>
-                          <a:uLnTx/>
-                          <a:uFillTx/>
-                          <a:latin typeface="Calibri" panose="020F0502020204030204"/>
-                          <a:ea typeface="+mn-ea"/>
-                          <a:cs typeface="+mn-cs"/>
-                        </a:rPr>
-                        <a:t> </a:t>
-                      </a:r>
-                      <a:endParaRPr kumimoji="0" lang="en-US" sz="1400" b="0" i="0" u="none" strike="sngStrike" kern="1200" cap="none" spc="0" normalizeH="0" baseline="0" noProof="0" dirty="0">
-                        <a:ln>
-                          <a:noFill/>
-                        </a:ln>
-                        <a:solidFill>
-                          <a:prstClr val="black"/>
-                        </a:solidFill>
-                        <a:effectLst/>
-                        <a:uLnTx/>
-                        <a:uFillTx/>
-                        <a:latin typeface="Calibri" panose="020F0502020204030204"/>
-                        <a:ea typeface="+mn-ea"/>
-                        <a:cs typeface="+mn-cs"/>
-                      </a:endParaRPr>
-                    </a:p>
-                  </a:txBody>
-                  <a:tcPr marL="0" marR="0" marT="0" marB="0" anchor="ctr"/>
-                </a:tc>
-                <a:tc>
-                  <a:txBody>
-                    <a:bodyPr/>
-                    <a:lstStyle/>
-                    <a:p>
-                      <a:pPr marL="0" marR="0" lvl="0" indent="0" algn="ctr" defTabSz="914400" rtl="0" eaLnBrk="1" fontAlgn="auto" latinLnBrk="0" hangingPunct="1">
-                        <a:lnSpc>
-                          <a:spcPct val="100000"/>
-                        </a:lnSpc>
-                        <a:spcBef>
-                          <a:spcPts val="0"/>
-                        </a:spcBef>
-                        <a:spcAft>
-                          <a:spcPts val="0"/>
-                        </a:spcAft>
-                        <a:buClrTx/>
-                        <a:buSzTx/>
-                        <a:buFontTx/>
-                        <a:buNone/>
-                        <a:tabLst/>
-                        <a:defRPr/>
-                      </a:pPr>
-                      <a:r>
-                        <a:rPr kumimoji="0" lang="en-US" sz="1400" b="0" i="0" u="none" strike="sngStrike" kern="1200" cap="none" spc="0" normalizeH="0" baseline="0" noProof="0">
-                          <a:ln>
-                            <a:noFill/>
-                          </a:ln>
-                          <a:solidFill>
-                            <a:prstClr val="black"/>
-                          </a:solidFill>
-                          <a:effectLst/>
-                          <a:uLnTx/>
-                          <a:uFillTx/>
-                          <a:latin typeface="Calibri" panose="020F0502020204030204"/>
-                          <a:ea typeface="+mn-ea"/>
-                          <a:cs typeface="+mn-cs"/>
-                        </a:rPr>
-                        <a:t> </a:t>
-                      </a:r>
-                      <a:endParaRPr kumimoji="0" lang="en-US" sz="1400" b="0" i="0" u="none" strike="sngStrike" kern="1200" cap="none" spc="0" normalizeH="0" baseline="0" noProof="0" dirty="0">
-                        <a:ln>
-                          <a:noFill/>
-                        </a:ln>
-                        <a:solidFill>
-                          <a:prstClr val="black"/>
-                        </a:solidFill>
-                        <a:effectLst/>
-                        <a:uLnTx/>
-                        <a:uFillTx/>
-                        <a:latin typeface="Calibri" panose="020F0502020204030204"/>
-                        <a:ea typeface="+mn-ea"/>
-                        <a:cs typeface="+mn-cs"/>
-                      </a:endParaRPr>
-                    </a:p>
-                  </a:txBody>
-                  <a:tcPr marL="0" marR="0" marT="0" marB="0" anchor="ctr"/>
-                </a:tc>
-                <a:tc>
-                  <a:txBody>
-                    <a:bodyPr/>
-                    <a:lstStyle/>
-                    <a:p>
-                      <a:pPr marL="0" marR="0" lvl="0" indent="0" algn="ctr" defTabSz="914400" rtl="0" eaLnBrk="1" fontAlgn="auto" latinLnBrk="0" hangingPunct="1">
-                        <a:lnSpc>
-                          <a:spcPct val="100000"/>
-                        </a:lnSpc>
-                        <a:spcBef>
-                          <a:spcPts val="0"/>
-                        </a:spcBef>
-                        <a:spcAft>
-                          <a:spcPts val="0"/>
-                        </a:spcAft>
-                        <a:buClrTx/>
-                        <a:buSzTx/>
-                        <a:buFontTx/>
-                        <a:buNone/>
-                        <a:tabLst/>
-                        <a:defRPr/>
-                      </a:pPr>
-                      <a:r>
-                        <a:rPr kumimoji="0" lang="en-US" sz="1400" b="0" i="0" u="none" strike="sngStrike" kern="1200" cap="none" spc="0" normalizeH="0" baseline="0" noProof="0">
-                          <a:ln>
-                            <a:noFill/>
-                          </a:ln>
-                          <a:solidFill>
-                            <a:prstClr val="black"/>
-                          </a:solidFill>
-                          <a:effectLst/>
-                          <a:uLnTx/>
-                          <a:uFillTx/>
-                          <a:latin typeface="Calibri" panose="020F0502020204030204"/>
-                          <a:ea typeface="+mn-ea"/>
-                          <a:cs typeface="+mn-cs"/>
-                        </a:rPr>
-                        <a:t> </a:t>
-                      </a:r>
-                      <a:endParaRPr kumimoji="0" lang="en-US" sz="1400" b="0" i="0" u="none" strike="sngStrike" kern="1200" cap="none" spc="0" normalizeH="0" baseline="0" noProof="0" dirty="0">
-                        <a:ln>
-                          <a:noFill/>
-                        </a:ln>
-                        <a:solidFill>
-                          <a:prstClr val="black"/>
-                        </a:solidFill>
-                        <a:effectLst/>
-                        <a:uLnTx/>
-                        <a:uFillTx/>
-                        <a:latin typeface="Calibri" panose="020F0502020204030204"/>
-                        <a:ea typeface="+mn-ea"/>
-                        <a:cs typeface="+mn-cs"/>
-                      </a:endParaRPr>
-                    </a:p>
-                  </a:txBody>
-                  <a:tcPr marL="0" marR="0" marT="0" marB="0" anchor="ctr"/>
-                </a:tc>
-                <a:extLst>
-                  <a:ext uri="{0D108BD9-81ED-4DB2-BD59-A6C34878D82A}">
-                    <a16:rowId xmlns:a16="http://schemas.microsoft.com/office/drawing/2014/main" val="2123116039"/>
-                  </a:ext>
-                </a:extLst>
-              </a:tr>
-              <a:tr h="512232">
-                <a:tc>
-                  <a:txBody>
-                    <a:bodyPr/>
-                    <a:lstStyle/>
-                    <a:p>
-                      <a:pPr algn="ctr"/>
-                      <a:endParaRPr lang="en-US" sz="1400" dirty="0"/>
-                    </a:p>
-                  </a:txBody>
-                  <a:tcPr marL="0" marR="0" marT="0" marB="0" anchor="ctr"/>
-                </a:tc>
-                <a:tc>
-                  <a:txBody>
-                    <a:bodyPr/>
-                    <a:lstStyle/>
-                    <a:p>
-                      <a:pPr algn="ctr"/>
-                      <a:r>
-                        <a:rPr lang="ko-KR" altLang="en-US" sz="1400" strike="sngStrike" dirty="0"/>
-                        <a:t>오민희</a:t>
-                      </a:r>
-                      <a:endParaRPr lang="en-US" sz="1400" strike="sngStrike" dirty="0"/>
-                    </a:p>
-                  </a:txBody>
-                  <a:tcPr marL="0" marR="0" marT="0" marB="0" anchor="ctr"/>
-                </a:tc>
-                <a:tc>
-                  <a:txBody>
-                    <a:bodyPr/>
-                    <a:lstStyle/>
-                    <a:p>
-                      <a:pPr marL="0" marR="0" lvl="0" indent="0" algn="ctr" defTabSz="914400" rtl="0" eaLnBrk="1" fontAlgn="auto" latinLnBrk="0" hangingPunct="1">
-                        <a:lnSpc>
-                          <a:spcPct val="100000"/>
-                        </a:lnSpc>
-                        <a:spcBef>
-                          <a:spcPts val="0"/>
-                        </a:spcBef>
-                        <a:spcAft>
-                          <a:spcPts val="0"/>
-                        </a:spcAft>
-                        <a:buClrTx/>
-                        <a:buSzTx/>
-                        <a:buFontTx/>
-                        <a:buNone/>
-                        <a:tabLst/>
-                        <a:defRPr/>
-                      </a:pPr>
-                      <a:r>
-                        <a:rPr kumimoji="0" lang="en-US" sz="1400" b="0" i="0" u="none" strike="sngStrike" kern="1200" cap="none" spc="0" normalizeH="0" baseline="0" noProof="0" dirty="0">
-                          <a:ln>
-                            <a:noFill/>
-                          </a:ln>
-                          <a:solidFill>
-                            <a:prstClr val="black"/>
-                          </a:solidFill>
-                          <a:effectLst/>
-                          <a:uLnTx/>
-                          <a:uFillTx/>
-                          <a:latin typeface="Calibri" panose="020F0502020204030204"/>
-                          <a:ea typeface="+mn-ea"/>
-                          <a:cs typeface="+mn-cs"/>
-                        </a:rPr>
-                        <a:t> </a:t>
-                      </a:r>
-                    </a:p>
-                  </a:txBody>
-                  <a:tcPr marL="0" marR="0" marT="0" marB="0" anchor="ctr"/>
-                </a:tc>
-                <a:tc>
-                  <a:txBody>
-                    <a:bodyPr/>
-                    <a:lstStyle/>
-                    <a:p>
-                      <a:pPr marL="0" marR="0" lvl="0" indent="0" algn="ctr" defTabSz="914400" rtl="0" eaLnBrk="1" fontAlgn="auto" latinLnBrk="0" hangingPunct="1">
-                        <a:lnSpc>
-                          <a:spcPct val="100000"/>
-                        </a:lnSpc>
-                        <a:spcBef>
-                          <a:spcPts val="0"/>
-                        </a:spcBef>
-                        <a:spcAft>
-                          <a:spcPts val="0"/>
-                        </a:spcAft>
-                        <a:buClrTx/>
-                        <a:buSzTx/>
-                        <a:buFontTx/>
-                        <a:buNone/>
-                        <a:tabLst/>
-                        <a:defRPr/>
-                      </a:pPr>
-                      <a:r>
-                        <a:rPr kumimoji="0" lang="en-US" sz="1400" b="0" i="0" u="none" strike="sngStrike" kern="1200" cap="none" spc="0" normalizeH="0" baseline="0" noProof="0">
-                          <a:ln>
-                            <a:noFill/>
-                          </a:ln>
-                          <a:solidFill>
-                            <a:prstClr val="black"/>
-                          </a:solidFill>
-                          <a:effectLst/>
-                          <a:uLnTx/>
-                          <a:uFillTx/>
-                          <a:latin typeface="Calibri" panose="020F0502020204030204"/>
-                          <a:ea typeface="+mn-ea"/>
-                          <a:cs typeface="+mn-cs"/>
-                        </a:rPr>
-                        <a:t> </a:t>
-                      </a:r>
-                      <a:endParaRPr kumimoji="0" lang="en-US" sz="1400" b="0" i="0" u="none" strike="sngStrike" kern="1200" cap="none" spc="0" normalizeH="0" baseline="0" noProof="0" dirty="0">
-                        <a:ln>
-                          <a:noFill/>
-                        </a:ln>
-                        <a:solidFill>
-                          <a:prstClr val="black"/>
-                        </a:solidFill>
-                        <a:effectLst/>
-                        <a:uLnTx/>
-                        <a:uFillTx/>
-                        <a:latin typeface="Calibri" panose="020F0502020204030204"/>
-                        <a:ea typeface="+mn-ea"/>
-                        <a:cs typeface="+mn-cs"/>
-                      </a:endParaRPr>
-                    </a:p>
-                  </a:txBody>
-                  <a:tcPr marL="0" marR="0" marT="0" marB="0" anchor="ctr"/>
-                </a:tc>
-                <a:tc>
-                  <a:txBody>
-                    <a:bodyPr/>
-                    <a:lstStyle/>
-                    <a:p>
-                      <a:pPr marL="0" marR="0" lvl="0" indent="0" algn="ctr" defTabSz="914400" rtl="0" eaLnBrk="1" fontAlgn="auto" latinLnBrk="0" hangingPunct="1">
-                        <a:lnSpc>
-                          <a:spcPct val="100000"/>
-                        </a:lnSpc>
-                        <a:spcBef>
-                          <a:spcPts val="0"/>
-                        </a:spcBef>
-                        <a:spcAft>
-                          <a:spcPts val="0"/>
-                        </a:spcAft>
-                        <a:buClrTx/>
-                        <a:buSzTx/>
-                        <a:buFontTx/>
-                        <a:buNone/>
-                        <a:tabLst/>
-                        <a:defRPr/>
-                      </a:pPr>
-                      <a:r>
-                        <a:rPr kumimoji="0" lang="en-US" sz="1400" b="0" i="0" u="none" strike="sngStrike" kern="1200" cap="none" spc="0" normalizeH="0" baseline="0" noProof="0">
-                          <a:ln>
-                            <a:noFill/>
-                          </a:ln>
-                          <a:solidFill>
-                            <a:prstClr val="black"/>
-                          </a:solidFill>
-                          <a:effectLst/>
-                          <a:uLnTx/>
-                          <a:uFillTx/>
-                          <a:latin typeface="Calibri" panose="020F0502020204030204"/>
-                          <a:ea typeface="+mn-ea"/>
-                          <a:cs typeface="+mn-cs"/>
-                        </a:rPr>
-                        <a:t> </a:t>
-                      </a:r>
-                      <a:endParaRPr kumimoji="0" lang="en-US" sz="1400" b="0" i="0" u="none" strike="sngStrike" kern="1200" cap="none" spc="0" normalizeH="0" baseline="0" noProof="0" dirty="0">
-                        <a:ln>
-                          <a:noFill/>
-                        </a:ln>
-                        <a:solidFill>
-                          <a:prstClr val="black"/>
-                        </a:solidFill>
-                        <a:effectLst/>
-                        <a:uLnTx/>
-                        <a:uFillTx/>
-                        <a:latin typeface="Calibri" panose="020F0502020204030204"/>
-                        <a:ea typeface="+mn-ea"/>
-                        <a:cs typeface="+mn-cs"/>
-                      </a:endParaRPr>
-                    </a:p>
-                  </a:txBody>
-                  <a:tcPr marL="0" marR="0" marT="0" marB="0" anchor="ctr"/>
-                </a:tc>
-                <a:tc>
-                  <a:txBody>
-                    <a:bodyPr/>
-                    <a:lstStyle/>
-                    <a:p>
-                      <a:pPr marL="0" marR="0" lvl="0" indent="0" algn="ctr" defTabSz="914400" rtl="0" eaLnBrk="1" fontAlgn="auto" latinLnBrk="0" hangingPunct="1">
-                        <a:lnSpc>
-                          <a:spcPct val="100000"/>
-                        </a:lnSpc>
-                        <a:spcBef>
-                          <a:spcPts val="0"/>
-                        </a:spcBef>
-                        <a:spcAft>
-                          <a:spcPts val="0"/>
-                        </a:spcAft>
-                        <a:buClrTx/>
-                        <a:buSzTx/>
-                        <a:buFontTx/>
-                        <a:buNone/>
-                        <a:tabLst/>
-                        <a:defRPr/>
-                      </a:pPr>
-                      <a:r>
-                        <a:rPr kumimoji="0" lang="en-US" sz="1400" b="0" i="0" u="none" strike="sngStrike" kern="1200" cap="none" spc="0" normalizeH="0" baseline="0" noProof="0" dirty="0">
-                          <a:ln>
-                            <a:noFill/>
-                          </a:ln>
-                          <a:solidFill>
-                            <a:prstClr val="black"/>
-                          </a:solidFill>
-                          <a:effectLst/>
-                          <a:uLnTx/>
-                          <a:uFillTx/>
-                          <a:latin typeface="Calibri" panose="020F0502020204030204"/>
-                          <a:ea typeface="+mn-ea"/>
-                          <a:cs typeface="+mn-cs"/>
-                        </a:rPr>
-                        <a:t> </a:t>
-                      </a:r>
-                    </a:p>
-                  </a:txBody>
-                  <a:tcPr marL="0" marR="0" marT="0" marB="0" anchor="ctr"/>
-                </a:tc>
-                <a:tc>
-                  <a:txBody>
-                    <a:bodyPr/>
-                    <a:lstStyle/>
-                    <a:p>
-                      <a:pPr marL="0" marR="0" lvl="0" indent="0" algn="ctr" defTabSz="914400" rtl="0" eaLnBrk="1" fontAlgn="auto" latinLnBrk="0" hangingPunct="1">
-                        <a:lnSpc>
-                          <a:spcPct val="100000"/>
-                        </a:lnSpc>
-                        <a:spcBef>
-                          <a:spcPts val="0"/>
-                        </a:spcBef>
-                        <a:spcAft>
-                          <a:spcPts val="0"/>
-                        </a:spcAft>
-                        <a:buClrTx/>
-                        <a:buSzTx/>
-                        <a:buFontTx/>
-                        <a:buNone/>
-                        <a:tabLst/>
-                        <a:defRPr/>
-                      </a:pPr>
-                      <a:r>
-                        <a:rPr kumimoji="0" lang="en-US" sz="1400" b="0" i="0" u="none" strike="sngStrike" kern="1200" cap="none" spc="0" normalizeH="0" baseline="0" noProof="0">
-                          <a:ln>
-                            <a:noFill/>
-                          </a:ln>
-                          <a:solidFill>
-                            <a:prstClr val="black"/>
-                          </a:solidFill>
-                          <a:effectLst/>
-                          <a:uLnTx/>
-                          <a:uFillTx/>
-                          <a:latin typeface="Calibri" panose="020F0502020204030204"/>
-                          <a:ea typeface="+mn-ea"/>
-                          <a:cs typeface="+mn-cs"/>
-                        </a:rPr>
-                        <a:t> </a:t>
-                      </a:r>
-                      <a:endParaRPr kumimoji="0" lang="en-US" sz="1400" b="0" i="0" u="none" strike="sngStrike" kern="1200" cap="none" spc="0" normalizeH="0" baseline="0" noProof="0" dirty="0">
-                        <a:ln>
-                          <a:noFill/>
-                        </a:ln>
-                        <a:solidFill>
-                          <a:prstClr val="black"/>
-                        </a:solidFill>
-                        <a:effectLst/>
-                        <a:uLnTx/>
-                        <a:uFillTx/>
-                        <a:latin typeface="Calibri" panose="020F0502020204030204"/>
-                        <a:ea typeface="+mn-ea"/>
-                        <a:cs typeface="+mn-cs"/>
-                      </a:endParaRPr>
-                    </a:p>
-                  </a:txBody>
-                  <a:tcPr marL="0" marR="0" marT="0" marB="0" anchor="ctr"/>
-                </a:tc>
-                <a:tc>
-                  <a:txBody>
-                    <a:bodyPr/>
-                    <a:lstStyle/>
-                    <a:p>
-                      <a:pPr marL="0" marR="0" lvl="0" indent="0" algn="ctr" defTabSz="914400" rtl="0" eaLnBrk="1" fontAlgn="auto" latinLnBrk="0" hangingPunct="1">
-                        <a:lnSpc>
-                          <a:spcPct val="100000"/>
-                        </a:lnSpc>
-                        <a:spcBef>
-                          <a:spcPts val="0"/>
-                        </a:spcBef>
-                        <a:spcAft>
-                          <a:spcPts val="0"/>
-                        </a:spcAft>
-                        <a:buClrTx/>
-                        <a:buSzTx/>
-                        <a:buFontTx/>
-                        <a:buNone/>
-                        <a:tabLst/>
-                        <a:defRPr/>
-                      </a:pPr>
-                      <a:r>
-                        <a:rPr kumimoji="0" lang="en-US" sz="1400" b="0" i="0" u="none" strike="sngStrike" kern="1200" cap="none" spc="0" normalizeH="0" baseline="0" noProof="0">
-                          <a:ln>
-                            <a:noFill/>
-                          </a:ln>
-                          <a:solidFill>
-                            <a:prstClr val="black"/>
-                          </a:solidFill>
-                          <a:effectLst/>
-                          <a:uLnTx/>
-                          <a:uFillTx/>
-                          <a:latin typeface="Calibri" panose="020F0502020204030204"/>
-                          <a:ea typeface="+mn-ea"/>
-                          <a:cs typeface="+mn-cs"/>
-                        </a:rPr>
-                        <a:t> </a:t>
-                      </a:r>
-                      <a:endParaRPr kumimoji="0" lang="en-US" sz="1400" b="0" i="0" u="none" strike="sngStrike" kern="1200" cap="none" spc="0" normalizeH="0" baseline="0" noProof="0" dirty="0">
-                        <a:ln>
-                          <a:noFill/>
-                        </a:ln>
-                        <a:solidFill>
-                          <a:prstClr val="black"/>
-                        </a:solidFill>
-                        <a:effectLst/>
-                        <a:uLnTx/>
-                        <a:uFillTx/>
-                        <a:latin typeface="Calibri" panose="020F0502020204030204"/>
-                        <a:ea typeface="+mn-ea"/>
-                        <a:cs typeface="+mn-cs"/>
-                      </a:endParaRPr>
-                    </a:p>
-                  </a:txBody>
-                  <a:tcPr marL="0" marR="0" marT="0" marB="0" anchor="ctr"/>
-                </a:tc>
-                <a:tc>
-                  <a:txBody>
-                    <a:bodyPr/>
-                    <a:lstStyle/>
-                    <a:p>
-                      <a:pPr marL="0" marR="0" lvl="0" indent="0" algn="ctr" defTabSz="914400" rtl="0" eaLnBrk="1" fontAlgn="auto" latinLnBrk="0" hangingPunct="1">
-                        <a:lnSpc>
-                          <a:spcPct val="100000"/>
-                        </a:lnSpc>
-                        <a:spcBef>
-                          <a:spcPts val="0"/>
-                        </a:spcBef>
-                        <a:spcAft>
-                          <a:spcPts val="0"/>
-                        </a:spcAft>
-                        <a:buClrTx/>
-                        <a:buSzTx/>
-                        <a:buFontTx/>
-                        <a:buNone/>
-                        <a:tabLst/>
-                        <a:defRPr/>
-                      </a:pPr>
-                      <a:r>
-                        <a:rPr kumimoji="0" lang="en-US" sz="1400" b="0" i="0" u="none" strike="sngStrike" kern="1200" cap="none" spc="0" normalizeH="0" baseline="0" noProof="0" dirty="0">
-                          <a:ln>
-                            <a:noFill/>
-                          </a:ln>
-                          <a:solidFill>
-                            <a:prstClr val="black"/>
-                          </a:solidFill>
-                          <a:effectLst/>
-                          <a:uLnTx/>
-                          <a:uFillTx/>
-                          <a:latin typeface="Calibri" panose="020F0502020204030204"/>
-                          <a:ea typeface="+mn-ea"/>
-                          <a:cs typeface="+mn-cs"/>
-                        </a:rPr>
-                        <a:t> </a:t>
-                      </a:r>
-                    </a:p>
-                  </a:txBody>
-                  <a:tcPr marL="0" marR="0" marT="0" marB="0" anchor="ctr"/>
-                </a:tc>
-                <a:tc>
-                  <a:txBody>
-                    <a:bodyPr/>
-                    <a:lstStyle/>
-                    <a:p>
-                      <a:pPr marL="0" marR="0" lvl="0" indent="0" algn="ctr" defTabSz="914400" rtl="0" eaLnBrk="1" fontAlgn="auto" latinLnBrk="0" hangingPunct="1">
-                        <a:lnSpc>
-                          <a:spcPct val="100000"/>
-                        </a:lnSpc>
-                        <a:spcBef>
-                          <a:spcPts val="0"/>
-                        </a:spcBef>
-                        <a:spcAft>
-                          <a:spcPts val="0"/>
-                        </a:spcAft>
-                        <a:buClrTx/>
-                        <a:buSzTx/>
-                        <a:buFontTx/>
-                        <a:buNone/>
-                        <a:tabLst/>
-                        <a:defRPr/>
-                      </a:pPr>
-                      <a:r>
-                        <a:rPr kumimoji="0" lang="en-US" sz="1400" b="0" i="0" u="none" strike="sngStrike" kern="1200" cap="none" spc="0" normalizeH="0" baseline="0" noProof="0">
-                          <a:ln>
-                            <a:noFill/>
-                          </a:ln>
-                          <a:solidFill>
-                            <a:prstClr val="black"/>
-                          </a:solidFill>
-                          <a:effectLst/>
-                          <a:uLnTx/>
-                          <a:uFillTx/>
-                          <a:latin typeface="Calibri" panose="020F0502020204030204"/>
-                          <a:ea typeface="+mn-ea"/>
-                          <a:cs typeface="+mn-cs"/>
-                        </a:rPr>
-                        <a:t> </a:t>
-                      </a:r>
-                      <a:endParaRPr kumimoji="0" lang="en-US" sz="1400" b="0" i="0" u="none" strike="sngStrike" kern="1200" cap="none" spc="0" normalizeH="0" baseline="0" noProof="0" dirty="0">
-                        <a:ln>
-                          <a:noFill/>
-                        </a:ln>
-                        <a:solidFill>
-                          <a:prstClr val="black"/>
-                        </a:solidFill>
-                        <a:effectLst/>
-                        <a:uLnTx/>
-                        <a:uFillTx/>
-                        <a:latin typeface="Calibri" panose="020F0502020204030204"/>
-                        <a:ea typeface="+mn-ea"/>
-                        <a:cs typeface="+mn-cs"/>
-                      </a:endParaRPr>
-                    </a:p>
-                  </a:txBody>
-                  <a:tcPr marL="0" marR="0" marT="0" marB="0" anchor="ctr"/>
-                </a:tc>
-                <a:tc>
-                  <a:txBody>
-                    <a:bodyPr/>
-                    <a:lstStyle/>
-                    <a:p>
-                      <a:pPr marL="0" marR="0" lvl="0" indent="0" algn="ctr" defTabSz="914400" rtl="0" eaLnBrk="1" fontAlgn="auto" latinLnBrk="0" hangingPunct="1">
-                        <a:lnSpc>
-                          <a:spcPct val="100000"/>
-                        </a:lnSpc>
-                        <a:spcBef>
-                          <a:spcPts val="0"/>
-                        </a:spcBef>
-                        <a:spcAft>
-                          <a:spcPts val="0"/>
-                        </a:spcAft>
-                        <a:buClrTx/>
-                        <a:buSzTx/>
-                        <a:buFontTx/>
-                        <a:buNone/>
-                        <a:tabLst/>
-                        <a:defRPr/>
-                      </a:pPr>
-                      <a:r>
-                        <a:rPr kumimoji="0" lang="en-US" sz="1400" b="0" i="0" u="none" strike="sngStrike" kern="1200" cap="none" spc="0" normalizeH="0" baseline="0" noProof="0" dirty="0">
-                          <a:ln>
-                            <a:noFill/>
-                          </a:ln>
-                          <a:solidFill>
-                            <a:prstClr val="black"/>
-                          </a:solidFill>
-                          <a:effectLst/>
-                          <a:uLnTx/>
-                          <a:uFillTx/>
-                          <a:latin typeface="Calibri" panose="020F0502020204030204"/>
-                          <a:ea typeface="+mn-ea"/>
-                          <a:cs typeface="+mn-cs"/>
-                        </a:rPr>
-                        <a:t> </a:t>
-                      </a:r>
-                    </a:p>
-                  </a:txBody>
-                  <a:tcPr marL="0" marR="0" marT="0" marB="0" anchor="ctr"/>
-                </a:tc>
-                <a:tc>
-                  <a:txBody>
-                    <a:bodyPr/>
-                    <a:lstStyle/>
-                    <a:p>
-                      <a:pPr marL="0" marR="0" lvl="0" indent="0" algn="ctr" defTabSz="914400" rtl="0" eaLnBrk="1" fontAlgn="auto" latinLnBrk="0" hangingPunct="1">
-                        <a:lnSpc>
-                          <a:spcPct val="100000"/>
-                        </a:lnSpc>
-                        <a:spcBef>
-                          <a:spcPts val="0"/>
-                        </a:spcBef>
-                        <a:spcAft>
-                          <a:spcPts val="0"/>
-                        </a:spcAft>
-                        <a:buClrTx/>
-                        <a:buSzTx/>
-                        <a:buFontTx/>
-                        <a:buNone/>
-                        <a:tabLst/>
-                        <a:defRPr/>
-                      </a:pPr>
-                      <a:r>
-                        <a:rPr kumimoji="0" lang="en-US" sz="1400" b="0" i="0" u="none" strike="sngStrike" kern="1200" cap="none" spc="0" normalizeH="0" baseline="0" noProof="0" dirty="0">
-                          <a:ln>
-                            <a:noFill/>
-                          </a:ln>
-                          <a:solidFill>
-                            <a:prstClr val="black"/>
-                          </a:solidFill>
-                          <a:effectLst/>
-                          <a:uLnTx/>
-                          <a:uFillTx/>
-                          <a:latin typeface="Calibri" panose="020F0502020204030204"/>
-                          <a:ea typeface="+mn-ea"/>
-                          <a:cs typeface="+mn-cs"/>
-                        </a:rPr>
-                        <a:t> </a:t>
-                      </a:r>
-                    </a:p>
-                  </a:txBody>
-                  <a:tcPr marL="0" marR="0" marT="0" marB="0" anchor="ctr"/>
-                </a:tc>
-                <a:tc>
-                  <a:txBody>
-                    <a:bodyPr/>
-                    <a:lstStyle/>
-                    <a:p>
-                      <a:pPr marL="0" marR="0" lvl="0" indent="0" algn="ctr" defTabSz="914400" rtl="0" eaLnBrk="1" fontAlgn="auto" latinLnBrk="0" hangingPunct="1">
-                        <a:lnSpc>
-                          <a:spcPct val="100000"/>
-                        </a:lnSpc>
-                        <a:spcBef>
-                          <a:spcPts val="0"/>
-                        </a:spcBef>
-                        <a:spcAft>
-                          <a:spcPts val="0"/>
-                        </a:spcAft>
-                        <a:buClrTx/>
-                        <a:buSzTx/>
-                        <a:buFontTx/>
-                        <a:buNone/>
-                        <a:tabLst/>
-                        <a:defRPr/>
-                      </a:pPr>
-                      <a:r>
-                        <a:rPr kumimoji="0" lang="en-US" sz="1400" b="0" i="0" u="none" strike="sngStrike" kern="1200" cap="none" spc="0" normalizeH="0" baseline="0" noProof="0">
-                          <a:ln>
-                            <a:noFill/>
-                          </a:ln>
-                          <a:solidFill>
-                            <a:prstClr val="black"/>
-                          </a:solidFill>
-                          <a:effectLst/>
-                          <a:uLnTx/>
-                          <a:uFillTx/>
-                          <a:latin typeface="Calibri" panose="020F0502020204030204"/>
-                          <a:ea typeface="+mn-ea"/>
-                          <a:cs typeface="+mn-cs"/>
-                        </a:rPr>
-                        <a:t> </a:t>
-                      </a:r>
-                      <a:endParaRPr kumimoji="0" lang="en-US" sz="1400" b="0" i="0" u="none" strike="sngStrike" kern="1200" cap="none" spc="0" normalizeH="0" baseline="0" noProof="0" dirty="0">
-                        <a:ln>
-                          <a:noFill/>
-                        </a:ln>
-                        <a:solidFill>
-                          <a:prstClr val="black"/>
-                        </a:solidFill>
-                        <a:effectLst/>
-                        <a:uLnTx/>
-                        <a:uFillTx/>
-                        <a:latin typeface="Calibri" panose="020F0502020204030204"/>
-                        <a:ea typeface="+mn-ea"/>
-                        <a:cs typeface="+mn-cs"/>
-                      </a:endParaRPr>
-                    </a:p>
-                  </a:txBody>
-                  <a:tcPr marL="0" marR="0" marT="0" marB="0" anchor="ctr"/>
-                </a:tc>
-                <a:tc>
-                  <a:txBody>
-                    <a:bodyPr/>
-                    <a:lstStyle/>
-                    <a:p>
-                      <a:pPr marL="0" marR="0" lvl="0" indent="0" algn="ctr" defTabSz="914400" rtl="0" eaLnBrk="1" fontAlgn="auto" latinLnBrk="0" hangingPunct="1">
-                        <a:lnSpc>
-                          <a:spcPct val="100000"/>
-                        </a:lnSpc>
-                        <a:spcBef>
-                          <a:spcPts val="0"/>
-                        </a:spcBef>
-                        <a:spcAft>
-                          <a:spcPts val="0"/>
-                        </a:spcAft>
-                        <a:buClrTx/>
-                        <a:buSzTx/>
-                        <a:buFontTx/>
-                        <a:buNone/>
-                        <a:tabLst/>
-                        <a:defRPr/>
-                      </a:pPr>
-                      <a:r>
-                        <a:rPr kumimoji="0" lang="en-US" sz="1400" b="0" i="0" u="none" strike="sngStrike" kern="1200" cap="none" spc="0" normalizeH="0" baseline="0" noProof="0" dirty="0">
-                          <a:ln>
-                            <a:noFill/>
-                          </a:ln>
-                          <a:solidFill>
-                            <a:prstClr val="black"/>
-                          </a:solidFill>
-                          <a:effectLst/>
-                          <a:uLnTx/>
-                          <a:uFillTx/>
-                          <a:latin typeface="Calibri" panose="020F0502020204030204"/>
-                          <a:ea typeface="+mn-ea"/>
-                          <a:cs typeface="+mn-cs"/>
-                        </a:rPr>
-                        <a:t> </a:t>
-                      </a:r>
-                    </a:p>
-                  </a:txBody>
-                  <a:tcPr marL="0" marR="0" marT="0" marB="0" anchor="ctr"/>
-                </a:tc>
-                <a:tc>
-                  <a:txBody>
-                    <a:bodyPr/>
-                    <a:lstStyle/>
-                    <a:p>
-                      <a:pPr marL="0" marR="0" lvl="0" indent="0" algn="ctr" defTabSz="914400" rtl="0" eaLnBrk="1" fontAlgn="auto" latinLnBrk="0" hangingPunct="1">
-                        <a:lnSpc>
-                          <a:spcPct val="100000"/>
-                        </a:lnSpc>
-                        <a:spcBef>
-                          <a:spcPts val="0"/>
-                        </a:spcBef>
-                        <a:spcAft>
-                          <a:spcPts val="0"/>
-                        </a:spcAft>
-                        <a:buClrTx/>
-                        <a:buSzTx/>
-                        <a:buFontTx/>
-                        <a:buNone/>
-                        <a:tabLst/>
-                        <a:defRPr/>
-                      </a:pPr>
-                      <a:r>
-                        <a:rPr kumimoji="0" lang="en-US" sz="1400" b="0" i="0" u="none" strike="sngStrike" kern="1200" cap="none" spc="0" normalizeH="0" baseline="0" noProof="0">
-                          <a:ln>
-                            <a:noFill/>
-                          </a:ln>
-                          <a:solidFill>
-                            <a:prstClr val="black"/>
-                          </a:solidFill>
-                          <a:effectLst/>
-                          <a:uLnTx/>
-                          <a:uFillTx/>
-                          <a:latin typeface="Calibri" panose="020F0502020204030204"/>
-                          <a:ea typeface="+mn-ea"/>
-                          <a:cs typeface="+mn-cs"/>
-                        </a:rPr>
-                        <a:t> </a:t>
-                      </a:r>
-                      <a:endParaRPr kumimoji="0" lang="en-US" sz="1400" b="0" i="0" u="none" strike="sngStrike" kern="1200" cap="none" spc="0" normalizeH="0" baseline="0" noProof="0" dirty="0">
-                        <a:ln>
-                          <a:noFill/>
-                        </a:ln>
-                        <a:solidFill>
-                          <a:prstClr val="black"/>
-                        </a:solidFill>
-                        <a:effectLst/>
-                        <a:uLnTx/>
-                        <a:uFillTx/>
-                        <a:latin typeface="Calibri" panose="020F0502020204030204"/>
-                        <a:ea typeface="+mn-ea"/>
-                        <a:cs typeface="+mn-cs"/>
-                      </a:endParaRPr>
-                    </a:p>
-                  </a:txBody>
-                  <a:tcPr marL="0" marR="0" marT="0" marB="0" anchor="ctr"/>
-                </a:tc>
-                <a:tc>
-                  <a:txBody>
-                    <a:bodyPr/>
-                    <a:lstStyle/>
-                    <a:p>
-                      <a:pPr marL="0" marR="0" lvl="0" indent="0" algn="ctr" defTabSz="914400" rtl="0" eaLnBrk="1" fontAlgn="auto" latinLnBrk="0" hangingPunct="1">
-                        <a:lnSpc>
-                          <a:spcPct val="100000"/>
-                        </a:lnSpc>
-                        <a:spcBef>
-                          <a:spcPts val="0"/>
-                        </a:spcBef>
-                        <a:spcAft>
-                          <a:spcPts val="0"/>
-                        </a:spcAft>
-                        <a:buClrTx/>
-                        <a:buSzTx/>
-                        <a:buFontTx/>
-                        <a:buNone/>
-                        <a:tabLst/>
-                        <a:defRPr/>
-                      </a:pPr>
-                      <a:r>
-                        <a:rPr kumimoji="0" lang="en-US" sz="1400" b="0" i="0" u="none" strike="sngStrike" kern="1200" cap="none" spc="0" normalizeH="0" baseline="0" noProof="0" dirty="0">
-                          <a:ln>
-                            <a:noFill/>
-                          </a:ln>
-                          <a:solidFill>
-                            <a:prstClr val="black"/>
-                          </a:solidFill>
-                          <a:effectLst/>
-                          <a:uLnTx/>
-                          <a:uFillTx/>
-                          <a:latin typeface="Calibri" panose="020F0502020204030204"/>
-                          <a:ea typeface="+mn-ea"/>
-                          <a:cs typeface="+mn-cs"/>
-                        </a:rPr>
-                        <a:t> </a:t>
-                      </a:r>
-                    </a:p>
-                  </a:txBody>
-                  <a:tcPr marL="0" marR="0" marT="0" marB="0" anchor="ctr"/>
-                </a:tc>
-                <a:tc>
-                  <a:txBody>
-                    <a:bodyPr/>
-                    <a:lstStyle/>
-                    <a:p>
-                      <a:pPr marL="0" marR="0" lvl="0" indent="0" algn="ctr" defTabSz="914400" rtl="0" eaLnBrk="1" fontAlgn="auto" latinLnBrk="0" hangingPunct="1">
-                        <a:lnSpc>
-                          <a:spcPct val="100000"/>
-                        </a:lnSpc>
-                        <a:spcBef>
-                          <a:spcPts val="0"/>
-                        </a:spcBef>
-                        <a:spcAft>
-                          <a:spcPts val="0"/>
-                        </a:spcAft>
-                        <a:buClrTx/>
-                        <a:buSzTx/>
-                        <a:buFontTx/>
-                        <a:buNone/>
-                        <a:tabLst/>
-                        <a:defRPr/>
-                      </a:pPr>
-                      <a:r>
-                        <a:rPr kumimoji="0" lang="en-US" sz="1400" b="0" i="0" u="none" strike="sngStrike" kern="1200" cap="none" spc="0" normalizeH="0" baseline="0" noProof="0">
-                          <a:ln>
-                            <a:noFill/>
-                          </a:ln>
-                          <a:solidFill>
-                            <a:prstClr val="black"/>
-                          </a:solidFill>
-                          <a:effectLst/>
-                          <a:uLnTx/>
-                          <a:uFillTx/>
-                          <a:latin typeface="Calibri" panose="020F0502020204030204"/>
-                          <a:ea typeface="+mn-ea"/>
-                          <a:cs typeface="+mn-cs"/>
-                        </a:rPr>
-                        <a:t> </a:t>
-                      </a:r>
-                      <a:endParaRPr kumimoji="0" lang="en-US" sz="1400" b="0" i="0" u="none" strike="sngStrike" kern="1200" cap="none" spc="0" normalizeH="0" baseline="0" noProof="0" dirty="0">
-                        <a:ln>
-                          <a:noFill/>
-                        </a:ln>
-                        <a:solidFill>
-                          <a:prstClr val="black"/>
-                        </a:solidFill>
-                        <a:effectLst/>
-                        <a:uLnTx/>
-                        <a:uFillTx/>
-                        <a:latin typeface="Calibri" panose="020F0502020204030204"/>
-                        <a:ea typeface="+mn-ea"/>
-                        <a:cs typeface="+mn-cs"/>
-                      </a:endParaRPr>
-                    </a:p>
-                  </a:txBody>
-                  <a:tcPr marL="0" marR="0" marT="0" marB="0" anchor="ctr"/>
-                </a:tc>
-                <a:tc>
-                  <a:txBody>
-                    <a:bodyPr/>
-                    <a:lstStyle/>
-                    <a:p>
-                      <a:pPr marL="0" marR="0" lvl="0" indent="0" algn="ctr" defTabSz="914400" rtl="0" eaLnBrk="1" fontAlgn="auto" latinLnBrk="0" hangingPunct="1">
-                        <a:lnSpc>
-                          <a:spcPct val="100000"/>
-                        </a:lnSpc>
-                        <a:spcBef>
-                          <a:spcPts val="0"/>
-                        </a:spcBef>
-                        <a:spcAft>
-                          <a:spcPts val="0"/>
-                        </a:spcAft>
-                        <a:buClrTx/>
-                        <a:buSzTx/>
-                        <a:buFontTx/>
-                        <a:buNone/>
-                        <a:tabLst/>
-                        <a:defRPr/>
-                      </a:pPr>
-                      <a:r>
-                        <a:rPr kumimoji="0" lang="en-US" sz="1400" b="0" i="0" u="none" strike="sngStrike" kern="1200" cap="none" spc="0" normalizeH="0" baseline="0" noProof="0" dirty="0">
-                          <a:ln>
-                            <a:noFill/>
-                          </a:ln>
-                          <a:solidFill>
-                            <a:prstClr val="black"/>
-                          </a:solidFill>
-                          <a:effectLst/>
-                          <a:uLnTx/>
-                          <a:uFillTx/>
-                          <a:latin typeface="Calibri" panose="020F0502020204030204"/>
-                          <a:ea typeface="+mn-ea"/>
-                          <a:cs typeface="+mn-cs"/>
-                        </a:rPr>
-                        <a:t> </a:t>
-                      </a:r>
-                    </a:p>
-                  </a:txBody>
-                  <a:tcPr marL="0" marR="0" marT="0" marB="0" anchor="ctr"/>
-                </a:tc>
-                <a:tc>
-                  <a:txBody>
-                    <a:bodyPr/>
-                    <a:lstStyle/>
-                    <a:p>
-                      <a:pPr marL="0" marR="0" lvl="0" indent="0" algn="ctr" defTabSz="914400" rtl="0" eaLnBrk="1" fontAlgn="auto" latinLnBrk="0" hangingPunct="1">
-                        <a:lnSpc>
-                          <a:spcPct val="100000"/>
-                        </a:lnSpc>
-                        <a:spcBef>
-                          <a:spcPts val="0"/>
-                        </a:spcBef>
-                        <a:spcAft>
-                          <a:spcPts val="0"/>
-                        </a:spcAft>
-                        <a:buClrTx/>
-                        <a:buSzTx/>
-                        <a:buFontTx/>
-                        <a:buNone/>
-                        <a:tabLst/>
-                        <a:defRPr/>
-                      </a:pPr>
-                      <a:r>
-                        <a:rPr kumimoji="0" lang="en-US" sz="1400" b="0" i="0" u="none" strike="sngStrike" kern="1200" cap="none" spc="0" normalizeH="0" baseline="0" noProof="0" dirty="0">
-                          <a:ln>
-                            <a:noFill/>
-                          </a:ln>
-                          <a:solidFill>
-                            <a:prstClr val="black"/>
-                          </a:solidFill>
-                          <a:effectLst/>
-                          <a:uLnTx/>
-                          <a:uFillTx/>
-                          <a:latin typeface="Calibri" panose="020F0502020204030204"/>
-                          <a:ea typeface="+mn-ea"/>
-                          <a:cs typeface="+mn-cs"/>
-                        </a:rPr>
-                        <a:t> </a:t>
-                      </a:r>
-                    </a:p>
-                  </a:txBody>
-                  <a:tcPr marL="0" marR="0" marT="0" marB="0" anchor="ctr"/>
-                </a:tc>
-                <a:tc>
-                  <a:txBody>
-                    <a:bodyPr/>
-                    <a:lstStyle/>
-                    <a:p>
-                      <a:pPr marL="0" marR="0" lvl="0" indent="0" algn="ctr" defTabSz="914400" rtl="0" eaLnBrk="1" fontAlgn="auto" latinLnBrk="0" hangingPunct="1">
-                        <a:lnSpc>
-                          <a:spcPct val="100000"/>
-                        </a:lnSpc>
-                        <a:spcBef>
-                          <a:spcPts val="0"/>
-                        </a:spcBef>
-                        <a:spcAft>
-                          <a:spcPts val="0"/>
-                        </a:spcAft>
-                        <a:buClrTx/>
-                        <a:buSzTx/>
-                        <a:buFontTx/>
-                        <a:buNone/>
-                        <a:tabLst/>
-                        <a:defRPr/>
-                      </a:pPr>
-                      <a:r>
-                        <a:rPr kumimoji="0" lang="en-US" sz="1400" b="0" i="0" u="none" strike="sngStrike" kern="1200" cap="none" spc="0" normalizeH="0" baseline="0" noProof="0" dirty="0">
-                          <a:ln>
-                            <a:noFill/>
-                          </a:ln>
-                          <a:solidFill>
-                            <a:prstClr val="black"/>
-                          </a:solidFill>
-                          <a:effectLst/>
-                          <a:uLnTx/>
-                          <a:uFillTx/>
-                          <a:latin typeface="Calibri" panose="020F0502020204030204"/>
-                          <a:ea typeface="+mn-ea"/>
-                          <a:cs typeface="+mn-cs"/>
-                        </a:rPr>
-                        <a:t> </a:t>
-                      </a:r>
-                    </a:p>
-                  </a:txBody>
-                  <a:tcPr marL="0" marR="0" marT="0" marB="0" anchor="ctr"/>
-                </a:tc>
-                <a:tc>
-                  <a:txBody>
-                    <a:bodyPr/>
-                    <a:lstStyle/>
-                    <a:p>
-                      <a:pPr marL="0" marR="0" lvl="0" indent="0" algn="ctr" defTabSz="914400" rtl="0" eaLnBrk="1" fontAlgn="auto" latinLnBrk="0" hangingPunct="1">
-                        <a:lnSpc>
-                          <a:spcPct val="100000"/>
-                        </a:lnSpc>
-                        <a:spcBef>
-                          <a:spcPts val="0"/>
-                        </a:spcBef>
-                        <a:spcAft>
-                          <a:spcPts val="0"/>
-                        </a:spcAft>
-                        <a:buClrTx/>
-                        <a:buSzTx/>
-                        <a:buFontTx/>
-                        <a:buNone/>
-                        <a:tabLst/>
-                        <a:defRPr/>
-                      </a:pPr>
-                      <a:r>
-                        <a:rPr kumimoji="0" lang="en-US" sz="1400" b="0" i="0" u="none" strike="sngStrike" kern="1200" cap="none" spc="0" normalizeH="0" baseline="0" noProof="0" dirty="0">
-                          <a:ln>
-                            <a:noFill/>
-                          </a:ln>
-                          <a:solidFill>
-                            <a:prstClr val="black"/>
-                          </a:solidFill>
-                          <a:effectLst/>
-                          <a:uLnTx/>
-                          <a:uFillTx/>
-                          <a:latin typeface="Calibri" panose="020F0502020204030204"/>
-                          <a:ea typeface="+mn-ea"/>
-                          <a:cs typeface="+mn-cs"/>
-                        </a:rPr>
-                        <a:t> </a:t>
-                      </a:r>
-                    </a:p>
-                  </a:txBody>
-                  <a:tcPr marL="0" marR="0" marT="0" marB="0" anchor="ctr"/>
-                </a:tc>
-                <a:tc>
-                  <a:txBody>
-                    <a:bodyPr/>
-                    <a:lstStyle/>
-                    <a:p>
-                      <a:pPr marL="0" marR="0" lvl="0" indent="0" algn="ctr" defTabSz="914400" rtl="0" eaLnBrk="1" fontAlgn="auto" latinLnBrk="0" hangingPunct="1">
-                        <a:lnSpc>
-                          <a:spcPct val="100000"/>
-                        </a:lnSpc>
-                        <a:spcBef>
-                          <a:spcPts val="0"/>
-                        </a:spcBef>
-                        <a:spcAft>
-                          <a:spcPts val="0"/>
-                        </a:spcAft>
-                        <a:buClrTx/>
-                        <a:buSzTx/>
-                        <a:buFontTx/>
-                        <a:buNone/>
-                        <a:tabLst/>
-                        <a:defRPr/>
-                      </a:pPr>
-                      <a:r>
-                        <a:rPr kumimoji="0" lang="en-US" sz="1400" b="0" i="0" u="none" strike="sngStrike" kern="1200" cap="none" spc="0" normalizeH="0" baseline="0" noProof="0" dirty="0">
-                          <a:ln>
-                            <a:noFill/>
-                          </a:ln>
-                          <a:solidFill>
-                            <a:prstClr val="black"/>
-                          </a:solidFill>
-                          <a:effectLst/>
-                          <a:uLnTx/>
-                          <a:uFillTx/>
-                          <a:latin typeface="Calibri" panose="020F0502020204030204"/>
-                          <a:ea typeface="+mn-ea"/>
-                          <a:cs typeface="+mn-cs"/>
-                        </a:rPr>
-                        <a:t> </a:t>
-                      </a:r>
-                    </a:p>
-                  </a:txBody>
-                  <a:tcPr marL="0" marR="0" marT="0" marB="0" anchor="ctr"/>
-                </a:tc>
-                <a:extLst>
-                  <a:ext uri="{0D108BD9-81ED-4DB2-BD59-A6C34878D82A}">
-                    <a16:rowId xmlns:a16="http://schemas.microsoft.com/office/drawing/2014/main" val="2745847095"/>
-                  </a:ext>
-                </a:extLst>
-              </a:tr>
-              <a:tr h="512232">
-                <a:tc>
-                  <a:txBody>
-                    <a:bodyPr/>
-                    <a:lstStyle/>
-                    <a:p>
-                      <a:pPr algn="ctr"/>
-                      <a:endParaRPr lang="en-US" sz="1400" dirty="0">
-                        <a:solidFill>
-                          <a:schemeClr val="accent2">
-                            <a:lumMod val="75000"/>
-                          </a:schemeClr>
-                        </a:solidFill>
-                      </a:endParaRPr>
-                    </a:p>
-                  </a:txBody>
-                  <a:tcPr marL="0" marR="0" marT="0" marB="0" anchor="ctr"/>
-                </a:tc>
-                <a:tc>
-                  <a:txBody>
-                    <a:bodyPr/>
-                    <a:lstStyle/>
-                    <a:p>
-                      <a:pPr algn="ctr"/>
-                      <a:r>
-                        <a:rPr lang="ko-KR" altLang="en-US" sz="1400" strike="sngStrike" dirty="0"/>
-                        <a:t>김희준</a:t>
-                      </a:r>
-                      <a:endParaRPr lang="en-US" sz="1400" strike="sngStrike" dirty="0">
-                        <a:solidFill>
-                          <a:schemeClr val="accent2">
-                            <a:lumMod val="75000"/>
-                          </a:schemeClr>
-                        </a:solidFill>
-                      </a:endParaRPr>
-                    </a:p>
-                  </a:txBody>
-                  <a:tcPr marL="0" marR="0" marT="0" marB="0" anchor="ctr"/>
-                </a:tc>
-                <a:tc>
-                  <a:txBody>
-                    <a:bodyPr/>
-                    <a:lstStyle/>
-                    <a:p>
-                      <a:pPr algn="ctr"/>
-                      <a:endParaRPr lang="en-US" sz="1400" dirty="0">
-                        <a:solidFill>
-                          <a:schemeClr val="accent2">
-                            <a:lumMod val="75000"/>
-                          </a:schemeClr>
-                        </a:solidFill>
-                      </a:endParaRPr>
-                    </a:p>
-                  </a:txBody>
-                  <a:tcPr marL="0" marR="0" marT="0" marB="0" anchor="ctr"/>
-                </a:tc>
-                <a:tc>
-                  <a:txBody>
-                    <a:bodyPr/>
-                    <a:lstStyle/>
-                    <a:p>
-                      <a:pPr algn="ctr"/>
-                      <a:endParaRPr lang="en-US" sz="1400">
-                        <a:solidFill>
-                          <a:schemeClr val="accent2">
-                            <a:lumMod val="75000"/>
-                          </a:schemeClr>
-                        </a:solidFill>
-                      </a:endParaRPr>
-                    </a:p>
-                  </a:txBody>
-                  <a:tcPr marL="0" marR="0" marT="0" marB="0" anchor="ctr"/>
-                </a:tc>
-                <a:tc>
-                  <a:txBody>
-                    <a:bodyPr/>
-                    <a:lstStyle/>
-                    <a:p>
-                      <a:pPr algn="ctr"/>
-                      <a:endParaRPr lang="en-US" sz="1400" dirty="0">
-                        <a:solidFill>
-                          <a:schemeClr val="accent2">
-                            <a:lumMod val="75000"/>
-                          </a:schemeClr>
-                        </a:solidFill>
-                      </a:endParaRPr>
-                    </a:p>
-                  </a:txBody>
-                  <a:tcPr marL="0" marR="0" marT="0" marB="0" anchor="ctr"/>
-                </a:tc>
-                <a:tc>
-                  <a:txBody>
-                    <a:bodyPr/>
-                    <a:lstStyle/>
-                    <a:p>
-                      <a:pPr algn="ctr"/>
-                      <a:endParaRPr lang="en-US" sz="1400">
-                        <a:solidFill>
-                          <a:schemeClr val="accent2">
-                            <a:lumMod val="75000"/>
-                          </a:schemeClr>
-                        </a:solidFill>
-                      </a:endParaRPr>
-                    </a:p>
-                  </a:txBody>
-                  <a:tcPr marL="0" marR="0" marT="0" marB="0" anchor="ctr"/>
-                </a:tc>
-                <a:tc>
-                  <a:txBody>
-                    <a:bodyPr/>
-                    <a:lstStyle/>
-                    <a:p>
-                      <a:pPr algn="ctr"/>
-                      <a:endParaRPr lang="en-US" sz="1400" dirty="0">
-                        <a:solidFill>
-                          <a:schemeClr val="accent2">
-                            <a:lumMod val="75000"/>
-                          </a:schemeClr>
-                        </a:solidFill>
-                      </a:endParaRPr>
-                    </a:p>
-                  </a:txBody>
-                  <a:tcPr marL="0" marR="0" marT="0" marB="0" anchor="ctr"/>
-                </a:tc>
-                <a:tc>
-                  <a:txBody>
-                    <a:bodyPr/>
-                    <a:lstStyle/>
-                    <a:p>
-                      <a:pPr algn="ctr"/>
-                      <a:endParaRPr lang="en-US" sz="1400" dirty="0">
-                        <a:solidFill>
-                          <a:schemeClr val="accent2">
-                            <a:lumMod val="75000"/>
-                          </a:schemeClr>
-                        </a:solidFill>
-                      </a:endParaRPr>
-                    </a:p>
-                  </a:txBody>
-                  <a:tcPr marL="0" marR="0" marT="0" marB="0" anchor="ctr"/>
-                </a:tc>
-                <a:tc>
-                  <a:txBody>
-                    <a:bodyPr/>
-                    <a:lstStyle/>
-                    <a:p>
-                      <a:pPr algn="ctr"/>
-                      <a:endParaRPr lang="en-US" sz="1400" dirty="0">
-                        <a:solidFill>
-                          <a:schemeClr val="accent2">
-                            <a:lumMod val="75000"/>
-                          </a:schemeClr>
-                        </a:solidFill>
-                      </a:endParaRPr>
-                    </a:p>
-                  </a:txBody>
-                  <a:tcPr marL="0" marR="0" marT="0" marB="0" anchor="ctr"/>
-                </a:tc>
-                <a:tc>
-                  <a:txBody>
-                    <a:bodyPr/>
-                    <a:lstStyle/>
-                    <a:p>
-                      <a:pPr algn="ctr"/>
-                      <a:endParaRPr lang="en-US" sz="1400" dirty="0">
-                        <a:solidFill>
-                          <a:schemeClr val="accent2">
-                            <a:lumMod val="75000"/>
-                          </a:schemeClr>
-                        </a:solidFill>
-                      </a:endParaRPr>
-                    </a:p>
-                  </a:txBody>
-                  <a:tcPr marL="0" marR="0" marT="0" marB="0" anchor="ctr"/>
-                </a:tc>
-                <a:tc>
-                  <a:txBody>
-                    <a:bodyPr/>
-                    <a:lstStyle/>
-                    <a:p>
-                      <a:pPr algn="ctr"/>
-                      <a:endParaRPr lang="en-US" sz="1400" dirty="0">
-                        <a:solidFill>
-                          <a:schemeClr val="accent2">
-                            <a:lumMod val="75000"/>
-                          </a:schemeClr>
-                        </a:solidFill>
-                      </a:endParaRPr>
-                    </a:p>
-                  </a:txBody>
-                  <a:tcPr marL="0" marR="0" marT="0" marB="0" anchor="ctr"/>
-                </a:tc>
-                <a:tc>
-                  <a:txBody>
-                    <a:bodyPr/>
-                    <a:lstStyle/>
-                    <a:p>
-                      <a:pPr algn="ctr"/>
-                      <a:endParaRPr lang="en-US" sz="1400" dirty="0">
-                        <a:solidFill>
-                          <a:schemeClr val="accent2">
-                            <a:lumMod val="75000"/>
-                          </a:schemeClr>
-                        </a:solidFill>
-                      </a:endParaRPr>
-                    </a:p>
-                  </a:txBody>
-                  <a:tcPr marL="0" marR="0" marT="0" marB="0" anchor="ctr"/>
-                </a:tc>
-                <a:tc>
-                  <a:txBody>
-                    <a:bodyPr/>
-                    <a:lstStyle/>
-                    <a:p>
-                      <a:pPr algn="ctr"/>
-                      <a:endParaRPr lang="en-US" sz="1400" dirty="0">
-                        <a:solidFill>
-                          <a:schemeClr val="accent2">
-                            <a:lumMod val="75000"/>
-                          </a:schemeClr>
-                        </a:solidFill>
-                      </a:endParaRPr>
-                    </a:p>
-                  </a:txBody>
-                  <a:tcPr marL="0" marR="0" marT="0" marB="0" anchor="ctr"/>
-                </a:tc>
-                <a:tc>
-                  <a:txBody>
-                    <a:bodyPr/>
-                    <a:lstStyle/>
-                    <a:p>
-                      <a:pPr algn="ctr"/>
-                      <a:endParaRPr lang="en-US" sz="1400" dirty="0">
-                        <a:solidFill>
-                          <a:schemeClr val="accent2">
-                            <a:lumMod val="75000"/>
-                          </a:schemeClr>
-                        </a:solidFill>
-                      </a:endParaRPr>
-                    </a:p>
-                  </a:txBody>
-                  <a:tcPr marL="0" marR="0" marT="0" marB="0" anchor="ctr"/>
-                </a:tc>
-                <a:tc>
-                  <a:txBody>
-                    <a:bodyPr/>
-                    <a:lstStyle/>
-                    <a:p>
-                      <a:pPr algn="ctr"/>
-                      <a:endParaRPr lang="en-US" sz="1400" dirty="0">
-                        <a:solidFill>
-                          <a:schemeClr val="accent2">
-                            <a:lumMod val="75000"/>
-                          </a:schemeClr>
-                        </a:solidFill>
-                      </a:endParaRPr>
-                    </a:p>
-                  </a:txBody>
-                  <a:tcPr marL="0" marR="0" marT="0" marB="0" anchor="ctr"/>
-                </a:tc>
-                <a:tc>
-                  <a:txBody>
-                    <a:bodyPr/>
-                    <a:lstStyle/>
-                    <a:p>
-                      <a:pPr algn="ctr"/>
-                      <a:endParaRPr lang="en-US" sz="1400" dirty="0">
-                        <a:solidFill>
-                          <a:schemeClr val="accent2">
-                            <a:lumMod val="75000"/>
-                          </a:schemeClr>
-                        </a:solidFill>
-                      </a:endParaRPr>
-                    </a:p>
-                  </a:txBody>
-                  <a:tcPr marL="0" marR="0" marT="0" marB="0" anchor="ctr"/>
-                </a:tc>
-                <a:tc>
-                  <a:txBody>
-                    <a:bodyPr/>
-                    <a:lstStyle/>
-                    <a:p>
-                      <a:pPr algn="ctr"/>
-                      <a:endParaRPr lang="en-US" sz="1400" dirty="0">
-                        <a:solidFill>
-                          <a:schemeClr val="accent2">
-                            <a:lumMod val="75000"/>
-                          </a:schemeClr>
-                        </a:solidFill>
-                      </a:endParaRPr>
-                    </a:p>
-                  </a:txBody>
-                  <a:tcPr marL="0" marR="0" marT="0" marB="0" anchor="ctr"/>
-                </a:tc>
-                <a:tc>
-                  <a:txBody>
-                    <a:bodyPr/>
-                    <a:lstStyle/>
-                    <a:p>
-                      <a:pPr algn="ctr"/>
-                      <a:endParaRPr lang="en-US" sz="1400" dirty="0">
-                        <a:solidFill>
-                          <a:schemeClr val="accent2">
-                            <a:lumMod val="75000"/>
-                          </a:schemeClr>
-                        </a:solidFill>
-                      </a:endParaRPr>
-                    </a:p>
-                  </a:txBody>
-                  <a:tcPr marL="0" marR="0" marT="0" marB="0" anchor="ctr"/>
-                </a:tc>
-                <a:tc>
-                  <a:txBody>
-                    <a:bodyPr/>
-                    <a:lstStyle/>
-                    <a:p>
-                      <a:pPr algn="ctr"/>
-                      <a:endParaRPr lang="en-US" sz="1400" dirty="0">
-                        <a:solidFill>
-                          <a:schemeClr val="accent2">
-                            <a:lumMod val="75000"/>
-                          </a:schemeClr>
-                        </a:solidFill>
-                      </a:endParaRPr>
-                    </a:p>
-                  </a:txBody>
-                  <a:tcPr marL="0" marR="0" marT="0" marB="0" anchor="ctr"/>
-                </a:tc>
-                <a:tc>
-                  <a:txBody>
-                    <a:bodyPr/>
-                    <a:lstStyle/>
-                    <a:p>
-                      <a:pPr algn="ctr"/>
-                      <a:endParaRPr lang="en-US" sz="1400" dirty="0">
-                        <a:solidFill>
-                          <a:schemeClr val="accent2">
-                            <a:lumMod val="75000"/>
-                          </a:schemeClr>
-                        </a:solidFill>
-                      </a:endParaRPr>
-                    </a:p>
-                  </a:txBody>
-                  <a:tcPr marL="0" marR="0" marT="0" marB="0" anchor="ctr"/>
-                </a:tc>
-                <a:tc>
-                  <a:txBody>
-                    <a:bodyPr/>
-                    <a:lstStyle/>
-                    <a:p>
-                      <a:pPr algn="ctr"/>
-                      <a:endParaRPr lang="en-US" sz="1400" dirty="0">
-                        <a:solidFill>
-                          <a:schemeClr val="accent2">
-                            <a:lumMod val="75000"/>
-                          </a:schemeClr>
-                        </a:solidFill>
-                      </a:endParaRPr>
-                    </a:p>
-                  </a:txBody>
-                  <a:tcPr marL="0" marR="0" marT="0" marB="0" anchor="ctr"/>
-                </a:tc>
-                <a:tc>
-                  <a:txBody>
-                    <a:bodyPr/>
-                    <a:lstStyle/>
-                    <a:p>
-                      <a:pPr algn="ctr"/>
-                      <a:endParaRPr lang="en-US" sz="1400" dirty="0">
-                        <a:solidFill>
-                          <a:schemeClr val="accent2">
-                            <a:lumMod val="75000"/>
-                          </a:schemeClr>
-                        </a:solidFill>
-                      </a:endParaRPr>
-                    </a:p>
-                  </a:txBody>
-                  <a:tcPr marL="0" marR="0" marT="0" marB="0" anchor="ctr"/>
-                </a:tc>
-                <a:extLst>
-                  <a:ext uri="{0D108BD9-81ED-4DB2-BD59-A6C34878D82A}">
-                    <a16:rowId xmlns:a16="http://schemas.microsoft.com/office/drawing/2014/main" val="3403495089"/>
-                  </a:ext>
-                </a:extLst>
-              </a:tr>
             </a:tbl>
           </a:graphicData>
         </a:graphic>
@@ -22702,7 +20732,7 @@
           <a:p>
             <a:fld id="{BE0357B1-0FDD-482C-A9DC-A4587093D4A9}" type="datetime1">
               <a:rPr lang="ko-KR" altLang="en-US" smtClean="0"/>
-              <a:t>2019-07-21</a:t>
+              <a:t>2019-07-27</a:t>
             </a:fld>
             <a:endParaRPr lang="en-US"/>
           </a:p>

--- a/110 드론 멘토링 출결 현황 V1.1.pptx
+++ b/110 드론 멘토링 출결 현황 V1.1.pptx
@@ -8,8 +8,8 @@
     <p:notesMasterId r:id="rId4"/>
   </p:notesMasterIdLst>
   <p:sldIdLst>
-    <p:sldId id="265" r:id="rId2"/>
-    <p:sldId id="266" r:id="rId3"/>
+    <p:sldId id="266" r:id="rId2"/>
+    <p:sldId id="265" r:id="rId3"/>
   </p:sldIdLst>
   <p:sldSz cx="9906000" cy="6858000" type="A4"/>
   <p:notesSz cx="6858000" cy="9144000"/>
@@ -7964,7 +7964,7 @@
           <a:p>
             <a:fld id="{60456C2F-1F67-44A5-80B0-9C3A6CA33C82}" type="datetimeFigureOut">
               <a:rPr lang="en-US" smtClean="0"/>
-              <a:t>7/27/2019</a:t>
+              <a:t>8/7/2019</a:t>
             </a:fld>
             <a:endParaRPr lang="en-US"/>
           </a:p>
@@ -8363,7 +8363,7 @@
           <a:p>
             <a:fld id="{319B1230-C6B6-4309-80C9-CAB93D465649}" type="datetime1">
               <a:rPr lang="ko-KR" altLang="en-US" smtClean="0"/>
-              <a:t>2019-07-27</a:t>
+              <a:t>2019-08-07</a:t>
             </a:fld>
             <a:endParaRPr lang="en-US"/>
           </a:p>
@@ -8474,7 +8474,7 @@
           <a:p>
             <a:fld id="{924A5E96-5228-467F-80D0-2ECBCC17D15E}" type="datetime1">
               <a:rPr lang="ko-KR" altLang="en-US" smtClean="0"/>
-              <a:t>2019-07-27</a:t>
+              <a:t>2019-08-07</a:t>
             </a:fld>
             <a:endParaRPr lang="en-US"/>
           </a:p>
@@ -8660,7 +8660,7 @@
           <a:p>
             <a:fld id="{BE0357B1-0FDD-482C-A9DC-A4587093D4A9}" type="datetime1">
               <a:rPr lang="ko-KR" altLang="en-US" smtClean="0"/>
-              <a:t>2019-07-27</a:t>
+              <a:t>2019-08-07</a:t>
             </a:fld>
             <a:endParaRPr lang="en-US"/>
           </a:p>
@@ -8923,7 +8923,7 @@
           <a:p>
             <a:fld id="{0D94B2E5-B4C8-4FE9-8181-FA32C14418EE}" type="datetime1">
               <a:rPr lang="ko-KR" altLang="en-US" smtClean="0"/>
-              <a:t>2019-07-27</a:t>
+              <a:t>2019-08-07</a:t>
             </a:fld>
             <a:endParaRPr lang="en-US"/>
           </a:p>
@@ -9251,7 +9251,7 @@
           <a:p>
             <a:fld id="{8F5C8F60-763C-4F84-8F24-DD737445852F}" type="datetime1">
               <a:rPr lang="ko-KR" altLang="en-US" smtClean="0"/>
-              <a:t>2019-07-27</a:t>
+              <a:t>2019-08-07</a:t>
             </a:fld>
             <a:endParaRPr lang="en-US"/>
           </a:p>
@@ -9599,7 +9599,7 @@
           <a:p>
             <a:fld id="{4CC14437-CE76-4CAA-B57D-74630AAA1A81}" type="datetime1">
               <a:rPr lang="ko-KR" altLang="en-US" smtClean="0"/>
-              <a:t>2019-07-27</a:t>
+              <a:t>2019-08-07</a:t>
             </a:fld>
             <a:endParaRPr lang="en-US"/>
           </a:p>
@@ -9890,7 +9890,7 @@
           <a:p>
             <a:fld id="{834AA384-6E8E-4FED-B7E7-E5A1E24200AC}" type="datetime1">
               <a:rPr lang="ko-KR" altLang="en-US" smtClean="0"/>
-              <a:t>2019-07-27</a:t>
+              <a:t>2019-08-07</a:t>
             </a:fld>
             <a:endParaRPr lang="en-US"/>
           </a:p>
@@ -10218,7 +10218,7 @@
           <a:p>
             <a:fld id="{7917DF62-74E6-4230-B273-D0D3CCDE7E84}" type="datetime1">
               <a:rPr lang="ko-KR" altLang="en-US" smtClean="0"/>
-              <a:t>2019-07-27</a:t>
+              <a:t>2019-08-07</a:t>
             </a:fld>
             <a:endParaRPr lang="en-US"/>
           </a:p>
@@ -10644,7 +10644,7 @@
           <a:p>
             <a:fld id="{6B67E599-38F1-4810-B40C-4564238E6F55}" type="datetime1">
               <a:rPr lang="ko-KR" altLang="en-US" smtClean="0"/>
-              <a:t>2019-07-27</a:t>
+              <a:t>2019-08-07</a:t>
             </a:fld>
             <a:endParaRPr lang="en-US"/>
           </a:p>
@@ -10778,7 +10778,7 @@
           <a:p>
             <a:fld id="{FED29414-8F33-4E3F-A952-9544504CA7EE}" type="datetime1">
               <a:rPr lang="ko-KR" altLang="en-US" smtClean="0"/>
-              <a:t>2019-07-27</a:t>
+              <a:t>2019-08-07</a:t>
             </a:fld>
             <a:endParaRPr lang="en-US"/>
           </a:p>
@@ -11057,7 +11057,7 @@
           <a:p>
             <a:fld id="{2605756E-71AC-4422-8513-6CA67E389392}" type="datetime1">
               <a:rPr lang="ko-KR" altLang="en-US" smtClean="0"/>
-              <a:t>2019-07-27</a:t>
+              <a:t>2019-08-07</a:t>
             </a:fld>
             <a:endParaRPr lang="en-US"/>
           </a:p>
@@ -11504,6 +11504,2883 @@
             </a:r>
             <a:r>
               <a:rPr lang="en-US" altLang="ko-KR"/>
+              <a:t>(5</a:t>
+            </a:r>
+            <a:r>
+              <a:rPr lang="ko-KR" altLang="en-US"/>
+              <a:t>주 </a:t>
+            </a:r>
+            <a:r>
+              <a:rPr lang="en-US" altLang="ko-KR"/>
+              <a:t>~ 8</a:t>
+            </a:r>
+            <a:r>
+              <a:rPr lang="ko-KR" altLang="en-US"/>
+              <a:t>주</a:t>
+            </a:r>
+            <a:r>
+              <a:rPr lang="en-US" altLang="ko-KR"/>
+              <a:t>)</a:t>
+            </a:r>
+            <a:endParaRPr lang="en-US"/>
+          </a:p>
+        </p:txBody>
+      </p:sp>
+      <p:graphicFrame>
+        <p:nvGraphicFramePr>
+          <p:cNvPr id="7" name="내용 개체 틀 6"/>
+          <p:cNvGraphicFramePr>
+            <a:graphicFrameLocks noGrp="1"/>
+          </p:cNvGraphicFramePr>
+          <p:nvPr>
+            <p:ph idx="1"/>
+            <p:extLst>
+              <p:ext uri="{D42A27DB-BD31-4B8C-83A1-F6EECF244321}">
+                <p14:modId xmlns:p14="http://schemas.microsoft.com/office/powerpoint/2010/main" val="1974275859"/>
+              </p:ext>
+            </p:extLst>
+          </p:nvPr>
+        </p:nvGraphicFramePr>
+        <p:xfrm>
+          <a:off x="681038" y="1255712"/>
+          <a:ext cx="8543931" cy="2897284"/>
+        </p:xfrm>
+        <a:graphic>
+          <a:graphicData uri="http://schemas.openxmlformats.org/drawingml/2006/table">
+            <a:tbl>
+              <a:tblPr firstRow="1" bandRow="1">
+                <a:tableStyleId>{5C22544A-7EE6-4342-B048-85BDC9FD1C3A}</a:tableStyleId>
+              </a:tblPr>
+              <a:tblGrid>
+                <a:gridCol w="365360">
+                  <a:extLst>
+                    <a:ext uri="{9D8B030D-6E8A-4147-A177-3AD203B41FA5}">
+                      <a16:colId xmlns:a16="http://schemas.microsoft.com/office/drawing/2014/main" val="1672163300"/>
+                    </a:ext>
+                  </a:extLst>
+                </a:gridCol>
+                <a:gridCol w="864780">
+                  <a:extLst>
+                    <a:ext uri="{9D8B030D-6E8A-4147-A177-3AD203B41FA5}">
+                      <a16:colId xmlns:a16="http://schemas.microsoft.com/office/drawing/2014/main" val="4290831631"/>
+                    </a:ext>
+                  </a:extLst>
+                </a:gridCol>
+                <a:gridCol w="371951">
+                  <a:extLst>
+                    <a:ext uri="{9D8B030D-6E8A-4147-A177-3AD203B41FA5}">
+                      <a16:colId xmlns:a16="http://schemas.microsoft.com/office/drawing/2014/main" val="2081036147"/>
+                    </a:ext>
+                  </a:extLst>
+                </a:gridCol>
+                <a:gridCol w="365360">
+                  <a:extLst>
+                    <a:ext uri="{9D8B030D-6E8A-4147-A177-3AD203B41FA5}">
+                      <a16:colId xmlns:a16="http://schemas.microsoft.com/office/drawing/2014/main" val="447992165"/>
+                    </a:ext>
+                  </a:extLst>
+                </a:gridCol>
+                <a:gridCol w="365360">
+                  <a:extLst>
+                    <a:ext uri="{9D8B030D-6E8A-4147-A177-3AD203B41FA5}">
+                      <a16:colId xmlns:a16="http://schemas.microsoft.com/office/drawing/2014/main" val="3750022085"/>
+                    </a:ext>
+                  </a:extLst>
+                </a:gridCol>
+                <a:gridCol w="365360">
+                  <a:extLst>
+                    <a:ext uri="{9D8B030D-6E8A-4147-A177-3AD203B41FA5}">
+                      <a16:colId xmlns:a16="http://schemas.microsoft.com/office/drawing/2014/main" val="641325558"/>
+                    </a:ext>
+                  </a:extLst>
+                </a:gridCol>
+                <a:gridCol w="365360">
+                  <a:extLst>
+                    <a:ext uri="{9D8B030D-6E8A-4147-A177-3AD203B41FA5}">
+                      <a16:colId xmlns:a16="http://schemas.microsoft.com/office/drawing/2014/main" val="362233960"/>
+                    </a:ext>
+                  </a:extLst>
+                </a:gridCol>
+                <a:gridCol w="365360">
+                  <a:extLst>
+                    <a:ext uri="{9D8B030D-6E8A-4147-A177-3AD203B41FA5}">
+                      <a16:colId xmlns:a16="http://schemas.microsoft.com/office/drawing/2014/main" val="3860476676"/>
+                    </a:ext>
+                  </a:extLst>
+                </a:gridCol>
+                <a:gridCol w="365360">
+                  <a:extLst>
+                    <a:ext uri="{9D8B030D-6E8A-4147-A177-3AD203B41FA5}">
+                      <a16:colId xmlns:a16="http://schemas.microsoft.com/office/drawing/2014/main" val="2541919191"/>
+                    </a:ext>
+                  </a:extLst>
+                </a:gridCol>
+                <a:gridCol w="365360">
+                  <a:extLst>
+                    <a:ext uri="{9D8B030D-6E8A-4147-A177-3AD203B41FA5}">
+                      <a16:colId xmlns:a16="http://schemas.microsoft.com/office/drawing/2014/main" val="797750506"/>
+                    </a:ext>
+                  </a:extLst>
+                </a:gridCol>
+                <a:gridCol w="365360">
+                  <a:extLst>
+                    <a:ext uri="{9D8B030D-6E8A-4147-A177-3AD203B41FA5}">
+                      <a16:colId xmlns:a16="http://schemas.microsoft.com/office/drawing/2014/main" val="1170228326"/>
+                    </a:ext>
+                  </a:extLst>
+                </a:gridCol>
+                <a:gridCol w="365360">
+                  <a:extLst>
+                    <a:ext uri="{9D8B030D-6E8A-4147-A177-3AD203B41FA5}">
+                      <a16:colId xmlns:a16="http://schemas.microsoft.com/office/drawing/2014/main" val="3720076479"/>
+                    </a:ext>
+                  </a:extLst>
+                </a:gridCol>
+                <a:gridCol w="365360">
+                  <a:extLst>
+                    <a:ext uri="{9D8B030D-6E8A-4147-A177-3AD203B41FA5}">
+                      <a16:colId xmlns:a16="http://schemas.microsoft.com/office/drawing/2014/main" val="1285928712"/>
+                    </a:ext>
+                  </a:extLst>
+                </a:gridCol>
+                <a:gridCol w="365360">
+                  <a:extLst>
+                    <a:ext uri="{9D8B030D-6E8A-4147-A177-3AD203B41FA5}">
+                      <a16:colId xmlns:a16="http://schemas.microsoft.com/office/drawing/2014/main" val="1328609615"/>
+                    </a:ext>
+                  </a:extLst>
+                </a:gridCol>
+                <a:gridCol w="365360">
+                  <a:extLst>
+                    <a:ext uri="{9D8B030D-6E8A-4147-A177-3AD203B41FA5}">
+                      <a16:colId xmlns:a16="http://schemas.microsoft.com/office/drawing/2014/main" val="2537069113"/>
+                    </a:ext>
+                  </a:extLst>
+                </a:gridCol>
+                <a:gridCol w="365360">
+                  <a:extLst>
+                    <a:ext uri="{9D8B030D-6E8A-4147-A177-3AD203B41FA5}">
+                      <a16:colId xmlns:a16="http://schemas.microsoft.com/office/drawing/2014/main" val="3311657425"/>
+                    </a:ext>
+                  </a:extLst>
+                </a:gridCol>
+                <a:gridCol w="365360">
+                  <a:extLst>
+                    <a:ext uri="{9D8B030D-6E8A-4147-A177-3AD203B41FA5}">
+                      <a16:colId xmlns:a16="http://schemas.microsoft.com/office/drawing/2014/main" val="1113503964"/>
+                    </a:ext>
+                  </a:extLst>
+                </a:gridCol>
+                <a:gridCol w="365360">
+                  <a:extLst>
+                    <a:ext uri="{9D8B030D-6E8A-4147-A177-3AD203B41FA5}">
+                      <a16:colId xmlns:a16="http://schemas.microsoft.com/office/drawing/2014/main" val="1649227656"/>
+                    </a:ext>
+                  </a:extLst>
+                </a:gridCol>
+                <a:gridCol w="365360">
+                  <a:extLst>
+                    <a:ext uri="{9D8B030D-6E8A-4147-A177-3AD203B41FA5}">
+                      <a16:colId xmlns:a16="http://schemas.microsoft.com/office/drawing/2014/main" val="1350879301"/>
+                    </a:ext>
+                  </a:extLst>
+                </a:gridCol>
+                <a:gridCol w="365360">
+                  <a:extLst>
+                    <a:ext uri="{9D8B030D-6E8A-4147-A177-3AD203B41FA5}">
+                      <a16:colId xmlns:a16="http://schemas.microsoft.com/office/drawing/2014/main" val="401414820"/>
+                    </a:ext>
+                  </a:extLst>
+                </a:gridCol>
+                <a:gridCol w="365360">
+                  <a:extLst>
+                    <a:ext uri="{9D8B030D-6E8A-4147-A177-3AD203B41FA5}">
+                      <a16:colId xmlns:a16="http://schemas.microsoft.com/office/drawing/2014/main" val="1416095724"/>
+                    </a:ext>
+                  </a:extLst>
+                </a:gridCol>
+                <a:gridCol w="365360">
+                  <a:extLst>
+                    <a:ext uri="{9D8B030D-6E8A-4147-A177-3AD203B41FA5}">
+                      <a16:colId xmlns:a16="http://schemas.microsoft.com/office/drawing/2014/main" val="734609474"/>
+                    </a:ext>
+                  </a:extLst>
+                </a:gridCol>
+              </a:tblGrid>
+              <a:tr h="383618">
+                <a:tc rowSpan="2">
+                  <a:txBody>
+                    <a:bodyPr/>
+                    <a:lstStyle/>
+                    <a:p>
+                      <a:pPr algn="ctr"/>
+                      <a:r>
+                        <a:rPr lang="ko-KR" altLang="en-US" sz="1400"/>
+                        <a:t>조</a:t>
+                      </a:r>
+                      <a:endParaRPr lang="en-US" sz="1400"/>
+                    </a:p>
+                  </a:txBody>
+                  <a:tcPr marL="0" marR="0" marT="0" marB="0" anchor="ctr"/>
+                </a:tc>
+                <a:tc rowSpan="2">
+                  <a:txBody>
+                    <a:bodyPr/>
+                    <a:lstStyle/>
+                    <a:p>
+                      <a:pPr algn="ctr"/>
+                      <a:r>
+                        <a:rPr lang="ko-KR" altLang="en-US" sz="1400"/>
+                        <a:t>이름</a:t>
+                      </a:r>
+                      <a:endParaRPr lang="en-US" sz="1400"/>
+                    </a:p>
+                  </a:txBody>
+                  <a:tcPr marL="0" marR="0" marT="0" marB="0" anchor="ctr"/>
+                </a:tc>
+                <a:tc gridSpan="5">
+                  <a:txBody>
+                    <a:bodyPr/>
+                    <a:lstStyle/>
+                    <a:p>
+                      <a:pPr algn="ctr"/>
+                      <a:r>
+                        <a:rPr lang="en-US" sz="1400"/>
+                        <a:t>5</a:t>
+                      </a:r>
+                      <a:r>
+                        <a:rPr lang="ko-KR" altLang="en-US" sz="1400"/>
+                        <a:t>주</a:t>
+                      </a:r>
+                      <a:endParaRPr lang="en-US" sz="1400"/>
+                    </a:p>
+                  </a:txBody>
+                  <a:tcPr marL="0" marR="0" marT="0" marB="0" anchor="ctr"/>
+                </a:tc>
+                <a:tc hMerge="1">
+                  <a:txBody>
+                    <a:bodyPr/>
+                    <a:lstStyle/>
+                    <a:p>
+                      <a:pPr algn="ctr"/>
+                      <a:endParaRPr lang="en-US" sz="1400"/>
+                    </a:p>
+                  </a:txBody>
+                  <a:tcPr/>
+                </a:tc>
+                <a:tc hMerge="1">
+                  <a:txBody>
+                    <a:bodyPr/>
+                    <a:lstStyle/>
+                    <a:p>
+                      <a:pPr algn="ctr"/>
+                      <a:endParaRPr lang="en-US" sz="1400"/>
+                    </a:p>
+                  </a:txBody>
+                  <a:tcPr/>
+                </a:tc>
+                <a:tc hMerge="1">
+                  <a:txBody>
+                    <a:bodyPr/>
+                    <a:lstStyle/>
+                    <a:p>
+                      <a:pPr algn="ctr"/>
+                      <a:endParaRPr lang="en-US" sz="1400"/>
+                    </a:p>
+                  </a:txBody>
+                  <a:tcPr/>
+                </a:tc>
+                <a:tc hMerge="1">
+                  <a:txBody>
+                    <a:bodyPr/>
+                    <a:lstStyle/>
+                    <a:p>
+                      <a:pPr algn="ctr"/>
+                      <a:endParaRPr lang="en-US" sz="1400"/>
+                    </a:p>
+                  </a:txBody>
+                  <a:tcPr/>
+                </a:tc>
+                <a:tc gridSpan="5">
+                  <a:txBody>
+                    <a:bodyPr/>
+                    <a:lstStyle/>
+                    <a:p>
+                      <a:pPr algn="ctr"/>
+                      <a:r>
+                        <a:rPr lang="en-US" sz="1400"/>
+                        <a:t>6</a:t>
+                      </a:r>
+                      <a:r>
+                        <a:rPr lang="ko-KR" altLang="en-US" sz="1400"/>
+                        <a:t>주</a:t>
+                      </a:r>
+                      <a:endParaRPr lang="en-US" sz="1400"/>
+                    </a:p>
+                  </a:txBody>
+                  <a:tcPr marL="0" marR="0" marT="0" marB="0" anchor="ctr"/>
+                </a:tc>
+                <a:tc hMerge="1">
+                  <a:txBody>
+                    <a:bodyPr/>
+                    <a:lstStyle/>
+                    <a:p>
+                      <a:pPr algn="ctr"/>
+                      <a:endParaRPr lang="en-US" sz="1400"/>
+                    </a:p>
+                  </a:txBody>
+                  <a:tcPr/>
+                </a:tc>
+                <a:tc hMerge="1">
+                  <a:txBody>
+                    <a:bodyPr/>
+                    <a:lstStyle/>
+                    <a:p>
+                      <a:pPr algn="ctr"/>
+                      <a:endParaRPr lang="en-US" sz="1400"/>
+                    </a:p>
+                  </a:txBody>
+                  <a:tcPr/>
+                </a:tc>
+                <a:tc hMerge="1">
+                  <a:txBody>
+                    <a:bodyPr/>
+                    <a:lstStyle/>
+                    <a:p>
+                      <a:pPr algn="ctr"/>
+                      <a:endParaRPr lang="en-US" sz="1400"/>
+                    </a:p>
+                  </a:txBody>
+                  <a:tcPr/>
+                </a:tc>
+                <a:tc hMerge="1">
+                  <a:txBody>
+                    <a:bodyPr/>
+                    <a:lstStyle/>
+                    <a:p>
+                      <a:pPr algn="ctr"/>
+                      <a:endParaRPr lang="en-US" sz="1400"/>
+                    </a:p>
+                  </a:txBody>
+                  <a:tcPr/>
+                </a:tc>
+                <a:tc gridSpan="5">
+                  <a:txBody>
+                    <a:bodyPr/>
+                    <a:lstStyle/>
+                    <a:p>
+                      <a:pPr algn="ctr"/>
+                      <a:r>
+                        <a:rPr lang="en-US" sz="1400"/>
+                        <a:t>7</a:t>
+                      </a:r>
+                      <a:r>
+                        <a:rPr lang="ko-KR" altLang="en-US" sz="1400"/>
+                        <a:t>주</a:t>
+                      </a:r>
+                      <a:endParaRPr lang="en-US" sz="1400"/>
+                    </a:p>
+                  </a:txBody>
+                  <a:tcPr marL="0" marR="0" marT="0" marB="0" anchor="ctr"/>
+                </a:tc>
+                <a:tc hMerge="1">
+                  <a:txBody>
+                    <a:bodyPr/>
+                    <a:lstStyle/>
+                    <a:p>
+                      <a:pPr algn="ctr"/>
+                      <a:endParaRPr lang="en-US" sz="1400"/>
+                    </a:p>
+                  </a:txBody>
+                  <a:tcPr/>
+                </a:tc>
+                <a:tc hMerge="1">
+                  <a:txBody>
+                    <a:bodyPr/>
+                    <a:lstStyle/>
+                    <a:p>
+                      <a:pPr algn="ctr"/>
+                      <a:endParaRPr lang="en-US" sz="1400"/>
+                    </a:p>
+                  </a:txBody>
+                  <a:tcPr/>
+                </a:tc>
+                <a:tc hMerge="1">
+                  <a:txBody>
+                    <a:bodyPr/>
+                    <a:lstStyle/>
+                    <a:p>
+                      <a:pPr algn="ctr"/>
+                      <a:endParaRPr lang="en-US" sz="1400"/>
+                    </a:p>
+                  </a:txBody>
+                  <a:tcPr/>
+                </a:tc>
+                <a:tc hMerge="1">
+                  <a:txBody>
+                    <a:bodyPr/>
+                    <a:lstStyle/>
+                    <a:p>
+                      <a:pPr algn="ctr"/>
+                      <a:endParaRPr lang="en-US" sz="1400"/>
+                    </a:p>
+                  </a:txBody>
+                  <a:tcPr/>
+                </a:tc>
+                <a:tc gridSpan="5">
+                  <a:txBody>
+                    <a:bodyPr/>
+                    <a:lstStyle/>
+                    <a:p>
+                      <a:pPr algn="ctr"/>
+                      <a:r>
+                        <a:rPr lang="en-US" sz="1400"/>
+                        <a:t>8</a:t>
+                      </a:r>
+                      <a:r>
+                        <a:rPr lang="ko-KR" altLang="en-US" sz="1400"/>
+                        <a:t>주</a:t>
+                      </a:r>
+                      <a:endParaRPr lang="en-US" sz="1400"/>
+                    </a:p>
+                  </a:txBody>
+                  <a:tcPr marL="0" marR="0" marT="0" marB="0" anchor="ctr"/>
+                </a:tc>
+                <a:tc hMerge="1">
+                  <a:txBody>
+                    <a:bodyPr/>
+                    <a:lstStyle/>
+                    <a:p>
+                      <a:pPr algn="ctr"/>
+                      <a:endParaRPr lang="en-US" sz="1400"/>
+                    </a:p>
+                  </a:txBody>
+                  <a:tcPr/>
+                </a:tc>
+                <a:tc hMerge="1">
+                  <a:txBody>
+                    <a:bodyPr/>
+                    <a:lstStyle/>
+                    <a:p>
+                      <a:pPr algn="ctr"/>
+                      <a:endParaRPr lang="en-US" sz="1400"/>
+                    </a:p>
+                  </a:txBody>
+                  <a:tcPr/>
+                </a:tc>
+                <a:tc hMerge="1">
+                  <a:txBody>
+                    <a:bodyPr/>
+                    <a:lstStyle/>
+                    <a:p>
+                      <a:pPr algn="ctr"/>
+                      <a:endParaRPr lang="en-US" sz="1400"/>
+                    </a:p>
+                  </a:txBody>
+                  <a:tcPr/>
+                </a:tc>
+                <a:tc hMerge="1">
+                  <a:txBody>
+                    <a:bodyPr/>
+                    <a:lstStyle/>
+                    <a:p>
+                      <a:pPr algn="ctr"/>
+                      <a:endParaRPr lang="en-US" sz="1400"/>
+                    </a:p>
+                  </a:txBody>
+                  <a:tcPr/>
+                </a:tc>
+                <a:extLst>
+                  <a:ext uri="{0D108BD9-81ED-4DB2-BD59-A6C34878D82A}">
+                    <a16:rowId xmlns:a16="http://schemas.microsoft.com/office/drawing/2014/main" val="2210177128"/>
+                  </a:ext>
+                </a:extLst>
+              </a:tr>
+              <a:tr h="464738">
+                <a:tc vMerge="1">
+                  <a:txBody>
+                    <a:bodyPr/>
+                    <a:lstStyle/>
+                    <a:p>
+                      <a:endParaRPr lang="en-US"/>
+                    </a:p>
+                  </a:txBody>
+                  <a:tcPr/>
+                </a:tc>
+                <a:tc vMerge="1">
+                  <a:txBody>
+                    <a:bodyPr/>
+                    <a:lstStyle/>
+                    <a:p>
+                      <a:endParaRPr lang="en-US"/>
+                    </a:p>
+                  </a:txBody>
+                  <a:tcPr/>
+                </a:tc>
+                <a:tc>
+                  <a:txBody>
+                    <a:bodyPr/>
+                    <a:lstStyle/>
+                    <a:p>
+                      <a:pPr algn="ctr"/>
+                      <a:r>
+                        <a:rPr lang="en-US" sz="1400"/>
+                        <a:t>1</a:t>
+                      </a:r>
+                    </a:p>
+                  </a:txBody>
+                  <a:tcPr marL="0" marR="0" marT="0" marB="0" anchor="ctr"/>
+                </a:tc>
+                <a:tc>
+                  <a:txBody>
+                    <a:bodyPr/>
+                    <a:lstStyle/>
+                    <a:p>
+                      <a:pPr algn="ctr"/>
+                      <a:r>
+                        <a:rPr lang="en-US" sz="1400"/>
+                        <a:t>2</a:t>
+                      </a:r>
+                    </a:p>
+                  </a:txBody>
+                  <a:tcPr marL="0" marR="0" marT="0" marB="0" anchor="ctr"/>
+                </a:tc>
+                <a:tc>
+                  <a:txBody>
+                    <a:bodyPr/>
+                    <a:lstStyle/>
+                    <a:p>
+                      <a:pPr algn="ctr"/>
+                      <a:r>
+                        <a:rPr lang="en-US" sz="1400"/>
+                        <a:t>3</a:t>
+                      </a:r>
+                    </a:p>
+                  </a:txBody>
+                  <a:tcPr marL="0" marR="0" marT="0" marB="0" anchor="ctr"/>
+                </a:tc>
+                <a:tc>
+                  <a:txBody>
+                    <a:bodyPr/>
+                    <a:lstStyle/>
+                    <a:p>
+                      <a:pPr algn="ctr"/>
+                      <a:r>
+                        <a:rPr lang="en-US" sz="1400"/>
+                        <a:t>4</a:t>
+                      </a:r>
+                    </a:p>
+                  </a:txBody>
+                  <a:tcPr marL="0" marR="0" marT="0" marB="0" anchor="ctr"/>
+                </a:tc>
+                <a:tc>
+                  <a:txBody>
+                    <a:bodyPr/>
+                    <a:lstStyle/>
+                    <a:p>
+                      <a:pPr algn="ctr"/>
+                      <a:r>
+                        <a:rPr lang="en-US" sz="1400"/>
+                        <a:t>5</a:t>
+                      </a:r>
+                    </a:p>
+                  </a:txBody>
+                  <a:tcPr marL="0" marR="0" marT="0" marB="0" anchor="ctr"/>
+                </a:tc>
+                <a:tc>
+                  <a:txBody>
+                    <a:bodyPr/>
+                    <a:lstStyle/>
+                    <a:p>
+                      <a:pPr algn="ctr"/>
+                      <a:r>
+                        <a:rPr lang="en-US" sz="1400"/>
+                        <a:t>1</a:t>
+                      </a:r>
+                    </a:p>
+                  </a:txBody>
+                  <a:tcPr marL="0" marR="0" marT="0" marB="0" anchor="ctr"/>
+                </a:tc>
+                <a:tc>
+                  <a:txBody>
+                    <a:bodyPr/>
+                    <a:lstStyle/>
+                    <a:p>
+                      <a:pPr algn="ctr"/>
+                      <a:r>
+                        <a:rPr lang="en-US" sz="1400"/>
+                        <a:t>2</a:t>
+                      </a:r>
+                    </a:p>
+                  </a:txBody>
+                  <a:tcPr marL="0" marR="0" marT="0" marB="0" anchor="ctr"/>
+                </a:tc>
+                <a:tc>
+                  <a:txBody>
+                    <a:bodyPr/>
+                    <a:lstStyle/>
+                    <a:p>
+                      <a:pPr algn="ctr"/>
+                      <a:r>
+                        <a:rPr lang="en-US" sz="1400"/>
+                        <a:t>3</a:t>
+                      </a:r>
+                    </a:p>
+                  </a:txBody>
+                  <a:tcPr marL="0" marR="0" marT="0" marB="0" anchor="ctr"/>
+                </a:tc>
+                <a:tc>
+                  <a:txBody>
+                    <a:bodyPr/>
+                    <a:lstStyle/>
+                    <a:p>
+                      <a:pPr algn="ctr"/>
+                      <a:r>
+                        <a:rPr lang="en-US" sz="1400"/>
+                        <a:t>4</a:t>
+                      </a:r>
+                    </a:p>
+                  </a:txBody>
+                  <a:tcPr marL="0" marR="0" marT="0" marB="0" anchor="ctr"/>
+                </a:tc>
+                <a:tc>
+                  <a:txBody>
+                    <a:bodyPr/>
+                    <a:lstStyle/>
+                    <a:p>
+                      <a:pPr algn="ctr"/>
+                      <a:r>
+                        <a:rPr lang="en-US" sz="1400"/>
+                        <a:t>5</a:t>
+                      </a:r>
+                    </a:p>
+                  </a:txBody>
+                  <a:tcPr marL="0" marR="0" marT="0" marB="0" anchor="ctr"/>
+                </a:tc>
+                <a:tc>
+                  <a:txBody>
+                    <a:bodyPr/>
+                    <a:lstStyle/>
+                    <a:p>
+                      <a:pPr algn="ctr"/>
+                      <a:r>
+                        <a:rPr lang="en-US" sz="1400"/>
+                        <a:t>1</a:t>
+                      </a:r>
+                    </a:p>
+                  </a:txBody>
+                  <a:tcPr marL="0" marR="0" marT="0" marB="0" anchor="ctr"/>
+                </a:tc>
+                <a:tc>
+                  <a:txBody>
+                    <a:bodyPr/>
+                    <a:lstStyle/>
+                    <a:p>
+                      <a:pPr algn="ctr"/>
+                      <a:r>
+                        <a:rPr lang="en-US" sz="1400"/>
+                        <a:t>2</a:t>
+                      </a:r>
+                    </a:p>
+                  </a:txBody>
+                  <a:tcPr marL="0" marR="0" marT="0" marB="0" anchor="ctr"/>
+                </a:tc>
+                <a:tc>
+                  <a:txBody>
+                    <a:bodyPr/>
+                    <a:lstStyle/>
+                    <a:p>
+                      <a:pPr algn="ctr"/>
+                      <a:r>
+                        <a:rPr lang="en-US" sz="1400"/>
+                        <a:t>3</a:t>
+                      </a:r>
+                    </a:p>
+                  </a:txBody>
+                  <a:tcPr marL="0" marR="0" marT="0" marB="0" anchor="ctr"/>
+                </a:tc>
+                <a:tc>
+                  <a:txBody>
+                    <a:bodyPr/>
+                    <a:lstStyle/>
+                    <a:p>
+                      <a:pPr algn="ctr"/>
+                      <a:r>
+                        <a:rPr lang="en-US" sz="1400"/>
+                        <a:t>4</a:t>
+                      </a:r>
+                    </a:p>
+                  </a:txBody>
+                  <a:tcPr marL="0" marR="0" marT="0" marB="0" anchor="ctr"/>
+                </a:tc>
+                <a:tc>
+                  <a:txBody>
+                    <a:bodyPr/>
+                    <a:lstStyle/>
+                    <a:p>
+                      <a:pPr algn="ctr"/>
+                      <a:r>
+                        <a:rPr lang="en-US" sz="1400"/>
+                        <a:t>5</a:t>
+                      </a:r>
+                    </a:p>
+                  </a:txBody>
+                  <a:tcPr marL="0" marR="0" marT="0" marB="0" anchor="ctr"/>
+                </a:tc>
+                <a:tc>
+                  <a:txBody>
+                    <a:bodyPr/>
+                    <a:lstStyle/>
+                    <a:p>
+                      <a:pPr algn="ctr"/>
+                      <a:r>
+                        <a:rPr lang="en-US" sz="1400"/>
+                        <a:t>1</a:t>
+                      </a:r>
+                    </a:p>
+                  </a:txBody>
+                  <a:tcPr marL="0" marR="0" marT="0" marB="0" anchor="ctr"/>
+                </a:tc>
+                <a:tc>
+                  <a:txBody>
+                    <a:bodyPr/>
+                    <a:lstStyle/>
+                    <a:p>
+                      <a:pPr algn="ctr"/>
+                      <a:r>
+                        <a:rPr lang="en-US" sz="1400"/>
+                        <a:t>2</a:t>
+                      </a:r>
+                    </a:p>
+                  </a:txBody>
+                  <a:tcPr marL="0" marR="0" marT="0" marB="0" anchor="ctr"/>
+                </a:tc>
+                <a:tc>
+                  <a:txBody>
+                    <a:bodyPr/>
+                    <a:lstStyle/>
+                    <a:p>
+                      <a:pPr algn="ctr"/>
+                      <a:r>
+                        <a:rPr lang="en-US" sz="1400"/>
+                        <a:t>3</a:t>
+                      </a:r>
+                    </a:p>
+                  </a:txBody>
+                  <a:tcPr marL="0" marR="0" marT="0" marB="0" anchor="ctr"/>
+                </a:tc>
+                <a:tc>
+                  <a:txBody>
+                    <a:bodyPr/>
+                    <a:lstStyle/>
+                    <a:p>
+                      <a:pPr algn="ctr"/>
+                      <a:r>
+                        <a:rPr lang="en-US" sz="1400"/>
+                        <a:t>4</a:t>
+                      </a:r>
+                    </a:p>
+                  </a:txBody>
+                  <a:tcPr marL="0" marR="0" marT="0" marB="0" anchor="ctr"/>
+                </a:tc>
+                <a:tc>
+                  <a:txBody>
+                    <a:bodyPr/>
+                    <a:lstStyle/>
+                    <a:p>
+                      <a:pPr algn="ctr"/>
+                      <a:r>
+                        <a:rPr lang="en-US" sz="1400"/>
+                        <a:t>5</a:t>
+                      </a:r>
+                    </a:p>
+                  </a:txBody>
+                  <a:tcPr marL="0" marR="0" marT="0" marB="0" anchor="ctr"/>
+                </a:tc>
+                <a:extLst>
+                  <a:ext uri="{0D108BD9-81ED-4DB2-BD59-A6C34878D82A}">
+                    <a16:rowId xmlns:a16="http://schemas.microsoft.com/office/drawing/2014/main" val="267770255"/>
+                  </a:ext>
+                </a:extLst>
+              </a:tr>
+              <a:tr h="512232">
+                <a:tc>
+                  <a:txBody>
+                    <a:bodyPr/>
+                    <a:lstStyle/>
+                    <a:p>
+                      <a:pPr algn="ctr"/>
+                      <a:r>
+                        <a:rPr lang="en-US" sz="1400" dirty="0"/>
+                        <a:t>A</a:t>
+                      </a:r>
+                      <a:endParaRPr lang="en-US" sz="1400" dirty="0">
+                        <a:solidFill>
+                          <a:schemeClr val="accent2">
+                            <a:lumMod val="75000"/>
+                          </a:schemeClr>
+                        </a:solidFill>
+                      </a:endParaRPr>
+                    </a:p>
+                  </a:txBody>
+                  <a:tcPr marL="0" marR="0" marT="0" marB="0" anchor="ctr"/>
+                </a:tc>
+                <a:tc>
+                  <a:txBody>
+                    <a:bodyPr/>
+                    <a:lstStyle/>
+                    <a:p>
+                      <a:pPr algn="ctr"/>
+                      <a:r>
+                        <a:rPr lang="ko-KR" altLang="en-US" sz="1400"/>
+                        <a:t>오지만</a:t>
+                      </a:r>
+                      <a:endParaRPr lang="en-US" sz="1400">
+                        <a:solidFill>
+                          <a:schemeClr val="accent2">
+                            <a:lumMod val="75000"/>
+                          </a:schemeClr>
+                        </a:solidFill>
+                      </a:endParaRPr>
+                    </a:p>
+                  </a:txBody>
+                  <a:tcPr marL="0" marR="0" marT="0" marB="0" anchor="ctr"/>
+                </a:tc>
+                <a:tc>
+                  <a:txBody>
+                    <a:bodyPr/>
+                    <a:lstStyle/>
+                    <a:p>
+                      <a:pPr marL="0" marR="0" lvl="0" indent="0" algn="ctr" defTabSz="914400" rtl="0" eaLnBrk="1" fontAlgn="auto" latinLnBrk="0" hangingPunct="1">
+                        <a:lnSpc>
+                          <a:spcPct val="100000"/>
+                        </a:lnSpc>
+                        <a:spcBef>
+                          <a:spcPts val="0"/>
+                        </a:spcBef>
+                        <a:spcAft>
+                          <a:spcPts val="0"/>
+                        </a:spcAft>
+                        <a:buClrTx/>
+                        <a:buSzTx/>
+                        <a:buFontTx/>
+                        <a:buNone/>
+                        <a:tabLst/>
+                        <a:defRPr/>
+                      </a:pPr>
+                      <a:r>
+                        <a:rPr kumimoji="0" lang="en-US" sz="1400" b="0" i="0" u="none" strike="noStrike" kern="1200" cap="none" spc="0" normalizeH="0" baseline="0" noProof="0" dirty="0">
+                          <a:ln>
+                            <a:noFill/>
+                          </a:ln>
+                          <a:solidFill>
+                            <a:prstClr val="black"/>
+                          </a:solidFill>
+                          <a:effectLst/>
+                          <a:uLnTx/>
+                          <a:uFillTx/>
+                          <a:latin typeface="Calibri" panose="020F0502020204030204"/>
+                          <a:ea typeface="+mn-ea"/>
+                          <a:cs typeface="+mn-cs"/>
+                        </a:rPr>
+                        <a:t>O</a:t>
+                      </a:r>
+                    </a:p>
+                  </a:txBody>
+                  <a:tcPr marL="0" marR="0" marT="0" marB="0" anchor="ctr"/>
+                </a:tc>
+                <a:tc>
+                  <a:txBody>
+                    <a:bodyPr/>
+                    <a:lstStyle/>
+                    <a:p>
+                      <a:pPr marL="0" marR="0" lvl="0" indent="0" algn="ctr" defTabSz="914400" rtl="0" eaLnBrk="1" fontAlgn="auto" latinLnBrk="0" hangingPunct="1">
+                        <a:lnSpc>
+                          <a:spcPct val="100000"/>
+                        </a:lnSpc>
+                        <a:spcBef>
+                          <a:spcPts val="0"/>
+                        </a:spcBef>
+                        <a:spcAft>
+                          <a:spcPts val="0"/>
+                        </a:spcAft>
+                        <a:buClrTx/>
+                        <a:buSzTx/>
+                        <a:buFontTx/>
+                        <a:buNone/>
+                        <a:tabLst/>
+                        <a:defRPr/>
+                      </a:pPr>
+                      <a:r>
+                        <a:rPr kumimoji="0" lang="en-US" sz="1400" b="0" i="0" u="none" strike="noStrike" kern="1200" cap="none" spc="0" normalizeH="0" baseline="0" noProof="0" dirty="0">
+                          <a:ln>
+                            <a:noFill/>
+                          </a:ln>
+                          <a:solidFill>
+                            <a:prstClr val="black"/>
+                          </a:solidFill>
+                          <a:effectLst/>
+                          <a:uLnTx/>
+                          <a:uFillTx/>
+                          <a:latin typeface="Calibri" panose="020F0502020204030204"/>
+                          <a:ea typeface="+mn-ea"/>
+                          <a:cs typeface="+mn-cs"/>
+                        </a:rPr>
+                        <a:t>O</a:t>
+                      </a:r>
+                    </a:p>
+                  </a:txBody>
+                  <a:tcPr marL="0" marR="0" marT="0" marB="0" anchor="ctr"/>
+                </a:tc>
+                <a:tc>
+                  <a:txBody>
+                    <a:bodyPr/>
+                    <a:lstStyle/>
+                    <a:p>
+                      <a:pPr marL="0" marR="0" lvl="0" indent="0" algn="ctr" defTabSz="914400" rtl="0" eaLnBrk="1" fontAlgn="auto" latinLnBrk="0" hangingPunct="1">
+                        <a:lnSpc>
+                          <a:spcPct val="100000"/>
+                        </a:lnSpc>
+                        <a:spcBef>
+                          <a:spcPts val="0"/>
+                        </a:spcBef>
+                        <a:spcAft>
+                          <a:spcPts val="0"/>
+                        </a:spcAft>
+                        <a:buClrTx/>
+                        <a:buSzTx/>
+                        <a:buFontTx/>
+                        <a:buNone/>
+                        <a:tabLst/>
+                        <a:defRPr/>
+                      </a:pPr>
+                      <a:r>
+                        <a:rPr kumimoji="0" lang="en-US" sz="1400" b="0" i="0" u="none" strike="noStrike" kern="1200" cap="none" spc="0" normalizeH="0" baseline="0" noProof="0" dirty="0">
+                          <a:ln>
+                            <a:noFill/>
+                          </a:ln>
+                          <a:solidFill>
+                            <a:prstClr val="black"/>
+                          </a:solidFill>
+                          <a:effectLst/>
+                          <a:uLnTx/>
+                          <a:uFillTx/>
+                          <a:latin typeface="Calibri" panose="020F0502020204030204"/>
+                          <a:ea typeface="+mn-ea"/>
+                          <a:cs typeface="+mn-cs"/>
+                        </a:rPr>
+                        <a:t>O</a:t>
+                      </a:r>
+                    </a:p>
+                  </a:txBody>
+                  <a:tcPr marL="0" marR="0" marT="0" marB="0" anchor="ctr"/>
+                </a:tc>
+                <a:tc>
+                  <a:txBody>
+                    <a:bodyPr/>
+                    <a:lstStyle/>
+                    <a:p>
+                      <a:pPr marL="0" marR="0" lvl="0" indent="0" algn="ctr" defTabSz="914400" rtl="0" eaLnBrk="1" fontAlgn="auto" latinLnBrk="0" hangingPunct="1">
+                        <a:lnSpc>
+                          <a:spcPct val="100000"/>
+                        </a:lnSpc>
+                        <a:spcBef>
+                          <a:spcPts val="0"/>
+                        </a:spcBef>
+                        <a:spcAft>
+                          <a:spcPts val="0"/>
+                        </a:spcAft>
+                        <a:buClrTx/>
+                        <a:buSzTx/>
+                        <a:buFontTx/>
+                        <a:buNone/>
+                        <a:tabLst/>
+                        <a:defRPr/>
+                      </a:pPr>
+                      <a:r>
+                        <a:rPr kumimoji="0" lang="en-US" sz="1400" b="0" i="0" u="none" strike="noStrike" kern="1200" cap="none" spc="0" normalizeH="0" baseline="0" noProof="0" dirty="0">
+                          <a:ln>
+                            <a:noFill/>
+                          </a:ln>
+                          <a:solidFill>
+                            <a:prstClr val="black"/>
+                          </a:solidFill>
+                          <a:effectLst/>
+                          <a:uLnTx/>
+                          <a:uFillTx/>
+                          <a:latin typeface="Calibri" panose="020F0502020204030204"/>
+                          <a:ea typeface="+mn-ea"/>
+                          <a:cs typeface="+mn-cs"/>
+                        </a:rPr>
+                        <a:t>O</a:t>
+                      </a:r>
+                    </a:p>
+                  </a:txBody>
+                  <a:tcPr marL="0" marR="0" marT="0" marB="0" anchor="ctr"/>
+                </a:tc>
+                <a:tc>
+                  <a:txBody>
+                    <a:bodyPr/>
+                    <a:lstStyle/>
+                    <a:p>
+                      <a:pPr marL="0" marR="0" lvl="0" indent="0" algn="ctr" defTabSz="914400" rtl="0" eaLnBrk="1" fontAlgn="auto" latinLnBrk="0" hangingPunct="1">
+                        <a:lnSpc>
+                          <a:spcPct val="100000"/>
+                        </a:lnSpc>
+                        <a:spcBef>
+                          <a:spcPts val="0"/>
+                        </a:spcBef>
+                        <a:spcAft>
+                          <a:spcPts val="0"/>
+                        </a:spcAft>
+                        <a:buClrTx/>
+                        <a:buSzTx/>
+                        <a:buFontTx/>
+                        <a:buNone/>
+                        <a:tabLst/>
+                        <a:defRPr/>
+                      </a:pPr>
+                      <a:r>
+                        <a:rPr kumimoji="0" lang="en-US" sz="1400" b="0" i="0" u="none" strike="noStrike" kern="1200" cap="none" spc="0" normalizeH="0" baseline="0" noProof="0" dirty="0">
+                          <a:ln>
+                            <a:noFill/>
+                          </a:ln>
+                          <a:solidFill>
+                            <a:prstClr val="black"/>
+                          </a:solidFill>
+                          <a:effectLst/>
+                          <a:uLnTx/>
+                          <a:uFillTx/>
+                          <a:latin typeface="Calibri" panose="020F0502020204030204"/>
+                          <a:ea typeface="+mn-ea"/>
+                          <a:cs typeface="+mn-cs"/>
+                        </a:rPr>
+                        <a:t>O</a:t>
+                      </a:r>
+                    </a:p>
+                  </a:txBody>
+                  <a:tcPr marL="0" marR="0" marT="0" marB="0" anchor="ctr"/>
+                </a:tc>
+                <a:tc>
+                  <a:txBody>
+                    <a:bodyPr/>
+                    <a:lstStyle/>
+                    <a:p>
+                      <a:pPr algn="ctr"/>
+                      <a:endParaRPr lang="en-US" sz="1400">
+                        <a:solidFill>
+                          <a:schemeClr val="accent2">
+                            <a:lumMod val="75000"/>
+                          </a:schemeClr>
+                        </a:solidFill>
+                      </a:endParaRPr>
+                    </a:p>
+                  </a:txBody>
+                  <a:tcPr marL="0" marR="0" marT="0" marB="0" anchor="ctr"/>
+                </a:tc>
+                <a:tc>
+                  <a:txBody>
+                    <a:bodyPr/>
+                    <a:lstStyle/>
+                    <a:p>
+                      <a:pPr algn="ctr"/>
+                      <a:endParaRPr lang="en-US" sz="1400">
+                        <a:solidFill>
+                          <a:schemeClr val="accent2">
+                            <a:lumMod val="75000"/>
+                          </a:schemeClr>
+                        </a:solidFill>
+                      </a:endParaRPr>
+                    </a:p>
+                  </a:txBody>
+                  <a:tcPr marL="0" marR="0" marT="0" marB="0" anchor="ctr"/>
+                </a:tc>
+                <a:tc>
+                  <a:txBody>
+                    <a:bodyPr/>
+                    <a:lstStyle/>
+                    <a:p>
+                      <a:pPr algn="ctr"/>
+                      <a:endParaRPr lang="en-US" sz="1400">
+                        <a:solidFill>
+                          <a:schemeClr val="accent2">
+                            <a:lumMod val="75000"/>
+                          </a:schemeClr>
+                        </a:solidFill>
+                      </a:endParaRPr>
+                    </a:p>
+                  </a:txBody>
+                  <a:tcPr marL="0" marR="0" marT="0" marB="0" anchor="ctr"/>
+                </a:tc>
+                <a:tc>
+                  <a:txBody>
+                    <a:bodyPr/>
+                    <a:lstStyle/>
+                    <a:p>
+                      <a:pPr algn="ctr"/>
+                      <a:endParaRPr lang="en-US" sz="1400">
+                        <a:solidFill>
+                          <a:schemeClr val="accent2">
+                            <a:lumMod val="75000"/>
+                          </a:schemeClr>
+                        </a:solidFill>
+                      </a:endParaRPr>
+                    </a:p>
+                  </a:txBody>
+                  <a:tcPr marL="0" marR="0" marT="0" marB="0" anchor="ctr"/>
+                </a:tc>
+                <a:tc>
+                  <a:txBody>
+                    <a:bodyPr/>
+                    <a:lstStyle/>
+                    <a:p>
+                      <a:pPr algn="ctr"/>
+                      <a:endParaRPr lang="en-US" sz="1400">
+                        <a:solidFill>
+                          <a:schemeClr val="accent2">
+                            <a:lumMod val="75000"/>
+                          </a:schemeClr>
+                        </a:solidFill>
+                      </a:endParaRPr>
+                    </a:p>
+                  </a:txBody>
+                  <a:tcPr marL="0" marR="0" marT="0" marB="0" anchor="ctr"/>
+                </a:tc>
+                <a:tc>
+                  <a:txBody>
+                    <a:bodyPr/>
+                    <a:lstStyle/>
+                    <a:p>
+                      <a:pPr algn="ctr"/>
+                      <a:endParaRPr lang="en-US" sz="1400">
+                        <a:solidFill>
+                          <a:schemeClr val="accent2">
+                            <a:lumMod val="75000"/>
+                          </a:schemeClr>
+                        </a:solidFill>
+                      </a:endParaRPr>
+                    </a:p>
+                  </a:txBody>
+                  <a:tcPr marL="0" marR="0" marT="0" marB="0" anchor="ctr"/>
+                </a:tc>
+                <a:tc>
+                  <a:txBody>
+                    <a:bodyPr/>
+                    <a:lstStyle/>
+                    <a:p>
+                      <a:pPr algn="ctr"/>
+                      <a:endParaRPr lang="en-US" sz="1400">
+                        <a:solidFill>
+                          <a:schemeClr val="accent2">
+                            <a:lumMod val="75000"/>
+                          </a:schemeClr>
+                        </a:solidFill>
+                      </a:endParaRPr>
+                    </a:p>
+                  </a:txBody>
+                  <a:tcPr marL="0" marR="0" marT="0" marB="0" anchor="ctr"/>
+                </a:tc>
+                <a:tc>
+                  <a:txBody>
+                    <a:bodyPr/>
+                    <a:lstStyle/>
+                    <a:p>
+                      <a:pPr algn="ctr"/>
+                      <a:endParaRPr lang="en-US" sz="1400">
+                        <a:solidFill>
+                          <a:schemeClr val="accent2">
+                            <a:lumMod val="75000"/>
+                          </a:schemeClr>
+                        </a:solidFill>
+                      </a:endParaRPr>
+                    </a:p>
+                  </a:txBody>
+                  <a:tcPr marL="0" marR="0" marT="0" marB="0" anchor="ctr"/>
+                </a:tc>
+                <a:tc>
+                  <a:txBody>
+                    <a:bodyPr/>
+                    <a:lstStyle/>
+                    <a:p>
+                      <a:pPr algn="ctr"/>
+                      <a:endParaRPr lang="en-US" sz="1400">
+                        <a:solidFill>
+                          <a:schemeClr val="accent2">
+                            <a:lumMod val="75000"/>
+                          </a:schemeClr>
+                        </a:solidFill>
+                      </a:endParaRPr>
+                    </a:p>
+                  </a:txBody>
+                  <a:tcPr marL="0" marR="0" marT="0" marB="0" anchor="ctr"/>
+                </a:tc>
+                <a:tc>
+                  <a:txBody>
+                    <a:bodyPr/>
+                    <a:lstStyle/>
+                    <a:p>
+                      <a:pPr algn="ctr"/>
+                      <a:endParaRPr lang="en-US" sz="1400">
+                        <a:solidFill>
+                          <a:schemeClr val="accent2">
+                            <a:lumMod val="75000"/>
+                          </a:schemeClr>
+                        </a:solidFill>
+                      </a:endParaRPr>
+                    </a:p>
+                  </a:txBody>
+                  <a:tcPr marL="0" marR="0" marT="0" marB="0" anchor="ctr"/>
+                </a:tc>
+                <a:tc>
+                  <a:txBody>
+                    <a:bodyPr/>
+                    <a:lstStyle/>
+                    <a:p>
+                      <a:pPr algn="ctr"/>
+                      <a:endParaRPr lang="en-US" sz="1400">
+                        <a:solidFill>
+                          <a:schemeClr val="accent2">
+                            <a:lumMod val="75000"/>
+                          </a:schemeClr>
+                        </a:solidFill>
+                      </a:endParaRPr>
+                    </a:p>
+                  </a:txBody>
+                  <a:tcPr marL="0" marR="0" marT="0" marB="0" anchor="ctr"/>
+                </a:tc>
+                <a:tc>
+                  <a:txBody>
+                    <a:bodyPr/>
+                    <a:lstStyle/>
+                    <a:p>
+                      <a:pPr algn="ctr"/>
+                      <a:endParaRPr lang="en-US" sz="1400">
+                        <a:solidFill>
+                          <a:schemeClr val="accent2">
+                            <a:lumMod val="75000"/>
+                          </a:schemeClr>
+                        </a:solidFill>
+                      </a:endParaRPr>
+                    </a:p>
+                  </a:txBody>
+                  <a:tcPr marL="0" marR="0" marT="0" marB="0" anchor="ctr"/>
+                </a:tc>
+                <a:tc>
+                  <a:txBody>
+                    <a:bodyPr/>
+                    <a:lstStyle/>
+                    <a:p>
+                      <a:pPr algn="ctr"/>
+                      <a:endParaRPr lang="en-US" sz="1400">
+                        <a:solidFill>
+                          <a:schemeClr val="accent2">
+                            <a:lumMod val="75000"/>
+                          </a:schemeClr>
+                        </a:solidFill>
+                      </a:endParaRPr>
+                    </a:p>
+                  </a:txBody>
+                  <a:tcPr marL="0" marR="0" marT="0" marB="0" anchor="ctr"/>
+                </a:tc>
+                <a:tc>
+                  <a:txBody>
+                    <a:bodyPr/>
+                    <a:lstStyle/>
+                    <a:p>
+                      <a:pPr algn="ctr"/>
+                      <a:endParaRPr lang="en-US" sz="1400">
+                        <a:solidFill>
+                          <a:schemeClr val="accent2">
+                            <a:lumMod val="75000"/>
+                          </a:schemeClr>
+                        </a:solidFill>
+                      </a:endParaRPr>
+                    </a:p>
+                  </a:txBody>
+                  <a:tcPr marL="0" marR="0" marT="0" marB="0" anchor="ctr"/>
+                </a:tc>
+                <a:tc>
+                  <a:txBody>
+                    <a:bodyPr/>
+                    <a:lstStyle/>
+                    <a:p>
+                      <a:pPr algn="ctr"/>
+                      <a:endParaRPr lang="en-US" sz="1400">
+                        <a:solidFill>
+                          <a:schemeClr val="accent2">
+                            <a:lumMod val="75000"/>
+                          </a:schemeClr>
+                        </a:solidFill>
+                      </a:endParaRPr>
+                    </a:p>
+                  </a:txBody>
+                  <a:tcPr marL="0" marR="0" marT="0" marB="0" anchor="ctr"/>
+                </a:tc>
+                <a:extLst>
+                  <a:ext uri="{0D108BD9-81ED-4DB2-BD59-A6C34878D82A}">
+                    <a16:rowId xmlns:a16="http://schemas.microsoft.com/office/drawing/2014/main" val="3460836312"/>
+                  </a:ext>
+                </a:extLst>
+              </a:tr>
+              <a:tr h="512232">
+                <a:tc>
+                  <a:txBody>
+                    <a:bodyPr/>
+                    <a:lstStyle/>
+                    <a:p>
+                      <a:pPr algn="ctr"/>
+                      <a:r>
+                        <a:rPr lang="en-US" sz="1400" dirty="0"/>
+                        <a:t>A</a:t>
+                      </a:r>
+                      <a:endParaRPr lang="en-US" sz="1400" dirty="0">
+                        <a:solidFill>
+                          <a:schemeClr val="accent2">
+                            <a:lumMod val="75000"/>
+                          </a:schemeClr>
+                        </a:solidFill>
+                      </a:endParaRPr>
+                    </a:p>
+                  </a:txBody>
+                  <a:tcPr marL="0" marR="0" marT="0" marB="0" anchor="ctr"/>
+                </a:tc>
+                <a:tc>
+                  <a:txBody>
+                    <a:bodyPr/>
+                    <a:lstStyle/>
+                    <a:p>
+                      <a:pPr algn="ctr"/>
+                      <a:r>
+                        <a:rPr lang="ko-KR" altLang="en-US" sz="1400"/>
+                        <a:t>이지은</a:t>
+                      </a:r>
+                      <a:endParaRPr lang="en-US" sz="1400">
+                        <a:solidFill>
+                          <a:schemeClr val="accent2">
+                            <a:lumMod val="75000"/>
+                          </a:schemeClr>
+                        </a:solidFill>
+                      </a:endParaRPr>
+                    </a:p>
+                  </a:txBody>
+                  <a:tcPr marL="0" marR="0" marT="0" marB="0" anchor="ctr"/>
+                </a:tc>
+                <a:tc>
+                  <a:txBody>
+                    <a:bodyPr/>
+                    <a:lstStyle/>
+                    <a:p>
+                      <a:pPr marL="0" marR="0" lvl="0" indent="0" algn="ctr" defTabSz="914400" rtl="0" eaLnBrk="1" fontAlgn="auto" latinLnBrk="0" hangingPunct="1">
+                        <a:lnSpc>
+                          <a:spcPct val="100000"/>
+                        </a:lnSpc>
+                        <a:spcBef>
+                          <a:spcPts val="0"/>
+                        </a:spcBef>
+                        <a:spcAft>
+                          <a:spcPts val="0"/>
+                        </a:spcAft>
+                        <a:buClrTx/>
+                        <a:buSzTx/>
+                        <a:buFontTx/>
+                        <a:buNone/>
+                        <a:tabLst/>
+                        <a:defRPr/>
+                      </a:pPr>
+                      <a:r>
+                        <a:rPr kumimoji="0" lang="en-US" sz="1400" b="0" i="0" u="none" strike="noStrike" kern="1200" cap="none" spc="0" normalizeH="0" baseline="0" noProof="0" dirty="0">
+                          <a:ln>
+                            <a:noFill/>
+                          </a:ln>
+                          <a:solidFill>
+                            <a:prstClr val="black"/>
+                          </a:solidFill>
+                          <a:effectLst/>
+                          <a:uLnTx/>
+                          <a:uFillTx/>
+                          <a:latin typeface="Calibri" panose="020F0502020204030204"/>
+                          <a:ea typeface="+mn-ea"/>
+                          <a:cs typeface="+mn-cs"/>
+                        </a:rPr>
+                        <a:t>O</a:t>
+                      </a:r>
+                    </a:p>
+                  </a:txBody>
+                  <a:tcPr marL="0" marR="0" marT="0" marB="0" anchor="ctr"/>
+                </a:tc>
+                <a:tc>
+                  <a:txBody>
+                    <a:bodyPr/>
+                    <a:lstStyle/>
+                    <a:p>
+                      <a:pPr marL="0" marR="0" lvl="0" indent="0" algn="ctr" defTabSz="914400" rtl="0" eaLnBrk="1" fontAlgn="auto" latinLnBrk="0" hangingPunct="1">
+                        <a:lnSpc>
+                          <a:spcPct val="100000"/>
+                        </a:lnSpc>
+                        <a:spcBef>
+                          <a:spcPts val="0"/>
+                        </a:spcBef>
+                        <a:spcAft>
+                          <a:spcPts val="0"/>
+                        </a:spcAft>
+                        <a:buClrTx/>
+                        <a:buSzTx/>
+                        <a:buFontTx/>
+                        <a:buNone/>
+                        <a:tabLst/>
+                        <a:defRPr/>
+                      </a:pPr>
+                      <a:r>
+                        <a:rPr kumimoji="0" lang="en-US" sz="1400" b="0" i="0" u="none" strike="noStrike" kern="1200" cap="none" spc="0" normalizeH="0" baseline="0" noProof="0" dirty="0">
+                          <a:ln>
+                            <a:noFill/>
+                          </a:ln>
+                          <a:solidFill>
+                            <a:prstClr val="black"/>
+                          </a:solidFill>
+                          <a:effectLst/>
+                          <a:uLnTx/>
+                          <a:uFillTx/>
+                          <a:latin typeface="Calibri" panose="020F0502020204030204"/>
+                          <a:ea typeface="+mn-ea"/>
+                          <a:cs typeface="+mn-cs"/>
+                        </a:rPr>
+                        <a:t>O</a:t>
+                      </a:r>
+                    </a:p>
+                  </a:txBody>
+                  <a:tcPr marL="0" marR="0" marT="0" marB="0" anchor="ctr"/>
+                </a:tc>
+                <a:tc>
+                  <a:txBody>
+                    <a:bodyPr/>
+                    <a:lstStyle/>
+                    <a:p>
+                      <a:pPr marL="0" marR="0" lvl="0" indent="0" algn="ctr" defTabSz="914400" rtl="0" eaLnBrk="1" fontAlgn="auto" latinLnBrk="0" hangingPunct="1">
+                        <a:lnSpc>
+                          <a:spcPct val="100000"/>
+                        </a:lnSpc>
+                        <a:spcBef>
+                          <a:spcPts val="0"/>
+                        </a:spcBef>
+                        <a:spcAft>
+                          <a:spcPts val="0"/>
+                        </a:spcAft>
+                        <a:buClrTx/>
+                        <a:buSzTx/>
+                        <a:buFontTx/>
+                        <a:buNone/>
+                        <a:tabLst/>
+                        <a:defRPr/>
+                      </a:pPr>
+                      <a:r>
+                        <a:rPr kumimoji="0" lang="en-US" sz="1400" b="0" i="0" u="none" strike="noStrike" kern="1200" cap="none" spc="0" normalizeH="0" baseline="0" noProof="0" dirty="0">
+                          <a:ln>
+                            <a:noFill/>
+                          </a:ln>
+                          <a:solidFill>
+                            <a:prstClr val="black"/>
+                          </a:solidFill>
+                          <a:effectLst/>
+                          <a:uLnTx/>
+                          <a:uFillTx/>
+                          <a:latin typeface="Calibri" panose="020F0502020204030204"/>
+                          <a:ea typeface="+mn-ea"/>
+                          <a:cs typeface="+mn-cs"/>
+                        </a:rPr>
+                        <a:t>O</a:t>
+                      </a:r>
+                    </a:p>
+                  </a:txBody>
+                  <a:tcPr marL="0" marR="0" marT="0" marB="0" anchor="ctr"/>
+                </a:tc>
+                <a:tc>
+                  <a:txBody>
+                    <a:bodyPr/>
+                    <a:lstStyle/>
+                    <a:p>
+                      <a:pPr marL="0" marR="0" lvl="0" indent="0" algn="ctr" defTabSz="914400" rtl="0" eaLnBrk="1" fontAlgn="auto" latinLnBrk="0" hangingPunct="1">
+                        <a:lnSpc>
+                          <a:spcPct val="100000"/>
+                        </a:lnSpc>
+                        <a:spcBef>
+                          <a:spcPts val="0"/>
+                        </a:spcBef>
+                        <a:spcAft>
+                          <a:spcPts val="0"/>
+                        </a:spcAft>
+                        <a:buClrTx/>
+                        <a:buSzTx/>
+                        <a:buFontTx/>
+                        <a:buNone/>
+                        <a:tabLst/>
+                        <a:defRPr/>
+                      </a:pPr>
+                      <a:r>
+                        <a:rPr kumimoji="0" lang="en-US" sz="1400" b="0" i="0" u="none" strike="noStrike" kern="1200" cap="none" spc="0" normalizeH="0" baseline="0" noProof="0" dirty="0">
+                          <a:ln>
+                            <a:noFill/>
+                          </a:ln>
+                          <a:solidFill>
+                            <a:prstClr val="black"/>
+                          </a:solidFill>
+                          <a:effectLst/>
+                          <a:uLnTx/>
+                          <a:uFillTx/>
+                          <a:latin typeface="Calibri" panose="020F0502020204030204"/>
+                          <a:ea typeface="+mn-ea"/>
+                          <a:cs typeface="+mn-cs"/>
+                        </a:rPr>
+                        <a:t>O</a:t>
+                      </a:r>
+                    </a:p>
+                  </a:txBody>
+                  <a:tcPr marL="0" marR="0" marT="0" marB="0" anchor="ctr"/>
+                </a:tc>
+                <a:tc>
+                  <a:txBody>
+                    <a:bodyPr/>
+                    <a:lstStyle/>
+                    <a:p>
+                      <a:pPr marL="0" marR="0" lvl="0" indent="0" algn="ctr" defTabSz="914400" rtl="0" eaLnBrk="1" fontAlgn="auto" latinLnBrk="0" hangingPunct="1">
+                        <a:lnSpc>
+                          <a:spcPct val="100000"/>
+                        </a:lnSpc>
+                        <a:spcBef>
+                          <a:spcPts val="0"/>
+                        </a:spcBef>
+                        <a:spcAft>
+                          <a:spcPts val="0"/>
+                        </a:spcAft>
+                        <a:buClrTx/>
+                        <a:buSzTx/>
+                        <a:buFontTx/>
+                        <a:buNone/>
+                        <a:tabLst/>
+                        <a:defRPr/>
+                      </a:pPr>
+                      <a:r>
+                        <a:rPr kumimoji="0" lang="en-US" sz="1400" b="0" i="0" u="none" strike="noStrike" kern="1200" cap="none" spc="0" normalizeH="0" baseline="0" noProof="0" dirty="0">
+                          <a:ln>
+                            <a:noFill/>
+                          </a:ln>
+                          <a:solidFill>
+                            <a:prstClr val="black"/>
+                          </a:solidFill>
+                          <a:effectLst/>
+                          <a:uLnTx/>
+                          <a:uFillTx/>
+                          <a:latin typeface="Calibri" panose="020F0502020204030204"/>
+                          <a:ea typeface="+mn-ea"/>
+                          <a:cs typeface="+mn-cs"/>
+                        </a:rPr>
+                        <a:t>O</a:t>
+                      </a:r>
+                    </a:p>
+                  </a:txBody>
+                  <a:tcPr marL="0" marR="0" marT="0" marB="0" anchor="ctr"/>
+                </a:tc>
+                <a:tc>
+                  <a:txBody>
+                    <a:bodyPr/>
+                    <a:lstStyle/>
+                    <a:p>
+                      <a:pPr algn="ctr"/>
+                      <a:endParaRPr lang="en-US" sz="1400">
+                        <a:solidFill>
+                          <a:schemeClr val="accent2">
+                            <a:lumMod val="75000"/>
+                          </a:schemeClr>
+                        </a:solidFill>
+                      </a:endParaRPr>
+                    </a:p>
+                  </a:txBody>
+                  <a:tcPr marL="0" marR="0" marT="0" marB="0" anchor="ctr"/>
+                </a:tc>
+                <a:tc>
+                  <a:txBody>
+                    <a:bodyPr/>
+                    <a:lstStyle/>
+                    <a:p>
+                      <a:pPr algn="ctr"/>
+                      <a:endParaRPr lang="en-US" sz="1400">
+                        <a:solidFill>
+                          <a:schemeClr val="accent2">
+                            <a:lumMod val="75000"/>
+                          </a:schemeClr>
+                        </a:solidFill>
+                      </a:endParaRPr>
+                    </a:p>
+                  </a:txBody>
+                  <a:tcPr marL="0" marR="0" marT="0" marB="0" anchor="ctr"/>
+                </a:tc>
+                <a:tc>
+                  <a:txBody>
+                    <a:bodyPr/>
+                    <a:lstStyle/>
+                    <a:p>
+                      <a:pPr algn="ctr"/>
+                      <a:endParaRPr lang="en-US" sz="1400">
+                        <a:solidFill>
+                          <a:schemeClr val="accent2">
+                            <a:lumMod val="75000"/>
+                          </a:schemeClr>
+                        </a:solidFill>
+                      </a:endParaRPr>
+                    </a:p>
+                  </a:txBody>
+                  <a:tcPr marL="0" marR="0" marT="0" marB="0" anchor="ctr"/>
+                </a:tc>
+                <a:tc>
+                  <a:txBody>
+                    <a:bodyPr/>
+                    <a:lstStyle/>
+                    <a:p>
+                      <a:pPr algn="ctr"/>
+                      <a:endParaRPr lang="en-US" sz="1400">
+                        <a:solidFill>
+                          <a:schemeClr val="accent2">
+                            <a:lumMod val="75000"/>
+                          </a:schemeClr>
+                        </a:solidFill>
+                      </a:endParaRPr>
+                    </a:p>
+                  </a:txBody>
+                  <a:tcPr marL="0" marR="0" marT="0" marB="0" anchor="ctr"/>
+                </a:tc>
+                <a:tc>
+                  <a:txBody>
+                    <a:bodyPr/>
+                    <a:lstStyle/>
+                    <a:p>
+                      <a:pPr algn="ctr"/>
+                      <a:endParaRPr lang="en-US" sz="1400">
+                        <a:solidFill>
+                          <a:schemeClr val="accent2">
+                            <a:lumMod val="75000"/>
+                          </a:schemeClr>
+                        </a:solidFill>
+                      </a:endParaRPr>
+                    </a:p>
+                  </a:txBody>
+                  <a:tcPr marL="0" marR="0" marT="0" marB="0" anchor="ctr"/>
+                </a:tc>
+                <a:tc>
+                  <a:txBody>
+                    <a:bodyPr/>
+                    <a:lstStyle/>
+                    <a:p>
+                      <a:pPr algn="ctr"/>
+                      <a:endParaRPr lang="en-US" sz="1400">
+                        <a:solidFill>
+                          <a:schemeClr val="accent2">
+                            <a:lumMod val="75000"/>
+                          </a:schemeClr>
+                        </a:solidFill>
+                      </a:endParaRPr>
+                    </a:p>
+                  </a:txBody>
+                  <a:tcPr marL="0" marR="0" marT="0" marB="0" anchor="ctr"/>
+                </a:tc>
+                <a:tc>
+                  <a:txBody>
+                    <a:bodyPr/>
+                    <a:lstStyle/>
+                    <a:p>
+                      <a:pPr algn="ctr"/>
+                      <a:endParaRPr lang="en-US" sz="1400">
+                        <a:solidFill>
+                          <a:schemeClr val="accent2">
+                            <a:lumMod val="75000"/>
+                          </a:schemeClr>
+                        </a:solidFill>
+                      </a:endParaRPr>
+                    </a:p>
+                  </a:txBody>
+                  <a:tcPr marL="0" marR="0" marT="0" marB="0" anchor="ctr"/>
+                </a:tc>
+                <a:tc>
+                  <a:txBody>
+                    <a:bodyPr/>
+                    <a:lstStyle/>
+                    <a:p>
+                      <a:pPr algn="ctr"/>
+                      <a:endParaRPr lang="en-US" sz="1400">
+                        <a:solidFill>
+                          <a:schemeClr val="accent2">
+                            <a:lumMod val="75000"/>
+                          </a:schemeClr>
+                        </a:solidFill>
+                      </a:endParaRPr>
+                    </a:p>
+                  </a:txBody>
+                  <a:tcPr marL="0" marR="0" marT="0" marB="0" anchor="ctr"/>
+                </a:tc>
+                <a:tc>
+                  <a:txBody>
+                    <a:bodyPr/>
+                    <a:lstStyle/>
+                    <a:p>
+                      <a:pPr algn="ctr"/>
+                      <a:endParaRPr lang="en-US" sz="1400">
+                        <a:solidFill>
+                          <a:schemeClr val="accent2">
+                            <a:lumMod val="75000"/>
+                          </a:schemeClr>
+                        </a:solidFill>
+                      </a:endParaRPr>
+                    </a:p>
+                  </a:txBody>
+                  <a:tcPr marL="0" marR="0" marT="0" marB="0" anchor="ctr"/>
+                </a:tc>
+                <a:tc>
+                  <a:txBody>
+                    <a:bodyPr/>
+                    <a:lstStyle/>
+                    <a:p>
+                      <a:pPr algn="ctr"/>
+                      <a:endParaRPr lang="en-US" sz="1400">
+                        <a:solidFill>
+                          <a:schemeClr val="accent2">
+                            <a:lumMod val="75000"/>
+                          </a:schemeClr>
+                        </a:solidFill>
+                      </a:endParaRPr>
+                    </a:p>
+                  </a:txBody>
+                  <a:tcPr marL="0" marR="0" marT="0" marB="0" anchor="ctr"/>
+                </a:tc>
+                <a:tc>
+                  <a:txBody>
+                    <a:bodyPr/>
+                    <a:lstStyle/>
+                    <a:p>
+                      <a:pPr algn="ctr"/>
+                      <a:endParaRPr lang="en-US" sz="1400">
+                        <a:solidFill>
+                          <a:schemeClr val="accent2">
+                            <a:lumMod val="75000"/>
+                          </a:schemeClr>
+                        </a:solidFill>
+                      </a:endParaRPr>
+                    </a:p>
+                  </a:txBody>
+                  <a:tcPr marL="0" marR="0" marT="0" marB="0" anchor="ctr"/>
+                </a:tc>
+                <a:tc>
+                  <a:txBody>
+                    <a:bodyPr/>
+                    <a:lstStyle/>
+                    <a:p>
+                      <a:pPr algn="ctr"/>
+                      <a:endParaRPr lang="en-US" sz="1400">
+                        <a:solidFill>
+                          <a:schemeClr val="accent2">
+                            <a:lumMod val="75000"/>
+                          </a:schemeClr>
+                        </a:solidFill>
+                      </a:endParaRPr>
+                    </a:p>
+                  </a:txBody>
+                  <a:tcPr marL="0" marR="0" marT="0" marB="0" anchor="ctr"/>
+                </a:tc>
+                <a:tc>
+                  <a:txBody>
+                    <a:bodyPr/>
+                    <a:lstStyle/>
+                    <a:p>
+                      <a:pPr algn="ctr"/>
+                      <a:endParaRPr lang="en-US" sz="1400">
+                        <a:solidFill>
+                          <a:schemeClr val="accent2">
+                            <a:lumMod val="75000"/>
+                          </a:schemeClr>
+                        </a:solidFill>
+                      </a:endParaRPr>
+                    </a:p>
+                  </a:txBody>
+                  <a:tcPr marL="0" marR="0" marT="0" marB="0" anchor="ctr"/>
+                </a:tc>
+                <a:tc>
+                  <a:txBody>
+                    <a:bodyPr/>
+                    <a:lstStyle/>
+                    <a:p>
+                      <a:pPr algn="ctr"/>
+                      <a:endParaRPr lang="en-US" sz="1400">
+                        <a:solidFill>
+                          <a:schemeClr val="accent2">
+                            <a:lumMod val="75000"/>
+                          </a:schemeClr>
+                        </a:solidFill>
+                      </a:endParaRPr>
+                    </a:p>
+                  </a:txBody>
+                  <a:tcPr marL="0" marR="0" marT="0" marB="0" anchor="ctr"/>
+                </a:tc>
+                <a:tc>
+                  <a:txBody>
+                    <a:bodyPr/>
+                    <a:lstStyle/>
+                    <a:p>
+                      <a:pPr algn="ctr"/>
+                      <a:endParaRPr lang="en-US" sz="1400">
+                        <a:solidFill>
+                          <a:schemeClr val="accent2">
+                            <a:lumMod val="75000"/>
+                          </a:schemeClr>
+                        </a:solidFill>
+                      </a:endParaRPr>
+                    </a:p>
+                  </a:txBody>
+                  <a:tcPr marL="0" marR="0" marT="0" marB="0" anchor="ctr"/>
+                </a:tc>
+                <a:extLst>
+                  <a:ext uri="{0D108BD9-81ED-4DB2-BD59-A6C34878D82A}">
+                    <a16:rowId xmlns:a16="http://schemas.microsoft.com/office/drawing/2014/main" val="337826805"/>
+                  </a:ext>
+                </a:extLst>
+              </a:tr>
+              <a:tr h="512232">
+                <a:tc>
+                  <a:txBody>
+                    <a:bodyPr/>
+                    <a:lstStyle/>
+                    <a:p>
+                      <a:pPr algn="ctr"/>
+                      <a:r>
+                        <a:rPr lang="en-US" sz="1400" dirty="0"/>
+                        <a:t>B</a:t>
+                      </a:r>
+                    </a:p>
+                  </a:txBody>
+                  <a:tcPr marL="0" marR="0" marT="0" marB="0" anchor="ctr"/>
+                </a:tc>
+                <a:tc>
+                  <a:txBody>
+                    <a:bodyPr/>
+                    <a:lstStyle/>
+                    <a:p>
+                      <a:pPr algn="ctr"/>
+                      <a:r>
+                        <a:rPr lang="ko-KR" altLang="en-US" sz="1400"/>
+                        <a:t>김자경</a:t>
+                      </a:r>
+                      <a:endParaRPr lang="en-US" sz="1400"/>
+                    </a:p>
+                  </a:txBody>
+                  <a:tcPr marL="0" marR="0" marT="0" marB="0" anchor="ctr"/>
+                </a:tc>
+                <a:tc>
+                  <a:txBody>
+                    <a:bodyPr/>
+                    <a:lstStyle/>
+                    <a:p>
+                      <a:pPr marL="0" marR="0" lvl="0" indent="0" algn="ctr" defTabSz="914400" rtl="0" eaLnBrk="1" fontAlgn="auto" latinLnBrk="0" hangingPunct="1">
+                        <a:lnSpc>
+                          <a:spcPct val="100000"/>
+                        </a:lnSpc>
+                        <a:spcBef>
+                          <a:spcPts val="0"/>
+                        </a:spcBef>
+                        <a:spcAft>
+                          <a:spcPts val="0"/>
+                        </a:spcAft>
+                        <a:buClrTx/>
+                        <a:buSzTx/>
+                        <a:buFontTx/>
+                        <a:buNone/>
+                        <a:tabLst/>
+                        <a:defRPr/>
+                      </a:pPr>
+                      <a:r>
+                        <a:rPr kumimoji="0" lang="en-US" sz="1400" b="0" i="0" u="none" strike="noStrike" kern="1200" cap="none" spc="0" normalizeH="0" baseline="0" noProof="0" dirty="0">
+                          <a:ln>
+                            <a:noFill/>
+                          </a:ln>
+                          <a:solidFill>
+                            <a:prstClr val="black"/>
+                          </a:solidFill>
+                          <a:effectLst/>
+                          <a:uLnTx/>
+                          <a:uFillTx/>
+                          <a:latin typeface="Calibri" panose="020F0502020204030204"/>
+                          <a:ea typeface="+mn-ea"/>
+                          <a:cs typeface="+mn-cs"/>
+                        </a:rPr>
+                        <a:t>O</a:t>
+                      </a:r>
+                    </a:p>
+                  </a:txBody>
+                  <a:tcPr marL="0" marR="0" marT="0" marB="0" anchor="ctr"/>
+                </a:tc>
+                <a:tc>
+                  <a:txBody>
+                    <a:bodyPr/>
+                    <a:lstStyle/>
+                    <a:p>
+                      <a:pPr marL="0" marR="0" lvl="0" indent="0" algn="ctr" defTabSz="914400" rtl="0" eaLnBrk="1" fontAlgn="auto" latinLnBrk="0" hangingPunct="1">
+                        <a:lnSpc>
+                          <a:spcPct val="100000"/>
+                        </a:lnSpc>
+                        <a:spcBef>
+                          <a:spcPts val="0"/>
+                        </a:spcBef>
+                        <a:spcAft>
+                          <a:spcPts val="0"/>
+                        </a:spcAft>
+                        <a:buClrTx/>
+                        <a:buSzTx/>
+                        <a:buFontTx/>
+                        <a:buNone/>
+                        <a:tabLst/>
+                        <a:defRPr/>
+                      </a:pPr>
+                      <a:r>
+                        <a:rPr kumimoji="0" lang="en-US" sz="1400" b="0" i="0" u="none" strike="noStrike" kern="1200" cap="none" spc="0" normalizeH="0" baseline="0" noProof="0" dirty="0">
+                          <a:ln>
+                            <a:noFill/>
+                          </a:ln>
+                          <a:solidFill>
+                            <a:prstClr val="black"/>
+                          </a:solidFill>
+                          <a:effectLst/>
+                          <a:uLnTx/>
+                          <a:uFillTx/>
+                          <a:latin typeface="Calibri" panose="020F0502020204030204"/>
+                          <a:ea typeface="+mn-ea"/>
+                          <a:cs typeface="+mn-cs"/>
+                        </a:rPr>
+                        <a:t>O</a:t>
+                      </a:r>
+                    </a:p>
+                  </a:txBody>
+                  <a:tcPr marL="0" marR="0" marT="0" marB="0" anchor="ctr"/>
+                </a:tc>
+                <a:tc>
+                  <a:txBody>
+                    <a:bodyPr/>
+                    <a:lstStyle/>
+                    <a:p>
+                      <a:pPr marL="0" marR="0" lvl="0" indent="0" algn="ctr" defTabSz="914400" rtl="0" eaLnBrk="1" fontAlgn="auto" latinLnBrk="0" hangingPunct="1">
+                        <a:lnSpc>
+                          <a:spcPct val="100000"/>
+                        </a:lnSpc>
+                        <a:spcBef>
+                          <a:spcPts val="0"/>
+                        </a:spcBef>
+                        <a:spcAft>
+                          <a:spcPts val="0"/>
+                        </a:spcAft>
+                        <a:buClrTx/>
+                        <a:buSzTx/>
+                        <a:buFontTx/>
+                        <a:buNone/>
+                        <a:tabLst/>
+                        <a:defRPr/>
+                      </a:pPr>
+                      <a:r>
+                        <a:rPr kumimoji="0" lang="en-US" sz="1400" b="0" i="0" u="none" strike="noStrike" kern="1200" cap="none" spc="0" normalizeH="0" baseline="0" noProof="0" dirty="0">
+                          <a:ln>
+                            <a:noFill/>
+                          </a:ln>
+                          <a:solidFill>
+                            <a:prstClr val="black"/>
+                          </a:solidFill>
+                          <a:effectLst/>
+                          <a:uLnTx/>
+                          <a:uFillTx/>
+                          <a:latin typeface="Calibri" panose="020F0502020204030204"/>
+                          <a:ea typeface="+mn-ea"/>
+                          <a:cs typeface="+mn-cs"/>
+                        </a:rPr>
+                        <a:t>O</a:t>
+                      </a:r>
+                    </a:p>
+                  </a:txBody>
+                  <a:tcPr marL="0" marR="0" marT="0" marB="0" anchor="ctr"/>
+                </a:tc>
+                <a:tc>
+                  <a:txBody>
+                    <a:bodyPr/>
+                    <a:lstStyle/>
+                    <a:p>
+                      <a:pPr marL="0" marR="0" lvl="0" indent="0" algn="ctr" defTabSz="914400" rtl="0" eaLnBrk="1" fontAlgn="auto" latinLnBrk="0" hangingPunct="1">
+                        <a:lnSpc>
+                          <a:spcPct val="100000"/>
+                        </a:lnSpc>
+                        <a:spcBef>
+                          <a:spcPts val="0"/>
+                        </a:spcBef>
+                        <a:spcAft>
+                          <a:spcPts val="0"/>
+                        </a:spcAft>
+                        <a:buClrTx/>
+                        <a:buSzTx/>
+                        <a:buFontTx/>
+                        <a:buNone/>
+                        <a:tabLst/>
+                        <a:defRPr/>
+                      </a:pPr>
+                      <a:r>
+                        <a:rPr kumimoji="0" lang="en-US" sz="1400" b="0" i="0" u="none" strike="noStrike" kern="1200" cap="none" spc="0" normalizeH="0" baseline="0" noProof="0" dirty="0">
+                          <a:ln>
+                            <a:noFill/>
+                          </a:ln>
+                          <a:solidFill>
+                            <a:prstClr val="black"/>
+                          </a:solidFill>
+                          <a:effectLst/>
+                          <a:uLnTx/>
+                          <a:uFillTx/>
+                          <a:latin typeface="Calibri" panose="020F0502020204030204"/>
+                          <a:ea typeface="+mn-ea"/>
+                          <a:cs typeface="+mn-cs"/>
+                        </a:rPr>
+                        <a:t>O</a:t>
+                      </a:r>
+                    </a:p>
+                  </a:txBody>
+                  <a:tcPr marL="0" marR="0" marT="0" marB="0" anchor="ctr"/>
+                </a:tc>
+                <a:tc>
+                  <a:txBody>
+                    <a:bodyPr/>
+                    <a:lstStyle/>
+                    <a:p>
+                      <a:pPr marL="0" marR="0" lvl="0" indent="0" algn="ctr" defTabSz="914400" rtl="0" eaLnBrk="1" fontAlgn="auto" latinLnBrk="0" hangingPunct="1">
+                        <a:lnSpc>
+                          <a:spcPct val="100000"/>
+                        </a:lnSpc>
+                        <a:spcBef>
+                          <a:spcPts val="0"/>
+                        </a:spcBef>
+                        <a:spcAft>
+                          <a:spcPts val="0"/>
+                        </a:spcAft>
+                        <a:buClrTx/>
+                        <a:buSzTx/>
+                        <a:buFontTx/>
+                        <a:buNone/>
+                        <a:tabLst/>
+                        <a:defRPr/>
+                      </a:pPr>
+                      <a:r>
+                        <a:rPr kumimoji="0" lang="en-US" sz="1400" b="0" i="0" u="none" strike="noStrike" kern="1200" cap="none" spc="0" normalizeH="0" baseline="0" noProof="0" dirty="0">
+                          <a:ln>
+                            <a:noFill/>
+                          </a:ln>
+                          <a:solidFill>
+                            <a:prstClr val="black"/>
+                          </a:solidFill>
+                          <a:effectLst/>
+                          <a:uLnTx/>
+                          <a:uFillTx/>
+                          <a:latin typeface="Calibri" panose="020F0502020204030204"/>
+                          <a:ea typeface="+mn-ea"/>
+                          <a:cs typeface="+mn-cs"/>
+                        </a:rPr>
+                        <a:t>O</a:t>
+                      </a:r>
+                    </a:p>
+                  </a:txBody>
+                  <a:tcPr marL="0" marR="0" marT="0" marB="0" anchor="ctr"/>
+                </a:tc>
+                <a:tc>
+                  <a:txBody>
+                    <a:bodyPr/>
+                    <a:lstStyle/>
+                    <a:p>
+                      <a:pPr algn="ctr"/>
+                      <a:endParaRPr lang="en-US" sz="1400"/>
+                    </a:p>
+                  </a:txBody>
+                  <a:tcPr marL="0" marR="0" marT="0" marB="0" anchor="ctr"/>
+                </a:tc>
+                <a:tc>
+                  <a:txBody>
+                    <a:bodyPr/>
+                    <a:lstStyle/>
+                    <a:p>
+                      <a:pPr algn="ctr"/>
+                      <a:endParaRPr lang="en-US" sz="1400"/>
+                    </a:p>
+                  </a:txBody>
+                  <a:tcPr marL="0" marR="0" marT="0" marB="0" anchor="ctr"/>
+                </a:tc>
+                <a:tc>
+                  <a:txBody>
+                    <a:bodyPr/>
+                    <a:lstStyle/>
+                    <a:p>
+                      <a:pPr algn="ctr"/>
+                      <a:endParaRPr lang="en-US" sz="1400"/>
+                    </a:p>
+                  </a:txBody>
+                  <a:tcPr marL="0" marR="0" marT="0" marB="0" anchor="ctr"/>
+                </a:tc>
+                <a:tc>
+                  <a:txBody>
+                    <a:bodyPr/>
+                    <a:lstStyle/>
+                    <a:p>
+                      <a:pPr algn="ctr"/>
+                      <a:endParaRPr lang="en-US" sz="1400"/>
+                    </a:p>
+                  </a:txBody>
+                  <a:tcPr marL="0" marR="0" marT="0" marB="0" anchor="ctr"/>
+                </a:tc>
+                <a:tc>
+                  <a:txBody>
+                    <a:bodyPr/>
+                    <a:lstStyle/>
+                    <a:p>
+                      <a:pPr algn="ctr"/>
+                      <a:endParaRPr lang="en-US" sz="1400"/>
+                    </a:p>
+                  </a:txBody>
+                  <a:tcPr marL="0" marR="0" marT="0" marB="0" anchor="ctr"/>
+                </a:tc>
+                <a:tc>
+                  <a:txBody>
+                    <a:bodyPr/>
+                    <a:lstStyle/>
+                    <a:p>
+                      <a:pPr algn="ctr"/>
+                      <a:endParaRPr lang="en-US" sz="1400"/>
+                    </a:p>
+                  </a:txBody>
+                  <a:tcPr marL="0" marR="0" marT="0" marB="0" anchor="ctr"/>
+                </a:tc>
+                <a:tc>
+                  <a:txBody>
+                    <a:bodyPr/>
+                    <a:lstStyle/>
+                    <a:p>
+                      <a:pPr algn="ctr"/>
+                      <a:endParaRPr lang="en-US" sz="1400"/>
+                    </a:p>
+                  </a:txBody>
+                  <a:tcPr marL="0" marR="0" marT="0" marB="0" anchor="ctr"/>
+                </a:tc>
+                <a:tc>
+                  <a:txBody>
+                    <a:bodyPr/>
+                    <a:lstStyle/>
+                    <a:p>
+                      <a:pPr algn="ctr"/>
+                      <a:endParaRPr lang="en-US" sz="1400"/>
+                    </a:p>
+                  </a:txBody>
+                  <a:tcPr marL="0" marR="0" marT="0" marB="0" anchor="ctr"/>
+                </a:tc>
+                <a:tc>
+                  <a:txBody>
+                    <a:bodyPr/>
+                    <a:lstStyle/>
+                    <a:p>
+                      <a:pPr algn="ctr"/>
+                      <a:endParaRPr lang="en-US" sz="1400"/>
+                    </a:p>
+                  </a:txBody>
+                  <a:tcPr marL="0" marR="0" marT="0" marB="0" anchor="ctr"/>
+                </a:tc>
+                <a:tc>
+                  <a:txBody>
+                    <a:bodyPr/>
+                    <a:lstStyle/>
+                    <a:p>
+                      <a:pPr algn="ctr"/>
+                      <a:endParaRPr lang="en-US" sz="1400"/>
+                    </a:p>
+                  </a:txBody>
+                  <a:tcPr marL="0" marR="0" marT="0" marB="0" anchor="ctr"/>
+                </a:tc>
+                <a:tc>
+                  <a:txBody>
+                    <a:bodyPr/>
+                    <a:lstStyle/>
+                    <a:p>
+                      <a:pPr algn="ctr"/>
+                      <a:endParaRPr lang="en-US" sz="1400"/>
+                    </a:p>
+                  </a:txBody>
+                  <a:tcPr marL="0" marR="0" marT="0" marB="0" anchor="ctr"/>
+                </a:tc>
+                <a:tc>
+                  <a:txBody>
+                    <a:bodyPr/>
+                    <a:lstStyle/>
+                    <a:p>
+                      <a:pPr algn="ctr"/>
+                      <a:endParaRPr lang="en-US" sz="1400"/>
+                    </a:p>
+                  </a:txBody>
+                  <a:tcPr marL="0" marR="0" marT="0" marB="0" anchor="ctr"/>
+                </a:tc>
+                <a:tc>
+                  <a:txBody>
+                    <a:bodyPr/>
+                    <a:lstStyle/>
+                    <a:p>
+                      <a:pPr algn="ctr"/>
+                      <a:endParaRPr lang="en-US" sz="1400"/>
+                    </a:p>
+                  </a:txBody>
+                  <a:tcPr marL="0" marR="0" marT="0" marB="0" anchor="ctr"/>
+                </a:tc>
+                <a:tc>
+                  <a:txBody>
+                    <a:bodyPr/>
+                    <a:lstStyle/>
+                    <a:p>
+                      <a:pPr algn="ctr"/>
+                      <a:endParaRPr lang="en-US" sz="1400"/>
+                    </a:p>
+                  </a:txBody>
+                  <a:tcPr marL="0" marR="0" marT="0" marB="0" anchor="ctr"/>
+                </a:tc>
+                <a:tc>
+                  <a:txBody>
+                    <a:bodyPr/>
+                    <a:lstStyle/>
+                    <a:p>
+                      <a:pPr algn="ctr"/>
+                      <a:endParaRPr lang="en-US" sz="1400"/>
+                    </a:p>
+                  </a:txBody>
+                  <a:tcPr marL="0" marR="0" marT="0" marB="0" anchor="ctr"/>
+                </a:tc>
+                <a:extLst>
+                  <a:ext uri="{0D108BD9-81ED-4DB2-BD59-A6C34878D82A}">
+                    <a16:rowId xmlns:a16="http://schemas.microsoft.com/office/drawing/2014/main" val="430785648"/>
+                  </a:ext>
+                </a:extLst>
+              </a:tr>
+              <a:tr h="512232">
+                <a:tc>
+                  <a:txBody>
+                    <a:bodyPr/>
+                    <a:lstStyle/>
+                    <a:p>
+                      <a:pPr algn="ctr"/>
+                      <a:r>
+                        <a:rPr lang="en-US" sz="1400" dirty="0"/>
+                        <a:t>B</a:t>
+                      </a:r>
+                    </a:p>
+                  </a:txBody>
+                  <a:tcPr marL="0" marR="0" marT="0" marB="0" anchor="ctr"/>
+                </a:tc>
+                <a:tc>
+                  <a:txBody>
+                    <a:bodyPr/>
+                    <a:lstStyle/>
+                    <a:p>
+                      <a:pPr algn="ctr"/>
+                      <a:r>
+                        <a:rPr lang="ko-KR" altLang="en-US" sz="1400"/>
+                        <a:t>박영세</a:t>
+                      </a:r>
+                      <a:endParaRPr lang="en-US" sz="1400"/>
+                    </a:p>
+                  </a:txBody>
+                  <a:tcPr marL="0" marR="0" marT="0" marB="0" anchor="ctr"/>
+                </a:tc>
+                <a:tc>
+                  <a:txBody>
+                    <a:bodyPr/>
+                    <a:lstStyle/>
+                    <a:p>
+                      <a:pPr marL="0" marR="0" lvl="0" indent="0" algn="ctr" defTabSz="914400" rtl="0" eaLnBrk="1" fontAlgn="auto" latinLnBrk="0" hangingPunct="1">
+                        <a:lnSpc>
+                          <a:spcPct val="100000"/>
+                        </a:lnSpc>
+                        <a:spcBef>
+                          <a:spcPts val="0"/>
+                        </a:spcBef>
+                        <a:spcAft>
+                          <a:spcPts val="0"/>
+                        </a:spcAft>
+                        <a:buClrTx/>
+                        <a:buSzTx/>
+                        <a:buFontTx/>
+                        <a:buNone/>
+                        <a:tabLst/>
+                        <a:defRPr/>
+                      </a:pPr>
+                      <a:r>
+                        <a:rPr kumimoji="0" lang="en-US" sz="1400" b="0" i="0" u="none" strike="noStrike" kern="1200" cap="none" spc="0" normalizeH="0" baseline="0" noProof="0" dirty="0">
+                          <a:ln>
+                            <a:noFill/>
+                          </a:ln>
+                          <a:solidFill>
+                            <a:prstClr val="black"/>
+                          </a:solidFill>
+                          <a:effectLst/>
+                          <a:uLnTx/>
+                          <a:uFillTx/>
+                          <a:latin typeface="Calibri" panose="020F0502020204030204"/>
+                          <a:ea typeface="+mn-ea"/>
+                          <a:cs typeface="+mn-cs"/>
+                        </a:rPr>
+                        <a:t>O</a:t>
+                      </a:r>
+                    </a:p>
+                  </a:txBody>
+                  <a:tcPr marL="0" marR="0" marT="0" marB="0" anchor="ctr"/>
+                </a:tc>
+                <a:tc>
+                  <a:txBody>
+                    <a:bodyPr/>
+                    <a:lstStyle/>
+                    <a:p>
+                      <a:pPr marL="0" marR="0" lvl="0" indent="0" algn="ctr" defTabSz="914400" rtl="0" eaLnBrk="1" fontAlgn="auto" latinLnBrk="0" hangingPunct="1">
+                        <a:lnSpc>
+                          <a:spcPct val="100000"/>
+                        </a:lnSpc>
+                        <a:spcBef>
+                          <a:spcPts val="0"/>
+                        </a:spcBef>
+                        <a:spcAft>
+                          <a:spcPts val="0"/>
+                        </a:spcAft>
+                        <a:buClrTx/>
+                        <a:buSzTx/>
+                        <a:buFontTx/>
+                        <a:buNone/>
+                        <a:tabLst/>
+                        <a:defRPr/>
+                      </a:pPr>
+                      <a:r>
+                        <a:rPr kumimoji="0" lang="en-US" sz="1400" b="0" i="0" u="none" strike="noStrike" kern="1200" cap="none" spc="0" normalizeH="0" baseline="0" noProof="0" dirty="0">
+                          <a:ln>
+                            <a:noFill/>
+                          </a:ln>
+                          <a:solidFill>
+                            <a:prstClr val="black"/>
+                          </a:solidFill>
+                          <a:effectLst/>
+                          <a:uLnTx/>
+                          <a:uFillTx/>
+                          <a:latin typeface="Calibri" panose="020F0502020204030204"/>
+                          <a:ea typeface="+mn-ea"/>
+                          <a:cs typeface="+mn-cs"/>
+                        </a:rPr>
+                        <a:t>O</a:t>
+                      </a:r>
+                    </a:p>
+                  </a:txBody>
+                  <a:tcPr marL="0" marR="0" marT="0" marB="0" anchor="ctr"/>
+                </a:tc>
+                <a:tc>
+                  <a:txBody>
+                    <a:bodyPr/>
+                    <a:lstStyle/>
+                    <a:p>
+                      <a:pPr marL="0" marR="0" lvl="0" indent="0" algn="ctr" defTabSz="914400" rtl="0" eaLnBrk="1" fontAlgn="auto" latinLnBrk="0" hangingPunct="1">
+                        <a:lnSpc>
+                          <a:spcPct val="100000"/>
+                        </a:lnSpc>
+                        <a:spcBef>
+                          <a:spcPts val="0"/>
+                        </a:spcBef>
+                        <a:spcAft>
+                          <a:spcPts val="0"/>
+                        </a:spcAft>
+                        <a:buClrTx/>
+                        <a:buSzTx/>
+                        <a:buFontTx/>
+                        <a:buNone/>
+                        <a:tabLst/>
+                        <a:defRPr/>
+                      </a:pPr>
+                      <a:r>
+                        <a:rPr kumimoji="0" lang="en-US" sz="1400" b="0" i="0" u="none" strike="noStrike" kern="1200" cap="none" spc="0" normalizeH="0" baseline="0" noProof="0" dirty="0">
+                          <a:ln>
+                            <a:noFill/>
+                          </a:ln>
+                          <a:solidFill>
+                            <a:prstClr val="black"/>
+                          </a:solidFill>
+                          <a:effectLst/>
+                          <a:uLnTx/>
+                          <a:uFillTx/>
+                          <a:latin typeface="Calibri" panose="020F0502020204030204"/>
+                          <a:ea typeface="+mn-ea"/>
+                          <a:cs typeface="+mn-cs"/>
+                        </a:rPr>
+                        <a:t>O</a:t>
+                      </a:r>
+                    </a:p>
+                  </a:txBody>
+                  <a:tcPr marL="0" marR="0" marT="0" marB="0" anchor="ctr"/>
+                </a:tc>
+                <a:tc>
+                  <a:txBody>
+                    <a:bodyPr/>
+                    <a:lstStyle/>
+                    <a:p>
+                      <a:pPr marL="0" marR="0" lvl="0" indent="0" algn="ctr" defTabSz="914400" rtl="0" eaLnBrk="1" fontAlgn="auto" latinLnBrk="0" hangingPunct="1">
+                        <a:lnSpc>
+                          <a:spcPct val="100000"/>
+                        </a:lnSpc>
+                        <a:spcBef>
+                          <a:spcPts val="0"/>
+                        </a:spcBef>
+                        <a:spcAft>
+                          <a:spcPts val="0"/>
+                        </a:spcAft>
+                        <a:buClrTx/>
+                        <a:buSzTx/>
+                        <a:buFontTx/>
+                        <a:buNone/>
+                        <a:tabLst/>
+                        <a:defRPr/>
+                      </a:pPr>
+                      <a:r>
+                        <a:rPr kumimoji="0" lang="en-US" sz="1400" b="0" i="0" u="none" strike="noStrike" kern="1200" cap="none" spc="0" normalizeH="0" baseline="0" noProof="0" dirty="0">
+                          <a:ln>
+                            <a:noFill/>
+                          </a:ln>
+                          <a:solidFill>
+                            <a:prstClr val="black"/>
+                          </a:solidFill>
+                          <a:effectLst/>
+                          <a:uLnTx/>
+                          <a:uFillTx/>
+                          <a:latin typeface="Calibri" panose="020F0502020204030204"/>
+                          <a:ea typeface="+mn-ea"/>
+                          <a:cs typeface="+mn-cs"/>
+                        </a:rPr>
+                        <a:t>O</a:t>
+                      </a:r>
+                    </a:p>
+                  </a:txBody>
+                  <a:tcPr marL="0" marR="0" marT="0" marB="0" anchor="ctr"/>
+                </a:tc>
+                <a:tc>
+                  <a:txBody>
+                    <a:bodyPr/>
+                    <a:lstStyle/>
+                    <a:p>
+                      <a:pPr marL="0" marR="0" lvl="0" indent="0" algn="ctr" defTabSz="914400" rtl="0" eaLnBrk="1" fontAlgn="auto" latinLnBrk="0" hangingPunct="1">
+                        <a:lnSpc>
+                          <a:spcPct val="100000"/>
+                        </a:lnSpc>
+                        <a:spcBef>
+                          <a:spcPts val="0"/>
+                        </a:spcBef>
+                        <a:spcAft>
+                          <a:spcPts val="0"/>
+                        </a:spcAft>
+                        <a:buClrTx/>
+                        <a:buSzTx/>
+                        <a:buFontTx/>
+                        <a:buNone/>
+                        <a:tabLst/>
+                        <a:defRPr/>
+                      </a:pPr>
+                      <a:r>
+                        <a:rPr kumimoji="0" lang="en-US" sz="1400" b="0" i="0" u="none" strike="noStrike" kern="1200" cap="none" spc="0" normalizeH="0" baseline="0" noProof="0" dirty="0">
+                          <a:ln>
+                            <a:noFill/>
+                          </a:ln>
+                          <a:solidFill>
+                            <a:prstClr val="black"/>
+                          </a:solidFill>
+                          <a:effectLst/>
+                          <a:uLnTx/>
+                          <a:uFillTx/>
+                          <a:latin typeface="Calibri" panose="020F0502020204030204"/>
+                          <a:ea typeface="+mn-ea"/>
+                          <a:cs typeface="+mn-cs"/>
+                        </a:rPr>
+                        <a:t>O</a:t>
+                      </a:r>
+                    </a:p>
+                  </a:txBody>
+                  <a:tcPr marL="0" marR="0" marT="0" marB="0" anchor="ctr"/>
+                </a:tc>
+                <a:tc>
+                  <a:txBody>
+                    <a:bodyPr/>
+                    <a:lstStyle/>
+                    <a:p>
+                      <a:pPr algn="ctr"/>
+                      <a:endParaRPr lang="en-US" sz="1400"/>
+                    </a:p>
+                  </a:txBody>
+                  <a:tcPr marL="0" marR="0" marT="0" marB="0" anchor="ctr"/>
+                </a:tc>
+                <a:tc>
+                  <a:txBody>
+                    <a:bodyPr/>
+                    <a:lstStyle/>
+                    <a:p>
+                      <a:pPr algn="ctr"/>
+                      <a:endParaRPr lang="en-US" sz="1400"/>
+                    </a:p>
+                  </a:txBody>
+                  <a:tcPr marL="0" marR="0" marT="0" marB="0" anchor="ctr"/>
+                </a:tc>
+                <a:tc>
+                  <a:txBody>
+                    <a:bodyPr/>
+                    <a:lstStyle/>
+                    <a:p>
+                      <a:pPr algn="ctr"/>
+                      <a:endParaRPr lang="en-US" sz="1400"/>
+                    </a:p>
+                  </a:txBody>
+                  <a:tcPr marL="0" marR="0" marT="0" marB="0" anchor="ctr"/>
+                </a:tc>
+                <a:tc>
+                  <a:txBody>
+                    <a:bodyPr/>
+                    <a:lstStyle/>
+                    <a:p>
+                      <a:pPr algn="ctr"/>
+                      <a:endParaRPr lang="en-US" sz="1400"/>
+                    </a:p>
+                  </a:txBody>
+                  <a:tcPr marL="0" marR="0" marT="0" marB="0" anchor="ctr"/>
+                </a:tc>
+                <a:tc>
+                  <a:txBody>
+                    <a:bodyPr/>
+                    <a:lstStyle/>
+                    <a:p>
+                      <a:pPr algn="ctr"/>
+                      <a:endParaRPr lang="en-US" sz="1400"/>
+                    </a:p>
+                  </a:txBody>
+                  <a:tcPr marL="0" marR="0" marT="0" marB="0" anchor="ctr"/>
+                </a:tc>
+                <a:tc>
+                  <a:txBody>
+                    <a:bodyPr/>
+                    <a:lstStyle/>
+                    <a:p>
+                      <a:pPr algn="ctr"/>
+                      <a:endParaRPr lang="en-US" sz="1400"/>
+                    </a:p>
+                  </a:txBody>
+                  <a:tcPr marL="0" marR="0" marT="0" marB="0" anchor="ctr"/>
+                </a:tc>
+                <a:tc>
+                  <a:txBody>
+                    <a:bodyPr/>
+                    <a:lstStyle/>
+                    <a:p>
+                      <a:pPr algn="ctr"/>
+                      <a:endParaRPr lang="en-US" sz="1400"/>
+                    </a:p>
+                  </a:txBody>
+                  <a:tcPr marL="0" marR="0" marT="0" marB="0" anchor="ctr"/>
+                </a:tc>
+                <a:tc>
+                  <a:txBody>
+                    <a:bodyPr/>
+                    <a:lstStyle/>
+                    <a:p>
+                      <a:pPr algn="ctr"/>
+                      <a:endParaRPr lang="en-US" sz="1400"/>
+                    </a:p>
+                  </a:txBody>
+                  <a:tcPr marL="0" marR="0" marT="0" marB="0" anchor="ctr"/>
+                </a:tc>
+                <a:tc>
+                  <a:txBody>
+                    <a:bodyPr/>
+                    <a:lstStyle/>
+                    <a:p>
+                      <a:pPr algn="ctr"/>
+                      <a:endParaRPr lang="en-US" sz="1400"/>
+                    </a:p>
+                  </a:txBody>
+                  <a:tcPr marL="0" marR="0" marT="0" marB="0" anchor="ctr"/>
+                </a:tc>
+                <a:tc>
+                  <a:txBody>
+                    <a:bodyPr/>
+                    <a:lstStyle/>
+                    <a:p>
+                      <a:pPr algn="ctr"/>
+                      <a:endParaRPr lang="en-US" sz="1400"/>
+                    </a:p>
+                  </a:txBody>
+                  <a:tcPr marL="0" marR="0" marT="0" marB="0" anchor="ctr"/>
+                </a:tc>
+                <a:tc>
+                  <a:txBody>
+                    <a:bodyPr/>
+                    <a:lstStyle/>
+                    <a:p>
+                      <a:pPr algn="ctr"/>
+                      <a:endParaRPr lang="en-US" sz="1400"/>
+                    </a:p>
+                  </a:txBody>
+                  <a:tcPr marL="0" marR="0" marT="0" marB="0" anchor="ctr"/>
+                </a:tc>
+                <a:tc>
+                  <a:txBody>
+                    <a:bodyPr/>
+                    <a:lstStyle/>
+                    <a:p>
+                      <a:pPr algn="ctr"/>
+                      <a:endParaRPr lang="en-US" sz="1400"/>
+                    </a:p>
+                  </a:txBody>
+                  <a:tcPr marL="0" marR="0" marT="0" marB="0" anchor="ctr"/>
+                </a:tc>
+                <a:tc>
+                  <a:txBody>
+                    <a:bodyPr/>
+                    <a:lstStyle/>
+                    <a:p>
+                      <a:pPr algn="ctr"/>
+                      <a:endParaRPr lang="en-US" sz="1400"/>
+                    </a:p>
+                  </a:txBody>
+                  <a:tcPr marL="0" marR="0" marT="0" marB="0" anchor="ctr"/>
+                </a:tc>
+                <a:tc>
+                  <a:txBody>
+                    <a:bodyPr/>
+                    <a:lstStyle/>
+                    <a:p>
+                      <a:pPr algn="ctr"/>
+                      <a:endParaRPr lang="en-US" sz="1400"/>
+                    </a:p>
+                  </a:txBody>
+                  <a:tcPr marL="0" marR="0" marT="0" marB="0" anchor="ctr"/>
+                </a:tc>
+                <a:tc>
+                  <a:txBody>
+                    <a:bodyPr/>
+                    <a:lstStyle/>
+                    <a:p>
+                      <a:pPr algn="ctr"/>
+                      <a:endParaRPr lang="en-US" sz="1400" dirty="0"/>
+                    </a:p>
+                  </a:txBody>
+                  <a:tcPr marL="0" marR="0" marT="0" marB="0" anchor="ctr"/>
+                </a:tc>
+                <a:extLst>
+                  <a:ext uri="{0D108BD9-81ED-4DB2-BD59-A6C34878D82A}">
+                    <a16:rowId xmlns:a16="http://schemas.microsoft.com/office/drawing/2014/main" val="479172299"/>
+                  </a:ext>
+                </a:extLst>
+              </a:tr>
+            </a:tbl>
+          </a:graphicData>
+        </a:graphic>
+      </p:graphicFrame>
+      <p:sp>
+        <p:nvSpPr>
+          <p:cNvPr id="4" name="날짜 개체 틀 3"/>
+          <p:cNvSpPr>
+            <a:spLocks noGrp="1"/>
+          </p:cNvSpPr>
+          <p:nvPr>
+            <p:ph type="dt" sz="half" idx="10"/>
+          </p:nvPr>
+        </p:nvSpPr>
+        <p:spPr/>
+        <p:txBody>
+          <a:bodyPr/>
+          <a:lstStyle/>
+          <a:p>
+            <a:fld id="{BE0357B1-0FDD-482C-A9DC-A4587093D4A9}" type="datetime1">
+              <a:rPr lang="ko-KR" altLang="en-US" smtClean="0"/>
+              <a:t>2019-08-07</a:t>
+            </a:fld>
+            <a:endParaRPr lang="en-US"/>
+          </a:p>
+        </p:txBody>
+      </p:sp>
+      <p:sp>
+        <p:nvSpPr>
+          <p:cNvPr id="5" name="바닥글 개체 틀 4"/>
+          <p:cNvSpPr>
+            <a:spLocks noGrp="1"/>
+          </p:cNvSpPr>
+          <p:nvPr>
+            <p:ph type="ftr" sz="quarter" idx="11"/>
+          </p:nvPr>
+        </p:nvSpPr>
+        <p:spPr/>
+        <p:txBody>
+          <a:bodyPr/>
+          <a:lstStyle/>
+          <a:p>
+            <a:r>
+              <a:rPr lang="ko-KR" altLang="en-US"/>
+              <a:t>드론 멘토링 </a:t>
+            </a:r>
+            <a:r>
+              <a:rPr lang="en-US" altLang="ko-KR"/>
+              <a:t>(2019</a:t>
+            </a:r>
+            <a:r>
+              <a:rPr lang="ko-KR" altLang="en-US"/>
+              <a:t>년 여름</a:t>
+            </a:r>
+            <a:r>
+              <a:rPr lang="en-US" altLang="ko-KR"/>
+              <a:t>)</a:t>
+            </a:r>
+            <a:endParaRPr lang="en-US"/>
+          </a:p>
+        </p:txBody>
+      </p:sp>
+      <p:sp>
+        <p:nvSpPr>
+          <p:cNvPr id="6" name="슬라이드 번호 개체 틀 5"/>
+          <p:cNvSpPr>
+            <a:spLocks noGrp="1"/>
+          </p:cNvSpPr>
+          <p:nvPr>
+            <p:ph type="sldNum" sz="quarter" idx="12"/>
+          </p:nvPr>
+        </p:nvSpPr>
+        <p:spPr/>
+        <p:txBody>
+          <a:bodyPr/>
+          <a:lstStyle/>
+          <a:p>
+            <a:fld id="{AA0EB1BB-D2B3-481B-A5E1-F093F8D3CD29}" type="slidenum">
+              <a:rPr lang="en-US" smtClean="0"/>
+              <a:t>1</a:t>
+            </a:fld>
+            <a:endParaRPr lang="en-US"/>
+          </a:p>
+        </p:txBody>
+      </p:sp>
+      <p:sp>
+        <p:nvSpPr>
+          <p:cNvPr id="8" name="직사각형 7"/>
+          <p:cNvSpPr/>
+          <p:nvPr/>
+        </p:nvSpPr>
+        <p:spPr>
+          <a:xfrm>
+            <a:off x="6007414" y="5857862"/>
+            <a:ext cx="3217548" cy="369332"/>
+          </a:xfrm>
+          <a:prstGeom prst="rect">
+            <a:avLst/>
+          </a:prstGeom>
+        </p:spPr>
+        <p:txBody>
+          <a:bodyPr wrap="none">
+            <a:spAutoFit/>
+          </a:bodyPr>
+          <a:lstStyle/>
+          <a:p>
+            <a:pPr algn="ctr"/>
+            <a:r>
+              <a:rPr lang="en-US"/>
+              <a:t>O : </a:t>
+            </a:r>
+            <a:r>
+              <a:rPr lang="ko-KR" altLang="en-US"/>
+              <a:t>출석</a:t>
+            </a:r>
+            <a:r>
+              <a:rPr lang="en-US" altLang="ko-KR"/>
+              <a:t>, </a:t>
+            </a:r>
+            <a:r>
+              <a:rPr lang="el-GR"/>
+              <a:t>Δ</a:t>
+            </a:r>
+            <a:r>
+              <a:rPr lang="en-US"/>
+              <a:t> : </a:t>
+            </a:r>
+            <a:r>
+              <a:rPr lang="ko-KR" altLang="en-US"/>
+              <a:t>지각</a:t>
+            </a:r>
+            <a:r>
+              <a:rPr lang="en-US" altLang="ko-KR"/>
+              <a:t>, </a:t>
+            </a:r>
+            <a:r>
+              <a:rPr lang="ko-KR" altLang="en-US"/>
+              <a:t>조퇴</a:t>
+            </a:r>
+            <a:r>
+              <a:rPr lang="en-US" altLang="ko-KR"/>
+              <a:t>, X: </a:t>
+            </a:r>
+            <a:r>
+              <a:rPr lang="ko-KR" altLang="en-US"/>
+              <a:t>결석</a:t>
+            </a:r>
+            <a:endParaRPr lang="en-US">
+              <a:solidFill>
+                <a:schemeClr val="accent2">
+                  <a:lumMod val="75000"/>
+                </a:schemeClr>
+              </a:solidFill>
+            </a:endParaRPr>
+          </a:p>
+        </p:txBody>
+      </p:sp>
+    </p:spTree>
+    <p:extLst>
+      <p:ext uri="{BB962C8B-B14F-4D97-AF65-F5344CB8AC3E}">
+        <p14:creationId xmlns:p14="http://schemas.microsoft.com/office/powerpoint/2010/main" val="1364263787"/>
+      </p:ext>
+    </p:extLst>
+  </p:cSld>
+  <p:clrMapOvr>
+    <a:masterClrMapping/>
+  </p:clrMapOvr>
+</p:sld>
+</file>
+
+<file path=ppt/slides/slide2.xml><?xml version="1.0" encoding="utf-8"?>
+<p:sld xmlns:a="http://schemas.openxmlformats.org/drawingml/2006/main" xmlns:r="http://schemas.openxmlformats.org/officeDocument/2006/relationships" xmlns:p="http://schemas.openxmlformats.org/presentationml/2006/main">
+  <p:cSld>
+    <p:spTree>
+      <p:nvGrpSpPr>
+        <p:cNvPr id="1" name=""/>
+        <p:cNvGrpSpPr/>
+        <p:nvPr/>
+      </p:nvGrpSpPr>
+      <p:grpSpPr>
+        <a:xfrm>
+          <a:off x="0" y="0"/>
+          <a:ext cx="0" cy="0"/>
+          <a:chOff x="0" y="0"/>
+          <a:chExt cx="0" cy="0"/>
+        </a:xfrm>
+      </p:grpSpPr>
+      <p:sp>
+        <p:nvSpPr>
+          <p:cNvPr id="2" name="제목 1"/>
+          <p:cNvSpPr>
+            <a:spLocks noGrp="1"/>
+          </p:cNvSpPr>
+          <p:nvPr>
+            <p:ph type="title"/>
+          </p:nvPr>
+        </p:nvSpPr>
+        <p:spPr/>
+        <p:txBody>
+          <a:bodyPr/>
+          <a:lstStyle/>
+          <a:p>
+            <a:r>
+              <a:rPr lang="ko-KR" altLang="en-US"/>
+              <a:t>출결 현황 </a:t>
+            </a:r>
+            <a:r>
+              <a:rPr lang="en-US" altLang="ko-KR"/>
               <a:t>(1</a:t>
             </a:r>
             <a:r>
@@ -18435,7 +21312,7 @@
           <a:p>
             <a:fld id="{BE0357B1-0FDD-482C-A9DC-A4587093D4A9}" type="datetime1">
               <a:rPr lang="ko-KR" altLang="en-US" smtClean="0"/>
-              <a:t>2019-07-27</a:t>
+              <a:t>2019-08-07</a:t>
             </a:fld>
             <a:endParaRPr lang="en-US"/>
           </a:p>
@@ -18493,7 +21370,7 @@
           <a:p>
             <a:fld id="{AA0EB1BB-D2B3-481B-A5E1-F093F8D3CD29}" type="slidenum">
               <a:rPr lang="en-US" smtClean="0"/>
-              <a:t>1</a:t>
+              <a:t>2</a:t>
             </a:fld>
             <a:endParaRPr lang="en-US"/>
           </a:p>
@@ -18575,2303 +21452,6 @@
     <p:extLst>
       <p:ext uri="{BB962C8B-B14F-4D97-AF65-F5344CB8AC3E}">
         <p14:creationId xmlns:p14="http://schemas.microsoft.com/office/powerpoint/2010/main" val="2892872570"/>
-      </p:ext>
-    </p:extLst>
-  </p:cSld>
-  <p:clrMapOvr>
-    <a:masterClrMapping/>
-  </p:clrMapOvr>
-</p:sld>
-</file>
-
-<file path=ppt/slides/slide2.xml><?xml version="1.0" encoding="utf-8"?>
-<p:sld xmlns:a="http://schemas.openxmlformats.org/drawingml/2006/main" xmlns:r="http://schemas.openxmlformats.org/officeDocument/2006/relationships" xmlns:p="http://schemas.openxmlformats.org/presentationml/2006/main">
-  <p:cSld>
-    <p:spTree>
-      <p:nvGrpSpPr>
-        <p:cNvPr id="1" name=""/>
-        <p:cNvGrpSpPr/>
-        <p:nvPr/>
-      </p:nvGrpSpPr>
-      <p:grpSpPr>
-        <a:xfrm>
-          <a:off x="0" y="0"/>
-          <a:ext cx="0" cy="0"/>
-          <a:chOff x="0" y="0"/>
-          <a:chExt cx="0" cy="0"/>
-        </a:xfrm>
-      </p:grpSpPr>
-      <p:sp>
-        <p:nvSpPr>
-          <p:cNvPr id="2" name="제목 1"/>
-          <p:cNvSpPr>
-            <a:spLocks noGrp="1"/>
-          </p:cNvSpPr>
-          <p:nvPr>
-            <p:ph type="title"/>
-          </p:nvPr>
-        </p:nvSpPr>
-        <p:spPr/>
-        <p:txBody>
-          <a:bodyPr/>
-          <a:lstStyle/>
-          <a:p>
-            <a:r>
-              <a:rPr lang="ko-KR" altLang="en-US"/>
-              <a:t>출결 현황 </a:t>
-            </a:r>
-            <a:r>
-              <a:rPr lang="en-US" altLang="ko-KR"/>
-              <a:t>(5</a:t>
-            </a:r>
-            <a:r>
-              <a:rPr lang="ko-KR" altLang="en-US"/>
-              <a:t>주 </a:t>
-            </a:r>
-            <a:r>
-              <a:rPr lang="en-US" altLang="ko-KR"/>
-              <a:t>~ 8</a:t>
-            </a:r>
-            <a:r>
-              <a:rPr lang="ko-KR" altLang="en-US"/>
-              <a:t>주</a:t>
-            </a:r>
-            <a:r>
-              <a:rPr lang="en-US" altLang="ko-KR"/>
-              <a:t>)</a:t>
-            </a:r>
-            <a:endParaRPr lang="en-US"/>
-          </a:p>
-        </p:txBody>
-      </p:sp>
-      <p:graphicFrame>
-        <p:nvGraphicFramePr>
-          <p:cNvPr id="7" name="내용 개체 틀 6"/>
-          <p:cNvGraphicFramePr>
-            <a:graphicFrameLocks noGrp="1"/>
-          </p:cNvGraphicFramePr>
-          <p:nvPr>
-            <p:ph idx="1"/>
-            <p:extLst>
-              <p:ext uri="{D42A27DB-BD31-4B8C-83A1-F6EECF244321}">
-                <p14:modId xmlns:p14="http://schemas.microsoft.com/office/powerpoint/2010/main" val="2050294148"/>
-              </p:ext>
-            </p:extLst>
-          </p:nvPr>
-        </p:nvGraphicFramePr>
-        <p:xfrm>
-          <a:off x="681038" y="1255712"/>
-          <a:ext cx="8543931" cy="2897284"/>
-        </p:xfrm>
-        <a:graphic>
-          <a:graphicData uri="http://schemas.openxmlformats.org/drawingml/2006/table">
-            <a:tbl>
-              <a:tblPr firstRow="1" bandRow="1">
-                <a:tableStyleId>{5C22544A-7EE6-4342-B048-85BDC9FD1C3A}</a:tableStyleId>
-              </a:tblPr>
-              <a:tblGrid>
-                <a:gridCol w="365360">
-                  <a:extLst>
-                    <a:ext uri="{9D8B030D-6E8A-4147-A177-3AD203B41FA5}">
-                      <a16:colId xmlns:a16="http://schemas.microsoft.com/office/drawing/2014/main" val="1672163300"/>
-                    </a:ext>
-                  </a:extLst>
-                </a:gridCol>
-                <a:gridCol w="864780">
-                  <a:extLst>
-                    <a:ext uri="{9D8B030D-6E8A-4147-A177-3AD203B41FA5}">
-                      <a16:colId xmlns:a16="http://schemas.microsoft.com/office/drawing/2014/main" val="4290831631"/>
-                    </a:ext>
-                  </a:extLst>
-                </a:gridCol>
-                <a:gridCol w="371951">
-                  <a:extLst>
-                    <a:ext uri="{9D8B030D-6E8A-4147-A177-3AD203B41FA5}">
-                      <a16:colId xmlns:a16="http://schemas.microsoft.com/office/drawing/2014/main" val="2081036147"/>
-                    </a:ext>
-                  </a:extLst>
-                </a:gridCol>
-                <a:gridCol w="365360">
-                  <a:extLst>
-                    <a:ext uri="{9D8B030D-6E8A-4147-A177-3AD203B41FA5}">
-                      <a16:colId xmlns:a16="http://schemas.microsoft.com/office/drawing/2014/main" val="447992165"/>
-                    </a:ext>
-                  </a:extLst>
-                </a:gridCol>
-                <a:gridCol w="365360">
-                  <a:extLst>
-                    <a:ext uri="{9D8B030D-6E8A-4147-A177-3AD203B41FA5}">
-                      <a16:colId xmlns:a16="http://schemas.microsoft.com/office/drawing/2014/main" val="3750022085"/>
-                    </a:ext>
-                  </a:extLst>
-                </a:gridCol>
-                <a:gridCol w="365360">
-                  <a:extLst>
-                    <a:ext uri="{9D8B030D-6E8A-4147-A177-3AD203B41FA5}">
-                      <a16:colId xmlns:a16="http://schemas.microsoft.com/office/drawing/2014/main" val="641325558"/>
-                    </a:ext>
-                  </a:extLst>
-                </a:gridCol>
-                <a:gridCol w="365360">
-                  <a:extLst>
-                    <a:ext uri="{9D8B030D-6E8A-4147-A177-3AD203B41FA5}">
-                      <a16:colId xmlns:a16="http://schemas.microsoft.com/office/drawing/2014/main" val="362233960"/>
-                    </a:ext>
-                  </a:extLst>
-                </a:gridCol>
-                <a:gridCol w="365360">
-                  <a:extLst>
-                    <a:ext uri="{9D8B030D-6E8A-4147-A177-3AD203B41FA5}">
-                      <a16:colId xmlns:a16="http://schemas.microsoft.com/office/drawing/2014/main" val="3860476676"/>
-                    </a:ext>
-                  </a:extLst>
-                </a:gridCol>
-                <a:gridCol w="365360">
-                  <a:extLst>
-                    <a:ext uri="{9D8B030D-6E8A-4147-A177-3AD203B41FA5}">
-                      <a16:colId xmlns:a16="http://schemas.microsoft.com/office/drawing/2014/main" val="2541919191"/>
-                    </a:ext>
-                  </a:extLst>
-                </a:gridCol>
-                <a:gridCol w="365360">
-                  <a:extLst>
-                    <a:ext uri="{9D8B030D-6E8A-4147-A177-3AD203B41FA5}">
-                      <a16:colId xmlns:a16="http://schemas.microsoft.com/office/drawing/2014/main" val="797750506"/>
-                    </a:ext>
-                  </a:extLst>
-                </a:gridCol>
-                <a:gridCol w="365360">
-                  <a:extLst>
-                    <a:ext uri="{9D8B030D-6E8A-4147-A177-3AD203B41FA5}">
-                      <a16:colId xmlns:a16="http://schemas.microsoft.com/office/drawing/2014/main" val="1170228326"/>
-                    </a:ext>
-                  </a:extLst>
-                </a:gridCol>
-                <a:gridCol w="365360">
-                  <a:extLst>
-                    <a:ext uri="{9D8B030D-6E8A-4147-A177-3AD203B41FA5}">
-                      <a16:colId xmlns:a16="http://schemas.microsoft.com/office/drawing/2014/main" val="3720076479"/>
-                    </a:ext>
-                  </a:extLst>
-                </a:gridCol>
-                <a:gridCol w="365360">
-                  <a:extLst>
-                    <a:ext uri="{9D8B030D-6E8A-4147-A177-3AD203B41FA5}">
-                      <a16:colId xmlns:a16="http://schemas.microsoft.com/office/drawing/2014/main" val="1285928712"/>
-                    </a:ext>
-                  </a:extLst>
-                </a:gridCol>
-                <a:gridCol w="365360">
-                  <a:extLst>
-                    <a:ext uri="{9D8B030D-6E8A-4147-A177-3AD203B41FA5}">
-                      <a16:colId xmlns:a16="http://schemas.microsoft.com/office/drawing/2014/main" val="1328609615"/>
-                    </a:ext>
-                  </a:extLst>
-                </a:gridCol>
-                <a:gridCol w="365360">
-                  <a:extLst>
-                    <a:ext uri="{9D8B030D-6E8A-4147-A177-3AD203B41FA5}">
-                      <a16:colId xmlns:a16="http://schemas.microsoft.com/office/drawing/2014/main" val="2537069113"/>
-                    </a:ext>
-                  </a:extLst>
-                </a:gridCol>
-                <a:gridCol w="365360">
-                  <a:extLst>
-                    <a:ext uri="{9D8B030D-6E8A-4147-A177-3AD203B41FA5}">
-                      <a16:colId xmlns:a16="http://schemas.microsoft.com/office/drawing/2014/main" val="3311657425"/>
-                    </a:ext>
-                  </a:extLst>
-                </a:gridCol>
-                <a:gridCol w="365360">
-                  <a:extLst>
-                    <a:ext uri="{9D8B030D-6E8A-4147-A177-3AD203B41FA5}">
-                      <a16:colId xmlns:a16="http://schemas.microsoft.com/office/drawing/2014/main" val="1113503964"/>
-                    </a:ext>
-                  </a:extLst>
-                </a:gridCol>
-                <a:gridCol w="365360">
-                  <a:extLst>
-                    <a:ext uri="{9D8B030D-6E8A-4147-A177-3AD203B41FA5}">
-                      <a16:colId xmlns:a16="http://schemas.microsoft.com/office/drawing/2014/main" val="1649227656"/>
-                    </a:ext>
-                  </a:extLst>
-                </a:gridCol>
-                <a:gridCol w="365360">
-                  <a:extLst>
-                    <a:ext uri="{9D8B030D-6E8A-4147-A177-3AD203B41FA5}">
-                      <a16:colId xmlns:a16="http://schemas.microsoft.com/office/drawing/2014/main" val="1350879301"/>
-                    </a:ext>
-                  </a:extLst>
-                </a:gridCol>
-                <a:gridCol w="365360">
-                  <a:extLst>
-                    <a:ext uri="{9D8B030D-6E8A-4147-A177-3AD203B41FA5}">
-                      <a16:colId xmlns:a16="http://schemas.microsoft.com/office/drawing/2014/main" val="401414820"/>
-                    </a:ext>
-                  </a:extLst>
-                </a:gridCol>
-                <a:gridCol w="365360">
-                  <a:extLst>
-                    <a:ext uri="{9D8B030D-6E8A-4147-A177-3AD203B41FA5}">
-                      <a16:colId xmlns:a16="http://schemas.microsoft.com/office/drawing/2014/main" val="1416095724"/>
-                    </a:ext>
-                  </a:extLst>
-                </a:gridCol>
-                <a:gridCol w="365360">
-                  <a:extLst>
-                    <a:ext uri="{9D8B030D-6E8A-4147-A177-3AD203B41FA5}">
-                      <a16:colId xmlns:a16="http://schemas.microsoft.com/office/drawing/2014/main" val="734609474"/>
-                    </a:ext>
-                  </a:extLst>
-                </a:gridCol>
-              </a:tblGrid>
-              <a:tr h="383618">
-                <a:tc rowSpan="2">
-                  <a:txBody>
-                    <a:bodyPr/>
-                    <a:lstStyle/>
-                    <a:p>
-                      <a:pPr algn="ctr"/>
-                      <a:r>
-                        <a:rPr lang="ko-KR" altLang="en-US" sz="1400"/>
-                        <a:t>조</a:t>
-                      </a:r>
-                      <a:endParaRPr lang="en-US" sz="1400"/>
-                    </a:p>
-                  </a:txBody>
-                  <a:tcPr marL="0" marR="0" marT="0" marB="0" anchor="ctr"/>
-                </a:tc>
-                <a:tc rowSpan="2">
-                  <a:txBody>
-                    <a:bodyPr/>
-                    <a:lstStyle/>
-                    <a:p>
-                      <a:pPr algn="ctr"/>
-                      <a:r>
-                        <a:rPr lang="ko-KR" altLang="en-US" sz="1400"/>
-                        <a:t>이름</a:t>
-                      </a:r>
-                      <a:endParaRPr lang="en-US" sz="1400"/>
-                    </a:p>
-                  </a:txBody>
-                  <a:tcPr marL="0" marR="0" marT="0" marB="0" anchor="ctr"/>
-                </a:tc>
-                <a:tc gridSpan="5">
-                  <a:txBody>
-                    <a:bodyPr/>
-                    <a:lstStyle/>
-                    <a:p>
-                      <a:pPr algn="ctr"/>
-                      <a:r>
-                        <a:rPr lang="en-US" sz="1400"/>
-                        <a:t>5</a:t>
-                      </a:r>
-                      <a:r>
-                        <a:rPr lang="ko-KR" altLang="en-US" sz="1400"/>
-                        <a:t>주</a:t>
-                      </a:r>
-                      <a:endParaRPr lang="en-US" sz="1400"/>
-                    </a:p>
-                  </a:txBody>
-                  <a:tcPr marL="0" marR="0" marT="0" marB="0" anchor="ctr"/>
-                </a:tc>
-                <a:tc hMerge="1">
-                  <a:txBody>
-                    <a:bodyPr/>
-                    <a:lstStyle/>
-                    <a:p>
-                      <a:pPr algn="ctr"/>
-                      <a:endParaRPr lang="en-US" sz="1400"/>
-                    </a:p>
-                  </a:txBody>
-                  <a:tcPr/>
-                </a:tc>
-                <a:tc hMerge="1">
-                  <a:txBody>
-                    <a:bodyPr/>
-                    <a:lstStyle/>
-                    <a:p>
-                      <a:pPr algn="ctr"/>
-                      <a:endParaRPr lang="en-US" sz="1400"/>
-                    </a:p>
-                  </a:txBody>
-                  <a:tcPr/>
-                </a:tc>
-                <a:tc hMerge="1">
-                  <a:txBody>
-                    <a:bodyPr/>
-                    <a:lstStyle/>
-                    <a:p>
-                      <a:pPr algn="ctr"/>
-                      <a:endParaRPr lang="en-US" sz="1400"/>
-                    </a:p>
-                  </a:txBody>
-                  <a:tcPr/>
-                </a:tc>
-                <a:tc hMerge="1">
-                  <a:txBody>
-                    <a:bodyPr/>
-                    <a:lstStyle/>
-                    <a:p>
-                      <a:pPr algn="ctr"/>
-                      <a:endParaRPr lang="en-US" sz="1400"/>
-                    </a:p>
-                  </a:txBody>
-                  <a:tcPr/>
-                </a:tc>
-                <a:tc gridSpan="5">
-                  <a:txBody>
-                    <a:bodyPr/>
-                    <a:lstStyle/>
-                    <a:p>
-                      <a:pPr algn="ctr"/>
-                      <a:r>
-                        <a:rPr lang="en-US" sz="1400"/>
-                        <a:t>6</a:t>
-                      </a:r>
-                      <a:r>
-                        <a:rPr lang="ko-KR" altLang="en-US" sz="1400"/>
-                        <a:t>주</a:t>
-                      </a:r>
-                      <a:endParaRPr lang="en-US" sz="1400"/>
-                    </a:p>
-                  </a:txBody>
-                  <a:tcPr marL="0" marR="0" marT="0" marB="0" anchor="ctr"/>
-                </a:tc>
-                <a:tc hMerge="1">
-                  <a:txBody>
-                    <a:bodyPr/>
-                    <a:lstStyle/>
-                    <a:p>
-                      <a:pPr algn="ctr"/>
-                      <a:endParaRPr lang="en-US" sz="1400"/>
-                    </a:p>
-                  </a:txBody>
-                  <a:tcPr/>
-                </a:tc>
-                <a:tc hMerge="1">
-                  <a:txBody>
-                    <a:bodyPr/>
-                    <a:lstStyle/>
-                    <a:p>
-                      <a:pPr algn="ctr"/>
-                      <a:endParaRPr lang="en-US" sz="1400"/>
-                    </a:p>
-                  </a:txBody>
-                  <a:tcPr/>
-                </a:tc>
-                <a:tc hMerge="1">
-                  <a:txBody>
-                    <a:bodyPr/>
-                    <a:lstStyle/>
-                    <a:p>
-                      <a:pPr algn="ctr"/>
-                      <a:endParaRPr lang="en-US" sz="1400"/>
-                    </a:p>
-                  </a:txBody>
-                  <a:tcPr/>
-                </a:tc>
-                <a:tc hMerge="1">
-                  <a:txBody>
-                    <a:bodyPr/>
-                    <a:lstStyle/>
-                    <a:p>
-                      <a:pPr algn="ctr"/>
-                      <a:endParaRPr lang="en-US" sz="1400"/>
-                    </a:p>
-                  </a:txBody>
-                  <a:tcPr/>
-                </a:tc>
-                <a:tc gridSpan="5">
-                  <a:txBody>
-                    <a:bodyPr/>
-                    <a:lstStyle/>
-                    <a:p>
-                      <a:pPr algn="ctr"/>
-                      <a:r>
-                        <a:rPr lang="en-US" sz="1400"/>
-                        <a:t>7</a:t>
-                      </a:r>
-                      <a:r>
-                        <a:rPr lang="ko-KR" altLang="en-US" sz="1400"/>
-                        <a:t>주</a:t>
-                      </a:r>
-                      <a:endParaRPr lang="en-US" sz="1400"/>
-                    </a:p>
-                  </a:txBody>
-                  <a:tcPr marL="0" marR="0" marT="0" marB="0" anchor="ctr"/>
-                </a:tc>
-                <a:tc hMerge="1">
-                  <a:txBody>
-                    <a:bodyPr/>
-                    <a:lstStyle/>
-                    <a:p>
-                      <a:pPr algn="ctr"/>
-                      <a:endParaRPr lang="en-US" sz="1400"/>
-                    </a:p>
-                  </a:txBody>
-                  <a:tcPr/>
-                </a:tc>
-                <a:tc hMerge="1">
-                  <a:txBody>
-                    <a:bodyPr/>
-                    <a:lstStyle/>
-                    <a:p>
-                      <a:pPr algn="ctr"/>
-                      <a:endParaRPr lang="en-US" sz="1400"/>
-                    </a:p>
-                  </a:txBody>
-                  <a:tcPr/>
-                </a:tc>
-                <a:tc hMerge="1">
-                  <a:txBody>
-                    <a:bodyPr/>
-                    <a:lstStyle/>
-                    <a:p>
-                      <a:pPr algn="ctr"/>
-                      <a:endParaRPr lang="en-US" sz="1400"/>
-                    </a:p>
-                  </a:txBody>
-                  <a:tcPr/>
-                </a:tc>
-                <a:tc hMerge="1">
-                  <a:txBody>
-                    <a:bodyPr/>
-                    <a:lstStyle/>
-                    <a:p>
-                      <a:pPr algn="ctr"/>
-                      <a:endParaRPr lang="en-US" sz="1400"/>
-                    </a:p>
-                  </a:txBody>
-                  <a:tcPr/>
-                </a:tc>
-                <a:tc gridSpan="5">
-                  <a:txBody>
-                    <a:bodyPr/>
-                    <a:lstStyle/>
-                    <a:p>
-                      <a:pPr algn="ctr"/>
-                      <a:r>
-                        <a:rPr lang="en-US" sz="1400"/>
-                        <a:t>8</a:t>
-                      </a:r>
-                      <a:r>
-                        <a:rPr lang="ko-KR" altLang="en-US" sz="1400"/>
-                        <a:t>주</a:t>
-                      </a:r>
-                      <a:endParaRPr lang="en-US" sz="1400"/>
-                    </a:p>
-                  </a:txBody>
-                  <a:tcPr marL="0" marR="0" marT="0" marB="0" anchor="ctr"/>
-                </a:tc>
-                <a:tc hMerge="1">
-                  <a:txBody>
-                    <a:bodyPr/>
-                    <a:lstStyle/>
-                    <a:p>
-                      <a:pPr algn="ctr"/>
-                      <a:endParaRPr lang="en-US" sz="1400"/>
-                    </a:p>
-                  </a:txBody>
-                  <a:tcPr/>
-                </a:tc>
-                <a:tc hMerge="1">
-                  <a:txBody>
-                    <a:bodyPr/>
-                    <a:lstStyle/>
-                    <a:p>
-                      <a:pPr algn="ctr"/>
-                      <a:endParaRPr lang="en-US" sz="1400"/>
-                    </a:p>
-                  </a:txBody>
-                  <a:tcPr/>
-                </a:tc>
-                <a:tc hMerge="1">
-                  <a:txBody>
-                    <a:bodyPr/>
-                    <a:lstStyle/>
-                    <a:p>
-                      <a:pPr algn="ctr"/>
-                      <a:endParaRPr lang="en-US" sz="1400"/>
-                    </a:p>
-                  </a:txBody>
-                  <a:tcPr/>
-                </a:tc>
-                <a:tc hMerge="1">
-                  <a:txBody>
-                    <a:bodyPr/>
-                    <a:lstStyle/>
-                    <a:p>
-                      <a:pPr algn="ctr"/>
-                      <a:endParaRPr lang="en-US" sz="1400"/>
-                    </a:p>
-                  </a:txBody>
-                  <a:tcPr/>
-                </a:tc>
-                <a:extLst>
-                  <a:ext uri="{0D108BD9-81ED-4DB2-BD59-A6C34878D82A}">
-                    <a16:rowId xmlns:a16="http://schemas.microsoft.com/office/drawing/2014/main" val="2210177128"/>
-                  </a:ext>
-                </a:extLst>
-              </a:tr>
-              <a:tr h="464738">
-                <a:tc vMerge="1">
-                  <a:txBody>
-                    <a:bodyPr/>
-                    <a:lstStyle/>
-                    <a:p>
-                      <a:endParaRPr lang="en-US"/>
-                    </a:p>
-                  </a:txBody>
-                  <a:tcPr/>
-                </a:tc>
-                <a:tc vMerge="1">
-                  <a:txBody>
-                    <a:bodyPr/>
-                    <a:lstStyle/>
-                    <a:p>
-                      <a:endParaRPr lang="en-US"/>
-                    </a:p>
-                  </a:txBody>
-                  <a:tcPr/>
-                </a:tc>
-                <a:tc>
-                  <a:txBody>
-                    <a:bodyPr/>
-                    <a:lstStyle/>
-                    <a:p>
-                      <a:pPr algn="ctr"/>
-                      <a:r>
-                        <a:rPr lang="en-US" sz="1400"/>
-                        <a:t>1</a:t>
-                      </a:r>
-                    </a:p>
-                  </a:txBody>
-                  <a:tcPr marL="0" marR="0" marT="0" marB="0" anchor="ctr"/>
-                </a:tc>
-                <a:tc>
-                  <a:txBody>
-                    <a:bodyPr/>
-                    <a:lstStyle/>
-                    <a:p>
-                      <a:pPr algn="ctr"/>
-                      <a:r>
-                        <a:rPr lang="en-US" sz="1400"/>
-                        <a:t>2</a:t>
-                      </a:r>
-                    </a:p>
-                  </a:txBody>
-                  <a:tcPr marL="0" marR="0" marT="0" marB="0" anchor="ctr"/>
-                </a:tc>
-                <a:tc>
-                  <a:txBody>
-                    <a:bodyPr/>
-                    <a:lstStyle/>
-                    <a:p>
-                      <a:pPr algn="ctr"/>
-                      <a:r>
-                        <a:rPr lang="en-US" sz="1400"/>
-                        <a:t>3</a:t>
-                      </a:r>
-                    </a:p>
-                  </a:txBody>
-                  <a:tcPr marL="0" marR="0" marT="0" marB="0" anchor="ctr"/>
-                </a:tc>
-                <a:tc>
-                  <a:txBody>
-                    <a:bodyPr/>
-                    <a:lstStyle/>
-                    <a:p>
-                      <a:pPr algn="ctr"/>
-                      <a:r>
-                        <a:rPr lang="en-US" sz="1400"/>
-                        <a:t>4</a:t>
-                      </a:r>
-                    </a:p>
-                  </a:txBody>
-                  <a:tcPr marL="0" marR="0" marT="0" marB="0" anchor="ctr"/>
-                </a:tc>
-                <a:tc>
-                  <a:txBody>
-                    <a:bodyPr/>
-                    <a:lstStyle/>
-                    <a:p>
-                      <a:pPr algn="ctr"/>
-                      <a:r>
-                        <a:rPr lang="en-US" sz="1400"/>
-                        <a:t>5</a:t>
-                      </a:r>
-                    </a:p>
-                  </a:txBody>
-                  <a:tcPr marL="0" marR="0" marT="0" marB="0" anchor="ctr"/>
-                </a:tc>
-                <a:tc>
-                  <a:txBody>
-                    <a:bodyPr/>
-                    <a:lstStyle/>
-                    <a:p>
-                      <a:pPr algn="ctr"/>
-                      <a:r>
-                        <a:rPr lang="en-US" sz="1400"/>
-                        <a:t>1</a:t>
-                      </a:r>
-                    </a:p>
-                  </a:txBody>
-                  <a:tcPr marL="0" marR="0" marT="0" marB="0" anchor="ctr"/>
-                </a:tc>
-                <a:tc>
-                  <a:txBody>
-                    <a:bodyPr/>
-                    <a:lstStyle/>
-                    <a:p>
-                      <a:pPr algn="ctr"/>
-                      <a:r>
-                        <a:rPr lang="en-US" sz="1400"/>
-                        <a:t>2</a:t>
-                      </a:r>
-                    </a:p>
-                  </a:txBody>
-                  <a:tcPr marL="0" marR="0" marT="0" marB="0" anchor="ctr"/>
-                </a:tc>
-                <a:tc>
-                  <a:txBody>
-                    <a:bodyPr/>
-                    <a:lstStyle/>
-                    <a:p>
-                      <a:pPr algn="ctr"/>
-                      <a:r>
-                        <a:rPr lang="en-US" sz="1400"/>
-                        <a:t>3</a:t>
-                      </a:r>
-                    </a:p>
-                  </a:txBody>
-                  <a:tcPr marL="0" marR="0" marT="0" marB="0" anchor="ctr"/>
-                </a:tc>
-                <a:tc>
-                  <a:txBody>
-                    <a:bodyPr/>
-                    <a:lstStyle/>
-                    <a:p>
-                      <a:pPr algn="ctr"/>
-                      <a:r>
-                        <a:rPr lang="en-US" sz="1400"/>
-                        <a:t>4</a:t>
-                      </a:r>
-                    </a:p>
-                  </a:txBody>
-                  <a:tcPr marL="0" marR="0" marT="0" marB="0" anchor="ctr"/>
-                </a:tc>
-                <a:tc>
-                  <a:txBody>
-                    <a:bodyPr/>
-                    <a:lstStyle/>
-                    <a:p>
-                      <a:pPr algn="ctr"/>
-                      <a:r>
-                        <a:rPr lang="en-US" sz="1400"/>
-                        <a:t>5</a:t>
-                      </a:r>
-                    </a:p>
-                  </a:txBody>
-                  <a:tcPr marL="0" marR="0" marT="0" marB="0" anchor="ctr"/>
-                </a:tc>
-                <a:tc>
-                  <a:txBody>
-                    <a:bodyPr/>
-                    <a:lstStyle/>
-                    <a:p>
-                      <a:pPr algn="ctr"/>
-                      <a:r>
-                        <a:rPr lang="en-US" sz="1400"/>
-                        <a:t>1</a:t>
-                      </a:r>
-                    </a:p>
-                  </a:txBody>
-                  <a:tcPr marL="0" marR="0" marT="0" marB="0" anchor="ctr"/>
-                </a:tc>
-                <a:tc>
-                  <a:txBody>
-                    <a:bodyPr/>
-                    <a:lstStyle/>
-                    <a:p>
-                      <a:pPr algn="ctr"/>
-                      <a:r>
-                        <a:rPr lang="en-US" sz="1400"/>
-                        <a:t>2</a:t>
-                      </a:r>
-                    </a:p>
-                  </a:txBody>
-                  <a:tcPr marL="0" marR="0" marT="0" marB="0" anchor="ctr"/>
-                </a:tc>
-                <a:tc>
-                  <a:txBody>
-                    <a:bodyPr/>
-                    <a:lstStyle/>
-                    <a:p>
-                      <a:pPr algn="ctr"/>
-                      <a:r>
-                        <a:rPr lang="en-US" sz="1400"/>
-                        <a:t>3</a:t>
-                      </a:r>
-                    </a:p>
-                  </a:txBody>
-                  <a:tcPr marL="0" marR="0" marT="0" marB="0" anchor="ctr"/>
-                </a:tc>
-                <a:tc>
-                  <a:txBody>
-                    <a:bodyPr/>
-                    <a:lstStyle/>
-                    <a:p>
-                      <a:pPr algn="ctr"/>
-                      <a:r>
-                        <a:rPr lang="en-US" sz="1400"/>
-                        <a:t>4</a:t>
-                      </a:r>
-                    </a:p>
-                  </a:txBody>
-                  <a:tcPr marL="0" marR="0" marT="0" marB="0" anchor="ctr"/>
-                </a:tc>
-                <a:tc>
-                  <a:txBody>
-                    <a:bodyPr/>
-                    <a:lstStyle/>
-                    <a:p>
-                      <a:pPr algn="ctr"/>
-                      <a:r>
-                        <a:rPr lang="en-US" sz="1400"/>
-                        <a:t>5</a:t>
-                      </a:r>
-                    </a:p>
-                  </a:txBody>
-                  <a:tcPr marL="0" marR="0" marT="0" marB="0" anchor="ctr"/>
-                </a:tc>
-                <a:tc>
-                  <a:txBody>
-                    <a:bodyPr/>
-                    <a:lstStyle/>
-                    <a:p>
-                      <a:pPr algn="ctr"/>
-                      <a:r>
-                        <a:rPr lang="en-US" sz="1400"/>
-                        <a:t>1</a:t>
-                      </a:r>
-                    </a:p>
-                  </a:txBody>
-                  <a:tcPr marL="0" marR="0" marT="0" marB="0" anchor="ctr"/>
-                </a:tc>
-                <a:tc>
-                  <a:txBody>
-                    <a:bodyPr/>
-                    <a:lstStyle/>
-                    <a:p>
-                      <a:pPr algn="ctr"/>
-                      <a:r>
-                        <a:rPr lang="en-US" sz="1400"/>
-                        <a:t>2</a:t>
-                      </a:r>
-                    </a:p>
-                  </a:txBody>
-                  <a:tcPr marL="0" marR="0" marT="0" marB="0" anchor="ctr"/>
-                </a:tc>
-                <a:tc>
-                  <a:txBody>
-                    <a:bodyPr/>
-                    <a:lstStyle/>
-                    <a:p>
-                      <a:pPr algn="ctr"/>
-                      <a:r>
-                        <a:rPr lang="en-US" sz="1400"/>
-                        <a:t>3</a:t>
-                      </a:r>
-                    </a:p>
-                  </a:txBody>
-                  <a:tcPr marL="0" marR="0" marT="0" marB="0" anchor="ctr"/>
-                </a:tc>
-                <a:tc>
-                  <a:txBody>
-                    <a:bodyPr/>
-                    <a:lstStyle/>
-                    <a:p>
-                      <a:pPr algn="ctr"/>
-                      <a:r>
-                        <a:rPr lang="en-US" sz="1400"/>
-                        <a:t>4</a:t>
-                      </a:r>
-                    </a:p>
-                  </a:txBody>
-                  <a:tcPr marL="0" marR="0" marT="0" marB="0" anchor="ctr"/>
-                </a:tc>
-                <a:tc>
-                  <a:txBody>
-                    <a:bodyPr/>
-                    <a:lstStyle/>
-                    <a:p>
-                      <a:pPr algn="ctr"/>
-                      <a:r>
-                        <a:rPr lang="en-US" sz="1400"/>
-                        <a:t>5</a:t>
-                      </a:r>
-                    </a:p>
-                  </a:txBody>
-                  <a:tcPr marL="0" marR="0" marT="0" marB="0" anchor="ctr"/>
-                </a:tc>
-                <a:extLst>
-                  <a:ext uri="{0D108BD9-81ED-4DB2-BD59-A6C34878D82A}">
-                    <a16:rowId xmlns:a16="http://schemas.microsoft.com/office/drawing/2014/main" val="267770255"/>
-                  </a:ext>
-                </a:extLst>
-              </a:tr>
-              <a:tr h="512232">
-                <a:tc>
-                  <a:txBody>
-                    <a:bodyPr/>
-                    <a:lstStyle/>
-                    <a:p>
-                      <a:pPr algn="ctr"/>
-                      <a:r>
-                        <a:rPr lang="en-US" sz="1400" dirty="0"/>
-                        <a:t>A</a:t>
-                      </a:r>
-                      <a:endParaRPr lang="en-US" sz="1400" dirty="0">
-                        <a:solidFill>
-                          <a:schemeClr val="accent2">
-                            <a:lumMod val="75000"/>
-                          </a:schemeClr>
-                        </a:solidFill>
-                      </a:endParaRPr>
-                    </a:p>
-                  </a:txBody>
-                  <a:tcPr marL="0" marR="0" marT="0" marB="0" anchor="ctr"/>
-                </a:tc>
-                <a:tc>
-                  <a:txBody>
-                    <a:bodyPr/>
-                    <a:lstStyle/>
-                    <a:p>
-                      <a:pPr algn="ctr"/>
-                      <a:r>
-                        <a:rPr lang="ko-KR" altLang="en-US" sz="1400"/>
-                        <a:t>오지만</a:t>
-                      </a:r>
-                      <a:endParaRPr lang="en-US" sz="1400">
-                        <a:solidFill>
-                          <a:schemeClr val="accent2">
-                            <a:lumMod val="75000"/>
-                          </a:schemeClr>
-                        </a:solidFill>
-                      </a:endParaRPr>
-                    </a:p>
-                  </a:txBody>
-                  <a:tcPr marL="0" marR="0" marT="0" marB="0" anchor="ctr"/>
-                </a:tc>
-                <a:tc>
-                  <a:txBody>
-                    <a:bodyPr/>
-                    <a:lstStyle/>
-                    <a:p>
-                      <a:pPr algn="ctr"/>
-                      <a:endParaRPr lang="en-US" sz="1400">
-                        <a:solidFill>
-                          <a:schemeClr val="accent2">
-                            <a:lumMod val="75000"/>
-                          </a:schemeClr>
-                        </a:solidFill>
-                      </a:endParaRPr>
-                    </a:p>
-                  </a:txBody>
-                  <a:tcPr marL="0" marR="0" marT="0" marB="0" anchor="ctr"/>
-                </a:tc>
-                <a:tc>
-                  <a:txBody>
-                    <a:bodyPr/>
-                    <a:lstStyle/>
-                    <a:p>
-                      <a:pPr algn="ctr"/>
-                      <a:endParaRPr lang="en-US" sz="1400">
-                        <a:solidFill>
-                          <a:schemeClr val="accent2">
-                            <a:lumMod val="75000"/>
-                          </a:schemeClr>
-                        </a:solidFill>
-                      </a:endParaRPr>
-                    </a:p>
-                  </a:txBody>
-                  <a:tcPr marL="0" marR="0" marT="0" marB="0" anchor="ctr"/>
-                </a:tc>
-                <a:tc>
-                  <a:txBody>
-                    <a:bodyPr/>
-                    <a:lstStyle/>
-                    <a:p>
-                      <a:pPr algn="ctr"/>
-                      <a:endParaRPr lang="en-US" sz="1400">
-                        <a:solidFill>
-                          <a:schemeClr val="accent2">
-                            <a:lumMod val="75000"/>
-                          </a:schemeClr>
-                        </a:solidFill>
-                      </a:endParaRPr>
-                    </a:p>
-                  </a:txBody>
-                  <a:tcPr marL="0" marR="0" marT="0" marB="0" anchor="ctr"/>
-                </a:tc>
-                <a:tc>
-                  <a:txBody>
-                    <a:bodyPr/>
-                    <a:lstStyle/>
-                    <a:p>
-                      <a:pPr algn="ctr"/>
-                      <a:endParaRPr lang="en-US" sz="1400">
-                        <a:solidFill>
-                          <a:schemeClr val="accent2">
-                            <a:lumMod val="75000"/>
-                          </a:schemeClr>
-                        </a:solidFill>
-                      </a:endParaRPr>
-                    </a:p>
-                  </a:txBody>
-                  <a:tcPr marL="0" marR="0" marT="0" marB="0" anchor="ctr"/>
-                </a:tc>
-                <a:tc>
-                  <a:txBody>
-                    <a:bodyPr/>
-                    <a:lstStyle/>
-                    <a:p>
-                      <a:pPr algn="ctr"/>
-                      <a:endParaRPr lang="en-US" sz="1400">
-                        <a:solidFill>
-                          <a:schemeClr val="accent2">
-                            <a:lumMod val="75000"/>
-                          </a:schemeClr>
-                        </a:solidFill>
-                      </a:endParaRPr>
-                    </a:p>
-                  </a:txBody>
-                  <a:tcPr marL="0" marR="0" marT="0" marB="0" anchor="ctr"/>
-                </a:tc>
-                <a:tc>
-                  <a:txBody>
-                    <a:bodyPr/>
-                    <a:lstStyle/>
-                    <a:p>
-                      <a:pPr algn="ctr"/>
-                      <a:endParaRPr lang="en-US" sz="1400">
-                        <a:solidFill>
-                          <a:schemeClr val="accent2">
-                            <a:lumMod val="75000"/>
-                          </a:schemeClr>
-                        </a:solidFill>
-                      </a:endParaRPr>
-                    </a:p>
-                  </a:txBody>
-                  <a:tcPr marL="0" marR="0" marT="0" marB="0" anchor="ctr"/>
-                </a:tc>
-                <a:tc>
-                  <a:txBody>
-                    <a:bodyPr/>
-                    <a:lstStyle/>
-                    <a:p>
-                      <a:pPr algn="ctr"/>
-                      <a:endParaRPr lang="en-US" sz="1400">
-                        <a:solidFill>
-                          <a:schemeClr val="accent2">
-                            <a:lumMod val="75000"/>
-                          </a:schemeClr>
-                        </a:solidFill>
-                      </a:endParaRPr>
-                    </a:p>
-                  </a:txBody>
-                  <a:tcPr marL="0" marR="0" marT="0" marB="0" anchor="ctr"/>
-                </a:tc>
-                <a:tc>
-                  <a:txBody>
-                    <a:bodyPr/>
-                    <a:lstStyle/>
-                    <a:p>
-                      <a:pPr algn="ctr"/>
-                      <a:endParaRPr lang="en-US" sz="1400">
-                        <a:solidFill>
-                          <a:schemeClr val="accent2">
-                            <a:lumMod val="75000"/>
-                          </a:schemeClr>
-                        </a:solidFill>
-                      </a:endParaRPr>
-                    </a:p>
-                  </a:txBody>
-                  <a:tcPr marL="0" marR="0" marT="0" marB="0" anchor="ctr"/>
-                </a:tc>
-                <a:tc>
-                  <a:txBody>
-                    <a:bodyPr/>
-                    <a:lstStyle/>
-                    <a:p>
-                      <a:pPr algn="ctr"/>
-                      <a:endParaRPr lang="en-US" sz="1400">
-                        <a:solidFill>
-                          <a:schemeClr val="accent2">
-                            <a:lumMod val="75000"/>
-                          </a:schemeClr>
-                        </a:solidFill>
-                      </a:endParaRPr>
-                    </a:p>
-                  </a:txBody>
-                  <a:tcPr marL="0" marR="0" marT="0" marB="0" anchor="ctr"/>
-                </a:tc>
-                <a:tc>
-                  <a:txBody>
-                    <a:bodyPr/>
-                    <a:lstStyle/>
-                    <a:p>
-                      <a:pPr algn="ctr"/>
-                      <a:endParaRPr lang="en-US" sz="1400">
-                        <a:solidFill>
-                          <a:schemeClr val="accent2">
-                            <a:lumMod val="75000"/>
-                          </a:schemeClr>
-                        </a:solidFill>
-                      </a:endParaRPr>
-                    </a:p>
-                  </a:txBody>
-                  <a:tcPr marL="0" marR="0" marT="0" marB="0" anchor="ctr"/>
-                </a:tc>
-                <a:tc>
-                  <a:txBody>
-                    <a:bodyPr/>
-                    <a:lstStyle/>
-                    <a:p>
-                      <a:pPr algn="ctr"/>
-                      <a:endParaRPr lang="en-US" sz="1400">
-                        <a:solidFill>
-                          <a:schemeClr val="accent2">
-                            <a:lumMod val="75000"/>
-                          </a:schemeClr>
-                        </a:solidFill>
-                      </a:endParaRPr>
-                    </a:p>
-                  </a:txBody>
-                  <a:tcPr marL="0" marR="0" marT="0" marB="0" anchor="ctr"/>
-                </a:tc>
-                <a:tc>
-                  <a:txBody>
-                    <a:bodyPr/>
-                    <a:lstStyle/>
-                    <a:p>
-                      <a:pPr algn="ctr"/>
-                      <a:endParaRPr lang="en-US" sz="1400">
-                        <a:solidFill>
-                          <a:schemeClr val="accent2">
-                            <a:lumMod val="75000"/>
-                          </a:schemeClr>
-                        </a:solidFill>
-                      </a:endParaRPr>
-                    </a:p>
-                  </a:txBody>
-                  <a:tcPr marL="0" marR="0" marT="0" marB="0" anchor="ctr"/>
-                </a:tc>
-                <a:tc>
-                  <a:txBody>
-                    <a:bodyPr/>
-                    <a:lstStyle/>
-                    <a:p>
-                      <a:pPr algn="ctr"/>
-                      <a:endParaRPr lang="en-US" sz="1400">
-                        <a:solidFill>
-                          <a:schemeClr val="accent2">
-                            <a:lumMod val="75000"/>
-                          </a:schemeClr>
-                        </a:solidFill>
-                      </a:endParaRPr>
-                    </a:p>
-                  </a:txBody>
-                  <a:tcPr marL="0" marR="0" marT="0" marB="0" anchor="ctr"/>
-                </a:tc>
-                <a:tc>
-                  <a:txBody>
-                    <a:bodyPr/>
-                    <a:lstStyle/>
-                    <a:p>
-                      <a:pPr algn="ctr"/>
-                      <a:endParaRPr lang="en-US" sz="1400">
-                        <a:solidFill>
-                          <a:schemeClr val="accent2">
-                            <a:lumMod val="75000"/>
-                          </a:schemeClr>
-                        </a:solidFill>
-                      </a:endParaRPr>
-                    </a:p>
-                  </a:txBody>
-                  <a:tcPr marL="0" marR="0" marT="0" marB="0" anchor="ctr"/>
-                </a:tc>
-                <a:tc>
-                  <a:txBody>
-                    <a:bodyPr/>
-                    <a:lstStyle/>
-                    <a:p>
-                      <a:pPr algn="ctr"/>
-                      <a:endParaRPr lang="en-US" sz="1400">
-                        <a:solidFill>
-                          <a:schemeClr val="accent2">
-                            <a:lumMod val="75000"/>
-                          </a:schemeClr>
-                        </a:solidFill>
-                      </a:endParaRPr>
-                    </a:p>
-                  </a:txBody>
-                  <a:tcPr marL="0" marR="0" marT="0" marB="0" anchor="ctr"/>
-                </a:tc>
-                <a:tc>
-                  <a:txBody>
-                    <a:bodyPr/>
-                    <a:lstStyle/>
-                    <a:p>
-                      <a:pPr algn="ctr"/>
-                      <a:endParaRPr lang="en-US" sz="1400">
-                        <a:solidFill>
-                          <a:schemeClr val="accent2">
-                            <a:lumMod val="75000"/>
-                          </a:schemeClr>
-                        </a:solidFill>
-                      </a:endParaRPr>
-                    </a:p>
-                  </a:txBody>
-                  <a:tcPr marL="0" marR="0" marT="0" marB="0" anchor="ctr"/>
-                </a:tc>
-                <a:tc>
-                  <a:txBody>
-                    <a:bodyPr/>
-                    <a:lstStyle/>
-                    <a:p>
-                      <a:pPr algn="ctr"/>
-                      <a:endParaRPr lang="en-US" sz="1400">
-                        <a:solidFill>
-                          <a:schemeClr val="accent2">
-                            <a:lumMod val="75000"/>
-                          </a:schemeClr>
-                        </a:solidFill>
-                      </a:endParaRPr>
-                    </a:p>
-                  </a:txBody>
-                  <a:tcPr marL="0" marR="0" marT="0" marB="0" anchor="ctr"/>
-                </a:tc>
-                <a:tc>
-                  <a:txBody>
-                    <a:bodyPr/>
-                    <a:lstStyle/>
-                    <a:p>
-                      <a:pPr algn="ctr"/>
-                      <a:endParaRPr lang="en-US" sz="1400">
-                        <a:solidFill>
-                          <a:schemeClr val="accent2">
-                            <a:lumMod val="75000"/>
-                          </a:schemeClr>
-                        </a:solidFill>
-                      </a:endParaRPr>
-                    </a:p>
-                  </a:txBody>
-                  <a:tcPr marL="0" marR="0" marT="0" marB="0" anchor="ctr"/>
-                </a:tc>
-                <a:tc>
-                  <a:txBody>
-                    <a:bodyPr/>
-                    <a:lstStyle/>
-                    <a:p>
-                      <a:pPr algn="ctr"/>
-                      <a:endParaRPr lang="en-US" sz="1400">
-                        <a:solidFill>
-                          <a:schemeClr val="accent2">
-                            <a:lumMod val="75000"/>
-                          </a:schemeClr>
-                        </a:solidFill>
-                      </a:endParaRPr>
-                    </a:p>
-                  </a:txBody>
-                  <a:tcPr marL="0" marR="0" marT="0" marB="0" anchor="ctr"/>
-                </a:tc>
-                <a:tc>
-                  <a:txBody>
-                    <a:bodyPr/>
-                    <a:lstStyle/>
-                    <a:p>
-                      <a:pPr algn="ctr"/>
-                      <a:endParaRPr lang="en-US" sz="1400">
-                        <a:solidFill>
-                          <a:schemeClr val="accent2">
-                            <a:lumMod val="75000"/>
-                          </a:schemeClr>
-                        </a:solidFill>
-                      </a:endParaRPr>
-                    </a:p>
-                  </a:txBody>
-                  <a:tcPr marL="0" marR="0" marT="0" marB="0" anchor="ctr"/>
-                </a:tc>
-                <a:extLst>
-                  <a:ext uri="{0D108BD9-81ED-4DB2-BD59-A6C34878D82A}">
-                    <a16:rowId xmlns:a16="http://schemas.microsoft.com/office/drawing/2014/main" val="3460836312"/>
-                  </a:ext>
-                </a:extLst>
-              </a:tr>
-              <a:tr h="512232">
-                <a:tc>
-                  <a:txBody>
-                    <a:bodyPr/>
-                    <a:lstStyle/>
-                    <a:p>
-                      <a:pPr algn="ctr"/>
-                      <a:r>
-                        <a:rPr lang="en-US" sz="1400" dirty="0"/>
-                        <a:t>A</a:t>
-                      </a:r>
-                      <a:endParaRPr lang="en-US" sz="1400" dirty="0">
-                        <a:solidFill>
-                          <a:schemeClr val="accent2">
-                            <a:lumMod val="75000"/>
-                          </a:schemeClr>
-                        </a:solidFill>
-                      </a:endParaRPr>
-                    </a:p>
-                  </a:txBody>
-                  <a:tcPr marL="0" marR="0" marT="0" marB="0" anchor="ctr"/>
-                </a:tc>
-                <a:tc>
-                  <a:txBody>
-                    <a:bodyPr/>
-                    <a:lstStyle/>
-                    <a:p>
-                      <a:pPr algn="ctr"/>
-                      <a:r>
-                        <a:rPr lang="ko-KR" altLang="en-US" sz="1400"/>
-                        <a:t>이지은</a:t>
-                      </a:r>
-                      <a:endParaRPr lang="en-US" sz="1400">
-                        <a:solidFill>
-                          <a:schemeClr val="accent2">
-                            <a:lumMod val="75000"/>
-                          </a:schemeClr>
-                        </a:solidFill>
-                      </a:endParaRPr>
-                    </a:p>
-                  </a:txBody>
-                  <a:tcPr marL="0" marR="0" marT="0" marB="0" anchor="ctr"/>
-                </a:tc>
-                <a:tc>
-                  <a:txBody>
-                    <a:bodyPr/>
-                    <a:lstStyle/>
-                    <a:p>
-                      <a:pPr algn="ctr"/>
-                      <a:endParaRPr lang="en-US" sz="1400">
-                        <a:solidFill>
-                          <a:schemeClr val="accent2">
-                            <a:lumMod val="75000"/>
-                          </a:schemeClr>
-                        </a:solidFill>
-                      </a:endParaRPr>
-                    </a:p>
-                  </a:txBody>
-                  <a:tcPr marL="0" marR="0" marT="0" marB="0" anchor="ctr"/>
-                </a:tc>
-                <a:tc>
-                  <a:txBody>
-                    <a:bodyPr/>
-                    <a:lstStyle/>
-                    <a:p>
-                      <a:pPr algn="ctr"/>
-                      <a:endParaRPr lang="en-US" sz="1400">
-                        <a:solidFill>
-                          <a:schemeClr val="accent2">
-                            <a:lumMod val="75000"/>
-                          </a:schemeClr>
-                        </a:solidFill>
-                      </a:endParaRPr>
-                    </a:p>
-                  </a:txBody>
-                  <a:tcPr marL="0" marR="0" marT="0" marB="0" anchor="ctr"/>
-                </a:tc>
-                <a:tc>
-                  <a:txBody>
-                    <a:bodyPr/>
-                    <a:lstStyle/>
-                    <a:p>
-                      <a:pPr algn="ctr"/>
-                      <a:endParaRPr lang="en-US" sz="1400">
-                        <a:solidFill>
-                          <a:schemeClr val="accent2">
-                            <a:lumMod val="75000"/>
-                          </a:schemeClr>
-                        </a:solidFill>
-                      </a:endParaRPr>
-                    </a:p>
-                  </a:txBody>
-                  <a:tcPr marL="0" marR="0" marT="0" marB="0" anchor="ctr"/>
-                </a:tc>
-                <a:tc>
-                  <a:txBody>
-                    <a:bodyPr/>
-                    <a:lstStyle/>
-                    <a:p>
-                      <a:pPr algn="ctr"/>
-                      <a:endParaRPr lang="en-US" sz="1400">
-                        <a:solidFill>
-                          <a:schemeClr val="accent2">
-                            <a:lumMod val="75000"/>
-                          </a:schemeClr>
-                        </a:solidFill>
-                      </a:endParaRPr>
-                    </a:p>
-                  </a:txBody>
-                  <a:tcPr marL="0" marR="0" marT="0" marB="0" anchor="ctr"/>
-                </a:tc>
-                <a:tc>
-                  <a:txBody>
-                    <a:bodyPr/>
-                    <a:lstStyle/>
-                    <a:p>
-                      <a:pPr algn="ctr"/>
-                      <a:endParaRPr lang="en-US" sz="1400">
-                        <a:solidFill>
-                          <a:schemeClr val="accent2">
-                            <a:lumMod val="75000"/>
-                          </a:schemeClr>
-                        </a:solidFill>
-                      </a:endParaRPr>
-                    </a:p>
-                  </a:txBody>
-                  <a:tcPr marL="0" marR="0" marT="0" marB="0" anchor="ctr"/>
-                </a:tc>
-                <a:tc>
-                  <a:txBody>
-                    <a:bodyPr/>
-                    <a:lstStyle/>
-                    <a:p>
-                      <a:pPr algn="ctr"/>
-                      <a:endParaRPr lang="en-US" sz="1400">
-                        <a:solidFill>
-                          <a:schemeClr val="accent2">
-                            <a:lumMod val="75000"/>
-                          </a:schemeClr>
-                        </a:solidFill>
-                      </a:endParaRPr>
-                    </a:p>
-                  </a:txBody>
-                  <a:tcPr marL="0" marR="0" marT="0" marB="0" anchor="ctr"/>
-                </a:tc>
-                <a:tc>
-                  <a:txBody>
-                    <a:bodyPr/>
-                    <a:lstStyle/>
-                    <a:p>
-                      <a:pPr algn="ctr"/>
-                      <a:endParaRPr lang="en-US" sz="1400">
-                        <a:solidFill>
-                          <a:schemeClr val="accent2">
-                            <a:lumMod val="75000"/>
-                          </a:schemeClr>
-                        </a:solidFill>
-                      </a:endParaRPr>
-                    </a:p>
-                  </a:txBody>
-                  <a:tcPr marL="0" marR="0" marT="0" marB="0" anchor="ctr"/>
-                </a:tc>
-                <a:tc>
-                  <a:txBody>
-                    <a:bodyPr/>
-                    <a:lstStyle/>
-                    <a:p>
-                      <a:pPr algn="ctr"/>
-                      <a:endParaRPr lang="en-US" sz="1400">
-                        <a:solidFill>
-                          <a:schemeClr val="accent2">
-                            <a:lumMod val="75000"/>
-                          </a:schemeClr>
-                        </a:solidFill>
-                      </a:endParaRPr>
-                    </a:p>
-                  </a:txBody>
-                  <a:tcPr marL="0" marR="0" marT="0" marB="0" anchor="ctr"/>
-                </a:tc>
-                <a:tc>
-                  <a:txBody>
-                    <a:bodyPr/>
-                    <a:lstStyle/>
-                    <a:p>
-                      <a:pPr algn="ctr"/>
-                      <a:endParaRPr lang="en-US" sz="1400">
-                        <a:solidFill>
-                          <a:schemeClr val="accent2">
-                            <a:lumMod val="75000"/>
-                          </a:schemeClr>
-                        </a:solidFill>
-                      </a:endParaRPr>
-                    </a:p>
-                  </a:txBody>
-                  <a:tcPr marL="0" marR="0" marT="0" marB="0" anchor="ctr"/>
-                </a:tc>
-                <a:tc>
-                  <a:txBody>
-                    <a:bodyPr/>
-                    <a:lstStyle/>
-                    <a:p>
-                      <a:pPr algn="ctr"/>
-                      <a:endParaRPr lang="en-US" sz="1400">
-                        <a:solidFill>
-                          <a:schemeClr val="accent2">
-                            <a:lumMod val="75000"/>
-                          </a:schemeClr>
-                        </a:solidFill>
-                      </a:endParaRPr>
-                    </a:p>
-                  </a:txBody>
-                  <a:tcPr marL="0" marR="0" marT="0" marB="0" anchor="ctr"/>
-                </a:tc>
-                <a:tc>
-                  <a:txBody>
-                    <a:bodyPr/>
-                    <a:lstStyle/>
-                    <a:p>
-                      <a:pPr algn="ctr"/>
-                      <a:endParaRPr lang="en-US" sz="1400">
-                        <a:solidFill>
-                          <a:schemeClr val="accent2">
-                            <a:lumMod val="75000"/>
-                          </a:schemeClr>
-                        </a:solidFill>
-                      </a:endParaRPr>
-                    </a:p>
-                  </a:txBody>
-                  <a:tcPr marL="0" marR="0" marT="0" marB="0" anchor="ctr"/>
-                </a:tc>
-                <a:tc>
-                  <a:txBody>
-                    <a:bodyPr/>
-                    <a:lstStyle/>
-                    <a:p>
-                      <a:pPr algn="ctr"/>
-                      <a:endParaRPr lang="en-US" sz="1400">
-                        <a:solidFill>
-                          <a:schemeClr val="accent2">
-                            <a:lumMod val="75000"/>
-                          </a:schemeClr>
-                        </a:solidFill>
-                      </a:endParaRPr>
-                    </a:p>
-                  </a:txBody>
-                  <a:tcPr marL="0" marR="0" marT="0" marB="0" anchor="ctr"/>
-                </a:tc>
-                <a:tc>
-                  <a:txBody>
-                    <a:bodyPr/>
-                    <a:lstStyle/>
-                    <a:p>
-                      <a:pPr algn="ctr"/>
-                      <a:endParaRPr lang="en-US" sz="1400">
-                        <a:solidFill>
-                          <a:schemeClr val="accent2">
-                            <a:lumMod val="75000"/>
-                          </a:schemeClr>
-                        </a:solidFill>
-                      </a:endParaRPr>
-                    </a:p>
-                  </a:txBody>
-                  <a:tcPr marL="0" marR="0" marT="0" marB="0" anchor="ctr"/>
-                </a:tc>
-                <a:tc>
-                  <a:txBody>
-                    <a:bodyPr/>
-                    <a:lstStyle/>
-                    <a:p>
-                      <a:pPr algn="ctr"/>
-                      <a:endParaRPr lang="en-US" sz="1400">
-                        <a:solidFill>
-                          <a:schemeClr val="accent2">
-                            <a:lumMod val="75000"/>
-                          </a:schemeClr>
-                        </a:solidFill>
-                      </a:endParaRPr>
-                    </a:p>
-                  </a:txBody>
-                  <a:tcPr marL="0" marR="0" marT="0" marB="0" anchor="ctr"/>
-                </a:tc>
-                <a:tc>
-                  <a:txBody>
-                    <a:bodyPr/>
-                    <a:lstStyle/>
-                    <a:p>
-                      <a:pPr algn="ctr"/>
-                      <a:endParaRPr lang="en-US" sz="1400">
-                        <a:solidFill>
-                          <a:schemeClr val="accent2">
-                            <a:lumMod val="75000"/>
-                          </a:schemeClr>
-                        </a:solidFill>
-                      </a:endParaRPr>
-                    </a:p>
-                  </a:txBody>
-                  <a:tcPr marL="0" marR="0" marT="0" marB="0" anchor="ctr"/>
-                </a:tc>
-                <a:tc>
-                  <a:txBody>
-                    <a:bodyPr/>
-                    <a:lstStyle/>
-                    <a:p>
-                      <a:pPr algn="ctr"/>
-                      <a:endParaRPr lang="en-US" sz="1400">
-                        <a:solidFill>
-                          <a:schemeClr val="accent2">
-                            <a:lumMod val="75000"/>
-                          </a:schemeClr>
-                        </a:solidFill>
-                      </a:endParaRPr>
-                    </a:p>
-                  </a:txBody>
-                  <a:tcPr marL="0" marR="0" marT="0" marB="0" anchor="ctr"/>
-                </a:tc>
-                <a:tc>
-                  <a:txBody>
-                    <a:bodyPr/>
-                    <a:lstStyle/>
-                    <a:p>
-                      <a:pPr algn="ctr"/>
-                      <a:endParaRPr lang="en-US" sz="1400">
-                        <a:solidFill>
-                          <a:schemeClr val="accent2">
-                            <a:lumMod val="75000"/>
-                          </a:schemeClr>
-                        </a:solidFill>
-                      </a:endParaRPr>
-                    </a:p>
-                  </a:txBody>
-                  <a:tcPr marL="0" marR="0" marT="0" marB="0" anchor="ctr"/>
-                </a:tc>
-                <a:tc>
-                  <a:txBody>
-                    <a:bodyPr/>
-                    <a:lstStyle/>
-                    <a:p>
-                      <a:pPr algn="ctr"/>
-                      <a:endParaRPr lang="en-US" sz="1400">
-                        <a:solidFill>
-                          <a:schemeClr val="accent2">
-                            <a:lumMod val="75000"/>
-                          </a:schemeClr>
-                        </a:solidFill>
-                      </a:endParaRPr>
-                    </a:p>
-                  </a:txBody>
-                  <a:tcPr marL="0" marR="0" marT="0" marB="0" anchor="ctr"/>
-                </a:tc>
-                <a:tc>
-                  <a:txBody>
-                    <a:bodyPr/>
-                    <a:lstStyle/>
-                    <a:p>
-                      <a:pPr algn="ctr"/>
-                      <a:endParaRPr lang="en-US" sz="1400">
-                        <a:solidFill>
-                          <a:schemeClr val="accent2">
-                            <a:lumMod val="75000"/>
-                          </a:schemeClr>
-                        </a:solidFill>
-                      </a:endParaRPr>
-                    </a:p>
-                  </a:txBody>
-                  <a:tcPr marL="0" marR="0" marT="0" marB="0" anchor="ctr"/>
-                </a:tc>
-                <a:tc>
-                  <a:txBody>
-                    <a:bodyPr/>
-                    <a:lstStyle/>
-                    <a:p>
-                      <a:pPr algn="ctr"/>
-                      <a:endParaRPr lang="en-US" sz="1400">
-                        <a:solidFill>
-                          <a:schemeClr val="accent2">
-                            <a:lumMod val="75000"/>
-                          </a:schemeClr>
-                        </a:solidFill>
-                      </a:endParaRPr>
-                    </a:p>
-                  </a:txBody>
-                  <a:tcPr marL="0" marR="0" marT="0" marB="0" anchor="ctr"/>
-                </a:tc>
-                <a:extLst>
-                  <a:ext uri="{0D108BD9-81ED-4DB2-BD59-A6C34878D82A}">
-                    <a16:rowId xmlns:a16="http://schemas.microsoft.com/office/drawing/2014/main" val="337826805"/>
-                  </a:ext>
-                </a:extLst>
-              </a:tr>
-              <a:tr h="512232">
-                <a:tc>
-                  <a:txBody>
-                    <a:bodyPr/>
-                    <a:lstStyle/>
-                    <a:p>
-                      <a:pPr algn="ctr"/>
-                      <a:r>
-                        <a:rPr lang="en-US" sz="1400" dirty="0"/>
-                        <a:t>B</a:t>
-                      </a:r>
-                    </a:p>
-                  </a:txBody>
-                  <a:tcPr marL="0" marR="0" marT="0" marB="0" anchor="ctr"/>
-                </a:tc>
-                <a:tc>
-                  <a:txBody>
-                    <a:bodyPr/>
-                    <a:lstStyle/>
-                    <a:p>
-                      <a:pPr algn="ctr"/>
-                      <a:r>
-                        <a:rPr lang="ko-KR" altLang="en-US" sz="1400"/>
-                        <a:t>김자경</a:t>
-                      </a:r>
-                      <a:endParaRPr lang="en-US" sz="1400"/>
-                    </a:p>
-                  </a:txBody>
-                  <a:tcPr marL="0" marR="0" marT="0" marB="0" anchor="ctr"/>
-                </a:tc>
-                <a:tc>
-                  <a:txBody>
-                    <a:bodyPr/>
-                    <a:lstStyle/>
-                    <a:p>
-                      <a:pPr algn="ctr"/>
-                      <a:endParaRPr lang="en-US" sz="1400"/>
-                    </a:p>
-                  </a:txBody>
-                  <a:tcPr marL="0" marR="0" marT="0" marB="0" anchor="ctr"/>
-                </a:tc>
-                <a:tc>
-                  <a:txBody>
-                    <a:bodyPr/>
-                    <a:lstStyle/>
-                    <a:p>
-                      <a:pPr algn="ctr"/>
-                      <a:endParaRPr lang="en-US" sz="1400"/>
-                    </a:p>
-                  </a:txBody>
-                  <a:tcPr marL="0" marR="0" marT="0" marB="0" anchor="ctr"/>
-                </a:tc>
-                <a:tc>
-                  <a:txBody>
-                    <a:bodyPr/>
-                    <a:lstStyle/>
-                    <a:p>
-                      <a:pPr algn="ctr"/>
-                      <a:endParaRPr lang="en-US" sz="1400"/>
-                    </a:p>
-                  </a:txBody>
-                  <a:tcPr marL="0" marR="0" marT="0" marB="0" anchor="ctr"/>
-                </a:tc>
-                <a:tc>
-                  <a:txBody>
-                    <a:bodyPr/>
-                    <a:lstStyle/>
-                    <a:p>
-                      <a:pPr algn="ctr"/>
-                      <a:endParaRPr lang="en-US" sz="1400"/>
-                    </a:p>
-                  </a:txBody>
-                  <a:tcPr marL="0" marR="0" marT="0" marB="0" anchor="ctr"/>
-                </a:tc>
-                <a:tc>
-                  <a:txBody>
-                    <a:bodyPr/>
-                    <a:lstStyle/>
-                    <a:p>
-                      <a:pPr algn="ctr"/>
-                      <a:endParaRPr lang="en-US" sz="1400"/>
-                    </a:p>
-                  </a:txBody>
-                  <a:tcPr marL="0" marR="0" marT="0" marB="0" anchor="ctr"/>
-                </a:tc>
-                <a:tc>
-                  <a:txBody>
-                    <a:bodyPr/>
-                    <a:lstStyle/>
-                    <a:p>
-                      <a:pPr algn="ctr"/>
-                      <a:endParaRPr lang="en-US" sz="1400"/>
-                    </a:p>
-                  </a:txBody>
-                  <a:tcPr marL="0" marR="0" marT="0" marB="0" anchor="ctr"/>
-                </a:tc>
-                <a:tc>
-                  <a:txBody>
-                    <a:bodyPr/>
-                    <a:lstStyle/>
-                    <a:p>
-                      <a:pPr algn="ctr"/>
-                      <a:endParaRPr lang="en-US" sz="1400"/>
-                    </a:p>
-                  </a:txBody>
-                  <a:tcPr marL="0" marR="0" marT="0" marB="0" anchor="ctr"/>
-                </a:tc>
-                <a:tc>
-                  <a:txBody>
-                    <a:bodyPr/>
-                    <a:lstStyle/>
-                    <a:p>
-                      <a:pPr algn="ctr"/>
-                      <a:endParaRPr lang="en-US" sz="1400"/>
-                    </a:p>
-                  </a:txBody>
-                  <a:tcPr marL="0" marR="0" marT="0" marB="0" anchor="ctr"/>
-                </a:tc>
-                <a:tc>
-                  <a:txBody>
-                    <a:bodyPr/>
-                    <a:lstStyle/>
-                    <a:p>
-                      <a:pPr algn="ctr"/>
-                      <a:endParaRPr lang="en-US" sz="1400"/>
-                    </a:p>
-                  </a:txBody>
-                  <a:tcPr marL="0" marR="0" marT="0" marB="0" anchor="ctr"/>
-                </a:tc>
-                <a:tc>
-                  <a:txBody>
-                    <a:bodyPr/>
-                    <a:lstStyle/>
-                    <a:p>
-                      <a:pPr algn="ctr"/>
-                      <a:endParaRPr lang="en-US" sz="1400"/>
-                    </a:p>
-                  </a:txBody>
-                  <a:tcPr marL="0" marR="0" marT="0" marB="0" anchor="ctr"/>
-                </a:tc>
-                <a:tc>
-                  <a:txBody>
-                    <a:bodyPr/>
-                    <a:lstStyle/>
-                    <a:p>
-                      <a:pPr algn="ctr"/>
-                      <a:endParaRPr lang="en-US" sz="1400"/>
-                    </a:p>
-                  </a:txBody>
-                  <a:tcPr marL="0" marR="0" marT="0" marB="0" anchor="ctr"/>
-                </a:tc>
-                <a:tc>
-                  <a:txBody>
-                    <a:bodyPr/>
-                    <a:lstStyle/>
-                    <a:p>
-                      <a:pPr algn="ctr"/>
-                      <a:endParaRPr lang="en-US" sz="1400"/>
-                    </a:p>
-                  </a:txBody>
-                  <a:tcPr marL="0" marR="0" marT="0" marB="0" anchor="ctr"/>
-                </a:tc>
-                <a:tc>
-                  <a:txBody>
-                    <a:bodyPr/>
-                    <a:lstStyle/>
-                    <a:p>
-                      <a:pPr algn="ctr"/>
-                      <a:endParaRPr lang="en-US" sz="1400"/>
-                    </a:p>
-                  </a:txBody>
-                  <a:tcPr marL="0" marR="0" marT="0" marB="0" anchor="ctr"/>
-                </a:tc>
-                <a:tc>
-                  <a:txBody>
-                    <a:bodyPr/>
-                    <a:lstStyle/>
-                    <a:p>
-                      <a:pPr algn="ctr"/>
-                      <a:endParaRPr lang="en-US" sz="1400"/>
-                    </a:p>
-                  </a:txBody>
-                  <a:tcPr marL="0" marR="0" marT="0" marB="0" anchor="ctr"/>
-                </a:tc>
-                <a:tc>
-                  <a:txBody>
-                    <a:bodyPr/>
-                    <a:lstStyle/>
-                    <a:p>
-                      <a:pPr algn="ctr"/>
-                      <a:endParaRPr lang="en-US" sz="1400"/>
-                    </a:p>
-                  </a:txBody>
-                  <a:tcPr marL="0" marR="0" marT="0" marB="0" anchor="ctr"/>
-                </a:tc>
-                <a:tc>
-                  <a:txBody>
-                    <a:bodyPr/>
-                    <a:lstStyle/>
-                    <a:p>
-                      <a:pPr algn="ctr"/>
-                      <a:endParaRPr lang="en-US" sz="1400"/>
-                    </a:p>
-                  </a:txBody>
-                  <a:tcPr marL="0" marR="0" marT="0" marB="0" anchor="ctr"/>
-                </a:tc>
-                <a:tc>
-                  <a:txBody>
-                    <a:bodyPr/>
-                    <a:lstStyle/>
-                    <a:p>
-                      <a:pPr algn="ctr"/>
-                      <a:endParaRPr lang="en-US" sz="1400"/>
-                    </a:p>
-                  </a:txBody>
-                  <a:tcPr marL="0" marR="0" marT="0" marB="0" anchor="ctr"/>
-                </a:tc>
-                <a:tc>
-                  <a:txBody>
-                    <a:bodyPr/>
-                    <a:lstStyle/>
-                    <a:p>
-                      <a:pPr algn="ctr"/>
-                      <a:endParaRPr lang="en-US" sz="1400"/>
-                    </a:p>
-                  </a:txBody>
-                  <a:tcPr marL="0" marR="0" marT="0" marB="0" anchor="ctr"/>
-                </a:tc>
-                <a:tc>
-                  <a:txBody>
-                    <a:bodyPr/>
-                    <a:lstStyle/>
-                    <a:p>
-                      <a:pPr algn="ctr"/>
-                      <a:endParaRPr lang="en-US" sz="1400"/>
-                    </a:p>
-                  </a:txBody>
-                  <a:tcPr marL="0" marR="0" marT="0" marB="0" anchor="ctr"/>
-                </a:tc>
-                <a:tc>
-                  <a:txBody>
-                    <a:bodyPr/>
-                    <a:lstStyle/>
-                    <a:p>
-                      <a:pPr algn="ctr"/>
-                      <a:endParaRPr lang="en-US" sz="1400"/>
-                    </a:p>
-                  </a:txBody>
-                  <a:tcPr marL="0" marR="0" marT="0" marB="0" anchor="ctr"/>
-                </a:tc>
-                <a:extLst>
-                  <a:ext uri="{0D108BD9-81ED-4DB2-BD59-A6C34878D82A}">
-                    <a16:rowId xmlns:a16="http://schemas.microsoft.com/office/drawing/2014/main" val="430785648"/>
-                  </a:ext>
-                </a:extLst>
-              </a:tr>
-              <a:tr h="512232">
-                <a:tc>
-                  <a:txBody>
-                    <a:bodyPr/>
-                    <a:lstStyle/>
-                    <a:p>
-                      <a:pPr algn="ctr"/>
-                      <a:r>
-                        <a:rPr lang="en-US" sz="1400" dirty="0"/>
-                        <a:t>B</a:t>
-                      </a:r>
-                    </a:p>
-                  </a:txBody>
-                  <a:tcPr marL="0" marR="0" marT="0" marB="0" anchor="ctr"/>
-                </a:tc>
-                <a:tc>
-                  <a:txBody>
-                    <a:bodyPr/>
-                    <a:lstStyle/>
-                    <a:p>
-                      <a:pPr algn="ctr"/>
-                      <a:r>
-                        <a:rPr lang="ko-KR" altLang="en-US" sz="1400"/>
-                        <a:t>박영세</a:t>
-                      </a:r>
-                      <a:endParaRPr lang="en-US" sz="1400"/>
-                    </a:p>
-                  </a:txBody>
-                  <a:tcPr marL="0" marR="0" marT="0" marB="0" anchor="ctr"/>
-                </a:tc>
-                <a:tc>
-                  <a:txBody>
-                    <a:bodyPr/>
-                    <a:lstStyle/>
-                    <a:p>
-                      <a:pPr algn="ctr"/>
-                      <a:endParaRPr lang="en-US" sz="1400"/>
-                    </a:p>
-                  </a:txBody>
-                  <a:tcPr marL="0" marR="0" marT="0" marB="0" anchor="ctr"/>
-                </a:tc>
-                <a:tc>
-                  <a:txBody>
-                    <a:bodyPr/>
-                    <a:lstStyle/>
-                    <a:p>
-                      <a:pPr algn="ctr"/>
-                      <a:endParaRPr lang="en-US" sz="1400"/>
-                    </a:p>
-                  </a:txBody>
-                  <a:tcPr marL="0" marR="0" marT="0" marB="0" anchor="ctr"/>
-                </a:tc>
-                <a:tc>
-                  <a:txBody>
-                    <a:bodyPr/>
-                    <a:lstStyle/>
-                    <a:p>
-                      <a:pPr algn="ctr"/>
-                      <a:endParaRPr lang="en-US" sz="1400"/>
-                    </a:p>
-                  </a:txBody>
-                  <a:tcPr marL="0" marR="0" marT="0" marB="0" anchor="ctr"/>
-                </a:tc>
-                <a:tc>
-                  <a:txBody>
-                    <a:bodyPr/>
-                    <a:lstStyle/>
-                    <a:p>
-                      <a:pPr algn="ctr"/>
-                      <a:endParaRPr lang="en-US" sz="1400"/>
-                    </a:p>
-                  </a:txBody>
-                  <a:tcPr marL="0" marR="0" marT="0" marB="0" anchor="ctr"/>
-                </a:tc>
-                <a:tc>
-                  <a:txBody>
-                    <a:bodyPr/>
-                    <a:lstStyle/>
-                    <a:p>
-                      <a:pPr algn="ctr"/>
-                      <a:endParaRPr lang="en-US" sz="1400"/>
-                    </a:p>
-                  </a:txBody>
-                  <a:tcPr marL="0" marR="0" marT="0" marB="0" anchor="ctr"/>
-                </a:tc>
-                <a:tc>
-                  <a:txBody>
-                    <a:bodyPr/>
-                    <a:lstStyle/>
-                    <a:p>
-                      <a:pPr algn="ctr"/>
-                      <a:endParaRPr lang="en-US" sz="1400"/>
-                    </a:p>
-                  </a:txBody>
-                  <a:tcPr marL="0" marR="0" marT="0" marB="0" anchor="ctr"/>
-                </a:tc>
-                <a:tc>
-                  <a:txBody>
-                    <a:bodyPr/>
-                    <a:lstStyle/>
-                    <a:p>
-                      <a:pPr algn="ctr"/>
-                      <a:endParaRPr lang="en-US" sz="1400"/>
-                    </a:p>
-                  </a:txBody>
-                  <a:tcPr marL="0" marR="0" marT="0" marB="0" anchor="ctr"/>
-                </a:tc>
-                <a:tc>
-                  <a:txBody>
-                    <a:bodyPr/>
-                    <a:lstStyle/>
-                    <a:p>
-                      <a:pPr algn="ctr"/>
-                      <a:endParaRPr lang="en-US" sz="1400"/>
-                    </a:p>
-                  </a:txBody>
-                  <a:tcPr marL="0" marR="0" marT="0" marB="0" anchor="ctr"/>
-                </a:tc>
-                <a:tc>
-                  <a:txBody>
-                    <a:bodyPr/>
-                    <a:lstStyle/>
-                    <a:p>
-                      <a:pPr algn="ctr"/>
-                      <a:endParaRPr lang="en-US" sz="1400"/>
-                    </a:p>
-                  </a:txBody>
-                  <a:tcPr marL="0" marR="0" marT="0" marB="0" anchor="ctr"/>
-                </a:tc>
-                <a:tc>
-                  <a:txBody>
-                    <a:bodyPr/>
-                    <a:lstStyle/>
-                    <a:p>
-                      <a:pPr algn="ctr"/>
-                      <a:endParaRPr lang="en-US" sz="1400"/>
-                    </a:p>
-                  </a:txBody>
-                  <a:tcPr marL="0" marR="0" marT="0" marB="0" anchor="ctr"/>
-                </a:tc>
-                <a:tc>
-                  <a:txBody>
-                    <a:bodyPr/>
-                    <a:lstStyle/>
-                    <a:p>
-                      <a:pPr algn="ctr"/>
-                      <a:endParaRPr lang="en-US" sz="1400"/>
-                    </a:p>
-                  </a:txBody>
-                  <a:tcPr marL="0" marR="0" marT="0" marB="0" anchor="ctr"/>
-                </a:tc>
-                <a:tc>
-                  <a:txBody>
-                    <a:bodyPr/>
-                    <a:lstStyle/>
-                    <a:p>
-                      <a:pPr algn="ctr"/>
-                      <a:endParaRPr lang="en-US" sz="1400"/>
-                    </a:p>
-                  </a:txBody>
-                  <a:tcPr marL="0" marR="0" marT="0" marB="0" anchor="ctr"/>
-                </a:tc>
-                <a:tc>
-                  <a:txBody>
-                    <a:bodyPr/>
-                    <a:lstStyle/>
-                    <a:p>
-                      <a:pPr algn="ctr"/>
-                      <a:endParaRPr lang="en-US" sz="1400"/>
-                    </a:p>
-                  </a:txBody>
-                  <a:tcPr marL="0" marR="0" marT="0" marB="0" anchor="ctr"/>
-                </a:tc>
-                <a:tc>
-                  <a:txBody>
-                    <a:bodyPr/>
-                    <a:lstStyle/>
-                    <a:p>
-                      <a:pPr algn="ctr"/>
-                      <a:endParaRPr lang="en-US" sz="1400"/>
-                    </a:p>
-                  </a:txBody>
-                  <a:tcPr marL="0" marR="0" marT="0" marB="0" anchor="ctr"/>
-                </a:tc>
-                <a:tc>
-                  <a:txBody>
-                    <a:bodyPr/>
-                    <a:lstStyle/>
-                    <a:p>
-                      <a:pPr algn="ctr"/>
-                      <a:endParaRPr lang="en-US" sz="1400"/>
-                    </a:p>
-                  </a:txBody>
-                  <a:tcPr marL="0" marR="0" marT="0" marB="0" anchor="ctr"/>
-                </a:tc>
-                <a:tc>
-                  <a:txBody>
-                    <a:bodyPr/>
-                    <a:lstStyle/>
-                    <a:p>
-                      <a:pPr algn="ctr"/>
-                      <a:endParaRPr lang="en-US" sz="1400"/>
-                    </a:p>
-                  </a:txBody>
-                  <a:tcPr marL="0" marR="0" marT="0" marB="0" anchor="ctr"/>
-                </a:tc>
-                <a:tc>
-                  <a:txBody>
-                    <a:bodyPr/>
-                    <a:lstStyle/>
-                    <a:p>
-                      <a:pPr algn="ctr"/>
-                      <a:endParaRPr lang="en-US" sz="1400"/>
-                    </a:p>
-                  </a:txBody>
-                  <a:tcPr marL="0" marR="0" marT="0" marB="0" anchor="ctr"/>
-                </a:tc>
-                <a:tc>
-                  <a:txBody>
-                    <a:bodyPr/>
-                    <a:lstStyle/>
-                    <a:p>
-                      <a:pPr algn="ctr"/>
-                      <a:endParaRPr lang="en-US" sz="1400"/>
-                    </a:p>
-                  </a:txBody>
-                  <a:tcPr marL="0" marR="0" marT="0" marB="0" anchor="ctr"/>
-                </a:tc>
-                <a:tc>
-                  <a:txBody>
-                    <a:bodyPr/>
-                    <a:lstStyle/>
-                    <a:p>
-                      <a:pPr algn="ctr"/>
-                      <a:endParaRPr lang="en-US" sz="1400"/>
-                    </a:p>
-                  </a:txBody>
-                  <a:tcPr marL="0" marR="0" marT="0" marB="0" anchor="ctr"/>
-                </a:tc>
-                <a:tc>
-                  <a:txBody>
-                    <a:bodyPr/>
-                    <a:lstStyle/>
-                    <a:p>
-                      <a:pPr algn="ctr"/>
-                      <a:endParaRPr lang="en-US" sz="1400" dirty="0"/>
-                    </a:p>
-                  </a:txBody>
-                  <a:tcPr marL="0" marR="0" marT="0" marB="0" anchor="ctr"/>
-                </a:tc>
-                <a:extLst>
-                  <a:ext uri="{0D108BD9-81ED-4DB2-BD59-A6C34878D82A}">
-                    <a16:rowId xmlns:a16="http://schemas.microsoft.com/office/drawing/2014/main" val="479172299"/>
-                  </a:ext>
-                </a:extLst>
-              </a:tr>
-            </a:tbl>
-          </a:graphicData>
-        </a:graphic>
-      </p:graphicFrame>
-      <p:sp>
-        <p:nvSpPr>
-          <p:cNvPr id="4" name="날짜 개체 틀 3"/>
-          <p:cNvSpPr>
-            <a:spLocks noGrp="1"/>
-          </p:cNvSpPr>
-          <p:nvPr>
-            <p:ph type="dt" sz="half" idx="10"/>
-          </p:nvPr>
-        </p:nvSpPr>
-        <p:spPr/>
-        <p:txBody>
-          <a:bodyPr/>
-          <a:lstStyle/>
-          <a:p>
-            <a:fld id="{BE0357B1-0FDD-482C-A9DC-A4587093D4A9}" type="datetime1">
-              <a:rPr lang="ko-KR" altLang="en-US" smtClean="0"/>
-              <a:t>2019-07-27</a:t>
-            </a:fld>
-            <a:endParaRPr lang="en-US"/>
-          </a:p>
-        </p:txBody>
-      </p:sp>
-      <p:sp>
-        <p:nvSpPr>
-          <p:cNvPr id="5" name="바닥글 개체 틀 4"/>
-          <p:cNvSpPr>
-            <a:spLocks noGrp="1"/>
-          </p:cNvSpPr>
-          <p:nvPr>
-            <p:ph type="ftr" sz="quarter" idx="11"/>
-          </p:nvPr>
-        </p:nvSpPr>
-        <p:spPr/>
-        <p:txBody>
-          <a:bodyPr/>
-          <a:lstStyle/>
-          <a:p>
-            <a:r>
-              <a:rPr lang="ko-KR" altLang="en-US"/>
-              <a:t>드론 멘토링 </a:t>
-            </a:r>
-            <a:r>
-              <a:rPr lang="en-US" altLang="ko-KR"/>
-              <a:t>(2019</a:t>
-            </a:r>
-            <a:r>
-              <a:rPr lang="ko-KR" altLang="en-US"/>
-              <a:t>년 여름</a:t>
-            </a:r>
-            <a:r>
-              <a:rPr lang="en-US" altLang="ko-KR"/>
-              <a:t>)</a:t>
-            </a:r>
-            <a:endParaRPr lang="en-US"/>
-          </a:p>
-        </p:txBody>
-      </p:sp>
-      <p:sp>
-        <p:nvSpPr>
-          <p:cNvPr id="6" name="슬라이드 번호 개체 틀 5"/>
-          <p:cNvSpPr>
-            <a:spLocks noGrp="1"/>
-          </p:cNvSpPr>
-          <p:nvPr>
-            <p:ph type="sldNum" sz="quarter" idx="12"/>
-          </p:nvPr>
-        </p:nvSpPr>
-        <p:spPr/>
-        <p:txBody>
-          <a:bodyPr/>
-          <a:lstStyle/>
-          <a:p>
-            <a:fld id="{AA0EB1BB-D2B3-481B-A5E1-F093F8D3CD29}" type="slidenum">
-              <a:rPr lang="en-US" smtClean="0"/>
-              <a:t>2</a:t>
-            </a:fld>
-            <a:endParaRPr lang="en-US"/>
-          </a:p>
-        </p:txBody>
-      </p:sp>
-      <p:sp>
-        <p:nvSpPr>
-          <p:cNvPr id="8" name="직사각형 7"/>
-          <p:cNvSpPr/>
-          <p:nvPr/>
-        </p:nvSpPr>
-        <p:spPr>
-          <a:xfrm>
-            <a:off x="6007414" y="5857862"/>
-            <a:ext cx="3217548" cy="369332"/>
-          </a:xfrm>
-          <a:prstGeom prst="rect">
-            <a:avLst/>
-          </a:prstGeom>
-        </p:spPr>
-        <p:txBody>
-          <a:bodyPr wrap="none">
-            <a:spAutoFit/>
-          </a:bodyPr>
-          <a:lstStyle/>
-          <a:p>
-            <a:pPr algn="ctr"/>
-            <a:r>
-              <a:rPr lang="en-US"/>
-              <a:t>O : </a:t>
-            </a:r>
-            <a:r>
-              <a:rPr lang="ko-KR" altLang="en-US"/>
-              <a:t>출석</a:t>
-            </a:r>
-            <a:r>
-              <a:rPr lang="en-US" altLang="ko-KR"/>
-              <a:t>, </a:t>
-            </a:r>
-            <a:r>
-              <a:rPr lang="el-GR"/>
-              <a:t>Δ</a:t>
-            </a:r>
-            <a:r>
-              <a:rPr lang="en-US"/>
-              <a:t> : </a:t>
-            </a:r>
-            <a:r>
-              <a:rPr lang="ko-KR" altLang="en-US"/>
-              <a:t>지각</a:t>
-            </a:r>
-            <a:r>
-              <a:rPr lang="en-US" altLang="ko-KR"/>
-              <a:t>, </a:t>
-            </a:r>
-            <a:r>
-              <a:rPr lang="ko-KR" altLang="en-US"/>
-              <a:t>조퇴</a:t>
-            </a:r>
-            <a:r>
-              <a:rPr lang="en-US" altLang="ko-KR"/>
-              <a:t>, X: </a:t>
-            </a:r>
-            <a:r>
-              <a:rPr lang="ko-KR" altLang="en-US"/>
-              <a:t>결석</a:t>
-            </a:r>
-            <a:endParaRPr lang="en-US">
-              <a:solidFill>
-                <a:schemeClr val="accent2">
-                  <a:lumMod val="75000"/>
-                </a:schemeClr>
-              </a:solidFill>
-            </a:endParaRPr>
-          </a:p>
-        </p:txBody>
-      </p:sp>
-    </p:spTree>
-    <p:extLst>
-      <p:ext uri="{BB962C8B-B14F-4D97-AF65-F5344CB8AC3E}">
-        <p14:creationId xmlns:p14="http://schemas.microsoft.com/office/powerpoint/2010/main" val="1364263787"/>
       </p:ext>
     </p:extLst>
   </p:cSld>

--- a/110 드론 멘토링 출결 현황 V1.1.pptx
+++ b/110 드론 멘토링 출결 현황 V1.1.pptx
@@ -7964,7 +7964,7 @@
           <a:p>
             <a:fld id="{60456C2F-1F67-44A5-80B0-9C3A6CA33C82}" type="datetimeFigureOut">
               <a:rPr lang="en-US" smtClean="0"/>
-              <a:t>8/7/2019</a:t>
+              <a:t>8/22/2019</a:t>
             </a:fld>
             <a:endParaRPr lang="en-US"/>
           </a:p>
@@ -8363,7 +8363,7 @@
           <a:p>
             <a:fld id="{319B1230-C6B6-4309-80C9-CAB93D465649}" type="datetime1">
               <a:rPr lang="ko-KR" altLang="en-US" smtClean="0"/>
-              <a:t>2019-08-07</a:t>
+              <a:t>2019-08-22</a:t>
             </a:fld>
             <a:endParaRPr lang="en-US"/>
           </a:p>
@@ -8474,7 +8474,7 @@
           <a:p>
             <a:fld id="{924A5E96-5228-467F-80D0-2ECBCC17D15E}" type="datetime1">
               <a:rPr lang="ko-KR" altLang="en-US" smtClean="0"/>
-              <a:t>2019-08-07</a:t>
+              <a:t>2019-08-22</a:t>
             </a:fld>
             <a:endParaRPr lang="en-US"/>
           </a:p>
@@ -8660,7 +8660,7 @@
           <a:p>
             <a:fld id="{BE0357B1-0FDD-482C-A9DC-A4587093D4A9}" type="datetime1">
               <a:rPr lang="ko-KR" altLang="en-US" smtClean="0"/>
-              <a:t>2019-08-07</a:t>
+              <a:t>2019-08-22</a:t>
             </a:fld>
             <a:endParaRPr lang="en-US"/>
           </a:p>
@@ -8923,7 +8923,7 @@
           <a:p>
             <a:fld id="{0D94B2E5-B4C8-4FE9-8181-FA32C14418EE}" type="datetime1">
               <a:rPr lang="ko-KR" altLang="en-US" smtClean="0"/>
-              <a:t>2019-08-07</a:t>
+              <a:t>2019-08-22</a:t>
             </a:fld>
             <a:endParaRPr lang="en-US"/>
           </a:p>
@@ -9251,7 +9251,7 @@
           <a:p>
             <a:fld id="{8F5C8F60-763C-4F84-8F24-DD737445852F}" type="datetime1">
               <a:rPr lang="ko-KR" altLang="en-US" smtClean="0"/>
-              <a:t>2019-08-07</a:t>
+              <a:t>2019-08-22</a:t>
             </a:fld>
             <a:endParaRPr lang="en-US"/>
           </a:p>
@@ -9599,7 +9599,7 @@
           <a:p>
             <a:fld id="{4CC14437-CE76-4CAA-B57D-74630AAA1A81}" type="datetime1">
               <a:rPr lang="ko-KR" altLang="en-US" smtClean="0"/>
-              <a:t>2019-08-07</a:t>
+              <a:t>2019-08-22</a:t>
             </a:fld>
             <a:endParaRPr lang="en-US"/>
           </a:p>
@@ -9890,7 +9890,7 @@
           <a:p>
             <a:fld id="{834AA384-6E8E-4FED-B7E7-E5A1E24200AC}" type="datetime1">
               <a:rPr lang="ko-KR" altLang="en-US" smtClean="0"/>
-              <a:t>2019-08-07</a:t>
+              <a:t>2019-08-22</a:t>
             </a:fld>
             <a:endParaRPr lang="en-US"/>
           </a:p>
@@ -10218,7 +10218,7 @@
           <a:p>
             <a:fld id="{7917DF62-74E6-4230-B273-D0D3CCDE7E84}" type="datetime1">
               <a:rPr lang="ko-KR" altLang="en-US" smtClean="0"/>
-              <a:t>2019-08-07</a:t>
+              <a:t>2019-08-22</a:t>
             </a:fld>
             <a:endParaRPr lang="en-US"/>
           </a:p>
@@ -10644,7 +10644,7 @@
           <a:p>
             <a:fld id="{6B67E599-38F1-4810-B40C-4564238E6F55}" type="datetime1">
               <a:rPr lang="ko-KR" altLang="en-US" smtClean="0"/>
-              <a:t>2019-08-07</a:t>
+              <a:t>2019-08-22</a:t>
             </a:fld>
             <a:endParaRPr lang="en-US"/>
           </a:p>
@@ -10778,7 +10778,7 @@
           <a:p>
             <a:fld id="{FED29414-8F33-4E3F-A952-9544504CA7EE}" type="datetime1">
               <a:rPr lang="ko-KR" altLang="en-US" smtClean="0"/>
-              <a:t>2019-08-07</a:t>
+              <a:t>2019-08-22</a:t>
             </a:fld>
             <a:endParaRPr lang="en-US"/>
           </a:p>
@@ -11057,7 +11057,7 @@
           <a:p>
             <a:fld id="{2605756E-71AC-4422-8513-6CA67E389392}" type="datetime1">
               <a:rPr lang="ko-KR" altLang="en-US" smtClean="0"/>
-              <a:t>2019-08-07</a:t>
+              <a:t>2019-08-22</a:t>
             </a:fld>
             <a:endParaRPr lang="en-US"/>
           </a:p>
@@ -11536,7 +11536,7 @@
             <p:ph idx="1"/>
             <p:extLst>
               <p:ext uri="{D42A27DB-BD31-4B8C-83A1-F6EECF244321}">
-                <p14:modId xmlns:p14="http://schemas.microsoft.com/office/powerpoint/2010/main" val="1974275859"/>
+                <p14:modId xmlns:p14="http://schemas.microsoft.com/office/powerpoint/2010/main" val="3615220725"/>
               </p:ext>
             </p:extLst>
           </p:nvPr>
@@ -12369,7 +12369,7 @@
                         <a:defRPr/>
                       </a:pPr>
                       <a:r>
-                        <a:rPr kumimoji="0" lang="en-US" sz="1400" b="0" i="0" u="none" strike="noStrike" kern="1200" cap="none" spc="0" normalizeH="0" baseline="0" noProof="0" dirty="0">
+                        <a:rPr kumimoji="0" lang="en-US" sz="1400" b="1" i="0" u="none" strike="noStrike" kern="1200" cap="none" spc="0" normalizeH="0" baseline="0" noProof="0" dirty="0">
                           <a:ln>
                             <a:noFill/>
                           </a:ln>
@@ -12412,7 +12412,7 @@
                         <a:defRPr/>
                       </a:pPr>
                       <a:r>
-                        <a:rPr kumimoji="0" lang="en-US" sz="1400" b="0" i="0" u="none" strike="noStrike" kern="1200" cap="none" spc="0" normalizeH="0" baseline="0" noProof="0" dirty="0">
+                        <a:rPr kumimoji="0" lang="en-US" sz="1400" b="1" i="0" u="none" strike="noStrike" kern="1200" cap="none" spc="0" normalizeH="0" baseline="0" noProof="0" dirty="0">
                           <a:ln>
                             <a:noFill/>
                           </a:ln>
@@ -12455,7 +12455,7 @@
                         <a:defRPr/>
                       </a:pPr>
                       <a:r>
-                        <a:rPr kumimoji="0" lang="en-US" sz="1400" b="0" i="0" u="none" strike="noStrike" kern="1200" cap="none" spc="0" normalizeH="0" baseline="0" noProof="0" dirty="0">
+                        <a:rPr kumimoji="0" lang="en-US" sz="1400" b="1" i="0" u="none" strike="noStrike" kern="1200" cap="none" spc="0" normalizeH="0" baseline="0" noProof="0" dirty="0">
                           <a:ln>
                             <a:noFill/>
                           </a:ln>
@@ -12498,7 +12498,7 @@
                         <a:defRPr/>
                       </a:pPr>
                       <a:r>
-                        <a:rPr kumimoji="0" lang="en-US" sz="1400" b="0" i="0" u="none" strike="noStrike" kern="1200" cap="none" spc="0" normalizeH="0" baseline="0" noProof="0" dirty="0">
+                        <a:rPr kumimoji="0" lang="en-US" sz="1400" b="1" i="0" u="none" strike="noStrike" kern="1200" cap="none" spc="0" normalizeH="0" baseline="0" noProof="0" dirty="0">
                           <a:ln>
                             <a:noFill/>
                           </a:ln>
@@ -12541,7 +12541,7 @@
                         <a:defRPr/>
                       </a:pPr>
                       <a:r>
-                        <a:rPr kumimoji="0" lang="en-US" sz="1400" b="0" i="0" u="none" strike="noStrike" kern="1200" cap="none" spc="0" normalizeH="0" baseline="0" noProof="0" dirty="0">
+                        <a:rPr kumimoji="0" lang="en-US" sz="1400" b="1" i="0" u="none" strike="noStrike" kern="1200" cap="none" spc="0" normalizeH="0" baseline="0" noProof="0" dirty="0">
                           <a:ln>
                             <a:noFill/>
                           </a:ln>
@@ -12566,6 +12566,456 @@
                     <a:bodyPr/>
                     <a:lstStyle/>
                     <a:p>
+                      <a:pPr marL="0" marR="0" lvl="0" indent="0" algn="ctr" defTabSz="914400" rtl="0" eaLnBrk="1" fontAlgn="auto" latinLnBrk="0" hangingPunct="1">
+                        <a:lnSpc>
+                          <a:spcPct val="100000"/>
+                        </a:lnSpc>
+                        <a:spcBef>
+                          <a:spcPts val="0"/>
+                        </a:spcBef>
+                        <a:spcAft>
+                          <a:spcPts val="0"/>
+                        </a:spcAft>
+                        <a:buClrTx/>
+                        <a:buSzTx/>
+                        <a:buFontTx/>
+                        <a:buNone/>
+                        <a:tabLst/>
+                        <a:defRPr/>
+                      </a:pPr>
+                      <a:r>
+                        <a:rPr kumimoji="0" lang="en-US" sz="1400" b="1" i="0" u="none" strike="noStrike" kern="1200" cap="none" spc="0" normalizeH="0" baseline="0" noProof="0" dirty="0">
+                          <a:ln>
+                            <a:noFill/>
+                          </a:ln>
+                          <a:solidFill>
+                            <a:schemeClr val="accent2">
+                              <a:lumMod val="75000"/>
+                            </a:schemeClr>
+                          </a:solidFill>
+                          <a:effectLst/>
+                          <a:uLnTx/>
+                          <a:uFillTx/>
+                          <a:latin typeface="Calibri" panose="020F0502020204030204"/>
+                          <a:ea typeface="+mn-ea"/>
+                          <a:cs typeface="+mn-cs"/>
+                        </a:rPr>
+                        <a:t>O</a:t>
+                      </a:r>
+                    </a:p>
+                  </a:txBody>
+                  <a:tcPr marL="0" marR="0" marT="0" marB="0" anchor="ctr"/>
+                </a:tc>
+                <a:tc>
+                  <a:txBody>
+                    <a:bodyPr/>
+                    <a:lstStyle/>
+                    <a:p>
+                      <a:pPr marL="0" marR="0" lvl="0" indent="0" algn="ctr" defTabSz="914400" rtl="0" eaLnBrk="1" fontAlgn="auto" latinLnBrk="0" hangingPunct="1">
+                        <a:lnSpc>
+                          <a:spcPct val="100000"/>
+                        </a:lnSpc>
+                        <a:spcBef>
+                          <a:spcPts val="0"/>
+                        </a:spcBef>
+                        <a:spcAft>
+                          <a:spcPts val="0"/>
+                        </a:spcAft>
+                        <a:buClrTx/>
+                        <a:buSzTx/>
+                        <a:buFontTx/>
+                        <a:buNone/>
+                        <a:tabLst/>
+                        <a:defRPr/>
+                      </a:pPr>
+                      <a:r>
+                        <a:rPr kumimoji="0" lang="en-US" sz="1400" b="1" i="0" u="none" strike="noStrike" kern="1200" cap="none" spc="0" normalizeH="0" baseline="0" noProof="0" dirty="0">
+                          <a:ln>
+                            <a:noFill/>
+                          </a:ln>
+                          <a:solidFill>
+                            <a:schemeClr val="accent2">
+                              <a:lumMod val="75000"/>
+                            </a:schemeClr>
+                          </a:solidFill>
+                          <a:effectLst/>
+                          <a:uLnTx/>
+                          <a:uFillTx/>
+                          <a:latin typeface="Calibri" panose="020F0502020204030204"/>
+                          <a:ea typeface="+mn-ea"/>
+                          <a:cs typeface="+mn-cs"/>
+                        </a:rPr>
+                        <a:t>O</a:t>
+                      </a:r>
+                    </a:p>
+                  </a:txBody>
+                  <a:tcPr marL="0" marR="0" marT="0" marB="0" anchor="ctr"/>
+                </a:tc>
+                <a:tc>
+                  <a:txBody>
+                    <a:bodyPr/>
+                    <a:lstStyle/>
+                    <a:p>
+                      <a:pPr marL="0" marR="0" lvl="0" indent="0" algn="ctr" defTabSz="914400" rtl="0" eaLnBrk="1" fontAlgn="auto" latinLnBrk="0" hangingPunct="1">
+                        <a:lnSpc>
+                          <a:spcPct val="100000"/>
+                        </a:lnSpc>
+                        <a:spcBef>
+                          <a:spcPts val="0"/>
+                        </a:spcBef>
+                        <a:spcAft>
+                          <a:spcPts val="0"/>
+                        </a:spcAft>
+                        <a:buClrTx/>
+                        <a:buSzTx/>
+                        <a:buFontTx/>
+                        <a:buNone/>
+                        <a:tabLst/>
+                        <a:defRPr/>
+                      </a:pPr>
+                      <a:r>
+                        <a:rPr kumimoji="0" lang="en-US" sz="1400" b="1" i="0" u="none" strike="noStrike" kern="1200" cap="none" spc="0" normalizeH="0" baseline="0" noProof="0" dirty="0">
+                          <a:ln>
+                            <a:noFill/>
+                          </a:ln>
+                          <a:solidFill>
+                            <a:schemeClr val="accent2">
+                              <a:lumMod val="75000"/>
+                            </a:schemeClr>
+                          </a:solidFill>
+                          <a:effectLst/>
+                          <a:uLnTx/>
+                          <a:uFillTx/>
+                          <a:latin typeface="Calibri" panose="020F0502020204030204"/>
+                          <a:ea typeface="+mn-ea"/>
+                          <a:cs typeface="+mn-cs"/>
+                        </a:rPr>
+                        <a:t>O</a:t>
+                      </a:r>
+                    </a:p>
+                  </a:txBody>
+                  <a:tcPr marL="0" marR="0" marT="0" marB="0" anchor="ctr"/>
+                </a:tc>
+                <a:tc>
+                  <a:txBody>
+                    <a:bodyPr/>
+                    <a:lstStyle/>
+                    <a:p>
+                      <a:pPr marL="0" marR="0" lvl="0" indent="0" algn="ctr" defTabSz="914400" rtl="0" eaLnBrk="1" fontAlgn="auto" latinLnBrk="0" hangingPunct="1">
+                        <a:lnSpc>
+                          <a:spcPct val="100000"/>
+                        </a:lnSpc>
+                        <a:spcBef>
+                          <a:spcPts val="0"/>
+                        </a:spcBef>
+                        <a:spcAft>
+                          <a:spcPts val="0"/>
+                        </a:spcAft>
+                        <a:buClrTx/>
+                        <a:buSzTx/>
+                        <a:buFontTx/>
+                        <a:buNone/>
+                        <a:tabLst/>
+                        <a:defRPr/>
+                      </a:pPr>
+                      <a:r>
+                        <a:rPr kumimoji="0" lang="en-US" sz="1400" b="1" i="0" u="none" strike="noStrike" kern="1200" cap="none" spc="0" normalizeH="0" baseline="0" noProof="0" dirty="0">
+                          <a:ln>
+                            <a:noFill/>
+                          </a:ln>
+                          <a:solidFill>
+                            <a:schemeClr val="accent2">
+                              <a:lumMod val="75000"/>
+                            </a:schemeClr>
+                          </a:solidFill>
+                          <a:effectLst/>
+                          <a:uLnTx/>
+                          <a:uFillTx/>
+                          <a:latin typeface="Calibri" panose="020F0502020204030204"/>
+                          <a:ea typeface="+mn-ea"/>
+                          <a:cs typeface="+mn-cs"/>
+                        </a:rPr>
+                        <a:t>O</a:t>
+                      </a:r>
+                    </a:p>
+                  </a:txBody>
+                  <a:tcPr marL="0" marR="0" marT="0" marB="0" anchor="ctr"/>
+                </a:tc>
+                <a:tc>
+                  <a:txBody>
+                    <a:bodyPr/>
+                    <a:lstStyle/>
+                    <a:p>
+                      <a:pPr marL="0" marR="0" lvl="0" indent="0" algn="ctr" defTabSz="914400" rtl="0" eaLnBrk="1" fontAlgn="auto" latinLnBrk="0" hangingPunct="1">
+                        <a:lnSpc>
+                          <a:spcPct val="100000"/>
+                        </a:lnSpc>
+                        <a:spcBef>
+                          <a:spcPts val="0"/>
+                        </a:spcBef>
+                        <a:spcAft>
+                          <a:spcPts val="0"/>
+                        </a:spcAft>
+                        <a:buClrTx/>
+                        <a:buSzTx/>
+                        <a:buFontTx/>
+                        <a:buNone/>
+                        <a:tabLst/>
+                        <a:defRPr/>
+                      </a:pPr>
+                      <a:r>
+                        <a:rPr kumimoji="0" lang="en-US" sz="1400" b="1" i="0" u="none" strike="noStrike" kern="1200" cap="none" spc="0" normalizeH="0" baseline="0" noProof="0" dirty="0">
+                          <a:ln>
+                            <a:noFill/>
+                          </a:ln>
+                          <a:solidFill>
+                            <a:schemeClr val="accent2">
+                              <a:lumMod val="75000"/>
+                            </a:schemeClr>
+                          </a:solidFill>
+                          <a:effectLst/>
+                          <a:uLnTx/>
+                          <a:uFillTx/>
+                          <a:latin typeface="Calibri" panose="020F0502020204030204"/>
+                          <a:ea typeface="+mn-ea"/>
+                          <a:cs typeface="+mn-cs"/>
+                        </a:rPr>
+                        <a:t>O</a:t>
+                      </a:r>
+                    </a:p>
+                  </a:txBody>
+                  <a:tcPr marL="0" marR="0" marT="0" marB="0" anchor="ctr"/>
+                </a:tc>
+                <a:tc>
+                  <a:txBody>
+                    <a:bodyPr/>
+                    <a:lstStyle/>
+                    <a:p>
+                      <a:pPr marL="0" marR="0" lvl="0" indent="0" algn="ctr" defTabSz="914400" rtl="0" eaLnBrk="1" fontAlgn="auto" latinLnBrk="0" hangingPunct="1">
+                        <a:lnSpc>
+                          <a:spcPct val="100000"/>
+                        </a:lnSpc>
+                        <a:spcBef>
+                          <a:spcPts val="0"/>
+                        </a:spcBef>
+                        <a:spcAft>
+                          <a:spcPts val="0"/>
+                        </a:spcAft>
+                        <a:buClrTx/>
+                        <a:buSzTx/>
+                        <a:buFontTx/>
+                        <a:buNone/>
+                        <a:tabLst/>
+                        <a:defRPr/>
+                      </a:pPr>
+                      <a:r>
+                        <a:rPr kumimoji="0" lang="en-US" sz="1400" b="1" i="0" u="none" strike="noStrike" kern="1200" cap="none" spc="0" normalizeH="0" baseline="0" noProof="0" dirty="0">
+                          <a:ln>
+                            <a:noFill/>
+                          </a:ln>
+                          <a:solidFill>
+                            <a:schemeClr val="tx2">
+                              <a:lumMod val="50000"/>
+                            </a:schemeClr>
+                          </a:solidFill>
+                          <a:effectLst/>
+                          <a:uLnTx/>
+                          <a:uFillTx/>
+                          <a:latin typeface="Calibri" panose="020F0502020204030204"/>
+                          <a:ea typeface="+mn-ea"/>
+                          <a:cs typeface="+mn-cs"/>
+                        </a:rPr>
+                        <a:t>O</a:t>
+                      </a:r>
+                    </a:p>
+                  </a:txBody>
+                  <a:tcPr marL="0" marR="0" marT="0" marB="0" anchor="ctr"/>
+                </a:tc>
+                <a:tc>
+                  <a:txBody>
+                    <a:bodyPr/>
+                    <a:lstStyle/>
+                    <a:p>
+                      <a:pPr marL="0" marR="0" lvl="0" indent="0" algn="ctr" defTabSz="914400" rtl="0" eaLnBrk="1" fontAlgn="auto" latinLnBrk="0" hangingPunct="1">
+                        <a:lnSpc>
+                          <a:spcPct val="100000"/>
+                        </a:lnSpc>
+                        <a:spcBef>
+                          <a:spcPts val="0"/>
+                        </a:spcBef>
+                        <a:spcAft>
+                          <a:spcPts val="0"/>
+                        </a:spcAft>
+                        <a:buClrTx/>
+                        <a:buSzTx/>
+                        <a:buFontTx/>
+                        <a:buNone/>
+                        <a:tabLst/>
+                        <a:defRPr/>
+                      </a:pPr>
+                      <a:r>
+                        <a:rPr kumimoji="0" lang="en-US" sz="1400" b="1" i="0" u="none" strike="noStrike" kern="1200" cap="none" spc="0" normalizeH="0" baseline="0" noProof="0" dirty="0">
+                          <a:ln>
+                            <a:noFill/>
+                          </a:ln>
+                          <a:solidFill>
+                            <a:schemeClr val="tx2">
+                              <a:lumMod val="50000"/>
+                            </a:schemeClr>
+                          </a:solidFill>
+                          <a:effectLst/>
+                          <a:uLnTx/>
+                          <a:uFillTx/>
+                          <a:latin typeface="Calibri" panose="020F0502020204030204"/>
+                          <a:ea typeface="+mn-ea"/>
+                          <a:cs typeface="+mn-cs"/>
+                        </a:rPr>
+                        <a:t>O</a:t>
+                      </a:r>
+                    </a:p>
+                  </a:txBody>
+                  <a:tcPr marL="0" marR="0" marT="0" marB="0" anchor="ctr"/>
+                </a:tc>
+                <a:tc>
+                  <a:txBody>
+                    <a:bodyPr/>
+                    <a:lstStyle/>
+                    <a:p>
+                      <a:pPr marL="0" marR="0" lvl="0" indent="0" algn="ctr" defTabSz="914400" rtl="0" eaLnBrk="1" fontAlgn="auto" latinLnBrk="0" hangingPunct="1">
+                        <a:lnSpc>
+                          <a:spcPct val="100000"/>
+                        </a:lnSpc>
+                        <a:spcBef>
+                          <a:spcPts val="0"/>
+                        </a:spcBef>
+                        <a:spcAft>
+                          <a:spcPts val="0"/>
+                        </a:spcAft>
+                        <a:buClrTx/>
+                        <a:buSzTx/>
+                        <a:buFontTx/>
+                        <a:buNone/>
+                        <a:tabLst/>
+                        <a:defRPr/>
+                      </a:pPr>
+                      <a:r>
+                        <a:rPr kumimoji="0" lang="en-US" sz="1400" b="1" i="0" u="none" strike="noStrike" kern="1200" cap="none" spc="0" normalizeH="0" baseline="0" noProof="0" dirty="0">
+                          <a:ln>
+                            <a:noFill/>
+                          </a:ln>
+                          <a:solidFill>
+                            <a:schemeClr val="tx2">
+                              <a:lumMod val="50000"/>
+                            </a:schemeClr>
+                          </a:solidFill>
+                          <a:effectLst/>
+                          <a:uLnTx/>
+                          <a:uFillTx/>
+                          <a:latin typeface="Calibri" panose="020F0502020204030204"/>
+                          <a:ea typeface="+mn-ea"/>
+                          <a:cs typeface="+mn-cs"/>
+                        </a:rPr>
+                        <a:t>O</a:t>
+                      </a:r>
+                    </a:p>
+                  </a:txBody>
+                  <a:tcPr marL="0" marR="0" marT="0" marB="0" anchor="ctr"/>
+                </a:tc>
+                <a:tc>
+                  <a:txBody>
+                    <a:bodyPr/>
+                    <a:lstStyle/>
+                    <a:p>
+                      <a:pPr marL="0" marR="0" lvl="0" indent="0" algn="ctr" defTabSz="914400" rtl="0" eaLnBrk="1" fontAlgn="auto" latinLnBrk="0" hangingPunct="1">
+                        <a:lnSpc>
+                          <a:spcPct val="100000"/>
+                        </a:lnSpc>
+                        <a:spcBef>
+                          <a:spcPts val="0"/>
+                        </a:spcBef>
+                        <a:spcAft>
+                          <a:spcPts val="0"/>
+                        </a:spcAft>
+                        <a:buClrTx/>
+                        <a:buSzTx/>
+                        <a:buFontTx/>
+                        <a:buNone/>
+                        <a:tabLst/>
+                        <a:defRPr/>
+                      </a:pPr>
+                      <a:r>
+                        <a:rPr kumimoji="0" lang="en-US" sz="1400" b="1" i="0" u="none" strike="noStrike" kern="1200" cap="none" spc="0" normalizeH="0" baseline="0" noProof="0" dirty="0">
+                          <a:ln>
+                            <a:noFill/>
+                          </a:ln>
+                          <a:solidFill>
+                            <a:schemeClr val="tx2">
+                              <a:lumMod val="50000"/>
+                            </a:schemeClr>
+                          </a:solidFill>
+                          <a:effectLst/>
+                          <a:uLnTx/>
+                          <a:uFillTx/>
+                          <a:latin typeface="Calibri" panose="020F0502020204030204"/>
+                          <a:ea typeface="+mn-ea"/>
+                          <a:cs typeface="+mn-cs"/>
+                        </a:rPr>
+                        <a:t>O</a:t>
+                      </a:r>
+                    </a:p>
+                  </a:txBody>
+                  <a:tcPr marL="0" marR="0" marT="0" marB="0" anchor="ctr"/>
+                </a:tc>
+                <a:tc>
+                  <a:txBody>
+                    <a:bodyPr/>
+                    <a:lstStyle/>
+                    <a:p>
+                      <a:pPr marL="0" marR="0" lvl="0" indent="0" algn="ctr" defTabSz="914400" rtl="0" eaLnBrk="1" fontAlgn="auto" latinLnBrk="0" hangingPunct="1">
+                        <a:lnSpc>
+                          <a:spcPct val="100000"/>
+                        </a:lnSpc>
+                        <a:spcBef>
+                          <a:spcPts val="0"/>
+                        </a:spcBef>
+                        <a:spcAft>
+                          <a:spcPts val="0"/>
+                        </a:spcAft>
+                        <a:buClrTx/>
+                        <a:buSzTx/>
+                        <a:buFontTx/>
+                        <a:buNone/>
+                        <a:tabLst/>
+                        <a:defRPr/>
+                      </a:pPr>
+                      <a:r>
+                        <a:rPr kumimoji="0" lang="en-US" sz="1400" b="1" i="0" u="none" strike="noStrike" kern="1200" cap="none" spc="0" normalizeH="0" baseline="0" noProof="0" dirty="0">
+                          <a:ln>
+                            <a:noFill/>
+                          </a:ln>
+                          <a:solidFill>
+                            <a:schemeClr val="tx2">
+                              <a:lumMod val="50000"/>
+                            </a:schemeClr>
+                          </a:solidFill>
+                          <a:effectLst/>
+                          <a:uLnTx/>
+                          <a:uFillTx/>
+                          <a:latin typeface="Calibri" panose="020F0502020204030204"/>
+                          <a:ea typeface="+mn-ea"/>
+                          <a:cs typeface="+mn-cs"/>
+                        </a:rPr>
+                        <a:t>O</a:t>
+                      </a:r>
+                    </a:p>
+                  </a:txBody>
+                  <a:tcPr marL="0" marR="0" marT="0" marB="0" anchor="ctr"/>
+                </a:tc>
+                <a:tc>
+                  <a:txBody>
+                    <a:bodyPr/>
+                    <a:lstStyle/>
+                    <a:p>
                       <a:pPr algn="ctr"/>
                       <a:endParaRPr lang="en-US" sz="1400">
                         <a:solidFill>
@@ -12646,176 +13096,6 @@
                   </a:txBody>
                   <a:tcPr marL="0" marR="0" marT="0" marB="0" anchor="ctr"/>
                 </a:tc>
-                <a:tc>
-                  <a:txBody>
-                    <a:bodyPr/>
-                    <a:lstStyle/>
-                    <a:p>
-                      <a:pPr algn="ctr"/>
-                      <a:endParaRPr lang="en-US" sz="1400">
-                        <a:solidFill>
-                          <a:schemeClr val="accent2">
-                            <a:lumMod val="75000"/>
-                          </a:schemeClr>
-                        </a:solidFill>
-                      </a:endParaRPr>
-                    </a:p>
-                  </a:txBody>
-                  <a:tcPr marL="0" marR="0" marT="0" marB="0" anchor="ctr"/>
-                </a:tc>
-                <a:tc>
-                  <a:txBody>
-                    <a:bodyPr/>
-                    <a:lstStyle/>
-                    <a:p>
-                      <a:pPr algn="ctr"/>
-                      <a:endParaRPr lang="en-US" sz="1400">
-                        <a:solidFill>
-                          <a:schemeClr val="accent2">
-                            <a:lumMod val="75000"/>
-                          </a:schemeClr>
-                        </a:solidFill>
-                      </a:endParaRPr>
-                    </a:p>
-                  </a:txBody>
-                  <a:tcPr marL="0" marR="0" marT="0" marB="0" anchor="ctr"/>
-                </a:tc>
-                <a:tc>
-                  <a:txBody>
-                    <a:bodyPr/>
-                    <a:lstStyle/>
-                    <a:p>
-                      <a:pPr algn="ctr"/>
-                      <a:endParaRPr lang="en-US" sz="1400">
-                        <a:solidFill>
-                          <a:schemeClr val="accent2">
-                            <a:lumMod val="75000"/>
-                          </a:schemeClr>
-                        </a:solidFill>
-                      </a:endParaRPr>
-                    </a:p>
-                  </a:txBody>
-                  <a:tcPr marL="0" marR="0" marT="0" marB="0" anchor="ctr"/>
-                </a:tc>
-                <a:tc>
-                  <a:txBody>
-                    <a:bodyPr/>
-                    <a:lstStyle/>
-                    <a:p>
-                      <a:pPr algn="ctr"/>
-                      <a:endParaRPr lang="en-US" sz="1400">
-                        <a:solidFill>
-                          <a:schemeClr val="accent2">
-                            <a:lumMod val="75000"/>
-                          </a:schemeClr>
-                        </a:solidFill>
-                      </a:endParaRPr>
-                    </a:p>
-                  </a:txBody>
-                  <a:tcPr marL="0" marR="0" marT="0" marB="0" anchor="ctr"/>
-                </a:tc>
-                <a:tc>
-                  <a:txBody>
-                    <a:bodyPr/>
-                    <a:lstStyle/>
-                    <a:p>
-                      <a:pPr algn="ctr"/>
-                      <a:endParaRPr lang="en-US" sz="1400">
-                        <a:solidFill>
-                          <a:schemeClr val="accent2">
-                            <a:lumMod val="75000"/>
-                          </a:schemeClr>
-                        </a:solidFill>
-                      </a:endParaRPr>
-                    </a:p>
-                  </a:txBody>
-                  <a:tcPr marL="0" marR="0" marT="0" marB="0" anchor="ctr"/>
-                </a:tc>
-                <a:tc>
-                  <a:txBody>
-                    <a:bodyPr/>
-                    <a:lstStyle/>
-                    <a:p>
-                      <a:pPr algn="ctr"/>
-                      <a:endParaRPr lang="en-US" sz="1400">
-                        <a:solidFill>
-                          <a:schemeClr val="accent2">
-                            <a:lumMod val="75000"/>
-                          </a:schemeClr>
-                        </a:solidFill>
-                      </a:endParaRPr>
-                    </a:p>
-                  </a:txBody>
-                  <a:tcPr marL="0" marR="0" marT="0" marB="0" anchor="ctr"/>
-                </a:tc>
-                <a:tc>
-                  <a:txBody>
-                    <a:bodyPr/>
-                    <a:lstStyle/>
-                    <a:p>
-                      <a:pPr algn="ctr"/>
-                      <a:endParaRPr lang="en-US" sz="1400">
-                        <a:solidFill>
-                          <a:schemeClr val="accent2">
-                            <a:lumMod val="75000"/>
-                          </a:schemeClr>
-                        </a:solidFill>
-                      </a:endParaRPr>
-                    </a:p>
-                  </a:txBody>
-                  <a:tcPr marL="0" marR="0" marT="0" marB="0" anchor="ctr"/>
-                </a:tc>
-                <a:tc>
-                  <a:txBody>
-                    <a:bodyPr/>
-                    <a:lstStyle/>
-                    <a:p>
-                      <a:pPr algn="ctr"/>
-                      <a:endParaRPr lang="en-US" sz="1400">
-                        <a:solidFill>
-                          <a:schemeClr val="accent2">
-                            <a:lumMod val="75000"/>
-                          </a:schemeClr>
-                        </a:solidFill>
-                      </a:endParaRPr>
-                    </a:p>
-                  </a:txBody>
-                  <a:tcPr marL="0" marR="0" marT="0" marB="0" anchor="ctr"/>
-                </a:tc>
-                <a:tc>
-                  <a:txBody>
-                    <a:bodyPr/>
-                    <a:lstStyle/>
-                    <a:p>
-                      <a:pPr algn="ctr"/>
-                      <a:endParaRPr lang="en-US" sz="1400">
-                        <a:solidFill>
-                          <a:schemeClr val="accent2">
-                            <a:lumMod val="75000"/>
-                          </a:schemeClr>
-                        </a:solidFill>
-                      </a:endParaRPr>
-                    </a:p>
-                  </a:txBody>
-                  <a:tcPr marL="0" marR="0" marT="0" marB="0" anchor="ctr"/>
-                </a:tc>
-                <a:tc>
-                  <a:txBody>
-                    <a:bodyPr/>
-                    <a:lstStyle/>
-                    <a:p>
-                      <a:pPr algn="ctr"/>
-                      <a:endParaRPr lang="en-US" sz="1400">
-                        <a:solidFill>
-                          <a:schemeClr val="accent2">
-                            <a:lumMod val="75000"/>
-                          </a:schemeClr>
-                        </a:solidFill>
-                      </a:endParaRPr>
-                    </a:p>
-                  </a:txBody>
-                  <a:tcPr marL="0" marR="0" marT="0" marB="0" anchor="ctr"/>
-                </a:tc>
                 <a:extLst>
                   <a:ext uri="{0D108BD9-81ED-4DB2-BD59-A6C34878D82A}">
                     <a16:rowId xmlns:a16="http://schemas.microsoft.com/office/drawing/2014/main" val="3460836312"/>
@@ -12888,7 +13168,7 @@
                         <a:defRPr/>
                       </a:pPr>
                       <a:r>
-                        <a:rPr kumimoji="0" lang="en-US" sz="1400" b="0" i="0" u="none" strike="noStrike" kern="1200" cap="none" spc="0" normalizeH="0" baseline="0" noProof="0" dirty="0">
+                        <a:rPr kumimoji="0" lang="en-US" sz="1400" b="1" i="0" u="none" strike="noStrike" kern="1200" cap="none" spc="0" normalizeH="0" baseline="0" noProof="0" dirty="0">
                           <a:ln>
                             <a:noFill/>
                           </a:ln>
@@ -12931,7 +13211,7 @@
                         <a:defRPr/>
                       </a:pPr>
                       <a:r>
-                        <a:rPr kumimoji="0" lang="en-US" sz="1400" b="0" i="0" u="none" strike="noStrike" kern="1200" cap="none" spc="0" normalizeH="0" baseline="0" noProof="0" dirty="0">
+                        <a:rPr kumimoji="0" lang="en-US" sz="1400" b="1" i="0" u="none" strike="noStrike" kern="1200" cap="none" spc="0" normalizeH="0" baseline="0" noProof="0" dirty="0">
                           <a:ln>
                             <a:noFill/>
                           </a:ln>
@@ -12974,7 +13254,7 @@
                         <a:defRPr/>
                       </a:pPr>
                       <a:r>
-                        <a:rPr kumimoji="0" lang="en-US" sz="1400" b="0" i="0" u="none" strike="noStrike" kern="1200" cap="none" spc="0" normalizeH="0" baseline="0" noProof="0" dirty="0">
+                        <a:rPr kumimoji="0" lang="en-US" sz="1400" b="1" i="0" u="none" strike="noStrike" kern="1200" cap="none" spc="0" normalizeH="0" baseline="0" noProof="0" dirty="0">
                           <a:ln>
                             <a:noFill/>
                           </a:ln>
@@ -13017,7 +13297,7 @@
                         <a:defRPr/>
                       </a:pPr>
                       <a:r>
-                        <a:rPr kumimoji="0" lang="en-US" sz="1400" b="0" i="0" u="none" strike="noStrike" kern="1200" cap="none" spc="0" normalizeH="0" baseline="0" noProof="0" dirty="0">
+                        <a:rPr kumimoji="0" lang="en-US" sz="1400" b="1" i="0" u="none" strike="noStrike" kern="1200" cap="none" spc="0" normalizeH="0" baseline="0" noProof="0" dirty="0">
                           <a:ln>
                             <a:noFill/>
                           </a:ln>
@@ -13060,7 +13340,7 @@
                         <a:defRPr/>
                       </a:pPr>
                       <a:r>
-                        <a:rPr kumimoji="0" lang="en-US" sz="1400" b="0" i="0" u="none" strike="noStrike" kern="1200" cap="none" spc="0" normalizeH="0" baseline="0" noProof="0" dirty="0">
+                        <a:rPr kumimoji="0" lang="en-US" sz="1400" b="1" i="0" u="none" strike="noStrike" kern="1200" cap="none" spc="0" normalizeH="0" baseline="0" noProof="0" dirty="0">
                           <a:ln>
                             <a:noFill/>
                           </a:ln>
@@ -13085,6 +13365,456 @@
                     <a:bodyPr/>
                     <a:lstStyle/>
                     <a:p>
+                      <a:pPr marL="0" marR="0" lvl="0" indent="0" algn="ctr" defTabSz="914400" rtl="0" eaLnBrk="1" fontAlgn="auto" latinLnBrk="0" hangingPunct="1">
+                        <a:lnSpc>
+                          <a:spcPct val="100000"/>
+                        </a:lnSpc>
+                        <a:spcBef>
+                          <a:spcPts val="0"/>
+                        </a:spcBef>
+                        <a:spcAft>
+                          <a:spcPts val="0"/>
+                        </a:spcAft>
+                        <a:buClrTx/>
+                        <a:buSzTx/>
+                        <a:buFontTx/>
+                        <a:buNone/>
+                        <a:tabLst/>
+                        <a:defRPr/>
+                      </a:pPr>
+                      <a:r>
+                        <a:rPr kumimoji="0" lang="en-US" sz="1400" b="1" i="0" u="none" strike="noStrike" kern="1200" cap="none" spc="0" normalizeH="0" baseline="0" noProof="0" dirty="0">
+                          <a:ln>
+                            <a:noFill/>
+                          </a:ln>
+                          <a:solidFill>
+                            <a:schemeClr val="accent2">
+                              <a:lumMod val="75000"/>
+                            </a:schemeClr>
+                          </a:solidFill>
+                          <a:effectLst/>
+                          <a:uLnTx/>
+                          <a:uFillTx/>
+                          <a:latin typeface="Calibri" panose="020F0502020204030204"/>
+                          <a:ea typeface="+mn-ea"/>
+                          <a:cs typeface="+mn-cs"/>
+                        </a:rPr>
+                        <a:t>O</a:t>
+                      </a:r>
+                    </a:p>
+                  </a:txBody>
+                  <a:tcPr marL="0" marR="0" marT="0" marB="0" anchor="ctr"/>
+                </a:tc>
+                <a:tc>
+                  <a:txBody>
+                    <a:bodyPr/>
+                    <a:lstStyle/>
+                    <a:p>
+                      <a:pPr marL="0" marR="0" lvl="0" indent="0" algn="ctr" defTabSz="914400" rtl="0" eaLnBrk="1" fontAlgn="auto" latinLnBrk="0" hangingPunct="1">
+                        <a:lnSpc>
+                          <a:spcPct val="100000"/>
+                        </a:lnSpc>
+                        <a:spcBef>
+                          <a:spcPts val="0"/>
+                        </a:spcBef>
+                        <a:spcAft>
+                          <a:spcPts val="0"/>
+                        </a:spcAft>
+                        <a:buClrTx/>
+                        <a:buSzTx/>
+                        <a:buFontTx/>
+                        <a:buNone/>
+                        <a:tabLst/>
+                        <a:defRPr/>
+                      </a:pPr>
+                      <a:r>
+                        <a:rPr kumimoji="0" lang="en-US" sz="1400" b="1" i="0" u="none" strike="noStrike" kern="1200" cap="none" spc="0" normalizeH="0" baseline="0" noProof="0" dirty="0">
+                          <a:ln>
+                            <a:noFill/>
+                          </a:ln>
+                          <a:solidFill>
+                            <a:schemeClr val="accent2">
+                              <a:lumMod val="75000"/>
+                            </a:schemeClr>
+                          </a:solidFill>
+                          <a:effectLst/>
+                          <a:uLnTx/>
+                          <a:uFillTx/>
+                          <a:latin typeface="Calibri" panose="020F0502020204030204"/>
+                          <a:ea typeface="+mn-ea"/>
+                          <a:cs typeface="+mn-cs"/>
+                        </a:rPr>
+                        <a:t>O</a:t>
+                      </a:r>
+                    </a:p>
+                  </a:txBody>
+                  <a:tcPr marL="0" marR="0" marT="0" marB="0" anchor="ctr"/>
+                </a:tc>
+                <a:tc>
+                  <a:txBody>
+                    <a:bodyPr/>
+                    <a:lstStyle/>
+                    <a:p>
+                      <a:pPr marL="0" marR="0" lvl="0" indent="0" algn="ctr" defTabSz="914400" rtl="0" eaLnBrk="1" fontAlgn="auto" latinLnBrk="0" hangingPunct="1">
+                        <a:lnSpc>
+                          <a:spcPct val="100000"/>
+                        </a:lnSpc>
+                        <a:spcBef>
+                          <a:spcPts val="0"/>
+                        </a:spcBef>
+                        <a:spcAft>
+                          <a:spcPts val="0"/>
+                        </a:spcAft>
+                        <a:buClrTx/>
+                        <a:buSzTx/>
+                        <a:buFontTx/>
+                        <a:buNone/>
+                        <a:tabLst/>
+                        <a:defRPr/>
+                      </a:pPr>
+                      <a:r>
+                        <a:rPr kumimoji="0" lang="en-US" sz="1400" b="1" i="0" u="none" strike="noStrike" kern="1200" cap="none" spc="0" normalizeH="0" baseline="0" noProof="0" dirty="0">
+                          <a:ln>
+                            <a:noFill/>
+                          </a:ln>
+                          <a:solidFill>
+                            <a:schemeClr val="accent2">
+                              <a:lumMod val="75000"/>
+                            </a:schemeClr>
+                          </a:solidFill>
+                          <a:effectLst/>
+                          <a:uLnTx/>
+                          <a:uFillTx/>
+                          <a:latin typeface="Calibri" panose="020F0502020204030204"/>
+                          <a:ea typeface="+mn-ea"/>
+                          <a:cs typeface="+mn-cs"/>
+                        </a:rPr>
+                        <a:t>O</a:t>
+                      </a:r>
+                    </a:p>
+                  </a:txBody>
+                  <a:tcPr marL="0" marR="0" marT="0" marB="0" anchor="ctr"/>
+                </a:tc>
+                <a:tc>
+                  <a:txBody>
+                    <a:bodyPr/>
+                    <a:lstStyle/>
+                    <a:p>
+                      <a:pPr marL="0" marR="0" lvl="0" indent="0" algn="ctr" defTabSz="914400" rtl="0" eaLnBrk="1" fontAlgn="auto" latinLnBrk="0" hangingPunct="1">
+                        <a:lnSpc>
+                          <a:spcPct val="100000"/>
+                        </a:lnSpc>
+                        <a:spcBef>
+                          <a:spcPts val="0"/>
+                        </a:spcBef>
+                        <a:spcAft>
+                          <a:spcPts val="0"/>
+                        </a:spcAft>
+                        <a:buClrTx/>
+                        <a:buSzTx/>
+                        <a:buFontTx/>
+                        <a:buNone/>
+                        <a:tabLst/>
+                        <a:defRPr/>
+                      </a:pPr>
+                      <a:r>
+                        <a:rPr kumimoji="0" lang="en-US" sz="1400" b="1" i="0" u="none" strike="noStrike" kern="1200" cap="none" spc="0" normalizeH="0" baseline="0" noProof="0" dirty="0">
+                          <a:ln>
+                            <a:noFill/>
+                          </a:ln>
+                          <a:solidFill>
+                            <a:schemeClr val="accent2">
+                              <a:lumMod val="75000"/>
+                            </a:schemeClr>
+                          </a:solidFill>
+                          <a:effectLst/>
+                          <a:uLnTx/>
+                          <a:uFillTx/>
+                          <a:latin typeface="Calibri" panose="020F0502020204030204"/>
+                          <a:ea typeface="+mn-ea"/>
+                          <a:cs typeface="+mn-cs"/>
+                        </a:rPr>
+                        <a:t>O</a:t>
+                      </a:r>
+                    </a:p>
+                  </a:txBody>
+                  <a:tcPr marL="0" marR="0" marT="0" marB="0" anchor="ctr"/>
+                </a:tc>
+                <a:tc>
+                  <a:txBody>
+                    <a:bodyPr/>
+                    <a:lstStyle/>
+                    <a:p>
+                      <a:pPr marL="0" marR="0" lvl="0" indent="0" algn="ctr" defTabSz="914400" rtl="0" eaLnBrk="1" fontAlgn="auto" latinLnBrk="0" hangingPunct="1">
+                        <a:lnSpc>
+                          <a:spcPct val="100000"/>
+                        </a:lnSpc>
+                        <a:spcBef>
+                          <a:spcPts val="0"/>
+                        </a:spcBef>
+                        <a:spcAft>
+                          <a:spcPts val="0"/>
+                        </a:spcAft>
+                        <a:buClrTx/>
+                        <a:buSzTx/>
+                        <a:buFontTx/>
+                        <a:buNone/>
+                        <a:tabLst/>
+                        <a:defRPr/>
+                      </a:pPr>
+                      <a:r>
+                        <a:rPr kumimoji="0" lang="en-US" sz="1400" b="1" i="0" u="none" strike="noStrike" kern="1200" cap="none" spc="0" normalizeH="0" baseline="0" noProof="0" dirty="0">
+                          <a:ln>
+                            <a:noFill/>
+                          </a:ln>
+                          <a:solidFill>
+                            <a:schemeClr val="accent2">
+                              <a:lumMod val="75000"/>
+                            </a:schemeClr>
+                          </a:solidFill>
+                          <a:effectLst/>
+                          <a:uLnTx/>
+                          <a:uFillTx/>
+                          <a:latin typeface="Calibri" panose="020F0502020204030204"/>
+                          <a:ea typeface="+mn-ea"/>
+                          <a:cs typeface="+mn-cs"/>
+                        </a:rPr>
+                        <a:t>O</a:t>
+                      </a:r>
+                    </a:p>
+                  </a:txBody>
+                  <a:tcPr marL="0" marR="0" marT="0" marB="0" anchor="ctr"/>
+                </a:tc>
+                <a:tc>
+                  <a:txBody>
+                    <a:bodyPr/>
+                    <a:lstStyle/>
+                    <a:p>
+                      <a:pPr marL="0" marR="0" lvl="0" indent="0" algn="ctr" defTabSz="914400" rtl="0" eaLnBrk="1" fontAlgn="auto" latinLnBrk="0" hangingPunct="1">
+                        <a:lnSpc>
+                          <a:spcPct val="100000"/>
+                        </a:lnSpc>
+                        <a:spcBef>
+                          <a:spcPts val="0"/>
+                        </a:spcBef>
+                        <a:spcAft>
+                          <a:spcPts val="0"/>
+                        </a:spcAft>
+                        <a:buClrTx/>
+                        <a:buSzTx/>
+                        <a:buFontTx/>
+                        <a:buNone/>
+                        <a:tabLst/>
+                        <a:defRPr/>
+                      </a:pPr>
+                      <a:r>
+                        <a:rPr kumimoji="0" lang="en-US" sz="1400" b="1" i="0" u="none" strike="noStrike" kern="1200" cap="none" spc="0" normalizeH="0" baseline="0" noProof="0" dirty="0">
+                          <a:ln>
+                            <a:noFill/>
+                          </a:ln>
+                          <a:solidFill>
+                            <a:schemeClr val="tx2">
+                              <a:lumMod val="50000"/>
+                            </a:schemeClr>
+                          </a:solidFill>
+                          <a:effectLst/>
+                          <a:uLnTx/>
+                          <a:uFillTx/>
+                          <a:latin typeface="Calibri" panose="020F0502020204030204"/>
+                          <a:ea typeface="+mn-ea"/>
+                          <a:cs typeface="+mn-cs"/>
+                        </a:rPr>
+                        <a:t>O</a:t>
+                      </a:r>
+                    </a:p>
+                  </a:txBody>
+                  <a:tcPr marL="0" marR="0" marT="0" marB="0" anchor="ctr"/>
+                </a:tc>
+                <a:tc>
+                  <a:txBody>
+                    <a:bodyPr/>
+                    <a:lstStyle/>
+                    <a:p>
+                      <a:pPr marL="0" marR="0" lvl="0" indent="0" algn="ctr" defTabSz="914400" rtl="0" eaLnBrk="1" fontAlgn="auto" latinLnBrk="0" hangingPunct="1">
+                        <a:lnSpc>
+                          <a:spcPct val="100000"/>
+                        </a:lnSpc>
+                        <a:spcBef>
+                          <a:spcPts val="0"/>
+                        </a:spcBef>
+                        <a:spcAft>
+                          <a:spcPts val="0"/>
+                        </a:spcAft>
+                        <a:buClrTx/>
+                        <a:buSzTx/>
+                        <a:buFontTx/>
+                        <a:buNone/>
+                        <a:tabLst/>
+                        <a:defRPr/>
+                      </a:pPr>
+                      <a:r>
+                        <a:rPr kumimoji="0" lang="en-US" sz="1400" b="1" i="0" u="none" strike="noStrike" kern="1200" cap="none" spc="0" normalizeH="0" baseline="0" noProof="0" dirty="0">
+                          <a:ln>
+                            <a:noFill/>
+                          </a:ln>
+                          <a:solidFill>
+                            <a:schemeClr val="tx2">
+                              <a:lumMod val="50000"/>
+                            </a:schemeClr>
+                          </a:solidFill>
+                          <a:effectLst/>
+                          <a:uLnTx/>
+                          <a:uFillTx/>
+                          <a:latin typeface="Calibri" panose="020F0502020204030204"/>
+                          <a:ea typeface="+mn-ea"/>
+                          <a:cs typeface="+mn-cs"/>
+                        </a:rPr>
+                        <a:t>O</a:t>
+                      </a:r>
+                    </a:p>
+                  </a:txBody>
+                  <a:tcPr marL="0" marR="0" marT="0" marB="0" anchor="ctr"/>
+                </a:tc>
+                <a:tc>
+                  <a:txBody>
+                    <a:bodyPr/>
+                    <a:lstStyle/>
+                    <a:p>
+                      <a:pPr marL="0" marR="0" lvl="0" indent="0" algn="ctr" defTabSz="914400" rtl="0" eaLnBrk="1" fontAlgn="auto" latinLnBrk="0" hangingPunct="1">
+                        <a:lnSpc>
+                          <a:spcPct val="100000"/>
+                        </a:lnSpc>
+                        <a:spcBef>
+                          <a:spcPts val="0"/>
+                        </a:spcBef>
+                        <a:spcAft>
+                          <a:spcPts val="0"/>
+                        </a:spcAft>
+                        <a:buClrTx/>
+                        <a:buSzTx/>
+                        <a:buFontTx/>
+                        <a:buNone/>
+                        <a:tabLst/>
+                        <a:defRPr/>
+                      </a:pPr>
+                      <a:r>
+                        <a:rPr kumimoji="0" lang="en-US" sz="1400" b="1" i="0" u="none" strike="noStrike" kern="1200" cap="none" spc="0" normalizeH="0" baseline="0" noProof="0" dirty="0">
+                          <a:ln>
+                            <a:noFill/>
+                          </a:ln>
+                          <a:solidFill>
+                            <a:schemeClr val="tx2">
+                              <a:lumMod val="50000"/>
+                            </a:schemeClr>
+                          </a:solidFill>
+                          <a:effectLst/>
+                          <a:uLnTx/>
+                          <a:uFillTx/>
+                          <a:latin typeface="Calibri" panose="020F0502020204030204"/>
+                          <a:ea typeface="+mn-ea"/>
+                          <a:cs typeface="+mn-cs"/>
+                        </a:rPr>
+                        <a:t>O</a:t>
+                      </a:r>
+                    </a:p>
+                  </a:txBody>
+                  <a:tcPr marL="0" marR="0" marT="0" marB="0" anchor="ctr"/>
+                </a:tc>
+                <a:tc>
+                  <a:txBody>
+                    <a:bodyPr/>
+                    <a:lstStyle/>
+                    <a:p>
+                      <a:pPr marL="0" marR="0" lvl="0" indent="0" algn="ctr" defTabSz="914400" rtl="0" eaLnBrk="1" fontAlgn="auto" latinLnBrk="0" hangingPunct="1">
+                        <a:lnSpc>
+                          <a:spcPct val="100000"/>
+                        </a:lnSpc>
+                        <a:spcBef>
+                          <a:spcPts val="0"/>
+                        </a:spcBef>
+                        <a:spcAft>
+                          <a:spcPts val="0"/>
+                        </a:spcAft>
+                        <a:buClrTx/>
+                        <a:buSzTx/>
+                        <a:buFontTx/>
+                        <a:buNone/>
+                        <a:tabLst/>
+                        <a:defRPr/>
+                      </a:pPr>
+                      <a:r>
+                        <a:rPr kumimoji="0" lang="en-US" sz="1400" b="1" i="0" u="none" strike="noStrike" kern="1200" cap="none" spc="0" normalizeH="0" baseline="0" noProof="0" dirty="0">
+                          <a:ln>
+                            <a:noFill/>
+                          </a:ln>
+                          <a:solidFill>
+                            <a:schemeClr val="tx2">
+                              <a:lumMod val="50000"/>
+                            </a:schemeClr>
+                          </a:solidFill>
+                          <a:effectLst/>
+                          <a:uLnTx/>
+                          <a:uFillTx/>
+                          <a:latin typeface="Calibri" panose="020F0502020204030204"/>
+                          <a:ea typeface="+mn-ea"/>
+                          <a:cs typeface="+mn-cs"/>
+                        </a:rPr>
+                        <a:t>O</a:t>
+                      </a:r>
+                    </a:p>
+                  </a:txBody>
+                  <a:tcPr marL="0" marR="0" marT="0" marB="0" anchor="ctr"/>
+                </a:tc>
+                <a:tc>
+                  <a:txBody>
+                    <a:bodyPr/>
+                    <a:lstStyle/>
+                    <a:p>
+                      <a:pPr marL="0" marR="0" lvl="0" indent="0" algn="ctr" defTabSz="914400" rtl="0" eaLnBrk="1" fontAlgn="auto" latinLnBrk="0" hangingPunct="1">
+                        <a:lnSpc>
+                          <a:spcPct val="100000"/>
+                        </a:lnSpc>
+                        <a:spcBef>
+                          <a:spcPts val="0"/>
+                        </a:spcBef>
+                        <a:spcAft>
+                          <a:spcPts val="0"/>
+                        </a:spcAft>
+                        <a:buClrTx/>
+                        <a:buSzTx/>
+                        <a:buFontTx/>
+                        <a:buNone/>
+                        <a:tabLst/>
+                        <a:defRPr/>
+                      </a:pPr>
+                      <a:r>
+                        <a:rPr kumimoji="0" lang="en-US" sz="1400" b="1" i="0" u="none" strike="noStrike" kern="1200" cap="none" spc="0" normalizeH="0" baseline="0" noProof="0" dirty="0">
+                          <a:ln>
+                            <a:noFill/>
+                          </a:ln>
+                          <a:solidFill>
+                            <a:schemeClr val="tx2">
+                              <a:lumMod val="50000"/>
+                            </a:schemeClr>
+                          </a:solidFill>
+                          <a:effectLst/>
+                          <a:uLnTx/>
+                          <a:uFillTx/>
+                          <a:latin typeface="Calibri" panose="020F0502020204030204"/>
+                          <a:ea typeface="+mn-ea"/>
+                          <a:cs typeface="+mn-cs"/>
+                        </a:rPr>
+                        <a:t>O</a:t>
+                      </a:r>
+                    </a:p>
+                  </a:txBody>
+                  <a:tcPr marL="0" marR="0" marT="0" marB="0" anchor="ctr"/>
+                </a:tc>
+                <a:tc>
+                  <a:txBody>
+                    <a:bodyPr/>
+                    <a:lstStyle/>
+                    <a:p>
                       <a:pPr algn="ctr"/>
                       <a:endParaRPr lang="en-US" sz="1400">
                         <a:solidFill>
@@ -13165,176 +13895,6 @@
                   </a:txBody>
                   <a:tcPr marL="0" marR="0" marT="0" marB="0" anchor="ctr"/>
                 </a:tc>
-                <a:tc>
-                  <a:txBody>
-                    <a:bodyPr/>
-                    <a:lstStyle/>
-                    <a:p>
-                      <a:pPr algn="ctr"/>
-                      <a:endParaRPr lang="en-US" sz="1400">
-                        <a:solidFill>
-                          <a:schemeClr val="accent2">
-                            <a:lumMod val="75000"/>
-                          </a:schemeClr>
-                        </a:solidFill>
-                      </a:endParaRPr>
-                    </a:p>
-                  </a:txBody>
-                  <a:tcPr marL="0" marR="0" marT="0" marB="0" anchor="ctr"/>
-                </a:tc>
-                <a:tc>
-                  <a:txBody>
-                    <a:bodyPr/>
-                    <a:lstStyle/>
-                    <a:p>
-                      <a:pPr algn="ctr"/>
-                      <a:endParaRPr lang="en-US" sz="1400">
-                        <a:solidFill>
-                          <a:schemeClr val="accent2">
-                            <a:lumMod val="75000"/>
-                          </a:schemeClr>
-                        </a:solidFill>
-                      </a:endParaRPr>
-                    </a:p>
-                  </a:txBody>
-                  <a:tcPr marL="0" marR="0" marT="0" marB="0" anchor="ctr"/>
-                </a:tc>
-                <a:tc>
-                  <a:txBody>
-                    <a:bodyPr/>
-                    <a:lstStyle/>
-                    <a:p>
-                      <a:pPr algn="ctr"/>
-                      <a:endParaRPr lang="en-US" sz="1400">
-                        <a:solidFill>
-                          <a:schemeClr val="accent2">
-                            <a:lumMod val="75000"/>
-                          </a:schemeClr>
-                        </a:solidFill>
-                      </a:endParaRPr>
-                    </a:p>
-                  </a:txBody>
-                  <a:tcPr marL="0" marR="0" marT="0" marB="0" anchor="ctr"/>
-                </a:tc>
-                <a:tc>
-                  <a:txBody>
-                    <a:bodyPr/>
-                    <a:lstStyle/>
-                    <a:p>
-                      <a:pPr algn="ctr"/>
-                      <a:endParaRPr lang="en-US" sz="1400">
-                        <a:solidFill>
-                          <a:schemeClr val="accent2">
-                            <a:lumMod val="75000"/>
-                          </a:schemeClr>
-                        </a:solidFill>
-                      </a:endParaRPr>
-                    </a:p>
-                  </a:txBody>
-                  <a:tcPr marL="0" marR="0" marT="0" marB="0" anchor="ctr"/>
-                </a:tc>
-                <a:tc>
-                  <a:txBody>
-                    <a:bodyPr/>
-                    <a:lstStyle/>
-                    <a:p>
-                      <a:pPr algn="ctr"/>
-                      <a:endParaRPr lang="en-US" sz="1400">
-                        <a:solidFill>
-                          <a:schemeClr val="accent2">
-                            <a:lumMod val="75000"/>
-                          </a:schemeClr>
-                        </a:solidFill>
-                      </a:endParaRPr>
-                    </a:p>
-                  </a:txBody>
-                  <a:tcPr marL="0" marR="0" marT="0" marB="0" anchor="ctr"/>
-                </a:tc>
-                <a:tc>
-                  <a:txBody>
-                    <a:bodyPr/>
-                    <a:lstStyle/>
-                    <a:p>
-                      <a:pPr algn="ctr"/>
-                      <a:endParaRPr lang="en-US" sz="1400">
-                        <a:solidFill>
-                          <a:schemeClr val="accent2">
-                            <a:lumMod val="75000"/>
-                          </a:schemeClr>
-                        </a:solidFill>
-                      </a:endParaRPr>
-                    </a:p>
-                  </a:txBody>
-                  <a:tcPr marL="0" marR="0" marT="0" marB="0" anchor="ctr"/>
-                </a:tc>
-                <a:tc>
-                  <a:txBody>
-                    <a:bodyPr/>
-                    <a:lstStyle/>
-                    <a:p>
-                      <a:pPr algn="ctr"/>
-                      <a:endParaRPr lang="en-US" sz="1400">
-                        <a:solidFill>
-                          <a:schemeClr val="accent2">
-                            <a:lumMod val="75000"/>
-                          </a:schemeClr>
-                        </a:solidFill>
-                      </a:endParaRPr>
-                    </a:p>
-                  </a:txBody>
-                  <a:tcPr marL="0" marR="0" marT="0" marB="0" anchor="ctr"/>
-                </a:tc>
-                <a:tc>
-                  <a:txBody>
-                    <a:bodyPr/>
-                    <a:lstStyle/>
-                    <a:p>
-                      <a:pPr algn="ctr"/>
-                      <a:endParaRPr lang="en-US" sz="1400">
-                        <a:solidFill>
-                          <a:schemeClr val="accent2">
-                            <a:lumMod val="75000"/>
-                          </a:schemeClr>
-                        </a:solidFill>
-                      </a:endParaRPr>
-                    </a:p>
-                  </a:txBody>
-                  <a:tcPr marL="0" marR="0" marT="0" marB="0" anchor="ctr"/>
-                </a:tc>
-                <a:tc>
-                  <a:txBody>
-                    <a:bodyPr/>
-                    <a:lstStyle/>
-                    <a:p>
-                      <a:pPr algn="ctr"/>
-                      <a:endParaRPr lang="en-US" sz="1400">
-                        <a:solidFill>
-                          <a:schemeClr val="accent2">
-                            <a:lumMod val="75000"/>
-                          </a:schemeClr>
-                        </a:solidFill>
-                      </a:endParaRPr>
-                    </a:p>
-                  </a:txBody>
-                  <a:tcPr marL="0" marR="0" marT="0" marB="0" anchor="ctr"/>
-                </a:tc>
-                <a:tc>
-                  <a:txBody>
-                    <a:bodyPr/>
-                    <a:lstStyle/>
-                    <a:p>
-                      <a:pPr algn="ctr"/>
-                      <a:endParaRPr lang="en-US" sz="1400">
-                        <a:solidFill>
-                          <a:schemeClr val="accent2">
-                            <a:lumMod val="75000"/>
-                          </a:schemeClr>
-                        </a:solidFill>
-                      </a:endParaRPr>
-                    </a:p>
-                  </a:txBody>
-                  <a:tcPr marL="0" marR="0" marT="0" marB="0" anchor="ctr"/>
-                </a:tc>
                 <a:extLst>
                   <a:ext uri="{0D108BD9-81ED-4DB2-BD59-A6C34878D82A}">
                     <a16:rowId xmlns:a16="http://schemas.microsoft.com/office/drawing/2014/main" val="337826805"/>
@@ -13394,7 +13954,7 @@
                         <a:defRPr/>
                       </a:pPr>
                       <a:r>
-                        <a:rPr kumimoji="0" lang="en-US" sz="1400" b="0" i="0" u="none" strike="noStrike" kern="1200" cap="none" spc="0" normalizeH="0" baseline="0" noProof="0" dirty="0">
+                        <a:rPr kumimoji="0" lang="en-US" sz="1400" b="1" i="0" u="none" strike="noStrike" kern="1200" cap="none" spc="0" normalizeH="0" baseline="0" noProof="0" dirty="0">
                           <a:ln>
                             <a:noFill/>
                           </a:ln>
@@ -13437,7 +13997,7 @@
                         <a:defRPr/>
                       </a:pPr>
                       <a:r>
-                        <a:rPr kumimoji="0" lang="en-US" sz="1400" b="0" i="0" u="none" strike="noStrike" kern="1200" cap="none" spc="0" normalizeH="0" baseline="0" noProof="0" dirty="0">
+                        <a:rPr kumimoji="0" lang="en-US" sz="1400" b="1" i="0" u="none" strike="noStrike" kern="1200" cap="none" spc="0" normalizeH="0" baseline="0" noProof="0" dirty="0">
                           <a:ln>
                             <a:noFill/>
                           </a:ln>
@@ -13480,7 +14040,7 @@
                         <a:defRPr/>
                       </a:pPr>
                       <a:r>
-                        <a:rPr kumimoji="0" lang="en-US" sz="1400" b="0" i="0" u="none" strike="noStrike" kern="1200" cap="none" spc="0" normalizeH="0" baseline="0" noProof="0" dirty="0">
+                        <a:rPr kumimoji="0" lang="en-US" sz="1400" b="1" i="0" u="none" strike="noStrike" kern="1200" cap="none" spc="0" normalizeH="0" baseline="0" noProof="0" dirty="0">
                           <a:ln>
                             <a:noFill/>
                           </a:ln>
@@ -13523,7 +14083,7 @@
                         <a:defRPr/>
                       </a:pPr>
                       <a:r>
-                        <a:rPr kumimoji="0" lang="en-US" sz="1400" b="0" i="0" u="none" strike="noStrike" kern="1200" cap="none" spc="0" normalizeH="0" baseline="0" noProof="0" dirty="0">
+                        <a:rPr kumimoji="0" lang="en-US" sz="1400" b="1" i="0" u="none" strike="noStrike" kern="1200" cap="none" spc="0" normalizeH="0" baseline="0" noProof="0" dirty="0">
                           <a:ln>
                             <a:noFill/>
                           </a:ln>
@@ -13566,7 +14126,7 @@
                         <a:defRPr/>
                       </a:pPr>
                       <a:r>
-                        <a:rPr kumimoji="0" lang="en-US" sz="1400" b="0" i="0" u="none" strike="noStrike" kern="1200" cap="none" spc="0" normalizeH="0" baseline="0" noProof="0" dirty="0">
+                        <a:rPr kumimoji="0" lang="en-US" sz="1400" b="1" i="0" u="none" strike="noStrike" kern="1200" cap="none" spc="0" normalizeH="0" baseline="0" noProof="0" dirty="0">
                           <a:ln>
                             <a:noFill/>
                           </a:ln>
@@ -13591,207 +14151,6 @@
                     <a:bodyPr/>
                     <a:lstStyle/>
                     <a:p>
-                      <a:pPr algn="ctr"/>
-                      <a:endParaRPr lang="en-US" sz="1400"/>
-                    </a:p>
-                  </a:txBody>
-                  <a:tcPr marL="0" marR="0" marT="0" marB="0" anchor="ctr"/>
-                </a:tc>
-                <a:tc>
-                  <a:txBody>
-                    <a:bodyPr/>
-                    <a:lstStyle/>
-                    <a:p>
-                      <a:pPr algn="ctr"/>
-                      <a:endParaRPr lang="en-US" sz="1400"/>
-                    </a:p>
-                  </a:txBody>
-                  <a:tcPr marL="0" marR="0" marT="0" marB="0" anchor="ctr"/>
-                </a:tc>
-                <a:tc>
-                  <a:txBody>
-                    <a:bodyPr/>
-                    <a:lstStyle/>
-                    <a:p>
-                      <a:pPr algn="ctr"/>
-                      <a:endParaRPr lang="en-US" sz="1400"/>
-                    </a:p>
-                  </a:txBody>
-                  <a:tcPr marL="0" marR="0" marT="0" marB="0" anchor="ctr"/>
-                </a:tc>
-                <a:tc>
-                  <a:txBody>
-                    <a:bodyPr/>
-                    <a:lstStyle/>
-                    <a:p>
-                      <a:pPr algn="ctr"/>
-                      <a:endParaRPr lang="en-US" sz="1400"/>
-                    </a:p>
-                  </a:txBody>
-                  <a:tcPr marL="0" marR="0" marT="0" marB="0" anchor="ctr"/>
-                </a:tc>
-                <a:tc>
-                  <a:txBody>
-                    <a:bodyPr/>
-                    <a:lstStyle/>
-                    <a:p>
-                      <a:pPr algn="ctr"/>
-                      <a:endParaRPr lang="en-US" sz="1400"/>
-                    </a:p>
-                  </a:txBody>
-                  <a:tcPr marL="0" marR="0" marT="0" marB="0" anchor="ctr"/>
-                </a:tc>
-                <a:tc>
-                  <a:txBody>
-                    <a:bodyPr/>
-                    <a:lstStyle/>
-                    <a:p>
-                      <a:pPr algn="ctr"/>
-                      <a:endParaRPr lang="en-US" sz="1400"/>
-                    </a:p>
-                  </a:txBody>
-                  <a:tcPr marL="0" marR="0" marT="0" marB="0" anchor="ctr"/>
-                </a:tc>
-                <a:tc>
-                  <a:txBody>
-                    <a:bodyPr/>
-                    <a:lstStyle/>
-                    <a:p>
-                      <a:pPr algn="ctr"/>
-                      <a:endParaRPr lang="en-US" sz="1400"/>
-                    </a:p>
-                  </a:txBody>
-                  <a:tcPr marL="0" marR="0" marT="0" marB="0" anchor="ctr"/>
-                </a:tc>
-                <a:tc>
-                  <a:txBody>
-                    <a:bodyPr/>
-                    <a:lstStyle/>
-                    <a:p>
-                      <a:pPr algn="ctr"/>
-                      <a:endParaRPr lang="en-US" sz="1400"/>
-                    </a:p>
-                  </a:txBody>
-                  <a:tcPr marL="0" marR="0" marT="0" marB="0" anchor="ctr"/>
-                </a:tc>
-                <a:tc>
-                  <a:txBody>
-                    <a:bodyPr/>
-                    <a:lstStyle/>
-                    <a:p>
-                      <a:pPr algn="ctr"/>
-                      <a:endParaRPr lang="en-US" sz="1400"/>
-                    </a:p>
-                  </a:txBody>
-                  <a:tcPr marL="0" marR="0" marT="0" marB="0" anchor="ctr"/>
-                </a:tc>
-                <a:tc>
-                  <a:txBody>
-                    <a:bodyPr/>
-                    <a:lstStyle/>
-                    <a:p>
-                      <a:pPr algn="ctr"/>
-                      <a:endParaRPr lang="en-US" sz="1400"/>
-                    </a:p>
-                  </a:txBody>
-                  <a:tcPr marL="0" marR="0" marT="0" marB="0" anchor="ctr"/>
-                </a:tc>
-                <a:tc>
-                  <a:txBody>
-                    <a:bodyPr/>
-                    <a:lstStyle/>
-                    <a:p>
-                      <a:pPr algn="ctr"/>
-                      <a:endParaRPr lang="en-US" sz="1400"/>
-                    </a:p>
-                  </a:txBody>
-                  <a:tcPr marL="0" marR="0" marT="0" marB="0" anchor="ctr"/>
-                </a:tc>
-                <a:tc>
-                  <a:txBody>
-                    <a:bodyPr/>
-                    <a:lstStyle/>
-                    <a:p>
-                      <a:pPr algn="ctr"/>
-                      <a:endParaRPr lang="en-US" sz="1400"/>
-                    </a:p>
-                  </a:txBody>
-                  <a:tcPr marL="0" marR="0" marT="0" marB="0" anchor="ctr"/>
-                </a:tc>
-                <a:tc>
-                  <a:txBody>
-                    <a:bodyPr/>
-                    <a:lstStyle/>
-                    <a:p>
-                      <a:pPr algn="ctr"/>
-                      <a:endParaRPr lang="en-US" sz="1400"/>
-                    </a:p>
-                  </a:txBody>
-                  <a:tcPr marL="0" marR="0" marT="0" marB="0" anchor="ctr"/>
-                </a:tc>
-                <a:tc>
-                  <a:txBody>
-                    <a:bodyPr/>
-                    <a:lstStyle/>
-                    <a:p>
-                      <a:pPr algn="ctr"/>
-                      <a:endParaRPr lang="en-US" sz="1400"/>
-                    </a:p>
-                  </a:txBody>
-                  <a:tcPr marL="0" marR="0" marT="0" marB="0" anchor="ctr"/>
-                </a:tc>
-                <a:tc>
-                  <a:txBody>
-                    <a:bodyPr/>
-                    <a:lstStyle/>
-                    <a:p>
-                      <a:pPr algn="ctr"/>
-                      <a:endParaRPr lang="en-US" sz="1400"/>
-                    </a:p>
-                  </a:txBody>
-                  <a:tcPr marL="0" marR="0" marT="0" marB="0" anchor="ctr"/>
-                </a:tc>
-                <a:extLst>
-                  <a:ext uri="{0D108BD9-81ED-4DB2-BD59-A6C34878D82A}">
-                    <a16:rowId xmlns:a16="http://schemas.microsoft.com/office/drawing/2014/main" val="430785648"/>
-                  </a:ext>
-                </a:extLst>
-              </a:tr>
-              <a:tr h="512232">
-                <a:tc>
-                  <a:txBody>
-                    <a:bodyPr/>
-                    <a:lstStyle/>
-                    <a:p>
-                      <a:pPr algn="ctr"/>
-                      <a:r>
-                        <a:rPr lang="en-US" sz="1400" dirty="0"/>
-                        <a:t>B</a:t>
-                      </a:r>
-                    </a:p>
-                  </a:txBody>
-                  <a:tcPr marL="0" marR="0" marT="0" marB="0" anchor="ctr"/>
-                </a:tc>
-                <a:tc>
-                  <a:txBody>
-                    <a:bodyPr/>
-                    <a:lstStyle/>
-                    <a:p>
-                      <a:pPr algn="ctr"/>
-                      <a:r>
-                        <a:rPr lang="ko-KR" altLang="en-US" sz="1400"/>
-                        <a:t>박영세</a:t>
-                      </a:r>
-                      <a:endParaRPr lang="en-US" sz="1400"/>
-                    </a:p>
-                  </a:txBody>
-                  <a:tcPr marL="0" marR="0" marT="0" marB="0" anchor="ctr"/>
-                </a:tc>
-                <a:tc>
-                  <a:txBody>
-                    <a:bodyPr/>
-                    <a:lstStyle/>
-                    <a:p>
                       <a:pPr marL="0" marR="0" lvl="0" indent="0" algn="ctr" defTabSz="914400" rtl="0" eaLnBrk="1" fontAlgn="auto" latinLnBrk="0" hangingPunct="1">
                         <a:lnSpc>
                           <a:spcPct val="100000"/>
@@ -13810,7 +14169,548 @@
                         <a:defRPr/>
                       </a:pPr>
                       <a:r>
-                        <a:rPr kumimoji="0" lang="en-US" sz="1400" b="0" i="0" u="none" strike="noStrike" kern="1200" cap="none" spc="0" normalizeH="0" baseline="0" noProof="0" dirty="0">
+                        <a:rPr kumimoji="0" lang="en-US" sz="1400" b="1" i="0" u="none" strike="noStrike" kern="1200" cap="none" spc="0" normalizeH="0" baseline="0" noProof="0" dirty="0">
+                          <a:ln>
+                            <a:noFill/>
+                          </a:ln>
+                          <a:solidFill>
+                            <a:schemeClr val="accent2">
+                              <a:lumMod val="75000"/>
+                            </a:schemeClr>
+                          </a:solidFill>
+                          <a:effectLst/>
+                          <a:uLnTx/>
+                          <a:uFillTx/>
+                          <a:latin typeface="Calibri" panose="020F0502020204030204"/>
+                          <a:ea typeface="+mn-ea"/>
+                          <a:cs typeface="+mn-cs"/>
+                        </a:rPr>
+                        <a:t>O</a:t>
+                      </a:r>
+                    </a:p>
+                  </a:txBody>
+                  <a:tcPr marL="0" marR="0" marT="0" marB="0" anchor="ctr"/>
+                </a:tc>
+                <a:tc>
+                  <a:txBody>
+                    <a:bodyPr/>
+                    <a:lstStyle/>
+                    <a:p>
+                      <a:pPr marL="0" marR="0" lvl="0" indent="0" algn="ctr" defTabSz="914400" rtl="0" eaLnBrk="1" fontAlgn="auto" latinLnBrk="0" hangingPunct="1">
+                        <a:lnSpc>
+                          <a:spcPct val="100000"/>
+                        </a:lnSpc>
+                        <a:spcBef>
+                          <a:spcPts val="0"/>
+                        </a:spcBef>
+                        <a:spcAft>
+                          <a:spcPts val="0"/>
+                        </a:spcAft>
+                        <a:buClrTx/>
+                        <a:buSzTx/>
+                        <a:buFontTx/>
+                        <a:buNone/>
+                        <a:tabLst/>
+                        <a:defRPr/>
+                      </a:pPr>
+                      <a:r>
+                        <a:rPr kumimoji="0" lang="en-US" sz="1400" b="1" i="0" u="none" strike="noStrike" kern="1200" cap="none" spc="0" normalizeH="0" baseline="0" noProof="0" dirty="0">
+                          <a:ln>
+                            <a:noFill/>
+                          </a:ln>
+                          <a:solidFill>
+                            <a:schemeClr val="accent2">
+                              <a:lumMod val="75000"/>
+                            </a:schemeClr>
+                          </a:solidFill>
+                          <a:effectLst/>
+                          <a:uLnTx/>
+                          <a:uFillTx/>
+                          <a:latin typeface="Calibri" panose="020F0502020204030204"/>
+                          <a:ea typeface="+mn-ea"/>
+                          <a:cs typeface="+mn-cs"/>
+                        </a:rPr>
+                        <a:t>O</a:t>
+                      </a:r>
+                    </a:p>
+                  </a:txBody>
+                  <a:tcPr marL="0" marR="0" marT="0" marB="0" anchor="ctr"/>
+                </a:tc>
+                <a:tc>
+                  <a:txBody>
+                    <a:bodyPr/>
+                    <a:lstStyle/>
+                    <a:p>
+                      <a:pPr marL="0" marR="0" lvl="0" indent="0" algn="ctr" defTabSz="914400" rtl="0" eaLnBrk="1" fontAlgn="auto" latinLnBrk="0" hangingPunct="1">
+                        <a:lnSpc>
+                          <a:spcPct val="100000"/>
+                        </a:lnSpc>
+                        <a:spcBef>
+                          <a:spcPts val="0"/>
+                        </a:spcBef>
+                        <a:spcAft>
+                          <a:spcPts val="0"/>
+                        </a:spcAft>
+                        <a:buClrTx/>
+                        <a:buSzTx/>
+                        <a:buFontTx/>
+                        <a:buNone/>
+                        <a:tabLst/>
+                        <a:defRPr/>
+                      </a:pPr>
+                      <a:r>
+                        <a:rPr kumimoji="0" lang="en-US" sz="1400" b="1" i="0" u="none" strike="noStrike" kern="1200" cap="none" spc="0" normalizeH="0" baseline="0" noProof="0" dirty="0">
+                          <a:ln>
+                            <a:noFill/>
+                          </a:ln>
+                          <a:solidFill>
+                            <a:schemeClr val="accent2">
+                              <a:lumMod val="75000"/>
+                            </a:schemeClr>
+                          </a:solidFill>
+                          <a:effectLst/>
+                          <a:uLnTx/>
+                          <a:uFillTx/>
+                          <a:latin typeface="Calibri" panose="020F0502020204030204"/>
+                          <a:ea typeface="+mn-ea"/>
+                          <a:cs typeface="+mn-cs"/>
+                        </a:rPr>
+                        <a:t>O</a:t>
+                      </a:r>
+                    </a:p>
+                  </a:txBody>
+                  <a:tcPr marL="0" marR="0" marT="0" marB="0" anchor="ctr"/>
+                </a:tc>
+                <a:tc>
+                  <a:txBody>
+                    <a:bodyPr/>
+                    <a:lstStyle/>
+                    <a:p>
+                      <a:pPr marL="0" marR="0" lvl="0" indent="0" algn="ctr" defTabSz="914400" rtl="0" eaLnBrk="1" fontAlgn="auto" latinLnBrk="0" hangingPunct="1">
+                        <a:lnSpc>
+                          <a:spcPct val="100000"/>
+                        </a:lnSpc>
+                        <a:spcBef>
+                          <a:spcPts val="0"/>
+                        </a:spcBef>
+                        <a:spcAft>
+                          <a:spcPts val="0"/>
+                        </a:spcAft>
+                        <a:buClrTx/>
+                        <a:buSzTx/>
+                        <a:buFontTx/>
+                        <a:buNone/>
+                        <a:tabLst/>
+                        <a:defRPr/>
+                      </a:pPr>
+                      <a:r>
+                        <a:rPr kumimoji="0" lang="en-US" sz="1400" b="1" i="0" u="none" strike="noStrike" kern="1200" cap="none" spc="0" normalizeH="0" baseline="0" noProof="0" dirty="0">
+                          <a:ln>
+                            <a:noFill/>
+                          </a:ln>
+                          <a:solidFill>
+                            <a:schemeClr val="accent2">
+                              <a:lumMod val="75000"/>
+                            </a:schemeClr>
+                          </a:solidFill>
+                          <a:effectLst/>
+                          <a:uLnTx/>
+                          <a:uFillTx/>
+                          <a:latin typeface="Calibri" panose="020F0502020204030204"/>
+                          <a:ea typeface="+mn-ea"/>
+                          <a:cs typeface="+mn-cs"/>
+                        </a:rPr>
+                        <a:t>O</a:t>
+                      </a:r>
+                    </a:p>
+                  </a:txBody>
+                  <a:tcPr marL="0" marR="0" marT="0" marB="0" anchor="ctr"/>
+                </a:tc>
+                <a:tc>
+                  <a:txBody>
+                    <a:bodyPr/>
+                    <a:lstStyle/>
+                    <a:p>
+                      <a:pPr marL="0" marR="0" lvl="0" indent="0" algn="ctr" defTabSz="914400" rtl="0" eaLnBrk="1" fontAlgn="auto" latinLnBrk="0" hangingPunct="1">
+                        <a:lnSpc>
+                          <a:spcPct val="100000"/>
+                        </a:lnSpc>
+                        <a:spcBef>
+                          <a:spcPts val="0"/>
+                        </a:spcBef>
+                        <a:spcAft>
+                          <a:spcPts val="0"/>
+                        </a:spcAft>
+                        <a:buClrTx/>
+                        <a:buSzTx/>
+                        <a:buFontTx/>
+                        <a:buNone/>
+                        <a:tabLst/>
+                        <a:defRPr/>
+                      </a:pPr>
+                      <a:r>
+                        <a:rPr kumimoji="0" lang="en-US" sz="1400" b="1" i="0" u="none" strike="noStrike" kern="1200" cap="none" spc="0" normalizeH="0" baseline="0" noProof="0" dirty="0">
+                          <a:ln>
+                            <a:noFill/>
+                          </a:ln>
+                          <a:solidFill>
+                            <a:schemeClr val="accent2">
+                              <a:lumMod val="75000"/>
+                            </a:schemeClr>
+                          </a:solidFill>
+                          <a:effectLst/>
+                          <a:uLnTx/>
+                          <a:uFillTx/>
+                          <a:latin typeface="Calibri" panose="020F0502020204030204"/>
+                          <a:ea typeface="+mn-ea"/>
+                          <a:cs typeface="+mn-cs"/>
+                        </a:rPr>
+                        <a:t>O</a:t>
+                      </a:r>
+                    </a:p>
+                  </a:txBody>
+                  <a:tcPr marL="0" marR="0" marT="0" marB="0" anchor="ctr"/>
+                </a:tc>
+                <a:tc>
+                  <a:txBody>
+                    <a:bodyPr/>
+                    <a:lstStyle/>
+                    <a:p>
+                      <a:pPr marL="0" marR="0" lvl="0" indent="0" algn="ctr" defTabSz="914400" rtl="0" eaLnBrk="1" fontAlgn="auto" latinLnBrk="0" hangingPunct="1">
+                        <a:lnSpc>
+                          <a:spcPct val="100000"/>
+                        </a:lnSpc>
+                        <a:spcBef>
+                          <a:spcPts val="0"/>
+                        </a:spcBef>
+                        <a:spcAft>
+                          <a:spcPts val="0"/>
+                        </a:spcAft>
+                        <a:buClrTx/>
+                        <a:buSzTx/>
+                        <a:buFontTx/>
+                        <a:buNone/>
+                        <a:tabLst/>
+                        <a:defRPr/>
+                      </a:pPr>
+                      <a:r>
+                        <a:rPr kumimoji="0" lang="en-US" sz="1400" b="1" i="0" u="none" strike="noStrike" kern="1200" cap="none" spc="0" normalizeH="0" baseline="0" noProof="0" dirty="0">
+                          <a:ln>
+                            <a:noFill/>
+                          </a:ln>
+                          <a:solidFill>
+                            <a:schemeClr val="tx2">
+                              <a:lumMod val="50000"/>
+                            </a:schemeClr>
+                          </a:solidFill>
+                          <a:effectLst/>
+                          <a:uLnTx/>
+                          <a:uFillTx/>
+                          <a:latin typeface="Calibri" panose="020F0502020204030204"/>
+                          <a:ea typeface="+mn-ea"/>
+                          <a:cs typeface="+mn-cs"/>
+                        </a:rPr>
+                        <a:t>O</a:t>
+                      </a:r>
+                    </a:p>
+                  </a:txBody>
+                  <a:tcPr marL="0" marR="0" marT="0" marB="0" anchor="ctr"/>
+                </a:tc>
+                <a:tc>
+                  <a:txBody>
+                    <a:bodyPr/>
+                    <a:lstStyle/>
+                    <a:p>
+                      <a:pPr marL="0" marR="0" lvl="0" indent="0" algn="ctr" defTabSz="914400" rtl="0" eaLnBrk="1" fontAlgn="auto" latinLnBrk="0" hangingPunct="1">
+                        <a:lnSpc>
+                          <a:spcPct val="100000"/>
+                        </a:lnSpc>
+                        <a:spcBef>
+                          <a:spcPts val="0"/>
+                        </a:spcBef>
+                        <a:spcAft>
+                          <a:spcPts val="0"/>
+                        </a:spcAft>
+                        <a:buClrTx/>
+                        <a:buSzTx/>
+                        <a:buFontTx/>
+                        <a:buNone/>
+                        <a:tabLst/>
+                        <a:defRPr/>
+                      </a:pPr>
+                      <a:r>
+                        <a:rPr kumimoji="0" lang="en-US" sz="1400" b="1" i="0" u="none" strike="noStrike" kern="1200" cap="none" spc="0" normalizeH="0" baseline="0" noProof="0" dirty="0">
+                          <a:ln>
+                            <a:noFill/>
+                          </a:ln>
+                          <a:solidFill>
+                            <a:schemeClr val="tx2">
+                              <a:lumMod val="50000"/>
+                            </a:schemeClr>
+                          </a:solidFill>
+                          <a:effectLst/>
+                          <a:uLnTx/>
+                          <a:uFillTx/>
+                          <a:latin typeface="Calibri" panose="020F0502020204030204"/>
+                          <a:ea typeface="+mn-ea"/>
+                          <a:cs typeface="+mn-cs"/>
+                        </a:rPr>
+                        <a:t>O</a:t>
+                      </a:r>
+                    </a:p>
+                  </a:txBody>
+                  <a:tcPr marL="0" marR="0" marT="0" marB="0" anchor="ctr"/>
+                </a:tc>
+                <a:tc>
+                  <a:txBody>
+                    <a:bodyPr/>
+                    <a:lstStyle/>
+                    <a:p>
+                      <a:pPr marL="0" marR="0" lvl="0" indent="0" algn="ctr" defTabSz="914400" rtl="0" eaLnBrk="1" fontAlgn="auto" latinLnBrk="0" hangingPunct="1">
+                        <a:lnSpc>
+                          <a:spcPct val="100000"/>
+                        </a:lnSpc>
+                        <a:spcBef>
+                          <a:spcPts val="0"/>
+                        </a:spcBef>
+                        <a:spcAft>
+                          <a:spcPts val="0"/>
+                        </a:spcAft>
+                        <a:buClrTx/>
+                        <a:buSzTx/>
+                        <a:buFontTx/>
+                        <a:buNone/>
+                        <a:tabLst/>
+                        <a:defRPr/>
+                      </a:pPr>
+                      <a:r>
+                        <a:rPr kumimoji="0" lang="en-US" sz="1400" b="1" i="0" u="none" strike="noStrike" kern="1200" cap="none" spc="0" normalizeH="0" baseline="0" noProof="0" dirty="0">
+                          <a:ln>
+                            <a:noFill/>
+                          </a:ln>
+                          <a:solidFill>
+                            <a:schemeClr val="tx2">
+                              <a:lumMod val="50000"/>
+                            </a:schemeClr>
+                          </a:solidFill>
+                          <a:effectLst/>
+                          <a:uLnTx/>
+                          <a:uFillTx/>
+                          <a:latin typeface="Calibri" panose="020F0502020204030204"/>
+                          <a:ea typeface="+mn-ea"/>
+                          <a:cs typeface="+mn-cs"/>
+                        </a:rPr>
+                        <a:t>O</a:t>
+                      </a:r>
+                    </a:p>
+                  </a:txBody>
+                  <a:tcPr marL="0" marR="0" marT="0" marB="0" anchor="ctr"/>
+                </a:tc>
+                <a:tc>
+                  <a:txBody>
+                    <a:bodyPr/>
+                    <a:lstStyle/>
+                    <a:p>
+                      <a:pPr marL="0" marR="0" lvl="0" indent="0" algn="ctr" defTabSz="914400" rtl="0" eaLnBrk="1" fontAlgn="auto" latinLnBrk="0" hangingPunct="1">
+                        <a:lnSpc>
+                          <a:spcPct val="100000"/>
+                        </a:lnSpc>
+                        <a:spcBef>
+                          <a:spcPts val="0"/>
+                        </a:spcBef>
+                        <a:spcAft>
+                          <a:spcPts val="0"/>
+                        </a:spcAft>
+                        <a:buClrTx/>
+                        <a:buSzTx/>
+                        <a:buFontTx/>
+                        <a:buNone/>
+                        <a:tabLst/>
+                        <a:defRPr/>
+                      </a:pPr>
+                      <a:r>
+                        <a:rPr kumimoji="0" lang="en-US" sz="1400" b="1" i="0" u="none" strike="noStrike" kern="1200" cap="none" spc="0" normalizeH="0" baseline="0" noProof="0" dirty="0">
+                          <a:ln>
+                            <a:noFill/>
+                          </a:ln>
+                          <a:solidFill>
+                            <a:schemeClr val="tx2">
+                              <a:lumMod val="50000"/>
+                            </a:schemeClr>
+                          </a:solidFill>
+                          <a:effectLst/>
+                          <a:uLnTx/>
+                          <a:uFillTx/>
+                          <a:latin typeface="Calibri" panose="020F0502020204030204"/>
+                          <a:ea typeface="+mn-ea"/>
+                          <a:cs typeface="+mn-cs"/>
+                        </a:rPr>
+                        <a:t>O</a:t>
+                      </a:r>
+                    </a:p>
+                  </a:txBody>
+                  <a:tcPr marL="0" marR="0" marT="0" marB="0" anchor="ctr"/>
+                </a:tc>
+                <a:tc>
+                  <a:txBody>
+                    <a:bodyPr/>
+                    <a:lstStyle/>
+                    <a:p>
+                      <a:pPr marL="0" marR="0" lvl="0" indent="0" algn="ctr" defTabSz="914400" rtl="0" eaLnBrk="1" fontAlgn="auto" latinLnBrk="0" hangingPunct="1">
+                        <a:lnSpc>
+                          <a:spcPct val="100000"/>
+                        </a:lnSpc>
+                        <a:spcBef>
+                          <a:spcPts val="0"/>
+                        </a:spcBef>
+                        <a:spcAft>
+                          <a:spcPts val="0"/>
+                        </a:spcAft>
+                        <a:buClrTx/>
+                        <a:buSzTx/>
+                        <a:buFontTx/>
+                        <a:buNone/>
+                        <a:tabLst/>
+                        <a:defRPr/>
+                      </a:pPr>
+                      <a:r>
+                        <a:rPr kumimoji="0" lang="en-US" sz="1400" b="1" i="0" u="none" strike="noStrike" kern="1200" cap="none" spc="0" normalizeH="0" baseline="0" noProof="0" dirty="0">
+                          <a:ln>
+                            <a:noFill/>
+                          </a:ln>
+                          <a:solidFill>
+                            <a:schemeClr val="tx2">
+                              <a:lumMod val="50000"/>
+                            </a:schemeClr>
+                          </a:solidFill>
+                          <a:effectLst/>
+                          <a:uLnTx/>
+                          <a:uFillTx/>
+                          <a:latin typeface="Calibri" panose="020F0502020204030204"/>
+                          <a:ea typeface="+mn-ea"/>
+                          <a:cs typeface="+mn-cs"/>
+                        </a:rPr>
+                        <a:t>O</a:t>
+                      </a:r>
+                    </a:p>
+                  </a:txBody>
+                  <a:tcPr marL="0" marR="0" marT="0" marB="0" anchor="ctr"/>
+                </a:tc>
+                <a:tc>
+                  <a:txBody>
+                    <a:bodyPr/>
+                    <a:lstStyle/>
+                    <a:p>
+                      <a:pPr algn="ctr"/>
+                      <a:endParaRPr lang="en-US" sz="1400"/>
+                    </a:p>
+                  </a:txBody>
+                  <a:tcPr marL="0" marR="0" marT="0" marB="0" anchor="ctr"/>
+                </a:tc>
+                <a:tc>
+                  <a:txBody>
+                    <a:bodyPr/>
+                    <a:lstStyle/>
+                    <a:p>
+                      <a:pPr algn="ctr"/>
+                      <a:endParaRPr lang="en-US" sz="1400"/>
+                    </a:p>
+                  </a:txBody>
+                  <a:tcPr marL="0" marR="0" marT="0" marB="0" anchor="ctr"/>
+                </a:tc>
+                <a:tc>
+                  <a:txBody>
+                    <a:bodyPr/>
+                    <a:lstStyle/>
+                    <a:p>
+                      <a:pPr algn="ctr"/>
+                      <a:endParaRPr lang="en-US" sz="1400"/>
+                    </a:p>
+                  </a:txBody>
+                  <a:tcPr marL="0" marR="0" marT="0" marB="0" anchor="ctr"/>
+                </a:tc>
+                <a:tc>
+                  <a:txBody>
+                    <a:bodyPr/>
+                    <a:lstStyle/>
+                    <a:p>
+                      <a:pPr algn="ctr"/>
+                      <a:endParaRPr lang="en-US" sz="1400"/>
+                    </a:p>
+                  </a:txBody>
+                  <a:tcPr marL="0" marR="0" marT="0" marB="0" anchor="ctr"/>
+                </a:tc>
+                <a:tc>
+                  <a:txBody>
+                    <a:bodyPr/>
+                    <a:lstStyle/>
+                    <a:p>
+                      <a:pPr algn="ctr"/>
+                      <a:endParaRPr lang="en-US" sz="1400"/>
+                    </a:p>
+                  </a:txBody>
+                  <a:tcPr marL="0" marR="0" marT="0" marB="0" anchor="ctr"/>
+                </a:tc>
+                <a:extLst>
+                  <a:ext uri="{0D108BD9-81ED-4DB2-BD59-A6C34878D82A}">
+                    <a16:rowId xmlns:a16="http://schemas.microsoft.com/office/drawing/2014/main" val="430785648"/>
+                  </a:ext>
+                </a:extLst>
+              </a:tr>
+              <a:tr h="512232">
+                <a:tc>
+                  <a:txBody>
+                    <a:bodyPr/>
+                    <a:lstStyle/>
+                    <a:p>
+                      <a:pPr algn="ctr"/>
+                      <a:r>
+                        <a:rPr lang="en-US" sz="1400" dirty="0"/>
+                        <a:t>B</a:t>
+                      </a:r>
+                    </a:p>
+                  </a:txBody>
+                  <a:tcPr marL="0" marR="0" marT="0" marB="0" anchor="ctr"/>
+                </a:tc>
+                <a:tc>
+                  <a:txBody>
+                    <a:bodyPr/>
+                    <a:lstStyle/>
+                    <a:p>
+                      <a:pPr algn="ctr"/>
+                      <a:r>
+                        <a:rPr lang="ko-KR" altLang="en-US" sz="1400"/>
+                        <a:t>박영세</a:t>
+                      </a:r>
+                      <a:endParaRPr lang="en-US" sz="1400"/>
+                    </a:p>
+                  </a:txBody>
+                  <a:tcPr marL="0" marR="0" marT="0" marB="0" anchor="ctr"/>
+                </a:tc>
+                <a:tc>
+                  <a:txBody>
+                    <a:bodyPr/>
+                    <a:lstStyle/>
+                    <a:p>
+                      <a:pPr marL="0" marR="0" lvl="0" indent="0" algn="ctr" defTabSz="914400" rtl="0" eaLnBrk="1" fontAlgn="auto" latinLnBrk="0" hangingPunct="1">
+                        <a:lnSpc>
+                          <a:spcPct val="100000"/>
+                        </a:lnSpc>
+                        <a:spcBef>
+                          <a:spcPts val="0"/>
+                        </a:spcBef>
+                        <a:spcAft>
+                          <a:spcPts val="0"/>
+                        </a:spcAft>
+                        <a:buClrTx/>
+                        <a:buSzTx/>
+                        <a:buFontTx/>
+                        <a:buNone/>
+                        <a:tabLst/>
+                        <a:defRPr/>
+                      </a:pPr>
+                      <a:r>
+                        <a:rPr kumimoji="0" lang="en-US" sz="1400" b="1" i="0" u="none" strike="noStrike" kern="1200" cap="none" spc="0" normalizeH="0" baseline="0" noProof="0" dirty="0">
                           <a:ln>
                             <a:noFill/>
                           </a:ln>
@@ -13853,7 +14753,7 @@
                         <a:defRPr/>
                       </a:pPr>
                       <a:r>
-                        <a:rPr kumimoji="0" lang="en-US" sz="1400" b="0" i="0" u="none" strike="noStrike" kern="1200" cap="none" spc="0" normalizeH="0" baseline="0" noProof="0" dirty="0">
+                        <a:rPr kumimoji="0" lang="en-US" sz="1400" b="1" i="0" u="none" strike="noStrike" kern="1200" cap="none" spc="0" normalizeH="0" baseline="0" noProof="0" dirty="0">
                           <a:ln>
                             <a:noFill/>
                           </a:ln>
@@ -13896,7 +14796,7 @@
                         <a:defRPr/>
                       </a:pPr>
                       <a:r>
-                        <a:rPr kumimoji="0" lang="en-US" sz="1400" b="0" i="0" u="none" strike="noStrike" kern="1200" cap="none" spc="0" normalizeH="0" baseline="0" noProof="0" dirty="0">
+                        <a:rPr kumimoji="0" lang="en-US" sz="1400" b="1" i="0" u="none" strike="noStrike" kern="1200" cap="none" spc="0" normalizeH="0" baseline="0" noProof="0" dirty="0">
                           <a:ln>
                             <a:noFill/>
                           </a:ln>
@@ -13939,7 +14839,7 @@
                         <a:defRPr/>
                       </a:pPr>
                       <a:r>
-                        <a:rPr kumimoji="0" lang="en-US" sz="1400" b="0" i="0" u="none" strike="noStrike" kern="1200" cap="none" spc="0" normalizeH="0" baseline="0" noProof="0" dirty="0">
+                        <a:rPr kumimoji="0" lang="en-US" sz="1400" b="1" i="0" u="none" strike="noStrike" kern="1200" cap="none" spc="0" normalizeH="0" baseline="0" noProof="0" dirty="0">
                           <a:ln>
                             <a:noFill/>
                           </a:ln>
@@ -13982,7 +14882,7 @@
                         <a:defRPr/>
                       </a:pPr>
                       <a:r>
-                        <a:rPr kumimoji="0" lang="en-US" sz="1400" b="0" i="0" u="none" strike="noStrike" kern="1200" cap="none" spc="0" normalizeH="0" baseline="0" noProof="0" dirty="0">
+                        <a:rPr kumimoji="0" lang="en-US" sz="1400" b="1" i="0" u="none" strike="noStrike" kern="1200" cap="none" spc="0" normalizeH="0" baseline="0" noProof="0" dirty="0">
                           <a:ln>
                             <a:noFill/>
                           </a:ln>
@@ -14007,107 +14907,512 @@
                     <a:bodyPr/>
                     <a:lstStyle/>
                     <a:p>
-                      <a:pPr algn="ctr"/>
-                      <a:endParaRPr lang="en-US" sz="1400"/>
-                    </a:p>
-                  </a:txBody>
-                  <a:tcPr marL="0" marR="0" marT="0" marB="0" anchor="ctr"/>
-                </a:tc>
-                <a:tc>
-                  <a:txBody>
-                    <a:bodyPr/>
-                    <a:lstStyle/>
-                    <a:p>
-                      <a:pPr algn="ctr"/>
-                      <a:endParaRPr lang="en-US" sz="1400"/>
-                    </a:p>
-                  </a:txBody>
-                  <a:tcPr marL="0" marR="0" marT="0" marB="0" anchor="ctr"/>
-                </a:tc>
-                <a:tc>
-                  <a:txBody>
-                    <a:bodyPr/>
-                    <a:lstStyle/>
-                    <a:p>
-                      <a:pPr algn="ctr"/>
-                      <a:endParaRPr lang="en-US" sz="1400"/>
-                    </a:p>
-                  </a:txBody>
-                  <a:tcPr marL="0" marR="0" marT="0" marB="0" anchor="ctr"/>
-                </a:tc>
-                <a:tc>
-                  <a:txBody>
-                    <a:bodyPr/>
-                    <a:lstStyle/>
-                    <a:p>
-                      <a:pPr algn="ctr"/>
-                      <a:endParaRPr lang="en-US" sz="1400"/>
-                    </a:p>
-                  </a:txBody>
-                  <a:tcPr marL="0" marR="0" marT="0" marB="0" anchor="ctr"/>
-                </a:tc>
-                <a:tc>
-                  <a:txBody>
-                    <a:bodyPr/>
-                    <a:lstStyle/>
-                    <a:p>
-                      <a:pPr algn="ctr"/>
-                      <a:endParaRPr lang="en-US" sz="1400"/>
-                    </a:p>
-                  </a:txBody>
-                  <a:tcPr marL="0" marR="0" marT="0" marB="0" anchor="ctr"/>
-                </a:tc>
-                <a:tc>
-                  <a:txBody>
-                    <a:bodyPr/>
-                    <a:lstStyle/>
-                    <a:p>
-                      <a:pPr algn="ctr"/>
-                      <a:endParaRPr lang="en-US" sz="1400"/>
-                    </a:p>
-                  </a:txBody>
-                  <a:tcPr marL="0" marR="0" marT="0" marB="0" anchor="ctr"/>
-                </a:tc>
-                <a:tc>
-                  <a:txBody>
-                    <a:bodyPr/>
-                    <a:lstStyle/>
-                    <a:p>
-                      <a:pPr algn="ctr"/>
-                      <a:endParaRPr lang="en-US" sz="1400"/>
-                    </a:p>
-                  </a:txBody>
-                  <a:tcPr marL="0" marR="0" marT="0" marB="0" anchor="ctr"/>
-                </a:tc>
-                <a:tc>
-                  <a:txBody>
-                    <a:bodyPr/>
-                    <a:lstStyle/>
-                    <a:p>
-                      <a:pPr algn="ctr"/>
-                      <a:endParaRPr lang="en-US" sz="1400"/>
-                    </a:p>
-                  </a:txBody>
-                  <a:tcPr marL="0" marR="0" marT="0" marB="0" anchor="ctr"/>
-                </a:tc>
-                <a:tc>
-                  <a:txBody>
-                    <a:bodyPr/>
-                    <a:lstStyle/>
-                    <a:p>
-                      <a:pPr algn="ctr"/>
-                      <a:endParaRPr lang="en-US" sz="1400"/>
-                    </a:p>
-                  </a:txBody>
-                  <a:tcPr marL="0" marR="0" marT="0" marB="0" anchor="ctr"/>
-                </a:tc>
-                <a:tc>
-                  <a:txBody>
-                    <a:bodyPr/>
-                    <a:lstStyle/>
-                    <a:p>
-                      <a:pPr algn="ctr"/>
-                      <a:endParaRPr lang="en-US" sz="1400"/>
+                      <a:pPr marL="0" marR="0" lvl="0" indent="0" algn="ctr" defTabSz="914400" rtl="0" eaLnBrk="1" fontAlgn="auto" latinLnBrk="0" hangingPunct="1">
+                        <a:lnSpc>
+                          <a:spcPct val="100000"/>
+                        </a:lnSpc>
+                        <a:spcBef>
+                          <a:spcPts val="0"/>
+                        </a:spcBef>
+                        <a:spcAft>
+                          <a:spcPts val="0"/>
+                        </a:spcAft>
+                        <a:buClrTx/>
+                        <a:buSzTx/>
+                        <a:buFontTx/>
+                        <a:buNone/>
+                        <a:tabLst/>
+                        <a:defRPr/>
+                      </a:pPr>
+                      <a:r>
+                        <a:rPr kumimoji="0" lang="en-US" sz="1400" b="1" i="0" u="none" strike="noStrike" kern="1200" cap="none" spc="0" normalizeH="0" baseline="0" noProof="0" dirty="0">
+                          <a:ln>
+                            <a:noFill/>
+                          </a:ln>
+                          <a:solidFill>
+                            <a:schemeClr val="accent2">
+                              <a:lumMod val="75000"/>
+                            </a:schemeClr>
+                          </a:solidFill>
+                          <a:effectLst/>
+                          <a:uLnTx/>
+                          <a:uFillTx/>
+                          <a:latin typeface="Calibri" panose="020F0502020204030204"/>
+                          <a:ea typeface="+mn-ea"/>
+                          <a:cs typeface="+mn-cs"/>
+                        </a:rPr>
+                        <a:t>O</a:t>
+                      </a:r>
+                    </a:p>
+                  </a:txBody>
+                  <a:tcPr marL="0" marR="0" marT="0" marB="0" anchor="ctr"/>
+                </a:tc>
+                <a:tc>
+                  <a:txBody>
+                    <a:bodyPr/>
+                    <a:lstStyle/>
+                    <a:p>
+                      <a:pPr marL="0" marR="0" lvl="0" indent="0" algn="ctr" defTabSz="914400" rtl="0" eaLnBrk="1" fontAlgn="auto" latinLnBrk="0" hangingPunct="1">
+                        <a:lnSpc>
+                          <a:spcPct val="100000"/>
+                        </a:lnSpc>
+                        <a:spcBef>
+                          <a:spcPts val="0"/>
+                        </a:spcBef>
+                        <a:spcAft>
+                          <a:spcPts val="0"/>
+                        </a:spcAft>
+                        <a:buClrTx/>
+                        <a:buSzTx/>
+                        <a:buFontTx/>
+                        <a:buNone/>
+                        <a:tabLst/>
+                        <a:defRPr/>
+                      </a:pPr>
+                      <a:r>
+                        <a:rPr kumimoji="0" lang="en-US" sz="1400" b="1" i="0" u="none" strike="noStrike" kern="1200" cap="none" spc="0" normalizeH="0" baseline="0" noProof="0" dirty="0">
+                          <a:ln>
+                            <a:noFill/>
+                          </a:ln>
+                          <a:solidFill>
+                            <a:schemeClr val="accent2">
+                              <a:lumMod val="75000"/>
+                            </a:schemeClr>
+                          </a:solidFill>
+                          <a:effectLst/>
+                          <a:uLnTx/>
+                          <a:uFillTx/>
+                          <a:latin typeface="Calibri" panose="020F0502020204030204"/>
+                          <a:ea typeface="+mn-ea"/>
+                          <a:cs typeface="+mn-cs"/>
+                        </a:rPr>
+                        <a:t>O</a:t>
+                      </a:r>
+                    </a:p>
+                  </a:txBody>
+                  <a:tcPr marL="0" marR="0" marT="0" marB="0" anchor="ctr"/>
+                </a:tc>
+                <a:tc>
+                  <a:txBody>
+                    <a:bodyPr/>
+                    <a:lstStyle/>
+                    <a:p>
+                      <a:pPr marL="0" marR="0" lvl="0" indent="0" algn="ctr" defTabSz="914400" rtl="0" eaLnBrk="1" fontAlgn="auto" latinLnBrk="0" hangingPunct="1">
+                        <a:lnSpc>
+                          <a:spcPct val="100000"/>
+                        </a:lnSpc>
+                        <a:spcBef>
+                          <a:spcPts val="0"/>
+                        </a:spcBef>
+                        <a:spcAft>
+                          <a:spcPts val="0"/>
+                        </a:spcAft>
+                        <a:buClrTx/>
+                        <a:buSzTx/>
+                        <a:buFontTx/>
+                        <a:buNone/>
+                        <a:tabLst/>
+                        <a:defRPr/>
+                      </a:pPr>
+                      <a:r>
+                        <a:rPr kumimoji="0" lang="en-US" sz="1400" b="1" i="0" u="none" strike="noStrike" kern="1200" cap="none" spc="0" normalizeH="0" baseline="0" noProof="0" dirty="0">
+                          <a:ln>
+                            <a:noFill/>
+                          </a:ln>
+                          <a:solidFill>
+                            <a:schemeClr val="accent2">
+                              <a:lumMod val="75000"/>
+                            </a:schemeClr>
+                          </a:solidFill>
+                          <a:effectLst/>
+                          <a:uLnTx/>
+                          <a:uFillTx/>
+                          <a:latin typeface="Calibri" panose="020F0502020204030204"/>
+                          <a:ea typeface="+mn-ea"/>
+                          <a:cs typeface="+mn-cs"/>
+                        </a:rPr>
+                        <a:t>O</a:t>
+                      </a:r>
+                    </a:p>
+                  </a:txBody>
+                  <a:tcPr marL="0" marR="0" marT="0" marB="0" anchor="ctr"/>
+                </a:tc>
+                <a:tc>
+                  <a:txBody>
+                    <a:bodyPr/>
+                    <a:lstStyle/>
+                    <a:p>
+                      <a:pPr marL="0" marR="0" lvl="0" indent="0" algn="ctr" defTabSz="914400" rtl="0" eaLnBrk="1" fontAlgn="auto" latinLnBrk="0" hangingPunct="1">
+                        <a:lnSpc>
+                          <a:spcPct val="100000"/>
+                        </a:lnSpc>
+                        <a:spcBef>
+                          <a:spcPts val="0"/>
+                        </a:spcBef>
+                        <a:spcAft>
+                          <a:spcPts val="0"/>
+                        </a:spcAft>
+                        <a:buClrTx/>
+                        <a:buSzTx/>
+                        <a:buFontTx/>
+                        <a:buNone/>
+                        <a:tabLst/>
+                        <a:defRPr/>
+                      </a:pPr>
+                      <a:r>
+                        <a:rPr kumimoji="0" lang="en-US" sz="1400" b="1" i="0" u="none" strike="noStrike" kern="1200" cap="none" spc="0" normalizeH="0" baseline="0" noProof="0" dirty="0">
+                          <a:ln>
+                            <a:noFill/>
+                          </a:ln>
+                          <a:solidFill>
+                            <a:schemeClr val="accent2">
+                              <a:lumMod val="75000"/>
+                            </a:schemeClr>
+                          </a:solidFill>
+                          <a:effectLst/>
+                          <a:uLnTx/>
+                          <a:uFillTx/>
+                          <a:latin typeface="Calibri" panose="020F0502020204030204"/>
+                          <a:ea typeface="+mn-ea"/>
+                          <a:cs typeface="+mn-cs"/>
+                        </a:rPr>
+                        <a:t>O</a:t>
+                      </a:r>
+                    </a:p>
+                  </a:txBody>
+                  <a:tcPr marL="0" marR="0" marT="0" marB="0" anchor="ctr"/>
+                </a:tc>
+                <a:tc>
+                  <a:txBody>
+                    <a:bodyPr/>
+                    <a:lstStyle/>
+                    <a:p>
+                      <a:pPr marL="0" marR="0" lvl="0" indent="0" algn="ctr" defTabSz="914400" rtl="0" eaLnBrk="1" fontAlgn="auto" latinLnBrk="0" hangingPunct="1">
+                        <a:lnSpc>
+                          <a:spcPct val="100000"/>
+                        </a:lnSpc>
+                        <a:spcBef>
+                          <a:spcPts val="0"/>
+                        </a:spcBef>
+                        <a:spcAft>
+                          <a:spcPts val="0"/>
+                        </a:spcAft>
+                        <a:buClrTx/>
+                        <a:buSzTx/>
+                        <a:buFontTx/>
+                        <a:buNone/>
+                        <a:tabLst/>
+                        <a:defRPr/>
+                      </a:pPr>
+                      <a:r>
+                        <a:rPr kumimoji="0" lang="en-US" sz="1400" b="1" i="0" u="none" strike="noStrike" kern="1200" cap="none" spc="0" normalizeH="0" baseline="0" noProof="0" dirty="0">
+                          <a:ln>
+                            <a:noFill/>
+                          </a:ln>
+                          <a:solidFill>
+                            <a:schemeClr val="accent2">
+                              <a:lumMod val="75000"/>
+                            </a:schemeClr>
+                          </a:solidFill>
+                          <a:effectLst/>
+                          <a:uLnTx/>
+                          <a:uFillTx/>
+                          <a:latin typeface="Calibri" panose="020F0502020204030204"/>
+                          <a:ea typeface="+mn-ea"/>
+                          <a:cs typeface="+mn-cs"/>
+                        </a:rPr>
+                        <a:t>O</a:t>
+                      </a:r>
+                    </a:p>
+                  </a:txBody>
+                  <a:tcPr marL="0" marR="0" marT="0" marB="0" anchor="ctr"/>
+                </a:tc>
+                <a:tc>
+                  <a:txBody>
+                    <a:bodyPr/>
+                    <a:lstStyle/>
+                    <a:p>
+                      <a:pPr marL="0" marR="0" lvl="0" indent="0" algn="ctr" defTabSz="914400" rtl="0" eaLnBrk="1" fontAlgn="auto" latinLnBrk="0" hangingPunct="1">
+                        <a:lnSpc>
+                          <a:spcPct val="100000"/>
+                        </a:lnSpc>
+                        <a:spcBef>
+                          <a:spcPts val="0"/>
+                        </a:spcBef>
+                        <a:spcAft>
+                          <a:spcPts val="0"/>
+                        </a:spcAft>
+                        <a:buClrTx/>
+                        <a:buSzTx/>
+                        <a:buFontTx/>
+                        <a:buNone/>
+                        <a:tabLst/>
+                        <a:defRPr/>
+                      </a:pPr>
+                      <a:r>
+                        <a:rPr kumimoji="0" lang="en-US" sz="1400" b="1" u="none" strike="sngStrike" kern="1200" cap="none" spc="0" normalizeH="0" baseline="0" noProof="0" dirty="0">
+                          <a:ln>
+                            <a:noFill/>
+                          </a:ln>
+                          <a:solidFill>
+                            <a:schemeClr val="tx2">
+                              <a:lumMod val="50000"/>
+                            </a:schemeClr>
+                          </a:solidFill>
+                          <a:effectLst/>
+                          <a:uLnTx/>
+                          <a:uFillTx/>
+                        </a:rPr>
+                        <a:t>X</a:t>
+                      </a:r>
+                      <a:endParaRPr kumimoji="0" lang="en-US" sz="1400" b="1" i="0" u="none" strike="sngStrike" kern="1200" cap="none" spc="0" normalizeH="0" baseline="0" noProof="0" dirty="0">
+                        <a:ln>
+                          <a:noFill/>
+                        </a:ln>
+                        <a:solidFill>
+                          <a:schemeClr val="tx2">
+                            <a:lumMod val="50000"/>
+                          </a:schemeClr>
+                        </a:solidFill>
+                        <a:effectLst/>
+                        <a:uLnTx/>
+                        <a:uFillTx/>
+                        <a:latin typeface="Calibri" panose="020F0502020204030204"/>
+                        <a:ea typeface="+mn-ea"/>
+                        <a:cs typeface="+mn-cs"/>
+                      </a:endParaRPr>
+                    </a:p>
+                  </a:txBody>
+                  <a:tcPr marL="0" marR="0" marT="0" marB="0" anchor="ctr"/>
+                </a:tc>
+                <a:tc>
+                  <a:txBody>
+                    <a:bodyPr/>
+                    <a:lstStyle/>
+                    <a:p>
+                      <a:pPr marL="0" marR="0" lvl="0" indent="0" algn="ctr" defTabSz="914400" rtl="0" eaLnBrk="1" fontAlgn="auto" latinLnBrk="0" hangingPunct="1">
+                        <a:lnSpc>
+                          <a:spcPct val="100000"/>
+                        </a:lnSpc>
+                        <a:spcBef>
+                          <a:spcPts val="0"/>
+                        </a:spcBef>
+                        <a:spcAft>
+                          <a:spcPts val="0"/>
+                        </a:spcAft>
+                        <a:buClrTx/>
+                        <a:buSzTx/>
+                        <a:buFontTx/>
+                        <a:buNone/>
+                        <a:tabLst/>
+                        <a:defRPr/>
+                      </a:pPr>
+                      <a:r>
+                        <a:rPr kumimoji="0" lang="en-US" sz="1400" b="1" u="none" strike="sngStrike" kern="1200" cap="none" spc="0" normalizeH="0" baseline="0" noProof="0" dirty="0">
+                          <a:ln>
+                            <a:noFill/>
+                          </a:ln>
+                          <a:solidFill>
+                            <a:schemeClr val="tx2">
+                              <a:lumMod val="50000"/>
+                            </a:schemeClr>
+                          </a:solidFill>
+                          <a:effectLst/>
+                          <a:uLnTx/>
+                          <a:uFillTx/>
+                        </a:rPr>
+                        <a:t>X</a:t>
+                      </a:r>
+                      <a:endParaRPr kumimoji="0" lang="en-US" sz="1400" b="1" i="0" u="none" strike="sngStrike" kern="1200" cap="none" spc="0" normalizeH="0" baseline="0" noProof="0" dirty="0">
+                        <a:ln>
+                          <a:noFill/>
+                        </a:ln>
+                        <a:solidFill>
+                          <a:schemeClr val="tx2">
+                            <a:lumMod val="50000"/>
+                          </a:schemeClr>
+                        </a:solidFill>
+                        <a:effectLst/>
+                        <a:uLnTx/>
+                        <a:uFillTx/>
+                        <a:latin typeface="Calibri" panose="020F0502020204030204"/>
+                        <a:ea typeface="+mn-ea"/>
+                        <a:cs typeface="+mn-cs"/>
+                      </a:endParaRPr>
+                    </a:p>
+                  </a:txBody>
+                  <a:tcPr marL="0" marR="0" marT="0" marB="0" anchor="ctr"/>
+                </a:tc>
+                <a:tc>
+                  <a:txBody>
+                    <a:bodyPr/>
+                    <a:lstStyle/>
+                    <a:p>
+                      <a:pPr marL="0" marR="0" lvl="0" indent="0" algn="ctr" defTabSz="914400" rtl="0" eaLnBrk="1" fontAlgn="auto" latinLnBrk="0" hangingPunct="1">
+                        <a:lnSpc>
+                          <a:spcPct val="100000"/>
+                        </a:lnSpc>
+                        <a:spcBef>
+                          <a:spcPts val="0"/>
+                        </a:spcBef>
+                        <a:spcAft>
+                          <a:spcPts val="0"/>
+                        </a:spcAft>
+                        <a:buClrTx/>
+                        <a:buSzTx/>
+                        <a:buFontTx/>
+                        <a:buNone/>
+                        <a:tabLst/>
+                        <a:defRPr/>
+                      </a:pPr>
+                      <a:r>
+                        <a:rPr kumimoji="0" lang="en-US" sz="1400" b="1" u="none" strike="sngStrike" kern="1200" cap="none" spc="0" normalizeH="0" baseline="0" noProof="0" dirty="0">
+                          <a:ln>
+                            <a:noFill/>
+                          </a:ln>
+                          <a:solidFill>
+                            <a:schemeClr val="tx2">
+                              <a:lumMod val="50000"/>
+                            </a:schemeClr>
+                          </a:solidFill>
+                          <a:effectLst/>
+                          <a:uLnTx/>
+                          <a:uFillTx/>
+                        </a:rPr>
+                        <a:t>X</a:t>
+                      </a:r>
+                      <a:endParaRPr kumimoji="0" lang="en-US" sz="1400" b="1" i="0" u="none" strike="sngStrike" kern="1200" cap="none" spc="0" normalizeH="0" baseline="0" noProof="0" dirty="0">
+                        <a:ln>
+                          <a:noFill/>
+                        </a:ln>
+                        <a:solidFill>
+                          <a:schemeClr val="tx2">
+                            <a:lumMod val="50000"/>
+                          </a:schemeClr>
+                        </a:solidFill>
+                        <a:effectLst/>
+                        <a:uLnTx/>
+                        <a:uFillTx/>
+                        <a:latin typeface="Calibri" panose="020F0502020204030204"/>
+                        <a:ea typeface="+mn-ea"/>
+                        <a:cs typeface="+mn-cs"/>
+                      </a:endParaRPr>
+                    </a:p>
+                  </a:txBody>
+                  <a:tcPr marL="0" marR="0" marT="0" marB="0" anchor="ctr"/>
+                </a:tc>
+                <a:tc>
+                  <a:txBody>
+                    <a:bodyPr/>
+                    <a:lstStyle/>
+                    <a:p>
+                      <a:pPr marL="0" marR="0" lvl="0" indent="0" algn="ctr" defTabSz="914400" rtl="0" eaLnBrk="1" fontAlgn="auto" latinLnBrk="0" hangingPunct="1">
+                        <a:lnSpc>
+                          <a:spcPct val="100000"/>
+                        </a:lnSpc>
+                        <a:spcBef>
+                          <a:spcPts val="0"/>
+                        </a:spcBef>
+                        <a:spcAft>
+                          <a:spcPts val="0"/>
+                        </a:spcAft>
+                        <a:buClrTx/>
+                        <a:buSzTx/>
+                        <a:buFontTx/>
+                        <a:buNone/>
+                        <a:tabLst/>
+                        <a:defRPr/>
+                      </a:pPr>
+                      <a:r>
+                        <a:rPr kumimoji="0" lang="en-US" sz="1400" b="1" u="none" strike="sngStrike" kern="1200" cap="none" spc="0" normalizeH="0" baseline="0" noProof="0" dirty="0">
+                          <a:ln>
+                            <a:noFill/>
+                          </a:ln>
+                          <a:solidFill>
+                            <a:schemeClr val="tx2">
+                              <a:lumMod val="50000"/>
+                            </a:schemeClr>
+                          </a:solidFill>
+                          <a:effectLst/>
+                          <a:uLnTx/>
+                          <a:uFillTx/>
+                        </a:rPr>
+                        <a:t>X</a:t>
+                      </a:r>
+                      <a:endParaRPr kumimoji="0" lang="en-US" sz="1400" b="1" i="0" u="none" strike="sngStrike" kern="1200" cap="none" spc="0" normalizeH="0" baseline="0" noProof="0" dirty="0">
+                        <a:ln>
+                          <a:noFill/>
+                        </a:ln>
+                        <a:solidFill>
+                          <a:schemeClr val="tx2">
+                            <a:lumMod val="50000"/>
+                          </a:schemeClr>
+                        </a:solidFill>
+                        <a:effectLst/>
+                        <a:uLnTx/>
+                        <a:uFillTx/>
+                        <a:latin typeface="Calibri" panose="020F0502020204030204"/>
+                        <a:ea typeface="+mn-ea"/>
+                        <a:cs typeface="+mn-cs"/>
+                      </a:endParaRPr>
+                    </a:p>
+                  </a:txBody>
+                  <a:tcPr marL="0" marR="0" marT="0" marB="0" anchor="ctr"/>
+                </a:tc>
+                <a:tc>
+                  <a:txBody>
+                    <a:bodyPr/>
+                    <a:lstStyle/>
+                    <a:p>
+                      <a:pPr marL="0" marR="0" lvl="0" indent="0" algn="ctr" defTabSz="914400" rtl="0" eaLnBrk="1" fontAlgn="auto" latinLnBrk="0" hangingPunct="1">
+                        <a:lnSpc>
+                          <a:spcPct val="100000"/>
+                        </a:lnSpc>
+                        <a:spcBef>
+                          <a:spcPts val="0"/>
+                        </a:spcBef>
+                        <a:spcAft>
+                          <a:spcPts val="0"/>
+                        </a:spcAft>
+                        <a:buClrTx/>
+                        <a:buSzTx/>
+                        <a:buFontTx/>
+                        <a:buNone/>
+                        <a:tabLst/>
+                        <a:defRPr/>
+                      </a:pPr>
+                      <a:r>
+                        <a:rPr kumimoji="0" lang="en-US" sz="1400" b="1" u="none" strike="sngStrike" kern="1200" cap="none" spc="0" normalizeH="0" baseline="0" noProof="0" dirty="0">
+                          <a:ln>
+                            <a:noFill/>
+                          </a:ln>
+                          <a:solidFill>
+                            <a:schemeClr val="tx2">
+                              <a:lumMod val="50000"/>
+                            </a:schemeClr>
+                          </a:solidFill>
+                          <a:effectLst/>
+                          <a:uLnTx/>
+                          <a:uFillTx/>
+                        </a:rPr>
+                        <a:t>X</a:t>
+                      </a:r>
+                      <a:endParaRPr kumimoji="0" lang="en-US" sz="1400" b="1" i="0" u="none" strike="sngStrike" kern="1200" cap="none" spc="0" normalizeH="0" baseline="0" noProof="0" dirty="0">
+                        <a:ln>
+                          <a:noFill/>
+                        </a:ln>
+                        <a:solidFill>
+                          <a:schemeClr val="tx2">
+                            <a:lumMod val="50000"/>
+                          </a:schemeClr>
+                        </a:solidFill>
+                        <a:effectLst/>
+                        <a:uLnTx/>
+                        <a:uFillTx/>
+                        <a:latin typeface="Calibri" panose="020F0502020204030204"/>
+                        <a:ea typeface="+mn-ea"/>
+                        <a:cs typeface="+mn-cs"/>
+                      </a:endParaRPr>
                     </a:p>
                   </a:txBody>
                   <a:tcPr marL="0" marR="0" marT="0" marB="0" anchor="ctr"/>
@@ -14194,7 +15499,7 @@
           <a:p>
             <a:fld id="{BE0357B1-0FDD-482C-A9DC-A4587093D4A9}" type="datetime1">
               <a:rPr lang="ko-KR" altLang="en-US" smtClean="0"/>
-              <a:t>2019-08-07</a:t>
+              <a:t>2019-08-22</a:t>
             </a:fld>
             <a:endParaRPr lang="en-US"/>
           </a:p>
@@ -16840,7 +18145,7 @@
                         <a:defRPr/>
                       </a:pPr>
                       <a:r>
-                        <a:rPr kumimoji="0" lang="en-US" sz="1400" b="1" u="none" strike="noStrike" kern="1200" cap="none" spc="0" normalizeH="0" baseline="0" noProof="0" smtClean="0">
+                        <a:rPr kumimoji="0" lang="en-US" sz="1400" b="1" u="none" strike="noStrike" kern="1200" cap="none" spc="0" normalizeH="0" baseline="0" noProof="0">
                           <a:ln>
                             <a:noFill/>
                           </a:ln>
@@ -21312,7 +22617,7 @@
           <a:p>
             <a:fld id="{BE0357B1-0FDD-482C-A9DC-A4587093D4A9}" type="datetime1">
               <a:rPr lang="ko-KR" altLang="en-US" smtClean="0"/>
-              <a:t>2019-08-07</a:t>
+              <a:t>2019-08-22</a:t>
             </a:fld>
             <a:endParaRPr lang="en-US"/>
           </a:p>
